--- a/Präsi/Präsi.pptx
+++ b/Präsi/Präsi.pptx
@@ -14,27 +14,28 @@
     <p:sldId id="264" r:id="rId8"/>
     <p:sldId id="268" r:id="rId9"/>
     <p:sldId id="276" r:id="rId10"/>
-    <p:sldId id="277" r:id="rId11"/>
-    <p:sldId id="278" r:id="rId12"/>
-    <p:sldId id="279" r:id="rId13"/>
-    <p:sldId id="280" r:id="rId14"/>
-    <p:sldId id="265" r:id="rId15"/>
-    <p:sldId id="270" r:id="rId16"/>
-    <p:sldId id="281" r:id="rId17"/>
-    <p:sldId id="282" r:id="rId18"/>
-    <p:sldId id="283" r:id="rId19"/>
-    <p:sldId id="284" r:id="rId20"/>
-    <p:sldId id="266" r:id="rId21"/>
-    <p:sldId id="269" r:id="rId22"/>
-    <p:sldId id="267" r:id="rId23"/>
-    <p:sldId id="271" r:id="rId24"/>
-    <p:sldId id="272" r:id="rId25"/>
-    <p:sldId id="285" r:id="rId26"/>
+    <p:sldId id="286" r:id="rId11"/>
+    <p:sldId id="277" r:id="rId12"/>
+    <p:sldId id="278" r:id="rId13"/>
+    <p:sldId id="279" r:id="rId14"/>
+    <p:sldId id="280" r:id="rId15"/>
+    <p:sldId id="265" r:id="rId16"/>
+    <p:sldId id="270" r:id="rId17"/>
+    <p:sldId id="281" r:id="rId18"/>
+    <p:sldId id="282" r:id="rId19"/>
+    <p:sldId id="283" r:id="rId20"/>
+    <p:sldId id="284" r:id="rId21"/>
+    <p:sldId id="266" r:id="rId22"/>
+    <p:sldId id="269" r:id="rId23"/>
+    <p:sldId id="267" r:id="rId24"/>
+    <p:sldId id="271" r:id="rId25"/>
+    <p:sldId id="272" r:id="rId26"/>
+    <p:sldId id="285" r:id="rId27"/>
   </p:sldIdLst>
   <p:sldSz cx="10969625" cy="6170613"/>
   <p:notesSz cx="6858000" cy="9144000"/>
   <p:custDataLst>
-    <p:tags r:id="rId27"/>
+    <p:tags r:id="rId28"/>
   </p:custDataLst>
   <p:defaultTextStyle>
     <a:defPPr>
@@ -3091,7 +3092,7 @@
 </file>
 
 <file path=ppt/slides/slide10.xml><?xml version="1.0" encoding="utf-8"?>
-<p:sld xmlns:a="http://schemas.openxmlformats.org/drawingml/2006/main" xmlns:r="http://schemas.openxmlformats.org/officeDocument/2006/relationships" xmlns:p="http://schemas.openxmlformats.org/presentationml/2006/main" showMasterSp="0">
+<p:sld xmlns:a="http://schemas.openxmlformats.org/drawingml/2006/main" xmlns:r="http://schemas.openxmlformats.org/officeDocument/2006/relationships" xmlns:p="http://schemas.openxmlformats.org/presentationml/2006/main">
   <p:cSld>
     <p:spTree>
       <p:nvGrpSpPr>
@@ -3109,7 +3110,7 @@
       </p:grpSpPr>
       <p:pic>
         <p:nvPicPr>
-          <p:cNvPr id="10" name="Grafik 9"/>
+          <p:cNvPr id="16" name="Grafik 15"/>
           <p:cNvPicPr>
             <a:picLocks/>
           </p:cNvPicPr>
@@ -3120,7 +3121,7 @@
           </p:nvPr>
         </p:nvPicPr>
         <p:blipFill>
-          <a:blip r:embed="rId12" cstate="print">
+          <a:blip r:embed="rId13" cstate="print">
             <a:extLst>
               <a:ext uri="{28A0092B-C50C-407E-A947-70E740481C1C}">
                 <a14:useLocalDpi xmlns:a14="http://schemas.microsoft.com/office/drawing/2010/main" val="0"/>
@@ -3158,7 +3159,7 @@
       </p:pic>
       <p:pic>
         <p:nvPicPr>
-          <p:cNvPr id="9" name="Grafik 8"/>
+          <p:cNvPr id="13" name="Grafik 12"/>
           <p:cNvPicPr>
             <a:picLocks/>
           </p:cNvPicPr>
@@ -3169,7 +3170,7 @@
           </p:nvPr>
         </p:nvPicPr>
         <p:blipFill>
-          <a:blip r:embed="rId13">
+          <a:blip r:embed="rId14">
             <a:extLst>
               <a:ext uri="{28A0092B-C50C-407E-A947-70E740481C1C}">
                 <a14:useLocalDpi xmlns:a14="http://schemas.microsoft.com/office/drawing/2010/main" val="0"/>
@@ -3207,13 +3208,278 @@
       </p:pic>
       <p:sp>
         <p:nvSpPr>
+          <p:cNvPr id="2" name="Titel 1"/>
+          <p:cNvSpPr>
+            <a:spLocks noGrp="1"/>
+          </p:cNvSpPr>
+          <p:nvPr>
+            <p:ph type="title"/>
+            <p:custDataLst>
+              <p:tags r:id="rId4"/>
+            </p:custDataLst>
+          </p:nvPr>
+        </p:nvSpPr>
+        <p:spPr>
+          <a:xfrm>
+            <a:off x="259080" y="647700"/>
+            <a:ext cx="10452100" cy="388620"/>
+          </a:xfrm>
+          <a:effectLst/>
+          <a:extLst>
+            <a:ext uri="{AF507438-7753-43E0-B8FC-AC1667EBCBE1}">
+              <a14:hiddenEffects xmlns:a14="http://schemas.microsoft.com/office/drawing/2010/main">
+                <a:effectLst>
+                  <a:outerShdw blurRad="63500" rotWithShape="0">
+                    <a:scrgbClr r="0" g="0" b="0"/>
+                  </a:outerShdw>
+                </a:effectLst>
+              </a14:hiddenEffects>
+            </a:ext>
+            <a:ext uri="{53640926-AAD7-44D8-BBD7-CCE9431645EC}">
+              <a14:shadowObscured xmlns:a14="http://schemas.microsoft.com/office/drawing/2010/main"/>
+            </a:ext>
+          </a:extLst>
+        </p:spPr>
+        <p:txBody>
+          <a:bodyPr wrap="square" lIns="0" tIns="0" rIns="0" bIns="0" anchor="t">
+            <a:noAutofit/>
+          </a:bodyPr>
+          <a:lstStyle/>
+          <a:p>
+            <a:pPr>
+              <a:lnSpc>
+                <a:spcPct val="89000"/>
+              </a:lnSpc>
+              <a:spcBef>
+                <a:spcPts val="0"/>
+              </a:spcBef>
+            </a:pPr>
+            <a:r>
+              <a:rPr lang="de-DE" sz="2800" dirty="0" smtClean="0">
+                <a:solidFill>
+                  <a:srgbClr val="67B419"/>
+                </a:solidFill>
+              </a:rPr>
+              <a:t>Hintergrundsubtraktion</a:t>
+            </a:r>
+            <a:endParaRPr lang="de-DE" sz="2800" dirty="0">
+              <a:solidFill>
+                <a:srgbClr val="67B419"/>
+              </a:solidFill>
+            </a:endParaRPr>
+          </a:p>
+        </p:txBody>
+      </p:sp>
+      <p:sp>
+        <p:nvSpPr>
+          <p:cNvPr id="17" name="Inhaltsplatzhalter 16"/>
+          <p:cNvSpPr>
+            <a:spLocks noGrp="1"/>
+          </p:cNvSpPr>
+          <p:nvPr>
+            <p:ph idx="1"/>
+            <p:custDataLst>
+              <p:tags r:id="rId5"/>
+            </p:custDataLst>
+          </p:nvPr>
+        </p:nvSpPr>
+        <p:spPr>
+          <a:xfrm>
+            <a:off x="259080" y="1295400"/>
+            <a:ext cx="10452100" cy="4168140"/>
+          </a:xfrm>
+          <a:solidFill>
+            <a:scrgbClr r="0" g="0" b="0">
+              <a:alpha val="0"/>
+            </a:scrgbClr>
+          </a:solidFill>
+          <a:effectLst/>
+          <a:extLst>
+            <a:ext uri="{AF507438-7753-43E0-B8FC-AC1667EBCBE1}">
+              <a14:hiddenEffects xmlns:a14="http://schemas.microsoft.com/office/drawing/2010/main">
+                <a:effectLst>
+                  <a:outerShdw blurRad="63500" rotWithShape="0">
+                    <a:scrgbClr r="0" g="0" b="0"/>
+                  </a:outerShdw>
+                </a:effectLst>
+              </a14:hiddenEffects>
+            </a:ext>
+            <a:ext uri="{53640926-AAD7-44D8-BBD7-CCE9431645EC}">
+              <a14:shadowObscured xmlns:a14="http://schemas.microsoft.com/office/drawing/2010/main"/>
+            </a:ext>
+          </a:extLst>
+        </p:spPr>
+        <p:txBody>
+          <a:bodyPr wrap="square" lIns="0" tIns="0" rIns="0" bIns="0" anchor="t">
+            <a:noAutofit/>
+          </a:bodyPr>
+          <a:lstStyle/>
+          <a:p>
+            <a:r>
+              <a:rPr lang="de-DE" dirty="0" smtClean="0"/>
+              <a:t>Adaptive </a:t>
+            </a:r>
+            <a:r>
+              <a:rPr lang="de-DE" dirty="0" err="1" smtClean="0"/>
+              <a:t>Gaussian</a:t>
+            </a:r>
+            <a:r>
+              <a:rPr lang="de-DE" dirty="0" smtClean="0"/>
+              <a:t> </a:t>
+            </a:r>
+            <a:r>
+              <a:rPr lang="de-DE" dirty="0" err="1" smtClean="0"/>
+              <a:t>Mixture</a:t>
+            </a:r>
+            <a:r>
+              <a:rPr lang="de-DE" dirty="0" smtClean="0"/>
+              <a:t> Model (AGMM)</a:t>
+            </a:r>
+          </a:p>
+          <a:p>
+            <a:pPr lvl="1"/>
+            <a:r>
+              <a:rPr lang="de-DE" dirty="0" smtClean="0"/>
+              <a:t>Eine Entwicklung eines Hintergrundmodells auf Grundlage der </a:t>
+            </a:r>
+            <a:r>
+              <a:rPr lang="de-DE" dirty="0" err="1" smtClean="0"/>
+              <a:t>Gaußchen</a:t>
+            </a:r>
+            <a:r>
+              <a:rPr lang="de-DE" dirty="0" smtClean="0"/>
+              <a:t> Mischung</a:t>
+            </a:r>
+          </a:p>
+          <a:p>
+            <a:pPr lvl="1"/>
+            <a:r>
+              <a:rPr lang="de-DE" dirty="0" smtClean="0"/>
+              <a:t>Selektive Aktualisierungsmethode, um jedes Hintergrundpixel durch eine Mischung von K-</a:t>
+            </a:r>
+            <a:r>
+              <a:rPr lang="de-DE" dirty="0" err="1" smtClean="0"/>
+              <a:t>Gaußschen</a:t>
+            </a:r>
+            <a:r>
+              <a:rPr lang="de-DE" dirty="0" smtClean="0"/>
+              <a:t> Verteilung</a:t>
+            </a:r>
+          </a:p>
+          <a:p>
+            <a:pPr lvl="1"/>
+            <a:r>
+              <a:rPr lang="de-DE" dirty="0" smtClean="0"/>
+              <a:t>Verschiedene Gauß-Mischung </a:t>
+            </a:r>
+            <a:r>
+              <a:rPr lang="de-DE" dirty="0" smtClean="0">
+                <a:sym typeface="Wingdings" panose="05000000000000000000" pitchFamily="2" charset="2"/>
+              </a:rPr>
+              <a:t> verschiedene Farbe</a:t>
+            </a:r>
+          </a:p>
+          <a:p>
+            <a:pPr lvl="1"/>
+            <a:r>
+              <a:rPr lang="de-DE" dirty="0" smtClean="0">
+                <a:sym typeface="Wingdings" panose="05000000000000000000" pitchFamily="2" charset="2"/>
+              </a:rPr>
+              <a:t>Gewicht der Gauß-Mischung  Zeitanteil einer Farbe in der Szene</a:t>
+            </a:r>
+          </a:p>
+          <a:p>
+            <a:pPr lvl="1"/>
+            <a:r>
+              <a:rPr lang="de-DE" dirty="0" smtClean="0">
+                <a:sym typeface="Wingdings" panose="05000000000000000000" pitchFamily="2" charset="2"/>
+              </a:rPr>
+              <a:t>Die Pixel, die länger unverändert bleiben  Hintergrundpixel</a:t>
+            </a:r>
+          </a:p>
+          <a:p>
+            <a:pPr lvl="1"/>
+            <a:r>
+              <a:rPr lang="de-DE" dirty="0" smtClean="0">
+                <a:sym typeface="Wingdings" panose="05000000000000000000" pitchFamily="2" charset="2"/>
+              </a:rPr>
+              <a:t>Neues Pixel: </a:t>
+            </a:r>
+          </a:p>
+          <a:p>
+            <a:pPr lvl="2"/>
+            <a:r>
+              <a:rPr lang="de-DE" dirty="0" smtClean="0">
+                <a:sym typeface="Wingdings" panose="05000000000000000000" pitchFamily="2" charset="2"/>
+              </a:rPr>
+              <a:t>wird anhand der Bekannten Modellkomponenten überprüft</a:t>
+            </a:r>
+          </a:p>
+          <a:p>
+            <a:pPr lvl="2"/>
+            <a:r>
+              <a:rPr lang="de-DE" dirty="0" smtClean="0"/>
+              <a:t>Die Erste passende K-</a:t>
+            </a:r>
+            <a:r>
+              <a:rPr lang="de-DE" dirty="0" err="1" smtClean="0"/>
+              <a:t>Gauße</a:t>
+            </a:r>
+            <a:r>
+              <a:rPr lang="de-DE" dirty="0" smtClean="0"/>
+              <a:t>-Komponente </a:t>
+            </a:r>
+            <a:r>
+              <a:rPr lang="de-DE" dirty="0" smtClean="0">
+                <a:sym typeface="Wingdings" panose="05000000000000000000" pitchFamily="2" charset="2"/>
+              </a:rPr>
+              <a:t> aktualisiert</a:t>
+            </a:r>
+          </a:p>
+          <a:p>
+            <a:pPr lvl="2"/>
+            <a:r>
+              <a:rPr lang="de-DE" dirty="0" smtClean="0">
+                <a:sym typeface="Wingdings" panose="05000000000000000000" pitchFamily="2" charset="2"/>
+              </a:rPr>
+              <a:t>Keine passende </a:t>
+            </a:r>
+            <a:r>
+              <a:rPr lang="de-DE" dirty="0" err="1" smtClean="0">
+                <a:sym typeface="Wingdings" panose="05000000000000000000" pitchFamily="2" charset="2"/>
+              </a:rPr>
+              <a:t>Komponete</a:t>
+            </a:r>
+            <a:r>
+              <a:rPr lang="de-DE" dirty="0" smtClean="0">
+                <a:sym typeface="Wingdings" panose="05000000000000000000" pitchFamily="2" charset="2"/>
+              </a:rPr>
+              <a:t>  Neue Komponente (Mittelwert: Pixelwert</a:t>
+            </a:r>
+            <a:r>
+              <a:rPr lang="de-DE" smtClean="0">
+                <a:sym typeface="Wingdings" panose="05000000000000000000" pitchFamily="2" charset="2"/>
+              </a:rPr>
+              <a:t>) hinzugefügt</a:t>
+            </a:r>
+          </a:p>
+          <a:p>
+            <a:pPr marL="525780" lvl="2" indent="0">
+              <a:buNone/>
+            </a:pPr>
+            <a:endParaRPr lang="de-DE" dirty="0" smtClean="0"/>
+          </a:p>
+        </p:txBody>
+      </p:sp>
+      <p:sp>
+        <p:nvSpPr>
           <p:cNvPr id="8" name="Textfeld 7"/>
           <p:cNvSpPr txBox="1">
             <a:spLocks/>
           </p:cNvSpPr>
           <p:nvPr>
             <p:custDataLst>
-              <p:tags r:id="rId4"/>
+              <p:tags r:id="rId6"/>
             </p:custDataLst>
           </p:nvPr>
         </p:nvSpPr>
@@ -3281,7 +3547,7 @@
           </p:cNvSpPr>
           <p:nvPr>
             <p:custDataLst>
-              <p:tags r:id="rId5"/>
+              <p:tags r:id="rId7"/>
             </p:custDataLst>
           </p:nvPr>
         </p:nvSpPr>
@@ -3323,7 +3589,9 @@
           </a:extLst>
         </p:spPr>
         <p:txBody>
-          <a:bodyPr lIns="0" tIns="0" rIns="0" bIns="0" rtlCol="0" anchor="t"/>
+          <a:bodyPr wrap="square" lIns="0" tIns="0" rIns="0" bIns="0" rtlCol="0" anchor="t">
+            <a:noAutofit/>
+          </a:bodyPr>
           <a:lstStyle/>
           <a:p>
             <a:pPr marL="0" marR="0" indent="0" defTabSz="914400" eaLnBrk="1" fontAlgn="auto" latinLnBrk="0" hangingPunct="1">
@@ -3379,7 +3647,7 @@
           </p:cNvSpPr>
           <p:nvPr>
             <p:custDataLst>
-              <p:tags r:id="rId6"/>
+              <p:tags r:id="rId8"/>
             </p:custDataLst>
           </p:nvPr>
         </p:nvSpPr>
@@ -3421,7 +3689,9 @@
           </a:extLst>
         </p:spPr>
         <p:txBody>
-          <a:bodyPr lIns="0" tIns="0" rIns="0" bIns="0" rtlCol="0" anchor="t"/>
+          <a:bodyPr wrap="square" lIns="0" tIns="0" rIns="0" bIns="0" rtlCol="0" anchor="t">
+            <a:noAutofit/>
+          </a:bodyPr>
           <a:lstStyle/>
           <a:p>
             <a:pPr marL="0" marR="0" indent="0" defTabSz="914400" eaLnBrk="1" fontAlgn="auto" latinLnBrk="0" hangingPunct="1">
@@ -3479,7 +3749,7 @@
           </p:cNvSpPr>
           <p:nvPr>
             <p:custDataLst>
-              <p:tags r:id="rId7"/>
+              <p:tags r:id="rId9"/>
             </p:custDataLst>
           </p:nvPr>
         </p:nvSpPr>
@@ -3521,7 +3791,9 @@
           </a:extLst>
         </p:spPr>
         <p:txBody>
-          <a:bodyPr wrap="none" lIns="0" tIns="0" rIns="0" bIns="0" rtlCol="0" anchor="t"/>
+          <a:bodyPr wrap="none" lIns="0" tIns="0" rIns="0" bIns="0" rtlCol="0" anchor="t">
+            <a:noAutofit/>
+          </a:bodyPr>
           <a:lstStyle/>
           <a:p>
             <a:pPr marL="0" marR="0" indent="0" defTabSz="914400" eaLnBrk="1" fontAlgn="auto" latinLnBrk="0" hangingPunct="1">
@@ -3573,7 +3845,7 @@
           </p:cNvSpPr>
           <p:nvPr>
             <p:custDataLst>
-              <p:tags r:id="rId8"/>
+              <p:tags r:id="rId10"/>
             </p:custDataLst>
           </p:nvPr>
         </p:nvSpPr>
@@ -3615,7 +3887,7 @@
           </a:extLst>
         </p:spPr>
         <p:txBody>
-          <a:bodyPr lIns="0" tIns="17780" rIns="0" bIns="0" rtlCol="0" anchor="t">
+          <a:bodyPr wrap="square" lIns="0" tIns="17780" rIns="0" bIns="0" rtlCol="0" anchor="t">
             <a:normAutofit/>
           </a:bodyPr>
           <a:lstStyle/>
@@ -3647,10 +3919,12 @@
       <p:sp>
         <p:nvSpPr>
           <p:cNvPr id="3" name="Textfeld 2" hidden="1"/>
-          <p:cNvSpPr txBox="1"/>
+          <p:cNvSpPr txBox="1">
+            <a:spLocks/>
+          </p:cNvSpPr>
           <p:nvPr>
             <p:custDataLst>
-              <p:tags r:id="rId9"/>
+              <p:tags r:id="rId11"/>
             </p:custDataLst>
           </p:nvPr>
         </p:nvSpPr>
@@ -3706,77 +3980,13 @@
           </a:p>
         </p:txBody>
       </p:sp>
-      <p:sp>
-        <p:nvSpPr>
-          <p:cNvPr id="2" name="Titel 1"/>
-          <p:cNvSpPr>
-            <a:spLocks noGrp="1"/>
-          </p:cNvSpPr>
-          <p:nvPr>
-            <p:ph type="title"/>
-            <p:custDataLst>
-              <p:tags r:id="rId10"/>
-            </p:custDataLst>
-          </p:nvPr>
-        </p:nvSpPr>
-        <p:spPr>
-          <a:xfrm>
-            <a:off x="259080" y="647700"/>
-            <a:ext cx="10452100" cy="388620"/>
-          </a:xfrm>
-          <a:effectLst/>
-          <a:extLst>
-            <a:ext uri="{AF507438-7753-43E0-B8FC-AC1667EBCBE1}">
-              <a14:hiddenEffects xmlns:a14="http://schemas.microsoft.com/office/drawing/2010/main">
-                <a:effectLst>
-                  <a:outerShdw blurRad="63500" rotWithShape="0">
-                    <a:scrgbClr r="0" g="0" b="0"/>
-                  </a:outerShdw>
-                </a:effectLst>
-              </a14:hiddenEffects>
-            </a:ext>
-            <a:ext uri="{53640926-AAD7-44D8-BBD7-CCE9431645EC}">
-              <a14:shadowObscured xmlns:a14="http://schemas.microsoft.com/office/drawing/2010/main"/>
-            </a:ext>
-          </a:extLst>
-        </p:spPr>
-        <p:txBody>
-          <a:bodyPr wrap="square" lIns="0" tIns="0" rIns="0" bIns="0" anchor="t">
-            <a:noAutofit/>
-          </a:bodyPr>
-          <a:lstStyle/>
-          <a:p>
-            <a:pPr>
-              <a:lnSpc>
-                <a:spcPct val="89000"/>
-              </a:lnSpc>
-              <a:spcBef>
-                <a:spcPts val="0"/>
-              </a:spcBef>
-            </a:pPr>
-            <a:r>
-              <a:rPr lang="de-DE" sz="2800" dirty="0" err="1" smtClean="0">
-                <a:solidFill>
-                  <a:srgbClr val="67B419"/>
-                </a:solidFill>
-              </a:rPr>
-              <a:t>Histogrammanalyse</a:t>
-            </a:r>
-            <a:endParaRPr lang="de-DE" sz="2800" dirty="0">
-              <a:solidFill>
-                <a:srgbClr val="67B419"/>
-              </a:solidFill>
-            </a:endParaRPr>
-          </a:p>
-        </p:txBody>
-      </p:sp>
     </p:spTree>
     <p:custDataLst>
       <p:tags r:id="rId1"/>
     </p:custDataLst>
     <p:extLst>
       <p:ext uri="{BB962C8B-B14F-4D97-AF65-F5344CB8AC3E}">
-        <p14:creationId xmlns:p14="http://schemas.microsoft.com/office/powerpoint/2010/main" val="3071375495"/>
+        <p14:creationId xmlns:p14="http://schemas.microsoft.com/office/powerpoint/2010/main" val="1609336175"/>
       </p:ext>
     </p:extLst>
   </p:cSld>
@@ -3812,7 +4022,7 @@
       </p:grpSpPr>
       <p:pic>
         <p:nvPicPr>
-          <p:cNvPr id="10" name="Grafik 9"/>
+          <p:cNvPr id="20" name="Grafik 19"/>
           <p:cNvPicPr>
             <a:picLocks/>
           </p:cNvPicPr>
@@ -3823,7 +4033,7 @@
           </p:nvPr>
         </p:nvPicPr>
         <p:blipFill>
-          <a:blip r:embed="rId12" cstate="print">
+          <a:blip r:embed="rId13" cstate="print">
             <a:extLst>
               <a:ext uri="{28A0092B-C50C-407E-A947-70E740481C1C}">
                 <a14:useLocalDpi xmlns:a14="http://schemas.microsoft.com/office/drawing/2010/main" val="0"/>
@@ -3861,7 +4071,7 @@
       </p:pic>
       <p:pic>
         <p:nvPicPr>
-          <p:cNvPr id="9" name="Grafik 8"/>
+          <p:cNvPr id="17" name="Grafik 16"/>
           <p:cNvPicPr>
             <a:picLocks/>
           </p:cNvPicPr>
@@ -3872,7 +4082,7 @@
           </p:nvPr>
         </p:nvPicPr>
         <p:blipFill>
-          <a:blip r:embed="rId13">
+          <a:blip r:embed="rId14">
             <a:extLst>
               <a:ext uri="{28A0092B-C50C-407E-A947-70E740481C1C}">
                 <a14:useLocalDpi xmlns:a14="http://schemas.microsoft.com/office/drawing/2010/main" val="0"/>
@@ -3910,13 +4120,62 @@
       </p:pic>
       <p:sp>
         <p:nvSpPr>
+          <p:cNvPr id="21" name="Inhaltsplatzhalter 20"/>
+          <p:cNvSpPr>
+            <a:spLocks noGrp="1"/>
+          </p:cNvSpPr>
+          <p:nvPr>
+            <p:ph idx="1"/>
+            <p:custDataLst>
+              <p:tags r:id="rId4"/>
+            </p:custDataLst>
+          </p:nvPr>
+        </p:nvSpPr>
+        <p:spPr>
+          <a:xfrm>
+            <a:off x="259080" y="1295400"/>
+            <a:ext cx="10452100" cy="4168140"/>
+          </a:xfrm>
+          <a:solidFill>
+            <a:scrgbClr r="0" g="0" b="0">
+              <a:alpha val="0"/>
+            </a:scrgbClr>
+          </a:solidFill>
+          <a:effectLst/>
+          <a:extLst>
+            <a:ext uri="{AF507438-7753-43E0-B8FC-AC1667EBCBE1}">
+              <a14:hiddenEffects xmlns:a14="http://schemas.microsoft.com/office/drawing/2010/main">
+                <a:effectLst>
+                  <a:outerShdw blurRad="63500" rotWithShape="0">
+                    <a:scrgbClr r="0" g="0" b="0"/>
+                  </a:outerShdw>
+                </a:effectLst>
+              </a14:hiddenEffects>
+            </a:ext>
+            <a:ext uri="{53640926-AAD7-44D8-BBD7-CCE9431645EC}">
+              <a14:shadowObscured xmlns:a14="http://schemas.microsoft.com/office/drawing/2010/main"/>
+            </a:ext>
+          </a:extLst>
+        </p:spPr>
+        <p:txBody>
+          <a:bodyPr wrap="square" lIns="0" tIns="0" rIns="0" bIns="0" anchor="t">
+            <a:noAutofit/>
+          </a:bodyPr>
+          <a:lstStyle/>
+          <a:p>
+            <a:endParaRPr lang="de-DE"/>
+          </a:p>
+        </p:txBody>
+      </p:sp>
+      <p:sp>
+        <p:nvSpPr>
           <p:cNvPr id="8" name="Textfeld 7"/>
           <p:cNvSpPr txBox="1">
             <a:spLocks/>
           </p:cNvSpPr>
           <p:nvPr>
             <p:custDataLst>
-              <p:tags r:id="rId4"/>
+              <p:tags r:id="rId5"/>
             </p:custDataLst>
           </p:nvPr>
         </p:nvSpPr>
@@ -3984,7 +4243,7 @@
           </p:cNvSpPr>
           <p:nvPr>
             <p:custDataLst>
-              <p:tags r:id="rId5"/>
+              <p:tags r:id="rId6"/>
             </p:custDataLst>
           </p:nvPr>
         </p:nvSpPr>
@@ -4026,7 +4285,9 @@
           </a:extLst>
         </p:spPr>
         <p:txBody>
-          <a:bodyPr lIns="0" tIns="0" rIns="0" bIns="0" rtlCol="0" anchor="t"/>
+          <a:bodyPr wrap="square" lIns="0" tIns="0" rIns="0" bIns="0" rtlCol="0" anchor="t">
+            <a:noAutofit/>
+          </a:bodyPr>
           <a:lstStyle/>
           <a:p>
             <a:pPr marL="0" marR="0" indent="0" defTabSz="914400" eaLnBrk="1" fontAlgn="auto" latinLnBrk="0" hangingPunct="1">
@@ -4082,7 +4343,7 @@
           </p:cNvSpPr>
           <p:nvPr>
             <p:custDataLst>
-              <p:tags r:id="rId6"/>
+              <p:tags r:id="rId7"/>
             </p:custDataLst>
           </p:nvPr>
         </p:nvSpPr>
@@ -4124,7 +4385,9 @@
           </a:extLst>
         </p:spPr>
         <p:txBody>
-          <a:bodyPr lIns="0" tIns="0" rIns="0" bIns="0" rtlCol="0" anchor="t"/>
+          <a:bodyPr wrap="square" lIns="0" tIns="0" rIns="0" bIns="0" rtlCol="0" anchor="t">
+            <a:noAutofit/>
+          </a:bodyPr>
           <a:lstStyle/>
           <a:p>
             <a:pPr marL="0" marR="0" indent="0" defTabSz="914400" eaLnBrk="1" fontAlgn="auto" latinLnBrk="0" hangingPunct="1">
@@ -4182,7 +4445,7 @@
           </p:cNvSpPr>
           <p:nvPr>
             <p:custDataLst>
-              <p:tags r:id="rId7"/>
+              <p:tags r:id="rId8"/>
             </p:custDataLst>
           </p:nvPr>
         </p:nvSpPr>
@@ -4224,7 +4487,9 @@
           </a:extLst>
         </p:spPr>
         <p:txBody>
-          <a:bodyPr wrap="none" lIns="0" tIns="0" rIns="0" bIns="0" rtlCol="0" anchor="t"/>
+          <a:bodyPr wrap="none" lIns="0" tIns="0" rIns="0" bIns="0" rtlCol="0" anchor="t">
+            <a:noAutofit/>
+          </a:bodyPr>
           <a:lstStyle/>
           <a:p>
             <a:pPr marL="0" marR="0" indent="0" defTabSz="914400" eaLnBrk="1" fontAlgn="auto" latinLnBrk="0" hangingPunct="1">
@@ -4249,7 +4514,7 @@
                 <a:ea typeface="+mn-ea"/>
                 <a:cs typeface="+mn-cs"/>
               </a:rPr>
-              <a:t>11</a:t>
+              <a:t>10</a:t>
             </a:r>
             <a:endParaRPr kumimoji="0" lang="de-DE" sz="1200" b="0" i="0" u="none" strike="noStrike" kern="0" cap="none" normalizeH="0" baseline="0" noProof="0" dirty="0" smtClean="0">
               <a:ln>
@@ -4270,13 +4535,13 @@
       </p:sp>
       <p:sp>
         <p:nvSpPr>
-          <p:cNvPr id="4" name="Rechteck 3" hidden="1"/>
+          <p:cNvPr id="4" name="Rechteck 3"/>
           <p:cNvSpPr>
             <a:spLocks/>
           </p:cNvSpPr>
           <p:nvPr>
             <p:custDataLst>
-              <p:tags r:id="rId8"/>
+              <p:tags r:id="rId9"/>
             </p:custDataLst>
           </p:nvPr>
         </p:nvSpPr>
@@ -4318,7 +4583,7 @@
           </a:extLst>
         </p:spPr>
         <p:txBody>
-          <a:bodyPr lIns="0" tIns="17780" rIns="0" bIns="0" rtlCol="0" anchor="t">
+          <a:bodyPr wrap="square" lIns="0" tIns="17780" rIns="0" bIns="0" rtlCol="0" anchor="t">
             <a:normAutofit/>
           </a:bodyPr>
           <a:lstStyle/>
@@ -4350,10 +4615,12 @@
       <p:sp>
         <p:nvSpPr>
           <p:cNvPr id="3" name="Textfeld 2" hidden="1"/>
-          <p:cNvSpPr txBox="1"/>
+          <p:cNvSpPr txBox="1">
+            <a:spLocks/>
+          </p:cNvSpPr>
           <p:nvPr>
             <p:custDataLst>
-              <p:tags r:id="rId9"/>
+              <p:tags r:id="rId10"/>
             </p:custDataLst>
           </p:nvPr>
         </p:nvSpPr>
@@ -4418,7 +4685,7 @@
           <p:nvPr>
             <p:ph type="title"/>
             <p:custDataLst>
-              <p:tags r:id="rId10"/>
+              <p:tags r:id="rId11"/>
             </p:custDataLst>
           </p:nvPr>
         </p:nvSpPr>
@@ -4458,16 +4725,16 @@
               </a:spcBef>
             </a:pPr>
             <a:r>
-              <a:rPr lang="de-DE" sz="2800" dirty="0" smtClean="0">
-                <a:solidFill>
-                  <a:srgbClr val="67B419"/>
-                </a:solidFill>
-              </a:rPr>
-              <a:t>Fuzzylogik</a:t>
+              <a:rPr lang="de-DE" sz="2800" dirty="0" err="1" smtClean="0">
+                <a:solidFill>
+                  <a:srgbClr val="0E78C5"/>
+                </a:solidFill>
+              </a:rPr>
+              <a:t>Histogrammanalyse</a:t>
             </a:r>
             <a:endParaRPr lang="de-DE" sz="2800" dirty="0">
               <a:solidFill>
-                <a:srgbClr val="67B419"/>
+                <a:srgbClr val="0E78C5"/>
               </a:solidFill>
             </a:endParaRPr>
           </a:p>
@@ -4479,7 +4746,7 @@
     </p:custDataLst>
     <p:extLst>
       <p:ext uri="{BB962C8B-B14F-4D97-AF65-F5344CB8AC3E}">
-        <p14:creationId xmlns:p14="http://schemas.microsoft.com/office/powerpoint/2010/main" val="1905968560"/>
+        <p14:creationId xmlns:p14="http://schemas.microsoft.com/office/powerpoint/2010/main" val="3071375495"/>
       </p:ext>
     </p:extLst>
   </p:cSld>
@@ -4952,7 +5219,7 @@
                 <a:ea typeface="+mn-ea"/>
                 <a:cs typeface="+mn-cs"/>
               </a:rPr>
-              <a:t>12</a:t>
+              <a:t>11</a:t>
             </a:r>
             <a:endParaRPr kumimoji="0" lang="de-DE" sz="1200" b="0" i="0" u="none" strike="noStrike" kern="0" cap="none" normalizeH="0" baseline="0" noProof="0" dirty="0" smtClean="0">
               <a:ln>
@@ -5161,20 +5428,12 @@
               </a:spcBef>
             </a:pPr>
             <a:r>
-              <a:rPr lang="de-DE" sz="2800" dirty="0" err="1" smtClean="0">
+              <a:rPr lang="de-DE" sz="2800" dirty="0" smtClean="0">
                 <a:solidFill>
                   <a:srgbClr val="67B419"/>
                 </a:solidFill>
               </a:rPr>
-              <a:t>OpenCV</a:t>
-            </a:r>
-            <a:r>
-              <a:rPr lang="de-DE" sz="2800" dirty="0" smtClean="0">
-                <a:solidFill>
-                  <a:srgbClr val="67B419"/>
-                </a:solidFill>
-              </a:rPr>
-              <a:t> Framework</a:t>
+              <a:t>Fuzzylogik</a:t>
             </a:r>
             <a:endParaRPr lang="de-DE" sz="2800" dirty="0">
               <a:solidFill>
@@ -5190,7 +5449,7 @@
     </p:custDataLst>
     <p:extLst>
       <p:ext uri="{BB962C8B-B14F-4D97-AF65-F5344CB8AC3E}">
-        <p14:creationId xmlns:p14="http://schemas.microsoft.com/office/powerpoint/2010/main" val="307777003"/>
+        <p14:creationId xmlns:p14="http://schemas.microsoft.com/office/powerpoint/2010/main" val="1905968560"/>
       </p:ext>
     </p:extLst>
   </p:cSld>
@@ -5663,7 +5922,7 @@
                 <a:ea typeface="+mn-ea"/>
                 <a:cs typeface="+mn-cs"/>
               </a:rPr>
-              <a:t>13</a:t>
+              <a:t>12</a:t>
             </a:r>
             <a:endParaRPr kumimoji="0" lang="de-DE" sz="1200" b="0" i="0" u="none" strike="noStrike" kern="0" cap="none" normalizeH="0" baseline="0" noProof="0" dirty="0" smtClean="0">
               <a:ln>
@@ -5872,6 +6131,717 @@
               </a:spcBef>
             </a:pPr>
             <a:r>
+              <a:rPr lang="de-DE" sz="2800" dirty="0" err="1" smtClean="0">
+                <a:solidFill>
+                  <a:srgbClr val="67B419"/>
+                </a:solidFill>
+              </a:rPr>
+              <a:t>OpenCV</a:t>
+            </a:r>
+            <a:r>
+              <a:rPr lang="de-DE" sz="2800" dirty="0" smtClean="0">
+                <a:solidFill>
+                  <a:srgbClr val="67B419"/>
+                </a:solidFill>
+              </a:rPr>
+              <a:t> Framework</a:t>
+            </a:r>
+            <a:endParaRPr lang="de-DE" sz="2800" dirty="0">
+              <a:solidFill>
+                <a:srgbClr val="67B419"/>
+              </a:solidFill>
+            </a:endParaRPr>
+          </a:p>
+        </p:txBody>
+      </p:sp>
+    </p:spTree>
+    <p:custDataLst>
+      <p:tags r:id="rId1"/>
+    </p:custDataLst>
+    <p:extLst>
+      <p:ext uri="{BB962C8B-B14F-4D97-AF65-F5344CB8AC3E}">
+        <p14:creationId xmlns:p14="http://schemas.microsoft.com/office/powerpoint/2010/main" val="307777003"/>
+      </p:ext>
+    </p:extLst>
+  </p:cSld>
+  <p:clrMapOvr>
+    <a:masterClrMapping/>
+  </p:clrMapOvr>
+  <p:timing>
+    <p:tnLst>
+      <p:par>
+        <p:cTn id="1" dur="indefinite" restart="never" nodeType="tmRoot"/>
+      </p:par>
+    </p:tnLst>
+  </p:timing>
+</p:sld>
+</file>
+
+<file path=ppt/slides/slide14.xml><?xml version="1.0" encoding="utf-8"?>
+<p:sld xmlns:a="http://schemas.openxmlformats.org/drawingml/2006/main" xmlns:r="http://schemas.openxmlformats.org/officeDocument/2006/relationships" xmlns:p="http://schemas.openxmlformats.org/presentationml/2006/main" showMasterSp="0">
+  <p:cSld>
+    <p:spTree>
+      <p:nvGrpSpPr>
+        <p:cNvPr id="1" name=""/>
+        <p:cNvGrpSpPr/>
+        <p:nvPr/>
+      </p:nvGrpSpPr>
+      <p:grpSpPr>
+        <a:xfrm>
+          <a:off x="0" y="0"/>
+          <a:ext cx="0" cy="0"/>
+          <a:chOff x="0" y="0"/>
+          <a:chExt cx="0" cy="0"/>
+        </a:xfrm>
+      </p:grpSpPr>
+      <p:pic>
+        <p:nvPicPr>
+          <p:cNvPr id="10" name="Grafik 9"/>
+          <p:cNvPicPr>
+            <a:picLocks/>
+          </p:cNvPicPr>
+          <p:nvPr>
+            <p:custDataLst>
+              <p:tags r:id="rId2"/>
+            </p:custDataLst>
+          </p:nvPr>
+        </p:nvPicPr>
+        <p:blipFill>
+          <a:blip r:embed="rId12" cstate="print">
+            <a:extLst>
+              <a:ext uri="{28A0092B-C50C-407E-A947-70E740481C1C}">
+                <a14:useLocalDpi xmlns:a14="http://schemas.microsoft.com/office/drawing/2010/main" val="0"/>
+              </a:ext>
+            </a:extLst>
+          </a:blip>
+          <a:stretch>
+            <a:fillRect/>
+          </a:stretch>
+        </p:blipFill>
+        <p:spPr>
+          <a:xfrm>
+            <a:off x="9758680" y="5464810"/>
+            <a:ext cx="1094740" cy="575310"/>
+          </a:xfrm>
+          <a:prstGeom prst="rect">
+            <a:avLst/>
+          </a:prstGeom>
+          <a:effectLst/>
+          <a:extLst>
+            <a:ext uri="{AF507438-7753-43E0-B8FC-AC1667EBCBE1}">
+              <a14:hiddenEffects xmlns:a14="http://schemas.microsoft.com/office/drawing/2010/main">
+                <a:effectLst>
+                  <a:outerShdw blurRad="63500" rotWithShape="0">
+                    <a:scrgbClr r="0" g="0" b="0"/>
+                  </a:outerShdw>
+                </a:effectLst>
+              </a14:hiddenEffects>
+            </a:ext>
+            <a:ext uri="{53640926-AAD7-44D8-BBD7-CCE9431645EC}">
+              <a14:shadowObscured xmlns:a14="http://schemas.microsoft.com/office/drawing/2010/main"/>
+            </a:ext>
+          </a:extLst>
+        </p:spPr>
+      </p:pic>
+      <p:pic>
+        <p:nvPicPr>
+          <p:cNvPr id="9" name="Grafik 8"/>
+          <p:cNvPicPr>
+            <a:picLocks/>
+          </p:cNvPicPr>
+          <p:nvPr>
+            <p:custDataLst>
+              <p:tags r:id="rId3"/>
+            </p:custDataLst>
+          </p:nvPr>
+        </p:nvPicPr>
+        <p:blipFill>
+          <a:blip r:embed="rId13">
+            <a:extLst>
+              <a:ext uri="{28A0092B-C50C-407E-A947-70E740481C1C}">
+                <a14:useLocalDpi xmlns:a14="http://schemas.microsoft.com/office/drawing/2010/main" val="0"/>
+              </a:ext>
+            </a:extLst>
+          </a:blip>
+          <a:stretch>
+            <a:fillRect/>
+          </a:stretch>
+        </p:blipFill>
+        <p:spPr>
+          <a:xfrm>
+            <a:off x="0" y="6041390"/>
+            <a:ext cx="10970260" cy="129540"/>
+          </a:xfrm>
+          <a:prstGeom prst="rect">
+            <a:avLst/>
+          </a:prstGeom>
+          <a:effectLst/>
+          <a:extLst>
+            <a:ext uri="{AF507438-7753-43E0-B8FC-AC1667EBCBE1}">
+              <a14:hiddenEffects xmlns:a14="http://schemas.microsoft.com/office/drawing/2010/main">
+                <a:effectLst>
+                  <a:outerShdw blurRad="63500" rotWithShape="0">
+                    <a:scrgbClr r="0" g="0" b="0"/>
+                  </a:outerShdw>
+                </a:effectLst>
+              </a14:hiddenEffects>
+            </a:ext>
+            <a:ext uri="{53640926-AAD7-44D8-BBD7-CCE9431645EC}">
+              <a14:shadowObscured xmlns:a14="http://schemas.microsoft.com/office/drawing/2010/main"/>
+            </a:ext>
+          </a:extLst>
+        </p:spPr>
+      </p:pic>
+      <p:sp>
+        <p:nvSpPr>
+          <p:cNvPr id="8" name="Textfeld 7"/>
+          <p:cNvSpPr txBox="1">
+            <a:spLocks/>
+          </p:cNvSpPr>
+          <p:nvPr>
+            <p:custDataLst>
+              <p:tags r:id="rId4"/>
+            </p:custDataLst>
+          </p:nvPr>
+        </p:nvSpPr>
+        <p:spPr>
+          <a:xfrm>
+            <a:off x="259080" y="259080"/>
+            <a:ext cx="10452100" cy="388620"/>
+          </a:xfrm>
+          <a:prstGeom prst="rect">
+            <a:avLst/>
+          </a:prstGeom>
+          <a:noFill/>
+          <a:effectLst/>
+          <a:extLst>
+            <a:ext uri="{AF507438-7753-43E0-B8FC-AC1667EBCBE1}">
+              <a14:hiddenEffects xmlns:a14="http://schemas.microsoft.com/office/drawing/2010/main">
+                <a:effectLst>
+                  <a:outerShdw blurRad="63500" rotWithShape="0">
+                    <a:scrgbClr r="0" g="0" b="0"/>
+                  </a:outerShdw>
+                </a:effectLst>
+              </a14:hiddenEffects>
+            </a:ext>
+            <a:ext uri="{53640926-AAD7-44D8-BBD7-CCE9431645EC}">
+              <a14:shadowObscured xmlns:a14="http://schemas.microsoft.com/office/drawing/2010/main"/>
+            </a:ext>
+          </a:extLst>
+        </p:spPr>
+        <p:txBody>
+          <a:bodyPr vert="horz" wrap="square" lIns="0" tIns="0" rIns="0" bIns="0" rtlCol="0" anchor="t">
+            <a:noAutofit/>
+          </a:bodyPr>
+          <a:lstStyle/>
+          <a:p>
+            <a:pPr marR="0" defTabSz="914400" eaLnBrk="1" fontAlgn="auto" latinLnBrk="0" hangingPunct="1">
+              <a:lnSpc>
+                <a:spcPct val="89000"/>
+              </a:lnSpc>
+              <a:buClrTx/>
+              <a:buSzTx/>
+              <a:buFontTx/>
+              <a:buNone/>
+              <a:tabLst/>
+            </a:pPr>
+            <a:r>
+              <a:rPr lang="de-DE" sz="2800" kern="0" dirty="0" smtClean="0"/>
+              <a:t>Grundlagen</a:t>
+            </a:r>
+            <a:endParaRPr kumimoji="0" lang="de-DE" sz="2800" b="0" i="0" u="none" strike="noStrike" kern="0" cap="none" normalizeH="0" baseline="0" noProof="0" dirty="0" smtClean="0">
+              <a:ln>
+                <a:noFill/>
+              </a:ln>
+              <a:effectLst/>
+              <a:uLnTx/>
+              <a:uFillTx/>
+            </a:endParaRPr>
+          </a:p>
+        </p:txBody>
+      </p:sp>
+      <p:sp>
+        <p:nvSpPr>
+          <p:cNvPr id="7" name="Rechteck 6"/>
+          <p:cNvSpPr>
+            <a:spLocks/>
+          </p:cNvSpPr>
+          <p:nvPr>
+            <p:custDataLst>
+              <p:tags r:id="rId5"/>
+            </p:custDataLst>
+          </p:nvPr>
+        </p:nvSpPr>
+        <p:spPr>
+          <a:xfrm>
+            <a:off x="593090" y="5643880"/>
+            <a:ext cx="9152890" cy="107950"/>
+          </a:xfrm>
+          <a:prstGeom prst="rect">
+            <a:avLst/>
+          </a:prstGeom>
+          <a:noFill/>
+          <a:ln w="9525" cap="flat" cmpd="sng" algn="ctr">
+            <a:noFill/>
+            <a:prstDash val="solid"/>
+          </a:ln>
+          <a:effectLst/>
+          <a:extLst>
+            <a:ext uri="{91240B29-F687-4F45-9708-019B960494DF}">
+              <a14:hiddenLine xmlns:a14="http://schemas.microsoft.com/office/drawing/2010/main" w="9525" cap="flat" cmpd="sng" algn="ctr">
+                <a:solidFill>
+                  <a:srgbClr val="3F136C"/>
+                </a:solidFill>
+                <a:prstDash val="solid"/>
+              </a14:hiddenLine>
+            </a:ext>
+            <a:ext uri="{AF507438-7753-43E0-B8FC-AC1667EBCBE1}">
+              <a14:hiddenEffects xmlns:a14="http://schemas.microsoft.com/office/drawing/2010/main">
+                <a:effectLst>
+                  <a:outerShdw blurRad="63500" rotWithShape="0">
+                    <a:scrgbClr r="0" g="0" b="0"/>
+                  </a:outerShdw>
+                </a:effectLst>
+              </a14:hiddenEffects>
+            </a:ext>
+            <a:ext uri="{53640926-AAD7-44D8-BBD7-CCE9431645EC}">
+              <a14:shadowObscured xmlns:a14="http://schemas.microsoft.com/office/drawing/2010/main"/>
+            </a:ext>
+          </a:extLst>
+        </p:spPr>
+        <p:txBody>
+          <a:bodyPr lIns="0" tIns="0" rIns="0" bIns="0" rtlCol="0" anchor="t"/>
+          <a:lstStyle/>
+          <a:p>
+            <a:pPr marL="0" marR="0" indent="0" defTabSz="914400" eaLnBrk="1" fontAlgn="auto" latinLnBrk="0" hangingPunct="1">
+              <a:lnSpc>
+                <a:spcPct val="107000"/>
+              </a:lnSpc>
+              <a:spcAft>
+                <a:spcPts val="100"/>
+              </a:spcAft>
+              <a:buClrTx/>
+              <a:buSzTx/>
+              <a:buFontTx/>
+              <a:buNone/>
+              <a:tabLst/>
+            </a:pPr>
+            <a:r>
+              <a:rPr kumimoji="0" lang="de-DE" sz="600" strike="noStrike" kern="0" cap="none" normalizeH="0" baseline="0" noProof="0" smtClean="0">
+                <a:ln>
+                  <a:noFill/>
+                </a:ln>
+                <a:solidFill>
+                  <a:srgbClr val="000000"/>
+                </a:solidFill>
+                <a:effectLst/>
+                <a:uLnTx/>
+                <a:uFillTx/>
+                <a:ea typeface="+mn-ea"/>
+                <a:cs typeface="+mn-cs"/>
+              </a:rPr>
+              <a:t>HOME/EPS | 11.04.2018</a:t>
+            </a:r>
+            <a:endParaRPr kumimoji="0" lang="de-DE" sz="600" strike="noStrike" kern="0" cap="none" normalizeH="0" baseline="0" noProof="0" dirty="0" smtClean="0">
+              <a:ln>
+                <a:noFill/>
+              </a:ln>
+              <a:solidFill>
+                <a:srgbClr val="000000"/>
+              </a:solidFill>
+              <a:effectLst/>
+              <a:uLnTx/>
+              <a:uFillTx/>
+              <a:ea typeface="+mn-ea"/>
+              <a:cs typeface="+mn-cs"/>
+            </a:endParaRPr>
+          </a:p>
+        </p:txBody>
+      </p:sp>
+      <p:sp>
+        <p:nvSpPr>
+          <p:cNvPr id="6" name="Rechteck 5"/>
+          <p:cNvSpPr>
+            <a:spLocks/>
+          </p:cNvSpPr>
+          <p:nvPr>
+            <p:custDataLst>
+              <p:tags r:id="rId6"/>
+            </p:custDataLst>
+          </p:nvPr>
+        </p:nvSpPr>
+        <p:spPr>
+          <a:xfrm>
+            <a:off x="593090" y="5758180"/>
+            <a:ext cx="9152890" cy="215900"/>
+          </a:xfrm>
+          <a:prstGeom prst="rect">
+            <a:avLst/>
+          </a:prstGeom>
+          <a:noFill/>
+          <a:ln w="9525" cap="flat" cmpd="sng" algn="ctr">
+            <a:noFill/>
+            <a:prstDash val="solid"/>
+          </a:ln>
+          <a:effectLst/>
+          <a:extLst>
+            <a:ext uri="{91240B29-F687-4F45-9708-019B960494DF}">
+              <a14:hiddenLine xmlns:a14="http://schemas.microsoft.com/office/drawing/2010/main" w="9525" cap="flat" cmpd="sng" algn="ctr">
+                <a:solidFill>
+                  <a:srgbClr val="3F136C"/>
+                </a:solidFill>
+                <a:prstDash val="solid"/>
+              </a14:hiddenLine>
+            </a:ext>
+            <a:ext uri="{AF507438-7753-43E0-B8FC-AC1667EBCBE1}">
+              <a14:hiddenEffects xmlns:a14="http://schemas.microsoft.com/office/drawing/2010/main">
+                <a:effectLst>
+                  <a:outerShdw blurRad="63500" rotWithShape="0">
+                    <a:scrgbClr r="0" g="0" b="0"/>
+                  </a:outerShdw>
+                </a:effectLst>
+              </a14:hiddenEffects>
+            </a:ext>
+            <a:ext uri="{53640926-AAD7-44D8-BBD7-CCE9431645EC}">
+              <a14:shadowObscured xmlns:a14="http://schemas.microsoft.com/office/drawing/2010/main"/>
+            </a:ext>
+          </a:extLst>
+        </p:spPr>
+        <p:txBody>
+          <a:bodyPr lIns="0" tIns="0" rIns="0" bIns="0" rtlCol="0" anchor="t"/>
+          <a:lstStyle/>
+          <a:p>
+            <a:pPr marL="0" marR="0" indent="0" defTabSz="914400" eaLnBrk="1" fontAlgn="auto" latinLnBrk="0" hangingPunct="1">
+              <a:lnSpc>
+                <a:spcPct val="107000"/>
+              </a:lnSpc>
+              <a:spcAft>
+                <a:spcPts val="100"/>
+              </a:spcAft>
+              <a:buClrTx/>
+              <a:buSzTx/>
+              <a:buFontTx/>
+              <a:buNone/>
+              <a:tabLst/>
+            </a:pPr>
+            <a:r>
+              <a:rPr kumimoji="0" lang="de-DE" sz="600" b="0" i="0" u="none" strike="noStrike" kern="0" cap="none" normalizeH="0" baseline="0" noProof="0" smtClean="0">
+                <a:ln>
+                  <a:noFill/>
+                </a:ln>
+                <a:solidFill>
+                  <a:srgbClr val="B2B3B5"/>
+                </a:solidFill>
+                <a:effectLst/>
+                <a:uLnTx/>
+                <a:uFillTx/>
+                <a:latin typeface="Bosch Office Sans"/>
+                <a:ea typeface="+mn-ea"/>
+                <a:cs typeface="+mn-cs"/>
+              </a:rPr>
+              <a:t>© Robert Bosch GmbH 2018. Alle Rechte vorbehalten, auch bzgl. jeder Verfügung, Verwertung, Reproduktion, Bearbeitung, Weitergabe sowie für den Fall von Schutzrechtsanmeldungen.</a:t>
+            </a:r>
+            <a:endParaRPr kumimoji="0" lang="de-DE" sz="600" b="0" i="0" u="none" strike="noStrike" kern="0" cap="none" normalizeH="0" baseline="0" noProof="0" dirty="0" smtClean="0">
+              <a:ln>
+                <a:noFill/>
+              </a:ln>
+              <a:solidFill>
+                <a:srgbClr val="B2B3B5"/>
+              </a:solidFill>
+              <a:effectLst/>
+              <a:uLnTx/>
+              <a:uFillTx/>
+              <a:latin typeface="Bosch Office Sans"/>
+              <a:ea typeface="+mn-ea"/>
+              <a:cs typeface="+mn-cs"/>
+            </a:endParaRPr>
+          </a:p>
+        </p:txBody>
+      </p:sp>
+      <p:sp>
+        <p:nvSpPr>
+          <p:cNvPr id="5" name="Rechteck 4"/>
+          <p:cNvSpPr>
+            <a:spLocks/>
+          </p:cNvSpPr>
+          <p:nvPr>
+            <p:custDataLst>
+              <p:tags r:id="rId7"/>
+            </p:custDataLst>
+          </p:nvPr>
+        </p:nvSpPr>
+        <p:spPr>
+          <a:xfrm>
+            <a:off x="266700" y="5628640"/>
+            <a:ext cx="288290" cy="410210"/>
+          </a:xfrm>
+          <a:prstGeom prst="rect">
+            <a:avLst/>
+          </a:prstGeom>
+          <a:noFill/>
+          <a:ln w="9525" cap="flat" cmpd="sng" algn="ctr">
+            <a:noFill/>
+            <a:prstDash val="solid"/>
+          </a:ln>
+          <a:effectLst/>
+          <a:extLst>
+            <a:ext uri="{91240B29-F687-4F45-9708-019B960494DF}">
+              <a14:hiddenLine xmlns:a14="http://schemas.microsoft.com/office/drawing/2010/main" w="9525" cap="flat" cmpd="sng" algn="ctr">
+                <a:solidFill>
+                  <a:srgbClr val="3F136C"/>
+                </a:solidFill>
+                <a:prstDash val="solid"/>
+              </a14:hiddenLine>
+            </a:ext>
+            <a:ext uri="{AF507438-7753-43E0-B8FC-AC1667EBCBE1}">
+              <a14:hiddenEffects xmlns:a14="http://schemas.microsoft.com/office/drawing/2010/main">
+                <a:effectLst>
+                  <a:outerShdw blurRad="63500" rotWithShape="0">
+                    <a:scrgbClr r="0" g="0" b="0"/>
+                  </a:outerShdw>
+                </a:effectLst>
+              </a14:hiddenEffects>
+            </a:ext>
+            <a:ext uri="{53640926-AAD7-44D8-BBD7-CCE9431645EC}">
+              <a14:shadowObscured xmlns:a14="http://schemas.microsoft.com/office/drawing/2010/main"/>
+            </a:ext>
+          </a:extLst>
+        </p:spPr>
+        <p:txBody>
+          <a:bodyPr wrap="none" lIns="0" tIns="0" rIns="0" bIns="0" rtlCol="0" anchor="t"/>
+          <a:lstStyle/>
+          <a:p>
+            <a:pPr marL="0" marR="0" indent="0" defTabSz="914400" eaLnBrk="1" fontAlgn="auto" latinLnBrk="0" hangingPunct="1">
+              <a:buClrTx/>
+              <a:buSzTx/>
+              <a:buFontTx/>
+              <a:buNone/>
+              <a:tabLst/>
+            </a:pPr>
+            <a:r>
+              <a:rPr kumimoji="0" lang="de-DE" sz="1200" b="0" i="0" u="none" strike="noStrike" kern="0" cap="none" normalizeH="0" baseline="0" noProof="0" smtClean="0">
+                <a:ln>
+                  <a:noFill/>
+                </a:ln>
+                <a:solidFill>
+                  <a:srgbClr val="999FA6"/>
+                </a:solidFill>
+                <a:effectLst/>
+                <a:uLnTx/>
+                <a:uFillTx/>
+                <a:latin typeface="Bosch Office Sans"/>
+                <a:ea typeface="+mn-ea"/>
+                <a:cs typeface="+mn-cs"/>
+              </a:rPr>
+              <a:t>13</a:t>
+            </a:r>
+            <a:endParaRPr kumimoji="0" lang="de-DE" sz="1200" b="0" i="0" u="none" strike="noStrike" kern="0" cap="none" normalizeH="0" baseline="0" noProof="0" dirty="0" smtClean="0">
+              <a:ln>
+                <a:noFill/>
+              </a:ln>
+              <a:solidFill>
+                <a:srgbClr val="999FA6"/>
+              </a:solidFill>
+              <a:effectLst/>
+              <a:uLnTx/>
+              <a:uFillTx/>
+              <a:latin typeface="Bosch Office Sans"/>
+              <a:ea typeface="+mn-ea"/>
+              <a:cs typeface="+mn-cs"/>
+            </a:endParaRPr>
+          </a:p>
+        </p:txBody>
+      </p:sp>
+      <p:sp>
+        <p:nvSpPr>
+          <p:cNvPr id="4" name="Rechteck 3" hidden="1"/>
+          <p:cNvSpPr>
+            <a:spLocks/>
+          </p:cNvSpPr>
+          <p:nvPr>
+            <p:custDataLst>
+              <p:tags r:id="rId8"/>
+            </p:custDataLst>
+          </p:nvPr>
+        </p:nvSpPr>
+        <p:spPr>
+          <a:xfrm>
+            <a:off x="9224010" y="259080"/>
+            <a:ext cx="1691640" cy="777240"/>
+          </a:xfrm>
+          <a:prstGeom prst="rect">
+            <a:avLst/>
+          </a:prstGeom>
+          <a:noFill/>
+          <a:ln w="9525" cap="flat" cmpd="sng" algn="ctr">
+            <a:noFill/>
+            <a:prstDash val="solid"/>
+          </a:ln>
+          <a:effectLst/>
+          <a:extLst>
+            <a:ext uri="{91240B29-F687-4F45-9708-019B960494DF}">
+              <a14:hiddenLine xmlns:a14="http://schemas.microsoft.com/office/drawing/2010/main" w="9525" cap="flat" cmpd="sng" algn="ctr">
+                <a:solidFill>
+                  <a:srgbClr val="3F136C"/>
+                </a:solidFill>
+                <a:prstDash val="solid"/>
+              </a14:hiddenLine>
+            </a:ext>
+            <a:ext uri="{AF507438-7753-43E0-B8FC-AC1667EBCBE1}">
+              <a14:hiddenEffects xmlns:a14="http://schemas.microsoft.com/office/drawing/2010/main">
+                <a:effectLst>
+                  <a:outerShdw blurRad="63500" rotWithShape="0">
+                    <a:scrgbClr r="0" g="0" b="0"/>
+                  </a:outerShdw>
+                </a:effectLst>
+              </a14:hiddenEffects>
+            </a:ext>
+            <a:ext uri="{53640926-AAD7-44D8-BBD7-CCE9431645EC}">
+              <a14:shadowObscured xmlns:a14="http://schemas.microsoft.com/office/drawing/2010/main"/>
+            </a:ext>
+          </a:extLst>
+        </p:spPr>
+        <p:txBody>
+          <a:bodyPr lIns="0" tIns="17780" rIns="0" bIns="0" rtlCol="0" anchor="t">
+            <a:normAutofit/>
+          </a:bodyPr>
+          <a:lstStyle/>
+          <a:p>
+            <a:pPr marL="0" marR="0" indent="0" defTabSz="914400" eaLnBrk="1" fontAlgn="auto" latinLnBrk="0" hangingPunct="1">
+              <a:lnSpc>
+                <a:spcPts val="900"/>
+              </a:lnSpc>
+              <a:buClrTx/>
+              <a:buSzTx/>
+              <a:buFontTx/>
+              <a:buNone/>
+              <a:tabLst/>
+            </a:pPr>
+            <a:endParaRPr kumimoji="0" lang="de-DE" sz="550" b="0" i="0" u="none" strike="noStrike" kern="0" cap="none" normalizeH="0" baseline="0" noProof="0" dirty="0" smtClean="0">
+              <a:ln>
+                <a:noFill/>
+              </a:ln>
+              <a:effectLst/>
+              <a:uLnTx/>
+              <a:uFillTx/>
+              <a:latin typeface="Bosch Office Sans"/>
+              <a:ea typeface="+mn-ea"/>
+              <a:cs typeface="+mn-cs"/>
+            </a:endParaRPr>
+          </a:p>
+        </p:txBody>
+      </p:sp>
+      <p:sp>
+        <p:nvSpPr>
+          <p:cNvPr id="3" name="Textfeld 2" hidden="1"/>
+          <p:cNvSpPr txBox="1"/>
+          <p:nvPr>
+            <p:custDataLst>
+              <p:tags r:id="rId9"/>
+            </p:custDataLst>
+          </p:nvPr>
+        </p:nvSpPr>
+        <p:spPr>
+          <a:xfrm>
+            <a:off x="0" y="5975350"/>
+            <a:ext cx="0" cy="0"/>
+          </a:xfrm>
+          <a:prstGeom prst="rect">
+            <a:avLst/>
+          </a:prstGeom>
+          <a:noFill/>
+          <a:effectLst/>
+          <a:extLst>
+            <a:ext uri="{AF507438-7753-43E0-B8FC-AC1667EBCBE1}">
+              <a14:hiddenEffects xmlns:a14="http://schemas.microsoft.com/office/drawing/2010/main">
+                <a:effectLst>
+                  <a:outerShdw blurRad="63500" rotWithShape="0">
+                    <a:scrgbClr r="0" g="0" b="0"/>
+                  </a:outerShdw>
+                </a:effectLst>
+              </a14:hiddenEffects>
+            </a:ext>
+            <a:ext uri="{53640926-AAD7-44D8-BBD7-CCE9431645EC}">
+              <a14:shadowObscured xmlns:a14="http://schemas.microsoft.com/office/drawing/2010/main"/>
+            </a:ext>
+          </a:extLst>
+        </p:spPr>
+        <p:txBody>
+          <a:bodyPr vert="horz" wrap="none" lIns="0" tIns="0" rIns="0" bIns="0" rtlCol="0" anchor="t">
+            <a:noAutofit/>
+          </a:bodyPr>
+          <a:lstStyle/>
+          <a:p>
+            <a:pPr marR="0" defTabSz="914400" eaLnBrk="1" fontAlgn="auto" latinLnBrk="0" hangingPunct="1">
+              <a:lnSpc>
+                <a:spcPct val="107000"/>
+              </a:lnSpc>
+              <a:buClrTx/>
+              <a:buSzTx/>
+              <a:buFontTx/>
+              <a:buNone/>
+              <a:tabLst/>
+            </a:pPr>
+            <a:endParaRPr kumimoji="0" lang="de-DE" sz="1300" b="0" i="0" u="none" strike="noStrike" kern="0" cap="none" normalizeH="0" baseline="0" noProof="0" dirty="0" err="1" smtClean="0">
+              <a:ln>
+                <a:noFill/>
+              </a:ln>
+              <a:effectLst/>
+              <a:uLnTx/>
+              <a:uFillTx/>
+            </a:endParaRPr>
+          </a:p>
+        </p:txBody>
+      </p:sp>
+      <p:sp>
+        <p:nvSpPr>
+          <p:cNvPr id="2" name="Titel 1"/>
+          <p:cNvSpPr>
+            <a:spLocks noGrp="1"/>
+          </p:cNvSpPr>
+          <p:nvPr>
+            <p:ph type="title"/>
+            <p:custDataLst>
+              <p:tags r:id="rId10"/>
+            </p:custDataLst>
+          </p:nvPr>
+        </p:nvSpPr>
+        <p:spPr>
+          <a:xfrm>
+            <a:off x="259080" y="647700"/>
+            <a:ext cx="10452100" cy="388620"/>
+          </a:xfrm>
+          <a:effectLst/>
+          <a:extLst>
+            <a:ext uri="{AF507438-7753-43E0-B8FC-AC1667EBCBE1}">
+              <a14:hiddenEffects xmlns:a14="http://schemas.microsoft.com/office/drawing/2010/main">
+                <a:effectLst>
+                  <a:outerShdw blurRad="63500" rotWithShape="0">
+                    <a:scrgbClr r="0" g="0" b="0"/>
+                  </a:outerShdw>
+                </a:effectLst>
+              </a14:hiddenEffects>
+            </a:ext>
+            <a:ext uri="{53640926-AAD7-44D8-BBD7-CCE9431645EC}">
+              <a14:shadowObscured xmlns:a14="http://schemas.microsoft.com/office/drawing/2010/main"/>
+            </a:ext>
+          </a:extLst>
+        </p:spPr>
+        <p:txBody>
+          <a:bodyPr wrap="square" lIns="0" tIns="0" rIns="0" bIns="0" anchor="t">
+            <a:noAutofit/>
+          </a:bodyPr>
+          <a:lstStyle/>
+          <a:p>
+            <a:pPr>
+              <a:lnSpc>
+                <a:spcPct val="89000"/>
+              </a:lnSpc>
+              <a:spcBef>
+                <a:spcPts val="0"/>
+              </a:spcBef>
+            </a:pPr>
+            <a:r>
               <a:rPr lang="de-DE" sz="2800" dirty="0" smtClean="0">
                 <a:solidFill>
                   <a:srgbClr val="67B419"/>
@@ -5910,7 +6880,7 @@
 </p:sld>
 </file>
 
-<file path=ppt/slides/slide14.xml><?xml version="1.0" encoding="utf-8"?>
+<file path=ppt/slides/slide15.xml><?xml version="1.0" encoding="utf-8"?>
 <p:sld xmlns:a="http://schemas.openxmlformats.org/drawingml/2006/main" xmlns:r="http://schemas.openxmlformats.org/officeDocument/2006/relationships" xmlns:p="http://schemas.openxmlformats.org/presentationml/2006/main">
   <p:cSld>
     <p:spTree>
@@ -6805,7 +7775,7 @@
 </p:sld>
 </file>
 
-<file path=ppt/slides/slide15.xml><?xml version="1.0" encoding="utf-8"?>
+<file path=ppt/slides/slide16.xml><?xml version="1.0" encoding="utf-8"?>
 <p:sld xmlns:a="http://schemas.openxmlformats.org/drawingml/2006/main" xmlns:r="http://schemas.openxmlformats.org/officeDocument/2006/relationships" xmlns:p="http://schemas.openxmlformats.org/presentationml/2006/main">
   <p:cSld>
     <p:spTree>
@@ -7683,716 +8653,6 @@
     <p:extLst>
       <p:ext uri="{BB962C8B-B14F-4D97-AF65-F5344CB8AC3E}">
         <p14:creationId xmlns:p14="http://schemas.microsoft.com/office/powerpoint/2010/main" val="643392588"/>
-      </p:ext>
-    </p:extLst>
-  </p:cSld>
-  <p:clrMapOvr>
-    <a:masterClrMapping/>
-  </p:clrMapOvr>
-  <p:timing>
-    <p:tnLst>
-      <p:par>
-        <p:cTn id="1" dur="indefinite" restart="never" nodeType="tmRoot"/>
-      </p:par>
-    </p:tnLst>
-  </p:timing>
-</p:sld>
-</file>
-
-<file path=ppt/slides/slide16.xml><?xml version="1.0" encoding="utf-8"?>
-<p:sld xmlns:a="http://schemas.openxmlformats.org/drawingml/2006/main" xmlns:r="http://schemas.openxmlformats.org/officeDocument/2006/relationships" xmlns:p="http://schemas.openxmlformats.org/presentationml/2006/main" showMasterSp="0">
-  <p:cSld>
-    <p:spTree>
-      <p:nvGrpSpPr>
-        <p:cNvPr id="1" name=""/>
-        <p:cNvGrpSpPr/>
-        <p:nvPr/>
-      </p:nvGrpSpPr>
-      <p:grpSpPr>
-        <a:xfrm>
-          <a:off x="0" y="0"/>
-          <a:ext cx="0" cy="0"/>
-          <a:chOff x="0" y="0"/>
-          <a:chExt cx="0" cy="0"/>
-        </a:xfrm>
-      </p:grpSpPr>
-      <p:pic>
-        <p:nvPicPr>
-          <p:cNvPr id="10" name="Grafik 9"/>
-          <p:cNvPicPr>
-            <a:picLocks/>
-          </p:cNvPicPr>
-          <p:nvPr>
-            <p:custDataLst>
-              <p:tags r:id="rId2"/>
-            </p:custDataLst>
-          </p:nvPr>
-        </p:nvPicPr>
-        <p:blipFill>
-          <a:blip r:embed="rId12" cstate="print">
-            <a:extLst>
-              <a:ext uri="{28A0092B-C50C-407E-A947-70E740481C1C}">
-                <a14:useLocalDpi xmlns:a14="http://schemas.microsoft.com/office/drawing/2010/main" val="0"/>
-              </a:ext>
-            </a:extLst>
-          </a:blip>
-          <a:stretch>
-            <a:fillRect/>
-          </a:stretch>
-        </p:blipFill>
-        <p:spPr>
-          <a:xfrm>
-            <a:off x="9758680" y="5464810"/>
-            <a:ext cx="1094740" cy="575310"/>
-          </a:xfrm>
-          <a:prstGeom prst="rect">
-            <a:avLst/>
-          </a:prstGeom>
-          <a:effectLst/>
-          <a:extLst>
-            <a:ext uri="{AF507438-7753-43E0-B8FC-AC1667EBCBE1}">
-              <a14:hiddenEffects xmlns:a14="http://schemas.microsoft.com/office/drawing/2010/main">
-                <a:effectLst>
-                  <a:outerShdw blurRad="63500" rotWithShape="0">
-                    <a:scrgbClr r="0" g="0" b="0"/>
-                  </a:outerShdw>
-                </a:effectLst>
-              </a14:hiddenEffects>
-            </a:ext>
-            <a:ext uri="{53640926-AAD7-44D8-BBD7-CCE9431645EC}">
-              <a14:shadowObscured xmlns:a14="http://schemas.microsoft.com/office/drawing/2010/main"/>
-            </a:ext>
-          </a:extLst>
-        </p:spPr>
-      </p:pic>
-      <p:pic>
-        <p:nvPicPr>
-          <p:cNvPr id="9" name="Grafik 8"/>
-          <p:cNvPicPr>
-            <a:picLocks/>
-          </p:cNvPicPr>
-          <p:nvPr>
-            <p:custDataLst>
-              <p:tags r:id="rId3"/>
-            </p:custDataLst>
-          </p:nvPr>
-        </p:nvPicPr>
-        <p:blipFill>
-          <a:blip r:embed="rId13">
-            <a:extLst>
-              <a:ext uri="{28A0092B-C50C-407E-A947-70E740481C1C}">
-                <a14:useLocalDpi xmlns:a14="http://schemas.microsoft.com/office/drawing/2010/main" val="0"/>
-              </a:ext>
-            </a:extLst>
-          </a:blip>
-          <a:stretch>
-            <a:fillRect/>
-          </a:stretch>
-        </p:blipFill>
-        <p:spPr>
-          <a:xfrm>
-            <a:off x="0" y="6041390"/>
-            <a:ext cx="10970260" cy="129540"/>
-          </a:xfrm>
-          <a:prstGeom prst="rect">
-            <a:avLst/>
-          </a:prstGeom>
-          <a:effectLst/>
-          <a:extLst>
-            <a:ext uri="{AF507438-7753-43E0-B8FC-AC1667EBCBE1}">
-              <a14:hiddenEffects xmlns:a14="http://schemas.microsoft.com/office/drawing/2010/main">
-                <a:effectLst>
-                  <a:outerShdw blurRad="63500" rotWithShape="0">
-                    <a:scrgbClr r="0" g="0" b="0"/>
-                  </a:outerShdw>
-                </a:effectLst>
-              </a14:hiddenEffects>
-            </a:ext>
-            <a:ext uri="{53640926-AAD7-44D8-BBD7-CCE9431645EC}">
-              <a14:shadowObscured xmlns:a14="http://schemas.microsoft.com/office/drawing/2010/main"/>
-            </a:ext>
-          </a:extLst>
-        </p:spPr>
-      </p:pic>
-      <p:sp>
-        <p:nvSpPr>
-          <p:cNvPr id="8" name="Textfeld 7"/>
-          <p:cNvSpPr txBox="1">
-            <a:spLocks/>
-          </p:cNvSpPr>
-          <p:nvPr>
-            <p:custDataLst>
-              <p:tags r:id="rId4"/>
-            </p:custDataLst>
-          </p:nvPr>
-        </p:nvSpPr>
-        <p:spPr>
-          <a:xfrm>
-            <a:off x="259080" y="259080"/>
-            <a:ext cx="10452100" cy="388620"/>
-          </a:xfrm>
-          <a:prstGeom prst="rect">
-            <a:avLst/>
-          </a:prstGeom>
-          <a:noFill/>
-          <a:effectLst/>
-          <a:extLst>
-            <a:ext uri="{AF507438-7753-43E0-B8FC-AC1667EBCBE1}">
-              <a14:hiddenEffects xmlns:a14="http://schemas.microsoft.com/office/drawing/2010/main">
-                <a:effectLst>
-                  <a:outerShdw blurRad="63500" rotWithShape="0">
-                    <a:scrgbClr r="0" g="0" b="0"/>
-                  </a:outerShdw>
-                </a:effectLst>
-              </a14:hiddenEffects>
-            </a:ext>
-            <a:ext uri="{53640926-AAD7-44D8-BBD7-CCE9431645EC}">
-              <a14:shadowObscured xmlns:a14="http://schemas.microsoft.com/office/drawing/2010/main"/>
-            </a:ext>
-          </a:extLst>
-        </p:spPr>
-        <p:txBody>
-          <a:bodyPr vert="horz" wrap="square" lIns="0" tIns="0" rIns="0" bIns="0" rtlCol="0" anchor="t">
-            <a:noAutofit/>
-          </a:bodyPr>
-          <a:lstStyle/>
-          <a:p>
-            <a:pPr marR="0" defTabSz="914400" eaLnBrk="1" fontAlgn="auto" latinLnBrk="0" hangingPunct="1">
-              <a:lnSpc>
-                <a:spcPct val="89000"/>
-              </a:lnSpc>
-              <a:buClrTx/>
-              <a:buSzTx/>
-              <a:buFontTx/>
-              <a:buNone/>
-              <a:tabLst/>
-            </a:pPr>
-            <a:r>
-              <a:rPr kumimoji="0" lang="de-DE" sz="2800" b="0" i="0" u="none" strike="noStrike" kern="0" cap="none" normalizeH="0" baseline="0" noProof="0" dirty="0" smtClean="0">
-                <a:ln>
-                  <a:noFill/>
-                </a:ln>
-                <a:effectLst/>
-                <a:uLnTx/>
-                <a:uFillTx/>
-              </a:rPr>
-              <a:t>Eigenes Verfahren</a:t>
-            </a:r>
-            <a:endParaRPr kumimoji="0" lang="de-DE" sz="2800" b="0" i="0" u="none" strike="noStrike" kern="0" cap="none" normalizeH="0" baseline="0" noProof="0" dirty="0" smtClean="0">
-              <a:ln>
-                <a:noFill/>
-              </a:ln>
-              <a:effectLst/>
-              <a:uLnTx/>
-              <a:uFillTx/>
-            </a:endParaRPr>
-          </a:p>
-        </p:txBody>
-      </p:sp>
-      <p:sp>
-        <p:nvSpPr>
-          <p:cNvPr id="7" name="Rechteck 6"/>
-          <p:cNvSpPr>
-            <a:spLocks/>
-          </p:cNvSpPr>
-          <p:nvPr>
-            <p:custDataLst>
-              <p:tags r:id="rId5"/>
-            </p:custDataLst>
-          </p:nvPr>
-        </p:nvSpPr>
-        <p:spPr>
-          <a:xfrm>
-            <a:off x="593090" y="5643880"/>
-            <a:ext cx="9152890" cy="107950"/>
-          </a:xfrm>
-          <a:prstGeom prst="rect">
-            <a:avLst/>
-          </a:prstGeom>
-          <a:noFill/>
-          <a:ln w="9525" cap="flat" cmpd="sng" algn="ctr">
-            <a:noFill/>
-            <a:prstDash val="solid"/>
-          </a:ln>
-          <a:effectLst/>
-          <a:extLst>
-            <a:ext uri="{91240B29-F687-4F45-9708-019B960494DF}">
-              <a14:hiddenLine xmlns:a14="http://schemas.microsoft.com/office/drawing/2010/main" w="9525" cap="flat" cmpd="sng" algn="ctr">
-                <a:solidFill>
-                  <a:srgbClr val="3F136C"/>
-                </a:solidFill>
-                <a:prstDash val="solid"/>
-              </a14:hiddenLine>
-            </a:ext>
-            <a:ext uri="{AF507438-7753-43E0-B8FC-AC1667EBCBE1}">
-              <a14:hiddenEffects xmlns:a14="http://schemas.microsoft.com/office/drawing/2010/main">
-                <a:effectLst>
-                  <a:outerShdw blurRad="63500" rotWithShape="0">
-                    <a:scrgbClr r="0" g="0" b="0"/>
-                  </a:outerShdw>
-                </a:effectLst>
-              </a14:hiddenEffects>
-            </a:ext>
-            <a:ext uri="{53640926-AAD7-44D8-BBD7-CCE9431645EC}">
-              <a14:shadowObscured xmlns:a14="http://schemas.microsoft.com/office/drawing/2010/main"/>
-            </a:ext>
-          </a:extLst>
-        </p:spPr>
-        <p:txBody>
-          <a:bodyPr lIns="0" tIns="0" rIns="0" bIns="0" rtlCol="0" anchor="t"/>
-          <a:lstStyle/>
-          <a:p>
-            <a:pPr marL="0" marR="0" indent="0" defTabSz="914400" eaLnBrk="1" fontAlgn="auto" latinLnBrk="0" hangingPunct="1">
-              <a:lnSpc>
-                <a:spcPct val="107000"/>
-              </a:lnSpc>
-              <a:spcAft>
-                <a:spcPts val="100"/>
-              </a:spcAft>
-              <a:buClrTx/>
-              <a:buSzTx/>
-              <a:buFontTx/>
-              <a:buNone/>
-              <a:tabLst/>
-            </a:pPr>
-            <a:r>
-              <a:rPr kumimoji="0" lang="de-DE" sz="600" strike="noStrike" kern="0" cap="none" normalizeH="0" baseline="0" noProof="0" smtClean="0">
-                <a:ln>
-                  <a:noFill/>
-                </a:ln>
-                <a:solidFill>
-                  <a:srgbClr val="000000"/>
-                </a:solidFill>
-                <a:effectLst/>
-                <a:uLnTx/>
-                <a:uFillTx/>
-                <a:ea typeface="+mn-ea"/>
-                <a:cs typeface="+mn-cs"/>
-              </a:rPr>
-              <a:t>HOME/EPS | 11.04.2018</a:t>
-            </a:r>
-            <a:endParaRPr kumimoji="0" lang="de-DE" sz="600" strike="noStrike" kern="0" cap="none" normalizeH="0" baseline="0" noProof="0" dirty="0" smtClean="0">
-              <a:ln>
-                <a:noFill/>
-              </a:ln>
-              <a:solidFill>
-                <a:srgbClr val="000000"/>
-              </a:solidFill>
-              <a:effectLst/>
-              <a:uLnTx/>
-              <a:uFillTx/>
-              <a:ea typeface="+mn-ea"/>
-              <a:cs typeface="+mn-cs"/>
-            </a:endParaRPr>
-          </a:p>
-        </p:txBody>
-      </p:sp>
-      <p:sp>
-        <p:nvSpPr>
-          <p:cNvPr id="6" name="Rechteck 5"/>
-          <p:cNvSpPr>
-            <a:spLocks/>
-          </p:cNvSpPr>
-          <p:nvPr>
-            <p:custDataLst>
-              <p:tags r:id="rId6"/>
-            </p:custDataLst>
-          </p:nvPr>
-        </p:nvSpPr>
-        <p:spPr>
-          <a:xfrm>
-            <a:off x="593090" y="5758180"/>
-            <a:ext cx="9152890" cy="215900"/>
-          </a:xfrm>
-          <a:prstGeom prst="rect">
-            <a:avLst/>
-          </a:prstGeom>
-          <a:noFill/>
-          <a:ln w="9525" cap="flat" cmpd="sng" algn="ctr">
-            <a:noFill/>
-            <a:prstDash val="solid"/>
-          </a:ln>
-          <a:effectLst/>
-          <a:extLst>
-            <a:ext uri="{91240B29-F687-4F45-9708-019B960494DF}">
-              <a14:hiddenLine xmlns:a14="http://schemas.microsoft.com/office/drawing/2010/main" w="9525" cap="flat" cmpd="sng" algn="ctr">
-                <a:solidFill>
-                  <a:srgbClr val="3F136C"/>
-                </a:solidFill>
-                <a:prstDash val="solid"/>
-              </a14:hiddenLine>
-            </a:ext>
-            <a:ext uri="{AF507438-7753-43E0-B8FC-AC1667EBCBE1}">
-              <a14:hiddenEffects xmlns:a14="http://schemas.microsoft.com/office/drawing/2010/main">
-                <a:effectLst>
-                  <a:outerShdw blurRad="63500" rotWithShape="0">
-                    <a:scrgbClr r="0" g="0" b="0"/>
-                  </a:outerShdw>
-                </a:effectLst>
-              </a14:hiddenEffects>
-            </a:ext>
-            <a:ext uri="{53640926-AAD7-44D8-BBD7-CCE9431645EC}">
-              <a14:shadowObscured xmlns:a14="http://schemas.microsoft.com/office/drawing/2010/main"/>
-            </a:ext>
-          </a:extLst>
-        </p:spPr>
-        <p:txBody>
-          <a:bodyPr lIns="0" tIns="0" rIns="0" bIns="0" rtlCol="0" anchor="t"/>
-          <a:lstStyle/>
-          <a:p>
-            <a:pPr marL="0" marR="0" indent="0" defTabSz="914400" eaLnBrk="1" fontAlgn="auto" latinLnBrk="0" hangingPunct="1">
-              <a:lnSpc>
-                <a:spcPct val="107000"/>
-              </a:lnSpc>
-              <a:spcAft>
-                <a:spcPts val="100"/>
-              </a:spcAft>
-              <a:buClrTx/>
-              <a:buSzTx/>
-              <a:buFontTx/>
-              <a:buNone/>
-              <a:tabLst/>
-            </a:pPr>
-            <a:r>
-              <a:rPr kumimoji="0" lang="de-DE" sz="600" b="0" i="0" u="none" strike="noStrike" kern="0" cap="none" normalizeH="0" baseline="0" noProof="0" smtClean="0">
-                <a:ln>
-                  <a:noFill/>
-                </a:ln>
-                <a:solidFill>
-                  <a:srgbClr val="B2B3B5"/>
-                </a:solidFill>
-                <a:effectLst/>
-                <a:uLnTx/>
-                <a:uFillTx/>
-                <a:latin typeface="Bosch Office Sans"/>
-                <a:ea typeface="+mn-ea"/>
-                <a:cs typeface="+mn-cs"/>
-              </a:rPr>
-              <a:t>© Robert Bosch GmbH 2018. Alle Rechte vorbehalten, auch bzgl. jeder Verfügung, Verwertung, Reproduktion, Bearbeitung, Weitergabe sowie für den Fall von Schutzrechtsanmeldungen.</a:t>
-            </a:r>
-            <a:endParaRPr kumimoji="0" lang="de-DE" sz="600" b="0" i="0" u="none" strike="noStrike" kern="0" cap="none" normalizeH="0" baseline="0" noProof="0" dirty="0" smtClean="0">
-              <a:ln>
-                <a:noFill/>
-              </a:ln>
-              <a:solidFill>
-                <a:srgbClr val="B2B3B5"/>
-              </a:solidFill>
-              <a:effectLst/>
-              <a:uLnTx/>
-              <a:uFillTx/>
-              <a:latin typeface="Bosch Office Sans"/>
-              <a:ea typeface="+mn-ea"/>
-              <a:cs typeface="+mn-cs"/>
-            </a:endParaRPr>
-          </a:p>
-        </p:txBody>
-      </p:sp>
-      <p:sp>
-        <p:nvSpPr>
-          <p:cNvPr id="5" name="Rechteck 4"/>
-          <p:cNvSpPr>
-            <a:spLocks/>
-          </p:cNvSpPr>
-          <p:nvPr>
-            <p:custDataLst>
-              <p:tags r:id="rId7"/>
-            </p:custDataLst>
-          </p:nvPr>
-        </p:nvSpPr>
-        <p:spPr>
-          <a:xfrm>
-            <a:off x="266700" y="5628640"/>
-            <a:ext cx="288290" cy="410210"/>
-          </a:xfrm>
-          <a:prstGeom prst="rect">
-            <a:avLst/>
-          </a:prstGeom>
-          <a:noFill/>
-          <a:ln w="9525" cap="flat" cmpd="sng" algn="ctr">
-            <a:noFill/>
-            <a:prstDash val="solid"/>
-          </a:ln>
-          <a:effectLst/>
-          <a:extLst>
-            <a:ext uri="{91240B29-F687-4F45-9708-019B960494DF}">
-              <a14:hiddenLine xmlns:a14="http://schemas.microsoft.com/office/drawing/2010/main" w="9525" cap="flat" cmpd="sng" algn="ctr">
-                <a:solidFill>
-                  <a:srgbClr val="3F136C"/>
-                </a:solidFill>
-                <a:prstDash val="solid"/>
-              </a14:hiddenLine>
-            </a:ext>
-            <a:ext uri="{AF507438-7753-43E0-B8FC-AC1667EBCBE1}">
-              <a14:hiddenEffects xmlns:a14="http://schemas.microsoft.com/office/drawing/2010/main">
-                <a:effectLst>
-                  <a:outerShdw blurRad="63500" rotWithShape="0">
-                    <a:scrgbClr r="0" g="0" b="0"/>
-                  </a:outerShdw>
-                </a:effectLst>
-              </a14:hiddenEffects>
-            </a:ext>
-            <a:ext uri="{53640926-AAD7-44D8-BBD7-CCE9431645EC}">
-              <a14:shadowObscured xmlns:a14="http://schemas.microsoft.com/office/drawing/2010/main"/>
-            </a:ext>
-          </a:extLst>
-        </p:spPr>
-        <p:txBody>
-          <a:bodyPr wrap="none" lIns="0" tIns="0" rIns="0" bIns="0" rtlCol="0" anchor="t"/>
-          <a:lstStyle/>
-          <a:p>
-            <a:pPr marL="0" marR="0" indent="0" defTabSz="914400" eaLnBrk="1" fontAlgn="auto" latinLnBrk="0" hangingPunct="1">
-              <a:buClrTx/>
-              <a:buSzTx/>
-              <a:buFontTx/>
-              <a:buNone/>
-              <a:tabLst/>
-            </a:pPr>
-            <a:r>
-              <a:rPr kumimoji="0" lang="de-DE" sz="1200" b="0" i="0" u="none" strike="noStrike" kern="0" cap="none" normalizeH="0" baseline="0" noProof="0" smtClean="0">
-                <a:ln>
-                  <a:noFill/>
-                </a:ln>
-                <a:solidFill>
-                  <a:srgbClr val="999FA6"/>
-                </a:solidFill>
-                <a:effectLst/>
-                <a:uLnTx/>
-                <a:uFillTx/>
-                <a:latin typeface="Bosch Office Sans"/>
-                <a:ea typeface="+mn-ea"/>
-                <a:cs typeface="+mn-cs"/>
-              </a:rPr>
-              <a:t>16</a:t>
-            </a:r>
-            <a:endParaRPr kumimoji="0" lang="de-DE" sz="1200" b="0" i="0" u="none" strike="noStrike" kern="0" cap="none" normalizeH="0" baseline="0" noProof="0" dirty="0" smtClean="0">
-              <a:ln>
-                <a:noFill/>
-              </a:ln>
-              <a:solidFill>
-                <a:srgbClr val="999FA6"/>
-              </a:solidFill>
-              <a:effectLst/>
-              <a:uLnTx/>
-              <a:uFillTx/>
-              <a:latin typeface="Bosch Office Sans"/>
-              <a:ea typeface="+mn-ea"/>
-              <a:cs typeface="+mn-cs"/>
-            </a:endParaRPr>
-          </a:p>
-        </p:txBody>
-      </p:sp>
-      <p:sp>
-        <p:nvSpPr>
-          <p:cNvPr id="4" name="Rechteck 3" hidden="1"/>
-          <p:cNvSpPr>
-            <a:spLocks/>
-          </p:cNvSpPr>
-          <p:nvPr>
-            <p:custDataLst>
-              <p:tags r:id="rId8"/>
-            </p:custDataLst>
-          </p:nvPr>
-        </p:nvSpPr>
-        <p:spPr>
-          <a:xfrm>
-            <a:off x="9224010" y="259080"/>
-            <a:ext cx="1691640" cy="777240"/>
-          </a:xfrm>
-          <a:prstGeom prst="rect">
-            <a:avLst/>
-          </a:prstGeom>
-          <a:noFill/>
-          <a:ln w="9525" cap="flat" cmpd="sng" algn="ctr">
-            <a:noFill/>
-            <a:prstDash val="solid"/>
-          </a:ln>
-          <a:effectLst/>
-          <a:extLst>
-            <a:ext uri="{91240B29-F687-4F45-9708-019B960494DF}">
-              <a14:hiddenLine xmlns:a14="http://schemas.microsoft.com/office/drawing/2010/main" w="9525" cap="flat" cmpd="sng" algn="ctr">
-                <a:solidFill>
-                  <a:srgbClr val="3F136C"/>
-                </a:solidFill>
-                <a:prstDash val="solid"/>
-              </a14:hiddenLine>
-            </a:ext>
-            <a:ext uri="{AF507438-7753-43E0-B8FC-AC1667EBCBE1}">
-              <a14:hiddenEffects xmlns:a14="http://schemas.microsoft.com/office/drawing/2010/main">
-                <a:effectLst>
-                  <a:outerShdw blurRad="63500" rotWithShape="0">
-                    <a:scrgbClr r="0" g="0" b="0"/>
-                  </a:outerShdw>
-                </a:effectLst>
-              </a14:hiddenEffects>
-            </a:ext>
-            <a:ext uri="{53640926-AAD7-44D8-BBD7-CCE9431645EC}">
-              <a14:shadowObscured xmlns:a14="http://schemas.microsoft.com/office/drawing/2010/main"/>
-            </a:ext>
-          </a:extLst>
-        </p:spPr>
-        <p:txBody>
-          <a:bodyPr lIns="0" tIns="17780" rIns="0" bIns="0" rtlCol="0" anchor="t">
-            <a:normAutofit/>
-          </a:bodyPr>
-          <a:lstStyle/>
-          <a:p>
-            <a:pPr marL="0" marR="0" indent="0" defTabSz="914400" eaLnBrk="1" fontAlgn="auto" latinLnBrk="0" hangingPunct="1">
-              <a:lnSpc>
-                <a:spcPts val="900"/>
-              </a:lnSpc>
-              <a:buClrTx/>
-              <a:buSzTx/>
-              <a:buFontTx/>
-              <a:buNone/>
-              <a:tabLst/>
-            </a:pPr>
-            <a:endParaRPr kumimoji="0" lang="de-DE" sz="550" b="0" i="0" u="none" strike="noStrike" kern="0" cap="none" normalizeH="0" baseline="0" noProof="0" dirty="0" smtClean="0">
-              <a:ln>
-                <a:noFill/>
-              </a:ln>
-              <a:effectLst/>
-              <a:uLnTx/>
-              <a:uFillTx/>
-              <a:latin typeface="Bosch Office Sans"/>
-              <a:ea typeface="+mn-ea"/>
-              <a:cs typeface="+mn-cs"/>
-            </a:endParaRPr>
-          </a:p>
-        </p:txBody>
-      </p:sp>
-      <p:sp>
-        <p:nvSpPr>
-          <p:cNvPr id="3" name="Textfeld 2" hidden="1"/>
-          <p:cNvSpPr txBox="1"/>
-          <p:nvPr>
-            <p:custDataLst>
-              <p:tags r:id="rId9"/>
-            </p:custDataLst>
-          </p:nvPr>
-        </p:nvSpPr>
-        <p:spPr>
-          <a:xfrm>
-            <a:off x="0" y="5975350"/>
-            <a:ext cx="0" cy="0"/>
-          </a:xfrm>
-          <a:prstGeom prst="rect">
-            <a:avLst/>
-          </a:prstGeom>
-          <a:noFill/>
-          <a:effectLst/>
-          <a:extLst>
-            <a:ext uri="{AF507438-7753-43E0-B8FC-AC1667EBCBE1}">
-              <a14:hiddenEffects xmlns:a14="http://schemas.microsoft.com/office/drawing/2010/main">
-                <a:effectLst>
-                  <a:outerShdw blurRad="63500" rotWithShape="0">
-                    <a:scrgbClr r="0" g="0" b="0"/>
-                  </a:outerShdw>
-                </a:effectLst>
-              </a14:hiddenEffects>
-            </a:ext>
-            <a:ext uri="{53640926-AAD7-44D8-BBD7-CCE9431645EC}">
-              <a14:shadowObscured xmlns:a14="http://schemas.microsoft.com/office/drawing/2010/main"/>
-            </a:ext>
-          </a:extLst>
-        </p:spPr>
-        <p:txBody>
-          <a:bodyPr vert="horz" wrap="none" lIns="0" tIns="0" rIns="0" bIns="0" rtlCol="0" anchor="t">
-            <a:noAutofit/>
-          </a:bodyPr>
-          <a:lstStyle/>
-          <a:p>
-            <a:pPr marR="0" defTabSz="914400" eaLnBrk="1" fontAlgn="auto" latinLnBrk="0" hangingPunct="1">
-              <a:lnSpc>
-                <a:spcPct val="107000"/>
-              </a:lnSpc>
-              <a:buClrTx/>
-              <a:buSzTx/>
-              <a:buFontTx/>
-              <a:buNone/>
-              <a:tabLst/>
-            </a:pPr>
-            <a:endParaRPr kumimoji="0" lang="de-DE" sz="1300" b="0" i="0" u="none" strike="noStrike" kern="0" cap="none" normalizeH="0" baseline="0" noProof="0" dirty="0" err="1" smtClean="0">
-              <a:ln>
-                <a:noFill/>
-              </a:ln>
-              <a:effectLst/>
-              <a:uLnTx/>
-              <a:uFillTx/>
-            </a:endParaRPr>
-          </a:p>
-        </p:txBody>
-      </p:sp>
-      <p:sp>
-        <p:nvSpPr>
-          <p:cNvPr id="2" name="Titel 1"/>
-          <p:cNvSpPr>
-            <a:spLocks noGrp="1"/>
-          </p:cNvSpPr>
-          <p:nvPr>
-            <p:ph type="title"/>
-            <p:custDataLst>
-              <p:tags r:id="rId10"/>
-            </p:custDataLst>
-          </p:nvPr>
-        </p:nvSpPr>
-        <p:spPr>
-          <a:xfrm>
-            <a:off x="259080" y="647700"/>
-            <a:ext cx="10452100" cy="388620"/>
-          </a:xfrm>
-          <a:effectLst/>
-          <a:extLst>
-            <a:ext uri="{AF507438-7753-43E0-B8FC-AC1667EBCBE1}">
-              <a14:hiddenEffects xmlns:a14="http://schemas.microsoft.com/office/drawing/2010/main">
-                <a:effectLst>
-                  <a:outerShdw blurRad="63500" rotWithShape="0">
-                    <a:scrgbClr r="0" g="0" b="0"/>
-                  </a:outerShdw>
-                </a:effectLst>
-              </a14:hiddenEffects>
-            </a:ext>
-            <a:ext uri="{53640926-AAD7-44D8-BBD7-CCE9431645EC}">
-              <a14:shadowObscured xmlns:a14="http://schemas.microsoft.com/office/drawing/2010/main"/>
-            </a:ext>
-          </a:extLst>
-        </p:spPr>
-        <p:txBody>
-          <a:bodyPr wrap="square" lIns="0" tIns="0" rIns="0" bIns="0" anchor="t">
-            <a:noAutofit/>
-          </a:bodyPr>
-          <a:lstStyle/>
-          <a:p>
-            <a:pPr>
-              <a:lnSpc>
-                <a:spcPct val="89000"/>
-              </a:lnSpc>
-              <a:spcBef>
-                <a:spcPts val="0"/>
-              </a:spcBef>
-            </a:pPr>
-            <a:r>
-              <a:rPr lang="de-DE" sz="2800" dirty="0" smtClean="0">
-                <a:solidFill>
-                  <a:srgbClr val="67B419"/>
-                </a:solidFill>
-              </a:rPr>
-              <a:t>Hintergrundsubtraktion</a:t>
-            </a:r>
-            <a:endParaRPr lang="de-DE" sz="2800" dirty="0">
-              <a:solidFill>
-                <a:srgbClr val="67B419"/>
-              </a:solidFill>
-            </a:endParaRPr>
-          </a:p>
-        </p:txBody>
-      </p:sp>
-    </p:spTree>
-    <p:custDataLst>
-      <p:tags r:id="rId1"/>
-    </p:custDataLst>
-    <p:extLst>
-      <p:ext uri="{BB962C8B-B14F-4D97-AF65-F5344CB8AC3E}">
-        <p14:creationId xmlns:p14="http://schemas.microsoft.com/office/powerpoint/2010/main" val="603271600"/>
       </p:ext>
     </p:extLst>
   </p:cSld>
@@ -8588,14 +8848,6 @@
               </a:rPr>
               <a:t>Eigenes Verfahren</a:t>
             </a:r>
-            <a:endParaRPr kumimoji="0" lang="de-DE" sz="2800" b="0" i="0" u="none" strike="noStrike" kern="0" cap="none" normalizeH="0" baseline="0" noProof="0" dirty="0" smtClean="0">
-              <a:ln>
-                <a:noFill/>
-              </a:ln>
-              <a:effectLst/>
-              <a:uLnTx/>
-              <a:uFillTx/>
-            </a:endParaRPr>
           </a:p>
         </p:txBody>
       </p:sp>
@@ -8872,7 +9124,7 @@
                 <a:ea typeface="+mn-ea"/>
                 <a:cs typeface="+mn-cs"/>
               </a:rPr>
-              <a:t>17</a:t>
+              <a:t>16</a:t>
             </a:r>
             <a:endParaRPr kumimoji="0" lang="de-DE" sz="1200" b="0" i="0" u="none" strike="noStrike" kern="0" cap="none" normalizeH="0" baseline="0" noProof="0" dirty="0" smtClean="0">
               <a:ln>
@@ -9086,15 +9338,7 @@
                   <a:srgbClr val="67B419"/>
                 </a:solidFill>
               </a:rPr>
-              <a:t>Schätzung der Körperhaltung mittels </a:t>
-            </a:r>
-            <a:r>
-              <a:rPr lang="de-DE" sz="2800" dirty="0" err="1" smtClean="0">
-                <a:solidFill>
-                  <a:srgbClr val="67B419"/>
-                </a:solidFill>
-              </a:rPr>
-              <a:t>Histogrammanalyse</a:t>
+              <a:t>Hintergrundsubtraktion</a:t>
             </a:r>
             <a:endParaRPr lang="de-DE" sz="2800" dirty="0">
               <a:solidFill>
@@ -9110,7 +9354,7 @@
     </p:custDataLst>
     <p:extLst>
       <p:ext uri="{BB962C8B-B14F-4D97-AF65-F5344CB8AC3E}">
-        <p14:creationId xmlns:p14="http://schemas.microsoft.com/office/powerpoint/2010/main" val="4229950235"/>
+        <p14:creationId xmlns:p14="http://schemas.microsoft.com/office/powerpoint/2010/main" val="603271600"/>
       </p:ext>
     </p:extLst>
   </p:cSld>
@@ -9306,14 +9550,6 @@
               </a:rPr>
               <a:t>Eigenes Verfahren</a:t>
             </a:r>
-            <a:endParaRPr kumimoji="0" lang="de-DE" sz="2800" b="0" i="0" u="none" strike="noStrike" kern="0" cap="none" normalizeH="0" baseline="0" noProof="0" dirty="0" smtClean="0">
-              <a:ln>
-                <a:noFill/>
-              </a:ln>
-              <a:effectLst/>
-              <a:uLnTx/>
-              <a:uFillTx/>
-            </a:endParaRPr>
           </a:p>
         </p:txBody>
       </p:sp>
@@ -9590,7 +9826,7 @@
                 <a:ea typeface="+mn-ea"/>
                 <a:cs typeface="+mn-cs"/>
               </a:rPr>
-              <a:t>18</a:t>
+              <a:t>17</a:t>
             </a:r>
             <a:endParaRPr kumimoji="0" lang="de-DE" sz="1200" b="0" i="0" u="none" strike="noStrike" kern="0" cap="none" normalizeH="0" baseline="0" noProof="0" dirty="0" smtClean="0">
               <a:ln>
@@ -9804,7 +10040,15 @@
                   <a:srgbClr val="67B419"/>
                 </a:solidFill>
               </a:rPr>
-              <a:t>Erkennung außergewöhnlicher Situationen</a:t>
+              <a:t>Schätzung der Körperhaltung mittels </a:t>
+            </a:r>
+            <a:r>
+              <a:rPr lang="de-DE" sz="2800" dirty="0" err="1" smtClean="0">
+                <a:solidFill>
+                  <a:srgbClr val="67B419"/>
+                </a:solidFill>
+              </a:rPr>
+              <a:t>Histogrammanalyse</a:t>
             </a:r>
             <a:endParaRPr lang="de-DE" sz="2800" dirty="0">
               <a:solidFill>
@@ -9820,7 +10064,7 @@
     </p:custDataLst>
     <p:extLst>
       <p:ext uri="{BB962C8B-B14F-4D97-AF65-F5344CB8AC3E}">
-        <p14:creationId xmlns:p14="http://schemas.microsoft.com/office/powerpoint/2010/main" val="2771209731"/>
+        <p14:creationId xmlns:p14="http://schemas.microsoft.com/office/powerpoint/2010/main" val="4229950235"/>
       </p:ext>
     </p:extLst>
   </p:cSld>
@@ -10016,14 +10260,6 @@
               </a:rPr>
               <a:t>Eigenes Verfahren</a:t>
             </a:r>
-            <a:endParaRPr kumimoji="0" lang="de-DE" sz="2800" b="0" i="0" u="none" strike="noStrike" kern="0" cap="none" normalizeH="0" baseline="0" noProof="0" dirty="0" smtClean="0">
-              <a:ln>
-                <a:noFill/>
-              </a:ln>
-              <a:effectLst/>
-              <a:uLnTx/>
-              <a:uFillTx/>
-            </a:endParaRPr>
           </a:p>
         </p:txBody>
       </p:sp>
@@ -10300,7 +10536,7 @@
                 <a:ea typeface="+mn-ea"/>
                 <a:cs typeface="+mn-cs"/>
               </a:rPr>
-              <a:t>19</a:t>
+              <a:t>18</a:t>
             </a:r>
             <a:endParaRPr kumimoji="0" lang="de-DE" sz="1200" b="0" i="0" u="none" strike="noStrike" kern="0" cap="none" normalizeH="0" baseline="0" noProof="0" dirty="0" smtClean="0">
               <a:ln>
@@ -10514,7 +10750,7 @@
                   <a:srgbClr val="67B419"/>
                 </a:solidFill>
               </a:rPr>
-              <a:t>Anpassung des Verfahrens auf nicht-statische Kameras</a:t>
+              <a:t>Erkennung außergewöhnlicher Situationen</a:t>
             </a:r>
             <a:endParaRPr lang="de-DE" sz="2800" dirty="0">
               <a:solidFill>
@@ -10530,7 +10766,7 @@
     </p:custDataLst>
     <p:extLst>
       <p:ext uri="{BB962C8B-B14F-4D97-AF65-F5344CB8AC3E}">
-        <p14:creationId xmlns:p14="http://schemas.microsoft.com/office/powerpoint/2010/main" val="457305743"/>
+        <p14:creationId xmlns:p14="http://schemas.microsoft.com/office/powerpoint/2010/main" val="2771209731"/>
       </p:ext>
     </p:extLst>
   </p:cSld>
@@ -11443,6 +11679,708 @@
 </file>
 
 <file path=ppt/slides/slide20.xml><?xml version="1.0" encoding="utf-8"?>
+<p:sld xmlns:a="http://schemas.openxmlformats.org/drawingml/2006/main" xmlns:r="http://schemas.openxmlformats.org/officeDocument/2006/relationships" xmlns:p="http://schemas.openxmlformats.org/presentationml/2006/main" showMasterSp="0">
+  <p:cSld>
+    <p:spTree>
+      <p:nvGrpSpPr>
+        <p:cNvPr id="1" name=""/>
+        <p:cNvGrpSpPr/>
+        <p:nvPr/>
+      </p:nvGrpSpPr>
+      <p:grpSpPr>
+        <a:xfrm>
+          <a:off x="0" y="0"/>
+          <a:ext cx="0" cy="0"/>
+          <a:chOff x="0" y="0"/>
+          <a:chExt cx="0" cy="0"/>
+        </a:xfrm>
+      </p:grpSpPr>
+      <p:pic>
+        <p:nvPicPr>
+          <p:cNvPr id="10" name="Grafik 9"/>
+          <p:cNvPicPr>
+            <a:picLocks/>
+          </p:cNvPicPr>
+          <p:nvPr>
+            <p:custDataLst>
+              <p:tags r:id="rId2"/>
+            </p:custDataLst>
+          </p:nvPr>
+        </p:nvPicPr>
+        <p:blipFill>
+          <a:blip r:embed="rId12" cstate="print">
+            <a:extLst>
+              <a:ext uri="{28A0092B-C50C-407E-A947-70E740481C1C}">
+                <a14:useLocalDpi xmlns:a14="http://schemas.microsoft.com/office/drawing/2010/main" val="0"/>
+              </a:ext>
+            </a:extLst>
+          </a:blip>
+          <a:stretch>
+            <a:fillRect/>
+          </a:stretch>
+        </p:blipFill>
+        <p:spPr>
+          <a:xfrm>
+            <a:off x="9758680" y="5464810"/>
+            <a:ext cx="1094740" cy="575310"/>
+          </a:xfrm>
+          <a:prstGeom prst="rect">
+            <a:avLst/>
+          </a:prstGeom>
+          <a:effectLst/>
+          <a:extLst>
+            <a:ext uri="{AF507438-7753-43E0-B8FC-AC1667EBCBE1}">
+              <a14:hiddenEffects xmlns:a14="http://schemas.microsoft.com/office/drawing/2010/main">
+                <a:effectLst>
+                  <a:outerShdw blurRad="63500" rotWithShape="0">
+                    <a:scrgbClr r="0" g="0" b="0"/>
+                  </a:outerShdw>
+                </a:effectLst>
+              </a14:hiddenEffects>
+            </a:ext>
+            <a:ext uri="{53640926-AAD7-44D8-BBD7-CCE9431645EC}">
+              <a14:shadowObscured xmlns:a14="http://schemas.microsoft.com/office/drawing/2010/main"/>
+            </a:ext>
+          </a:extLst>
+        </p:spPr>
+      </p:pic>
+      <p:pic>
+        <p:nvPicPr>
+          <p:cNvPr id="9" name="Grafik 8"/>
+          <p:cNvPicPr>
+            <a:picLocks/>
+          </p:cNvPicPr>
+          <p:nvPr>
+            <p:custDataLst>
+              <p:tags r:id="rId3"/>
+            </p:custDataLst>
+          </p:nvPr>
+        </p:nvPicPr>
+        <p:blipFill>
+          <a:blip r:embed="rId13">
+            <a:extLst>
+              <a:ext uri="{28A0092B-C50C-407E-A947-70E740481C1C}">
+                <a14:useLocalDpi xmlns:a14="http://schemas.microsoft.com/office/drawing/2010/main" val="0"/>
+              </a:ext>
+            </a:extLst>
+          </a:blip>
+          <a:stretch>
+            <a:fillRect/>
+          </a:stretch>
+        </p:blipFill>
+        <p:spPr>
+          <a:xfrm>
+            <a:off x="0" y="6041390"/>
+            <a:ext cx="10970260" cy="129540"/>
+          </a:xfrm>
+          <a:prstGeom prst="rect">
+            <a:avLst/>
+          </a:prstGeom>
+          <a:effectLst/>
+          <a:extLst>
+            <a:ext uri="{AF507438-7753-43E0-B8FC-AC1667EBCBE1}">
+              <a14:hiddenEffects xmlns:a14="http://schemas.microsoft.com/office/drawing/2010/main">
+                <a:effectLst>
+                  <a:outerShdw blurRad="63500" rotWithShape="0">
+                    <a:scrgbClr r="0" g="0" b="0"/>
+                  </a:outerShdw>
+                </a:effectLst>
+              </a14:hiddenEffects>
+            </a:ext>
+            <a:ext uri="{53640926-AAD7-44D8-BBD7-CCE9431645EC}">
+              <a14:shadowObscured xmlns:a14="http://schemas.microsoft.com/office/drawing/2010/main"/>
+            </a:ext>
+          </a:extLst>
+        </p:spPr>
+      </p:pic>
+      <p:sp>
+        <p:nvSpPr>
+          <p:cNvPr id="8" name="Textfeld 7"/>
+          <p:cNvSpPr txBox="1">
+            <a:spLocks/>
+          </p:cNvSpPr>
+          <p:nvPr>
+            <p:custDataLst>
+              <p:tags r:id="rId4"/>
+            </p:custDataLst>
+          </p:nvPr>
+        </p:nvSpPr>
+        <p:spPr>
+          <a:xfrm>
+            <a:off x="259080" y="259080"/>
+            <a:ext cx="10452100" cy="388620"/>
+          </a:xfrm>
+          <a:prstGeom prst="rect">
+            <a:avLst/>
+          </a:prstGeom>
+          <a:noFill/>
+          <a:effectLst/>
+          <a:extLst>
+            <a:ext uri="{AF507438-7753-43E0-B8FC-AC1667EBCBE1}">
+              <a14:hiddenEffects xmlns:a14="http://schemas.microsoft.com/office/drawing/2010/main">
+                <a:effectLst>
+                  <a:outerShdw blurRad="63500" rotWithShape="0">
+                    <a:scrgbClr r="0" g="0" b="0"/>
+                  </a:outerShdw>
+                </a:effectLst>
+              </a14:hiddenEffects>
+            </a:ext>
+            <a:ext uri="{53640926-AAD7-44D8-BBD7-CCE9431645EC}">
+              <a14:shadowObscured xmlns:a14="http://schemas.microsoft.com/office/drawing/2010/main"/>
+            </a:ext>
+          </a:extLst>
+        </p:spPr>
+        <p:txBody>
+          <a:bodyPr vert="horz" wrap="square" lIns="0" tIns="0" rIns="0" bIns="0" rtlCol="0" anchor="t">
+            <a:noAutofit/>
+          </a:bodyPr>
+          <a:lstStyle/>
+          <a:p>
+            <a:pPr marR="0" defTabSz="914400" eaLnBrk="1" fontAlgn="auto" latinLnBrk="0" hangingPunct="1">
+              <a:lnSpc>
+                <a:spcPct val="89000"/>
+              </a:lnSpc>
+              <a:buClrTx/>
+              <a:buSzTx/>
+              <a:buFontTx/>
+              <a:buNone/>
+              <a:tabLst/>
+            </a:pPr>
+            <a:r>
+              <a:rPr kumimoji="0" lang="de-DE" sz="2800" b="0" i="0" u="none" strike="noStrike" kern="0" cap="none" normalizeH="0" baseline="0" noProof="0" dirty="0" smtClean="0">
+                <a:ln>
+                  <a:noFill/>
+                </a:ln>
+                <a:effectLst/>
+                <a:uLnTx/>
+                <a:uFillTx/>
+              </a:rPr>
+              <a:t>Eigenes Verfahren</a:t>
+            </a:r>
+          </a:p>
+        </p:txBody>
+      </p:sp>
+      <p:sp>
+        <p:nvSpPr>
+          <p:cNvPr id="7" name="Rechteck 6"/>
+          <p:cNvSpPr>
+            <a:spLocks/>
+          </p:cNvSpPr>
+          <p:nvPr>
+            <p:custDataLst>
+              <p:tags r:id="rId5"/>
+            </p:custDataLst>
+          </p:nvPr>
+        </p:nvSpPr>
+        <p:spPr>
+          <a:xfrm>
+            <a:off x="593090" y="5643880"/>
+            <a:ext cx="9152890" cy="107950"/>
+          </a:xfrm>
+          <a:prstGeom prst="rect">
+            <a:avLst/>
+          </a:prstGeom>
+          <a:noFill/>
+          <a:ln w="9525" cap="flat" cmpd="sng" algn="ctr">
+            <a:noFill/>
+            <a:prstDash val="solid"/>
+          </a:ln>
+          <a:effectLst/>
+          <a:extLst>
+            <a:ext uri="{91240B29-F687-4F45-9708-019B960494DF}">
+              <a14:hiddenLine xmlns:a14="http://schemas.microsoft.com/office/drawing/2010/main" w="9525" cap="flat" cmpd="sng" algn="ctr">
+                <a:solidFill>
+                  <a:srgbClr val="3F136C"/>
+                </a:solidFill>
+                <a:prstDash val="solid"/>
+              </a14:hiddenLine>
+            </a:ext>
+            <a:ext uri="{AF507438-7753-43E0-B8FC-AC1667EBCBE1}">
+              <a14:hiddenEffects xmlns:a14="http://schemas.microsoft.com/office/drawing/2010/main">
+                <a:effectLst>
+                  <a:outerShdw blurRad="63500" rotWithShape="0">
+                    <a:scrgbClr r="0" g="0" b="0"/>
+                  </a:outerShdw>
+                </a:effectLst>
+              </a14:hiddenEffects>
+            </a:ext>
+            <a:ext uri="{53640926-AAD7-44D8-BBD7-CCE9431645EC}">
+              <a14:shadowObscured xmlns:a14="http://schemas.microsoft.com/office/drawing/2010/main"/>
+            </a:ext>
+          </a:extLst>
+        </p:spPr>
+        <p:txBody>
+          <a:bodyPr lIns="0" tIns="0" rIns="0" bIns="0" rtlCol="0" anchor="t"/>
+          <a:lstStyle/>
+          <a:p>
+            <a:pPr marL="0" marR="0" indent="0" defTabSz="914400" eaLnBrk="1" fontAlgn="auto" latinLnBrk="0" hangingPunct="1">
+              <a:lnSpc>
+                <a:spcPct val="107000"/>
+              </a:lnSpc>
+              <a:spcAft>
+                <a:spcPts val="100"/>
+              </a:spcAft>
+              <a:buClrTx/>
+              <a:buSzTx/>
+              <a:buFontTx/>
+              <a:buNone/>
+              <a:tabLst/>
+            </a:pPr>
+            <a:r>
+              <a:rPr kumimoji="0" lang="de-DE" sz="600" strike="noStrike" kern="0" cap="none" normalizeH="0" baseline="0" noProof="0" smtClean="0">
+                <a:ln>
+                  <a:noFill/>
+                </a:ln>
+                <a:solidFill>
+                  <a:srgbClr val="000000"/>
+                </a:solidFill>
+                <a:effectLst/>
+                <a:uLnTx/>
+                <a:uFillTx/>
+                <a:ea typeface="+mn-ea"/>
+                <a:cs typeface="+mn-cs"/>
+              </a:rPr>
+              <a:t>HOME/EPS | 11.04.2018</a:t>
+            </a:r>
+            <a:endParaRPr kumimoji="0" lang="de-DE" sz="600" strike="noStrike" kern="0" cap="none" normalizeH="0" baseline="0" noProof="0" dirty="0" smtClean="0">
+              <a:ln>
+                <a:noFill/>
+              </a:ln>
+              <a:solidFill>
+                <a:srgbClr val="000000"/>
+              </a:solidFill>
+              <a:effectLst/>
+              <a:uLnTx/>
+              <a:uFillTx/>
+              <a:ea typeface="+mn-ea"/>
+              <a:cs typeface="+mn-cs"/>
+            </a:endParaRPr>
+          </a:p>
+        </p:txBody>
+      </p:sp>
+      <p:sp>
+        <p:nvSpPr>
+          <p:cNvPr id="6" name="Rechteck 5"/>
+          <p:cNvSpPr>
+            <a:spLocks/>
+          </p:cNvSpPr>
+          <p:nvPr>
+            <p:custDataLst>
+              <p:tags r:id="rId6"/>
+            </p:custDataLst>
+          </p:nvPr>
+        </p:nvSpPr>
+        <p:spPr>
+          <a:xfrm>
+            <a:off x="593090" y="5758180"/>
+            <a:ext cx="9152890" cy="215900"/>
+          </a:xfrm>
+          <a:prstGeom prst="rect">
+            <a:avLst/>
+          </a:prstGeom>
+          <a:noFill/>
+          <a:ln w="9525" cap="flat" cmpd="sng" algn="ctr">
+            <a:noFill/>
+            <a:prstDash val="solid"/>
+          </a:ln>
+          <a:effectLst/>
+          <a:extLst>
+            <a:ext uri="{91240B29-F687-4F45-9708-019B960494DF}">
+              <a14:hiddenLine xmlns:a14="http://schemas.microsoft.com/office/drawing/2010/main" w="9525" cap="flat" cmpd="sng" algn="ctr">
+                <a:solidFill>
+                  <a:srgbClr val="3F136C"/>
+                </a:solidFill>
+                <a:prstDash val="solid"/>
+              </a14:hiddenLine>
+            </a:ext>
+            <a:ext uri="{AF507438-7753-43E0-B8FC-AC1667EBCBE1}">
+              <a14:hiddenEffects xmlns:a14="http://schemas.microsoft.com/office/drawing/2010/main">
+                <a:effectLst>
+                  <a:outerShdw blurRad="63500" rotWithShape="0">
+                    <a:scrgbClr r="0" g="0" b="0"/>
+                  </a:outerShdw>
+                </a:effectLst>
+              </a14:hiddenEffects>
+            </a:ext>
+            <a:ext uri="{53640926-AAD7-44D8-BBD7-CCE9431645EC}">
+              <a14:shadowObscured xmlns:a14="http://schemas.microsoft.com/office/drawing/2010/main"/>
+            </a:ext>
+          </a:extLst>
+        </p:spPr>
+        <p:txBody>
+          <a:bodyPr lIns="0" tIns="0" rIns="0" bIns="0" rtlCol="0" anchor="t"/>
+          <a:lstStyle/>
+          <a:p>
+            <a:pPr marL="0" marR="0" indent="0" defTabSz="914400" eaLnBrk="1" fontAlgn="auto" latinLnBrk="0" hangingPunct="1">
+              <a:lnSpc>
+                <a:spcPct val="107000"/>
+              </a:lnSpc>
+              <a:spcAft>
+                <a:spcPts val="100"/>
+              </a:spcAft>
+              <a:buClrTx/>
+              <a:buSzTx/>
+              <a:buFontTx/>
+              <a:buNone/>
+              <a:tabLst/>
+            </a:pPr>
+            <a:r>
+              <a:rPr kumimoji="0" lang="de-DE" sz="600" b="0" i="0" u="none" strike="noStrike" kern="0" cap="none" normalizeH="0" baseline="0" noProof="0" smtClean="0">
+                <a:ln>
+                  <a:noFill/>
+                </a:ln>
+                <a:solidFill>
+                  <a:srgbClr val="B2B3B5"/>
+                </a:solidFill>
+                <a:effectLst/>
+                <a:uLnTx/>
+                <a:uFillTx/>
+                <a:latin typeface="Bosch Office Sans"/>
+                <a:ea typeface="+mn-ea"/>
+                <a:cs typeface="+mn-cs"/>
+              </a:rPr>
+              <a:t>© Robert Bosch GmbH 2018. Alle Rechte vorbehalten, auch bzgl. jeder Verfügung, Verwertung, Reproduktion, Bearbeitung, Weitergabe sowie für den Fall von Schutzrechtsanmeldungen.</a:t>
+            </a:r>
+            <a:endParaRPr kumimoji="0" lang="de-DE" sz="600" b="0" i="0" u="none" strike="noStrike" kern="0" cap="none" normalizeH="0" baseline="0" noProof="0" dirty="0" smtClean="0">
+              <a:ln>
+                <a:noFill/>
+              </a:ln>
+              <a:solidFill>
+                <a:srgbClr val="B2B3B5"/>
+              </a:solidFill>
+              <a:effectLst/>
+              <a:uLnTx/>
+              <a:uFillTx/>
+              <a:latin typeface="Bosch Office Sans"/>
+              <a:ea typeface="+mn-ea"/>
+              <a:cs typeface="+mn-cs"/>
+            </a:endParaRPr>
+          </a:p>
+        </p:txBody>
+      </p:sp>
+      <p:sp>
+        <p:nvSpPr>
+          <p:cNvPr id="5" name="Rechteck 4"/>
+          <p:cNvSpPr>
+            <a:spLocks/>
+          </p:cNvSpPr>
+          <p:nvPr>
+            <p:custDataLst>
+              <p:tags r:id="rId7"/>
+            </p:custDataLst>
+          </p:nvPr>
+        </p:nvSpPr>
+        <p:spPr>
+          <a:xfrm>
+            <a:off x="266700" y="5628640"/>
+            <a:ext cx="288290" cy="410210"/>
+          </a:xfrm>
+          <a:prstGeom prst="rect">
+            <a:avLst/>
+          </a:prstGeom>
+          <a:noFill/>
+          <a:ln w="9525" cap="flat" cmpd="sng" algn="ctr">
+            <a:noFill/>
+            <a:prstDash val="solid"/>
+          </a:ln>
+          <a:effectLst/>
+          <a:extLst>
+            <a:ext uri="{91240B29-F687-4F45-9708-019B960494DF}">
+              <a14:hiddenLine xmlns:a14="http://schemas.microsoft.com/office/drawing/2010/main" w="9525" cap="flat" cmpd="sng" algn="ctr">
+                <a:solidFill>
+                  <a:srgbClr val="3F136C"/>
+                </a:solidFill>
+                <a:prstDash val="solid"/>
+              </a14:hiddenLine>
+            </a:ext>
+            <a:ext uri="{AF507438-7753-43E0-B8FC-AC1667EBCBE1}">
+              <a14:hiddenEffects xmlns:a14="http://schemas.microsoft.com/office/drawing/2010/main">
+                <a:effectLst>
+                  <a:outerShdw blurRad="63500" rotWithShape="0">
+                    <a:scrgbClr r="0" g="0" b="0"/>
+                  </a:outerShdw>
+                </a:effectLst>
+              </a14:hiddenEffects>
+            </a:ext>
+            <a:ext uri="{53640926-AAD7-44D8-BBD7-CCE9431645EC}">
+              <a14:shadowObscured xmlns:a14="http://schemas.microsoft.com/office/drawing/2010/main"/>
+            </a:ext>
+          </a:extLst>
+        </p:spPr>
+        <p:txBody>
+          <a:bodyPr wrap="none" lIns="0" tIns="0" rIns="0" bIns="0" rtlCol="0" anchor="t"/>
+          <a:lstStyle/>
+          <a:p>
+            <a:pPr marL="0" marR="0" indent="0" defTabSz="914400" eaLnBrk="1" fontAlgn="auto" latinLnBrk="0" hangingPunct="1">
+              <a:buClrTx/>
+              <a:buSzTx/>
+              <a:buFontTx/>
+              <a:buNone/>
+              <a:tabLst/>
+            </a:pPr>
+            <a:r>
+              <a:rPr kumimoji="0" lang="de-DE" sz="1200" b="0" i="0" u="none" strike="noStrike" kern="0" cap="none" normalizeH="0" baseline="0" noProof="0" smtClean="0">
+                <a:ln>
+                  <a:noFill/>
+                </a:ln>
+                <a:solidFill>
+                  <a:srgbClr val="999FA6"/>
+                </a:solidFill>
+                <a:effectLst/>
+                <a:uLnTx/>
+                <a:uFillTx/>
+                <a:latin typeface="Bosch Office Sans"/>
+                <a:ea typeface="+mn-ea"/>
+                <a:cs typeface="+mn-cs"/>
+              </a:rPr>
+              <a:t>19</a:t>
+            </a:r>
+            <a:endParaRPr kumimoji="0" lang="de-DE" sz="1200" b="0" i="0" u="none" strike="noStrike" kern="0" cap="none" normalizeH="0" baseline="0" noProof="0" dirty="0" smtClean="0">
+              <a:ln>
+                <a:noFill/>
+              </a:ln>
+              <a:solidFill>
+                <a:srgbClr val="999FA6"/>
+              </a:solidFill>
+              <a:effectLst/>
+              <a:uLnTx/>
+              <a:uFillTx/>
+              <a:latin typeface="Bosch Office Sans"/>
+              <a:ea typeface="+mn-ea"/>
+              <a:cs typeface="+mn-cs"/>
+            </a:endParaRPr>
+          </a:p>
+        </p:txBody>
+      </p:sp>
+      <p:sp>
+        <p:nvSpPr>
+          <p:cNvPr id="4" name="Rechteck 3" hidden="1"/>
+          <p:cNvSpPr>
+            <a:spLocks/>
+          </p:cNvSpPr>
+          <p:nvPr>
+            <p:custDataLst>
+              <p:tags r:id="rId8"/>
+            </p:custDataLst>
+          </p:nvPr>
+        </p:nvSpPr>
+        <p:spPr>
+          <a:xfrm>
+            <a:off x="9224010" y="259080"/>
+            <a:ext cx="1691640" cy="777240"/>
+          </a:xfrm>
+          <a:prstGeom prst="rect">
+            <a:avLst/>
+          </a:prstGeom>
+          <a:noFill/>
+          <a:ln w="9525" cap="flat" cmpd="sng" algn="ctr">
+            <a:noFill/>
+            <a:prstDash val="solid"/>
+          </a:ln>
+          <a:effectLst/>
+          <a:extLst>
+            <a:ext uri="{91240B29-F687-4F45-9708-019B960494DF}">
+              <a14:hiddenLine xmlns:a14="http://schemas.microsoft.com/office/drawing/2010/main" w="9525" cap="flat" cmpd="sng" algn="ctr">
+                <a:solidFill>
+                  <a:srgbClr val="3F136C"/>
+                </a:solidFill>
+                <a:prstDash val="solid"/>
+              </a14:hiddenLine>
+            </a:ext>
+            <a:ext uri="{AF507438-7753-43E0-B8FC-AC1667EBCBE1}">
+              <a14:hiddenEffects xmlns:a14="http://schemas.microsoft.com/office/drawing/2010/main">
+                <a:effectLst>
+                  <a:outerShdw blurRad="63500" rotWithShape="0">
+                    <a:scrgbClr r="0" g="0" b="0"/>
+                  </a:outerShdw>
+                </a:effectLst>
+              </a14:hiddenEffects>
+            </a:ext>
+            <a:ext uri="{53640926-AAD7-44D8-BBD7-CCE9431645EC}">
+              <a14:shadowObscured xmlns:a14="http://schemas.microsoft.com/office/drawing/2010/main"/>
+            </a:ext>
+          </a:extLst>
+        </p:spPr>
+        <p:txBody>
+          <a:bodyPr lIns="0" tIns="17780" rIns="0" bIns="0" rtlCol="0" anchor="t">
+            <a:normAutofit/>
+          </a:bodyPr>
+          <a:lstStyle/>
+          <a:p>
+            <a:pPr marL="0" marR="0" indent="0" defTabSz="914400" eaLnBrk="1" fontAlgn="auto" latinLnBrk="0" hangingPunct="1">
+              <a:lnSpc>
+                <a:spcPts val="900"/>
+              </a:lnSpc>
+              <a:buClrTx/>
+              <a:buSzTx/>
+              <a:buFontTx/>
+              <a:buNone/>
+              <a:tabLst/>
+            </a:pPr>
+            <a:endParaRPr kumimoji="0" lang="de-DE" sz="550" b="0" i="0" u="none" strike="noStrike" kern="0" cap="none" normalizeH="0" baseline="0" noProof="0" dirty="0" smtClean="0">
+              <a:ln>
+                <a:noFill/>
+              </a:ln>
+              <a:effectLst/>
+              <a:uLnTx/>
+              <a:uFillTx/>
+              <a:latin typeface="Bosch Office Sans"/>
+              <a:ea typeface="+mn-ea"/>
+              <a:cs typeface="+mn-cs"/>
+            </a:endParaRPr>
+          </a:p>
+        </p:txBody>
+      </p:sp>
+      <p:sp>
+        <p:nvSpPr>
+          <p:cNvPr id="3" name="Textfeld 2" hidden="1"/>
+          <p:cNvSpPr txBox="1"/>
+          <p:nvPr>
+            <p:custDataLst>
+              <p:tags r:id="rId9"/>
+            </p:custDataLst>
+          </p:nvPr>
+        </p:nvSpPr>
+        <p:spPr>
+          <a:xfrm>
+            <a:off x="0" y="5975350"/>
+            <a:ext cx="0" cy="0"/>
+          </a:xfrm>
+          <a:prstGeom prst="rect">
+            <a:avLst/>
+          </a:prstGeom>
+          <a:noFill/>
+          <a:effectLst/>
+          <a:extLst>
+            <a:ext uri="{AF507438-7753-43E0-B8FC-AC1667EBCBE1}">
+              <a14:hiddenEffects xmlns:a14="http://schemas.microsoft.com/office/drawing/2010/main">
+                <a:effectLst>
+                  <a:outerShdw blurRad="63500" rotWithShape="0">
+                    <a:scrgbClr r="0" g="0" b="0"/>
+                  </a:outerShdw>
+                </a:effectLst>
+              </a14:hiddenEffects>
+            </a:ext>
+            <a:ext uri="{53640926-AAD7-44D8-BBD7-CCE9431645EC}">
+              <a14:shadowObscured xmlns:a14="http://schemas.microsoft.com/office/drawing/2010/main"/>
+            </a:ext>
+          </a:extLst>
+        </p:spPr>
+        <p:txBody>
+          <a:bodyPr vert="horz" wrap="none" lIns="0" tIns="0" rIns="0" bIns="0" rtlCol="0" anchor="t">
+            <a:noAutofit/>
+          </a:bodyPr>
+          <a:lstStyle/>
+          <a:p>
+            <a:pPr marR="0" defTabSz="914400" eaLnBrk="1" fontAlgn="auto" latinLnBrk="0" hangingPunct="1">
+              <a:lnSpc>
+                <a:spcPct val="107000"/>
+              </a:lnSpc>
+              <a:buClrTx/>
+              <a:buSzTx/>
+              <a:buFontTx/>
+              <a:buNone/>
+              <a:tabLst/>
+            </a:pPr>
+            <a:endParaRPr kumimoji="0" lang="de-DE" sz="1300" b="0" i="0" u="none" strike="noStrike" kern="0" cap="none" normalizeH="0" baseline="0" noProof="0" dirty="0" err="1" smtClean="0">
+              <a:ln>
+                <a:noFill/>
+              </a:ln>
+              <a:effectLst/>
+              <a:uLnTx/>
+              <a:uFillTx/>
+            </a:endParaRPr>
+          </a:p>
+        </p:txBody>
+      </p:sp>
+      <p:sp>
+        <p:nvSpPr>
+          <p:cNvPr id="2" name="Titel 1"/>
+          <p:cNvSpPr>
+            <a:spLocks noGrp="1"/>
+          </p:cNvSpPr>
+          <p:nvPr>
+            <p:ph type="title"/>
+            <p:custDataLst>
+              <p:tags r:id="rId10"/>
+            </p:custDataLst>
+          </p:nvPr>
+        </p:nvSpPr>
+        <p:spPr>
+          <a:xfrm>
+            <a:off x="259080" y="647700"/>
+            <a:ext cx="10452100" cy="388620"/>
+          </a:xfrm>
+          <a:effectLst/>
+          <a:extLst>
+            <a:ext uri="{AF507438-7753-43E0-B8FC-AC1667EBCBE1}">
+              <a14:hiddenEffects xmlns:a14="http://schemas.microsoft.com/office/drawing/2010/main">
+                <a:effectLst>
+                  <a:outerShdw blurRad="63500" rotWithShape="0">
+                    <a:scrgbClr r="0" g="0" b="0"/>
+                  </a:outerShdw>
+                </a:effectLst>
+              </a14:hiddenEffects>
+            </a:ext>
+            <a:ext uri="{53640926-AAD7-44D8-BBD7-CCE9431645EC}">
+              <a14:shadowObscured xmlns:a14="http://schemas.microsoft.com/office/drawing/2010/main"/>
+            </a:ext>
+          </a:extLst>
+        </p:spPr>
+        <p:txBody>
+          <a:bodyPr wrap="square" lIns="0" tIns="0" rIns="0" bIns="0" anchor="t">
+            <a:noAutofit/>
+          </a:bodyPr>
+          <a:lstStyle/>
+          <a:p>
+            <a:pPr>
+              <a:lnSpc>
+                <a:spcPct val="89000"/>
+              </a:lnSpc>
+              <a:spcBef>
+                <a:spcPts val="0"/>
+              </a:spcBef>
+            </a:pPr>
+            <a:r>
+              <a:rPr lang="de-DE" sz="2800" dirty="0" smtClean="0">
+                <a:solidFill>
+                  <a:srgbClr val="67B419"/>
+                </a:solidFill>
+              </a:rPr>
+              <a:t>Anpassung des Verfahrens auf nicht-statische Kameras</a:t>
+            </a:r>
+            <a:endParaRPr lang="de-DE" sz="2800" dirty="0">
+              <a:solidFill>
+                <a:srgbClr val="67B419"/>
+              </a:solidFill>
+            </a:endParaRPr>
+          </a:p>
+        </p:txBody>
+      </p:sp>
+    </p:spTree>
+    <p:custDataLst>
+      <p:tags r:id="rId1"/>
+    </p:custDataLst>
+    <p:extLst>
+      <p:ext uri="{BB962C8B-B14F-4D97-AF65-F5344CB8AC3E}">
+        <p14:creationId xmlns:p14="http://schemas.microsoft.com/office/powerpoint/2010/main" val="457305743"/>
+      </p:ext>
+    </p:extLst>
+  </p:cSld>
+  <p:clrMapOvr>
+    <a:masterClrMapping/>
+  </p:clrMapOvr>
+  <p:timing>
+    <p:tnLst>
+      <p:par>
+        <p:cTn id="1" dur="indefinite" restart="never" nodeType="tmRoot"/>
+      </p:par>
+    </p:tnLst>
+  </p:timing>
+</p:sld>
+</file>
+
+<file path=ppt/slides/slide21.xml><?xml version="1.0" encoding="utf-8"?>
 <p:sld xmlns:a="http://schemas.openxmlformats.org/drawingml/2006/main" xmlns:r="http://schemas.openxmlformats.org/officeDocument/2006/relationships" xmlns:p="http://schemas.openxmlformats.org/presentationml/2006/main">
   <p:cSld>
     <p:spTree>
@@ -12337,7 +13275,7 @@
 </p:sld>
 </file>
 
-<file path=ppt/slides/slide21.xml><?xml version="1.0" encoding="utf-8"?>
+<file path=ppt/slides/slide22.xml><?xml version="1.0" encoding="utf-8"?>
 <p:sld xmlns:a="http://schemas.openxmlformats.org/drawingml/2006/main" xmlns:r="http://schemas.openxmlformats.org/officeDocument/2006/relationships" xmlns:p="http://schemas.openxmlformats.org/presentationml/2006/main">
   <p:cSld>
     <p:spTree>
@@ -13095,7 +14033,7 @@
 </p:sld>
 </file>
 
-<file path=ppt/slides/slide22.xml><?xml version="1.0" encoding="utf-8"?>
+<file path=ppt/slides/slide23.xml><?xml version="1.0" encoding="utf-8"?>
 <p:sld xmlns:a="http://schemas.openxmlformats.org/drawingml/2006/main" xmlns:r="http://schemas.openxmlformats.org/officeDocument/2006/relationships" xmlns:p="http://schemas.openxmlformats.org/presentationml/2006/main">
   <p:cSld>
     <p:spTree>
@@ -13990,7 +14928,7 @@
 </p:sld>
 </file>
 
-<file path=ppt/slides/slide23.xml><?xml version="1.0" encoding="utf-8"?>
+<file path=ppt/slides/slide24.xml><?xml version="1.0" encoding="utf-8"?>
 <p:sld xmlns:a="http://schemas.openxmlformats.org/drawingml/2006/main" xmlns:r="http://schemas.openxmlformats.org/officeDocument/2006/relationships" xmlns:p="http://schemas.openxmlformats.org/presentationml/2006/main">
   <p:cSld>
     <p:spTree>
@@ -14745,7 +15683,7 @@
 </p:sld>
 </file>
 
-<file path=ppt/slides/slide24.xml><?xml version="1.0" encoding="utf-8"?>
+<file path=ppt/slides/slide25.xml><?xml version="1.0" encoding="utf-8"?>
 <p:sld xmlns:a="http://schemas.openxmlformats.org/drawingml/2006/main" xmlns:r="http://schemas.openxmlformats.org/officeDocument/2006/relationships" xmlns:p="http://schemas.openxmlformats.org/presentationml/2006/main" showMasterSp="0">
   <p:cSld>
     <p:spTree>
@@ -15029,7 +15967,7 @@
 </p:sld>
 </file>
 
-<file path=ppt/slides/slide25.xml><?xml version="1.0" encoding="utf-8"?>
+<file path=ppt/slides/slide26.xml><?xml version="1.0" encoding="utf-8"?>
 <p:sld xmlns:a="http://schemas.openxmlformats.org/drawingml/2006/main" xmlns:r="http://schemas.openxmlformats.org/officeDocument/2006/relationships" xmlns:p="http://schemas.openxmlformats.org/presentationml/2006/main" showMasterSp="0">
   <p:cSld>
     <p:spTree>
@@ -21457,7 +22395,7 @@
       </p:grpSpPr>
       <p:pic>
         <p:nvPicPr>
-          <p:cNvPr id="10" name="Grafik 9"/>
+          <p:cNvPr id="16" name="Grafik 15"/>
           <p:cNvPicPr>
             <a:picLocks/>
           </p:cNvPicPr>
@@ -21468,7 +22406,7 @@
           </p:nvPr>
         </p:nvPicPr>
         <p:blipFill>
-          <a:blip r:embed="rId12" cstate="print">
+          <a:blip r:embed="rId14" cstate="print">
             <a:extLst>
               <a:ext uri="{28A0092B-C50C-407E-A947-70E740481C1C}">
                 <a14:useLocalDpi xmlns:a14="http://schemas.microsoft.com/office/drawing/2010/main" val="0"/>
@@ -21506,7 +22444,7 @@
       </p:pic>
       <p:pic>
         <p:nvPicPr>
-          <p:cNvPr id="9" name="Grafik 8"/>
+          <p:cNvPr id="13" name="Grafik 12"/>
           <p:cNvPicPr>
             <a:picLocks/>
           </p:cNvPicPr>
@@ -21517,7 +22455,7 @@
           </p:nvPr>
         </p:nvPicPr>
         <p:blipFill>
-          <a:blip r:embed="rId13">
+          <a:blip r:embed="rId15">
             <a:extLst>
               <a:ext uri="{28A0092B-C50C-407E-A947-70E740481C1C}">
                 <a14:useLocalDpi xmlns:a14="http://schemas.microsoft.com/office/drawing/2010/main" val="0"/>
@@ -21555,13 +22493,98 @@
       </p:pic>
       <p:sp>
         <p:nvSpPr>
+          <p:cNvPr id="17" name="Inhaltsplatzhalter 16"/>
+          <p:cNvSpPr>
+            <a:spLocks noGrp="1"/>
+          </p:cNvSpPr>
+          <p:nvPr>
+            <p:ph idx="1"/>
+            <p:custDataLst>
+              <p:tags r:id="rId4"/>
+            </p:custDataLst>
+          </p:nvPr>
+        </p:nvSpPr>
+        <p:spPr>
+          <a:xfrm>
+            <a:off x="259080" y="1295400"/>
+            <a:ext cx="10452100" cy="4168140"/>
+          </a:xfrm>
+          <a:solidFill>
+            <a:scrgbClr r="0" g="0" b="0">
+              <a:alpha val="0"/>
+            </a:scrgbClr>
+          </a:solidFill>
+          <a:effectLst/>
+          <a:extLst>
+            <a:ext uri="{AF507438-7753-43E0-B8FC-AC1667EBCBE1}">
+              <a14:hiddenEffects xmlns:a14="http://schemas.microsoft.com/office/drawing/2010/main">
+                <a:effectLst>
+                  <a:outerShdw blurRad="63500" rotWithShape="0">
+                    <a:scrgbClr r="0" g="0" b="0"/>
+                  </a:outerShdw>
+                </a:effectLst>
+              </a14:hiddenEffects>
+            </a:ext>
+            <a:ext uri="{53640926-AAD7-44D8-BBD7-CCE9431645EC}">
+              <a14:shadowObscured xmlns:a14="http://schemas.microsoft.com/office/drawing/2010/main"/>
+            </a:ext>
+          </a:extLst>
+        </p:spPr>
+        <p:txBody>
+          <a:bodyPr wrap="square" lIns="0" tIns="0" rIns="0" bIns="0" anchor="t">
+            <a:noAutofit/>
+          </a:bodyPr>
+          <a:lstStyle/>
+          <a:p>
+            <a:r>
+              <a:rPr lang="de-DE" dirty="0" smtClean="0"/>
+              <a:t>Ist eine häufig verwendete Technik, um sich bewegenden Objekte vor einem Hintergrund zu extrahieren</a:t>
+            </a:r>
+          </a:p>
+          <a:p>
+            <a:r>
+              <a:rPr lang="de-DE" dirty="0" smtClean="0"/>
+              <a:t>Erzeugt ein Binärbild von dem Vordergrund und dem Hintergrund</a:t>
+            </a:r>
+          </a:p>
+          <a:p>
+            <a:r>
+              <a:rPr lang="de-DE" dirty="0" smtClean="0"/>
+              <a:t>Im Allgemein gilt das gleiche Prinzip:</a:t>
+            </a:r>
+          </a:p>
+          <a:p>
+            <a:pPr lvl="1"/>
+            <a:r>
+              <a:rPr lang="de-DE" dirty="0" smtClean="0"/>
+              <a:t>Initialisierung des Hintergrundes </a:t>
+            </a:r>
+          </a:p>
+          <a:p>
+            <a:pPr lvl="1"/>
+            <a:r>
+              <a:rPr lang="de-DE" dirty="0" smtClean="0"/>
+              <a:t>Erkennung des Vordergrundes</a:t>
+            </a:r>
+          </a:p>
+          <a:p>
+            <a:pPr lvl="1"/>
+            <a:r>
+              <a:rPr lang="de-DE" dirty="0" smtClean="0"/>
+              <a:t>Aktualisierung des Hintergrundmodells</a:t>
+            </a:r>
+          </a:p>
+        </p:txBody>
+      </p:sp>
+      <p:sp>
+        <p:nvSpPr>
           <p:cNvPr id="8" name="Textfeld 7"/>
           <p:cNvSpPr txBox="1">
             <a:spLocks/>
           </p:cNvSpPr>
           <p:nvPr>
             <p:custDataLst>
-              <p:tags r:id="rId4"/>
+              <p:tags r:id="rId5"/>
             </p:custDataLst>
           </p:nvPr>
         </p:nvSpPr>
@@ -21629,7 +22652,7 @@
           </p:cNvSpPr>
           <p:nvPr>
             <p:custDataLst>
-              <p:tags r:id="rId5"/>
+              <p:tags r:id="rId6"/>
             </p:custDataLst>
           </p:nvPr>
         </p:nvSpPr>
@@ -21671,7 +22694,9 @@
           </a:extLst>
         </p:spPr>
         <p:txBody>
-          <a:bodyPr lIns="0" tIns="0" rIns="0" bIns="0" rtlCol="0" anchor="t"/>
+          <a:bodyPr wrap="square" lIns="0" tIns="0" rIns="0" bIns="0" rtlCol="0" anchor="t">
+            <a:noAutofit/>
+          </a:bodyPr>
           <a:lstStyle/>
           <a:p>
             <a:pPr marL="0" marR="0" indent="0" defTabSz="914400" eaLnBrk="1" fontAlgn="auto" latinLnBrk="0" hangingPunct="1">
@@ -21727,7 +22752,7 @@
           </p:cNvSpPr>
           <p:nvPr>
             <p:custDataLst>
-              <p:tags r:id="rId6"/>
+              <p:tags r:id="rId7"/>
             </p:custDataLst>
           </p:nvPr>
         </p:nvSpPr>
@@ -21769,7 +22794,9 @@
           </a:extLst>
         </p:spPr>
         <p:txBody>
-          <a:bodyPr lIns="0" tIns="0" rIns="0" bIns="0" rtlCol="0" anchor="t"/>
+          <a:bodyPr wrap="square" lIns="0" tIns="0" rIns="0" bIns="0" rtlCol="0" anchor="t">
+            <a:noAutofit/>
+          </a:bodyPr>
           <a:lstStyle/>
           <a:p>
             <a:pPr marL="0" marR="0" indent="0" defTabSz="914400" eaLnBrk="1" fontAlgn="auto" latinLnBrk="0" hangingPunct="1">
@@ -21827,7 +22854,7 @@
           </p:cNvSpPr>
           <p:nvPr>
             <p:custDataLst>
-              <p:tags r:id="rId7"/>
+              <p:tags r:id="rId8"/>
             </p:custDataLst>
           </p:nvPr>
         </p:nvSpPr>
@@ -21869,7 +22896,9 @@
           </a:extLst>
         </p:spPr>
         <p:txBody>
-          <a:bodyPr wrap="none" lIns="0" tIns="0" rIns="0" bIns="0" rtlCol="0" anchor="t"/>
+          <a:bodyPr wrap="none" lIns="0" tIns="0" rIns="0" bIns="0" rtlCol="0" anchor="t">
+            <a:noAutofit/>
+          </a:bodyPr>
           <a:lstStyle/>
           <a:p>
             <a:pPr marL="0" marR="0" indent="0" defTabSz="914400" eaLnBrk="1" fontAlgn="auto" latinLnBrk="0" hangingPunct="1">
@@ -21921,7 +22950,7 @@
           </p:cNvSpPr>
           <p:nvPr>
             <p:custDataLst>
-              <p:tags r:id="rId8"/>
+              <p:tags r:id="rId9"/>
             </p:custDataLst>
           </p:nvPr>
         </p:nvSpPr>
@@ -21963,7 +22992,7 @@
           </a:extLst>
         </p:spPr>
         <p:txBody>
-          <a:bodyPr lIns="0" tIns="17780" rIns="0" bIns="0" rtlCol="0" anchor="t">
+          <a:bodyPr wrap="square" lIns="0" tIns="17780" rIns="0" bIns="0" rtlCol="0" anchor="t">
             <a:normAutofit/>
           </a:bodyPr>
           <a:lstStyle/>
@@ -21995,10 +23024,12 @@
       <p:sp>
         <p:nvSpPr>
           <p:cNvPr id="3" name="Textfeld 2" hidden="1"/>
-          <p:cNvSpPr txBox="1"/>
+          <p:cNvSpPr txBox="1">
+            <a:spLocks/>
+          </p:cNvSpPr>
           <p:nvPr>
             <p:custDataLst>
-              <p:tags r:id="rId9"/>
+              <p:tags r:id="rId10"/>
             </p:custDataLst>
           </p:nvPr>
         </p:nvSpPr>
@@ -22063,7 +23094,7 @@
           <p:nvPr>
             <p:ph type="title"/>
             <p:custDataLst>
-              <p:tags r:id="rId10"/>
+              <p:tags r:id="rId11"/>
             </p:custDataLst>
           </p:nvPr>
         </p:nvSpPr>
@@ -22118,6 +23149,40 @@
           </a:p>
         </p:txBody>
       </p:sp>
+      <p:pic>
+        <p:nvPicPr>
+          <p:cNvPr id="22" name="Grafik 21"/>
+          <p:cNvPicPr>
+            <a:picLocks noChangeAspect="1"/>
+          </p:cNvPicPr>
+          <p:nvPr>
+            <p:custDataLst>
+              <p:tags r:id="rId12"/>
+            </p:custDataLst>
+          </p:nvPr>
+        </p:nvPicPr>
+        <p:blipFill>
+          <a:blip r:embed="rId16" cstate="print">
+            <a:extLst>
+              <a:ext uri="{28A0092B-C50C-407E-A947-70E740481C1C}">
+                <a14:useLocalDpi xmlns:a14="http://schemas.microsoft.com/office/drawing/2010/main" val="0"/>
+              </a:ext>
+            </a:extLst>
+          </a:blip>
+          <a:stretch>
+            <a:fillRect/>
+          </a:stretch>
+        </p:blipFill>
+        <p:spPr>
+          <a:xfrm>
+            <a:off x="4847563" y="2503714"/>
+            <a:ext cx="5863617" cy="2893786"/>
+          </a:xfrm>
+          <a:prstGeom prst="rect">
+            <a:avLst/>
+          </a:prstGeom>
+        </p:spPr>
+      </p:pic>
     </p:spTree>
     <p:custDataLst>
       <p:tags r:id="rId1"/>
@@ -22210,6 +23275,32 @@
 
 <file path=ppt/tags/tag100.xml><?xml version="1.0" encoding="utf-8"?>
 <p:tagLst xmlns:a="http://schemas.openxmlformats.org/drawingml/2006/main" xmlns:r="http://schemas.openxmlformats.org/officeDocument/2006/relationships" xmlns:p="http://schemas.openxmlformats.org/presentationml/2006/main">
+  <p:tag name="FONT" val="Reg28"/>
+  <p:tag name="FONTSETCLASSNAME" val="FontSet1"/>
+  <p:tag name="COLORSETCLASSNAME" val="ColorSet2"/>
+  <p:tag name="MLI" val="1"/>
+  <p:tag name="SHAPESETGROUPCLASSNAME" val="ShapeSetGroup1"/>
+  <p:tag name="COLORSETGROUPCLASSNAME" val="ColorSetGroup4"/>
+  <p:tag name="FONTSETGROUPCLASSNAME" val="FontSetGroup1"/>
+  <p:tag name="SHAPECLASSNAME" val="TitleOnSlides"/>
+  <p:tag name="FONTCOLOR" val="Primary"/>
+  <p:tag name="FONTCOLOR2" val="Primary"/>
+  <p:tag name="SHAPESETCLASSNAME" val="Object"/>
+  <p:tag name="SHAPECLASSPROTECTIONTYPE" val=" 9"/>
+  <p:tag name="RUNS.FONT" val="2"/>
+  <p:tag name="COLORS" val="-2;-2;-2;-2;LightGreen;-2"/>
+</p:tagLst>
+</file>
+
+<file path=ppt/tags/tag101.xml><?xml version="1.0" encoding="utf-8"?>
+<p:tagLst xmlns:a="http://schemas.openxmlformats.org/drawingml/2006/main" xmlns:r="http://schemas.openxmlformats.org/officeDocument/2006/relationships" xmlns:p="http://schemas.openxmlformats.org/presentationml/2006/main">
+  <p:tag name="COLORSETCLASSNAME" val="ColorSet2"/>
+  <p:tag name="COLORS" val="-2;-2;-2;-2;-1;-2"/>
+</p:tagLst>
+</file>
+
+<file path=ppt/tags/tag102.xml><?xml version="1.0" encoding="utf-8"?>
+<p:tagLst xmlns:a="http://schemas.openxmlformats.org/drawingml/2006/main" xmlns:r="http://schemas.openxmlformats.org/officeDocument/2006/relationships" xmlns:p="http://schemas.openxmlformats.org/presentationml/2006/main">
   <p:tag name="FIELD.CHAPTER.CONTENT" val="Titel des Kapitels"/>
   <p:tag name="FIELD.CHAPTER.VALUE" val="Titel des Kapitels"/>
   <p:tag name="FIELD.DPT.CONTENT" val="HOME/EPS"/>
@@ -22219,7 +23310,6 @@
   <p:tag name="ML_2" val="Bosch2.mcr"/>
   <p:tag name="ML_LAYOUT_RESOURCE" val="BOSCH2_16_9.mcr"/>
   <p:tag name="SHAPESETGROUPCLASSNAME" val="ShapeSetGroup1"/>
-  <p:tag name="SHAPESETCLASSNAME" val="TitleOnly"/>
   <p:tag name="COLORSETGROUPCLASSNAME" val="ColorSetGroup4"/>
   <p:tag name="COLORSETCLASSNAME" val="ColorSet2"/>
   <p:tag name="FONTSETGROUPCLASSNAME" val="FontSetGroup1"/>
@@ -22236,10 +23326,16 @@
   <p:tag name="TITLE 1_SHAPECLASSPROTECTIONTYPE" val="9"/>
   <p:tag name="PICTURE 8_SHAPECLASSPROTECTIONTYPE" val="15"/>
   <p:tag name="PICTURE 9_SHAPECLASSPROTECTIONTYPE" val="15"/>
+  <p:tag name="SHAPESETCLASSNAME" val="Object"/>
+  <p:tag name="CONTENT PLACEHOLDER 10_SHAPECLASSPROTECTIONTYPE" val="0"/>
+  <p:tag name="CONTENT PLACEHOLDER 13_SHAPECLASSPROTECTIONTYPE" val="0"/>
+  <p:tag name="PICTURE 12_SHAPECLASSPROTECTIONTYPE" val="15"/>
+  <p:tag name="CONTENT PLACEHOLDER 16_SHAPECLASSPROTECTIONTYPE" val="0"/>
+  <p:tag name="PICTURE 15_SHAPECLASSPROTECTIONTYPE" val="15"/>
 </p:tagLst>
 </file>
 
-<file path=ppt/tags/tag101.xml><?xml version="1.0" encoding="utf-8"?>
+<file path=ppt/tags/tag103.xml><?xml version="1.0" encoding="utf-8"?>
 <p:tagLst xmlns:a="http://schemas.openxmlformats.org/drawingml/2006/main" xmlns:r="http://schemas.openxmlformats.org/officeDocument/2006/relationships" xmlns:p="http://schemas.openxmlformats.org/presentationml/2006/main">
   <p:tag name="COLORS" val="-2;-2;-2;-2;-2;-2"/>
   <p:tag name="COLORSETCLASSNAME" val="ColorSet1"/>
@@ -22254,7 +23350,7 @@
 </p:tagLst>
 </file>
 
-<file path=ppt/tags/tag102.xml><?xml version="1.0" encoding="utf-8"?>
+<file path=ppt/tags/tag104.xml><?xml version="1.0" encoding="utf-8"?>
 <p:tagLst xmlns:a="http://schemas.openxmlformats.org/drawingml/2006/main" xmlns:r="http://schemas.openxmlformats.org/officeDocument/2006/relationships" xmlns:p="http://schemas.openxmlformats.org/presentationml/2006/main">
   <p:tag name="COLORS" val="-2;-2;-2;-2;-2;-2"/>
   <p:tag name="COLORSETCLASSNAME" val="ColorSet1"/>
@@ -22269,7 +23365,42 @@
 </p:tagLst>
 </file>
 
-<file path=ppt/tags/tag103.xml><?xml version="1.0" encoding="utf-8"?>
+<file path=ppt/tags/tag105.xml><?xml version="1.0" encoding="utf-8"?>
+<p:tagLst xmlns:a="http://schemas.openxmlformats.org/drawingml/2006/main" xmlns:r="http://schemas.openxmlformats.org/officeDocument/2006/relationships" xmlns:p="http://schemas.openxmlformats.org/presentationml/2006/main">
+  <p:tag name="FONT" val="Reg28"/>
+  <p:tag name="FONTSETCLASSNAME" val="FontSet1"/>
+  <p:tag name="COLORSETCLASSNAME" val="ColorSet2"/>
+  <p:tag name="MLI" val="1"/>
+  <p:tag name="SHAPESETGROUPCLASSNAME" val="ShapeSetGroup1"/>
+  <p:tag name="COLORSETGROUPCLASSNAME" val="ColorSetGroup4"/>
+  <p:tag name="FONTSETGROUPCLASSNAME" val="FontSetGroup1"/>
+  <p:tag name="SHAPECLASSNAME" val="TitleOnSlides"/>
+  <p:tag name="FONTCOLOR" val="Primary"/>
+  <p:tag name="FONTCOLOR2" val="Primary"/>
+  <p:tag name="SHAPESETCLASSNAME" val="Object"/>
+  <p:tag name="SHAPECLASSPROTECTIONTYPE" val=" 9"/>
+  <p:tag name="RUNS.FONT" val="2"/>
+  <p:tag name="COLORS" val="-2;-2;-2;-2;LightGreen;-2"/>
+</p:tagLst>
+</file>
+
+<file path=ppt/tags/tag106.xml><?xml version="1.0" encoding="utf-8"?>
+<p:tagLst xmlns:a="http://schemas.openxmlformats.org/drawingml/2006/main" xmlns:r="http://schemas.openxmlformats.org/officeDocument/2006/relationships" xmlns:p="http://schemas.openxmlformats.org/presentationml/2006/main">
+  <p:tag name="FONTSETCLASSNAME" val="FontSet1"/>
+  <p:tag name="COLORSETCLASSNAME" val="ColorSet1"/>
+  <p:tag name="STYLENAME" val="Bodystyle"/>
+  <p:tag name="MLI" val="1"/>
+  <p:tag name="SHAPESETGROUPCLASSNAME" val="ShapeSetGroup1"/>
+  <p:tag name="SHAPESETCLASSNAME" val="Object"/>
+  <p:tag name="COLORSETGROUPCLASSNAME" val="ColorSetGroup4"/>
+  <p:tag name="FONTSETGROUPCLASSNAME" val="FontSetGroup1"/>
+  <p:tag name="SHAPECLASSNAME" val="ObjectFull"/>
+  <p:tag name="SHAPECLASSPROTECTIONTYPE" val="0"/>
+  <p:tag name="COLORS" val="Black;-1;-2;-2;-1;-2"/>
+</p:tagLst>
+</file>
+
+<file path=ppt/tags/tag107.xml><?xml version="1.0" encoding="utf-8"?>
 <p:tagLst xmlns:a="http://schemas.openxmlformats.org/drawingml/2006/main" xmlns:r="http://schemas.openxmlformats.org/officeDocument/2006/relationships" xmlns:p="http://schemas.openxmlformats.org/presentationml/2006/main">
   <p:tag name="FONT" val="Reg28"/>
   <p:tag name="FONTSETCLASSNAME" val="FontSet1"/>
@@ -22278,47 +23409,44 @@
   <p:tag name="FIELDS" val="CHAPTER;"/>
   <p:tag name="MLI" val="1"/>
   <p:tag name="SHAPESETGROUPCLASSNAME" val="ShapeSetGroup1"/>
-  <p:tag name="SHAPESETCLASSNAME" val="TitleOnly"/>
   <p:tag name="COLORSETGROUPCLASSNAME" val="ColorSetGroup4"/>
   <p:tag name="FONTSETGROUPCLASSNAME" val="FontSetGroup1"/>
   <p:tag name="SHAPECLASSNAME" val="Chapterbox"/>
-  <p:tag name="SHAPECLASSPROTECTIONTYPE" val="25"/>
-  <p:tag name="COLORS" val="-2;-2;-2;-2;-1;-2"/>
+  <p:tag name="COLORS" val="-2;-2;-2;-2;-2;-2"/>
+  <p:tag name="SHAPESETCLASSNAME" val="Object"/>
+  <p:tag name="SHAPECLASSPROTECTIONTYPE" val=" 25"/>
 </p:tagLst>
 </file>
 
-<file path=ppt/tags/tag104.xml><?xml version="1.0" encoding="utf-8"?>
+<file path=ppt/tags/tag108.xml><?xml version="1.0" encoding="utf-8"?>
 <p:tagLst xmlns:a="http://schemas.openxmlformats.org/drawingml/2006/main" xmlns:r="http://schemas.openxmlformats.org/officeDocument/2006/relationships" xmlns:p="http://schemas.openxmlformats.org/presentationml/2006/main">
-  <p:tag name="FONT" val="Bold6"/>
-  <p:tag name="FONT2" val="Reg6"/>
-  <p:tag name="FONT3" val="Reg6"/>
   <p:tag name="FONTSETCLASSNAME" val="FontSet1"/>
-  <p:tag name="FONTCOLOR" val="Red"/>
-  <p:tag name="FONTCOLOR2" val="Black"/>
-  <p:tag name="FONTCOLOR3" val="Black"/>
-  <p:tag name="FONTCOLOR4" val="Black"/>
-  <p:tag name="RUNS.FONT" val="4"/>
   <p:tag name="COLORS" val="-2;-2;-2;-2;Red;-2"/>
   <p:tag name="COLORSETCLASSNAME" val="ColorSet1"/>
   <p:tag name="SCRIPT" val="1"/>
   <p:tag name="FIELDS" val="CONF;DPT;DATE;"/>
   <p:tag name="MLI" val="1"/>
   <p:tag name="SHAPESETGROUPCLASSNAME" val="ShapeSetGroup1"/>
-  <p:tag name="SHAPESETCLASSNAME" val="TitleOnly"/>
   <p:tag name="COLORSETGROUPCLASSNAME" val="ColorSetGroup4"/>
   <p:tag name="FONTSETGROUPCLASSNAME" val="FontSetGroup1"/>
   <p:tag name="SHAPECLASSNAME" val="FooterLine1OnSlides"/>
-  <p:tag name="SHAPECLASSPROTECTIONTYPE" val="63"/>
+  <p:tag name="FONT" val="Bold6"/>
+  <p:tag name="FONT2" val="Reg6"/>
+  <p:tag name="FONT3" val="Reg6"/>
+  <p:tag name="FONTCOLOR" val="Red"/>
+  <p:tag name="FONTCOLOR2" val="Black"/>
+  <p:tag name="FONTCOLOR3" val="Black"/>
+  <p:tag name="FONTCOLOR4" val="Black"/>
+  <p:tag name="RUNS.FONT" val="4"/>
+  <p:tag name="SHAPESETCLASSNAME" val="Object"/>
+  <p:tag name="SHAPECLASSPROTECTIONTYPE" val=" 63"/>
 </p:tagLst>
 </file>
 
-<file path=ppt/tags/tag105.xml><?xml version="1.0" encoding="utf-8"?>
+<file path=ppt/tags/tag109.xml><?xml version="1.0" encoding="utf-8"?>
 <p:tagLst xmlns:a="http://schemas.openxmlformats.org/drawingml/2006/main" xmlns:r="http://schemas.openxmlformats.org/officeDocument/2006/relationships" xmlns:p="http://schemas.openxmlformats.org/presentationml/2006/main">
   <p:tag name="FONT" val="Reg6"/>
   <p:tag name="FONTSETCLASSNAME" val="FontSet1"/>
-  <p:tag name="FONTCOLOR" val="Black"/>
-  <p:tag name="FONTCOLOR2" val="LightGray"/>
-  <p:tag name="FONTCOLOR3" val="LightGray"/>
   <p:tag name="RUNS.FONT" val="3"/>
   <p:tag name="COLORS" val="-2;-2;-2;-2;Black;-2"/>
   <p:tag name="COLORSETCLASSNAME" val="ColorSet1"/>
@@ -22326,81 +23454,14 @@
   <p:tag name="FIELDS" val="REM_ABL;COPY;"/>
   <p:tag name="MLI" val="1"/>
   <p:tag name="SHAPESETGROUPCLASSNAME" val="ShapeSetGroup1"/>
-  <p:tag name="SHAPESETCLASSNAME" val="TitleOnly"/>
   <p:tag name="COLORSETGROUPCLASSNAME" val="ColorSetGroup4"/>
   <p:tag name="FONTSETGROUPCLASSNAME" val="FontSetGroup1"/>
   <p:tag name="SHAPECLASSNAME" val="FooterLine2OnSlides"/>
-  <p:tag name="SHAPECLASSPROTECTIONTYPE" val="63"/>
-</p:tagLst>
-</file>
-
-<file path=ppt/tags/tag106.xml><?xml version="1.0" encoding="utf-8"?>
-<p:tagLst xmlns:a="http://schemas.openxmlformats.org/drawingml/2006/main" xmlns:r="http://schemas.openxmlformats.org/officeDocument/2006/relationships" xmlns:p="http://schemas.openxmlformats.org/presentationml/2006/main">
-  <p:tag name="FONT" val="Reg12"/>
-  <p:tag name="FONTSETCLASSNAME" val="FontSet1"/>
-  <p:tag name="COLORS" val="-2;-2;-2;-2;DarkGray2;-2"/>
-  <p:tag name="COLORSETCLASSNAME" val="ColorSet1"/>
-  <p:tag name="SCRIPT" val="1"/>
-  <p:tag name="MLI" val="1"/>
-  <p:tag name="SHAPESETGROUPCLASSNAME" val="ShapeSetGroup1"/>
-  <p:tag name="SHAPESETCLASSNAME" val="TitleOnly"/>
-  <p:tag name="COLORSETGROUPCLASSNAME" val="ColorSetGroup4"/>
-  <p:tag name="FONTSETGROUPCLASSNAME" val="FontSetGroup1"/>
-  <p:tag name="SHAPECLASSNAME" val="PageNumberOnSlides"/>
-  <p:tag name="SHAPECLASSPROTECTIONTYPE" val="63"/>
-</p:tagLst>
-</file>
-
-<file path=ppt/tags/tag107.xml><?xml version="1.0" encoding="utf-8"?>
-<p:tagLst xmlns:a="http://schemas.openxmlformats.org/drawingml/2006/main" xmlns:r="http://schemas.openxmlformats.org/officeDocument/2006/relationships" xmlns:p="http://schemas.openxmlformats.org/presentationml/2006/main">
-  <p:tag name="FONT" val="Reg5x5"/>
-  <p:tag name="FONTSETCLASSNAME" val="FontSet1"/>
-  <p:tag name="COLORS" val="-2;-2;-2;-2;-2;-2"/>
-  <p:tag name="COLORSETCLASSNAME" val="ColorSet1"/>
-  <p:tag name="SCRIPT" val="1"/>
-  <p:tag name="FIELDS" val="REM_ANL;"/>
-  <p:tag name="MLI" val="1"/>
-  <p:tag name="SHAPESETGROUPCLASSNAME" val="ShapeSetGroup1"/>
-  <p:tag name="SHAPESETCLASSNAME" val="TitleOnly"/>
-  <p:tag name="COLORSETGROUPCLASSNAME" val="ColorSetGroup4"/>
-  <p:tag name="FONTSETGROUPCLASSNAME" val="FontSetGroup1"/>
-  <p:tag name="SHAPECLASSNAME" val="Attachment"/>
-  <p:tag name="SHAPECLASSPROTECTIONTYPE" val="3"/>
-</p:tagLst>
-</file>
-
-<file path=ppt/tags/tag108.xml><?xml version="1.0" encoding="utf-8"?>
-<p:tagLst xmlns:a="http://schemas.openxmlformats.org/drawingml/2006/main" xmlns:r="http://schemas.openxmlformats.org/officeDocument/2006/relationships" xmlns:p="http://schemas.openxmlformats.org/presentationml/2006/main">
-  <p:tag name="FONT" val="NavbarItem"/>
-  <p:tag name="FONTSETCLASSNAME" val="FontSet1"/>
-  <p:tag name="COLORS" val="-2;-2;-2;-2;-2;-2"/>
-  <p:tag name="COLORSETCLASSNAME" val="ColorSet1"/>
-  <p:tag name="MLI" val="1"/>
-  <p:tag name="SHAPESETGROUPCLASSNAME" val="ShapeSetGroup1"/>
-  <p:tag name="SHAPESETCLASSNAME" val="TitleOnly"/>
-  <p:tag name="COLORSETGROUPCLASSNAME" val="ColorSetGroup4"/>
-  <p:tag name="FONTSETGROUPCLASSNAME" val="FontSetGroup1"/>
-  <p:tag name="SHAPECLASSNAME" val="tNavbar"/>
-  <p:tag name="SHAPECLASSPROTECTIONTYPE" val="31"/>
-</p:tagLst>
-</file>
-
-<file path=ppt/tags/tag109.xml><?xml version="1.0" encoding="utf-8"?>
-<p:tagLst xmlns:a="http://schemas.openxmlformats.org/drawingml/2006/main" xmlns:r="http://schemas.openxmlformats.org/officeDocument/2006/relationships" xmlns:p="http://schemas.openxmlformats.org/presentationml/2006/main">
-  <p:tag name="FONT" val="Reg28"/>
-  <p:tag name="FONTSETCLASSNAME" val="FontSet1"/>
-  <p:tag name="FONTCOLOR" val="Primary"/>
-  <p:tag name="FONTCOLOR2" val="Primary"/>
-  <p:tag name="RUNS.FONT" val="2"/>
-  <p:tag name="COLORSETCLASSNAME" val="ColorSet2"/>
-  <p:tag name="MLI" val="1"/>
-  <p:tag name="SHAPESETGROUPCLASSNAME" val="ShapeSetGroup1"/>
-  <p:tag name="SHAPESETCLASSNAME" val="TitleOnly"/>
-  <p:tag name="COLORSETGROUPCLASSNAME" val="ColorSetGroup4"/>
-  <p:tag name="FONTSETGROUPCLASSNAME" val="FontSetGroup1"/>
-  <p:tag name="SHAPECLASSNAME" val="TitleOnSlides"/>
-  <p:tag name="SHAPECLASSPROTECTIONTYPE" val="9"/>
-  <p:tag name="COLORS" val="-2;-2;-2;-2;LightGreen;-2"/>
+  <p:tag name="FONTCOLOR" val="Black"/>
+  <p:tag name="FONTCOLOR2" val="LightGray"/>
+  <p:tag name="FONTCOLOR3" val="LightGray"/>
+  <p:tag name="SHAPESETCLASSNAME" val="Object"/>
+  <p:tag name="SHAPECLASSPROTECTIONTYPE" val=" 63"/>
 </p:tagLst>
 </file>
 
@@ -22421,6 +23482,281 @@
 </file>
 
 <file path=ppt/tags/tag110.xml><?xml version="1.0" encoding="utf-8"?>
+<p:tagLst xmlns:a="http://schemas.openxmlformats.org/drawingml/2006/main" xmlns:r="http://schemas.openxmlformats.org/officeDocument/2006/relationships" xmlns:p="http://schemas.openxmlformats.org/presentationml/2006/main">
+  <p:tag name="FONT" val="Reg12"/>
+  <p:tag name="FONTSETCLASSNAME" val="FontSet1"/>
+  <p:tag name="COLORS" val="-2;-2;-2;-2;DarkGray2;-2"/>
+  <p:tag name="COLORSETCLASSNAME" val="ColorSet1"/>
+  <p:tag name="SCRIPT" val="1"/>
+  <p:tag name="MLI" val="1"/>
+  <p:tag name="SHAPESETGROUPCLASSNAME" val="ShapeSetGroup1"/>
+  <p:tag name="COLORSETGROUPCLASSNAME" val="ColorSetGroup4"/>
+  <p:tag name="FONTSETGROUPCLASSNAME" val="FontSetGroup1"/>
+  <p:tag name="SHAPECLASSNAME" val="PageNumberOnSlides"/>
+  <p:tag name="SHAPESETCLASSNAME" val="Object"/>
+  <p:tag name="SHAPECLASSPROTECTIONTYPE" val=" 63"/>
+</p:tagLst>
+</file>
+
+<file path=ppt/tags/tag111.xml><?xml version="1.0" encoding="utf-8"?>
+<p:tagLst xmlns:a="http://schemas.openxmlformats.org/drawingml/2006/main" xmlns:r="http://schemas.openxmlformats.org/officeDocument/2006/relationships" xmlns:p="http://schemas.openxmlformats.org/presentationml/2006/main">
+  <p:tag name="FONT" val="Reg5x5"/>
+  <p:tag name="FONTSETCLASSNAME" val="FontSet1"/>
+  <p:tag name="COLORS" val="-2;-2;-2;-2;-2;-2"/>
+  <p:tag name="COLORSETCLASSNAME" val="ColorSet1"/>
+  <p:tag name="SCRIPT" val="1"/>
+  <p:tag name="FIELDS" val="REM_ANL;"/>
+  <p:tag name="MLI" val="1"/>
+  <p:tag name="SHAPESETGROUPCLASSNAME" val="ShapeSetGroup1"/>
+  <p:tag name="COLORSETGROUPCLASSNAME" val="ColorSetGroup4"/>
+  <p:tag name="FONTSETGROUPCLASSNAME" val="FontSetGroup1"/>
+  <p:tag name="SHAPECLASSNAME" val="Attachment"/>
+  <p:tag name="SHAPESETCLASSNAME" val="Object"/>
+  <p:tag name="SHAPECLASSPROTECTIONTYPE" val=" 3"/>
+</p:tagLst>
+</file>
+
+<file path=ppt/tags/tag112.xml><?xml version="1.0" encoding="utf-8"?>
+<p:tagLst xmlns:a="http://schemas.openxmlformats.org/drawingml/2006/main" xmlns:r="http://schemas.openxmlformats.org/officeDocument/2006/relationships" xmlns:p="http://schemas.openxmlformats.org/presentationml/2006/main">
+  <p:tag name="FONT" val="NavbarItem"/>
+  <p:tag name="FONTSETCLASSNAME" val="FontSet1"/>
+  <p:tag name="COLORS" val="-2;-2;-2;-2;-2;-2"/>
+  <p:tag name="COLORSETCLASSNAME" val="ColorSet1"/>
+  <p:tag name="MLI" val="1"/>
+  <p:tag name="SHAPESETGROUPCLASSNAME" val="ShapeSetGroup1"/>
+  <p:tag name="COLORSETGROUPCLASSNAME" val="ColorSetGroup4"/>
+  <p:tag name="FONTSETGROUPCLASSNAME" val="FontSetGroup1"/>
+  <p:tag name="SHAPECLASSNAME" val="tNavbar"/>
+  <p:tag name="SHAPESETCLASSNAME" val="Object"/>
+  <p:tag name="SHAPECLASSPROTECTIONTYPE" val=" 31"/>
+</p:tagLst>
+</file>
+
+<file path=ppt/tags/tag113.xml><?xml version="1.0" encoding="utf-8"?>
+<p:tagLst xmlns:a="http://schemas.openxmlformats.org/drawingml/2006/main" xmlns:r="http://schemas.openxmlformats.org/officeDocument/2006/relationships" xmlns:p="http://schemas.openxmlformats.org/presentationml/2006/main">
+  <p:tag name="FIELD.CHAPTER.CONTENT" val="Titel des Kapitels"/>
+  <p:tag name="FIELD.CHAPTER.VALUE" val="Titel des Kapitels"/>
+  <p:tag name="FIELD.DPT.CONTENT" val="HOME/EPS"/>
+  <p:tag name="FIELD.DPT.VALUE" val="HOME/EPS | "/>
+  <p:tag name="FIELDS.INITIALIZED" val="1"/>
+  <p:tag name="ML_1" val="rb_lol"/>
+  <p:tag name="ML_2" val="Bosch2.mcr"/>
+  <p:tag name="ML_LAYOUT_RESOURCE" val="BOSCH2_16_9.mcr"/>
+  <p:tag name="SHAPESETGROUPCLASSNAME" val="ShapeSetGroup1"/>
+  <p:tag name="COLORSETGROUPCLASSNAME" val="ColorSetGroup4"/>
+  <p:tag name="COLORSETCLASSNAME" val="ColorSet2"/>
+  <p:tag name="FONTSETGROUPCLASSNAME" val="FontSetGroup1"/>
+  <p:tag name="STYLESETGROUPCLASSNAME" val="StyleSetGroup1"/>
+  <p:tag name="MAPNAME" val="Map1"/>
+  <p:tag name="CFG.LAYOUT" val="BOSCH2"/>
+  <p:tag name="MLI" val="1"/>
+  <p:tag name="TEXTBOX 2_SHAPECLASSPROTECTIONTYPE" val="31"/>
+  <p:tag name="RECTANGLE 3_SHAPECLASSPROTECTIONTYPE" val="3"/>
+  <p:tag name="RECTANGLE 4_SHAPECLASSPROTECTIONTYPE" val="63"/>
+  <p:tag name="RECTANGLE 5_SHAPECLASSPROTECTIONTYPE" val="63"/>
+  <p:tag name="RECTANGLE 6_SHAPECLASSPROTECTIONTYPE" val="63"/>
+  <p:tag name="TEXTBOX 7_SHAPECLASSPROTECTIONTYPE" val="25"/>
+  <p:tag name="PICTURE 8_SHAPECLASSPROTECTIONTYPE" val="15"/>
+  <p:tag name="PICTURE 9_SHAPECLASSPROTECTIONTYPE" val="15"/>
+  <p:tag name="TITLE 1_SHAPECLASSPROTECTIONTYPE" val="9"/>
+  <p:tag name="SHAPESETCLASSNAME" val="Object"/>
+  <p:tag name="CONTENT PLACEHOLDER 14_SHAPECLASSPROTECTIONTYPE" val="0"/>
+  <p:tag name="CONTENT PLACEHOLDER 17_SHAPECLASSPROTECTIONTYPE" val="0"/>
+  <p:tag name="PICTURE 16_SHAPECLASSPROTECTIONTYPE" val="15"/>
+  <p:tag name="CONTENT PLACEHOLDER 20_SHAPECLASSPROTECTIONTYPE" val="0"/>
+  <p:tag name="PICTURE 19_SHAPECLASSPROTECTIONTYPE" val="15"/>
+</p:tagLst>
+</file>
+
+<file path=ppt/tags/tag114.xml><?xml version="1.0" encoding="utf-8"?>
+<p:tagLst xmlns:a="http://schemas.openxmlformats.org/drawingml/2006/main" xmlns:r="http://schemas.openxmlformats.org/officeDocument/2006/relationships" xmlns:p="http://schemas.openxmlformats.org/presentationml/2006/main">
+  <p:tag name="COLORS" val="-2;-2;-2;-2;-2;-2"/>
+  <p:tag name="COLORSETCLASSNAME" val="ColorSet1"/>
+  <p:tag name="SHAPESETGROUPCLASSNAME" val="ShapeSetGroup1"/>
+  <p:tag name="SHAPESETCLASSNAME" val="Slide"/>
+  <p:tag name="COLORSETGROUPCLASSNAME" val="ColorSetGroup4"/>
+  <p:tag name="FONTSETGROUPCLASSNAME" val="FontSetGroup1"/>
+  <p:tag name="SHAPECLASSFILE" val="BoschLogo2016.emf"/>
+  <p:tag name="MLI" val="1"/>
+  <p:tag name="SHAPECLASSNAME" val="LogoOnSlides"/>
+  <p:tag name="SHAPECLASSPROTECTIONTYPE" val="15"/>
+</p:tagLst>
+</file>
+
+<file path=ppt/tags/tag115.xml><?xml version="1.0" encoding="utf-8"?>
+<p:tagLst xmlns:a="http://schemas.openxmlformats.org/drawingml/2006/main" xmlns:r="http://schemas.openxmlformats.org/officeDocument/2006/relationships" xmlns:p="http://schemas.openxmlformats.org/presentationml/2006/main">
+  <p:tag name="COLORS" val="-2;-2;-2;-2;-2;-2"/>
+  <p:tag name="COLORSETCLASSNAME" val="ColorSet1"/>
+  <p:tag name="SHAPESETGROUPCLASSNAME" val="ShapeSetGroup1"/>
+  <p:tag name="SHAPESETCLASSNAME" val="Slide"/>
+  <p:tag name="COLORSETGROUPCLASSNAME" val="ColorSetGroup4"/>
+  <p:tag name="FONTSETGROUPCLASSNAME" val="FontSetGroup1"/>
+  <p:tag name="SHAPECLASSFILE" val="Bosch-Supergraphic-Bottom-16-9.png"/>
+  <p:tag name="MLI" val="1"/>
+  <p:tag name="SHAPECLASSNAME" val="ColorBarOnSlides"/>
+  <p:tag name="SHAPECLASSPROTECTIONTYPE" val="15"/>
+</p:tagLst>
+</file>
+
+<file path=ppt/tags/tag116.xml><?xml version="1.0" encoding="utf-8"?>
+<p:tagLst xmlns:a="http://schemas.openxmlformats.org/drawingml/2006/main" xmlns:r="http://schemas.openxmlformats.org/officeDocument/2006/relationships" xmlns:p="http://schemas.openxmlformats.org/presentationml/2006/main">
+  <p:tag name="FONTSETCLASSNAME" val="FontSet1"/>
+  <p:tag name="COLORS" val="-2;-2;-2;-2;-2;-2"/>
+  <p:tag name="COLORSETCLASSNAME" val="ColorSet1"/>
+  <p:tag name="STYLENAME" val="Bodystyle"/>
+  <p:tag name="MLI" val="1"/>
+  <p:tag name="SHAPESETGROUPCLASSNAME" val="ShapeSetGroup1"/>
+  <p:tag name="SHAPESETCLASSNAME" val="Object"/>
+  <p:tag name="COLORSETGROUPCLASSNAME" val="ColorSetGroup4"/>
+  <p:tag name="FONTSETGROUPCLASSNAME" val="FontSetGroup1"/>
+  <p:tag name="SHAPECLASSNAME" val="ObjectFull"/>
+  <p:tag name="SHAPECLASSPROTECTIONTYPE" val="0"/>
+</p:tagLst>
+</file>
+
+<file path=ppt/tags/tag117.xml><?xml version="1.0" encoding="utf-8"?>
+<p:tagLst xmlns:a="http://schemas.openxmlformats.org/drawingml/2006/main" xmlns:r="http://schemas.openxmlformats.org/officeDocument/2006/relationships" xmlns:p="http://schemas.openxmlformats.org/presentationml/2006/main">
+  <p:tag name="FONT" val="Reg28"/>
+  <p:tag name="FONTSETCLASSNAME" val="FontSet1"/>
+  <p:tag name="COLORSETCLASSNAME" val="ColorSet1"/>
+  <p:tag name="SCRIPT" val="1"/>
+  <p:tag name="FIELDS" val="CHAPTER;"/>
+  <p:tag name="MLI" val="1"/>
+  <p:tag name="SHAPESETGROUPCLASSNAME" val="ShapeSetGroup1"/>
+  <p:tag name="COLORSETGROUPCLASSNAME" val="ColorSetGroup4"/>
+  <p:tag name="FONTSETGROUPCLASSNAME" val="FontSetGroup1"/>
+  <p:tag name="SHAPECLASSNAME" val="Chapterbox"/>
+  <p:tag name="COLORS" val="-2;-2;-2;-2;-2;-2"/>
+  <p:tag name="SHAPESETCLASSNAME" val="Object"/>
+  <p:tag name="SHAPECLASSPROTECTIONTYPE" val=" 25"/>
+</p:tagLst>
+</file>
+
+<file path=ppt/tags/tag118.xml><?xml version="1.0" encoding="utf-8"?>
+<p:tagLst xmlns:a="http://schemas.openxmlformats.org/drawingml/2006/main" xmlns:r="http://schemas.openxmlformats.org/officeDocument/2006/relationships" xmlns:p="http://schemas.openxmlformats.org/presentationml/2006/main">
+  <p:tag name="FONTSETCLASSNAME" val="FontSet1"/>
+  <p:tag name="COLORS" val="-2;-2;-2;-2;Red;-2"/>
+  <p:tag name="COLORSETCLASSNAME" val="ColorSet1"/>
+  <p:tag name="SCRIPT" val="1"/>
+  <p:tag name="FIELDS" val="CONF;DPT;DATE;"/>
+  <p:tag name="MLI" val="1"/>
+  <p:tag name="SHAPESETGROUPCLASSNAME" val="ShapeSetGroup1"/>
+  <p:tag name="COLORSETGROUPCLASSNAME" val="ColorSetGroup4"/>
+  <p:tag name="FONTSETGROUPCLASSNAME" val="FontSetGroup1"/>
+  <p:tag name="SHAPECLASSNAME" val="FooterLine1OnSlides"/>
+  <p:tag name="FONT" val="Bold6"/>
+  <p:tag name="FONT2" val="Reg6"/>
+  <p:tag name="FONT3" val="Reg6"/>
+  <p:tag name="FONTCOLOR" val="Red"/>
+  <p:tag name="FONTCOLOR2" val="Black"/>
+  <p:tag name="FONTCOLOR3" val="Black"/>
+  <p:tag name="FONTCOLOR4" val="Black"/>
+  <p:tag name="RUNS.FONT" val="4"/>
+  <p:tag name="SHAPESETCLASSNAME" val="Object"/>
+  <p:tag name="SHAPECLASSPROTECTIONTYPE" val=" 63"/>
+</p:tagLst>
+</file>
+
+<file path=ppt/tags/tag119.xml><?xml version="1.0" encoding="utf-8"?>
+<p:tagLst xmlns:a="http://schemas.openxmlformats.org/drawingml/2006/main" xmlns:r="http://schemas.openxmlformats.org/officeDocument/2006/relationships" xmlns:p="http://schemas.openxmlformats.org/presentationml/2006/main">
+  <p:tag name="FONT" val="Reg6"/>
+  <p:tag name="FONTSETCLASSNAME" val="FontSet1"/>
+  <p:tag name="RUNS.FONT" val="3"/>
+  <p:tag name="COLORS" val="-2;-2;-2;-2;Black;-2"/>
+  <p:tag name="COLORSETCLASSNAME" val="ColorSet1"/>
+  <p:tag name="SCRIPT" val="1"/>
+  <p:tag name="FIELDS" val="REM_ABL;COPY;"/>
+  <p:tag name="MLI" val="1"/>
+  <p:tag name="SHAPESETGROUPCLASSNAME" val="ShapeSetGroup1"/>
+  <p:tag name="COLORSETGROUPCLASSNAME" val="ColorSetGroup4"/>
+  <p:tag name="FONTSETGROUPCLASSNAME" val="FontSetGroup1"/>
+  <p:tag name="SHAPECLASSNAME" val="FooterLine2OnSlides"/>
+  <p:tag name="FONTCOLOR" val="Black"/>
+  <p:tag name="FONTCOLOR2" val="LightGray"/>
+  <p:tag name="FONTCOLOR3" val="LightGray"/>
+  <p:tag name="SHAPESETCLASSNAME" val="Object"/>
+  <p:tag name="SHAPECLASSPROTECTIONTYPE" val=" 63"/>
+</p:tagLst>
+</file>
+
+<file path=ppt/tags/tag12.xml><?xml version="1.0" encoding="utf-8"?>
+<p:tagLst xmlns:a="http://schemas.openxmlformats.org/drawingml/2006/main" xmlns:r="http://schemas.openxmlformats.org/officeDocument/2006/relationships" xmlns:p="http://schemas.openxmlformats.org/presentationml/2006/main">
+  <p:tag name="COLORSETCLASSNAME" val="ColorSet2"/>
+  <p:tag name="COLORS" val="-2;-2;-2;-2;-1;-2"/>
+</p:tagLst>
+</file>
+
+<file path=ppt/tags/tag120.xml><?xml version="1.0" encoding="utf-8"?>
+<p:tagLst xmlns:a="http://schemas.openxmlformats.org/drawingml/2006/main" xmlns:r="http://schemas.openxmlformats.org/officeDocument/2006/relationships" xmlns:p="http://schemas.openxmlformats.org/presentationml/2006/main">
+  <p:tag name="FONT" val="Reg12"/>
+  <p:tag name="FONTSETCLASSNAME" val="FontSet1"/>
+  <p:tag name="COLORS" val="-2;-2;-2;-2;DarkGray2;-2"/>
+  <p:tag name="COLORSETCLASSNAME" val="ColorSet1"/>
+  <p:tag name="SCRIPT" val="1"/>
+  <p:tag name="MLI" val="1"/>
+  <p:tag name="SHAPESETGROUPCLASSNAME" val="ShapeSetGroup1"/>
+  <p:tag name="COLORSETGROUPCLASSNAME" val="ColorSetGroup4"/>
+  <p:tag name="FONTSETGROUPCLASSNAME" val="FontSetGroup1"/>
+  <p:tag name="SHAPECLASSNAME" val="PageNumberOnSlides"/>
+  <p:tag name="SHAPESETCLASSNAME" val="Object"/>
+  <p:tag name="SHAPECLASSPROTECTIONTYPE" val=" 63"/>
+</p:tagLst>
+</file>
+
+<file path=ppt/tags/tag121.xml><?xml version="1.0" encoding="utf-8"?>
+<p:tagLst xmlns:a="http://schemas.openxmlformats.org/drawingml/2006/main" xmlns:r="http://schemas.openxmlformats.org/officeDocument/2006/relationships" xmlns:p="http://schemas.openxmlformats.org/presentationml/2006/main">
+  <p:tag name="FONT" val="Reg5x5"/>
+  <p:tag name="FONTSETCLASSNAME" val="FontSet1"/>
+  <p:tag name="COLORS" val="-2;-2;-2;-2;-2;-2"/>
+  <p:tag name="COLORSETCLASSNAME" val="ColorSet1"/>
+  <p:tag name="SCRIPT" val="1"/>
+  <p:tag name="FIELDS" val="REM_ANL;"/>
+  <p:tag name="MLI" val="1"/>
+  <p:tag name="SHAPESETGROUPCLASSNAME" val="ShapeSetGroup1"/>
+  <p:tag name="COLORSETGROUPCLASSNAME" val="ColorSetGroup4"/>
+  <p:tag name="FONTSETGROUPCLASSNAME" val="FontSetGroup1"/>
+  <p:tag name="SHAPECLASSNAME" val="Attachment"/>
+  <p:tag name="SHAPESETCLASSNAME" val="Object"/>
+  <p:tag name="SHAPECLASSPROTECTIONTYPE" val=" 3"/>
+</p:tagLst>
+</file>
+
+<file path=ppt/tags/tag122.xml><?xml version="1.0" encoding="utf-8"?>
+<p:tagLst xmlns:a="http://schemas.openxmlformats.org/drawingml/2006/main" xmlns:r="http://schemas.openxmlformats.org/officeDocument/2006/relationships" xmlns:p="http://schemas.openxmlformats.org/presentationml/2006/main">
+  <p:tag name="FONT" val="NavbarItem"/>
+  <p:tag name="FONTSETCLASSNAME" val="FontSet1"/>
+  <p:tag name="COLORS" val="-2;-2;-2;-2;-2;-2"/>
+  <p:tag name="COLORSETCLASSNAME" val="ColorSet1"/>
+  <p:tag name="MLI" val="1"/>
+  <p:tag name="SHAPESETGROUPCLASSNAME" val="ShapeSetGroup1"/>
+  <p:tag name="COLORSETGROUPCLASSNAME" val="ColorSetGroup4"/>
+  <p:tag name="FONTSETGROUPCLASSNAME" val="FontSetGroup1"/>
+  <p:tag name="SHAPECLASSNAME" val="tNavbar"/>
+  <p:tag name="SHAPESETCLASSNAME" val="Object"/>
+  <p:tag name="SHAPECLASSPROTECTIONTYPE" val=" 31"/>
+</p:tagLst>
+</file>
+
+<file path=ppt/tags/tag123.xml><?xml version="1.0" encoding="utf-8"?>
+<p:tagLst xmlns:a="http://schemas.openxmlformats.org/drawingml/2006/main" xmlns:r="http://schemas.openxmlformats.org/officeDocument/2006/relationships" xmlns:p="http://schemas.openxmlformats.org/presentationml/2006/main">
+  <p:tag name="FONTSETCLASSNAME" val="FontSet1"/>
+  <p:tag name="MLI" val="1"/>
+  <p:tag name="SHAPESETGROUPCLASSNAME" val="ShapeSetGroup1"/>
+  <p:tag name="COLORSETGROUPCLASSNAME" val="ColorSetGroup4"/>
+  <p:tag name="FONTSETGROUPCLASSNAME" val="FontSetGroup1"/>
+  <p:tag name="SHAPECLASSNAME" val="TitleOnSlides"/>
+  <p:tag name="COLORSETCLASSNAME" val="ColorSet2"/>
+  <p:tag name="FONT" val="Reg28"/>
+  <p:tag name="FONTCOLOR" val="Primary"/>
+  <p:tag name="FONTCOLOR2" val="Primary"/>
+  <p:tag name="COLORS" val="-2;-2;-2;-2;Primary;-2"/>
+  <p:tag name="SHAPESETCLASSNAME" val="Object"/>
+  <p:tag name="SHAPECLASSPROTECTIONTYPE" val=" 9"/>
+  <p:tag name="RUNS.FONT" val="2"/>
+</p:tagLst>
+</file>
+
+<file path=ppt/tags/tag124.xml><?xml version="1.0" encoding="utf-8"?>
 <p:tagLst xmlns:a="http://schemas.openxmlformats.org/drawingml/2006/main" xmlns:r="http://schemas.openxmlformats.org/officeDocument/2006/relationships" xmlns:p="http://schemas.openxmlformats.org/presentationml/2006/main">
   <p:tag name="FIELD.CHAPTER.CONTENT" val="Titel des Kapitels"/>
   <p:tag name="FIELD.CHAPTER.VALUE" val="Titel des Kapitels"/>
@@ -22451,7 +23787,7 @@
 </p:tagLst>
 </file>
 
-<file path=ppt/tags/tag111.xml><?xml version="1.0" encoding="utf-8"?>
+<file path=ppt/tags/tag125.xml><?xml version="1.0" encoding="utf-8"?>
 <p:tagLst xmlns:a="http://schemas.openxmlformats.org/drawingml/2006/main" xmlns:r="http://schemas.openxmlformats.org/officeDocument/2006/relationships" xmlns:p="http://schemas.openxmlformats.org/presentationml/2006/main">
   <p:tag name="COLORS" val="-2;-2;-2;-2;-2;-2"/>
   <p:tag name="COLORSETCLASSNAME" val="ColorSet1"/>
@@ -22466,7 +23802,7 @@
 </p:tagLst>
 </file>
 
-<file path=ppt/tags/tag112.xml><?xml version="1.0" encoding="utf-8"?>
+<file path=ppt/tags/tag126.xml><?xml version="1.0" encoding="utf-8"?>
 <p:tagLst xmlns:a="http://schemas.openxmlformats.org/drawingml/2006/main" xmlns:r="http://schemas.openxmlformats.org/officeDocument/2006/relationships" xmlns:p="http://schemas.openxmlformats.org/presentationml/2006/main">
   <p:tag name="COLORS" val="-2;-2;-2;-2;-2;-2"/>
   <p:tag name="COLORSETCLASSNAME" val="ColorSet1"/>
@@ -22481,7 +23817,7 @@
 </p:tagLst>
 </file>
 
-<file path=ppt/tags/tag113.xml><?xml version="1.0" encoding="utf-8"?>
+<file path=ppt/tags/tag127.xml><?xml version="1.0" encoding="utf-8"?>
 <p:tagLst xmlns:a="http://schemas.openxmlformats.org/drawingml/2006/main" xmlns:r="http://schemas.openxmlformats.org/officeDocument/2006/relationships" xmlns:p="http://schemas.openxmlformats.org/presentationml/2006/main">
   <p:tag name="FONT" val="Reg28"/>
   <p:tag name="FONTSETCLASSNAME" val="FontSet1"/>
@@ -22499,7 +23835,7 @@
 </p:tagLst>
 </file>
 
-<file path=ppt/tags/tag114.xml><?xml version="1.0" encoding="utf-8"?>
+<file path=ppt/tags/tag128.xml><?xml version="1.0" encoding="utf-8"?>
 <p:tagLst xmlns:a="http://schemas.openxmlformats.org/drawingml/2006/main" xmlns:r="http://schemas.openxmlformats.org/officeDocument/2006/relationships" xmlns:p="http://schemas.openxmlformats.org/presentationml/2006/main">
   <p:tag name="FONT" val="Bold6"/>
   <p:tag name="FONT2" val="Reg6"/>
@@ -22524,7 +23860,7 @@
 </p:tagLst>
 </file>
 
-<file path=ppt/tags/tag115.xml><?xml version="1.0" encoding="utf-8"?>
+<file path=ppt/tags/tag129.xml><?xml version="1.0" encoding="utf-8"?>
 <p:tagLst xmlns:a="http://schemas.openxmlformats.org/drawingml/2006/main" xmlns:r="http://schemas.openxmlformats.org/officeDocument/2006/relationships" xmlns:p="http://schemas.openxmlformats.org/presentationml/2006/main">
   <p:tag name="FONT" val="Reg6"/>
   <p:tag name="FONTSETCLASSNAME" val="FontSet1"/>
@@ -22546,7 +23882,36 @@
 </p:tagLst>
 </file>
 
-<file path=ppt/tags/tag116.xml><?xml version="1.0" encoding="utf-8"?>
+<file path=ppt/tags/tag13.xml><?xml version="1.0" encoding="utf-8"?>
+<p:tagLst xmlns:a="http://schemas.openxmlformats.org/drawingml/2006/main" xmlns:r="http://schemas.openxmlformats.org/officeDocument/2006/relationships" xmlns:p="http://schemas.openxmlformats.org/presentationml/2006/main">
+  <p:tag name="FIELD.CHAPTER.CONTENT" val="Titel des Kapitels"/>
+  <p:tag name="FIELD.CHAPTER.VALUE" val="Titel des Kapitels"/>
+  <p:tag name="FIELD.DPT.CONTENT" val="HOME/EPS"/>
+  <p:tag name="FIELD.DPT.VALUE" val="HOME/EPS | "/>
+  <p:tag name="FIELDS.INITIALIZED" val="1"/>
+  <p:tag name="ML_1" val="rb_lol"/>
+  <p:tag name="ML_2" val="Bosch2.mcr"/>
+  <p:tag name="ML_LAYOUT_RESOURCE" val="BOSCH2_16_9.mcr"/>
+  <p:tag name="SHAPESETGROUPCLASSNAME" val="ShapeSetGroup1"/>
+  <p:tag name="SHAPESETCLASSNAME" val="StaticAgenda"/>
+  <p:tag name="COLORSETGROUPCLASSNAME" val="ColorSetGroup1"/>
+  <p:tag name="COLORSETCLASSNAME" val="ColorSet2"/>
+  <p:tag name="FONTSETGROUPCLASSNAME" val="FontSetGroup1"/>
+  <p:tag name="STYLESETGROUPCLASSNAME" val="StyleSetGroup1"/>
+  <p:tag name="MAPNAME" val="Map1"/>
+  <p:tag name="CFG.LAYOUT" val="BOSCH2"/>
+  <p:tag name="MLI" val="1"/>
+  <p:tag name="TEXTBOX 3_SHAPECLASSPROTECTIONTYPE" val="31"/>
+  <p:tag name="RECTANGLE 4_SHAPECLASSPROTECTIONTYPE" val="3"/>
+  <p:tag name="RECTANGLE 5_SHAPECLASSPROTECTIONTYPE" val="63"/>
+  <p:tag name="RECTANGLE 6_SHAPECLASSPROTECTIONTYPE" val="63"/>
+  <p:tag name="RECTANGLE 7_SHAPECLASSPROTECTIONTYPE" val="63"/>
+  <p:tag name="TEXT PLACEHOLDER 2_SHAPECLASSPROTECTIONTYPE" val="0"/>
+  <p:tag name="TITLE 1_SHAPECLASSPROTECTIONTYPE" val="9"/>
+</p:tagLst>
+</file>
+
+<file path=ppt/tags/tag130.xml><?xml version="1.0" encoding="utf-8"?>
 <p:tagLst xmlns:a="http://schemas.openxmlformats.org/drawingml/2006/main" xmlns:r="http://schemas.openxmlformats.org/officeDocument/2006/relationships" xmlns:p="http://schemas.openxmlformats.org/presentationml/2006/main">
   <p:tag name="FONT" val="Reg12"/>
   <p:tag name="FONTSETCLASSNAME" val="FontSet1"/>
@@ -22563,7 +23928,7 @@
 </p:tagLst>
 </file>
 
-<file path=ppt/tags/tag117.xml><?xml version="1.0" encoding="utf-8"?>
+<file path=ppt/tags/tag131.xml><?xml version="1.0" encoding="utf-8"?>
 <p:tagLst xmlns:a="http://schemas.openxmlformats.org/drawingml/2006/main" xmlns:r="http://schemas.openxmlformats.org/officeDocument/2006/relationships" xmlns:p="http://schemas.openxmlformats.org/presentationml/2006/main">
   <p:tag name="FONT" val="Reg5x5"/>
   <p:tag name="FONTSETCLASSNAME" val="FontSet1"/>
@@ -22581,7 +23946,7 @@
 </p:tagLst>
 </file>
 
-<file path=ppt/tags/tag118.xml><?xml version="1.0" encoding="utf-8"?>
+<file path=ppt/tags/tag132.xml><?xml version="1.0" encoding="utf-8"?>
 <p:tagLst xmlns:a="http://schemas.openxmlformats.org/drawingml/2006/main" xmlns:r="http://schemas.openxmlformats.org/officeDocument/2006/relationships" xmlns:p="http://schemas.openxmlformats.org/presentationml/2006/main">
   <p:tag name="FONT" val="NavbarItem"/>
   <p:tag name="FONTSETCLASSNAME" val="FontSet1"/>
@@ -22597,7 +23962,7 @@
 </p:tagLst>
 </file>
 
-<file path=ppt/tags/tag119.xml><?xml version="1.0" encoding="utf-8"?>
+<file path=ppt/tags/tag133.xml><?xml version="1.0" encoding="utf-8"?>
 <p:tagLst xmlns:a="http://schemas.openxmlformats.org/drawingml/2006/main" xmlns:r="http://schemas.openxmlformats.org/officeDocument/2006/relationships" xmlns:p="http://schemas.openxmlformats.org/presentationml/2006/main">
   <p:tag name="FONT" val="Reg28"/>
   <p:tag name="FONTSETCLASSNAME" val="FontSet1"/>
@@ -22616,14 +23981,7 @@
 </p:tagLst>
 </file>
 
-<file path=ppt/tags/tag12.xml><?xml version="1.0" encoding="utf-8"?>
-<p:tagLst xmlns:a="http://schemas.openxmlformats.org/drawingml/2006/main" xmlns:r="http://schemas.openxmlformats.org/officeDocument/2006/relationships" xmlns:p="http://schemas.openxmlformats.org/presentationml/2006/main">
-  <p:tag name="COLORSETCLASSNAME" val="ColorSet2"/>
-  <p:tag name="COLORS" val="-2;-2;-2;-2;-1;-2"/>
-</p:tagLst>
-</file>
-
-<file path=ppt/tags/tag120.xml><?xml version="1.0" encoding="utf-8"?>
+<file path=ppt/tags/tag134.xml><?xml version="1.0" encoding="utf-8"?>
 <p:tagLst xmlns:a="http://schemas.openxmlformats.org/drawingml/2006/main" xmlns:r="http://schemas.openxmlformats.org/officeDocument/2006/relationships" xmlns:p="http://schemas.openxmlformats.org/presentationml/2006/main">
   <p:tag name="FIELD.CHAPTER.CONTENT" val="Titel des Kapitels"/>
   <p:tag name="FIELD.CHAPTER.VALUE" val="Titel des Kapitels"/>
@@ -22654,7 +24012,7 @@
 </p:tagLst>
 </file>
 
-<file path=ppt/tags/tag121.xml><?xml version="1.0" encoding="utf-8"?>
+<file path=ppt/tags/tag135.xml><?xml version="1.0" encoding="utf-8"?>
 <p:tagLst xmlns:a="http://schemas.openxmlformats.org/drawingml/2006/main" xmlns:r="http://schemas.openxmlformats.org/officeDocument/2006/relationships" xmlns:p="http://schemas.openxmlformats.org/presentationml/2006/main">
   <p:tag name="COLORS" val="-2;-2;-2;-2;-2;-2"/>
   <p:tag name="COLORSETCLASSNAME" val="ColorSet1"/>
@@ -22669,7 +24027,7 @@
 </p:tagLst>
 </file>
 
-<file path=ppt/tags/tag122.xml><?xml version="1.0" encoding="utf-8"?>
+<file path=ppt/tags/tag136.xml><?xml version="1.0" encoding="utf-8"?>
 <p:tagLst xmlns:a="http://schemas.openxmlformats.org/drawingml/2006/main" xmlns:r="http://schemas.openxmlformats.org/officeDocument/2006/relationships" xmlns:p="http://schemas.openxmlformats.org/presentationml/2006/main">
   <p:tag name="COLORS" val="-2;-2;-2;-2;-2;-2"/>
   <p:tag name="COLORSETCLASSNAME" val="ColorSet1"/>
@@ -22684,7 +24042,7 @@
 </p:tagLst>
 </file>
 
-<file path=ppt/tags/tag123.xml><?xml version="1.0" encoding="utf-8"?>
+<file path=ppt/tags/tag137.xml><?xml version="1.0" encoding="utf-8"?>
 <p:tagLst xmlns:a="http://schemas.openxmlformats.org/drawingml/2006/main" xmlns:r="http://schemas.openxmlformats.org/officeDocument/2006/relationships" xmlns:p="http://schemas.openxmlformats.org/presentationml/2006/main">
   <p:tag name="FONT" val="Reg28"/>
   <p:tag name="FONTSETCLASSNAME" val="FontSet1"/>
@@ -22702,7 +24060,7 @@
 </p:tagLst>
 </file>
 
-<file path=ppt/tags/tag124.xml><?xml version="1.0" encoding="utf-8"?>
+<file path=ppt/tags/tag138.xml><?xml version="1.0" encoding="utf-8"?>
 <p:tagLst xmlns:a="http://schemas.openxmlformats.org/drawingml/2006/main" xmlns:r="http://schemas.openxmlformats.org/officeDocument/2006/relationships" xmlns:p="http://schemas.openxmlformats.org/presentationml/2006/main">
   <p:tag name="FONT" val="Bold6"/>
   <p:tag name="FONT2" val="Reg6"/>
@@ -22727,7 +24085,7 @@
 </p:tagLst>
 </file>
 
-<file path=ppt/tags/tag125.xml><?xml version="1.0" encoding="utf-8"?>
+<file path=ppt/tags/tag139.xml><?xml version="1.0" encoding="utf-8"?>
 <p:tagLst xmlns:a="http://schemas.openxmlformats.org/drawingml/2006/main" xmlns:r="http://schemas.openxmlformats.org/officeDocument/2006/relationships" xmlns:p="http://schemas.openxmlformats.org/presentationml/2006/main">
   <p:tag name="FONT" val="Reg6"/>
   <p:tag name="FONTSETCLASSNAME" val="FontSet1"/>
@@ -22749,7 +24107,32 @@
 </p:tagLst>
 </file>
 
-<file path=ppt/tags/tag126.xml><?xml version="1.0" encoding="utf-8"?>
+<file path=ppt/tags/tag14.xml><?xml version="1.0" encoding="utf-8"?>
+<p:tagLst xmlns:a="http://schemas.openxmlformats.org/drawingml/2006/main" xmlns:r="http://schemas.openxmlformats.org/officeDocument/2006/relationships" xmlns:p="http://schemas.openxmlformats.org/presentationml/2006/main">
+  <p:tag name="FONT" val="Bold6"/>
+  <p:tag name="FONT2" val="Reg6"/>
+  <p:tag name="FONT3" val="Reg6"/>
+  <p:tag name="FONTSETCLASSNAME" val="FontSet1"/>
+  <p:tag name="FONTCOLOR" val="Red"/>
+  <p:tag name="FONTCOLOR2" val="Black"/>
+  <p:tag name="FONTCOLOR3" val="Black"/>
+  <p:tag name="FONTCOLOR4" val="Black"/>
+  <p:tag name="RUNS.FONT" val="4"/>
+  <p:tag name="COLORS" val="-2;-2;-2;-2;Red;-2"/>
+  <p:tag name="COLORSETCLASSNAME" val="ColorSet1"/>
+  <p:tag name="SCRIPT" val="1"/>
+  <p:tag name="FIELDS" val="CONF;DPT;DATE;"/>
+  <p:tag name="MLI" val="1"/>
+  <p:tag name="SHAPESETGROUPCLASSNAME" val="ShapeSetGroup1"/>
+  <p:tag name="SHAPESETCLASSNAME" val="StaticAgenda"/>
+  <p:tag name="COLORSETGROUPCLASSNAME" val="ColorSetGroup1"/>
+  <p:tag name="FONTSETGROUPCLASSNAME" val="FontSetGroup1"/>
+  <p:tag name="SHAPECLASSNAME" val="FooterLine1OnSlides"/>
+  <p:tag name="SHAPECLASSPROTECTIONTYPE" val="63"/>
+</p:tagLst>
+</file>
+
+<file path=ppt/tags/tag140.xml><?xml version="1.0" encoding="utf-8"?>
 <p:tagLst xmlns:a="http://schemas.openxmlformats.org/drawingml/2006/main" xmlns:r="http://schemas.openxmlformats.org/officeDocument/2006/relationships" xmlns:p="http://schemas.openxmlformats.org/presentationml/2006/main">
   <p:tag name="FONT" val="Reg12"/>
   <p:tag name="FONTSETCLASSNAME" val="FontSet1"/>
@@ -22766,7 +24149,7 @@
 </p:tagLst>
 </file>
 
-<file path=ppt/tags/tag127.xml><?xml version="1.0" encoding="utf-8"?>
+<file path=ppt/tags/tag141.xml><?xml version="1.0" encoding="utf-8"?>
 <p:tagLst xmlns:a="http://schemas.openxmlformats.org/drawingml/2006/main" xmlns:r="http://schemas.openxmlformats.org/officeDocument/2006/relationships" xmlns:p="http://schemas.openxmlformats.org/presentationml/2006/main">
   <p:tag name="FONT" val="Reg5x5"/>
   <p:tag name="FONTSETCLASSNAME" val="FontSet1"/>
@@ -22784,7 +24167,7 @@
 </p:tagLst>
 </file>
 
-<file path=ppt/tags/tag128.xml><?xml version="1.0" encoding="utf-8"?>
+<file path=ppt/tags/tag142.xml><?xml version="1.0" encoding="utf-8"?>
 <p:tagLst xmlns:a="http://schemas.openxmlformats.org/drawingml/2006/main" xmlns:r="http://schemas.openxmlformats.org/officeDocument/2006/relationships" xmlns:p="http://schemas.openxmlformats.org/presentationml/2006/main">
   <p:tag name="FONT" val="NavbarItem"/>
   <p:tag name="FONTSETCLASSNAME" val="FontSet1"/>
@@ -22800,7 +24183,7 @@
 </p:tagLst>
 </file>
 
-<file path=ppt/tags/tag129.xml><?xml version="1.0" encoding="utf-8"?>
+<file path=ppt/tags/tag143.xml><?xml version="1.0" encoding="utf-8"?>
 <p:tagLst xmlns:a="http://schemas.openxmlformats.org/drawingml/2006/main" xmlns:r="http://schemas.openxmlformats.org/officeDocument/2006/relationships" xmlns:p="http://schemas.openxmlformats.org/presentationml/2006/main">
   <p:tag name="FONT" val="Reg28"/>
   <p:tag name="FONTSETCLASSNAME" val="FontSet1"/>
@@ -22819,36 +24202,7 @@
 </p:tagLst>
 </file>
 
-<file path=ppt/tags/tag13.xml><?xml version="1.0" encoding="utf-8"?>
-<p:tagLst xmlns:a="http://schemas.openxmlformats.org/drawingml/2006/main" xmlns:r="http://schemas.openxmlformats.org/officeDocument/2006/relationships" xmlns:p="http://schemas.openxmlformats.org/presentationml/2006/main">
-  <p:tag name="FIELD.CHAPTER.CONTENT" val="Titel des Kapitels"/>
-  <p:tag name="FIELD.CHAPTER.VALUE" val="Titel des Kapitels"/>
-  <p:tag name="FIELD.DPT.CONTENT" val="HOME/EPS"/>
-  <p:tag name="FIELD.DPT.VALUE" val="HOME/EPS | "/>
-  <p:tag name="FIELDS.INITIALIZED" val="1"/>
-  <p:tag name="ML_1" val="rb_lol"/>
-  <p:tag name="ML_2" val="Bosch2.mcr"/>
-  <p:tag name="ML_LAYOUT_RESOURCE" val="BOSCH2_16_9.mcr"/>
-  <p:tag name="SHAPESETGROUPCLASSNAME" val="ShapeSetGroup1"/>
-  <p:tag name="SHAPESETCLASSNAME" val="StaticAgenda"/>
-  <p:tag name="COLORSETGROUPCLASSNAME" val="ColorSetGroup1"/>
-  <p:tag name="COLORSETCLASSNAME" val="ColorSet2"/>
-  <p:tag name="FONTSETGROUPCLASSNAME" val="FontSetGroup1"/>
-  <p:tag name="STYLESETGROUPCLASSNAME" val="StyleSetGroup1"/>
-  <p:tag name="MAPNAME" val="Map1"/>
-  <p:tag name="CFG.LAYOUT" val="BOSCH2"/>
-  <p:tag name="MLI" val="1"/>
-  <p:tag name="TEXTBOX 3_SHAPECLASSPROTECTIONTYPE" val="31"/>
-  <p:tag name="RECTANGLE 4_SHAPECLASSPROTECTIONTYPE" val="3"/>
-  <p:tag name="RECTANGLE 5_SHAPECLASSPROTECTIONTYPE" val="63"/>
-  <p:tag name="RECTANGLE 6_SHAPECLASSPROTECTIONTYPE" val="63"/>
-  <p:tag name="RECTANGLE 7_SHAPECLASSPROTECTIONTYPE" val="63"/>
-  <p:tag name="TEXT PLACEHOLDER 2_SHAPECLASSPROTECTIONTYPE" val="0"/>
-  <p:tag name="TITLE 1_SHAPECLASSPROTECTIONTYPE" val="9"/>
-</p:tagLst>
-</file>
-
-<file path=ppt/tags/tag130.xml><?xml version="1.0" encoding="utf-8"?>
+<file path=ppt/tags/tag144.xml><?xml version="1.0" encoding="utf-8"?>
 <p:tagLst xmlns:a="http://schemas.openxmlformats.org/drawingml/2006/main" xmlns:r="http://schemas.openxmlformats.org/officeDocument/2006/relationships" xmlns:p="http://schemas.openxmlformats.org/presentationml/2006/main">
   <p:tag name="FIELD.CHAPTER.CONTENT" val="Titel des Kapitels"/>
   <p:tag name="FIELD.CHAPTER.VALUE" val="Titel des Kapitels"/>
@@ -22879,7 +24233,7 @@
 </p:tagLst>
 </file>
 
-<file path=ppt/tags/tag131.xml><?xml version="1.0" encoding="utf-8"?>
+<file path=ppt/tags/tag145.xml><?xml version="1.0" encoding="utf-8"?>
 <p:tagLst xmlns:a="http://schemas.openxmlformats.org/drawingml/2006/main" xmlns:r="http://schemas.openxmlformats.org/officeDocument/2006/relationships" xmlns:p="http://schemas.openxmlformats.org/presentationml/2006/main">
   <p:tag name="COLORS" val="-2;-2;-2;-2;-2;-2"/>
   <p:tag name="COLORSETCLASSNAME" val="ColorSet1"/>
@@ -22894,7 +24248,7 @@
 </p:tagLst>
 </file>
 
-<file path=ppt/tags/tag132.xml><?xml version="1.0" encoding="utf-8"?>
+<file path=ppt/tags/tag146.xml><?xml version="1.0" encoding="utf-8"?>
 <p:tagLst xmlns:a="http://schemas.openxmlformats.org/drawingml/2006/main" xmlns:r="http://schemas.openxmlformats.org/officeDocument/2006/relationships" xmlns:p="http://schemas.openxmlformats.org/presentationml/2006/main">
   <p:tag name="COLORS" val="-2;-2;-2;-2;-2;-2"/>
   <p:tag name="COLORSETCLASSNAME" val="ColorSet1"/>
@@ -22909,7 +24263,7 @@
 </p:tagLst>
 </file>
 
-<file path=ppt/tags/tag133.xml><?xml version="1.0" encoding="utf-8"?>
+<file path=ppt/tags/tag147.xml><?xml version="1.0" encoding="utf-8"?>
 <p:tagLst xmlns:a="http://schemas.openxmlformats.org/drawingml/2006/main" xmlns:r="http://schemas.openxmlformats.org/officeDocument/2006/relationships" xmlns:p="http://schemas.openxmlformats.org/presentationml/2006/main">
   <p:tag name="FONT" val="Reg28"/>
   <p:tag name="FONTSETCLASSNAME" val="FontSet1"/>
@@ -22927,7 +24281,7 @@
 </p:tagLst>
 </file>
 
-<file path=ppt/tags/tag134.xml><?xml version="1.0" encoding="utf-8"?>
+<file path=ppt/tags/tag148.xml><?xml version="1.0" encoding="utf-8"?>
 <p:tagLst xmlns:a="http://schemas.openxmlformats.org/drawingml/2006/main" xmlns:r="http://schemas.openxmlformats.org/officeDocument/2006/relationships" xmlns:p="http://schemas.openxmlformats.org/presentationml/2006/main">
   <p:tag name="FONT" val="Bold6"/>
   <p:tag name="FONT2" val="Reg6"/>
@@ -22952,7 +24306,7 @@
 </p:tagLst>
 </file>
 
-<file path=ppt/tags/tag135.xml><?xml version="1.0" encoding="utf-8"?>
+<file path=ppt/tags/tag149.xml><?xml version="1.0" encoding="utf-8"?>
 <p:tagLst xmlns:a="http://schemas.openxmlformats.org/drawingml/2006/main" xmlns:r="http://schemas.openxmlformats.org/officeDocument/2006/relationships" xmlns:p="http://schemas.openxmlformats.org/presentationml/2006/main">
   <p:tag name="FONT" val="Reg6"/>
   <p:tag name="FONTSETCLASSNAME" val="FontSet1"/>
@@ -22974,7 +24328,29 @@
 </p:tagLst>
 </file>
 
-<file path=ppt/tags/tag136.xml><?xml version="1.0" encoding="utf-8"?>
+<file path=ppt/tags/tag15.xml><?xml version="1.0" encoding="utf-8"?>
+<p:tagLst xmlns:a="http://schemas.openxmlformats.org/drawingml/2006/main" xmlns:r="http://schemas.openxmlformats.org/officeDocument/2006/relationships" xmlns:p="http://schemas.openxmlformats.org/presentationml/2006/main">
+  <p:tag name="FONT" val="Reg6"/>
+  <p:tag name="FONTSETCLASSNAME" val="FontSet1"/>
+  <p:tag name="FONTCOLOR" val="Black"/>
+  <p:tag name="FONTCOLOR2" val="LightGray"/>
+  <p:tag name="FONTCOLOR3" val="LightGray"/>
+  <p:tag name="RUNS.FONT" val="3"/>
+  <p:tag name="COLORS" val="-2;-2;-2;-2;Black;-2"/>
+  <p:tag name="COLORSETCLASSNAME" val="ColorSet1"/>
+  <p:tag name="SCRIPT" val="1"/>
+  <p:tag name="FIELDS" val="REM_ABL;COPY;"/>
+  <p:tag name="MLI" val="1"/>
+  <p:tag name="SHAPESETGROUPCLASSNAME" val="ShapeSetGroup1"/>
+  <p:tag name="SHAPESETCLASSNAME" val="StaticAgenda"/>
+  <p:tag name="COLORSETGROUPCLASSNAME" val="ColorSetGroup1"/>
+  <p:tag name="FONTSETGROUPCLASSNAME" val="FontSetGroup1"/>
+  <p:tag name="SHAPECLASSNAME" val="FooterLine2OnSlides"/>
+  <p:tag name="SHAPECLASSPROTECTIONTYPE" val="63"/>
+</p:tagLst>
+</file>
+
+<file path=ppt/tags/tag150.xml><?xml version="1.0" encoding="utf-8"?>
 <p:tagLst xmlns:a="http://schemas.openxmlformats.org/drawingml/2006/main" xmlns:r="http://schemas.openxmlformats.org/officeDocument/2006/relationships" xmlns:p="http://schemas.openxmlformats.org/presentationml/2006/main">
   <p:tag name="FONT" val="Reg12"/>
   <p:tag name="FONTSETCLASSNAME" val="FontSet1"/>
@@ -22991,7 +24367,7 @@
 </p:tagLst>
 </file>
 
-<file path=ppt/tags/tag137.xml><?xml version="1.0" encoding="utf-8"?>
+<file path=ppt/tags/tag151.xml><?xml version="1.0" encoding="utf-8"?>
 <p:tagLst xmlns:a="http://schemas.openxmlformats.org/drawingml/2006/main" xmlns:r="http://schemas.openxmlformats.org/officeDocument/2006/relationships" xmlns:p="http://schemas.openxmlformats.org/presentationml/2006/main">
   <p:tag name="FONT" val="Reg5x5"/>
   <p:tag name="FONTSETCLASSNAME" val="FontSet1"/>
@@ -23009,7 +24385,7 @@
 </p:tagLst>
 </file>
 
-<file path=ppt/tags/tag138.xml><?xml version="1.0" encoding="utf-8"?>
+<file path=ppt/tags/tag152.xml><?xml version="1.0" encoding="utf-8"?>
 <p:tagLst xmlns:a="http://schemas.openxmlformats.org/drawingml/2006/main" xmlns:r="http://schemas.openxmlformats.org/officeDocument/2006/relationships" xmlns:p="http://schemas.openxmlformats.org/presentationml/2006/main">
   <p:tag name="FONT" val="NavbarItem"/>
   <p:tag name="FONTSETCLASSNAME" val="FontSet1"/>
@@ -23025,7 +24401,7 @@
 </p:tagLst>
 </file>
 
-<file path=ppt/tags/tag139.xml><?xml version="1.0" encoding="utf-8"?>
+<file path=ppt/tags/tag153.xml><?xml version="1.0" encoding="utf-8"?>
 <p:tagLst xmlns:a="http://schemas.openxmlformats.org/drawingml/2006/main" xmlns:r="http://schemas.openxmlformats.org/officeDocument/2006/relationships" xmlns:p="http://schemas.openxmlformats.org/presentationml/2006/main">
   <p:tag name="FONT" val="Reg28"/>
   <p:tag name="FONTSETCLASSNAME" val="FontSet1"/>
@@ -23044,32 +24420,7 @@
 </p:tagLst>
 </file>
 
-<file path=ppt/tags/tag14.xml><?xml version="1.0" encoding="utf-8"?>
-<p:tagLst xmlns:a="http://schemas.openxmlformats.org/drawingml/2006/main" xmlns:r="http://schemas.openxmlformats.org/officeDocument/2006/relationships" xmlns:p="http://schemas.openxmlformats.org/presentationml/2006/main">
-  <p:tag name="FONT" val="Bold6"/>
-  <p:tag name="FONT2" val="Reg6"/>
-  <p:tag name="FONT3" val="Reg6"/>
-  <p:tag name="FONTSETCLASSNAME" val="FontSet1"/>
-  <p:tag name="FONTCOLOR" val="Red"/>
-  <p:tag name="FONTCOLOR2" val="Black"/>
-  <p:tag name="FONTCOLOR3" val="Black"/>
-  <p:tag name="FONTCOLOR4" val="Black"/>
-  <p:tag name="RUNS.FONT" val="4"/>
-  <p:tag name="COLORS" val="-2;-2;-2;-2;Red;-2"/>
-  <p:tag name="COLORSETCLASSNAME" val="ColorSet1"/>
-  <p:tag name="SCRIPT" val="1"/>
-  <p:tag name="FIELDS" val="CONF;DPT;DATE;"/>
-  <p:tag name="MLI" val="1"/>
-  <p:tag name="SHAPESETGROUPCLASSNAME" val="ShapeSetGroup1"/>
-  <p:tag name="SHAPESETCLASSNAME" val="StaticAgenda"/>
-  <p:tag name="COLORSETGROUPCLASSNAME" val="ColorSetGroup1"/>
-  <p:tag name="FONTSETGROUPCLASSNAME" val="FontSetGroup1"/>
-  <p:tag name="SHAPECLASSNAME" val="FooterLine1OnSlides"/>
-  <p:tag name="SHAPECLASSPROTECTIONTYPE" val="63"/>
-</p:tagLst>
-</file>
-
-<file path=ppt/tags/tag140.xml><?xml version="1.0" encoding="utf-8"?>
+<file path=ppt/tags/tag154.xml><?xml version="1.0" encoding="utf-8"?>
 <p:tagLst xmlns:a="http://schemas.openxmlformats.org/drawingml/2006/main" xmlns:r="http://schemas.openxmlformats.org/officeDocument/2006/relationships" xmlns:p="http://schemas.openxmlformats.org/presentationml/2006/main">
   <p:tag name="FIELD.CHAPTER.CONTENT" val="Titel des Kapitels"/>
   <p:tag name="FIELD.CHAPTER.VALUE" val="Titel des Kapitels"/>
@@ -23098,7 +24449,7 @@
 </p:tagLst>
 </file>
 
-<file path=ppt/tags/tag141.xml><?xml version="1.0" encoding="utf-8"?>
+<file path=ppt/tags/tag155.xml><?xml version="1.0" encoding="utf-8"?>
 <p:tagLst xmlns:a="http://schemas.openxmlformats.org/drawingml/2006/main" xmlns:r="http://schemas.openxmlformats.org/officeDocument/2006/relationships" xmlns:p="http://schemas.openxmlformats.org/presentationml/2006/main">
   <p:tag name="FONT" val="Bold6"/>
   <p:tag name="FONT2" val="Reg6"/>
@@ -23123,7 +24474,7 @@
 </p:tagLst>
 </file>
 
-<file path=ppt/tags/tag142.xml><?xml version="1.0" encoding="utf-8"?>
+<file path=ppt/tags/tag156.xml><?xml version="1.0" encoding="utf-8"?>
 <p:tagLst xmlns:a="http://schemas.openxmlformats.org/drawingml/2006/main" xmlns:r="http://schemas.openxmlformats.org/officeDocument/2006/relationships" xmlns:p="http://schemas.openxmlformats.org/presentationml/2006/main">
   <p:tag name="FONT" val="Reg6"/>
   <p:tag name="FONTSETCLASSNAME" val="FontSet1"/>
@@ -23145,7 +24496,7 @@
 </p:tagLst>
 </file>
 
-<file path=ppt/tags/tag143.xml><?xml version="1.0" encoding="utf-8"?>
+<file path=ppt/tags/tag157.xml><?xml version="1.0" encoding="utf-8"?>
 <p:tagLst xmlns:a="http://schemas.openxmlformats.org/drawingml/2006/main" xmlns:r="http://schemas.openxmlformats.org/officeDocument/2006/relationships" xmlns:p="http://schemas.openxmlformats.org/presentationml/2006/main">
   <p:tag name="FONT" val="Reg12"/>
   <p:tag name="FONTSETCLASSNAME" val="FontSet1"/>
@@ -23162,7 +24513,7 @@
 </p:tagLst>
 </file>
 
-<file path=ppt/tags/tag144.xml><?xml version="1.0" encoding="utf-8"?>
+<file path=ppt/tags/tag158.xml><?xml version="1.0" encoding="utf-8"?>
 <p:tagLst xmlns:a="http://schemas.openxmlformats.org/drawingml/2006/main" xmlns:r="http://schemas.openxmlformats.org/officeDocument/2006/relationships" xmlns:p="http://schemas.openxmlformats.org/presentationml/2006/main">
   <p:tag name="FONT" val="Reg5x5"/>
   <p:tag name="FONTSETCLASSNAME" val="FontSet1"/>
@@ -23180,7 +24531,7 @@
 </p:tagLst>
 </file>
 
-<file path=ppt/tags/tag145.xml><?xml version="1.0" encoding="utf-8"?>
+<file path=ppt/tags/tag159.xml><?xml version="1.0" encoding="utf-8"?>
 <p:tagLst xmlns:a="http://schemas.openxmlformats.org/drawingml/2006/main" xmlns:r="http://schemas.openxmlformats.org/officeDocument/2006/relationships" xmlns:p="http://schemas.openxmlformats.org/presentationml/2006/main">
   <p:tag name="FONT" val="NavbarItem"/>
   <p:tag name="FONTSETCLASSNAME" val="FontSet1"/>
@@ -23196,7 +24547,24 @@
 </p:tagLst>
 </file>
 
-<file path=ppt/tags/tag146.xml><?xml version="1.0" encoding="utf-8"?>
+<file path=ppt/tags/tag16.xml><?xml version="1.0" encoding="utf-8"?>
+<p:tagLst xmlns:a="http://schemas.openxmlformats.org/drawingml/2006/main" xmlns:r="http://schemas.openxmlformats.org/officeDocument/2006/relationships" xmlns:p="http://schemas.openxmlformats.org/presentationml/2006/main">
+  <p:tag name="FONT" val="Reg12"/>
+  <p:tag name="FONTSETCLASSNAME" val="FontSet1"/>
+  <p:tag name="COLORS" val="-2;-2;-2;-2;DarkGray2;-2"/>
+  <p:tag name="COLORSETCLASSNAME" val="ColorSet1"/>
+  <p:tag name="SCRIPT" val="1"/>
+  <p:tag name="MLI" val="1"/>
+  <p:tag name="SHAPESETGROUPCLASSNAME" val="ShapeSetGroup1"/>
+  <p:tag name="SHAPESETCLASSNAME" val="StaticAgenda"/>
+  <p:tag name="COLORSETGROUPCLASSNAME" val="ColorSetGroup1"/>
+  <p:tag name="FONTSETGROUPCLASSNAME" val="FontSetGroup1"/>
+  <p:tag name="SHAPECLASSNAME" val="PageNumberOnSlides"/>
+  <p:tag name="SHAPECLASSPROTECTIONTYPE" val="63"/>
+</p:tagLst>
+</file>
+
+<file path=ppt/tags/tag160.xml><?xml version="1.0" encoding="utf-8"?>
 <p:tagLst xmlns:a="http://schemas.openxmlformats.org/drawingml/2006/main" xmlns:r="http://schemas.openxmlformats.org/officeDocument/2006/relationships" xmlns:p="http://schemas.openxmlformats.org/presentationml/2006/main">
   <p:tag name="FONT" val="Reg28"/>
   <p:tag name="FONTSETCLASSNAME" val="FontSet1"/>
@@ -23212,7 +24580,7 @@
 </p:tagLst>
 </file>
 
-<file path=ppt/tags/tag147.xml><?xml version="1.0" encoding="utf-8"?>
+<file path=ppt/tags/tag161.xml><?xml version="1.0" encoding="utf-8"?>
 <p:tagLst xmlns:a="http://schemas.openxmlformats.org/drawingml/2006/main" xmlns:r="http://schemas.openxmlformats.org/officeDocument/2006/relationships" xmlns:p="http://schemas.openxmlformats.org/presentationml/2006/main">
   <p:tag name="FONTSETCLASSNAME" val="FontSet1"/>
   <p:tag name="COLORSETCLASSNAME" val="ColorSet1"/>
@@ -23228,7 +24596,7 @@
 </p:tagLst>
 </file>
 
-<file path=ppt/tags/tag148.xml><?xml version="1.0" encoding="utf-8"?>
+<file path=ppt/tags/tag162.xml><?xml version="1.0" encoding="utf-8"?>
 <p:tagLst xmlns:a="http://schemas.openxmlformats.org/drawingml/2006/main" xmlns:r="http://schemas.openxmlformats.org/officeDocument/2006/relationships" xmlns:p="http://schemas.openxmlformats.org/presentationml/2006/main">
   <p:tag name="FIELD.CHAPTER.CONTENT" val="Titel des Kapitels"/>
   <p:tag name="FIELD.CHAPTER.VALUE" val="Titel des Kapitels"/>
@@ -23264,7 +24632,7 @@
 </p:tagLst>
 </file>
 
-<file path=ppt/tags/tag149.xml><?xml version="1.0" encoding="utf-8"?>
+<file path=ppt/tags/tag163.xml><?xml version="1.0" encoding="utf-8"?>
 <p:tagLst xmlns:a="http://schemas.openxmlformats.org/drawingml/2006/main" xmlns:r="http://schemas.openxmlformats.org/officeDocument/2006/relationships" xmlns:p="http://schemas.openxmlformats.org/presentationml/2006/main">
   <p:tag name="COLORS" val="-2;-2;-2;-2;-2;-2"/>
   <p:tag name="COLORSETCLASSNAME" val="ColorSet1"/>
@@ -23279,29 +24647,7 @@
 </p:tagLst>
 </file>
 
-<file path=ppt/tags/tag15.xml><?xml version="1.0" encoding="utf-8"?>
-<p:tagLst xmlns:a="http://schemas.openxmlformats.org/drawingml/2006/main" xmlns:r="http://schemas.openxmlformats.org/officeDocument/2006/relationships" xmlns:p="http://schemas.openxmlformats.org/presentationml/2006/main">
-  <p:tag name="FONT" val="Reg6"/>
-  <p:tag name="FONTSETCLASSNAME" val="FontSet1"/>
-  <p:tag name="FONTCOLOR" val="Black"/>
-  <p:tag name="FONTCOLOR2" val="LightGray"/>
-  <p:tag name="FONTCOLOR3" val="LightGray"/>
-  <p:tag name="RUNS.FONT" val="3"/>
-  <p:tag name="COLORS" val="-2;-2;-2;-2;Black;-2"/>
-  <p:tag name="COLORSETCLASSNAME" val="ColorSet1"/>
-  <p:tag name="SCRIPT" val="1"/>
-  <p:tag name="FIELDS" val="REM_ABL;COPY;"/>
-  <p:tag name="MLI" val="1"/>
-  <p:tag name="SHAPESETGROUPCLASSNAME" val="ShapeSetGroup1"/>
-  <p:tag name="SHAPESETCLASSNAME" val="StaticAgenda"/>
-  <p:tag name="COLORSETGROUPCLASSNAME" val="ColorSetGroup1"/>
-  <p:tag name="FONTSETGROUPCLASSNAME" val="FontSetGroup1"/>
-  <p:tag name="SHAPECLASSNAME" val="FooterLine2OnSlides"/>
-  <p:tag name="SHAPECLASSPROTECTIONTYPE" val="63"/>
-</p:tagLst>
-</file>
-
-<file path=ppt/tags/tag150.xml><?xml version="1.0" encoding="utf-8"?>
+<file path=ppt/tags/tag164.xml><?xml version="1.0" encoding="utf-8"?>
 <p:tagLst xmlns:a="http://schemas.openxmlformats.org/drawingml/2006/main" xmlns:r="http://schemas.openxmlformats.org/officeDocument/2006/relationships" xmlns:p="http://schemas.openxmlformats.org/presentationml/2006/main">
   <p:tag name="COLORS" val="-2;-2;-2;-2;-2;-2"/>
   <p:tag name="COLORSETCLASSNAME" val="ColorSet1"/>
@@ -23316,7 +24662,7 @@
 </p:tagLst>
 </file>
 
-<file path=ppt/tags/tag151.xml><?xml version="1.0" encoding="utf-8"?>
+<file path=ppt/tags/tag165.xml><?xml version="1.0" encoding="utf-8"?>
 <p:tagLst xmlns:a="http://schemas.openxmlformats.org/drawingml/2006/main" xmlns:r="http://schemas.openxmlformats.org/officeDocument/2006/relationships" xmlns:p="http://schemas.openxmlformats.org/presentationml/2006/main">
   <p:tag name="FONT" val="Reg28"/>
   <p:tag name="FONTSETCLASSNAME" val="FontSet1"/>
@@ -23334,7 +24680,7 @@
 </p:tagLst>
 </file>
 
-<file path=ppt/tags/tag152.xml><?xml version="1.0" encoding="utf-8"?>
+<file path=ppt/tags/tag166.xml><?xml version="1.0" encoding="utf-8"?>
 <p:tagLst xmlns:a="http://schemas.openxmlformats.org/drawingml/2006/main" xmlns:r="http://schemas.openxmlformats.org/officeDocument/2006/relationships" xmlns:p="http://schemas.openxmlformats.org/presentationml/2006/main">
   <p:tag name="FONT" val="Bold6"/>
   <p:tag name="FONT2" val="Reg6"/>
@@ -23359,7 +24705,7 @@
 </p:tagLst>
 </file>
 
-<file path=ppt/tags/tag153.xml><?xml version="1.0" encoding="utf-8"?>
+<file path=ppt/tags/tag167.xml><?xml version="1.0" encoding="utf-8"?>
 <p:tagLst xmlns:a="http://schemas.openxmlformats.org/drawingml/2006/main" xmlns:r="http://schemas.openxmlformats.org/officeDocument/2006/relationships" xmlns:p="http://schemas.openxmlformats.org/presentationml/2006/main">
   <p:tag name="FONT" val="Reg6"/>
   <p:tag name="FONTSETCLASSNAME" val="FontSet1"/>
@@ -23381,7 +24727,7 @@
 </p:tagLst>
 </file>
 
-<file path=ppt/tags/tag154.xml><?xml version="1.0" encoding="utf-8"?>
+<file path=ppt/tags/tag168.xml><?xml version="1.0" encoding="utf-8"?>
 <p:tagLst xmlns:a="http://schemas.openxmlformats.org/drawingml/2006/main" xmlns:r="http://schemas.openxmlformats.org/officeDocument/2006/relationships" xmlns:p="http://schemas.openxmlformats.org/presentationml/2006/main">
   <p:tag name="FONT" val="Reg12"/>
   <p:tag name="FONTSETCLASSNAME" val="FontSet1"/>
@@ -23398,7 +24744,7 @@
 </p:tagLst>
 </file>
 
-<file path=ppt/tags/tag155.xml><?xml version="1.0" encoding="utf-8"?>
+<file path=ppt/tags/tag169.xml><?xml version="1.0" encoding="utf-8"?>
 <p:tagLst xmlns:a="http://schemas.openxmlformats.org/drawingml/2006/main" xmlns:r="http://schemas.openxmlformats.org/officeDocument/2006/relationships" xmlns:p="http://schemas.openxmlformats.org/presentationml/2006/main">
   <p:tag name="FONT" val="Reg5x5"/>
   <p:tag name="FONTSETCLASSNAME" val="FontSet1"/>
@@ -23416,7 +24762,25 @@
 </p:tagLst>
 </file>
 
-<file path=ppt/tags/tag156.xml><?xml version="1.0" encoding="utf-8"?>
+<file path=ppt/tags/tag17.xml><?xml version="1.0" encoding="utf-8"?>
+<p:tagLst xmlns:a="http://schemas.openxmlformats.org/drawingml/2006/main" xmlns:r="http://schemas.openxmlformats.org/officeDocument/2006/relationships" xmlns:p="http://schemas.openxmlformats.org/presentationml/2006/main">
+  <p:tag name="FONT" val="Reg5x5"/>
+  <p:tag name="FONTSETCLASSNAME" val="FontSet1"/>
+  <p:tag name="COLORS" val="-2;-2;-2;-2;-2;-2"/>
+  <p:tag name="COLORSETCLASSNAME" val="ColorSet1"/>
+  <p:tag name="SCRIPT" val="1"/>
+  <p:tag name="FIELDS" val="REM_ANL;"/>
+  <p:tag name="MLI" val="1"/>
+  <p:tag name="SHAPESETGROUPCLASSNAME" val="ShapeSetGroup1"/>
+  <p:tag name="SHAPESETCLASSNAME" val="StaticAgenda"/>
+  <p:tag name="COLORSETGROUPCLASSNAME" val="ColorSetGroup1"/>
+  <p:tag name="FONTSETGROUPCLASSNAME" val="FontSetGroup1"/>
+  <p:tag name="SHAPECLASSNAME" val="Attachment"/>
+  <p:tag name="SHAPECLASSPROTECTIONTYPE" val="3"/>
+</p:tagLst>
+</file>
+
+<file path=ppt/tags/tag170.xml><?xml version="1.0" encoding="utf-8"?>
 <p:tagLst xmlns:a="http://schemas.openxmlformats.org/drawingml/2006/main" xmlns:r="http://schemas.openxmlformats.org/officeDocument/2006/relationships" xmlns:p="http://schemas.openxmlformats.org/presentationml/2006/main">
   <p:tag name="FONT" val="NavbarItem"/>
   <p:tag name="FONTSETCLASSNAME" val="FontSet1"/>
@@ -23432,7 +24796,7 @@
 </p:tagLst>
 </file>
 
-<file path=ppt/tags/tag157.xml><?xml version="1.0" encoding="utf-8"?>
+<file path=ppt/tags/tag171.xml><?xml version="1.0" encoding="utf-8"?>
 <p:tagLst xmlns:a="http://schemas.openxmlformats.org/drawingml/2006/main" xmlns:r="http://schemas.openxmlformats.org/officeDocument/2006/relationships" xmlns:p="http://schemas.openxmlformats.org/presentationml/2006/main">
   <p:tag name="FONTSETCLASSNAME" val="FontSet1"/>
   <p:tag name="MLI" val="1"/>
@@ -23451,7 +24815,7 @@
 </p:tagLst>
 </file>
 
-<file path=ppt/tags/tag158.xml><?xml version="1.0" encoding="utf-8"?>
+<file path=ppt/tags/tag172.xml><?xml version="1.0" encoding="utf-8"?>
 <p:tagLst xmlns:a="http://schemas.openxmlformats.org/drawingml/2006/main" xmlns:r="http://schemas.openxmlformats.org/officeDocument/2006/relationships" xmlns:p="http://schemas.openxmlformats.org/presentationml/2006/main">
   <p:tag name="FONTSETCLASSNAME" val="FontSet1"/>
   <p:tag name="COLORSETCLASSNAME" val="ColorSet1"/>
@@ -23467,7 +24831,7 @@
 </p:tagLst>
 </file>
 
-<file path=ppt/tags/tag159.xml><?xml version="1.0" encoding="utf-8"?>
+<file path=ppt/tags/tag173.xml><?xml version="1.0" encoding="utf-8"?>
 <p:tagLst xmlns:a="http://schemas.openxmlformats.org/drawingml/2006/main" xmlns:r="http://schemas.openxmlformats.org/officeDocument/2006/relationships" xmlns:p="http://schemas.openxmlformats.org/presentationml/2006/main">
   <p:tag name="FIELD.CHAPTER.CONTENT" val="Titel des Kapitels"/>
   <p:tag name="FIELD.CHAPTER.VALUE" val="Titel des Kapitels"/>
@@ -23498,24 +24862,7 @@
 </p:tagLst>
 </file>
 
-<file path=ppt/tags/tag16.xml><?xml version="1.0" encoding="utf-8"?>
-<p:tagLst xmlns:a="http://schemas.openxmlformats.org/drawingml/2006/main" xmlns:r="http://schemas.openxmlformats.org/officeDocument/2006/relationships" xmlns:p="http://schemas.openxmlformats.org/presentationml/2006/main">
-  <p:tag name="FONT" val="Reg12"/>
-  <p:tag name="FONTSETCLASSNAME" val="FontSet1"/>
-  <p:tag name="COLORS" val="-2;-2;-2;-2;DarkGray2;-2"/>
-  <p:tag name="COLORSETCLASSNAME" val="ColorSet1"/>
-  <p:tag name="SCRIPT" val="1"/>
-  <p:tag name="MLI" val="1"/>
-  <p:tag name="SHAPESETGROUPCLASSNAME" val="ShapeSetGroup1"/>
-  <p:tag name="SHAPESETCLASSNAME" val="StaticAgenda"/>
-  <p:tag name="COLORSETGROUPCLASSNAME" val="ColorSetGroup1"/>
-  <p:tag name="FONTSETGROUPCLASSNAME" val="FontSetGroup1"/>
-  <p:tag name="SHAPECLASSNAME" val="PageNumberOnSlides"/>
-  <p:tag name="SHAPECLASSPROTECTIONTYPE" val="63"/>
-</p:tagLst>
-</file>
-
-<file path=ppt/tags/tag160.xml><?xml version="1.0" encoding="utf-8"?>
+<file path=ppt/tags/tag174.xml><?xml version="1.0" encoding="utf-8"?>
 <p:tagLst xmlns:a="http://schemas.openxmlformats.org/drawingml/2006/main" xmlns:r="http://schemas.openxmlformats.org/officeDocument/2006/relationships" xmlns:p="http://schemas.openxmlformats.org/presentationml/2006/main">
   <p:tag name="COLORS" val="-2;-2;-2;-2;-2;-2"/>
   <p:tag name="COLORSETCLASSNAME" val="ColorSet1"/>
@@ -23530,7 +24877,7 @@
 </p:tagLst>
 </file>
 
-<file path=ppt/tags/tag161.xml><?xml version="1.0" encoding="utf-8"?>
+<file path=ppt/tags/tag175.xml><?xml version="1.0" encoding="utf-8"?>
 <p:tagLst xmlns:a="http://schemas.openxmlformats.org/drawingml/2006/main" xmlns:r="http://schemas.openxmlformats.org/officeDocument/2006/relationships" xmlns:p="http://schemas.openxmlformats.org/presentationml/2006/main">
   <p:tag name="COLORS" val="-2;-2;-2;-2;-2;-2"/>
   <p:tag name="COLORSETCLASSNAME" val="ColorSet1"/>
@@ -23545,7 +24892,7 @@
 </p:tagLst>
 </file>
 
-<file path=ppt/tags/tag162.xml><?xml version="1.0" encoding="utf-8"?>
+<file path=ppt/tags/tag176.xml><?xml version="1.0" encoding="utf-8"?>
 <p:tagLst xmlns:a="http://schemas.openxmlformats.org/drawingml/2006/main" xmlns:r="http://schemas.openxmlformats.org/officeDocument/2006/relationships" xmlns:p="http://schemas.openxmlformats.org/presentationml/2006/main">
   <p:tag name="FONT" val="Reg28"/>
   <p:tag name="FONTSETCLASSNAME" val="FontSet1"/>
@@ -23563,7 +24910,7 @@
 </p:tagLst>
 </file>
 
-<file path=ppt/tags/tag163.xml><?xml version="1.0" encoding="utf-8"?>
+<file path=ppt/tags/tag177.xml><?xml version="1.0" encoding="utf-8"?>
 <p:tagLst xmlns:a="http://schemas.openxmlformats.org/drawingml/2006/main" xmlns:r="http://schemas.openxmlformats.org/officeDocument/2006/relationships" xmlns:p="http://schemas.openxmlformats.org/presentationml/2006/main">
   <p:tag name="FONT" val="Bold6"/>
   <p:tag name="FONT2" val="Reg6"/>
@@ -23588,7 +24935,7 @@
 </p:tagLst>
 </file>
 
-<file path=ppt/tags/tag164.xml><?xml version="1.0" encoding="utf-8"?>
+<file path=ppt/tags/tag178.xml><?xml version="1.0" encoding="utf-8"?>
 <p:tagLst xmlns:a="http://schemas.openxmlformats.org/drawingml/2006/main" xmlns:r="http://schemas.openxmlformats.org/officeDocument/2006/relationships" xmlns:p="http://schemas.openxmlformats.org/presentationml/2006/main">
   <p:tag name="FONT" val="Reg6"/>
   <p:tag name="FONTSETCLASSNAME" val="FontSet1"/>
@@ -23610,7 +24957,7 @@
 </p:tagLst>
 </file>
 
-<file path=ppt/tags/tag165.xml><?xml version="1.0" encoding="utf-8"?>
+<file path=ppt/tags/tag179.xml><?xml version="1.0" encoding="utf-8"?>
 <p:tagLst xmlns:a="http://schemas.openxmlformats.org/drawingml/2006/main" xmlns:r="http://schemas.openxmlformats.org/officeDocument/2006/relationships" xmlns:p="http://schemas.openxmlformats.org/presentationml/2006/main">
   <p:tag name="FONT" val="Reg12"/>
   <p:tag name="FONTSETCLASSNAME" val="FontSet1"/>
@@ -23627,7 +24974,23 @@
 </p:tagLst>
 </file>
 
-<file path=ppt/tags/tag166.xml><?xml version="1.0" encoding="utf-8"?>
+<file path=ppt/tags/tag18.xml><?xml version="1.0" encoding="utf-8"?>
+<p:tagLst xmlns:a="http://schemas.openxmlformats.org/drawingml/2006/main" xmlns:r="http://schemas.openxmlformats.org/officeDocument/2006/relationships" xmlns:p="http://schemas.openxmlformats.org/presentationml/2006/main">
+  <p:tag name="FONT" val="NavbarItem"/>
+  <p:tag name="FONTSETCLASSNAME" val="FontSet1"/>
+  <p:tag name="COLORS" val="-2;-2;-2;-2;-2;-2"/>
+  <p:tag name="COLORSETCLASSNAME" val="ColorSet1"/>
+  <p:tag name="MLI" val="1"/>
+  <p:tag name="SHAPESETGROUPCLASSNAME" val="ShapeSetGroup1"/>
+  <p:tag name="SHAPESETCLASSNAME" val="StaticAgenda"/>
+  <p:tag name="COLORSETGROUPCLASSNAME" val="ColorSetGroup1"/>
+  <p:tag name="FONTSETGROUPCLASSNAME" val="FontSetGroup1"/>
+  <p:tag name="SHAPECLASSNAME" val="tNavbar"/>
+  <p:tag name="SHAPECLASSPROTECTIONTYPE" val="31"/>
+</p:tagLst>
+</file>
+
+<file path=ppt/tags/tag180.xml><?xml version="1.0" encoding="utf-8"?>
 <p:tagLst xmlns:a="http://schemas.openxmlformats.org/drawingml/2006/main" xmlns:r="http://schemas.openxmlformats.org/officeDocument/2006/relationships" xmlns:p="http://schemas.openxmlformats.org/presentationml/2006/main">
   <p:tag name="FONT" val="Reg5x5"/>
   <p:tag name="FONTSETCLASSNAME" val="FontSet1"/>
@@ -23645,7 +25008,7 @@
 </p:tagLst>
 </file>
 
-<file path=ppt/tags/tag167.xml><?xml version="1.0" encoding="utf-8"?>
+<file path=ppt/tags/tag181.xml><?xml version="1.0" encoding="utf-8"?>
 <p:tagLst xmlns:a="http://schemas.openxmlformats.org/drawingml/2006/main" xmlns:r="http://schemas.openxmlformats.org/officeDocument/2006/relationships" xmlns:p="http://schemas.openxmlformats.org/presentationml/2006/main">
   <p:tag name="FONT" val="NavbarItem"/>
   <p:tag name="FONTSETCLASSNAME" val="FontSet1"/>
@@ -23661,7 +25024,7 @@
 </p:tagLst>
 </file>
 
-<file path=ppt/tags/tag168.xml><?xml version="1.0" encoding="utf-8"?>
+<file path=ppt/tags/tag182.xml><?xml version="1.0" encoding="utf-8"?>
 <p:tagLst xmlns:a="http://schemas.openxmlformats.org/drawingml/2006/main" xmlns:r="http://schemas.openxmlformats.org/officeDocument/2006/relationships" xmlns:p="http://schemas.openxmlformats.org/presentationml/2006/main">
   <p:tag name="FONT" val="Reg28"/>
   <p:tag name="FONTSETCLASSNAME" val="FontSet1"/>
@@ -23680,7 +25043,7 @@
 </p:tagLst>
 </file>
 
-<file path=ppt/tags/tag169.xml><?xml version="1.0" encoding="utf-8"?>
+<file path=ppt/tags/tag183.xml><?xml version="1.0" encoding="utf-8"?>
 <p:tagLst xmlns:a="http://schemas.openxmlformats.org/drawingml/2006/main" xmlns:r="http://schemas.openxmlformats.org/officeDocument/2006/relationships" xmlns:p="http://schemas.openxmlformats.org/presentationml/2006/main">
   <p:tag name="FIELD.CHAPTER.CONTENT" val="Titel des Kapitels"/>
   <p:tag name="FIELD.CHAPTER.VALUE" val="Titel des Kapitels"/>
@@ -23711,25 +25074,7 @@
 </p:tagLst>
 </file>
 
-<file path=ppt/tags/tag17.xml><?xml version="1.0" encoding="utf-8"?>
-<p:tagLst xmlns:a="http://schemas.openxmlformats.org/drawingml/2006/main" xmlns:r="http://schemas.openxmlformats.org/officeDocument/2006/relationships" xmlns:p="http://schemas.openxmlformats.org/presentationml/2006/main">
-  <p:tag name="FONT" val="Reg5x5"/>
-  <p:tag name="FONTSETCLASSNAME" val="FontSet1"/>
-  <p:tag name="COLORS" val="-2;-2;-2;-2;-2;-2"/>
-  <p:tag name="COLORSETCLASSNAME" val="ColorSet1"/>
-  <p:tag name="SCRIPT" val="1"/>
-  <p:tag name="FIELDS" val="REM_ANL;"/>
-  <p:tag name="MLI" val="1"/>
-  <p:tag name="SHAPESETGROUPCLASSNAME" val="ShapeSetGroup1"/>
-  <p:tag name="SHAPESETCLASSNAME" val="StaticAgenda"/>
-  <p:tag name="COLORSETGROUPCLASSNAME" val="ColorSetGroup1"/>
-  <p:tag name="FONTSETGROUPCLASSNAME" val="FontSetGroup1"/>
-  <p:tag name="SHAPECLASSNAME" val="Attachment"/>
-  <p:tag name="SHAPECLASSPROTECTIONTYPE" val="3"/>
-</p:tagLst>
-</file>
-
-<file path=ppt/tags/tag170.xml><?xml version="1.0" encoding="utf-8"?>
+<file path=ppt/tags/tag184.xml><?xml version="1.0" encoding="utf-8"?>
 <p:tagLst xmlns:a="http://schemas.openxmlformats.org/drawingml/2006/main" xmlns:r="http://schemas.openxmlformats.org/officeDocument/2006/relationships" xmlns:p="http://schemas.openxmlformats.org/presentationml/2006/main">
   <p:tag name="COLORS" val="-2;-2;-2;-2;-2;-2"/>
   <p:tag name="COLORSETCLASSNAME" val="ColorSet1"/>
@@ -23744,7 +25089,7 @@
 </p:tagLst>
 </file>
 
-<file path=ppt/tags/tag171.xml><?xml version="1.0" encoding="utf-8"?>
+<file path=ppt/tags/tag185.xml><?xml version="1.0" encoding="utf-8"?>
 <p:tagLst xmlns:a="http://schemas.openxmlformats.org/drawingml/2006/main" xmlns:r="http://schemas.openxmlformats.org/officeDocument/2006/relationships" xmlns:p="http://schemas.openxmlformats.org/presentationml/2006/main">
   <p:tag name="COLORS" val="-2;-2;-2;-2;-2;-2"/>
   <p:tag name="COLORSETCLASSNAME" val="ColorSet1"/>
@@ -23759,7 +25104,7 @@
 </p:tagLst>
 </file>
 
-<file path=ppt/tags/tag172.xml><?xml version="1.0" encoding="utf-8"?>
+<file path=ppt/tags/tag186.xml><?xml version="1.0" encoding="utf-8"?>
 <p:tagLst xmlns:a="http://schemas.openxmlformats.org/drawingml/2006/main" xmlns:r="http://schemas.openxmlformats.org/officeDocument/2006/relationships" xmlns:p="http://schemas.openxmlformats.org/presentationml/2006/main">
   <p:tag name="FONT" val="Reg28"/>
   <p:tag name="FONTSETCLASSNAME" val="FontSet1"/>
@@ -23777,7 +25122,7 @@
 </p:tagLst>
 </file>
 
-<file path=ppt/tags/tag173.xml><?xml version="1.0" encoding="utf-8"?>
+<file path=ppt/tags/tag187.xml><?xml version="1.0" encoding="utf-8"?>
 <p:tagLst xmlns:a="http://schemas.openxmlformats.org/drawingml/2006/main" xmlns:r="http://schemas.openxmlformats.org/officeDocument/2006/relationships" xmlns:p="http://schemas.openxmlformats.org/presentationml/2006/main">
   <p:tag name="FONT" val="Bold6"/>
   <p:tag name="FONT2" val="Reg6"/>
@@ -23802,7 +25147,7 @@
 </p:tagLst>
 </file>
 
-<file path=ppt/tags/tag174.xml><?xml version="1.0" encoding="utf-8"?>
+<file path=ppt/tags/tag188.xml><?xml version="1.0" encoding="utf-8"?>
 <p:tagLst xmlns:a="http://schemas.openxmlformats.org/drawingml/2006/main" xmlns:r="http://schemas.openxmlformats.org/officeDocument/2006/relationships" xmlns:p="http://schemas.openxmlformats.org/presentationml/2006/main">
   <p:tag name="FONT" val="Reg6"/>
   <p:tag name="FONTSETCLASSNAME" val="FontSet1"/>
@@ -23824,7 +25169,7 @@
 </p:tagLst>
 </file>
 
-<file path=ppt/tags/tag175.xml><?xml version="1.0" encoding="utf-8"?>
+<file path=ppt/tags/tag189.xml><?xml version="1.0" encoding="utf-8"?>
 <p:tagLst xmlns:a="http://schemas.openxmlformats.org/drawingml/2006/main" xmlns:r="http://schemas.openxmlformats.org/officeDocument/2006/relationships" xmlns:p="http://schemas.openxmlformats.org/presentationml/2006/main">
   <p:tag name="FONT" val="Reg12"/>
   <p:tag name="FONTSETCLASSNAME" val="FontSet1"/>
@@ -23841,7 +25186,23 @@
 </p:tagLst>
 </file>
 
-<file path=ppt/tags/tag176.xml><?xml version="1.0" encoding="utf-8"?>
+<file path=ppt/tags/tag19.xml><?xml version="1.0" encoding="utf-8"?>
+<p:tagLst xmlns:a="http://schemas.openxmlformats.org/drawingml/2006/main" xmlns:r="http://schemas.openxmlformats.org/officeDocument/2006/relationships" xmlns:p="http://schemas.openxmlformats.org/presentationml/2006/main">
+  <p:tag name="FONT" val="Reg28"/>
+  <p:tag name="FONTSETCLASSNAME" val="FontSet1"/>
+  <p:tag name="COLORSETCLASSNAME" val="ColorSet1"/>
+  <p:tag name="MLI" val="1"/>
+  <p:tag name="SHAPESETGROUPCLASSNAME" val="ShapeSetGroup1"/>
+  <p:tag name="SHAPESETCLASSNAME" val="StaticAgenda"/>
+  <p:tag name="COLORSETGROUPCLASSNAME" val="ColorSetGroup1"/>
+  <p:tag name="FONTSETGROUPCLASSNAME" val="FontSetGroup1"/>
+  <p:tag name="SHAPECLASSNAME" val="TitleOnAgenda"/>
+  <p:tag name="SHAPECLASSPROTECTIONTYPE" val="9"/>
+  <p:tag name="COLORS" val="-2;-2;-2;-2;-1;-2"/>
+</p:tagLst>
+</file>
+
+<file path=ppt/tags/tag190.xml><?xml version="1.0" encoding="utf-8"?>
 <p:tagLst xmlns:a="http://schemas.openxmlformats.org/drawingml/2006/main" xmlns:r="http://schemas.openxmlformats.org/officeDocument/2006/relationships" xmlns:p="http://schemas.openxmlformats.org/presentationml/2006/main">
   <p:tag name="FONT" val="Reg5x5"/>
   <p:tag name="FONTSETCLASSNAME" val="FontSet1"/>
@@ -23859,7 +25220,7 @@
 </p:tagLst>
 </file>
 
-<file path=ppt/tags/tag177.xml><?xml version="1.0" encoding="utf-8"?>
+<file path=ppt/tags/tag191.xml><?xml version="1.0" encoding="utf-8"?>
 <p:tagLst xmlns:a="http://schemas.openxmlformats.org/drawingml/2006/main" xmlns:r="http://schemas.openxmlformats.org/officeDocument/2006/relationships" xmlns:p="http://schemas.openxmlformats.org/presentationml/2006/main">
   <p:tag name="FONT" val="NavbarItem"/>
   <p:tag name="FONTSETCLASSNAME" val="FontSet1"/>
@@ -23875,7 +25236,7 @@
 </p:tagLst>
 </file>
 
-<file path=ppt/tags/tag178.xml><?xml version="1.0" encoding="utf-8"?>
+<file path=ppt/tags/tag192.xml><?xml version="1.0" encoding="utf-8"?>
 <p:tagLst xmlns:a="http://schemas.openxmlformats.org/drawingml/2006/main" xmlns:r="http://schemas.openxmlformats.org/officeDocument/2006/relationships" xmlns:p="http://schemas.openxmlformats.org/presentationml/2006/main">
   <p:tag name="FONT" val="Reg28"/>
   <p:tag name="FONTSETCLASSNAME" val="FontSet1"/>
@@ -23894,7 +25255,7 @@
 </p:tagLst>
 </file>
 
-<file path=ppt/tags/tag179.xml><?xml version="1.0" encoding="utf-8"?>
+<file path=ppt/tags/tag193.xml><?xml version="1.0" encoding="utf-8"?>
 <p:tagLst xmlns:a="http://schemas.openxmlformats.org/drawingml/2006/main" xmlns:r="http://schemas.openxmlformats.org/officeDocument/2006/relationships" xmlns:p="http://schemas.openxmlformats.org/presentationml/2006/main">
   <p:tag name="FIELD.CHAPTER.CONTENT" val="Titel des Kapitels"/>
   <p:tag name="FIELD.CHAPTER.VALUE" val="Titel des Kapitels"/>
@@ -23925,23 +25286,7 @@
 </p:tagLst>
 </file>
 
-<file path=ppt/tags/tag18.xml><?xml version="1.0" encoding="utf-8"?>
-<p:tagLst xmlns:a="http://schemas.openxmlformats.org/drawingml/2006/main" xmlns:r="http://schemas.openxmlformats.org/officeDocument/2006/relationships" xmlns:p="http://schemas.openxmlformats.org/presentationml/2006/main">
-  <p:tag name="FONT" val="NavbarItem"/>
-  <p:tag name="FONTSETCLASSNAME" val="FontSet1"/>
-  <p:tag name="COLORS" val="-2;-2;-2;-2;-2;-2"/>
-  <p:tag name="COLORSETCLASSNAME" val="ColorSet1"/>
-  <p:tag name="MLI" val="1"/>
-  <p:tag name="SHAPESETGROUPCLASSNAME" val="ShapeSetGroup1"/>
-  <p:tag name="SHAPESETCLASSNAME" val="StaticAgenda"/>
-  <p:tag name="COLORSETGROUPCLASSNAME" val="ColorSetGroup1"/>
-  <p:tag name="FONTSETGROUPCLASSNAME" val="FontSetGroup1"/>
-  <p:tag name="SHAPECLASSNAME" val="tNavbar"/>
-  <p:tag name="SHAPECLASSPROTECTIONTYPE" val="31"/>
-</p:tagLst>
-</file>
-
-<file path=ppt/tags/tag180.xml><?xml version="1.0" encoding="utf-8"?>
+<file path=ppt/tags/tag194.xml><?xml version="1.0" encoding="utf-8"?>
 <p:tagLst xmlns:a="http://schemas.openxmlformats.org/drawingml/2006/main" xmlns:r="http://schemas.openxmlformats.org/officeDocument/2006/relationships" xmlns:p="http://schemas.openxmlformats.org/presentationml/2006/main">
   <p:tag name="COLORS" val="-2;-2;-2;-2;-2;-2"/>
   <p:tag name="COLORSETCLASSNAME" val="ColorSet1"/>
@@ -23956,7 +25301,7 @@
 </p:tagLst>
 </file>
 
-<file path=ppt/tags/tag181.xml><?xml version="1.0" encoding="utf-8"?>
+<file path=ppt/tags/tag195.xml><?xml version="1.0" encoding="utf-8"?>
 <p:tagLst xmlns:a="http://schemas.openxmlformats.org/drawingml/2006/main" xmlns:r="http://schemas.openxmlformats.org/officeDocument/2006/relationships" xmlns:p="http://schemas.openxmlformats.org/presentationml/2006/main">
   <p:tag name="COLORS" val="-2;-2;-2;-2;-2;-2"/>
   <p:tag name="COLORSETCLASSNAME" val="ColorSet1"/>
@@ -23971,7 +25316,7 @@
 </p:tagLst>
 </file>
 
-<file path=ppt/tags/tag182.xml><?xml version="1.0" encoding="utf-8"?>
+<file path=ppt/tags/tag196.xml><?xml version="1.0" encoding="utf-8"?>
 <p:tagLst xmlns:a="http://schemas.openxmlformats.org/drawingml/2006/main" xmlns:r="http://schemas.openxmlformats.org/officeDocument/2006/relationships" xmlns:p="http://schemas.openxmlformats.org/presentationml/2006/main">
   <p:tag name="FONT" val="Reg28"/>
   <p:tag name="FONTSETCLASSNAME" val="FontSet1"/>
@@ -23989,7 +25334,7 @@
 </p:tagLst>
 </file>
 
-<file path=ppt/tags/tag183.xml><?xml version="1.0" encoding="utf-8"?>
+<file path=ppt/tags/tag197.xml><?xml version="1.0" encoding="utf-8"?>
 <p:tagLst xmlns:a="http://schemas.openxmlformats.org/drawingml/2006/main" xmlns:r="http://schemas.openxmlformats.org/officeDocument/2006/relationships" xmlns:p="http://schemas.openxmlformats.org/presentationml/2006/main">
   <p:tag name="FONT" val="Bold6"/>
   <p:tag name="FONT2" val="Reg6"/>
@@ -24014,7 +25359,7 @@
 </p:tagLst>
 </file>
 
-<file path=ppt/tags/tag184.xml><?xml version="1.0" encoding="utf-8"?>
+<file path=ppt/tags/tag198.xml><?xml version="1.0" encoding="utf-8"?>
 <p:tagLst xmlns:a="http://schemas.openxmlformats.org/drawingml/2006/main" xmlns:r="http://schemas.openxmlformats.org/officeDocument/2006/relationships" xmlns:p="http://schemas.openxmlformats.org/presentationml/2006/main">
   <p:tag name="FONT" val="Reg6"/>
   <p:tag name="FONTSETCLASSNAME" val="FontSet1"/>
@@ -24036,7 +25381,7 @@
 </p:tagLst>
 </file>
 
-<file path=ppt/tags/tag185.xml><?xml version="1.0" encoding="utf-8"?>
+<file path=ppt/tags/tag199.xml><?xml version="1.0" encoding="utf-8"?>
 <p:tagLst xmlns:a="http://schemas.openxmlformats.org/drawingml/2006/main" xmlns:r="http://schemas.openxmlformats.org/officeDocument/2006/relationships" xmlns:p="http://schemas.openxmlformats.org/presentationml/2006/main">
   <p:tag name="FONT" val="Reg12"/>
   <p:tag name="FONTSETCLASSNAME" val="FontSet1"/>
@@ -24053,7 +25398,38 @@
 </p:tagLst>
 </file>
 
-<file path=ppt/tags/tag186.xml><?xml version="1.0" encoding="utf-8"?>
+<file path=ppt/tags/tag2.xml><?xml version="1.0" encoding="utf-8"?>
+<p:tagLst xmlns:a="http://schemas.openxmlformats.org/drawingml/2006/main" xmlns:r="http://schemas.openxmlformats.org/officeDocument/2006/relationships" xmlns:p="http://schemas.openxmlformats.org/presentationml/2006/main">
+  <p:tag name="COLORS" val="-2;-2;-2;-2;-2;-2"/>
+  <p:tag name="COLORSETCLASSNAME" val="ColorSet1"/>
+  <p:tag name="SHAPESETGROUPCLASSNAME" val="ShapeSetGroup1"/>
+  <p:tag name="SHAPESETCLASSNAME" val="Slide"/>
+  <p:tag name="COLORSETGROUPCLASSNAME" val="ColorSetGroup1"/>
+  <p:tag name="FONTSETGROUPCLASSNAME" val="FontSetGroup1"/>
+  <p:tag name="SHAPECLASSFILE" val="BoschLogo2016.emf"/>
+  <p:tag name="MLI" val="1"/>
+  <p:tag name="SHAPECLASSNAME" val="LogoOnSlides"/>
+  <p:tag name="SHAPECLASSPROTECTIONTYPE" val="15"/>
+</p:tagLst>
+</file>
+
+<file path=ppt/tags/tag20.xml><?xml version="1.0" encoding="utf-8"?>
+<p:tagLst xmlns:a="http://schemas.openxmlformats.org/drawingml/2006/main" xmlns:r="http://schemas.openxmlformats.org/officeDocument/2006/relationships" xmlns:p="http://schemas.openxmlformats.org/presentationml/2006/main">
+  <p:tag name="FONTSETCLASSNAME" val="FontSet1"/>
+  <p:tag name="COLORSETCLASSNAME" val="ColorSet1"/>
+  <p:tag name="STYLENAME" val="Bodystyle"/>
+  <p:tag name="MLI" val="1"/>
+  <p:tag name="SHAPESETGROUPCLASSNAME" val="ShapeSetGroup1"/>
+  <p:tag name="SHAPESETCLASSNAME" val="StaticAgenda"/>
+  <p:tag name="COLORSETGROUPCLASSNAME" val="ColorSetGroup1"/>
+  <p:tag name="FONTSETGROUPCLASSNAME" val="FontSetGroup1"/>
+  <p:tag name="SHAPECLASSNAME" val="BodyOnAgenda"/>
+  <p:tag name="SHAPECLASSPROTECTIONTYPE" val="0"/>
+  <p:tag name="COLORS" val="-2;-2;-2;-2;-3;-2"/>
+</p:tagLst>
+</file>
+
+<file path=ppt/tags/tag200.xml><?xml version="1.0" encoding="utf-8"?>
 <p:tagLst xmlns:a="http://schemas.openxmlformats.org/drawingml/2006/main" xmlns:r="http://schemas.openxmlformats.org/officeDocument/2006/relationships" xmlns:p="http://schemas.openxmlformats.org/presentationml/2006/main">
   <p:tag name="FONT" val="Reg5x5"/>
   <p:tag name="FONTSETCLASSNAME" val="FontSet1"/>
@@ -24071,7 +25447,7 @@
 </p:tagLst>
 </file>
 
-<file path=ppt/tags/tag187.xml><?xml version="1.0" encoding="utf-8"?>
+<file path=ppt/tags/tag201.xml><?xml version="1.0" encoding="utf-8"?>
 <p:tagLst xmlns:a="http://schemas.openxmlformats.org/drawingml/2006/main" xmlns:r="http://schemas.openxmlformats.org/officeDocument/2006/relationships" xmlns:p="http://schemas.openxmlformats.org/presentationml/2006/main">
   <p:tag name="FONT" val="NavbarItem"/>
   <p:tag name="FONTSETCLASSNAME" val="FontSet1"/>
@@ -24087,7 +25463,7 @@
 </p:tagLst>
 </file>
 
-<file path=ppt/tags/tag188.xml><?xml version="1.0" encoding="utf-8"?>
+<file path=ppt/tags/tag202.xml><?xml version="1.0" encoding="utf-8"?>
 <p:tagLst xmlns:a="http://schemas.openxmlformats.org/drawingml/2006/main" xmlns:r="http://schemas.openxmlformats.org/officeDocument/2006/relationships" xmlns:p="http://schemas.openxmlformats.org/presentationml/2006/main">
   <p:tag name="FONT" val="Reg28"/>
   <p:tag name="FONTSETCLASSNAME" val="FontSet1"/>
@@ -24106,7 +25482,7 @@
 </p:tagLst>
 </file>
 
-<file path=ppt/tags/tag189.xml><?xml version="1.0" encoding="utf-8"?>
+<file path=ppt/tags/tag203.xml><?xml version="1.0" encoding="utf-8"?>
 <p:tagLst xmlns:a="http://schemas.openxmlformats.org/drawingml/2006/main" xmlns:r="http://schemas.openxmlformats.org/officeDocument/2006/relationships" xmlns:p="http://schemas.openxmlformats.org/presentationml/2006/main">
   <p:tag name="FIELD.CHAPTER.CONTENT" val="Titel des Kapitels"/>
   <p:tag name="FIELD.CHAPTER.VALUE" val="Titel des Kapitels"/>
@@ -24137,23 +25513,7 @@
 </p:tagLst>
 </file>
 
-<file path=ppt/tags/tag19.xml><?xml version="1.0" encoding="utf-8"?>
-<p:tagLst xmlns:a="http://schemas.openxmlformats.org/drawingml/2006/main" xmlns:r="http://schemas.openxmlformats.org/officeDocument/2006/relationships" xmlns:p="http://schemas.openxmlformats.org/presentationml/2006/main">
-  <p:tag name="FONT" val="Reg28"/>
-  <p:tag name="FONTSETCLASSNAME" val="FontSet1"/>
-  <p:tag name="COLORSETCLASSNAME" val="ColorSet1"/>
-  <p:tag name="MLI" val="1"/>
-  <p:tag name="SHAPESETGROUPCLASSNAME" val="ShapeSetGroup1"/>
-  <p:tag name="SHAPESETCLASSNAME" val="StaticAgenda"/>
-  <p:tag name="COLORSETGROUPCLASSNAME" val="ColorSetGroup1"/>
-  <p:tag name="FONTSETGROUPCLASSNAME" val="FontSetGroup1"/>
-  <p:tag name="SHAPECLASSNAME" val="TitleOnAgenda"/>
-  <p:tag name="SHAPECLASSPROTECTIONTYPE" val="9"/>
-  <p:tag name="COLORS" val="-2;-2;-2;-2;-1;-2"/>
-</p:tagLst>
-</file>
-
-<file path=ppt/tags/tag190.xml><?xml version="1.0" encoding="utf-8"?>
+<file path=ppt/tags/tag204.xml><?xml version="1.0" encoding="utf-8"?>
 <p:tagLst xmlns:a="http://schemas.openxmlformats.org/drawingml/2006/main" xmlns:r="http://schemas.openxmlformats.org/officeDocument/2006/relationships" xmlns:p="http://schemas.openxmlformats.org/presentationml/2006/main">
   <p:tag name="COLORS" val="-2;-2;-2;-2;-2;-2"/>
   <p:tag name="COLORSETCLASSNAME" val="ColorSet1"/>
@@ -24168,7 +25528,7 @@
 </p:tagLst>
 </file>
 
-<file path=ppt/tags/tag191.xml><?xml version="1.0" encoding="utf-8"?>
+<file path=ppt/tags/tag205.xml><?xml version="1.0" encoding="utf-8"?>
 <p:tagLst xmlns:a="http://schemas.openxmlformats.org/drawingml/2006/main" xmlns:r="http://schemas.openxmlformats.org/officeDocument/2006/relationships" xmlns:p="http://schemas.openxmlformats.org/presentationml/2006/main">
   <p:tag name="COLORS" val="-2;-2;-2;-2;-2;-2"/>
   <p:tag name="COLORSETCLASSNAME" val="ColorSet1"/>
@@ -24183,7 +25543,7 @@
 </p:tagLst>
 </file>
 
-<file path=ppt/tags/tag192.xml><?xml version="1.0" encoding="utf-8"?>
+<file path=ppt/tags/tag206.xml><?xml version="1.0" encoding="utf-8"?>
 <p:tagLst xmlns:a="http://schemas.openxmlformats.org/drawingml/2006/main" xmlns:r="http://schemas.openxmlformats.org/officeDocument/2006/relationships" xmlns:p="http://schemas.openxmlformats.org/presentationml/2006/main">
   <p:tag name="FONT" val="Reg28"/>
   <p:tag name="FONTSETCLASSNAME" val="FontSet1"/>
@@ -24201,7 +25561,7 @@
 </p:tagLst>
 </file>
 
-<file path=ppt/tags/tag193.xml><?xml version="1.0" encoding="utf-8"?>
+<file path=ppt/tags/tag207.xml><?xml version="1.0" encoding="utf-8"?>
 <p:tagLst xmlns:a="http://schemas.openxmlformats.org/drawingml/2006/main" xmlns:r="http://schemas.openxmlformats.org/officeDocument/2006/relationships" xmlns:p="http://schemas.openxmlformats.org/presentationml/2006/main">
   <p:tag name="FONT" val="Bold6"/>
   <p:tag name="FONT2" val="Reg6"/>
@@ -24226,7 +25586,7 @@
 </p:tagLst>
 </file>
 
-<file path=ppt/tags/tag194.xml><?xml version="1.0" encoding="utf-8"?>
+<file path=ppt/tags/tag208.xml><?xml version="1.0" encoding="utf-8"?>
 <p:tagLst xmlns:a="http://schemas.openxmlformats.org/drawingml/2006/main" xmlns:r="http://schemas.openxmlformats.org/officeDocument/2006/relationships" xmlns:p="http://schemas.openxmlformats.org/presentationml/2006/main">
   <p:tag name="FONT" val="Reg6"/>
   <p:tag name="FONTSETCLASSNAME" val="FontSet1"/>
@@ -24248,7 +25608,7 @@
 </p:tagLst>
 </file>
 
-<file path=ppt/tags/tag195.xml><?xml version="1.0" encoding="utf-8"?>
+<file path=ppt/tags/tag209.xml><?xml version="1.0" encoding="utf-8"?>
 <p:tagLst xmlns:a="http://schemas.openxmlformats.org/drawingml/2006/main" xmlns:r="http://schemas.openxmlformats.org/officeDocument/2006/relationships" xmlns:p="http://schemas.openxmlformats.org/presentationml/2006/main">
   <p:tag name="FONT" val="Reg12"/>
   <p:tag name="FONTSETCLASSNAME" val="FontSet1"/>
@@ -24262,315 +25622,6 @@
   <p:tag name="FONTSETGROUPCLASSNAME" val="FontSetGroup1"/>
   <p:tag name="SHAPECLASSNAME" val="PageNumberOnSlides"/>
   <p:tag name="SHAPECLASSPROTECTIONTYPE" val="63"/>
-</p:tagLst>
-</file>
-
-<file path=ppt/tags/tag196.xml><?xml version="1.0" encoding="utf-8"?>
-<p:tagLst xmlns:a="http://schemas.openxmlformats.org/drawingml/2006/main" xmlns:r="http://schemas.openxmlformats.org/officeDocument/2006/relationships" xmlns:p="http://schemas.openxmlformats.org/presentationml/2006/main">
-  <p:tag name="FONT" val="Reg5x5"/>
-  <p:tag name="FONTSETCLASSNAME" val="FontSet1"/>
-  <p:tag name="COLORS" val="-2;-2;-2;-2;-2;-2"/>
-  <p:tag name="COLORSETCLASSNAME" val="ColorSet1"/>
-  <p:tag name="SCRIPT" val="1"/>
-  <p:tag name="FIELDS" val="REM_ANL;"/>
-  <p:tag name="MLI" val="1"/>
-  <p:tag name="SHAPESETGROUPCLASSNAME" val="ShapeSetGroup1"/>
-  <p:tag name="SHAPESETCLASSNAME" val="TitleOnly"/>
-  <p:tag name="COLORSETGROUPCLASSNAME" val="ColorSetGroup5"/>
-  <p:tag name="FONTSETGROUPCLASSNAME" val="FontSetGroup1"/>
-  <p:tag name="SHAPECLASSNAME" val="Attachment"/>
-  <p:tag name="SHAPECLASSPROTECTIONTYPE" val="3"/>
-</p:tagLst>
-</file>
-
-<file path=ppt/tags/tag197.xml><?xml version="1.0" encoding="utf-8"?>
-<p:tagLst xmlns:a="http://schemas.openxmlformats.org/drawingml/2006/main" xmlns:r="http://schemas.openxmlformats.org/officeDocument/2006/relationships" xmlns:p="http://schemas.openxmlformats.org/presentationml/2006/main">
-  <p:tag name="FONT" val="NavbarItem"/>
-  <p:tag name="FONTSETCLASSNAME" val="FontSet1"/>
-  <p:tag name="COLORS" val="-2;-2;-2;-2;-2;-2"/>
-  <p:tag name="COLORSETCLASSNAME" val="ColorSet1"/>
-  <p:tag name="MLI" val="1"/>
-  <p:tag name="SHAPESETGROUPCLASSNAME" val="ShapeSetGroup1"/>
-  <p:tag name="SHAPESETCLASSNAME" val="TitleOnly"/>
-  <p:tag name="COLORSETGROUPCLASSNAME" val="ColorSetGroup5"/>
-  <p:tag name="FONTSETGROUPCLASSNAME" val="FontSetGroup1"/>
-  <p:tag name="SHAPECLASSNAME" val="tNavbar"/>
-  <p:tag name="SHAPECLASSPROTECTIONTYPE" val="31"/>
-</p:tagLst>
-</file>
-
-<file path=ppt/tags/tag198.xml><?xml version="1.0" encoding="utf-8"?>
-<p:tagLst xmlns:a="http://schemas.openxmlformats.org/drawingml/2006/main" xmlns:r="http://schemas.openxmlformats.org/officeDocument/2006/relationships" xmlns:p="http://schemas.openxmlformats.org/presentationml/2006/main">
-  <p:tag name="FONT" val="Reg28"/>
-  <p:tag name="FONTSETCLASSNAME" val="FontSet1"/>
-  <p:tag name="FONTCOLOR" val="Primary"/>
-  <p:tag name="FONTCOLOR2" val="Primary"/>
-  <p:tag name="RUNS.FONT" val="2"/>
-  <p:tag name="COLORSETCLASSNAME" val="ColorSet2"/>
-  <p:tag name="MLI" val="1"/>
-  <p:tag name="SHAPESETGROUPCLASSNAME" val="ShapeSetGroup1"/>
-  <p:tag name="SHAPESETCLASSNAME" val="TitleOnly"/>
-  <p:tag name="COLORSETGROUPCLASSNAME" val="ColorSetGroup5"/>
-  <p:tag name="FONTSETGROUPCLASSNAME" val="FontSetGroup1"/>
-  <p:tag name="SHAPECLASSNAME" val="TitleOnSlides"/>
-  <p:tag name="SHAPECLASSPROTECTIONTYPE" val="9"/>
-  <p:tag name="COLORS" val="-2;-2;-2;-2;LightGreen;-2"/>
-</p:tagLst>
-</file>
-
-<file path=ppt/tags/tag199.xml><?xml version="1.0" encoding="utf-8"?>
-<p:tagLst xmlns:a="http://schemas.openxmlformats.org/drawingml/2006/main" xmlns:r="http://schemas.openxmlformats.org/officeDocument/2006/relationships" xmlns:p="http://schemas.openxmlformats.org/presentationml/2006/main">
-  <p:tag name="FIELD.CHAPTER.CONTENT" val="Titel des Kapitels"/>
-  <p:tag name="FIELD.CHAPTER.VALUE" val="Titel des Kapitels"/>
-  <p:tag name="FIELD.DPT.CONTENT" val="HOME/EPS"/>
-  <p:tag name="FIELD.DPT.VALUE" val="HOME/EPS | "/>
-  <p:tag name="FIELDS.INITIALIZED" val="1"/>
-  <p:tag name="ML_1" val="rb_lol"/>
-  <p:tag name="ML_2" val="Bosch2.mcr"/>
-  <p:tag name="ML_LAYOUT_RESOURCE" val="BOSCH2_16_9.mcr"/>
-  <p:tag name="SHAPESETGROUPCLASSNAME" val="ShapeSetGroup1"/>
-  <p:tag name="SHAPESETCLASSNAME" val="StaticAgenda"/>
-  <p:tag name="COLORSETGROUPCLASSNAME" val="ColorSetGroup1"/>
-  <p:tag name="COLORSETCLASSNAME" val="ColorSet2"/>
-  <p:tag name="FONTSETGROUPCLASSNAME" val="FontSetGroup1"/>
-  <p:tag name="STYLESETGROUPCLASSNAME" val="StyleSetGroup1"/>
-  <p:tag name="MAPNAME" val="Map1"/>
-  <p:tag name="CFG.LAYOUT" val="BOSCH2"/>
-  <p:tag name="MLI" val="1"/>
-  <p:tag name="TEXTBOX 3_SHAPECLASSPROTECTIONTYPE" val="31"/>
-  <p:tag name="RECTANGLE 4_SHAPECLASSPROTECTIONTYPE" val="3"/>
-  <p:tag name="RECTANGLE 5_SHAPECLASSPROTECTIONTYPE" val="63"/>
-  <p:tag name="RECTANGLE 6_SHAPECLASSPROTECTIONTYPE" val="63"/>
-  <p:tag name="RECTANGLE 7_SHAPECLASSPROTECTIONTYPE" val="63"/>
-  <p:tag name="TEXT PLACEHOLDER 2_SHAPECLASSPROTECTIONTYPE" val="0"/>
-  <p:tag name="TITLE 1_SHAPECLASSPROTECTIONTYPE" val="9"/>
-</p:tagLst>
-</file>
-
-<file path=ppt/tags/tag2.xml><?xml version="1.0" encoding="utf-8"?>
-<p:tagLst xmlns:a="http://schemas.openxmlformats.org/drawingml/2006/main" xmlns:r="http://schemas.openxmlformats.org/officeDocument/2006/relationships" xmlns:p="http://schemas.openxmlformats.org/presentationml/2006/main">
-  <p:tag name="COLORS" val="-2;-2;-2;-2;-2;-2"/>
-  <p:tag name="COLORSETCLASSNAME" val="ColorSet1"/>
-  <p:tag name="SHAPESETGROUPCLASSNAME" val="ShapeSetGroup1"/>
-  <p:tag name="SHAPESETCLASSNAME" val="Slide"/>
-  <p:tag name="COLORSETGROUPCLASSNAME" val="ColorSetGroup1"/>
-  <p:tag name="FONTSETGROUPCLASSNAME" val="FontSetGroup1"/>
-  <p:tag name="SHAPECLASSFILE" val="BoschLogo2016.emf"/>
-  <p:tag name="MLI" val="1"/>
-  <p:tag name="SHAPECLASSNAME" val="LogoOnSlides"/>
-  <p:tag name="SHAPECLASSPROTECTIONTYPE" val="15"/>
-</p:tagLst>
-</file>
-
-<file path=ppt/tags/tag20.xml><?xml version="1.0" encoding="utf-8"?>
-<p:tagLst xmlns:a="http://schemas.openxmlformats.org/drawingml/2006/main" xmlns:r="http://schemas.openxmlformats.org/officeDocument/2006/relationships" xmlns:p="http://schemas.openxmlformats.org/presentationml/2006/main">
-  <p:tag name="FONTSETCLASSNAME" val="FontSet1"/>
-  <p:tag name="COLORSETCLASSNAME" val="ColorSet1"/>
-  <p:tag name="STYLENAME" val="Bodystyle"/>
-  <p:tag name="MLI" val="1"/>
-  <p:tag name="SHAPESETGROUPCLASSNAME" val="ShapeSetGroup1"/>
-  <p:tag name="SHAPESETCLASSNAME" val="StaticAgenda"/>
-  <p:tag name="COLORSETGROUPCLASSNAME" val="ColorSetGroup1"/>
-  <p:tag name="FONTSETGROUPCLASSNAME" val="FontSetGroup1"/>
-  <p:tag name="SHAPECLASSNAME" val="BodyOnAgenda"/>
-  <p:tag name="SHAPECLASSPROTECTIONTYPE" val="0"/>
-  <p:tag name="COLORS" val="-2;-2;-2;-2;-3;-2"/>
-</p:tagLst>
-</file>
-
-<file path=ppt/tags/tag200.xml><?xml version="1.0" encoding="utf-8"?>
-<p:tagLst xmlns:a="http://schemas.openxmlformats.org/drawingml/2006/main" xmlns:r="http://schemas.openxmlformats.org/officeDocument/2006/relationships" xmlns:p="http://schemas.openxmlformats.org/presentationml/2006/main">
-  <p:tag name="FONT" val="Bold6"/>
-  <p:tag name="FONT2" val="Reg6"/>
-  <p:tag name="FONT3" val="Reg6"/>
-  <p:tag name="FONTSETCLASSNAME" val="FontSet1"/>
-  <p:tag name="FONTCOLOR" val="Red"/>
-  <p:tag name="FONTCOLOR2" val="Black"/>
-  <p:tag name="FONTCOLOR3" val="Black"/>
-  <p:tag name="FONTCOLOR4" val="Black"/>
-  <p:tag name="RUNS.FONT" val="4"/>
-  <p:tag name="COLORS" val="-2;-2;-2;-2;Red;-2"/>
-  <p:tag name="COLORSETCLASSNAME" val="ColorSet1"/>
-  <p:tag name="SCRIPT" val="1"/>
-  <p:tag name="FIELDS" val="CONF;DPT;DATE;"/>
-  <p:tag name="MLI" val="1"/>
-  <p:tag name="SHAPESETGROUPCLASSNAME" val="ShapeSetGroup1"/>
-  <p:tag name="SHAPESETCLASSNAME" val="StaticAgenda"/>
-  <p:tag name="COLORSETGROUPCLASSNAME" val="ColorSetGroup1"/>
-  <p:tag name="FONTSETGROUPCLASSNAME" val="FontSetGroup1"/>
-  <p:tag name="SHAPECLASSNAME" val="FooterLine1OnSlides"/>
-  <p:tag name="SHAPECLASSPROTECTIONTYPE" val="63"/>
-</p:tagLst>
-</file>
-
-<file path=ppt/tags/tag201.xml><?xml version="1.0" encoding="utf-8"?>
-<p:tagLst xmlns:a="http://schemas.openxmlformats.org/drawingml/2006/main" xmlns:r="http://schemas.openxmlformats.org/officeDocument/2006/relationships" xmlns:p="http://schemas.openxmlformats.org/presentationml/2006/main">
-  <p:tag name="FONT" val="Reg6"/>
-  <p:tag name="FONTSETCLASSNAME" val="FontSet1"/>
-  <p:tag name="FONTCOLOR" val="Black"/>
-  <p:tag name="FONTCOLOR2" val="LightGray"/>
-  <p:tag name="FONTCOLOR3" val="LightGray"/>
-  <p:tag name="RUNS.FONT" val="3"/>
-  <p:tag name="COLORS" val="-2;-2;-2;-2;Black;-2"/>
-  <p:tag name="COLORSETCLASSNAME" val="ColorSet1"/>
-  <p:tag name="SCRIPT" val="1"/>
-  <p:tag name="FIELDS" val="REM_ABL;COPY;"/>
-  <p:tag name="MLI" val="1"/>
-  <p:tag name="SHAPESETGROUPCLASSNAME" val="ShapeSetGroup1"/>
-  <p:tag name="SHAPESETCLASSNAME" val="StaticAgenda"/>
-  <p:tag name="COLORSETGROUPCLASSNAME" val="ColorSetGroup1"/>
-  <p:tag name="FONTSETGROUPCLASSNAME" val="FontSetGroup1"/>
-  <p:tag name="SHAPECLASSNAME" val="FooterLine2OnSlides"/>
-  <p:tag name="SHAPECLASSPROTECTIONTYPE" val="63"/>
-</p:tagLst>
-</file>
-
-<file path=ppt/tags/tag202.xml><?xml version="1.0" encoding="utf-8"?>
-<p:tagLst xmlns:a="http://schemas.openxmlformats.org/drawingml/2006/main" xmlns:r="http://schemas.openxmlformats.org/officeDocument/2006/relationships" xmlns:p="http://schemas.openxmlformats.org/presentationml/2006/main">
-  <p:tag name="FONT" val="Reg12"/>
-  <p:tag name="FONTSETCLASSNAME" val="FontSet1"/>
-  <p:tag name="COLORS" val="-2;-2;-2;-2;DarkGray2;-2"/>
-  <p:tag name="COLORSETCLASSNAME" val="ColorSet1"/>
-  <p:tag name="SCRIPT" val="1"/>
-  <p:tag name="MLI" val="1"/>
-  <p:tag name="SHAPESETGROUPCLASSNAME" val="ShapeSetGroup1"/>
-  <p:tag name="SHAPESETCLASSNAME" val="StaticAgenda"/>
-  <p:tag name="COLORSETGROUPCLASSNAME" val="ColorSetGroup1"/>
-  <p:tag name="FONTSETGROUPCLASSNAME" val="FontSetGroup1"/>
-  <p:tag name="SHAPECLASSNAME" val="PageNumberOnSlides"/>
-  <p:tag name="SHAPECLASSPROTECTIONTYPE" val="63"/>
-</p:tagLst>
-</file>
-
-<file path=ppt/tags/tag203.xml><?xml version="1.0" encoding="utf-8"?>
-<p:tagLst xmlns:a="http://schemas.openxmlformats.org/drawingml/2006/main" xmlns:r="http://schemas.openxmlformats.org/officeDocument/2006/relationships" xmlns:p="http://schemas.openxmlformats.org/presentationml/2006/main">
-  <p:tag name="FONT" val="Reg5x5"/>
-  <p:tag name="FONTSETCLASSNAME" val="FontSet1"/>
-  <p:tag name="COLORS" val="-2;-2;-2;-2;-2;-2"/>
-  <p:tag name="COLORSETCLASSNAME" val="ColorSet1"/>
-  <p:tag name="SCRIPT" val="1"/>
-  <p:tag name="FIELDS" val="REM_ANL;"/>
-  <p:tag name="MLI" val="1"/>
-  <p:tag name="SHAPESETGROUPCLASSNAME" val="ShapeSetGroup1"/>
-  <p:tag name="SHAPESETCLASSNAME" val="StaticAgenda"/>
-  <p:tag name="COLORSETGROUPCLASSNAME" val="ColorSetGroup1"/>
-  <p:tag name="FONTSETGROUPCLASSNAME" val="FontSetGroup1"/>
-  <p:tag name="SHAPECLASSNAME" val="Attachment"/>
-  <p:tag name="SHAPECLASSPROTECTIONTYPE" val="3"/>
-</p:tagLst>
-</file>
-
-<file path=ppt/tags/tag204.xml><?xml version="1.0" encoding="utf-8"?>
-<p:tagLst xmlns:a="http://schemas.openxmlformats.org/drawingml/2006/main" xmlns:r="http://schemas.openxmlformats.org/officeDocument/2006/relationships" xmlns:p="http://schemas.openxmlformats.org/presentationml/2006/main">
-  <p:tag name="FONT" val="NavbarItem"/>
-  <p:tag name="FONTSETCLASSNAME" val="FontSet1"/>
-  <p:tag name="COLORS" val="-2;-2;-2;-2;-2;-2"/>
-  <p:tag name="COLORSETCLASSNAME" val="ColorSet1"/>
-  <p:tag name="MLI" val="1"/>
-  <p:tag name="SHAPESETGROUPCLASSNAME" val="ShapeSetGroup1"/>
-  <p:tag name="SHAPESETCLASSNAME" val="StaticAgenda"/>
-  <p:tag name="COLORSETGROUPCLASSNAME" val="ColorSetGroup1"/>
-  <p:tag name="FONTSETGROUPCLASSNAME" val="FontSetGroup1"/>
-  <p:tag name="SHAPECLASSNAME" val="tNavbar"/>
-  <p:tag name="SHAPECLASSPROTECTIONTYPE" val="31"/>
-</p:tagLst>
-</file>
-
-<file path=ppt/tags/tag205.xml><?xml version="1.0" encoding="utf-8"?>
-<p:tagLst xmlns:a="http://schemas.openxmlformats.org/drawingml/2006/main" xmlns:r="http://schemas.openxmlformats.org/officeDocument/2006/relationships" xmlns:p="http://schemas.openxmlformats.org/presentationml/2006/main">
-  <p:tag name="FONT" val="Reg28"/>
-  <p:tag name="FONTSETCLASSNAME" val="FontSet1"/>
-  <p:tag name="COLORSETCLASSNAME" val="ColorSet1"/>
-  <p:tag name="MLI" val="1"/>
-  <p:tag name="SHAPESETGROUPCLASSNAME" val="ShapeSetGroup1"/>
-  <p:tag name="SHAPESETCLASSNAME" val="StaticAgenda"/>
-  <p:tag name="COLORSETGROUPCLASSNAME" val="ColorSetGroup1"/>
-  <p:tag name="FONTSETGROUPCLASSNAME" val="FontSetGroup1"/>
-  <p:tag name="SHAPECLASSNAME" val="TitleOnAgenda"/>
-  <p:tag name="SHAPECLASSPROTECTIONTYPE" val="9"/>
-  <p:tag name="COLORS" val="-2;-2;-2;-2;-1;-2"/>
-</p:tagLst>
-</file>
-
-<file path=ppt/tags/tag206.xml><?xml version="1.0" encoding="utf-8"?>
-<p:tagLst xmlns:a="http://schemas.openxmlformats.org/drawingml/2006/main" xmlns:r="http://schemas.openxmlformats.org/officeDocument/2006/relationships" xmlns:p="http://schemas.openxmlformats.org/presentationml/2006/main">
-  <p:tag name="FONTSETCLASSNAME" val="FontSet1"/>
-  <p:tag name="COLORSETCLASSNAME" val="ColorSet1"/>
-  <p:tag name="STYLENAME" val="Bodystyle"/>
-  <p:tag name="MLI" val="1"/>
-  <p:tag name="SHAPESETGROUPCLASSNAME" val="ShapeSetGroup1"/>
-  <p:tag name="SHAPESETCLASSNAME" val="StaticAgenda"/>
-  <p:tag name="COLORSETGROUPCLASSNAME" val="ColorSetGroup1"/>
-  <p:tag name="FONTSETGROUPCLASSNAME" val="FontSetGroup1"/>
-  <p:tag name="SHAPECLASSNAME" val="BodyOnAgenda"/>
-  <p:tag name="SHAPECLASSPROTECTIONTYPE" val="0"/>
-  <p:tag name="COLORS" val="-2;-2;-2;-2;-3;-2"/>
-</p:tagLst>
-</file>
-
-<file path=ppt/tags/tag207.xml><?xml version="1.0" encoding="utf-8"?>
-<p:tagLst xmlns:a="http://schemas.openxmlformats.org/drawingml/2006/main" xmlns:r="http://schemas.openxmlformats.org/officeDocument/2006/relationships" xmlns:p="http://schemas.openxmlformats.org/presentationml/2006/main">
-  <p:tag name="FIELD.CHAPTER.CONTENT" val="Titel des Kapitels"/>
-  <p:tag name="FIELD.CHAPTER.VALUE" val="Titel des Kapitels"/>
-  <p:tag name="FIELD.DPT.CONTENT" val="HOME/EPS"/>
-  <p:tag name="FIELD.DPT.VALUE" val="HOME/EPS | "/>
-  <p:tag name="FIELDS.INITIALIZED" val="1"/>
-  <p:tag name="ML_1" val="rb_lol"/>
-  <p:tag name="ML_2" val="Bosch2.mcr"/>
-  <p:tag name="ML_LAYOUT_RESOURCE" val="BOSCH2_16_9.mcr"/>
-  <p:tag name="SHAPESETGROUPCLASSNAME" val="ShapeSetGroup1"/>
-  <p:tag name="COLORSETGROUPCLASSNAME" val="ColorSetGroup3"/>
-  <p:tag name="COLORSETCLASSNAME" val="ColorSet2"/>
-  <p:tag name="FONTSETGROUPCLASSNAME" val="FontSetGroup1"/>
-  <p:tag name="STYLESETGROUPCLASSNAME" val="StyleSetGroup1"/>
-  <p:tag name="MAPNAME" val="Map1"/>
-  <p:tag name="CFG.LAYOUT" val="BOSCH2"/>
-  <p:tag name="MLI" val="1"/>
-  <p:tag name="PICTURE 3_SHAPECLASSPROTECTIONTYPE" val="15"/>
-  <p:tag name="PICTURE 4_SHAPECLASSPROTECTIONTYPE" val="15"/>
-  <p:tag name="SHAPESETCLASSNAME" val="Object"/>
-  <p:tag name="TEXTBOX 15_SHAPECLASSPROTECTIONTYPE" val="31"/>
-  <p:tag name="RECTANGLE 16_SHAPECLASSPROTECTIONTYPE" val="3"/>
-  <p:tag name="RECTANGLE 17_SHAPECLASSPROTECTIONTYPE" val="63"/>
-  <p:tag name="RECTANGLE 18_SHAPECLASSPROTECTIONTYPE" val="63"/>
-  <p:tag name="RECTANGLE 19_SHAPECLASSPROTECTIONTYPE" val="63"/>
-  <p:tag name="CONTENT PLACEHOLDER 14_SHAPECLASSPROTECTIONTYPE" val="0"/>
-  <p:tag name="TEXTBOX 20_SHAPECLASSPROTECTIONTYPE" val="25"/>
-  <p:tag name="TITLE 2_SHAPECLASSPROTECTIONTYPE" val="9"/>
-  <p:tag name="CONTENT PLACEHOLDER 23_SHAPECLASSPROTECTIONTYPE" val="0"/>
-  <p:tag name="PICTURE 22_SHAPECLASSPROTECTIONTYPE" val="15"/>
-  <p:tag name="CONTENT PLACEHOLDER 26_SHAPECLASSPROTECTIONTYPE" val="0"/>
-  <p:tag name="PICTURE 25_SHAPECLASSPROTECTIONTYPE" val="15"/>
-</p:tagLst>
-</file>
-
-<file path=ppt/tags/tag208.xml><?xml version="1.0" encoding="utf-8"?>
-<p:tagLst xmlns:a="http://schemas.openxmlformats.org/drawingml/2006/main" xmlns:r="http://schemas.openxmlformats.org/officeDocument/2006/relationships" xmlns:p="http://schemas.openxmlformats.org/presentationml/2006/main">
-  <p:tag name="COLORS" val="-2;-2;-2;-2;-2;-2"/>
-  <p:tag name="COLORSETCLASSNAME" val="ColorSet1"/>
-  <p:tag name="SHAPESETGROUPCLASSNAME" val="ShapeSetGroup1"/>
-  <p:tag name="SHAPESETCLASSNAME" val="Slide"/>
-  <p:tag name="COLORSETGROUPCLASSNAME" val="ColorSetGroup3"/>
-  <p:tag name="FONTSETGROUPCLASSNAME" val="FontSetGroup1"/>
-  <p:tag name="SHAPECLASSFILE" val="BoschLogo2016.emf"/>
-  <p:tag name="MLI" val="1"/>
-  <p:tag name="SHAPECLASSNAME" val="LogoOnSlides"/>
-  <p:tag name="SHAPECLASSPROTECTIONTYPE" val="15"/>
-</p:tagLst>
-</file>
-
-<file path=ppt/tags/tag209.xml><?xml version="1.0" encoding="utf-8"?>
-<p:tagLst xmlns:a="http://schemas.openxmlformats.org/drawingml/2006/main" xmlns:r="http://schemas.openxmlformats.org/officeDocument/2006/relationships" xmlns:p="http://schemas.openxmlformats.org/presentationml/2006/main">
-  <p:tag name="COLORS" val="-2;-2;-2;-2;-2;-2"/>
-  <p:tag name="COLORSETCLASSNAME" val="ColorSet1"/>
-  <p:tag name="SHAPESETGROUPCLASSNAME" val="ShapeSetGroup1"/>
-  <p:tag name="SHAPESETCLASSNAME" val="Slide"/>
-  <p:tag name="COLORSETGROUPCLASSNAME" val="ColorSetGroup3"/>
-  <p:tag name="FONTSETGROUPCLASSNAME" val="FontSetGroup1"/>
-  <p:tag name="SHAPECLASSFILE" val="Bosch-Supergraphic-Bottom-16-9.png"/>
-  <p:tag name="MLI" val="1"/>
-  <p:tag name="SHAPECLASSNAME" val="ColorBarOnSlides"/>
-  <p:tag name="SHAPECLASSPROTECTIONTYPE" val="15"/>
 </p:tagLst>
 </file>
 
@@ -24612,88 +25663,6 @@
 
 <file path=ppt/tags/tag210.xml><?xml version="1.0" encoding="utf-8"?>
 <p:tagLst xmlns:a="http://schemas.openxmlformats.org/drawingml/2006/main" xmlns:r="http://schemas.openxmlformats.org/officeDocument/2006/relationships" xmlns:p="http://schemas.openxmlformats.org/presentationml/2006/main">
-  <p:tag name="FONT" val="Reg28"/>
-  <p:tag name="FONTSETCLASSNAME" val="FontSet1"/>
-  <p:tag name="COLORSETCLASSNAME" val="ColorSet1"/>
-  <p:tag name="SCRIPT" val="1"/>
-  <p:tag name="FIELDS" val="CHAPTER;"/>
-  <p:tag name="MLI" val="1"/>
-  <p:tag name="SHAPESETGROUPCLASSNAME" val="ShapeSetGroup1"/>
-  <p:tag name="SHAPESETCLASSNAME" val="Object"/>
-  <p:tag name="COLORSETGROUPCLASSNAME" val="ColorSetGroup3"/>
-  <p:tag name="FONTSETGROUPCLASSNAME" val="FontSetGroup1"/>
-  <p:tag name="SHAPECLASSNAME" val="Chapterbox"/>
-  <p:tag name="SHAPECLASSPROTECTIONTYPE" val=" 25"/>
-  <p:tag name="COLORS" val="-2;-2;-2;-2;-1;-2"/>
-</p:tagLst>
-</file>
-
-<file path=ppt/tags/tag211.xml><?xml version="1.0" encoding="utf-8"?>
-<p:tagLst xmlns:a="http://schemas.openxmlformats.org/drawingml/2006/main" xmlns:r="http://schemas.openxmlformats.org/officeDocument/2006/relationships" xmlns:p="http://schemas.openxmlformats.org/presentationml/2006/main">
-  <p:tag name="FONT" val="Bold6"/>
-  <p:tag name="FONT2" val="Reg6"/>
-  <p:tag name="FONT3" val="Reg6"/>
-  <p:tag name="FONTSETCLASSNAME" val="FontSet1"/>
-  <p:tag name="FONTCOLOR" val="Red"/>
-  <p:tag name="FONTCOLOR2" val="Black"/>
-  <p:tag name="FONTCOLOR3" val="Black"/>
-  <p:tag name="FONTCOLOR4" val="Black"/>
-  <p:tag name="RUNS.FONT" val="4"/>
-  <p:tag name="COLORS" val="-2;-2;-2;-2;Red;-2"/>
-  <p:tag name="COLORSETCLASSNAME" val="ColorSet1"/>
-  <p:tag name="SCRIPT" val="1"/>
-  <p:tag name="FIELDS" val="CONF;DPT;DATE;"/>
-  <p:tag name="MLI" val="1"/>
-  <p:tag name="SHAPESETGROUPCLASSNAME" val="ShapeSetGroup1"/>
-  <p:tag name="SHAPESETCLASSNAME" val="Object"/>
-  <p:tag name="COLORSETGROUPCLASSNAME" val="ColorSetGroup3"/>
-  <p:tag name="FONTSETGROUPCLASSNAME" val="FontSetGroup1"/>
-  <p:tag name="SHAPECLASSNAME" val="FooterLine1OnSlides"/>
-  <p:tag name="SHAPECLASSPROTECTIONTYPE" val=" 63"/>
-</p:tagLst>
-</file>
-
-<file path=ppt/tags/tag212.xml><?xml version="1.0" encoding="utf-8"?>
-<p:tagLst xmlns:a="http://schemas.openxmlformats.org/drawingml/2006/main" xmlns:r="http://schemas.openxmlformats.org/officeDocument/2006/relationships" xmlns:p="http://schemas.openxmlformats.org/presentationml/2006/main">
-  <p:tag name="FONT" val="Reg6"/>
-  <p:tag name="FONTSETCLASSNAME" val="FontSet1"/>
-  <p:tag name="FONTCOLOR" val="Black"/>
-  <p:tag name="FONTCOLOR2" val="LightGray"/>
-  <p:tag name="FONTCOLOR3" val="LightGray"/>
-  <p:tag name="RUNS.FONT" val="3"/>
-  <p:tag name="COLORS" val="-2;-2;-2;-2;Black;-2"/>
-  <p:tag name="COLORSETCLASSNAME" val="ColorSet1"/>
-  <p:tag name="SCRIPT" val="1"/>
-  <p:tag name="FIELDS" val="REM_ABL;COPY;"/>
-  <p:tag name="MLI" val="1"/>
-  <p:tag name="SHAPESETGROUPCLASSNAME" val="ShapeSetGroup1"/>
-  <p:tag name="SHAPESETCLASSNAME" val="Object"/>
-  <p:tag name="COLORSETGROUPCLASSNAME" val="ColorSetGroup3"/>
-  <p:tag name="FONTSETGROUPCLASSNAME" val="FontSetGroup1"/>
-  <p:tag name="SHAPECLASSNAME" val="FooterLine2OnSlides"/>
-  <p:tag name="SHAPECLASSPROTECTIONTYPE" val=" 63"/>
-</p:tagLst>
-</file>
-
-<file path=ppt/tags/tag213.xml><?xml version="1.0" encoding="utf-8"?>
-<p:tagLst xmlns:a="http://schemas.openxmlformats.org/drawingml/2006/main" xmlns:r="http://schemas.openxmlformats.org/officeDocument/2006/relationships" xmlns:p="http://schemas.openxmlformats.org/presentationml/2006/main">
-  <p:tag name="FONT" val="Reg12"/>
-  <p:tag name="FONTSETCLASSNAME" val="FontSet1"/>
-  <p:tag name="COLORS" val="-2;-2;-2;-2;DarkGray2;-2"/>
-  <p:tag name="COLORSETCLASSNAME" val="ColorSet1"/>
-  <p:tag name="SCRIPT" val="1"/>
-  <p:tag name="MLI" val="1"/>
-  <p:tag name="SHAPESETGROUPCLASSNAME" val="ShapeSetGroup1"/>
-  <p:tag name="SHAPESETCLASSNAME" val="Object"/>
-  <p:tag name="COLORSETGROUPCLASSNAME" val="ColorSetGroup3"/>
-  <p:tag name="FONTSETGROUPCLASSNAME" val="FontSetGroup1"/>
-  <p:tag name="SHAPECLASSNAME" val="PageNumberOnSlides"/>
-  <p:tag name="SHAPECLASSPROTECTIONTYPE" val=" 63"/>
-</p:tagLst>
-</file>
-
-<file path=ppt/tags/tag214.xml><?xml version="1.0" encoding="utf-8"?>
-<p:tagLst xmlns:a="http://schemas.openxmlformats.org/drawingml/2006/main" xmlns:r="http://schemas.openxmlformats.org/officeDocument/2006/relationships" xmlns:p="http://schemas.openxmlformats.org/presentationml/2006/main">
   <p:tag name="FONT" val="Reg5x5"/>
   <p:tag name="FONTSETCLASSNAME" val="FontSet1"/>
   <p:tag name="COLORS" val="-2;-2;-2;-2;-2;-2"/>
@@ -24702,15 +25671,15 @@
   <p:tag name="FIELDS" val="REM_ANL;"/>
   <p:tag name="MLI" val="1"/>
   <p:tag name="SHAPESETGROUPCLASSNAME" val="ShapeSetGroup1"/>
-  <p:tag name="SHAPESETCLASSNAME" val="Object"/>
-  <p:tag name="COLORSETGROUPCLASSNAME" val="ColorSetGroup3"/>
+  <p:tag name="SHAPESETCLASSNAME" val="TitleOnly"/>
+  <p:tag name="COLORSETGROUPCLASSNAME" val="ColorSetGroup5"/>
   <p:tag name="FONTSETGROUPCLASSNAME" val="FontSetGroup1"/>
   <p:tag name="SHAPECLASSNAME" val="Attachment"/>
-  <p:tag name="SHAPECLASSPROTECTIONTYPE" val=" 3"/>
+  <p:tag name="SHAPECLASSPROTECTIONTYPE" val="3"/>
 </p:tagLst>
 </file>
 
-<file path=ppt/tags/tag215.xml><?xml version="1.0" encoding="utf-8"?>
+<file path=ppt/tags/tag211.xml><?xml version="1.0" encoding="utf-8"?>
 <p:tagLst xmlns:a="http://schemas.openxmlformats.org/drawingml/2006/main" xmlns:r="http://schemas.openxmlformats.org/officeDocument/2006/relationships" xmlns:p="http://schemas.openxmlformats.org/presentationml/2006/main">
   <p:tag name="FONT" val="NavbarItem"/>
   <p:tag name="FONTSETCLASSNAME" val="FontSet1"/>
@@ -24718,50 +25687,34 @@
   <p:tag name="COLORSETCLASSNAME" val="ColorSet1"/>
   <p:tag name="MLI" val="1"/>
   <p:tag name="SHAPESETGROUPCLASSNAME" val="ShapeSetGroup1"/>
-  <p:tag name="SHAPESETCLASSNAME" val="Object"/>
-  <p:tag name="COLORSETGROUPCLASSNAME" val="ColorSetGroup3"/>
+  <p:tag name="SHAPESETCLASSNAME" val="TitleOnly"/>
+  <p:tag name="COLORSETGROUPCLASSNAME" val="ColorSetGroup5"/>
   <p:tag name="FONTSETGROUPCLASSNAME" val="FontSetGroup1"/>
   <p:tag name="SHAPECLASSNAME" val="tNavbar"/>
-  <p:tag name="SHAPECLASSPROTECTIONTYPE" val=" 31"/>
+  <p:tag name="SHAPECLASSPROTECTIONTYPE" val="31"/>
 </p:tagLst>
 </file>
 
-<file path=ppt/tags/tag216.xml><?xml version="1.0" encoding="utf-8"?>
+<file path=ppt/tags/tag212.xml><?xml version="1.0" encoding="utf-8"?>
 <p:tagLst xmlns:a="http://schemas.openxmlformats.org/drawingml/2006/main" xmlns:r="http://schemas.openxmlformats.org/officeDocument/2006/relationships" xmlns:p="http://schemas.openxmlformats.org/presentationml/2006/main">
+  <p:tag name="FONT" val="Reg28"/>
   <p:tag name="FONTSETCLASSNAME" val="FontSet1"/>
+  <p:tag name="FONTCOLOR" val="Primary"/>
+  <p:tag name="FONTCOLOR2" val="Primary"/>
+  <p:tag name="RUNS.FONT" val="2"/>
+  <p:tag name="COLORSETCLASSNAME" val="ColorSet2"/>
   <p:tag name="MLI" val="1"/>
   <p:tag name="SHAPESETGROUPCLASSNAME" val="ShapeSetGroup1"/>
-  <p:tag name="COLORSETGROUPCLASSNAME" val="ColorSetGroup3"/>
+  <p:tag name="SHAPESETCLASSNAME" val="TitleOnly"/>
+  <p:tag name="COLORSETGROUPCLASSNAME" val="ColorSetGroup5"/>
   <p:tag name="FONTSETGROUPCLASSNAME" val="FontSetGroup1"/>
-  <p:tag name="FONT" val="Reg28"/>
-  <p:tag name="FONTCOLOR" val="Primary"/>
-  <p:tag name="FONTCOLOR2" val="Primary"/>
-  <p:tag name="COLORSETCLASSNAME" val="ColorSet2"/>
-  <p:tag name="SHAPESETCLASSNAME" val="Object"/>
   <p:tag name="SHAPECLASSNAME" val="TitleOnSlides"/>
-  <p:tag name="SHAPECLASSPROTECTIONTYPE" val=" 9"/>
-  <p:tag name="RUNS.FONT" val="2"/>
+  <p:tag name="SHAPECLASSPROTECTIONTYPE" val="9"/>
   <p:tag name="COLORS" val="-2;-2;-2;-2;LightGreen;-2"/>
 </p:tagLst>
 </file>
 
-<file path=ppt/tags/tag217.xml><?xml version="1.0" encoding="utf-8"?>
-<p:tagLst xmlns:a="http://schemas.openxmlformats.org/drawingml/2006/main" xmlns:r="http://schemas.openxmlformats.org/officeDocument/2006/relationships" xmlns:p="http://schemas.openxmlformats.org/presentationml/2006/main">
-  <p:tag name="FONTSETCLASSNAME" val="FontSet1"/>
-  <p:tag name="COLORSETCLASSNAME" val="ColorSet1"/>
-  <p:tag name="STYLENAME" val="Bodystyle"/>
-  <p:tag name="MLI" val="1"/>
-  <p:tag name="SHAPESETGROUPCLASSNAME" val="ShapeSetGroup1"/>
-  <p:tag name="SHAPESETCLASSNAME" val="Object"/>
-  <p:tag name="COLORSETGROUPCLASSNAME" val="ColorSetGroup3"/>
-  <p:tag name="FONTSETGROUPCLASSNAME" val="FontSetGroup1"/>
-  <p:tag name="SHAPECLASSNAME" val="ObjectFull"/>
-  <p:tag name="SHAPECLASSPROTECTIONTYPE" val="0"/>
-  <p:tag name="COLORS" val="Black;-1;-2;-2;-1;-2"/>
-</p:tagLst>
-</file>
-
-<file path=ppt/tags/tag218.xml><?xml version="1.0" encoding="utf-8"?>
+<file path=ppt/tags/tag213.xml><?xml version="1.0" encoding="utf-8"?>
 <p:tagLst xmlns:a="http://schemas.openxmlformats.org/drawingml/2006/main" xmlns:r="http://schemas.openxmlformats.org/officeDocument/2006/relationships" xmlns:p="http://schemas.openxmlformats.org/presentationml/2006/main">
   <p:tag name="FIELD.CHAPTER.CONTENT" val="Titel des Kapitels"/>
   <p:tag name="FIELD.CHAPTER.VALUE" val="Titel des Kapitels"/>
@@ -24790,7 +25743,7 @@
 </p:tagLst>
 </file>
 
-<file path=ppt/tags/tag219.xml><?xml version="1.0" encoding="utf-8"?>
+<file path=ppt/tags/tag214.xml><?xml version="1.0" encoding="utf-8"?>
 <p:tagLst xmlns:a="http://schemas.openxmlformats.org/drawingml/2006/main" xmlns:r="http://schemas.openxmlformats.org/officeDocument/2006/relationships" xmlns:p="http://schemas.openxmlformats.org/presentationml/2006/main">
   <p:tag name="FONT" val="Bold6"/>
   <p:tag name="FONT2" val="Reg6"/>
@@ -24815,22 +25768,7 @@
 </p:tagLst>
 </file>
 
-<file path=ppt/tags/tag22.xml><?xml version="1.0" encoding="utf-8"?>
-<p:tagLst xmlns:a="http://schemas.openxmlformats.org/drawingml/2006/main" xmlns:r="http://schemas.openxmlformats.org/officeDocument/2006/relationships" xmlns:p="http://schemas.openxmlformats.org/presentationml/2006/main">
-  <p:tag name="COLORS" val="-2;-2;-2;-2;-2;-2"/>
-  <p:tag name="COLORSETCLASSNAME" val="ColorSet1"/>
-  <p:tag name="SHAPESETGROUPCLASSNAME" val="ShapeSetGroup1"/>
-  <p:tag name="SHAPESETCLASSNAME" val="Slide"/>
-  <p:tag name="COLORSETGROUPCLASSNAME" val="ColorSetGroup3"/>
-  <p:tag name="FONTSETGROUPCLASSNAME" val="FontSetGroup1"/>
-  <p:tag name="SHAPECLASSFILE" val="BoschLogo2016.emf"/>
-  <p:tag name="MLI" val="1"/>
-  <p:tag name="SHAPECLASSNAME" val="LogoOnSlides"/>
-  <p:tag name="SHAPECLASSPROTECTIONTYPE" val="15"/>
-</p:tagLst>
-</file>
-
-<file path=ppt/tags/tag220.xml><?xml version="1.0" encoding="utf-8"?>
+<file path=ppt/tags/tag215.xml><?xml version="1.0" encoding="utf-8"?>
 <p:tagLst xmlns:a="http://schemas.openxmlformats.org/drawingml/2006/main" xmlns:r="http://schemas.openxmlformats.org/officeDocument/2006/relationships" xmlns:p="http://schemas.openxmlformats.org/presentationml/2006/main">
   <p:tag name="FONT" val="Reg6"/>
   <p:tag name="FONTSETCLASSNAME" val="FontSet1"/>
@@ -24852,7 +25790,7 @@
 </p:tagLst>
 </file>
 
-<file path=ppt/tags/tag221.xml><?xml version="1.0" encoding="utf-8"?>
+<file path=ppt/tags/tag216.xml><?xml version="1.0" encoding="utf-8"?>
 <p:tagLst xmlns:a="http://schemas.openxmlformats.org/drawingml/2006/main" xmlns:r="http://schemas.openxmlformats.org/officeDocument/2006/relationships" xmlns:p="http://schemas.openxmlformats.org/presentationml/2006/main">
   <p:tag name="FONT" val="Reg12"/>
   <p:tag name="FONTSETCLASSNAME" val="FontSet1"/>
@@ -24869,7 +25807,7 @@
 </p:tagLst>
 </file>
 
-<file path=ppt/tags/tag222.xml><?xml version="1.0" encoding="utf-8"?>
+<file path=ppt/tags/tag217.xml><?xml version="1.0" encoding="utf-8"?>
 <p:tagLst xmlns:a="http://schemas.openxmlformats.org/drawingml/2006/main" xmlns:r="http://schemas.openxmlformats.org/officeDocument/2006/relationships" xmlns:p="http://schemas.openxmlformats.org/presentationml/2006/main">
   <p:tag name="FONT" val="Reg5x5"/>
   <p:tag name="FONTSETCLASSNAME" val="FontSet1"/>
@@ -24887,7 +25825,7 @@
 </p:tagLst>
 </file>
 
-<file path=ppt/tags/tag223.xml><?xml version="1.0" encoding="utf-8"?>
+<file path=ppt/tags/tag218.xml><?xml version="1.0" encoding="utf-8"?>
 <p:tagLst xmlns:a="http://schemas.openxmlformats.org/drawingml/2006/main" xmlns:r="http://schemas.openxmlformats.org/officeDocument/2006/relationships" xmlns:p="http://schemas.openxmlformats.org/presentationml/2006/main">
   <p:tag name="FONT" val="NavbarItem"/>
   <p:tag name="FONTSETCLASSNAME" val="FontSet1"/>
@@ -24903,7 +25841,7 @@
 </p:tagLst>
 </file>
 
-<file path=ppt/tags/tag224.xml><?xml version="1.0" encoding="utf-8"?>
+<file path=ppt/tags/tag219.xml><?xml version="1.0" encoding="utf-8"?>
 <p:tagLst xmlns:a="http://schemas.openxmlformats.org/drawingml/2006/main" xmlns:r="http://schemas.openxmlformats.org/officeDocument/2006/relationships" xmlns:p="http://schemas.openxmlformats.org/presentationml/2006/main">
   <p:tag name="FONT" val="Reg28"/>
   <p:tag name="FONTSETCLASSNAME" val="FontSet1"/>
@@ -24919,7 +25857,22 @@
 </p:tagLst>
 </file>
 
-<file path=ppt/tags/tag225.xml><?xml version="1.0" encoding="utf-8"?>
+<file path=ppt/tags/tag22.xml><?xml version="1.0" encoding="utf-8"?>
+<p:tagLst xmlns:a="http://schemas.openxmlformats.org/drawingml/2006/main" xmlns:r="http://schemas.openxmlformats.org/officeDocument/2006/relationships" xmlns:p="http://schemas.openxmlformats.org/presentationml/2006/main">
+  <p:tag name="COLORS" val="-2;-2;-2;-2;-2;-2"/>
+  <p:tag name="COLORSETCLASSNAME" val="ColorSet1"/>
+  <p:tag name="SHAPESETGROUPCLASSNAME" val="ShapeSetGroup1"/>
+  <p:tag name="SHAPESETCLASSNAME" val="Slide"/>
+  <p:tag name="COLORSETGROUPCLASSNAME" val="ColorSetGroup3"/>
+  <p:tag name="FONTSETGROUPCLASSNAME" val="FontSetGroup1"/>
+  <p:tag name="SHAPECLASSFILE" val="BoschLogo2016.emf"/>
+  <p:tag name="MLI" val="1"/>
+  <p:tag name="SHAPECLASSNAME" val="LogoOnSlides"/>
+  <p:tag name="SHAPECLASSPROTECTIONTYPE" val="15"/>
+</p:tagLst>
+</file>
+
+<file path=ppt/tags/tag220.xml><?xml version="1.0" encoding="utf-8"?>
 <p:tagLst xmlns:a="http://schemas.openxmlformats.org/drawingml/2006/main" xmlns:r="http://schemas.openxmlformats.org/officeDocument/2006/relationships" xmlns:p="http://schemas.openxmlformats.org/presentationml/2006/main">
   <p:tag name="FONTSETCLASSNAME" val="FontSet1"/>
   <p:tag name="COLORSETCLASSNAME" val="ColorSet1"/>
@@ -24935,7 +25888,7 @@
 </p:tagLst>
 </file>
 
-<file path=ppt/tags/tag226.xml><?xml version="1.0" encoding="utf-8"?>
+<file path=ppt/tags/tag221.xml><?xml version="1.0" encoding="utf-8"?>
 <p:tagLst xmlns:a="http://schemas.openxmlformats.org/drawingml/2006/main" xmlns:r="http://schemas.openxmlformats.org/officeDocument/2006/relationships" xmlns:p="http://schemas.openxmlformats.org/presentationml/2006/main">
   <p:tag name="FIELD.CHAPTER.CONTENT" val="Titel des Kapitels"/>
   <p:tag name="FIELD.CHAPTER.VALUE" val="Titel des Kapitels"/>
@@ -24971,7 +25924,7 @@
 </p:tagLst>
 </file>
 
-<file path=ppt/tags/tag227.xml><?xml version="1.0" encoding="utf-8"?>
+<file path=ppt/tags/tag222.xml><?xml version="1.0" encoding="utf-8"?>
 <p:tagLst xmlns:a="http://schemas.openxmlformats.org/drawingml/2006/main" xmlns:r="http://schemas.openxmlformats.org/officeDocument/2006/relationships" xmlns:p="http://schemas.openxmlformats.org/presentationml/2006/main">
   <p:tag name="COLORS" val="-2;-2;-2;-2;-2;-2"/>
   <p:tag name="COLORSETCLASSNAME" val="ColorSet1"/>
@@ -24986,7 +25939,7 @@
 </p:tagLst>
 </file>
 
-<file path=ppt/tags/tag228.xml><?xml version="1.0" encoding="utf-8"?>
+<file path=ppt/tags/tag223.xml><?xml version="1.0" encoding="utf-8"?>
 <p:tagLst xmlns:a="http://schemas.openxmlformats.org/drawingml/2006/main" xmlns:r="http://schemas.openxmlformats.org/officeDocument/2006/relationships" xmlns:p="http://schemas.openxmlformats.org/presentationml/2006/main">
   <p:tag name="COLORS" val="-2;-2;-2;-2;-2;-2"/>
   <p:tag name="COLORSETCLASSNAME" val="ColorSet1"/>
@@ -25001,7 +25954,7 @@
 </p:tagLst>
 </file>
 
-<file path=ppt/tags/tag229.xml><?xml version="1.0" encoding="utf-8"?>
+<file path=ppt/tags/tag224.xml><?xml version="1.0" encoding="utf-8"?>
 <p:tagLst xmlns:a="http://schemas.openxmlformats.org/drawingml/2006/main" xmlns:r="http://schemas.openxmlformats.org/officeDocument/2006/relationships" xmlns:p="http://schemas.openxmlformats.org/presentationml/2006/main">
   <p:tag name="FONT" val="Reg28"/>
   <p:tag name="FONTSETCLASSNAME" val="FontSet1"/>
@@ -25019,22 +25972,7 @@
 </p:tagLst>
 </file>
 
-<file path=ppt/tags/tag23.xml><?xml version="1.0" encoding="utf-8"?>
-<p:tagLst xmlns:a="http://schemas.openxmlformats.org/drawingml/2006/main" xmlns:r="http://schemas.openxmlformats.org/officeDocument/2006/relationships" xmlns:p="http://schemas.openxmlformats.org/presentationml/2006/main">
-  <p:tag name="COLORS" val="-2;-2;-2;-2;-2;-2"/>
-  <p:tag name="COLORSETCLASSNAME" val="ColorSet1"/>
-  <p:tag name="SHAPESETGROUPCLASSNAME" val="ShapeSetGroup1"/>
-  <p:tag name="SHAPESETCLASSNAME" val="Slide"/>
-  <p:tag name="COLORSETGROUPCLASSNAME" val="ColorSetGroup3"/>
-  <p:tag name="FONTSETGROUPCLASSNAME" val="FontSetGroup1"/>
-  <p:tag name="SHAPECLASSFILE" val="Bosch-Supergraphic-Bottom-16-9.png"/>
-  <p:tag name="MLI" val="1"/>
-  <p:tag name="SHAPECLASSNAME" val="ColorBarOnSlides"/>
-  <p:tag name="SHAPECLASSPROTECTIONTYPE" val="15"/>
-</p:tagLst>
-</file>
-
-<file path=ppt/tags/tag230.xml><?xml version="1.0" encoding="utf-8"?>
+<file path=ppt/tags/tag225.xml><?xml version="1.0" encoding="utf-8"?>
 <p:tagLst xmlns:a="http://schemas.openxmlformats.org/drawingml/2006/main" xmlns:r="http://schemas.openxmlformats.org/officeDocument/2006/relationships" xmlns:p="http://schemas.openxmlformats.org/presentationml/2006/main">
   <p:tag name="FONT" val="Bold6"/>
   <p:tag name="FONT2" val="Reg6"/>
@@ -25059,7 +25997,7 @@
 </p:tagLst>
 </file>
 
-<file path=ppt/tags/tag231.xml><?xml version="1.0" encoding="utf-8"?>
+<file path=ppt/tags/tag226.xml><?xml version="1.0" encoding="utf-8"?>
 <p:tagLst xmlns:a="http://schemas.openxmlformats.org/drawingml/2006/main" xmlns:r="http://schemas.openxmlformats.org/officeDocument/2006/relationships" xmlns:p="http://schemas.openxmlformats.org/presentationml/2006/main">
   <p:tag name="FONT" val="Reg6"/>
   <p:tag name="FONTSETCLASSNAME" val="FontSet1"/>
@@ -25081,7 +26019,7 @@
 </p:tagLst>
 </file>
 
-<file path=ppt/tags/tag232.xml><?xml version="1.0" encoding="utf-8"?>
+<file path=ppt/tags/tag227.xml><?xml version="1.0" encoding="utf-8"?>
 <p:tagLst xmlns:a="http://schemas.openxmlformats.org/drawingml/2006/main" xmlns:r="http://schemas.openxmlformats.org/officeDocument/2006/relationships" xmlns:p="http://schemas.openxmlformats.org/presentationml/2006/main">
   <p:tag name="FONT" val="Reg12"/>
   <p:tag name="FONTSETCLASSNAME" val="FontSet1"/>
@@ -25098,7 +26036,7 @@
 </p:tagLst>
 </file>
 
-<file path=ppt/tags/tag233.xml><?xml version="1.0" encoding="utf-8"?>
+<file path=ppt/tags/tag228.xml><?xml version="1.0" encoding="utf-8"?>
 <p:tagLst xmlns:a="http://schemas.openxmlformats.org/drawingml/2006/main" xmlns:r="http://schemas.openxmlformats.org/officeDocument/2006/relationships" xmlns:p="http://schemas.openxmlformats.org/presentationml/2006/main">
   <p:tag name="FONT" val="Reg5x5"/>
   <p:tag name="FONTSETCLASSNAME" val="FontSet1"/>
@@ -25116,7 +26054,7 @@
 </p:tagLst>
 </file>
 
-<file path=ppt/tags/tag234.xml><?xml version="1.0" encoding="utf-8"?>
+<file path=ppt/tags/tag229.xml><?xml version="1.0" encoding="utf-8"?>
 <p:tagLst xmlns:a="http://schemas.openxmlformats.org/drawingml/2006/main" xmlns:r="http://schemas.openxmlformats.org/officeDocument/2006/relationships" xmlns:p="http://schemas.openxmlformats.org/presentationml/2006/main">
   <p:tag name="FONT" val="NavbarItem"/>
   <p:tag name="FONTSETCLASSNAME" val="FontSet1"/>
@@ -25132,7 +26070,22 @@
 </p:tagLst>
 </file>
 
-<file path=ppt/tags/tag235.xml><?xml version="1.0" encoding="utf-8"?>
+<file path=ppt/tags/tag23.xml><?xml version="1.0" encoding="utf-8"?>
+<p:tagLst xmlns:a="http://schemas.openxmlformats.org/drawingml/2006/main" xmlns:r="http://schemas.openxmlformats.org/officeDocument/2006/relationships" xmlns:p="http://schemas.openxmlformats.org/presentationml/2006/main">
+  <p:tag name="COLORS" val="-2;-2;-2;-2;-2;-2"/>
+  <p:tag name="COLORSETCLASSNAME" val="ColorSet1"/>
+  <p:tag name="SHAPESETGROUPCLASSNAME" val="ShapeSetGroup1"/>
+  <p:tag name="SHAPESETCLASSNAME" val="Slide"/>
+  <p:tag name="COLORSETGROUPCLASSNAME" val="ColorSetGroup3"/>
+  <p:tag name="FONTSETGROUPCLASSNAME" val="FontSetGroup1"/>
+  <p:tag name="SHAPECLASSFILE" val="Bosch-Supergraphic-Bottom-16-9.png"/>
+  <p:tag name="MLI" val="1"/>
+  <p:tag name="SHAPECLASSNAME" val="ColorBarOnSlides"/>
+  <p:tag name="SHAPECLASSPROTECTIONTYPE" val="15"/>
+</p:tagLst>
+</file>
+
+<file path=ppt/tags/tag230.xml><?xml version="1.0" encoding="utf-8"?>
 <p:tagLst xmlns:a="http://schemas.openxmlformats.org/drawingml/2006/main" xmlns:r="http://schemas.openxmlformats.org/officeDocument/2006/relationships" xmlns:p="http://schemas.openxmlformats.org/presentationml/2006/main">
   <p:tag name="FONTSETCLASSNAME" val="FontSet1"/>
   <p:tag name="MLI" val="1"/>
@@ -25151,7 +26104,7 @@
 </p:tagLst>
 </file>
 
-<file path=ppt/tags/tag236.xml><?xml version="1.0" encoding="utf-8"?>
+<file path=ppt/tags/tag231.xml><?xml version="1.0" encoding="utf-8"?>
 <p:tagLst xmlns:a="http://schemas.openxmlformats.org/drawingml/2006/main" xmlns:r="http://schemas.openxmlformats.org/officeDocument/2006/relationships" xmlns:p="http://schemas.openxmlformats.org/presentationml/2006/main">
   <p:tag name="FONTSETCLASSNAME" val="FontSet1"/>
   <p:tag name="COLORSETCLASSNAME" val="ColorSet1"/>
@@ -25167,7 +26120,426 @@
 </p:tagLst>
 </file>
 
+<file path=ppt/tags/tag232.xml><?xml version="1.0" encoding="utf-8"?>
+<p:tagLst xmlns:a="http://schemas.openxmlformats.org/drawingml/2006/main" xmlns:r="http://schemas.openxmlformats.org/officeDocument/2006/relationships" xmlns:p="http://schemas.openxmlformats.org/presentationml/2006/main">
+  <p:tag name="FIELD.CHAPTER.CONTENT" val="Titel des Kapitels"/>
+  <p:tag name="FIELD.CHAPTER.VALUE" val="Titel des Kapitels"/>
+  <p:tag name="FIELD.DPT.CONTENT" val="HOME/EPS"/>
+  <p:tag name="FIELD.DPT.VALUE" val="HOME/EPS | "/>
+  <p:tag name="FIELDS.INITIALIZED" val="1"/>
+  <p:tag name="ML_1" val="rb_lol"/>
+  <p:tag name="ML_2" val="Bosch2.mcr"/>
+  <p:tag name="ML_LAYOUT_RESOURCE" val="BOSCH2_16_9.mcr"/>
+  <p:tag name="SHAPESETGROUPCLASSNAME" val="ShapeSetGroup1"/>
+  <p:tag name="SHAPESETCLASSNAME" val="StaticAgenda"/>
+  <p:tag name="COLORSETGROUPCLASSNAME" val="ColorSetGroup1"/>
+  <p:tag name="COLORSETCLASSNAME" val="ColorSet2"/>
+  <p:tag name="FONTSETGROUPCLASSNAME" val="FontSetGroup1"/>
+  <p:tag name="STYLESETGROUPCLASSNAME" val="StyleSetGroup1"/>
+  <p:tag name="MAPNAME" val="Map1"/>
+  <p:tag name="CFG.LAYOUT" val="BOSCH2"/>
+  <p:tag name="MLI" val="1"/>
+  <p:tag name="TEXTBOX 3_SHAPECLASSPROTECTIONTYPE" val="31"/>
+  <p:tag name="RECTANGLE 4_SHAPECLASSPROTECTIONTYPE" val="3"/>
+  <p:tag name="RECTANGLE 5_SHAPECLASSPROTECTIONTYPE" val="63"/>
+  <p:tag name="RECTANGLE 6_SHAPECLASSPROTECTIONTYPE" val="63"/>
+  <p:tag name="RECTANGLE 7_SHAPECLASSPROTECTIONTYPE" val="63"/>
+  <p:tag name="TEXT PLACEHOLDER 2_SHAPECLASSPROTECTIONTYPE" val="0"/>
+  <p:tag name="TITLE 1_SHAPECLASSPROTECTIONTYPE" val="9"/>
+</p:tagLst>
+</file>
+
+<file path=ppt/tags/tag233.xml><?xml version="1.0" encoding="utf-8"?>
+<p:tagLst xmlns:a="http://schemas.openxmlformats.org/drawingml/2006/main" xmlns:r="http://schemas.openxmlformats.org/officeDocument/2006/relationships" xmlns:p="http://schemas.openxmlformats.org/presentationml/2006/main">
+  <p:tag name="FONT" val="Bold6"/>
+  <p:tag name="FONT2" val="Reg6"/>
+  <p:tag name="FONT3" val="Reg6"/>
+  <p:tag name="FONTSETCLASSNAME" val="FontSet1"/>
+  <p:tag name="FONTCOLOR" val="Red"/>
+  <p:tag name="FONTCOLOR2" val="Black"/>
+  <p:tag name="FONTCOLOR3" val="Black"/>
+  <p:tag name="FONTCOLOR4" val="Black"/>
+  <p:tag name="RUNS.FONT" val="4"/>
+  <p:tag name="COLORS" val="-2;-2;-2;-2;Red;-2"/>
+  <p:tag name="COLORSETCLASSNAME" val="ColorSet1"/>
+  <p:tag name="SCRIPT" val="1"/>
+  <p:tag name="FIELDS" val="CONF;DPT;DATE;"/>
+  <p:tag name="MLI" val="1"/>
+  <p:tag name="SHAPESETGROUPCLASSNAME" val="ShapeSetGroup1"/>
+  <p:tag name="SHAPESETCLASSNAME" val="StaticAgenda"/>
+  <p:tag name="COLORSETGROUPCLASSNAME" val="ColorSetGroup1"/>
+  <p:tag name="FONTSETGROUPCLASSNAME" val="FontSetGroup1"/>
+  <p:tag name="SHAPECLASSNAME" val="FooterLine1OnSlides"/>
+  <p:tag name="SHAPECLASSPROTECTIONTYPE" val="63"/>
+</p:tagLst>
+</file>
+
+<file path=ppt/tags/tag234.xml><?xml version="1.0" encoding="utf-8"?>
+<p:tagLst xmlns:a="http://schemas.openxmlformats.org/drawingml/2006/main" xmlns:r="http://schemas.openxmlformats.org/officeDocument/2006/relationships" xmlns:p="http://schemas.openxmlformats.org/presentationml/2006/main">
+  <p:tag name="FONT" val="Reg6"/>
+  <p:tag name="FONTSETCLASSNAME" val="FontSet1"/>
+  <p:tag name="FONTCOLOR" val="Black"/>
+  <p:tag name="FONTCOLOR2" val="LightGray"/>
+  <p:tag name="FONTCOLOR3" val="LightGray"/>
+  <p:tag name="RUNS.FONT" val="3"/>
+  <p:tag name="COLORS" val="-2;-2;-2;-2;Black;-2"/>
+  <p:tag name="COLORSETCLASSNAME" val="ColorSet1"/>
+  <p:tag name="SCRIPT" val="1"/>
+  <p:tag name="FIELDS" val="REM_ABL;COPY;"/>
+  <p:tag name="MLI" val="1"/>
+  <p:tag name="SHAPESETGROUPCLASSNAME" val="ShapeSetGroup1"/>
+  <p:tag name="SHAPESETCLASSNAME" val="StaticAgenda"/>
+  <p:tag name="COLORSETGROUPCLASSNAME" val="ColorSetGroup1"/>
+  <p:tag name="FONTSETGROUPCLASSNAME" val="FontSetGroup1"/>
+  <p:tag name="SHAPECLASSNAME" val="FooterLine2OnSlides"/>
+  <p:tag name="SHAPECLASSPROTECTIONTYPE" val="63"/>
+</p:tagLst>
+</file>
+
+<file path=ppt/tags/tag235.xml><?xml version="1.0" encoding="utf-8"?>
+<p:tagLst xmlns:a="http://schemas.openxmlformats.org/drawingml/2006/main" xmlns:r="http://schemas.openxmlformats.org/officeDocument/2006/relationships" xmlns:p="http://schemas.openxmlformats.org/presentationml/2006/main">
+  <p:tag name="FONT" val="Reg12"/>
+  <p:tag name="FONTSETCLASSNAME" val="FontSet1"/>
+  <p:tag name="COLORS" val="-2;-2;-2;-2;DarkGray2;-2"/>
+  <p:tag name="COLORSETCLASSNAME" val="ColorSet1"/>
+  <p:tag name="SCRIPT" val="1"/>
+  <p:tag name="MLI" val="1"/>
+  <p:tag name="SHAPESETGROUPCLASSNAME" val="ShapeSetGroup1"/>
+  <p:tag name="SHAPESETCLASSNAME" val="StaticAgenda"/>
+  <p:tag name="COLORSETGROUPCLASSNAME" val="ColorSetGroup1"/>
+  <p:tag name="FONTSETGROUPCLASSNAME" val="FontSetGroup1"/>
+  <p:tag name="SHAPECLASSNAME" val="PageNumberOnSlides"/>
+  <p:tag name="SHAPECLASSPROTECTIONTYPE" val="63"/>
+</p:tagLst>
+</file>
+
+<file path=ppt/tags/tag236.xml><?xml version="1.0" encoding="utf-8"?>
+<p:tagLst xmlns:a="http://schemas.openxmlformats.org/drawingml/2006/main" xmlns:r="http://schemas.openxmlformats.org/officeDocument/2006/relationships" xmlns:p="http://schemas.openxmlformats.org/presentationml/2006/main">
+  <p:tag name="FONT" val="Reg5x5"/>
+  <p:tag name="FONTSETCLASSNAME" val="FontSet1"/>
+  <p:tag name="COLORS" val="-2;-2;-2;-2;-2;-2"/>
+  <p:tag name="COLORSETCLASSNAME" val="ColorSet1"/>
+  <p:tag name="SCRIPT" val="1"/>
+  <p:tag name="FIELDS" val="REM_ANL;"/>
+  <p:tag name="MLI" val="1"/>
+  <p:tag name="SHAPESETGROUPCLASSNAME" val="ShapeSetGroup1"/>
+  <p:tag name="SHAPESETCLASSNAME" val="StaticAgenda"/>
+  <p:tag name="COLORSETGROUPCLASSNAME" val="ColorSetGroup1"/>
+  <p:tag name="FONTSETGROUPCLASSNAME" val="FontSetGroup1"/>
+  <p:tag name="SHAPECLASSNAME" val="Attachment"/>
+  <p:tag name="SHAPECLASSPROTECTIONTYPE" val="3"/>
+</p:tagLst>
+</file>
+
 <file path=ppt/tags/tag237.xml><?xml version="1.0" encoding="utf-8"?>
+<p:tagLst xmlns:a="http://schemas.openxmlformats.org/drawingml/2006/main" xmlns:r="http://schemas.openxmlformats.org/officeDocument/2006/relationships" xmlns:p="http://schemas.openxmlformats.org/presentationml/2006/main">
+  <p:tag name="FONT" val="NavbarItem"/>
+  <p:tag name="FONTSETCLASSNAME" val="FontSet1"/>
+  <p:tag name="COLORS" val="-2;-2;-2;-2;-2;-2"/>
+  <p:tag name="COLORSETCLASSNAME" val="ColorSet1"/>
+  <p:tag name="MLI" val="1"/>
+  <p:tag name="SHAPESETGROUPCLASSNAME" val="ShapeSetGroup1"/>
+  <p:tag name="SHAPESETCLASSNAME" val="StaticAgenda"/>
+  <p:tag name="COLORSETGROUPCLASSNAME" val="ColorSetGroup1"/>
+  <p:tag name="FONTSETGROUPCLASSNAME" val="FontSetGroup1"/>
+  <p:tag name="SHAPECLASSNAME" val="tNavbar"/>
+  <p:tag name="SHAPECLASSPROTECTIONTYPE" val="31"/>
+</p:tagLst>
+</file>
+
+<file path=ppt/tags/tag238.xml><?xml version="1.0" encoding="utf-8"?>
+<p:tagLst xmlns:a="http://schemas.openxmlformats.org/drawingml/2006/main" xmlns:r="http://schemas.openxmlformats.org/officeDocument/2006/relationships" xmlns:p="http://schemas.openxmlformats.org/presentationml/2006/main">
+  <p:tag name="FONT" val="Reg28"/>
+  <p:tag name="FONTSETCLASSNAME" val="FontSet1"/>
+  <p:tag name="COLORSETCLASSNAME" val="ColorSet1"/>
+  <p:tag name="MLI" val="1"/>
+  <p:tag name="SHAPESETGROUPCLASSNAME" val="ShapeSetGroup1"/>
+  <p:tag name="SHAPESETCLASSNAME" val="StaticAgenda"/>
+  <p:tag name="COLORSETGROUPCLASSNAME" val="ColorSetGroup1"/>
+  <p:tag name="FONTSETGROUPCLASSNAME" val="FontSetGroup1"/>
+  <p:tag name="SHAPECLASSNAME" val="TitleOnAgenda"/>
+  <p:tag name="SHAPECLASSPROTECTIONTYPE" val="9"/>
+  <p:tag name="COLORS" val="-2;-2;-2;-2;-1;-2"/>
+</p:tagLst>
+</file>
+
+<file path=ppt/tags/tag239.xml><?xml version="1.0" encoding="utf-8"?>
+<p:tagLst xmlns:a="http://schemas.openxmlformats.org/drawingml/2006/main" xmlns:r="http://schemas.openxmlformats.org/officeDocument/2006/relationships" xmlns:p="http://schemas.openxmlformats.org/presentationml/2006/main">
+  <p:tag name="FONTSETCLASSNAME" val="FontSet1"/>
+  <p:tag name="COLORSETCLASSNAME" val="ColorSet1"/>
+  <p:tag name="STYLENAME" val="Bodystyle"/>
+  <p:tag name="MLI" val="1"/>
+  <p:tag name="SHAPESETGROUPCLASSNAME" val="ShapeSetGroup1"/>
+  <p:tag name="SHAPESETCLASSNAME" val="StaticAgenda"/>
+  <p:tag name="COLORSETGROUPCLASSNAME" val="ColorSetGroup1"/>
+  <p:tag name="FONTSETGROUPCLASSNAME" val="FontSetGroup1"/>
+  <p:tag name="SHAPECLASSNAME" val="BodyOnAgenda"/>
+  <p:tag name="SHAPECLASSPROTECTIONTYPE" val="0"/>
+  <p:tag name="COLORS" val="-2;-2;-2;-2;-3;-2"/>
+</p:tagLst>
+</file>
+
+<file path=ppt/tags/tag24.xml><?xml version="1.0" encoding="utf-8"?>
+<p:tagLst xmlns:a="http://schemas.openxmlformats.org/drawingml/2006/main" xmlns:r="http://schemas.openxmlformats.org/officeDocument/2006/relationships" xmlns:p="http://schemas.openxmlformats.org/presentationml/2006/main">
+  <p:tag name="FONT" val="Reg28"/>
+  <p:tag name="FONTSETCLASSNAME" val="FontSet1"/>
+  <p:tag name="COLORSETCLASSNAME" val="ColorSet1"/>
+  <p:tag name="SCRIPT" val="1"/>
+  <p:tag name="FIELDS" val="CHAPTER;"/>
+  <p:tag name="MLI" val="1"/>
+  <p:tag name="SHAPESETGROUPCLASSNAME" val="ShapeSetGroup1"/>
+  <p:tag name="SHAPESETCLASSNAME" val="Object"/>
+  <p:tag name="COLORSETGROUPCLASSNAME" val="ColorSetGroup3"/>
+  <p:tag name="FONTSETGROUPCLASSNAME" val="FontSetGroup1"/>
+  <p:tag name="SHAPECLASSNAME" val="Chapterbox"/>
+  <p:tag name="SHAPECLASSPROTECTIONTYPE" val=" 25"/>
+  <p:tag name="COLORS" val="-2;-2;-2;-2;-1;-2"/>
+</p:tagLst>
+</file>
+
+<file path=ppt/tags/tag240.xml><?xml version="1.0" encoding="utf-8"?>
+<p:tagLst xmlns:a="http://schemas.openxmlformats.org/drawingml/2006/main" xmlns:r="http://schemas.openxmlformats.org/officeDocument/2006/relationships" xmlns:p="http://schemas.openxmlformats.org/presentationml/2006/main">
+  <p:tag name="FIELD.CHAPTER.CONTENT" val="Titel des Kapitels"/>
+  <p:tag name="FIELD.CHAPTER.VALUE" val="Titel des Kapitels"/>
+  <p:tag name="FIELD.DPT.CONTENT" val="HOME/EPS"/>
+  <p:tag name="FIELD.DPT.VALUE" val="HOME/EPS | "/>
+  <p:tag name="FIELDS.INITIALIZED" val="1"/>
+  <p:tag name="ML_1" val="rb_lol"/>
+  <p:tag name="ML_2" val="Bosch2.mcr"/>
+  <p:tag name="ML_LAYOUT_RESOURCE" val="BOSCH2_16_9.mcr"/>
+  <p:tag name="SHAPESETGROUPCLASSNAME" val="ShapeSetGroup1"/>
+  <p:tag name="COLORSETGROUPCLASSNAME" val="ColorSetGroup3"/>
+  <p:tag name="COLORSETCLASSNAME" val="ColorSet2"/>
+  <p:tag name="FONTSETGROUPCLASSNAME" val="FontSetGroup1"/>
+  <p:tag name="STYLESETGROUPCLASSNAME" val="StyleSetGroup1"/>
+  <p:tag name="MAPNAME" val="Map1"/>
+  <p:tag name="CFG.LAYOUT" val="BOSCH2"/>
+  <p:tag name="MLI" val="1"/>
+  <p:tag name="PICTURE 3_SHAPECLASSPROTECTIONTYPE" val="15"/>
+  <p:tag name="PICTURE 4_SHAPECLASSPROTECTIONTYPE" val="15"/>
+  <p:tag name="SHAPESETCLASSNAME" val="Object"/>
+  <p:tag name="TEXTBOX 15_SHAPECLASSPROTECTIONTYPE" val="31"/>
+  <p:tag name="RECTANGLE 16_SHAPECLASSPROTECTIONTYPE" val="3"/>
+  <p:tag name="RECTANGLE 17_SHAPECLASSPROTECTIONTYPE" val="63"/>
+  <p:tag name="RECTANGLE 18_SHAPECLASSPROTECTIONTYPE" val="63"/>
+  <p:tag name="RECTANGLE 19_SHAPECLASSPROTECTIONTYPE" val="63"/>
+  <p:tag name="CONTENT PLACEHOLDER 14_SHAPECLASSPROTECTIONTYPE" val="0"/>
+  <p:tag name="TEXTBOX 20_SHAPECLASSPROTECTIONTYPE" val="25"/>
+  <p:tag name="TITLE 2_SHAPECLASSPROTECTIONTYPE" val="9"/>
+  <p:tag name="CONTENT PLACEHOLDER 23_SHAPECLASSPROTECTIONTYPE" val="0"/>
+  <p:tag name="PICTURE 22_SHAPECLASSPROTECTIONTYPE" val="15"/>
+  <p:tag name="CONTENT PLACEHOLDER 26_SHAPECLASSPROTECTIONTYPE" val="0"/>
+  <p:tag name="PICTURE 25_SHAPECLASSPROTECTIONTYPE" val="15"/>
+</p:tagLst>
+</file>
+
+<file path=ppt/tags/tag241.xml><?xml version="1.0" encoding="utf-8"?>
+<p:tagLst xmlns:a="http://schemas.openxmlformats.org/drawingml/2006/main" xmlns:r="http://schemas.openxmlformats.org/officeDocument/2006/relationships" xmlns:p="http://schemas.openxmlformats.org/presentationml/2006/main">
+  <p:tag name="COLORS" val="-2;-2;-2;-2;-2;-2"/>
+  <p:tag name="COLORSETCLASSNAME" val="ColorSet1"/>
+  <p:tag name="SHAPESETGROUPCLASSNAME" val="ShapeSetGroup1"/>
+  <p:tag name="SHAPESETCLASSNAME" val="Slide"/>
+  <p:tag name="COLORSETGROUPCLASSNAME" val="ColorSetGroup3"/>
+  <p:tag name="FONTSETGROUPCLASSNAME" val="FontSetGroup1"/>
+  <p:tag name="SHAPECLASSFILE" val="BoschLogo2016.emf"/>
+  <p:tag name="MLI" val="1"/>
+  <p:tag name="SHAPECLASSNAME" val="LogoOnSlides"/>
+  <p:tag name="SHAPECLASSPROTECTIONTYPE" val="15"/>
+</p:tagLst>
+</file>
+
+<file path=ppt/tags/tag242.xml><?xml version="1.0" encoding="utf-8"?>
+<p:tagLst xmlns:a="http://schemas.openxmlformats.org/drawingml/2006/main" xmlns:r="http://schemas.openxmlformats.org/officeDocument/2006/relationships" xmlns:p="http://schemas.openxmlformats.org/presentationml/2006/main">
+  <p:tag name="COLORS" val="-2;-2;-2;-2;-2;-2"/>
+  <p:tag name="COLORSETCLASSNAME" val="ColorSet1"/>
+  <p:tag name="SHAPESETGROUPCLASSNAME" val="ShapeSetGroup1"/>
+  <p:tag name="SHAPESETCLASSNAME" val="Slide"/>
+  <p:tag name="COLORSETGROUPCLASSNAME" val="ColorSetGroup3"/>
+  <p:tag name="FONTSETGROUPCLASSNAME" val="FontSetGroup1"/>
+  <p:tag name="SHAPECLASSFILE" val="Bosch-Supergraphic-Bottom-16-9.png"/>
+  <p:tag name="MLI" val="1"/>
+  <p:tag name="SHAPECLASSNAME" val="ColorBarOnSlides"/>
+  <p:tag name="SHAPECLASSPROTECTIONTYPE" val="15"/>
+</p:tagLst>
+</file>
+
+<file path=ppt/tags/tag243.xml><?xml version="1.0" encoding="utf-8"?>
+<p:tagLst xmlns:a="http://schemas.openxmlformats.org/drawingml/2006/main" xmlns:r="http://schemas.openxmlformats.org/officeDocument/2006/relationships" xmlns:p="http://schemas.openxmlformats.org/presentationml/2006/main">
+  <p:tag name="FONT" val="Reg28"/>
+  <p:tag name="FONTSETCLASSNAME" val="FontSet1"/>
+  <p:tag name="COLORSETCLASSNAME" val="ColorSet1"/>
+  <p:tag name="SCRIPT" val="1"/>
+  <p:tag name="FIELDS" val="CHAPTER;"/>
+  <p:tag name="MLI" val="1"/>
+  <p:tag name="SHAPESETGROUPCLASSNAME" val="ShapeSetGroup1"/>
+  <p:tag name="SHAPESETCLASSNAME" val="Object"/>
+  <p:tag name="COLORSETGROUPCLASSNAME" val="ColorSetGroup3"/>
+  <p:tag name="FONTSETGROUPCLASSNAME" val="FontSetGroup1"/>
+  <p:tag name="SHAPECLASSNAME" val="Chapterbox"/>
+  <p:tag name="SHAPECLASSPROTECTIONTYPE" val=" 25"/>
+  <p:tag name="COLORS" val="-2;-2;-2;-2;-1;-2"/>
+</p:tagLst>
+</file>
+
+<file path=ppt/tags/tag244.xml><?xml version="1.0" encoding="utf-8"?>
+<p:tagLst xmlns:a="http://schemas.openxmlformats.org/drawingml/2006/main" xmlns:r="http://schemas.openxmlformats.org/officeDocument/2006/relationships" xmlns:p="http://schemas.openxmlformats.org/presentationml/2006/main">
+  <p:tag name="FONT" val="Bold6"/>
+  <p:tag name="FONT2" val="Reg6"/>
+  <p:tag name="FONT3" val="Reg6"/>
+  <p:tag name="FONTSETCLASSNAME" val="FontSet1"/>
+  <p:tag name="FONTCOLOR" val="Red"/>
+  <p:tag name="FONTCOLOR2" val="Black"/>
+  <p:tag name="FONTCOLOR3" val="Black"/>
+  <p:tag name="FONTCOLOR4" val="Black"/>
+  <p:tag name="RUNS.FONT" val="4"/>
+  <p:tag name="COLORS" val="-2;-2;-2;-2;Red;-2"/>
+  <p:tag name="COLORSETCLASSNAME" val="ColorSet1"/>
+  <p:tag name="SCRIPT" val="1"/>
+  <p:tag name="FIELDS" val="CONF;DPT;DATE;"/>
+  <p:tag name="MLI" val="1"/>
+  <p:tag name="SHAPESETGROUPCLASSNAME" val="ShapeSetGroup1"/>
+  <p:tag name="SHAPESETCLASSNAME" val="Object"/>
+  <p:tag name="COLORSETGROUPCLASSNAME" val="ColorSetGroup3"/>
+  <p:tag name="FONTSETGROUPCLASSNAME" val="FontSetGroup1"/>
+  <p:tag name="SHAPECLASSNAME" val="FooterLine1OnSlides"/>
+  <p:tag name="SHAPECLASSPROTECTIONTYPE" val=" 63"/>
+</p:tagLst>
+</file>
+
+<file path=ppt/tags/tag245.xml><?xml version="1.0" encoding="utf-8"?>
+<p:tagLst xmlns:a="http://schemas.openxmlformats.org/drawingml/2006/main" xmlns:r="http://schemas.openxmlformats.org/officeDocument/2006/relationships" xmlns:p="http://schemas.openxmlformats.org/presentationml/2006/main">
+  <p:tag name="FONT" val="Reg6"/>
+  <p:tag name="FONTSETCLASSNAME" val="FontSet1"/>
+  <p:tag name="FONTCOLOR" val="Black"/>
+  <p:tag name="FONTCOLOR2" val="LightGray"/>
+  <p:tag name="FONTCOLOR3" val="LightGray"/>
+  <p:tag name="RUNS.FONT" val="3"/>
+  <p:tag name="COLORS" val="-2;-2;-2;-2;Black;-2"/>
+  <p:tag name="COLORSETCLASSNAME" val="ColorSet1"/>
+  <p:tag name="SCRIPT" val="1"/>
+  <p:tag name="FIELDS" val="REM_ABL;COPY;"/>
+  <p:tag name="MLI" val="1"/>
+  <p:tag name="SHAPESETGROUPCLASSNAME" val="ShapeSetGroup1"/>
+  <p:tag name="SHAPESETCLASSNAME" val="Object"/>
+  <p:tag name="COLORSETGROUPCLASSNAME" val="ColorSetGroup3"/>
+  <p:tag name="FONTSETGROUPCLASSNAME" val="FontSetGroup1"/>
+  <p:tag name="SHAPECLASSNAME" val="FooterLine2OnSlides"/>
+  <p:tag name="SHAPECLASSPROTECTIONTYPE" val=" 63"/>
+</p:tagLst>
+</file>
+
+<file path=ppt/tags/tag246.xml><?xml version="1.0" encoding="utf-8"?>
+<p:tagLst xmlns:a="http://schemas.openxmlformats.org/drawingml/2006/main" xmlns:r="http://schemas.openxmlformats.org/officeDocument/2006/relationships" xmlns:p="http://schemas.openxmlformats.org/presentationml/2006/main">
+  <p:tag name="FONT" val="Reg12"/>
+  <p:tag name="FONTSETCLASSNAME" val="FontSet1"/>
+  <p:tag name="COLORS" val="-2;-2;-2;-2;DarkGray2;-2"/>
+  <p:tag name="COLORSETCLASSNAME" val="ColorSet1"/>
+  <p:tag name="SCRIPT" val="1"/>
+  <p:tag name="MLI" val="1"/>
+  <p:tag name="SHAPESETGROUPCLASSNAME" val="ShapeSetGroup1"/>
+  <p:tag name="SHAPESETCLASSNAME" val="Object"/>
+  <p:tag name="COLORSETGROUPCLASSNAME" val="ColorSetGroup3"/>
+  <p:tag name="FONTSETGROUPCLASSNAME" val="FontSetGroup1"/>
+  <p:tag name="SHAPECLASSNAME" val="PageNumberOnSlides"/>
+  <p:tag name="SHAPECLASSPROTECTIONTYPE" val=" 63"/>
+</p:tagLst>
+</file>
+
+<file path=ppt/tags/tag247.xml><?xml version="1.0" encoding="utf-8"?>
+<p:tagLst xmlns:a="http://schemas.openxmlformats.org/drawingml/2006/main" xmlns:r="http://schemas.openxmlformats.org/officeDocument/2006/relationships" xmlns:p="http://schemas.openxmlformats.org/presentationml/2006/main">
+  <p:tag name="FONT" val="Reg5x5"/>
+  <p:tag name="FONTSETCLASSNAME" val="FontSet1"/>
+  <p:tag name="COLORS" val="-2;-2;-2;-2;-2;-2"/>
+  <p:tag name="COLORSETCLASSNAME" val="ColorSet1"/>
+  <p:tag name="SCRIPT" val="1"/>
+  <p:tag name="FIELDS" val="REM_ANL;"/>
+  <p:tag name="MLI" val="1"/>
+  <p:tag name="SHAPESETGROUPCLASSNAME" val="ShapeSetGroup1"/>
+  <p:tag name="SHAPESETCLASSNAME" val="Object"/>
+  <p:tag name="COLORSETGROUPCLASSNAME" val="ColorSetGroup3"/>
+  <p:tag name="FONTSETGROUPCLASSNAME" val="FontSetGroup1"/>
+  <p:tag name="SHAPECLASSNAME" val="Attachment"/>
+  <p:tag name="SHAPECLASSPROTECTIONTYPE" val=" 3"/>
+</p:tagLst>
+</file>
+
+<file path=ppt/tags/tag248.xml><?xml version="1.0" encoding="utf-8"?>
+<p:tagLst xmlns:a="http://schemas.openxmlformats.org/drawingml/2006/main" xmlns:r="http://schemas.openxmlformats.org/officeDocument/2006/relationships" xmlns:p="http://schemas.openxmlformats.org/presentationml/2006/main">
+  <p:tag name="FONT" val="NavbarItem"/>
+  <p:tag name="FONTSETCLASSNAME" val="FontSet1"/>
+  <p:tag name="COLORS" val="-2;-2;-2;-2;-2;-2"/>
+  <p:tag name="COLORSETCLASSNAME" val="ColorSet1"/>
+  <p:tag name="MLI" val="1"/>
+  <p:tag name="SHAPESETGROUPCLASSNAME" val="ShapeSetGroup1"/>
+  <p:tag name="SHAPESETCLASSNAME" val="Object"/>
+  <p:tag name="COLORSETGROUPCLASSNAME" val="ColorSetGroup3"/>
+  <p:tag name="FONTSETGROUPCLASSNAME" val="FontSetGroup1"/>
+  <p:tag name="SHAPECLASSNAME" val="tNavbar"/>
+  <p:tag name="SHAPECLASSPROTECTIONTYPE" val=" 31"/>
+</p:tagLst>
+</file>
+
+<file path=ppt/tags/tag249.xml><?xml version="1.0" encoding="utf-8"?>
+<p:tagLst xmlns:a="http://schemas.openxmlformats.org/drawingml/2006/main" xmlns:r="http://schemas.openxmlformats.org/officeDocument/2006/relationships" xmlns:p="http://schemas.openxmlformats.org/presentationml/2006/main">
+  <p:tag name="FONTSETCLASSNAME" val="FontSet1"/>
+  <p:tag name="MLI" val="1"/>
+  <p:tag name="SHAPESETGROUPCLASSNAME" val="ShapeSetGroup1"/>
+  <p:tag name="COLORSETGROUPCLASSNAME" val="ColorSetGroup3"/>
+  <p:tag name="FONTSETGROUPCLASSNAME" val="FontSetGroup1"/>
+  <p:tag name="FONT" val="Reg28"/>
+  <p:tag name="FONTCOLOR" val="Primary"/>
+  <p:tag name="FONTCOLOR2" val="Primary"/>
+  <p:tag name="COLORSETCLASSNAME" val="ColorSet2"/>
+  <p:tag name="SHAPESETCLASSNAME" val="Object"/>
+  <p:tag name="SHAPECLASSNAME" val="TitleOnSlides"/>
+  <p:tag name="SHAPECLASSPROTECTIONTYPE" val=" 9"/>
+  <p:tag name="RUNS.FONT" val="2"/>
+  <p:tag name="COLORS" val="-2;-2;-2;-2;LightGreen;-2"/>
+</p:tagLst>
+</file>
+
+<file path=ppt/tags/tag25.xml><?xml version="1.0" encoding="utf-8"?>
+<p:tagLst xmlns:a="http://schemas.openxmlformats.org/drawingml/2006/main" xmlns:r="http://schemas.openxmlformats.org/officeDocument/2006/relationships" xmlns:p="http://schemas.openxmlformats.org/presentationml/2006/main">
+  <p:tag name="FONT" val="Bold6"/>
+  <p:tag name="FONT2" val="Reg6"/>
+  <p:tag name="FONT3" val="Reg6"/>
+  <p:tag name="FONTSETCLASSNAME" val="FontSet1"/>
+  <p:tag name="FONTCOLOR" val="Red"/>
+  <p:tag name="FONTCOLOR2" val="Black"/>
+  <p:tag name="FONTCOLOR3" val="Black"/>
+  <p:tag name="FONTCOLOR4" val="Black"/>
+  <p:tag name="RUNS.FONT" val="4"/>
+  <p:tag name="COLORS" val="-2;-2;-2;-2;Red;-2"/>
+  <p:tag name="COLORSETCLASSNAME" val="ColorSet1"/>
+  <p:tag name="SCRIPT" val="1"/>
+  <p:tag name="FIELDS" val="CONF;DPT;DATE;"/>
+  <p:tag name="MLI" val="1"/>
+  <p:tag name="SHAPESETGROUPCLASSNAME" val="ShapeSetGroup1"/>
+  <p:tag name="SHAPESETCLASSNAME" val="Object"/>
+  <p:tag name="COLORSETGROUPCLASSNAME" val="ColorSetGroup3"/>
+  <p:tag name="FONTSETGROUPCLASSNAME" val="FontSetGroup1"/>
+  <p:tag name="SHAPECLASSNAME" val="FooterLine1OnSlides"/>
+  <p:tag name="SHAPECLASSPROTECTIONTYPE" val=" 63"/>
+</p:tagLst>
+</file>
+
+<file path=ppt/tags/tag250.xml><?xml version="1.0" encoding="utf-8"?>
+<p:tagLst xmlns:a="http://schemas.openxmlformats.org/drawingml/2006/main" xmlns:r="http://schemas.openxmlformats.org/officeDocument/2006/relationships" xmlns:p="http://schemas.openxmlformats.org/presentationml/2006/main">
+  <p:tag name="FONTSETCLASSNAME" val="FontSet1"/>
+  <p:tag name="COLORSETCLASSNAME" val="ColorSet1"/>
+  <p:tag name="STYLENAME" val="Bodystyle"/>
+  <p:tag name="MLI" val="1"/>
+  <p:tag name="SHAPESETGROUPCLASSNAME" val="ShapeSetGroup1"/>
+  <p:tag name="SHAPESETCLASSNAME" val="Object"/>
+  <p:tag name="COLORSETGROUPCLASSNAME" val="ColorSetGroup3"/>
+  <p:tag name="FONTSETGROUPCLASSNAME" val="FontSetGroup1"/>
+  <p:tag name="SHAPECLASSNAME" val="ObjectFull"/>
+  <p:tag name="SHAPECLASSPROTECTIONTYPE" val="0"/>
+  <p:tag name="COLORS" val="Black;-1;-2;-2;-1;-2"/>
+</p:tagLst>
+</file>
+
+<file path=ppt/tags/tag251.xml><?xml version="1.0" encoding="utf-8"?>
 <p:tagLst xmlns:a="http://schemas.openxmlformats.org/drawingml/2006/main" xmlns:r="http://schemas.openxmlformats.org/officeDocument/2006/relationships" xmlns:p="http://schemas.openxmlformats.org/presentationml/2006/main">
   <p:tag name="FIELD.CHAPTER.CONTENT" val="Titel des Kapitels"/>
   <p:tag name="FIELD.CHAPTER.VALUE" val="Titel des Kapitels"/>
@@ -25194,7 +26566,7 @@
 </p:tagLst>
 </file>
 
-<file path=ppt/tags/tag238.xml><?xml version="1.0" encoding="utf-8"?>
+<file path=ppt/tags/tag252.xml><?xml version="1.0" encoding="utf-8"?>
 <p:tagLst xmlns:a="http://schemas.openxmlformats.org/drawingml/2006/main" xmlns:r="http://schemas.openxmlformats.org/officeDocument/2006/relationships" xmlns:p="http://schemas.openxmlformats.org/presentationml/2006/main">
   <p:tag name="FONT" val="Disguised"/>
   <p:tag name="FONTSETCLASSNAME" val="FontSet1"/>
@@ -25211,7 +26583,7 @@
 </p:tagLst>
 </file>
 
-<file path=ppt/tags/tag239.xml><?xml version="1.0" encoding="utf-8"?>
+<file path=ppt/tags/tag253.xml><?xml version="1.0" encoding="utf-8"?>
 <p:tagLst xmlns:a="http://schemas.openxmlformats.org/drawingml/2006/main" xmlns:r="http://schemas.openxmlformats.org/officeDocument/2006/relationships" xmlns:p="http://schemas.openxmlformats.org/presentationml/2006/main">
   <p:tag name="COLORS" val="-2;-2;-2;-2;-2;-2"/>
   <p:tag name="COLORSETCLASSNAME" val="ColorSet1"/>
@@ -25227,25 +26599,7 @@
 </p:tagLst>
 </file>
 
-<file path=ppt/tags/tag24.xml><?xml version="1.0" encoding="utf-8"?>
-<p:tagLst xmlns:a="http://schemas.openxmlformats.org/drawingml/2006/main" xmlns:r="http://schemas.openxmlformats.org/officeDocument/2006/relationships" xmlns:p="http://schemas.openxmlformats.org/presentationml/2006/main">
-  <p:tag name="FONT" val="Reg28"/>
-  <p:tag name="FONTSETCLASSNAME" val="FontSet1"/>
-  <p:tag name="COLORSETCLASSNAME" val="ColorSet1"/>
-  <p:tag name="SCRIPT" val="1"/>
-  <p:tag name="FIELDS" val="CHAPTER;"/>
-  <p:tag name="MLI" val="1"/>
-  <p:tag name="SHAPESETGROUPCLASSNAME" val="ShapeSetGroup1"/>
-  <p:tag name="SHAPESETCLASSNAME" val="Object"/>
-  <p:tag name="COLORSETGROUPCLASSNAME" val="ColorSetGroup3"/>
-  <p:tag name="FONTSETGROUPCLASSNAME" val="FontSetGroup1"/>
-  <p:tag name="SHAPECLASSNAME" val="Chapterbox"/>
-  <p:tag name="SHAPECLASSPROTECTIONTYPE" val=" 25"/>
-  <p:tag name="COLORS" val="-2;-2;-2;-2;-1;-2"/>
-</p:tagLst>
-</file>
-
-<file path=ppt/tags/tag240.xml><?xml version="1.0" encoding="utf-8"?>
+<file path=ppt/tags/tag254.xml><?xml version="1.0" encoding="utf-8"?>
 <p:tagLst xmlns:a="http://schemas.openxmlformats.org/drawingml/2006/main" xmlns:r="http://schemas.openxmlformats.org/officeDocument/2006/relationships" xmlns:p="http://schemas.openxmlformats.org/presentationml/2006/main">
   <p:tag name="COLORS" val="-2;-2;-2;-2;-2;-2"/>
   <p:tag name="COLORSETCLASSNAME" val="ColorSet1"/>
@@ -25260,7 +26614,7 @@
 </p:tagLst>
 </file>
 
-<file path=ppt/tags/tag241.xml><?xml version="1.0" encoding="utf-8"?>
+<file path=ppt/tags/tag255.xml><?xml version="1.0" encoding="utf-8"?>
 <p:tagLst xmlns:a="http://schemas.openxmlformats.org/drawingml/2006/main" xmlns:r="http://schemas.openxmlformats.org/officeDocument/2006/relationships" xmlns:p="http://schemas.openxmlformats.org/presentationml/2006/main">
   <p:tag name="COLORS" val="-2;-2;-2;-2;-2;-2"/>
   <p:tag name="COLORSETCLASSNAME" val="ColorSet1"/>
@@ -25275,7 +26629,7 @@
 </p:tagLst>
 </file>
 
-<file path=ppt/tags/tag242.xml><?xml version="1.0" encoding="utf-8"?>
+<file path=ppt/tags/tag256.xml><?xml version="1.0" encoding="utf-8"?>
 <p:tagLst xmlns:a="http://schemas.openxmlformats.org/drawingml/2006/main" xmlns:r="http://schemas.openxmlformats.org/officeDocument/2006/relationships" xmlns:p="http://schemas.openxmlformats.org/presentationml/2006/main">
   <p:tag name="FONT" val="Reg80"/>
   <p:tag name="FONTSETCLASSNAME" val="FontSet1"/>
@@ -25291,7 +26645,7 @@
 </p:tagLst>
 </file>
 
-<file path=ppt/tags/tag243.xml><?xml version="1.0" encoding="utf-8"?>
+<file path=ppt/tags/tag257.xml><?xml version="1.0" encoding="utf-8"?>
 <p:tagLst xmlns:a="http://schemas.openxmlformats.org/drawingml/2006/main" xmlns:r="http://schemas.openxmlformats.org/officeDocument/2006/relationships" xmlns:p="http://schemas.openxmlformats.org/presentationml/2006/main">
   <p:tag name="FIELD.CHAPTER.CONTENT" val="Titel des Kapitels"/>
   <p:tag name="FIELD.CHAPTER.VALUE" val="Titel des Kapitels"/>
@@ -25322,7 +26676,7 @@
 </p:tagLst>
 </file>
 
-<file path=ppt/tags/tag244.xml><?xml version="1.0" encoding="utf-8"?>
+<file path=ppt/tags/tag258.xml><?xml version="1.0" encoding="utf-8"?>
 <p:tagLst xmlns:a="http://schemas.openxmlformats.org/drawingml/2006/main" xmlns:r="http://schemas.openxmlformats.org/officeDocument/2006/relationships" xmlns:p="http://schemas.openxmlformats.org/presentationml/2006/main">
   <p:tag name="COLORS" val="-2;-2;-2;-2;-2;-2"/>
   <p:tag name="COLORSETCLASSNAME" val="ColorSet1"/>
@@ -25337,7 +26691,7 @@
 </p:tagLst>
 </file>
 
-<file path=ppt/tags/tag245.xml><?xml version="1.0" encoding="utf-8"?>
+<file path=ppt/tags/tag259.xml><?xml version="1.0" encoding="utf-8"?>
 <p:tagLst xmlns:a="http://schemas.openxmlformats.org/drawingml/2006/main" xmlns:r="http://schemas.openxmlformats.org/officeDocument/2006/relationships" xmlns:p="http://schemas.openxmlformats.org/presentationml/2006/main">
   <p:tag name="COLORS" val="-2;-2;-2;-2;-2;-2"/>
   <p:tag name="COLORSETCLASSNAME" val="ColorSet1"/>
@@ -25352,7 +26706,29 @@
 </p:tagLst>
 </file>
 
-<file path=ppt/tags/tag246.xml><?xml version="1.0" encoding="utf-8"?>
+<file path=ppt/tags/tag26.xml><?xml version="1.0" encoding="utf-8"?>
+<p:tagLst xmlns:a="http://schemas.openxmlformats.org/drawingml/2006/main" xmlns:r="http://schemas.openxmlformats.org/officeDocument/2006/relationships" xmlns:p="http://schemas.openxmlformats.org/presentationml/2006/main">
+  <p:tag name="FONT" val="Reg6"/>
+  <p:tag name="FONTSETCLASSNAME" val="FontSet1"/>
+  <p:tag name="FONTCOLOR" val="Black"/>
+  <p:tag name="FONTCOLOR2" val="LightGray"/>
+  <p:tag name="FONTCOLOR3" val="LightGray"/>
+  <p:tag name="RUNS.FONT" val="3"/>
+  <p:tag name="COLORS" val="-2;-2;-2;-2;Black;-2"/>
+  <p:tag name="COLORSETCLASSNAME" val="ColorSet1"/>
+  <p:tag name="SCRIPT" val="1"/>
+  <p:tag name="FIELDS" val="REM_ABL;COPY;"/>
+  <p:tag name="MLI" val="1"/>
+  <p:tag name="SHAPESETGROUPCLASSNAME" val="ShapeSetGroup1"/>
+  <p:tag name="SHAPESETCLASSNAME" val="Object"/>
+  <p:tag name="COLORSETGROUPCLASSNAME" val="ColorSetGroup3"/>
+  <p:tag name="FONTSETGROUPCLASSNAME" val="FontSetGroup1"/>
+  <p:tag name="SHAPECLASSNAME" val="FooterLine2OnSlides"/>
+  <p:tag name="SHAPECLASSPROTECTIONTYPE" val=" 63"/>
+</p:tagLst>
+</file>
+
+<file path=ppt/tags/tag260.xml><?xml version="1.0" encoding="utf-8"?>
 <p:tagLst xmlns:a="http://schemas.openxmlformats.org/drawingml/2006/main" xmlns:r="http://schemas.openxmlformats.org/officeDocument/2006/relationships" xmlns:p="http://schemas.openxmlformats.org/presentationml/2006/main">
   <p:tag name="FONT" val="Bold6"/>
   <p:tag name="FONT2" val="Reg6"/>
@@ -25377,7 +26753,7 @@
 </p:tagLst>
 </file>
 
-<file path=ppt/tags/tag247.xml><?xml version="1.0" encoding="utf-8"?>
+<file path=ppt/tags/tag261.xml><?xml version="1.0" encoding="utf-8"?>
 <p:tagLst xmlns:a="http://schemas.openxmlformats.org/drawingml/2006/main" xmlns:r="http://schemas.openxmlformats.org/officeDocument/2006/relationships" xmlns:p="http://schemas.openxmlformats.org/presentationml/2006/main">
   <p:tag name="FONT" val="Reg6"/>
   <p:tag name="FONTSETCLASSNAME" val="FontSet1"/>
@@ -25399,7 +26775,7 @@
 </p:tagLst>
 </file>
 
-<file path=ppt/tags/tag248.xml><?xml version="1.0" encoding="utf-8"?>
+<file path=ppt/tags/tag262.xml><?xml version="1.0" encoding="utf-8"?>
 <p:tagLst xmlns:a="http://schemas.openxmlformats.org/drawingml/2006/main" xmlns:r="http://schemas.openxmlformats.org/officeDocument/2006/relationships" xmlns:p="http://schemas.openxmlformats.org/presentationml/2006/main">
   <p:tag name="FONT" val="Reg12"/>
   <p:tag name="FONTSETCLASSNAME" val="FontSet1"/>
@@ -25416,7 +26792,7 @@
 </p:tagLst>
 </file>
 
-<file path=ppt/tags/tag249.xml><?xml version="1.0" encoding="utf-8"?>
+<file path=ppt/tags/tag263.xml><?xml version="1.0" encoding="utf-8"?>
 <p:tagLst xmlns:a="http://schemas.openxmlformats.org/drawingml/2006/main" xmlns:r="http://schemas.openxmlformats.org/officeDocument/2006/relationships" xmlns:p="http://schemas.openxmlformats.org/presentationml/2006/main">
   <p:tag name="FONT" val="Reg5x5"/>
   <p:tag name="FONTSETCLASSNAME" val="FontSet1"/>
@@ -25434,32 +26810,7 @@
 </p:tagLst>
 </file>
 
-<file path=ppt/tags/tag25.xml><?xml version="1.0" encoding="utf-8"?>
-<p:tagLst xmlns:a="http://schemas.openxmlformats.org/drawingml/2006/main" xmlns:r="http://schemas.openxmlformats.org/officeDocument/2006/relationships" xmlns:p="http://schemas.openxmlformats.org/presentationml/2006/main">
-  <p:tag name="FONT" val="Bold6"/>
-  <p:tag name="FONT2" val="Reg6"/>
-  <p:tag name="FONT3" val="Reg6"/>
-  <p:tag name="FONTSETCLASSNAME" val="FontSet1"/>
-  <p:tag name="FONTCOLOR" val="Red"/>
-  <p:tag name="FONTCOLOR2" val="Black"/>
-  <p:tag name="FONTCOLOR3" val="Black"/>
-  <p:tag name="FONTCOLOR4" val="Black"/>
-  <p:tag name="RUNS.FONT" val="4"/>
-  <p:tag name="COLORS" val="-2;-2;-2;-2;Red;-2"/>
-  <p:tag name="COLORSETCLASSNAME" val="ColorSet1"/>
-  <p:tag name="SCRIPT" val="1"/>
-  <p:tag name="FIELDS" val="CONF;DPT;DATE;"/>
-  <p:tag name="MLI" val="1"/>
-  <p:tag name="SHAPESETGROUPCLASSNAME" val="ShapeSetGroup1"/>
-  <p:tag name="SHAPESETCLASSNAME" val="Object"/>
-  <p:tag name="COLORSETGROUPCLASSNAME" val="ColorSetGroup3"/>
-  <p:tag name="FONTSETGROUPCLASSNAME" val="FontSetGroup1"/>
-  <p:tag name="SHAPECLASSNAME" val="FooterLine1OnSlides"/>
-  <p:tag name="SHAPECLASSPROTECTIONTYPE" val=" 63"/>
-</p:tagLst>
-</file>
-
-<file path=ppt/tags/tag250.xml><?xml version="1.0" encoding="utf-8"?>
+<file path=ppt/tags/tag264.xml><?xml version="1.0" encoding="utf-8"?>
 <p:tagLst xmlns:a="http://schemas.openxmlformats.org/drawingml/2006/main" xmlns:r="http://schemas.openxmlformats.org/officeDocument/2006/relationships" xmlns:p="http://schemas.openxmlformats.org/presentationml/2006/main">
   <p:tag name="FONT" val="NavbarItem"/>
   <p:tag name="FONTSETCLASSNAME" val="FontSet1"/>
@@ -25475,7 +26826,7 @@
 </p:tagLst>
 </file>
 
-<file path=ppt/tags/tag251.xml><?xml version="1.0" encoding="utf-8"?>
+<file path=ppt/tags/tag265.xml><?xml version="1.0" encoding="utf-8"?>
 <p:tagLst xmlns:a="http://schemas.openxmlformats.org/drawingml/2006/main" xmlns:r="http://schemas.openxmlformats.org/officeDocument/2006/relationships" xmlns:p="http://schemas.openxmlformats.org/presentationml/2006/main">
   <p:tag name="FONT" val="Reg28"/>
   <p:tag name="FONTSETCLASSNAME" val="FontSet1"/>
@@ -25491,7 +26842,7 @@
 </p:tagLst>
 </file>
 
-<file path=ppt/tags/tag252.xml><?xml version="1.0" encoding="utf-8"?>
+<file path=ppt/tags/tag266.xml><?xml version="1.0" encoding="utf-8"?>
 <p:tagLst xmlns:a="http://schemas.openxmlformats.org/drawingml/2006/main" xmlns:r="http://schemas.openxmlformats.org/officeDocument/2006/relationships" xmlns:p="http://schemas.openxmlformats.org/presentationml/2006/main">
   <p:tag name="FONTSETCLASSNAME" val="FontSet1"/>
   <p:tag name="COLORS" val="-2;-2;-2;-2;-2;-2"/>
@@ -25504,28 +26855,6 @@
   <p:tag name="FONTSETGROUPCLASSNAME" val="FontSetGroup1"/>
   <p:tag name="SHAPECLASSNAME" val="BodyOnAgenda"/>
   <p:tag name="SHAPECLASSPROTECTIONTYPE" val="0"/>
-</p:tagLst>
-</file>
-
-<file path=ppt/tags/tag26.xml><?xml version="1.0" encoding="utf-8"?>
-<p:tagLst xmlns:a="http://schemas.openxmlformats.org/drawingml/2006/main" xmlns:r="http://schemas.openxmlformats.org/officeDocument/2006/relationships" xmlns:p="http://schemas.openxmlformats.org/presentationml/2006/main">
-  <p:tag name="FONT" val="Reg6"/>
-  <p:tag name="FONTSETCLASSNAME" val="FontSet1"/>
-  <p:tag name="FONTCOLOR" val="Black"/>
-  <p:tag name="FONTCOLOR2" val="LightGray"/>
-  <p:tag name="FONTCOLOR3" val="LightGray"/>
-  <p:tag name="RUNS.FONT" val="3"/>
-  <p:tag name="COLORS" val="-2;-2;-2;-2;Black;-2"/>
-  <p:tag name="COLORSETCLASSNAME" val="ColorSet1"/>
-  <p:tag name="SCRIPT" val="1"/>
-  <p:tag name="FIELDS" val="REM_ABL;COPY;"/>
-  <p:tag name="MLI" val="1"/>
-  <p:tag name="SHAPESETGROUPCLASSNAME" val="ShapeSetGroup1"/>
-  <p:tag name="SHAPESETCLASSNAME" val="Object"/>
-  <p:tag name="COLORSETGROUPCLASSNAME" val="ColorSetGroup3"/>
-  <p:tag name="FONTSETGROUPCLASSNAME" val="FontSetGroup1"/>
-  <p:tag name="SHAPECLASSNAME" val="FooterLine2OnSlides"/>
-  <p:tag name="SHAPECLASSPROTECTIONTYPE" val=" 63"/>
 </p:tagLst>
 </file>
 
@@ -26812,7 +28141,6 @@
   <p:tag name="ML_2" val="Bosch2.mcr"/>
   <p:tag name="ML_LAYOUT_RESOURCE" val="BOSCH2_16_9.mcr"/>
   <p:tag name="SHAPESETGROUPCLASSNAME" val="ShapeSetGroup1"/>
-  <p:tag name="SHAPESETCLASSNAME" val="TitleOnly"/>
   <p:tag name="COLORSETGROUPCLASSNAME" val="ColorSetGroup4"/>
   <p:tag name="COLORSETCLASSNAME" val="ColorSet2"/>
   <p:tag name="FONTSETGROUPCLASSNAME" val="FontSetGroup1"/>
@@ -26829,6 +28157,12 @@
   <p:tag name="TITLE 1_SHAPECLASSPROTECTIONTYPE" val="9"/>
   <p:tag name="PICTURE 8_SHAPECLASSPROTECTIONTYPE" val="15"/>
   <p:tag name="PICTURE 9_SHAPECLASSPROTECTIONTYPE" val="15"/>
+  <p:tag name="SHAPESETCLASSNAME" val="Object"/>
+  <p:tag name="CONTENT PLACEHOLDER 10_SHAPECLASSPROTECTIONTYPE" val="0"/>
+  <p:tag name="CONTENT PLACEHOLDER 13_SHAPECLASSPROTECTIONTYPE" val="0"/>
+  <p:tag name="PICTURE 12_SHAPECLASSPROTECTIONTYPE" val="15"/>
+  <p:tag name="CONTENT PLACEHOLDER 16_SHAPECLASSPROTECTIONTYPE" val="0"/>
+  <p:tag name="PICTURE 15_SHAPECLASSPROTECTIONTYPE" val="15"/>
 </p:tagLst>
 </file>
 
@@ -26864,6 +28198,22 @@
 
 <file path=ppt/tags/tag93.xml><?xml version="1.0" encoding="utf-8"?>
 <p:tagLst xmlns:a="http://schemas.openxmlformats.org/drawingml/2006/main" xmlns:r="http://schemas.openxmlformats.org/officeDocument/2006/relationships" xmlns:p="http://schemas.openxmlformats.org/presentationml/2006/main">
+  <p:tag name="FONTSETCLASSNAME" val="FontSet1"/>
+  <p:tag name="COLORSETCLASSNAME" val="ColorSet1"/>
+  <p:tag name="STYLENAME" val="Bodystyle"/>
+  <p:tag name="MLI" val="1"/>
+  <p:tag name="SHAPESETGROUPCLASSNAME" val="ShapeSetGroup1"/>
+  <p:tag name="SHAPESETCLASSNAME" val="Object"/>
+  <p:tag name="COLORSETGROUPCLASSNAME" val="ColorSetGroup4"/>
+  <p:tag name="FONTSETGROUPCLASSNAME" val="FontSetGroup1"/>
+  <p:tag name="SHAPECLASSNAME" val="ObjectFull"/>
+  <p:tag name="SHAPECLASSPROTECTIONTYPE" val="0"/>
+  <p:tag name="COLORS" val="Black;-1;-2;-2;-1;-2"/>
+</p:tagLst>
+</file>
+
+<file path=ppt/tags/tag94.xml><?xml version="1.0" encoding="utf-8"?>
+<p:tagLst xmlns:a="http://schemas.openxmlformats.org/drawingml/2006/main" xmlns:r="http://schemas.openxmlformats.org/officeDocument/2006/relationships" xmlns:p="http://schemas.openxmlformats.org/presentationml/2006/main">
   <p:tag name="FONT" val="Reg28"/>
   <p:tag name="FONTSETCLASSNAME" val="FontSet1"/>
   <p:tag name="COLORSETCLASSNAME" val="ColorSet1"/>
@@ -26871,47 +28221,44 @@
   <p:tag name="FIELDS" val="CHAPTER;"/>
   <p:tag name="MLI" val="1"/>
   <p:tag name="SHAPESETGROUPCLASSNAME" val="ShapeSetGroup1"/>
-  <p:tag name="SHAPESETCLASSNAME" val="TitleOnly"/>
   <p:tag name="COLORSETGROUPCLASSNAME" val="ColorSetGroup4"/>
   <p:tag name="FONTSETGROUPCLASSNAME" val="FontSetGroup1"/>
   <p:tag name="SHAPECLASSNAME" val="Chapterbox"/>
-  <p:tag name="SHAPECLASSPROTECTIONTYPE" val="25"/>
-  <p:tag name="COLORS" val="-2;-2;-2;-2;-1;-2"/>
+  <p:tag name="COLORS" val="-2;-2;-2;-2;-2;-2"/>
+  <p:tag name="SHAPESETCLASSNAME" val="Object"/>
+  <p:tag name="SHAPECLASSPROTECTIONTYPE" val=" 25"/>
 </p:tagLst>
 </file>
 
-<file path=ppt/tags/tag94.xml><?xml version="1.0" encoding="utf-8"?>
+<file path=ppt/tags/tag95.xml><?xml version="1.0" encoding="utf-8"?>
 <p:tagLst xmlns:a="http://schemas.openxmlformats.org/drawingml/2006/main" xmlns:r="http://schemas.openxmlformats.org/officeDocument/2006/relationships" xmlns:p="http://schemas.openxmlformats.org/presentationml/2006/main">
-  <p:tag name="FONT" val="Bold6"/>
-  <p:tag name="FONT2" val="Reg6"/>
-  <p:tag name="FONT3" val="Reg6"/>
   <p:tag name="FONTSETCLASSNAME" val="FontSet1"/>
-  <p:tag name="FONTCOLOR" val="Red"/>
-  <p:tag name="FONTCOLOR2" val="Black"/>
-  <p:tag name="FONTCOLOR3" val="Black"/>
-  <p:tag name="FONTCOLOR4" val="Black"/>
-  <p:tag name="RUNS.FONT" val="4"/>
   <p:tag name="COLORS" val="-2;-2;-2;-2;Red;-2"/>
   <p:tag name="COLORSETCLASSNAME" val="ColorSet1"/>
   <p:tag name="SCRIPT" val="1"/>
   <p:tag name="FIELDS" val="CONF;DPT;DATE;"/>
   <p:tag name="MLI" val="1"/>
   <p:tag name="SHAPESETGROUPCLASSNAME" val="ShapeSetGroup1"/>
-  <p:tag name="SHAPESETCLASSNAME" val="TitleOnly"/>
   <p:tag name="COLORSETGROUPCLASSNAME" val="ColorSetGroup4"/>
   <p:tag name="FONTSETGROUPCLASSNAME" val="FontSetGroup1"/>
   <p:tag name="SHAPECLASSNAME" val="FooterLine1OnSlides"/>
-  <p:tag name="SHAPECLASSPROTECTIONTYPE" val="63"/>
+  <p:tag name="FONT" val="Bold6"/>
+  <p:tag name="FONT2" val="Reg6"/>
+  <p:tag name="FONT3" val="Reg6"/>
+  <p:tag name="FONTCOLOR" val="Red"/>
+  <p:tag name="FONTCOLOR2" val="Black"/>
+  <p:tag name="FONTCOLOR3" val="Black"/>
+  <p:tag name="FONTCOLOR4" val="Black"/>
+  <p:tag name="RUNS.FONT" val="4"/>
+  <p:tag name="SHAPESETCLASSNAME" val="Object"/>
+  <p:tag name="SHAPECLASSPROTECTIONTYPE" val=" 63"/>
 </p:tagLst>
 </file>
 
-<file path=ppt/tags/tag95.xml><?xml version="1.0" encoding="utf-8"?>
+<file path=ppt/tags/tag96.xml><?xml version="1.0" encoding="utf-8"?>
 <p:tagLst xmlns:a="http://schemas.openxmlformats.org/drawingml/2006/main" xmlns:r="http://schemas.openxmlformats.org/officeDocument/2006/relationships" xmlns:p="http://schemas.openxmlformats.org/presentationml/2006/main">
   <p:tag name="FONT" val="Reg6"/>
   <p:tag name="FONTSETCLASSNAME" val="FontSet1"/>
-  <p:tag name="FONTCOLOR" val="Black"/>
-  <p:tag name="FONTCOLOR2" val="LightGray"/>
-  <p:tag name="FONTCOLOR3" val="LightGray"/>
   <p:tag name="RUNS.FONT" val="3"/>
   <p:tag name="COLORS" val="-2;-2;-2;-2;Black;-2"/>
   <p:tag name="COLORSETCLASSNAME" val="ColorSet1"/>
@@ -26919,15 +28266,18 @@
   <p:tag name="FIELDS" val="REM_ABL;COPY;"/>
   <p:tag name="MLI" val="1"/>
   <p:tag name="SHAPESETGROUPCLASSNAME" val="ShapeSetGroup1"/>
-  <p:tag name="SHAPESETCLASSNAME" val="TitleOnly"/>
   <p:tag name="COLORSETGROUPCLASSNAME" val="ColorSetGroup4"/>
   <p:tag name="FONTSETGROUPCLASSNAME" val="FontSetGroup1"/>
   <p:tag name="SHAPECLASSNAME" val="FooterLine2OnSlides"/>
-  <p:tag name="SHAPECLASSPROTECTIONTYPE" val="63"/>
+  <p:tag name="FONTCOLOR" val="Black"/>
+  <p:tag name="FONTCOLOR2" val="LightGray"/>
+  <p:tag name="FONTCOLOR3" val="LightGray"/>
+  <p:tag name="SHAPESETCLASSNAME" val="Object"/>
+  <p:tag name="SHAPECLASSPROTECTIONTYPE" val=" 63"/>
 </p:tagLst>
 </file>
 
-<file path=ppt/tags/tag96.xml><?xml version="1.0" encoding="utf-8"?>
+<file path=ppt/tags/tag97.xml><?xml version="1.0" encoding="utf-8"?>
 <p:tagLst xmlns:a="http://schemas.openxmlformats.org/drawingml/2006/main" xmlns:r="http://schemas.openxmlformats.org/officeDocument/2006/relationships" xmlns:p="http://schemas.openxmlformats.org/presentationml/2006/main">
   <p:tag name="FONT" val="Reg12"/>
   <p:tag name="FONTSETCLASSNAME" val="FontSet1"/>
@@ -26936,15 +28286,15 @@
   <p:tag name="SCRIPT" val="1"/>
   <p:tag name="MLI" val="1"/>
   <p:tag name="SHAPESETGROUPCLASSNAME" val="ShapeSetGroup1"/>
-  <p:tag name="SHAPESETCLASSNAME" val="TitleOnly"/>
   <p:tag name="COLORSETGROUPCLASSNAME" val="ColorSetGroup4"/>
   <p:tag name="FONTSETGROUPCLASSNAME" val="FontSetGroup1"/>
   <p:tag name="SHAPECLASSNAME" val="PageNumberOnSlides"/>
-  <p:tag name="SHAPECLASSPROTECTIONTYPE" val="63"/>
+  <p:tag name="SHAPESETCLASSNAME" val="Object"/>
+  <p:tag name="SHAPECLASSPROTECTIONTYPE" val=" 63"/>
 </p:tagLst>
 </file>
 
-<file path=ppt/tags/tag97.xml><?xml version="1.0" encoding="utf-8"?>
+<file path=ppt/tags/tag98.xml><?xml version="1.0" encoding="utf-8"?>
 <p:tagLst xmlns:a="http://schemas.openxmlformats.org/drawingml/2006/main" xmlns:r="http://schemas.openxmlformats.org/officeDocument/2006/relationships" xmlns:p="http://schemas.openxmlformats.org/presentationml/2006/main">
   <p:tag name="FONT" val="Reg5x5"/>
   <p:tag name="FONTSETCLASSNAME" val="FontSet1"/>
@@ -26954,15 +28304,15 @@
   <p:tag name="FIELDS" val="REM_ANL;"/>
   <p:tag name="MLI" val="1"/>
   <p:tag name="SHAPESETGROUPCLASSNAME" val="ShapeSetGroup1"/>
-  <p:tag name="SHAPESETCLASSNAME" val="TitleOnly"/>
   <p:tag name="COLORSETGROUPCLASSNAME" val="ColorSetGroup4"/>
   <p:tag name="FONTSETGROUPCLASSNAME" val="FontSetGroup1"/>
   <p:tag name="SHAPECLASSNAME" val="Attachment"/>
-  <p:tag name="SHAPECLASSPROTECTIONTYPE" val="3"/>
+  <p:tag name="SHAPESETCLASSNAME" val="Object"/>
+  <p:tag name="SHAPECLASSPROTECTIONTYPE" val=" 3"/>
 </p:tagLst>
 </file>
 
-<file path=ppt/tags/tag98.xml><?xml version="1.0" encoding="utf-8"?>
+<file path=ppt/tags/tag99.xml><?xml version="1.0" encoding="utf-8"?>
 <p:tagLst xmlns:a="http://schemas.openxmlformats.org/drawingml/2006/main" xmlns:r="http://schemas.openxmlformats.org/officeDocument/2006/relationships" xmlns:p="http://schemas.openxmlformats.org/presentationml/2006/main">
   <p:tag name="FONT" val="NavbarItem"/>
   <p:tag name="FONTSETCLASSNAME" val="FontSet1"/>
@@ -26970,30 +28320,11 @@
   <p:tag name="COLORSETCLASSNAME" val="ColorSet1"/>
   <p:tag name="MLI" val="1"/>
   <p:tag name="SHAPESETGROUPCLASSNAME" val="ShapeSetGroup1"/>
-  <p:tag name="SHAPESETCLASSNAME" val="TitleOnly"/>
   <p:tag name="COLORSETGROUPCLASSNAME" val="ColorSetGroup4"/>
   <p:tag name="FONTSETGROUPCLASSNAME" val="FontSetGroup1"/>
   <p:tag name="SHAPECLASSNAME" val="tNavbar"/>
-  <p:tag name="SHAPECLASSPROTECTIONTYPE" val="31"/>
-</p:tagLst>
-</file>
-
-<file path=ppt/tags/tag99.xml><?xml version="1.0" encoding="utf-8"?>
-<p:tagLst xmlns:a="http://schemas.openxmlformats.org/drawingml/2006/main" xmlns:r="http://schemas.openxmlformats.org/officeDocument/2006/relationships" xmlns:p="http://schemas.openxmlformats.org/presentationml/2006/main">
-  <p:tag name="FONT" val="Reg28"/>
-  <p:tag name="FONTSETCLASSNAME" val="FontSet1"/>
-  <p:tag name="FONTCOLOR" val="Primary"/>
-  <p:tag name="FONTCOLOR2" val="Primary"/>
-  <p:tag name="RUNS.FONT" val="2"/>
-  <p:tag name="COLORSETCLASSNAME" val="ColorSet2"/>
-  <p:tag name="MLI" val="1"/>
-  <p:tag name="SHAPESETGROUPCLASSNAME" val="ShapeSetGroup1"/>
-  <p:tag name="SHAPESETCLASSNAME" val="TitleOnly"/>
-  <p:tag name="COLORSETGROUPCLASSNAME" val="ColorSetGroup4"/>
-  <p:tag name="FONTSETGROUPCLASSNAME" val="FontSetGroup1"/>
-  <p:tag name="SHAPECLASSNAME" val="TitleOnSlides"/>
-  <p:tag name="SHAPECLASSPROTECTIONTYPE" val="9"/>
-  <p:tag name="COLORS" val="-2;-2;-2;-2;LightGreen;-2"/>
+  <p:tag name="SHAPESETCLASSNAME" val="Object"/>
+  <p:tag name="SHAPECLASSPROTECTIONTYPE" val=" 31"/>
 </p:tagLst>
 </file>
 

--- a/Präsi/Präsi.pptx
+++ b/Präsi/Präsi.pptx
@@ -17,27 +17,28 @@
     <p:sldId id="286" r:id="rId11"/>
     <p:sldId id="287" r:id="rId12"/>
     <p:sldId id="288" r:id="rId13"/>
-    <p:sldId id="277" r:id="rId14"/>
-    <p:sldId id="278" r:id="rId15"/>
-    <p:sldId id="279" r:id="rId16"/>
-    <p:sldId id="280" r:id="rId17"/>
-    <p:sldId id="265" r:id="rId18"/>
-    <p:sldId id="270" r:id="rId19"/>
-    <p:sldId id="281" r:id="rId20"/>
-    <p:sldId id="282" r:id="rId21"/>
-    <p:sldId id="283" r:id="rId22"/>
-    <p:sldId id="284" r:id="rId23"/>
-    <p:sldId id="266" r:id="rId24"/>
-    <p:sldId id="269" r:id="rId25"/>
-    <p:sldId id="267" r:id="rId26"/>
-    <p:sldId id="271" r:id="rId27"/>
-    <p:sldId id="272" r:id="rId28"/>
-    <p:sldId id="285" r:id="rId29"/>
+    <p:sldId id="289" r:id="rId14"/>
+    <p:sldId id="277" r:id="rId15"/>
+    <p:sldId id="278" r:id="rId16"/>
+    <p:sldId id="279" r:id="rId17"/>
+    <p:sldId id="280" r:id="rId18"/>
+    <p:sldId id="265" r:id="rId19"/>
+    <p:sldId id="270" r:id="rId20"/>
+    <p:sldId id="281" r:id="rId21"/>
+    <p:sldId id="282" r:id="rId22"/>
+    <p:sldId id="283" r:id="rId23"/>
+    <p:sldId id="284" r:id="rId24"/>
+    <p:sldId id="266" r:id="rId25"/>
+    <p:sldId id="269" r:id="rId26"/>
+    <p:sldId id="267" r:id="rId27"/>
+    <p:sldId id="271" r:id="rId28"/>
+    <p:sldId id="272" r:id="rId29"/>
+    <p:sldId id="285" r:id="rId30"/>
   </p:sldIdLst>
   <p:sldSz cx="10969625" cy="6170613"/>
   <p:notesSz cx="6858000" cy="9144000"/>
   <p:custDataLst>
-    <p:tags r:id="rId30"/>
+    <p:tags r:id="rId31"/>
   </p:custDataLst>
   <p:defaultTextStyle>
     <a:defPPr>
@@ -7355,6 +7356,1425 @@
 </file>
 
 <file path=ppt/slides/slide13.xml><?xml version="1.0" encoding="utf-8"?>
+<p:sld xmlns:a="http://schemas.openxmlformats.org/drawingml/2006/main" xmlns:r="http://schemas.openxmlformats.org/officeDocument/2006/relationships" xmlns:p="http://schemas.openxmlformats.org/presentationml/2006/main">
+  <p:cSld>
+    <p:spTree>
+      <p:nvGrpSpPr>
+        <p:cNvPr id="1" name=""/>
+        <p:cNvGrpSpPr/>
+        <p:nvPr/>
+      </p:nvGrpSpPr>
+      <p:grpSpPr>
+        <a:xfrm>
+          <a:off x="0" y="0"/>
+          <a:ext cx="0" cy="0"/>
+          <a:chOff x="0" y="0"/>
+          <a:chExt cx="0" cy="0"/>
+        </a:xfrm>
+      </p:grpSpPr>
+      <p:pic>
+        <p:nvPicPr>
+          <p:cNvPr id="16" name="Grafik 15"/>
+          <p:cNvPicPr>
+            <a:picLocks/>
+          </p:cNvPicPr>
+          <p:nvPr>
+            <p:custDataLst>
+              <p:tags r:id="rId2"/>
+            </p:custDataLst>
+          </p:nvPr>
+        </p:nvPicPr>
+        <p:blipFill>
+          <a:blip r:embed="rId14" cstate="print">
+            <a:extLst>
+              <a:ext uri="{28A0092B-C50C-407E-A947-70E740481C1C}">
+                <a14:useLocalDpi xmlns:a14="http://schemas.microsoft.com/office/drawing/2010/main" val="0"/>
+              </a:ext>
+            </a:extLst>
+          </a:blip>
+          <a:stretch>
+            <a:fillRect/>
+          </a:stretch>
+        </p:blipFill>
+        <p:spPr>
+          <a:xfrm>
+            <a:off x="9758680" y="5464810"/>
+            <a:ext cx="1094740" cy="575310"/>
+          </a:xfrm>
+          <a:prstGeom prst="rect">
+            <a:avLst/>
+          </a:prstGeom>
+          <a:effectLst/>
+          <a:extLst>
+            <a:ext uri="{AF507438-7753-43E0-B8FC-AC1667EBCBE1}">
+              <a14:hiddenEffects xmlns:a14="http://schemas.microsoft.com/office/drawing/2010/main">
+                <a:effectLst>
+                  <a:outerShdw blurRad="63500" rotWithShape="0">
+                    <a:scrgbClr r="0" g="0" b="0"/>
+                  </a:outerShdw>
+                </a:effectLst>
+              </a14:hiddenEffects>
+            </a:ext>
+            <a:ext uri="{53640926-AAD7-44D8-BBD7-CCE9431645EC}">
+              <a14:shadowObscured xmlns:a14="http://schemas.microsoft.com/office/drawing/2010/main"/>
+            </a:ext>
+          </a:extLst>
+        </p:spPr>
+      </p:pic>
+      <p:pic>
+        <p:nvPicPr>
+          <p:cNvPr id="13" name="Grafik 12"/>
+          <p:cNvPicPr>
+            <a:picLocks/>
+          </p:cNvPicPr>
+          <p:nvPr>
+            <p:custDataLst>
+              <p:tags r:id="rId3"/>
+            </p:custDataLst>
+          </p:nvPr>
+        </p:nvPicPr>
+        <p:blipFill>
+          <a:blip r:embed="rId15">
+            <a:extLst>
+              <a:ext uri="{28A0092B-C50C-407E-A947-70E740481C1C}">
+                <a14:useLocalDpi xmlns:a14="http://schemas.microsoft.com/office/drawing/2010/main" val="0"/>
+              </a:ext>
+            </a:extLst>
+          </a:blip>
+          <a:stretch>
+            <a:fillRect/>
+          </a:stretch>
+        </p:blipFill>
+        <p:spPr>
+          <a:xfrm>
+            <a:off x="0" y="6041390"/>
+            <a:ext cx="10970260" cy="129540"/>
+          </a:xfrm>
+          <a:prstGeom prst="rect">
+            <a:avLst/>
+          </a:prstGeom>
+          <a:effectLst/>
+          <a:extLst>
+            <a:ext uri="{AF507438-7753-43E0-B8FC-AC1667EBCBE1}">
+              <a14:hiddenEffects xmlns:a14="http://schemas.microsoft.com/office/drawing/2010/main">
+                <a:effectLst>
+                  <a:outerShdw blurRad="63500" rotWithShape="0">
+                    <a:scrgbClr r="0" g="0" b="0"/>
+                  </a:outerShdw>
+                </a:effectLst>
+              </a14:hiddenEffects>
+            </a:ext>
+            <a:ext uri="{53640926-AAD7-44D8-BBD7-CCE9431645EC}">
+              <a14:shadowObscured xmlns:a14="http://schemas.microsoft.com/office/drawing/2010/main"/>
+            </a:ext>
+          </a:extLst>
+        </p:spPr>
+      </p:pic>
+      <p:sp>
+        <p:nvSpPr>
+          <p:cNvPr id="2" name="Titel 1"/>
+          <p:cNvSpPr>
+            <a:spLocks noGrp="1"/>
+          </p:cNvSpPr>
+          <p:nvPr>
+            <p:ph type="title"/>
+            <p:custDataLst>
+              <p:tags r:id="rId4"/>
+            </p:custDataLst>
+          </p:nvPr>
+        </p:nvSpPr>
+        <p:spPr>
+          <a:xfrm>
+            <a:off x="259080" y="647700"/>
+            <a:ext cx="10452100" cy="388620"/>
+          </a:xfrm>
+          <a:effectLst/>
+          <a:extLst>
+            <a:ext uri="{AF507438-7753-43E0-B8FC-AC1667EBCBE1}">
+              <a14:hiddenEffects xmlns:a14="http://schemas.microsoft.com/office/drawing/2010/main">
+                <a:effectLst>
+                  <a:outerShdw blurRad="63500" rotWithShape="0">
+                    <a:scrgbClr r="0" g="0" b="0"/>
+                  </a:outerShdw>
+                </a:effectLst>
+              </a14:hiddenEffects>
+            </a:ext>
+            <a:ext uri="{53640926-AAD7-44D8-BBD7-CCE9431645EC}">
+              <a14:shadowObscured xmlns:a14="http://schemas.microsoft.com/office/drawing/2010/main"/>
+            </a:ext>
+          </a:extLst>
+        </p:spPr>
+        <p:txBody>
+          <a:bodyPr wrap="square" lIns="0" tIns="0" rIns="0" bIns="0" anchor="t">
+            <a:noAutofit/>
+          </a:bodyPr>
+          <a:lstStyle/>
+          <a:p>
+            <a:pPr>
+              <a:lnSpc>
+                <a:spcPct val="89000"/>
+              </a:lnSpc>
+              <a:spcBef>
+                <a:spcPts val="0"/>
+              </a:spcBef>
+            </a:pPr>
+            <a:r>
+              <a:rPr lang="de-DE" sz="2800" dirty="0" smtClean="0">
+                <a:solidFill>
+                  <a:srgbClr val="67B419"/>
+                </a:solidFill>
+              </a:rPr>
+              <a:t>Hintergrundsubtraktion</a:t>
+            </a:r>
+            <a:endParaRPr lang="de-DE" sz="2800" dirty="0">
+              <a:solidFill>
+                <a:srgbClr val="67B419"/>
+              </a:solidFill>
+            </a:endParaRPr>
+          </a:p>
+        </p:txBody>
+      </p:sp>
+      <mc:AlternateContent xmlns:mc="http://schemas.openxmlformats.org/markup-compatibility/2006">
+        <mc:Choice xmlns:a14="http://schemas.microsoft.com/office/drawing/2010/main" Requires="a14">
+          <p:sp>
+            <p:nvSpPr>
+              <p:cNvPr id="17" name="Inhaltsplatzhalter 16"/>
+              <p:cNvSpPr>
+                <a:spLocks noGrp="1"/>
+              </p:cNvSpPr>
+              <p:nvPr>
+                <p:ph idx="1"/>
+                <p:custDataLst>
+                  <p:tags r:id="rId5"/>
+                </p:custDataLst>
+              </p:nvPr>
+            </p:nvSpPr>
+            <p:spPr>
+              <a:xfrm>
+                <a:off x="259080" y="1190624"/>
+                <a:ext cx="10452100" cy="4272915"/>
+              </a:xfrm>
+              <a:solidFill>
+                <a:scrgbClr r="0" g="0" b="0">
+                  <a:alpha val="0"/>
+                </a:scrgbClr>
+              </a:solidFill>
+              <a:effectLst/>
+              <a:extLst>
+                <a:ext uri="{AF507438-7753-43E0-B8FC-AC1667EBCBE1}">
+                  <a14:hiddenEffects>
+                    <a:effectLst>
+                      <a:outerShdw blurRad="63500" rotWithShape="0">
+                        <a:scrgbClr r="0" g="0" b="0"/>
+                      </a:outerShdw>
+                    </a:effectLst>
+                  </a14:hiddenEffects>
+                </a:ext>
+                <a:ext uri="{53640926-AAD7-44D8-BBD7-CCE9431645EC}">
+                  <a14:shadowObscured/>
+                </a:ext>
+              </a:extLst>
+            </p:spPr>
+            <p:txBody>
+              <a:bodyPr wrap="square" lIns="0" tIns="0" rIns="0" bIns="0" anchor="t">
+                <a:noAutofit/>
+              </a:bodyPr>
+              <a:lstStyle/>
+              <a:p>
+                <a:r>
+                  <a:rPr lang="de-DE" dirty="0" smtClean="0"/>
+                  <a:t>Vibe</a:t>
+                </a:r>
+              </a:p>
+              <a:p>
+                <a:pPr lvl="1"/>
+                <a:r>
+                  <a:rPr lang="de-DE" dirty="0" smtClean="0"/>
+                  <a:t>Zufällige Aggregation</a:t>
+                </a:r>
+              </a:p>
+              <a:p>
+                <a:pPr lvl="1"/>
+                <a:r>
+                  <a:rPr lang="de-DE" dirty="0" smtClean="0"/>
+                  <a:t>Sei </a:t>
+                </a:r>
+                <a14:m>
+                  <m:oMath xmlns:m="http://schemas.openxmlformats.org/officeDocument/2006/math">
+                    <m:sSub>
+                      <m:sSubPr>
+                        <m:ctrlPr>
+                          <a:rPr lang="de-DE" b="0" i="1" smtClean="0">
+                            <a:latin typeface="Cambria Math" panose="02040503050406030204" pitchFamily="18" charset="0"/>
+                          </a:rPr>
+                        </m:ctrlPr>
+                      </m:sSubPr>
+                      <m:e>
+                        <m:r>
+                          <a:rPr lang="de-DE" b="0" i="1" smtClean="0">
+                            <a:latin typeface="Cambria Math" panose="02040503050406030204" pitchFamily="18" charset="0"/>
+                          </a:rPr>
+                          <m:t>𝑝</m:t>
+                        </m:r>
+                      </m:e>
+                      <m:sub>
+                        <m:r>
+                          <a:rPr lang="de-DE" b="0" i="1" smtClean="0">
+                            <a:latin typeface="Cambria Math" panose="02040503050406030204" pitchFamily="18" charset="0"/>
+                          </a:rPr>
+                          <m:t>𝑡</m:t>
+                        </m:r>
+                      </m:sub>
+                    </m:sSub>
+                    <m:r>
+                      <a:rPr lang="de-DE" b="0" i="1" smtClean="0">
+                        <a:latin typeface="Cambria Math" panose="02040503050406030204" pitchFamily="18" charset="0"/>
+                      </a:rPr>
+                      <m:t>(</m:t>
+                    </m:r>
+                    <m:r>
+                      <a:rPr lang="de-DE" b="0" i="1" smtClean="0">
+                        <a:latin typeface="Cambria Math" panose="02040503050406030204" pitchFamily="18" charset="0"/>
+                      </a:rPr>
+                      <m:t>𝑥</m:t>
+                    </m:r>
+                    <m:r>
+                      <a:rPr lang="de-DE" b="0" i="1" smtClean="0">
+                        <a:latin typeface="Cambria Math" panose="02040503050406030204" pitchFamily="18" charset="0"/>
+                      </a:rPr>
+                      <m:t>)</m:t>
+                    </m:r>
+                  </m:oMath>
+                </a14:m>
+                <a:r>
+                  <a:rPr lang="de-DE" dirty="0" smtClean="0"/>
+                  <a:t> ein Pixelwert </a:t>
+                </a:r>
+                <a14:m>
+                  <m:oMath xmlns:m="http://schemas.openxmlformats.org/officeDocument/2006/math">
+                    <m:r>
+                      <a:rPr lang="de-DE" b="0" i="1" smtClean="0">
+                        <a:latin typeface="Cambria Math" panose="02040503050406030204" pitchFamily="18" charset="0"/>
+                      </a:rPr>
+                      <m:t>𝑥</m:t>
+                    </m:r>
+                  </m:oMath>
+                </a14:m>
+                <a:r>
+                  <a:rPr lang="de-DE" dirty="0" smtClean="0"/>
+                  <a:t> zur Zeit </a:t>
+                </a:r>
+                <a14:m>
+                  <m:oMath xmlns:m="http://schemas.openxmlformats.org/officeDocument/2006/math">
+                    <m:r>
+                      <a:rPr lang="de-DE" b="0" i="1" smtClean="0">
+                        <a:latin typeface="Cambria Math" panose="02040503050406030204" pitchFamily="18" charset="0"/>
+                      </a:rPr>
+                      <m:t>𝑡</m:t>
+                    </m:r>
+                  </m:oMath>
+                </a14:m>
+                <a:endParaRPr lang="de-DE" b="0" dirty="0" smtClean="0"/>
+              </a:p>
+              <a:p>
+                <a:pPr lvl="1"/>
+                <a:r>
+                  <a:rPr lang="de-DE" dirty="0" smtClean="0"/>
+                  <a:t>Eine Menge von Stichprobenwerten als Pixelmodell verwendet</a:t>
+                </a:r>
+              </a:p>
+              <a:p>
+                <a:pPr lvl="1"/>
+                <a:r>
+                  <a:rPr lang="de-DE" dirty="0" smtClean="0"/>
+                  <a:t>Um </a:t>
+                </a:r>
+                <a14:m>
+                  <m:oMath xmlns:m="http://schemas.openxmlformats.org/officeDocument/2006/math">
+                    <m:sSub>
+                      <m:sSubPr>
+                        <m:ctrlPr>
+                          <a:rPr lang="de-DE" b="0" i="1" smtClean="0">
+                            <a:latin typeface="Cambria Math" panose="02040503050406030204" pitchFamily="18" charset="0"/>
+                          </a:rPr>
+                        </m:ctrlPr>
+                      </m:sSubPr>
+                      <m:e>
+                        <m:r>
+                          <a:rPr lang="de-DE" b="0" i="1" smtClean="0">
+                            <a:latin typeface="Cambria Math" panose="02040503050406030204" pitchFamily="18" charset="0"/>
+                          </a:rPr>
+                          <m:t>𝑝</m:t>
+                        </m:r>
+                      </m:e>
+                      <m:sub>
+                        <m:r>
+                          <a:rPr lang="de-DE" b="0" i="1" smtClean="0">
+                            <a:latin typeface="Cambria Math" panose="02040503050406030204" pitchFamily="18" charset="0"/>
+                          </a:rPr>
+                          <m:t>𝑡</m:t>
+                        </m:r>
+                      </m:sub>
+                    </m:sSub>
+                    <m:r>
+                      <a:rPr lang="de-DE" b="0" i="1" smtClean="0">
+                        <a:latin typeface="Cambria Math" panose="02040503050406030204" pitchFamily="18" charset="0"/>
+                      </a:rPr>
+                      <m:t>(</m:t>
+                    </m:r>
+                    <m:r>
+                      <a:rPr lang="de-DE" b="0" i="1" smtClean="0">
+                        <a:latin typeface="Cambria Math" panose="02040503050406030204" pitchFamily="18" charset="0"/>
+                      </a:rPr>
+                      <m:t>𝑥</m:t>
+                    </m:r>
+                    <m:r>
+                      <a:rPr lang="de-DE" b="0" i="1" smtClean="0">
+                        <a:latin typeface="Cambria Math" panose="02040503050406030204" pitchFamily="18" charset="0"/>
+                      </a:rPr>
+                      <m:t>)</m:t>
+                    </m:r>
+                  </m:oMath>
+                </a14:m>
+                <a:r>
+                  <a:rPr lang="de-DE" dirty="0" smtClean="0"/>
+                  <a:t> zu klassifizieren:</a:t>
+                </a:r>
+                <a:endParaRPr lang="de-DE" dirty="0" smtClean="0">
+                  <a:sym typeface="Wingdings" panose="05000000000000000000" pitchFamily="2" charset="2"/>
+                </a:endParaRPr>
+              </a:p>
+              <a:p>
+                <a:pPr lvl="2"/>
+                <a:r>
+                  <a:rPr lang="de-DE" dirty="0" smtClean="0">
+                    <a:sym typeface="Wingdings" panose="05000000000000000000" pitchFamily="2" charset="2"/>
+                  </a:rPr>
+                  <a:t>eine Kugel </a:t>
+                </a:r>
+                <a14:m>
+                  <m:oMath xmlns:m="http://schemas.openxmlformats.org/officeDocument/2006/math">
+                    <m:sSub>
+                      <m:sSubPr>
+                        <m:ctrlPr>
+                          <a:rPr lang="de-DE" b="0" i="1" smtClean="0">
+                            <a:latin typeface="Cambria Math" panose="02040503050406030204" pitchFamily="18" charset="0"/>
+                            <a:sym typeface="Wingdings" panose="05000000000000000000" pitchFamily="2" charset="2"/>
+                          </a:rPr>
+                        </m:ctrlPr>
+                      </m:sSubPr>
+                      <m:e>
+                        <m:r>
+                          <a:rPr lang="de-DE" b="0" i="1" smtClean="0">
+                            <a:latin typeface="Cambria Math" panose="02040503050406030204" pitchFamily="18" charset="0"/>
+                            <a:sym typeface="Wingdings" panose="05000000000000000000" pitchFamily="2" charset="2"/>
+                          </a:rPr>
+                          <m:t>𝑆</m:t>
+                        </m:r>
+                      </m:e>
+                      <m:sub>
+                        <m:r>
+                          <a:rPr lang="de-DE" b="0" i="1" smtClean="0">
+                            <a:latin typeface="Cambria Math" panose="02040503050406030204" pitchFamily="18" charset="0"/>
+                            <a:sym typeface="Wingdings" panose="05000000000000000000" pitchFamily="2" charset="2"/>
+                          </a:rPr>
+                          <m:t>𝑅</m:t>
+                        </m:r>
+                      </m:sub>
+                    </m:sSub>
+                    <m:r>
+                      <a:rPr lang="de-DE" b="0" i="1" smtClean="0">
+                        <a:latin typeface="Cambria Math" panose="02040503050406030204" pitchFamily="18" charset="0"/>
+                        <a:sym typeface="Wingdings" panose="05000000000000000000" pitchFamily="2" charset="2"/>
+                      </a:rPr>
+                      <m:t>(</m:t>
+                    </m:r>
+                    <m:sSub>
+                      <m:sSubPr>
+                        <m:ctrlPr>
+                          <a:rPr lang="de-DE" b="0" i="1" smtClean="0">
+                            <a:latin typeface="Cambria Math" panose="02040503050406030204" pitchFamily="18" charset="0"/>
+                            <a:sym typeface="Wingdings" panose="05000000000000000000" pitchFamily="2" charset="2"/>
+                          </a:rPr>
+                        </m:ctrlPr>
+                      </m:sSubPr>
+                      <m:e>
+                        <m:r>
+                          <a:rPr lang="de-DE" b="0" i="1" smtClean="0">
+                            <a:latin typeface="Cambria Math" panose="02040503050406030204" pitchFamily="18" charset="0"/>
+                            <a:sym typeface="Wingdings" panose="05000000000000000000" pitchFamily="2" charset="2"/>
+                          </a:rPr>
+                          <m:t>𝑝</m:t>
+                        </m:r>
+                      </m:e>
+                      <m:sub>
+                        <m:r>
+                          <a:rPr lang="de-DE" b="0" i="1" smtClean="0">
+                            <a:latin typeface="Cambria Math" panose="02040503050406030204" pitchFamily="18" charset="0"/>
+                            <a:sym typeface="Wingdings" panose="05000000000000000000" pitchFamily="2" charset="2"/>
+                          </a:rPr>
+                          <m:t>𝑡</m:t>
+                        </m:r>
+                      </m:sub>
+                    </m:sSub>
+                    <m:r>
+                      <a:rPr lang="de-DE" b="0" i="1" smtClean="0">
+                        <a:latin typeface="Cambria Math" panose="02040503050406030204" pitchFamily="18" charset="0"/>
+                        <a:sym typeface="Wingdings" panose="05000000000000000000" pitchFamily="2" charset="2"/>
+                      </a:rPr>
+                      <m:t>(</m:t>
+                    </m:r>
+                    <m:r>
+                      <a:rPr lang="de-DE" b="0" i="1" smtClean="0">
+                        <a:latin typeface="Cambria Math" panose="02040503050406030204" pitchFamily="18" charset="0"/>
+                        <a:sym typeface="Wingdings" panose="05000000000000000000" pitchFamily="2" charset="2"/>
+                      </a:rPr>
+                      <m:t>𝑥</m:t>
+                    </m:r>
+                    <m:r>
+                      <a:rPr lang="de-DE" b="0" i="1" smtClean="0">
+                        <a:latin typeface="Cambria Math" panose="02040503050406030204" pitchFamily="18" charset="0"/>
+                        <a:sym typeface="Wingdings" panose="05000000000000000000" pitchFamily="2" charset="2"/>
+                      </a:rPr>
+                      <m:t>))</m:t>
+                    </m:r>
+                  </m:oMath>
+                </a14:m>
+                <a:r>
+                  <a:rPr lang="de-DE" dirty="0" smtClean="0"/>
+                  <a:t> mit Radius </a:t>
+                </a:r>
+                <a14:m>
+                  <m:oMath xmlns:m="http://schemas.openxmlformats.org/officeDocument/2006/math">
+                    <m:r>
+                      <a:rPr lang="de-DE" b="0" i="1" smtClean="0">
+                        <a:latin typeface="Cambria Math" panose="02040503050406030204" pitchFamily="18" charset="0"/>
+                      </a:rPr>
+                      <m:t>𝑅</m:t>
+                    </m:r>
+                  </m:oMath>
+                </a14:m>
+                <a:r>
+                  <a:rPr lang="de-DE" dirty="0" smtClean="0"/>
+                  <a:t> und Punkt </a:t>
+                </a:r>
+                <a14:m>
+                  <m:oMath xmlns:m="http://schemas.openxmlformats.org/officeDocument/2006/math">
+                    <m:sSub>
+                      <m:sSubPr>
+                        <m:ctrlPr>
+                          <a:rPr lang="de-DE" b="0" i="1" smtClean="0">
+                            <a:latin typeface="Cambria Math" panose="02040503050406030204" pitchFamily="18" charset="0"/>
+                          </a:rPr>
+                        </m:ctrlPr>
+                      </m:sSubPr>
+                      <m:e>
+                        <m:r>
+                          <a:rPr lang="de-DE" b="0" i="1" smtClean="0">
+                            <a:latin typeface="Cambria Math" panose="02040503050406030204" pitchFamily="18" charset="0"/>
+                          </a:rPr>
+                          <m:t>𝑝</m:t>
+                        </m:r>
+                      </m:e>
+                      <m:sub>
+                        <m:r>
+                          <a:rPr lang="de-DE" b="0" i="1" smtClean="0">
+                            <a:latin typeface="Cambria Math" panose="02040503050406030204" pitchFamily="18" charset="0"/>
+                          </a:rPr>
+                          <m:t>𝑡</m:t>
+                        </m:r>
+                      </m:sub>
+                    </m:sSub>
+                    <m:r>
+                      <a:rPr lang="de-DE" b="0" i="1" smtClean="0">
+                        <a:latin typeface="Cambria Math" panose="02040503050406030204" pitchFamily="18" charset="0"/>
+                      </a:rPr>
+                      <m:t>(</m:t>
+                    </m:r>
+                    <m:r>
+                      <a:rPr lang="de-DE" b="0" i="1" smtClean="0">
+                        <a:latin typeface="Cambria Math" panose="02040503050406030204" pitchFamily="18" charset="0"/>
+                      </a:rPr>
+                      <m:t>𝑥</m:t>
+                    </m:r>
+                    <m:r>
+                      <a:rPr lang="de-DE" b="0" i="1" smtClean="0">
+                        <a:latin typeface="Cambria Math" panose="02040503050406030204" pitchFamily="18" charset="0"/>
+                      </a:rPr>
+                      <m:t>)</m:t>
+                    </m:r>
+                  </m:oMath>
+                </a14:m>
+                <a:r>
+                  <a:rPr lang="de-DE" dirty="0" smtClean="0"/>
+                  <a:t> wird </a:t>
+                </a:r>
+                <a:r>
+                  <a:rPr lang="de-DE" dirty="0" err="1" smtClean="0"/>
+                  <a:t>defininiert</a:t>
+                </a:r>
+                <a:endParaRPr lang="de-DE" dirty="0" smtClean="0"/>
+              </a:p>
+              <a:p>
+                <a:pPr lvl="2"/>
+                <a14:m>
+                  <m:oMath xmlns:m="http://schemas.openxmlformats.org/officeDocument/2006/math">
+                    <m:r>
+                      <a:rPr lang="de-DE" b="0" i="1" smtClean="0">
+                        <a:latin typeface="Cambria Math" panose="02040503050406030204" pitchFamily="18" charset="0"/>
+                      </a:rPr>
+                      <m:t>#</m:t>
+                    </m:r>
+                  </m:oMath>
+                </a14:m>
+                <a:r>
+                  <a:rPr lang="de-DE" dirty="0" smtClean="0"/>
+                  <a:t> von der Kugel </a:t>
+                </a:r>
+                <a14:m>
+                  <m:oMath xmlns:m="http://schemas.openxmlformats.org/officeDocument/2006/math">
+                    <m:sSub>
+                      <m:sSubPr>
+                        <m:ctrlPr>
+                          <a:rPr lang="de-DE" i="1">
+                            <a:latin typeface="Cambria Math" panose="02040503050406030204" pitchFamily="18" charset="0"/>
+                            <a:sym typeface="Wingdings" panose="05000000000000000000" pitchFamily="2" charset="2"/>
+                          </a:rPr>
+                        </m:ctrlPr>
+                      </m:sSubPr>
+                      <m:e>
+                        <m:r>
+                          <a:rPr lang="de-DE" i="1">
+                            <a:latin typeface="Cambria Math" panose="02040503050406030204" pitchFamily="18" charset="0"/>
+                            <a:sym typeface="Wingdings" panose="05000000000000000000" pitchFamily="2" charset="2"/>
+                          </a:rPr>
+                          <m:t>𝑆</m:t>
+                        </m:r>
+                      </m:e>
+                      <m:sub>
+                        <m:r>
+                          <a:rPr lang="de-DE" i="1">
+                            <a:latin typeface="Cambria Math" panose="02040503050406030204" pitchFamily="18" charset="0"/>
+                            <a:sym typeface="Wingdings" panose="05000000000000000000" pitchFamily="2" charset="2"/>
+                          </a:rPr>
+                          <m:t>𝑅</m:t>
+                        </m:r>
+                      </m:sub>
+                    </m:sSub>
+                    <m:r>
+                      <a:rPr lang="de-DE" i="1">
+                        <a:latin typeface="Cambria Math" panose="02040503050406030204" pitchFamily="18" charset="0"/>
+                        <a:sym typeface="Wingdings" panose="05000000000000000000" pitchFamily="2" charset="2"/>
+                      </a:rPr>
+                      <m:t>(</m:t>
+                    </m:r>
+                    <m:sSub>
+                      <m:sSubPr>
+                        <m:ctrlPr>
+                          <a:rPr lang="de-DE" i="1">
+                            <a:latin typeface="Cambria Math" panose="02040503050406030204" pitchFamily="18" charset="0"/>
+                            <a:sym typeface="Wingdings" panose="05000000000000000000" pitchFamily="2" charset="2"/>
+                          </a:rPr>
+                        </m:ctrlPr>
+                      </m:sSubPr>
+                      <m:e>
+                        <m:r>
+                          <a:rPr lang="de-DE" i="1">
+                            <a:latin typeface="Cambria Math" panose="02040503050406030204" pitchFamily="18" charset="0"/>
+                            <a:sym typeface="Wingdings" panose="05000000000000000000" pitchFamily="2" charset="2"/>
+                          </a:rPr>
+                          <m:t>𝑝</m:t>
+                        </m:r>
+                      </m:e>
+                      <m:sub>
+                        <m:r>
+                          <a:rPr lang="de-DE" i="1">
+                            <a:latin typeface="Cambria Math" panose="02040503050406030204" pitchFamily="18" charset="0"/>
+                            <a:sym typeface="Wingdings" panose="05000000000000000000" pitchFamily="2" charset="2"/>
+                          </a:rPr>
+                          <m:t>𝑡</m:t>
+                        </m:r>
+                      </m:sub>
+                    </m:sSub>
+                    <m:r>
+                      <a:rPr lang="de-DE" i="1">
+                        <a:latin typeface="Cambria Math" panose="02040503050406030204" pitchFamily="18" charset="0"/>
+                        <a:sym typeface="Wingdings" panose="05000000000000000000" pitchFamily="2" charset="2"/>
+                      </a:rPr>
+                      <m:t>(</m:t>
+                    </m:r>
+                    <m:r>
+                      <a:rPr lang="de-DE" i="1">
+                        <a:latin typeface="Cambria Math" panose="02040503050406030204" pitchFamily="18" charset="0"/>
+                        <a:sym typeface="Wingdings" panose="05000000000000000000" pitchFamily="2" charset="2"/>
+                      </a:rPr>
+                      <m:t>𝑥</m:t>
+                    </m:r>
+                    <m:r>
+                      <a:rPr lang="de-DE" i="1">
+                        <a:latin typeface="Cambria Math" panose="02040503050406030204" pitchFamily="18" charset="0"/>
+                        <a:sym typeface="Wingdings" panose="05000000000000000000" pitchFamily="2" charset="2"/>
+                      </a:rPr>
+                      <m:t>))</m:t>
+                    </m:r>
+                  </m:oMath>
+                </a14:m>
+                <a:r>
+                  <a:rPr lang="de-DE" dirty="0" smtClean="0"/>
+                  <a:t> und die Menge von Punkten </a:t>
+                </a:r>
+                <a14:m>
+                  <m:oMath xmlns:m="http://schemas.openxmlformats.org/officeDocument/2006/math">
+                    <m:sSub>
+                      <m:sSubPr>
+                        <m:ctrlPr>
+                          <a:rPr lang="de-DE" b="0" i="1" smtClean="0">
+                            <a:latin typeface="Cambria Math" panose="02040503050406030204" pitchFamily="18" charset="0"/>
+                          </a:rPr>
+                        </m:ctrlPr>
+                      </m:sSubPr>
+                      <m:e>
+                        <m:r>
+                          <a:rPr lang="de-DE" b="0" i="1" smtClean="0">
+                            <a:latin typeface="Cambria Math" panose="02040503050406030204" pitchFamily="18" charset="0"/>
+                          </a:rPr>
+                          <m:t>𝑝</m:t>
+                        </m:r>
+                      </m:e>
+                      <m:sub>
+                        <m:r>
+                          <a:rPr lang="de-DE" b="0" i="1" smtClean="0">
+                            <a:latin typeface="Cambria Math" panose="02040503050406030204" pitchFamily="18" charset="0"/>
+                          </a:rPr>
+                          <m:t>1</m:t>
+                        </m:r>
+                      </m:sub>
+                    </m:sSub>
+                    <m:r>
+                      <a:rPr lang="de-DE" b="0" i="1" smtClean="0">
+                        <a:latin typeface="Cambria Math" panose="02040503050406030204" pitchFamily="18" charset="0"/>
+                      </a:rPr>
+                      <m:t>, </m:t>
+                    </m:r>
+                    <m:sSub>
+                      <m:sSubPr>
+                        <m:ctrlPr>
+                          <a:rPr lang="de-DE" b="0" i="1" smtClean="0">
+                            <a:latin typeface="Cambria Math" panose="02040503050406030204" pitchFamily="18" charset="0"/>
+                          </a:rPr>
+                        </m:ctrlPr>
+                      </m:sSubPr>
+                      <m:e>
+                        <m:r>
+                          <a:rPr lang="de-DE" b="0" i="1" smtClean="0">
+                            <a:latin typeface="Cambria Math" panose="02040503050406030204" pitchFamily="18" charset="0"/>
+                          </a:rPr>
+                          <m:t>𝑝</m:t>
+                        </m:r>
+                      </m:e>
+                      <m:sub>
+                        <m:r>
+                          <a:rPr lang="de-DE" b="0" i="1" smtClean="0">
+                            <a:latin typeface="Cambria Math" panose="02040503050406030204" pitchFamily="18" charset="0"/>
+                          </a:rPr>
+                          <m:t>2</m:t>
+                        </m:r>
+                      </m:sub>
+                    </m:sSub>
+                    <m:r>
+                      <a:rPr lang="de-DE" b="0" i="1" smtClean="0">
+                        <a:latin typeface="Cambria Math" panose="02040503050406030204" pitchFamily="18" charset="0"/>
+                      </a:rPr>
+                      <m:t>, …, </m:t>
+                    </m:r>
+                    <m:sSub>
+                      <m:sSubPr>
+                        <m:ctrlPr>
+                          <a:rPr lang="de-DE" b="0" i="1" smtClean="0">
+                            <a:latin typeface="Cambria Math" panose="02040503050406030204" pitchFamily="18" charset="0"/>
+                          </a:rPr>
+                        </m:ctrlPr>
+                      </m:sSubPr>
+                      <m:e>
+                        <m:r>
+                          <a:rPr lang="de-DE" b="0" i="1" smtClean="0">
+                            <a:latin typeface="Cambria Math" panose="02040503050406030204" pitchFamily="18" charset="0"/>
+                          </a:rPr>
+                          <m:t>𝑝</m:t>
+                        </m:r>
+                      </m:e>
+                      <m:sub>
+                        <m:r>
+                          <a:rPr lang="de-DE" b="0" i="1" smtClean="0">
+                            <a:latin typeface="Cambria Math" panose="02040503050406030204" pitchFamily="18" charset="0"/>
+                          </a:rPr>
+                          <m:t>𝑛</m:t>
+                        </m:r>
+                      </m:sub>
+                    </m:sSub>
+                  </m:oMath>
+                </a14:m>
+                <a:r>
+                  <a:rPr lang="de-DE" dirty="0" smtClean="0"/>
+                  <a:t> mehr als </a:t>
+                </a:r>
+                <a14:m>
+                  <m:oMath xmlns:m="http://schemas.openxmlformats.org/officeDocument/2006/math">
+                    <m:sSub>
+                      <m:sSubPr>
+                        <m:ctrlPr>
+                          <a:rPr lang="de-DE" b="0" i="1" smtClean="0">
+                            <a:latin typeface="Cambria Math" panose="02040503050406030204" pitchFamily="18" charset="0"/>
+                          </a:rPr>
+                        </m:ctrlPr>
+                      </m:sSubPr>
+                      <m:e>
+                        <m:r>
+                          <a:rPr lang="de-DE" b="0" i="1" smtClean="0">
+                            <a:latin typeface="Cambria Math" panose="02040503050406030204" pitchFamily="18" charset="0"/>
+                          </a:rPr>
+                          <m:t>#</m:t>
+                        </m:r>
+                      </m:e>
+                      <m:sub>
+                        <m:r>
+                          <a:rPr lang="de-DE" b="0" i="1" smtClean="0">
+                            <a:latin typeface="Cambria Math" panose="02040503050406030204" pitchFamily="18" charset="0"/>
+                          </a:rPr>
+                          <m:t>𝑚𝑖𝑛</m:t>
+                        </m:r>
+                      </m:sub>
+                    </m:sSub>
+                  </m:oMath>
+                </a14:m>
+                <a:endParaRPr lang="de-DE" dirty="0" smtClean="0"/>
+              </a:p>
+            </p:txBody>
+          </p:sp>
+        </mc:Choice>
+        <mc:Fallback>
+          <p:sp>
+            <p:nvSpPr>
+              <p:cNvPr id="17" name="Inhaltsplatzhalter 16"/>
+              <p:cNvSpPr>
+                <a:spLocks noGrp="1" noRot="1" noChangeAspect="1" noMove="1" noResize="1" noEditPoints="1" noAdjustHandles="1" noChangeArrowheads="1" noChangeShapeType="1" noTextEdit="1"/>
+              </p:cNvSpPr>
+              <p:nvPr>
+                <p:ph idx="1"/>
+                <p:custDataLst>
+                  <p:tags r:id="rId5"/>
+                </p:custDataLst>
+              </p:nvPr>
+            </p:nvSpPr>
+            <p:spPr>
+              <a:xfrm>
+                <a:off x="259080" y="1190624"/>
+                <a:ext cx="10452100" cy="4272915"/>
+              </a:xfrm>
+              <a:blipFill rotWithShape="0">
+                <a:blip r:embed="rId16"/>
+                <a:stretch>
+                  <a:fillRect l="-1284" t="-1854"/>
+                </a:stretch>
+              </a:blipFill>
+              <a:effectLst/>
+              <a:extLst>
+                <a:ext uri="{AF507438-7753-43E0-B8FC-AC1667EBCBE1}">
+                  <a14:hiddenEffects xmlns:a14="http://schemas.microsoft.com/office/drawing/2010/main">
+                    <a:effectLst>
+                      <a:outerShdw blurRad="63500" rotWithShape="0">
+                        <a:scrgbClr r="0" g="0" b="0"/>
+                      </a:outerShdw>
+                    </a:effectLst>
+                  </a14:hiddenEffects>
+                </a:ext>
+                <a:ext uri="{53640926-AAD7-44D8-BBD7-CCE9431645EC}">
+                  <a14:shadowObscured xmlns:a14="http://schemas.microsoft.com/office/drawing/2010/main"/>
+                </a:ext>
+              </a:extLst>
+            </p:spPr>
+            <p:txBody>
+              <a:bodyPr/>
+              <a:lstStyle/>
+              <a:p>
+                <a:r>
+                  <a:rPr lang="de-DE">
+                    <a:noFill/>
+                  </a:rPr>
+                  <a:t> </a:t>
+                </a:r>
+              </a:p>
+            </p:txBody>
+          </p:sp>
+        </mc:Fallback>
+      </mc:AlternateContent>
+      <p:sp>
+        <p:nvSpPr>
+          <p:cNvPr id="8" name="Textfeld 7"/>
+          <p:cNvSpPr txBox="1">
+            <a:spLocks/>
+          </p:cNvSpPr>
+          <p:nvPr>
+            <p:custDataLst>
+              <p:tags r:id="rId6"/>
+            </p:custDataLst>
+          </p:nvPr>
+        </p:nvSpPr>
+        <p:spPr>
+          <a:xfrm>
+            <a:off x="259080" y="259080"/>
+            <a:ext cx="10452100" cy="388620"/>
+          </a:xfrm>
+          <a:prstGeom prst="rect">
+            <a:avLst/>
+          </a:prstGeom>
+          <a:noFill/>
+          <a:effectLst/>
+          <a:extLst>
+            <a:ext uri="{AF507438-7753-43E0-B8FC-AC1667EBCBE1}">
+              <a14:hiddenEffects xmlns:a14="http://schemas.microsoft.com/office/drawing/2010/main">
+                <a:effectLst>
+                  <a:outerShdw blurRad="63500" rotWithShape="0">
+                    <a:scrgbClr r="0" g="0" b="0"/>
+                  </a:outerShdw>
+                </a:effectLst>
+              </a14:hiddenEffects>
+            </a:ext>
+            <a:ext uri="{53640926-AAD7-44D8-BBD7-CCE9431645EC}">
+              <a14:shadowObscured xmlns:a14="http://schemas.microsoft.com/office/drawing/2010/main"/>
+            </a:ext>
+          </a:extLst>
+        </p:spPr>
+        <p:txBody>
+          <a:bodyPr vert="horz" wrap="square" lIns="0" tIns="0" rIns="0" bIns="0" rtlCol="0" anchor="t">
+            <a:noAutofit/>
+          </a:bodyPr>
+          <a:lstStyle/>
+          <a:p>
+            <a:pPr marR="0" defTabSz="914400" eaLnBrk="1" fontAlgn="auto" latinLnBrk="0" hangingPunct="1">
+              <a:lnSpc>
+                <a:spcPct val="89000"/>
+              </a:lnSpc>
+              <a:buClrTx/>
+              <a:buSzTx/>
+              <a:buFontTx/>
+              <a:buNone/>
+              <a:tabLst/>
+            </a:pPr>
+            <a:r>
+              <a:rPr lang="de-DE" sz="2800" kern="0" dirty="0" smtClean="0"/>
+              <a:t>Grundlagen</a:t>
+            </a:r>
+            <a:endParaRPr kumimoji="0" lang="de-DE" sz="2800" b="0" i="0" u="none" strike="noStrike" kern="0" cap="none" normalizeH="0" baseline="0" noProof="0" dirty="0" smtClean="0">
+              <a:ln>
+                <a:noFill/>
+              </a:ln>
+              <a:effectLst/>
+              <a:uLnTx/>
+              <a:uFillTx/>
+            </a:endParaRPr>
+          </a:p>
+        </p:txBody>
+      </p:sp>
+      <p:sp>
+        <p:nvSpPr>
+          <p:cNvPr id="7" name="Rechteck 6"/>
+          <p:cNvSpPr>
+            <a:spLocks/>
+          </p:cNvSpPr>
+          <p:nvPr>
+            <p:custDataLst>
+              <p:tags r:id="rId7"/>
+            </p:custDataLst>
+          </p:nvPr>
+        </p:nvSpPr>
+        <p:spPr>
+          <a:xfrm>
+            <a:off x="593090" y="5643880"/>
+            <a:ext cx="9152890" cy="107950"/>
+          </a:xfrm>
+          <a:prstGeom prst="rect">
+            <a:avLst/>
+          </a:prstGeom>
+          <a:noFill/>
+          <a:ln w="9525" cap="flat" cmpd="sng" algn="ctr">
+            <a:noFill/>
+            <a:prstDash val="solid"/>
+          </a:ln>
+          <a:effectLst/>
+          <a:extLst>
+            <a:ext uri="{91240B29-F687-4F45-9708-019B960494DF}">
+              <a14:hiddenLine xmlns:a14="http://schemas.microsoft.com/office/drawing/2010/main" w="9525" cap="flat" cmpd="sng" algn="ctr">
+                <a:solidFill>
+                  <a:srgbClr val="3F136C"/>
+                </a:solidFill>
+                <a:prstDash val="solid"/>
+              </a14:hiddenLine>
+            </a:ext>
+            <a:ext uri="{AF507438-7753-43E0-B8FC-AC1667EBCBE1}">
+              <a14:hiddenEffects xmlns:a14="http://schemas.microsoft.com/office/drawing/2010/main">
+                <a:effectLst>
+                  <a:outerShdw blurRad="63500" rotWithShape="0">
+                    <a:scrgbClr r="0" g="0" b="0"/>
+                  </a:outerShdw>
+                </a:effectLst>
+              </a14:hiddenEffects>
+            </a:ext>
+            <a:ext uri="{53640926-AAD7-44D8-BBD7-CCE9431645EC}">
+              <a14:shadowObscured xmlns:a14="http://schemas.microsoft.com/office/drawing/2010/main"/>
+            </a:ext>
+          </a:extLst>
+        </p:spPr>
+        <p:txBody>
+          <a:bodyPr wrap="square" lIns="0" tIns="0" rIns="0" bIns="0" rtlCol="0" anchor="t">
+            <a:noAutofit/>
+          </a:bodyPr>
+          <a:lstStyle/>
+          <a:p>
+            <a:pPr marL="0" marR="0" indent="0" defTabSz="914400" eaLnBrk="1" fontAlgn="auto" latinLnBrk="0" hangingPunct="1">
+              <a:lnSpc>
+                <a:spcPct val="107000"/>
+              </a:lnSpc>
+              <a:spcAft>
+                <a:spcPts val="100"/>
+              </a:spcAft>
+              <a:buClrTx/>
+              <a:buSzTx/>
+              <a:buFontTx/>
+              <a:buNone/>
+              <a:tabLst/>
+            </a:pPr>
+            <a:r>
+              <a:rPr kumimoji="0" lang="de-DE" sz="600" strike="noStrike" kern="0" cap="none" normalizeH="0" baseline="0" noProof="0" smtClean="0">
+                <a:ln>
+                  <a:noFill/>
+                </a:ln>
+                <a:solidFill>
+                  <a:srgbClr val="000000"/>
+                </a:solidFill>
+                <a:effectLst/>
+                <a:uLnTx/>
+                <a:uFillTx/>
+                <a:ea typeface="+mn-ea"/>
+                <a:cs typeface="+mn-cs"/>
+              </a:rPr>
+              <a:t>HOME/EPS | 11.04.2018</a:t>
+            </a:r>
+            <a:endParaRPr kumimoji="0" lang="de-DE" sz="600" strike="noStrike" kern="0" cap="none" normalizeH="0" baseline="0" noProof="0" dirty="0" smtClean="0">
+              <a:ln>
+                <a:noFill/>
+              </a:ln>
+              <a:solidFill>
+                <a:srgbClr val="000000"/>
+              </a:solidFill>
+              <a:effectLst/>
+              <a:uLnTx/>
+              <a:uFillTx/>
+              <a:ea typeface="+mn-ea"/>
+              <a:cs typeface="+mn-cs"/>
+            </a:endParaRPr>
+          </a:p>
+        </p:txBody>
+      </p:sp>
+      <p:sp>
+        <p:nvSpPr>
+          <p:cNvPr id="6" name="Rechteck 5"/>
+          <p:cNvSpPr>
+            <a:spLocks/>
+          </p:cNvSpPr>
+          <p:nvPr>
+            <p:custDataLst>
+              <p:tags r:id="rId8"/>
+            </p:custDataLst>
+          </p:nvPr>
+        </p:nvSpPr>
+        <p:spPr>
+          <a:xfrm>
+            <a:off x="593090" y="5758180"/>
+            <a:ext cx="9152890" cy="215900"/>
+          </a:xfrm>
+          <a:prstGeom prst="rect">
+            <a:avLst/>
+          </a:prstGeom>
+          <a:noFill/>
+          <a:ln w="9525" cap="flat" cmpd="sng" algn="ctr">
+            <a:noFill/>
+            <a:prstDash val="solid"/>
+          </a:ln>
+          <a:effectLst/>
+          <a:extLst>
+            <a:ext uri="{91240B29-F687-4F45-9708-019B960494DF}">
+              <a14:hiddenLine xmlns:a14="http://schemas.microsoft.com/office/drawing/2010/main" w="9525" cap="flat" cmpd="sng" algn="ctr">
+                <a:solidFill>
+                  <a:srgbClr val="3F136C"/>
+                </a:solidFill>
+                <a:prstDash val="solid"/>
+              </a14:hiddenLine>
+            </a:ext>
+            <a:ext uri="{AF507438-7753-43E0-B8FC-AC1667EBCBE1}">
+              <a14:hiddenEffects xmlns:a14="http://schemas.microsoft.com/office/drawing/2010/main">
+                <a:effectLst>
+                  <a:outerShdw blurRad="63500" rotWithShape="0">
+                    <a:scrgbClr r="0" g="0" b="0"/>
+                  </a:outerShdw>
+                </a:effectLst>
+              </a14:hiddenEffects>
+            </a:ext>
+            <a:ext uri="{53640926-AAD7-44D8-BBD7-CCE9431645EC}">
+              <a14:shadowObscured xmlns:a14="http://schemas.microsoft.com/office/drawing/2010/main"/>
+            </a:ext>
+          </a:extLst>
+        </p:spPr>
+        <p:txBody>
+          <a:bodyPr wrap="square" lIns="0" tIns="0" rIns="0" bIns="0" rtlCol="0" anchor="t">
+            <a:noAutofit/>
+          </a:bodyPr>
+          <a:lstStyle/>
+          <a:p>
+            <a:pPr marL="0" marR="0" indent="0" defTabSz="914400" eaLnBrk="1" fontAlgn="auto" latinLnBrk="0" hangingPunct="1">
+              <a:lnSpc>
+                <a:spcPct val="107000"/>
+              </a:lnSpc>
+              <a:spcAft>
+                <a:spcPts val="100"/>
+              </a:spcAft>
+              <a:buClrTx/>
+              <a:buSzTx/>
+              <a:buFontTx/>
+              <a:buNone/>
+              <a:tabLst/>
+            </a:pPr>
+            <a:r>
+              <a:rPr kumimoji="0" lang="de-DE" sz="600" b="0" i="0" u="none" strike="noStrike" kern="0" cap="none" normalizeH="0" baseline="0" noProof="0" smtClean="0">
+                <a:ln>
+                  <a:noFill/>
+                </a:ln>
+                <a:solidFill>
+                  <a:srgbClr val="B2B3B5"/>
+                </a:solidFill>
+                <a:effectLst/>
+                <a:uLnTx/>
+                <a:uFillTx/>
+                <a:latin typeface="Bosch Office Sans"/>
+                <a:ea typeface="+mn-ea"/>
+                <a:cs typeface="+mn-cs"/>
+              </a:rPr>
+              <a:t>© Robert Bosch GmbH 2018. Alle Rechte vorbehalten, auch bzgl. jeder Verfügung, Verwertung, Reproduktion, Bearbeitung, Weitergabe sowie für den Fall von Schutzrechtsanmeldungen.</a:t>
+            </a:r>
+            <a:endParaRPr kumimoji="0" lang="de-DE" sz="600" b="0" i="0" u="none" strike="noStrike" kern="0" cap="none" normalizeH="0" baseline="0" noProof="0" dirty="0" smtClean="0">
+              <a:ln>
+                <a:noFill/>
+              </a:ln>
+              <a:solidFill>
+                <a:srgbClr val="B2B3B5"/>
+              </a:solidFill>
+              <a:effectLst/>
+              <a:uLnTx/>
+              <a:uFillTx/>
+              <a:latin typeface="Bosch Office Sans"/>
+              <a:ea typeface="+mn-ea"/>
+              <a:cs typeface="+mn-cs"/>
+            </a:endParaRPr>
+          </a:p>
+        </p:txBody>
+      </p:sp>
+      <p:sp>
+        <p:nvSpPr>
+          <p:cNvPr id="5" name="Rechteck 4"/>
+          <p:cNvSpPr>
+            <a:spLocks/>
+          </p:cNvSpPr>
+          <p:nvPr>
+            <p:custDataLst>
+              <p:tags r:id="rId9"/>
+            </p:custDataLst>
+          </p:nvPr>
+        </p:nvSpPr>
+        <p:spPr>
+          <a:xfrm>
+            <a:off x="266700" y="5628640"/>
+            <a:ext cx="288290" cy="410210"/>
+          </a:xfrm>
+          <a:prstGeom prst="rect">
+            <a:avLst/>
+          </a:prstGeom>
+          <a:noFill/>
+          <a:ln w="9525" cap="flat" cmpd="sng" algn="ctr">
+            <a:noFill/>
+            <a:prstDash val="solid"/>
+          </a:ln>
+          <a:effectLst/>
+          <a:extLst>
+            <a:ext uri="{91240B29-F687-4F45-9708-019B960494DF}">
+              <a14:hiddenLine xmlns:a14="http://schemas.microsoft.com/office/drawing/2010/main" w="9525" cap="flat" cmpd="sng" algn="ctr">
+                <a:solidFill>
+                  <a:srgbClr val="3F136C"/>
+                </a:solidFill>
+                <a:prstDash val="solid"/>
+              </a14:hiddenLine>
+            </a:ext>
+            <a:ext uri="{AF507438-7753-43E0-B8FC-AC1667EBCBE1}">
+              <a14:hiddenEffects xmlns:a14="http://schemas.microsoft.com/office/drawing/2010/main">
+                <a:effectLst>
+                  <a:outerShdw blurRad="63500" rotWithShape="0">
+                    <a:scrgbClr r="0" g="0" b="0"/>
+                  </a:outerShdw>
+                </a:effectLst>
+              </a14:hiddenEffects>
+            </a:ext>
+            <a:ext uri="{53640926-AAD7-44D8-BBD7-CCE9431645EC}">
+              <a14:shadowObscured xmlns:a14="http://schemas.microsoft.com/office/drawing/2010/main"/>
+            </a:ext>
+          </a:extLst>
+        </p:spPr>
+        <p:txBody>
+          <a:bodyPr wrap="none" lIns="0" tIns="0" rIns="0" bIns="0" rtlCol="0" anchor="t">
+            <a:noAutofit/>
+          </a:bodyPr>
+          <a:lstStyle/>
+          <a:p>
+            <a:pPr marL="0" marR="0" indent="0" defTabSz="914400" eaLnBrk="1" fontAlgn="auto" latinLnBrk="0" hangingPunct="1">
+              <a:buClrTx/>
+              <a:buSzTx/>
+              <a:buFontTx/>
+              <a:buNone/>
+              <a:tabLst/>
+            </a:pPr>
+            <a:r>
+              <a:rPr kumimoji="0" lang="de-DE" sz="1200" b="0" i="0" u="none" strike="noStrike" kern="0" cap="none" normalizeH="0" baseline="0" noProof="0" smtClean="0">
+                <a:ln>
+                  <a:noFill/>
+                </a:ln>
+                <a:solidFill>
+                  <a:srgbClr val="999FA6"/>
+                </a:solidFill>
+                <a:effectLst/>
+                <a:uLnTx/>
+                <a:uFillTx/>
+                <a:latin typeface="Bosch Office Sans"/>
+                <a:ea typeface="+mn-ea"/>
+                <a:cs typeface="+mn-cs"/>
+              </a:rPr>
+              <a:t>13</a:t>
+            </a:r>
+            <a:endParaRPr kumimoji="0" lang="de-DE" sz="1200" b="0" i="0" u="none" strike="noStrike" kern="0" cap="none" normalizeH="0" baseline="0" noProof="0" dirty="0" smtClean="0">
+              <a:ln>
+                <a:noFill/>
+              </a:ln>
+              <a:solidFill>
+                <a:srgbClr val="999FA6"/>
+              </a:solidFill>
+              <a:effectLst/>
+              <a:uLnTx/>
+              <a:uFillTx/>
+              <a:latin typeface="Bosch Office Sans"/>
+              <a:ea typeface="+mn-ea"/>
+              <a:cs typeface="+mn-cs"/>
+            </a:endParaRPr>
+          </a:p>
+        </p:txBody>
+      </p:sp>
+      <p:sp>
+        <p:nvSpPr>
+          <p:cNvPr id="4" name="Rechteck 3" hidden="1"/>
+          <p:cNvSpPr>
+            <a:spLocks/>
+          </p:cNvSpPr>
+          <p:nvPr>
+            <p:custDataLst>
+              <p:tags r:id="rId10"/>
+            </p:custDataLst>
+          </p:nvPr>
+        </p:nvSpPr>
+        <p:spPr>
+          <a:xfrm>
+            <a:off x="9224010" y="259080"/>
+            <a:ext cx="1691640" cy="777240"/>
+          </a:xfrm>
+          <a:prstGeom prst="rect">
+            <a:avLst/>
+          </a:prstGeom>
+          <a:noFill/>
+          <a:ln w="9525" cap="flat" cmpd="sng" algn="ctr">
+            <a:noFill/>
+            <a:prstDash val="solid"/>
+          </a:ln>
+          <a:effectLst/>
+          <a:extLst>
+            <a:ext uri="{91240B29-F687-4F45-9708-019B960494DF}">
+              <a14:hiddenLine xmlns:a14="http://schemas.microsoft.com/office/drawing/2010/main" w="9525" cap="flat" cmpd="sng" algn="ctr">
+                <a:solidFill>
+                  <a:srgbClr val="3F136C"/>
+                </a:solidFill>
+                <a:prstDash val="solid"/>
+              </a14:hiddenLine>
+            </a:ext>
+            <a:ext uri="{AF507438-7753-43E0-B8FC-AC1667EBCBE1}">
+              <a14:hiddenEffects xmlns:a14="http://schemas.microsoft.com/office/drawing/2010/main">
+                <a:effectLst>
+                  <a:outerShdw blurRad="63500" rotWithShape="0">
+                    <a:scrgbClr r="0" g="0" b="0"/>
+                  </a:outerShdw>
+                </a:effectLst>
+              </a14:hiddenEffects>
+            </a:ext>
+            <a:ext uri="{53640926-AAD7-44D8-BBD7-CCE9431645EC}">
+              <a14:shadowObscured xmlns:a14="http://schemas.microsoft.com/office/drawing/2010/main"/>
+            </a:ext>
+          </a:extLst>
+        </p:spPr>
+        <p:txBody>
+          <a:bodyPr wrap="square" lIns="0" tIns="17780" rIns="0" bIns="0" rtlCol="0" anchor="t">
+            <a:normAutofit/>
+          </a:bodyPr>
+          <a:lstStyle/>
+          <a:p>
+            <a:pPr marL="0" marR="0" indent="0" defTabSz="914400" eaLnBrk="1" fontAlgn="auto" latinLnBrk="0" hangingPunct="1">
+              <a:lnSpc>
+                <a:spcPts val="900"/>
+              </a:lnSpc>
+              <a:buClrTx/>
+              <a:buSzTx/>
+              <a:buFontTx/>
+              <a:buNone/>
+              <a:tabLst/>
+            </a:pPr>
+            <a:endParaRPr kumimoji="0" lang="de-DE" sz="550" b="0" i="0" u="none" strike="noStrike" kern="0" cap="none" normalizeH="0" baseline="0" noProof="0" dirty="0" smtClean="0">
+              <a:ln>
+                <a:noFill/>
+              </a:ln>
+              <a:effectLst/>
+              <a:uLnTx/>
+              <a:uFillTx/>
+              <a:latin typeface="Bosch Office Sans"/>
+              <a:ea typeface="+mn-ea"/>
+              <a:cs typeface="+mn-cs"/>
+            </a:endParaRPr>
+          </a:p>
+        </p:txBody>
+      </p:sp>
+      <p:sp>
+        <p:nvSpPr>
+          <p:cNvPr id="3" name="Textfeld 2" hidden="1"/>
+          <p:cNvSpPr txBox="1">
+            <a:spLocks/>
+          </p:cNvSpPr>
+          <p:nvPr>
+            <p:custDataLst>
+              <p:tags r:id="rId11"/>
+            </p:custDataLst>
+          </p:nvPr>
+        </p:nvSpPr>
+        <p:spPr>
+          <a:xfrm>
+            <a:off x="0" y="5975350"/>
+            <a:ext cx="0" cy="0"/>
+          </a:xfrm>
+          <a:prstGeom prst="rect">
+            <a:avLst/>
+          </a:prstGeom>
+          <a:noFill/>
+          <a:effectLst/>
+          <a:extLst>
+            <a:ext uri="{AF507438-7753-43E0-B8FC-AC1667EBCBE1}">
+              <a14:hiddenEffects xmlns:a14="http://schemas.microsoft.com/office/drawing/2010/main">
+                <a:effectLst>
+                  <a:outerShdw blurRad="63500" rotWithShape="0">
+                    <a:scrgbClr r="0" g="0" b="0"/>
+                  </a:outerShdw>
+                </a:effectLst>
+              </a14:hiddenEffects>
+            </a:ext>
+            <a:ext uri="{53640926-AAD7-44D8-BBD7-CCE9431645EC}">
+              <a14:shadowObscured xmlns:a14="http://schemas.microsoft.com/office/drawing/2010/main"/>
+            </a:ext>
+          </a:extLst>
+        </p:spPr>
+        <p:txBody>
+          <a:bodyPr vert="horz" wrap="none" lIns="0" tIns="0" rIns="0" bIns="0" rtlCol="0" anchor="t">
+            <a:noAutofit/>
+          </a:bodyPr>
+          <a:lstStyle/>
+          <a:p>
+            <a:pPr marR="0" defTabSz="914400" eaLnBrk="1" fontAlgn="auto" latinLnBrk="0" hangingPunct="1">
+              <a:lnSpc>
+                <a:spcPct val="107000"/>
+              </a:lnSpc>
+              <a:buClrTx/>
+              <a:buSzTx/>
+              <a:buFontTx/>
+              <a:buNone/>
+              <a:tabLst/>
+            </a:pPr>
+            <a:endParaRPr kumimoji="0" lang="de-DE" sz="1300" b="0" i="0" u="none" strike="noStrike" kern="0" cap="none" normalizeH="0" baseline="0" noProof="0" dirty="0" err="1" smtClean="0">
+              <a:ln>
+                <a:noFill/>
+              </a:ln>
+              <a:effectLst/>
+              <a:uLnTx/>
+              <a:uFillTx/>
+            </a:endParaRPr>
+          </a:p>
+        </p:txBody>
+      </p:sp>
+      <p:pic>
+        <p:nvPicPr>
+          <p:cNvPr id="9" name="Grafik 8"/>
+          <p:cNvPicPr>
+            <a:picLocks noChangeAspect="1"/>
+          </p:cNvPicPr>
+          <p:nvPr>
+            <p:custDataLst>
+              <p:tags r:id="rId12"/>
+            </p:custDataLst>
+          </p:nvPr>
+        </p:nvPicPr>
+        <p:blipFill>
+          <a:blip r:embed="rId17" cstate="print">
+            <a:extLst>
+              <a:ext uri="{28A0092B-C50C-407E-A947-70E740481C1C}">
+                <a14:useLocalDpi xmlns:a14="http://schemas.microsoft.com/office/drawing/2010/main" val="0"/>
+              </a:ext>
+            </a:extLst>
+          </a:blip>
+          <a:stretch>
+            <a:fillRect/>
+          </a:stretch>
+        </p:blipFill>
+        <p:spPr>
+          <a:xfrm>
+            <a:off x="6763669" y="3501225"/>
+            <a:ext cx="3073211" cy="2161650"/>
+          </a:xfrm>
+          <a:prstGeom prst="rect">
+            <a:avLst/>
+          </a:prstGeom>
+        </p:spPr>
+      </p:pic>
+    </p:spTree>
+    <p:custDataLst>
+      <p:tags r:id="rId1"/>
+    </p:custDataLst>
+    <p:extLst>
+      <p:ext uri="{BB962C8B-B14F-4D97-AF65-F5344CB8AC3E}">
+        <p14:creationId xmlns:p14="http://schemas.microsoft.com/office/powerpoint/2010/main" val="3740836908"/>
+      </p:ext>
+    </p:extLst>
+  </p:cSld>
+  <p:clrMapOvr>
+    <a:masterClrMapping/>
+  </p:clrMapOvr>
+  <p:timing>
+    <p:tnLst>
+      <p:par>
+        <p:cTn id="1" dur="indefinite" restart="never" nodeType="tmRoot"/>
+      </p:par>
+    </p:tnLst>
+  </p:timing>
+</p:sld>
+</file>
+
+<file path=ppt/slides/slide14.xml><?xml version="1.0" encoding="utf-8"?>
 <p:sld xmlns:a="http://schemas.openxmlformats.org/drawingml/2006/main" xmlns:r="http://schemas.openxmlformats.org/officeDocument/2006/relationships" xmlns:p="http://schemas.openxmlformats.org/presentationml/2006/main" showMasterSp="0">
   <p:cSld>
     <p:spTree>
@@ -7374,6 +8794,995 @@
       <p:pic>
         <p:nvPicPr>
           <p:cNvPr id="20" name="Grafik 19"/>
+          <p:cNvPicPr>
+            <a:picLocks/>
+          </p:cNvPicPr>
+          <p:nvPr>
+            <p:custDataLst>
+              <p:tags r:id="rId2"/>
+            </p:custDataLst>
+          </p:nvPr>
+        </p:nvPicPr>
+        <p:blipFill>
+          <a:blip r:embed="rId15" cstate="print">
+            <a:extLst>
+              <a:ext uri="{28A0092B-C50C-407E-A947-70E740481C1C}">
+                <a14:useLocalDpi xmlns:a14="http://schemas.microsoft.com/office/drawing/2010/main" val="0"/>
+              </a:ext>
+            </a:extLst>
+          </a:blip>
+          <a:stretch>
+            <a:fillRect/>
+          </a:stretch>
+        </p:blipFill>
+        <p:spPr>
+          <a:xfrm>
+            <a:off x="9758680" y="5464810"/>
+            <a:ext cx="1094740" cy="575310"/>
+          </a:xfrm>
+          <a:prstGeom prst="rect">
+            <a:avLst/>
+          </a:prstGeom>
+          <a:effectLst/>
+          <a:extLst>
+            <a:ext uri="{AF507438-7753-43E0-B8FC-AC1667EBCBE1}">
+              <a14:hiddenEffects xmlns:a14="http://schemas.microsoft.com/office/drawing/2010/main">
+                <a:effectLst>
+                  <a:outerShdw blurRad="63500" rotWithShape="0">
+                    <a:scrgbClr r="0" g="0" b="0"/>
+                  </a:outerShdw>
+                </a:effectLst>
+              </a14:hiddenEffects>
+            </a:ext>
+            <a:ext uri="{53640926-AAD7-44D8-BBD7-CCE9431645EC}">
+              <a14:shadowObscured xmlns:a14="http://schemas.microsoft.com/office/drawing/2010/main"/>
+            </a:ext>
+          </a:extLst>
+        </p:spPr>
+      </p:pic>
+      <p:pic>
+        <p:nvPicPr>
+          <p:cNvPr id="17" name="Grafik 16"/>
+          <p:cNvPicPr>
+            <a:picLocks/>
+          </p:cNvPicPr>
+          <p:nvPr>
+            <p:custDataLst>
+              <p:tags r:id="rId3"/>
+            </p:custDataLst>
+          </p:nvPr>
+        </p:nvPicPr>
+        <p:blipFill>
+          <a:blip r:embed="rId16">
+            <a:extLst>
+              <a:ext uri="{28A0092B-C50C-407E-A947-70E740481C1C}">
+                <a14:useLocalDpi xmlns:a14="http://schemas.microsoft.com/office/drawing/2010/main" val="0"/>
+              </a:ext>
+            </a:extLst>
+          </a:blip>
+          <a:stretch>
+            <a:fillRect/>
+          </a:stretch>
+        </p:blipFill>
+        <p:spPr>
+          <a:xfrm>
+            <a:off x="0" y="6041390"/>
+            <a:ext cx="10970260" cy="129540"/>
+          </a:xfrm>
+          <a:prstGeom prst="rect">
+            <a:avLst/>
+          </a:prstGeom>
+          <a:effectLst/>
+          <a:extLst>
+            <a:ext uri="{AF507438-7753-43E0-B8FC-AC1667EBCBE1}">
+              <a14:hiddenEffects xmlns:a14="http://schemas.microsoft.com/office/drawing/2010/main">
+                <a:effectLst>
+                  <a:outerShdw blurRad="63500" rotWithShape="0">
+                    <a:scrgbClr r="0" g="0" b="0"/>
+                  </a:outerShdw>
+                </a:effectLst>
+              </a14:hiddenEffects>
+            </a:ext>
+            <a:ext uri="{53640926-AAD7-44D8-BBD7-CCE9431645EC}">
+              <a14:shadowObscured xmlns:a14="http://schemas.microsoft.com/office/drawing/2010/main"/>
+            </a:ext>
+          </a:extLst>
+        </p:spPr>
+      </p:pic>
+      <p:sp>
+        <p:nvSpPr>
+          <p:cNvPr id="21" name="Inhaltsplatzhalter 20"/>
+          <p:cNvSpPr>
+            <a:spLocks noGrp="1"/>
+          </p:cNvSpPr>
+          <p:nvPr>
+            <p:ph idx="1"/>
+            <p:custDataLst>
+              <p:tags r:id="rId4"/>
+            </p:custDataLst>
+          </p:nvPr>
+        </p:nvSpPr>
+        <p:spPr>
+          <a:xfrm>
+            <a:off x="259080" y="1295400"/>
+            <a:ext cx="10452100" cy="4168140"/>
+          </a:xfrm>
+          <a:solidFill>
+            <a:scrgbClr r="0" g="0" b="0">
+              <a:alpha val="0"/>
+            </a:scrgbClr>
+          </a:solidFill>
+          <a:effectLst/>
+          <a:extLst>
+            <a:ext uri="{AF507438-7753-43E0-B8FC-AC1667EBCBE1}">
+              <a14:hiddenEffects xmlns:a14="http://schemas.microsoft.com/office/drawing/2010/main">
+                <a:effectLst>
+                  <a:outerShdw blurRad="63500" rotWithShape="0">
+                    <a:scrgbClr r="0" g="0" b="0"/>
+                  </a:outerShdw>
+                </a:effectLst>
+              </a14:hiddenEffects>
+            </a:ext>
+            <a:ext uri="{53640926-AAD7-44D8-BBD7-CCE9431645EC}">
+              <a14:shadowObscured xmlns:a14="http://schemas.microsoft.com/office/drawing/2010/main"/>
+            </a:ext>
+          </a:extLst>
+        </p:spPr>
+        <p:txBody>
+          <a:bodyPr wrap="square" lIns="0" tIns="0" rIns="0" bIns="0" anchor="t">
+            <a:noAutofit/>
+          </a:bodyPr>
+          <a:lstStyle/>
+          <a:p>
+            <a:r>
+              <a:rPr lang="de-DE" dirty="0" smtClean="0"/>
+              <a:t>Stellt die Tonwertverteilung graphisch dar </a:t>
+            </a:r>
+          </a:p>
+          <a:p>
+            <a:r>
+              <a:rPr lang="de-DE" dirty="0" smtClean="0"/>
+              <a:t>Ein nützliches Werkzeug für die Schwellwertbildung</a:t>
+            </a:r>
+          </a:p>
+          <a:p>
+            <a:r>
+              <a:rPr lang="de-DE" dirty="0" smtClean="0"/>
+              <a:t>Bildhistogramme lassen sich auf Hoch- und Tiefpunkte analysieren</a:t>
+            </a:r>
+          </a:p>
+          <a:p>
+            <a:r>
+              <a:rPr lang="de-DE" dirty="0" err="1" smtClean="0"/>
+              <a:t>Histogrammanalyse</a:t>
+            </a:r>
+            <a:r>
+              <a:rPr lang="de-DE" dirty="0" smtClean="0"/>
+              <a:t> zur Erkennung von Körperhaltungen</a:t>
+            </a:r>
+          </a:p>
+          <a:p>
+            <a:pPr lvl="1"/>
+            <a:r>
+              <a:rPr lang="de-DE" dirty="0" smtClean="0"/>
+              <a:t>Jede Körperhaltung erzeugt ein unterschiedliches Muster von Histogrammen </a:t>
+            </a:r>
+            <a:r>
+              <a:rPr lang="de-DE" dirty="0" smtClean="0">
+                <a:sym typeface="Wingdings" panose="05000000000000000000" pitchFamily="2" charset="2"/>
+              </a:rPr>
+              <a:t> anwendbar</a:t>
+            </a:r>
+          </a:p>
+          <a:p>
+            <a:endParaRPr lang="de-DE" dirty="0" smtClean="0">
+              <a:sym typeface="Wingdings" panose="05000000000000000000" pitchFamily="2" charset="2"/>
+            </a:endParaRPr>
+          </a:p>
+          <a:p>
+            <a:pPr lvl="1"/>
+            <a:endParaRPr lang="de-DE" dirty="0"/>
+          </a:p>
+        </p:txBody>
+      </p:sp>
+      <p:sp>
+        <p:nvSpPr>
+          <p:cNvPr id="8" name="Textfeld 7"/>
+          <p:cNvSpPr txBox="1">
+            <a:spLocks/>
+          </p:cNvSpPr>
+          <p:nvPr>
+            <p:custDataLst>
+              <p:tags r:id="rId5"/>
+            </p:custDataLst>
+          </p:nvPr>
+        </p:nvSpPr>
+        <p:spPr>
+          <a:xfrm>
+            <a:off x="259080" y="259080"/>
+            <a:ext cx="10452100" cy="388620"/>
+          </a:xfrm>
+          <a:prstGeom prst="rect">
+            <a:avLst/>
+          </a:prstGeom>
+          <a:noFill/>
+          <a:effectLst/>
+          <a:extLst>
+            <a:ext uri="{AF507438-7753-43E0-B8FC-AC1667EBCBE1}">
+              <a14:hiddenEffects xmlns:a14="http://schemas.microsoft.com/office/drawing/2010/main">
+                <a:effectLst>
+                  <a:outerShdw blurRad="63500" rotWithShape="0">
+                    <a:scrgbClr r="0" g="0" b="0"/>
+                  </a:outerShdw>
+                </a:effectLst>
+              </a14:hiddenEffects>
+            </a:ext>
+            <a:ext uri="{53640926-AAD7-44D8-BBD7-CCE9431645EC}">
+              <a14:shadowObscured xmlns:a14="http://schemas.microsoft.com/office/drawing/2010/main"/>
+            </a:ext>
+          </a:extLst>
+        </p:spPr>
+        <p:txBody>
+          <a:bodyPr vert="horz" wrap="square" lIns="0" tIns="0" rIns="0" bIns="0" rtlCol="0" anchor="t">
+            <a:noAutofit/>
+          </a:bodyPr>
+          <a:lstStyle/>
+          <a:p>
+            <a:pPr marR="0" defTabSz="914400" eaLnBrk="1" fontAlgn="auto" latinLnBrk="0" hangingPunct="1">
+              <a:lnSpc>
+                <a:spcPct val="89000"/>
+              </a:lnSpc>
+              <a:buClrTx/>
+              <a:buSzTx/>
+              <a:buFontTx/>
+              <a:buNone/>
+              <a:tabLst/>
+            </a:pPr>
+            <a:r>
+              <a:rPr lang="de-DE" sz="2800" kern="0" dirty="0" smtClean="0"/>
+              <a:t>Grundlagen</a:t>
+            </a:r>
+            <a:endParaRPr kumimoji="0" lang="de-DE" sz="2800" b="0" i="0" u="none" strike="noStrike" kern="0" cap="none" normalizeH="0" baseline="0" noProof="0" dirty="0" smtClean="0">
+              <a:ln>
+                <a:noFill/>
+              </a:ln>
+              <a:effectLst/>
+              <a:uLnTx/>
+              <a:uFillTx/>
+            </a:endParaRPr>
+          </a:p>
+        </p:txBody>
+      </p:sp>
+      <p:sp>
+        <p:nvSpPr>
+          <p:cNvPr id="7" name="Rechteck 6"/>
+          <p:cNvSpPr>
+            <a:spLocks/>
+          </p:cNvSpPr>
+          <p:nvPr>
+            <p:custDataLst>
+              <p:tags r:id="rId6"/>
+            </p:custDataLst>
+          </p:nvPr>
+        </p:nvSpPr>
+        <p:spPr>
+          <a:xfrm>
+            <a:off x="593090" y="5643880"/>
+            <a:ext cx="9152890" cy="107950"/>
+          </a:xfrm>
+          <a:prstGeom prst="rect">
+            <a:avLst/>
+          </a:prstGeom>
+          <a:noFill/>
+          <a:ln w="9525" cap="flat" cmpd="sng" algn="ctr">
+            <a:noFill/>
+            <a:prstDash val="solid"/>
+          </a:ln>
+          <a:effectLst/>
+          <a:extLst>
+            <a:ext uri="{91240B29-F687-4F45-9708-019B960494DF}">
+              <a14:hiddenLine xmlns:a14="http://schemas.microsoft.com/office/drawing/2010/main" w="9525" cap="flat" cmpd="sng" algn="ctr">
+                <a:solidFill>
+                  <a:srgbClr val="3F136C"/>
+                </a:solidFill>
+                <a:prstDash val="solid"/>
+              </a14:hiddenLine>
+            </a:ext>
+            <a:ext uri="{AF507438-7753-43E0-B8FC-AC1667EBCBE1}">
+              <a14:hiddenEffects xmlns:a14="http://schemas.microsoft.com/office/drawing/2010/main">
+                <a:effectLst>
+                  <a:outerShdw blurRad="63500" rotWithShape="0">
+                    <a:scrgbClr r="0" g="0" b="0"/>
+                  </a:outerShdw>
+                </a:effectLst>
+              </a14:hiddenEffects>
+            </a:ext>
+            <a:ext uri="{53640926-AAD7-44D8-BBD7-CCE9431645EC}">
+              <a14:shadowObscured xmlns:a14="http://schemas.microsoft.com/office/drawing/2010/main"/>
+            </a:ext>
+          </a:extLst>
+        </p:spPr>
+        <p:txBody>
+          <a:bodyPr wrap="square" lIns="0" tIns="0" rIns="0" bIns="0" rtlCol="0" anchor="t">
+            <a:noAutofit/>
+          </a:bodyPr>
+          <a:lstStyle/>
+          <a:p>
+            <a:pPr marL="0" marR="0" indent="0" defTabSz="914400" eaLnBrk="1" fontAlgn="auto" latinLnBrk="0" hangingPunct="1">
+              <a:lnSpc>
+                <a:spcPct val="107000"/>
+              </a:lnSpc>
+              <a:spcAft>
+                <a:spcPts val="100"/>
+              </a:spcAft>
+              <a:buClrTx/>
+              <a:buSzTx/>
+              <a:buFontTx/>
+              <a:buNone/>
+              <a:tabLst/>
+            </a:pPr>
+            <a:r>
+              <a:rPr kumimoji="0" lang="de-DE" sz="600" strike="noStrike" kern="0" cap="none" normalizeH="0" baseline="0" noProof="0" smtClean="0">
+                <a:ln>
+                  <a:noFill/>
+                </a:ln>
+                <a:solidFill>
+                  <a:srgbClr val="000000"/>
+                </a:solidFill>
+                <a:effectLst/>
+                <a:uLnTx/>
+                <a:uFillTx/>
+                <a:ea typeface="+mn-ea"/>
+                <a:cs typeface="+mn-cs"/>
+              </a:rPr>
+              <a:t>HOME/EPS | 11.04.2018</a:t>
+            </a:r>
+            <a:endParaRPr kumimoji="0" lang="de-DE" sz="600" strike="noStrike" kern="0" cap="none" normalizeH="0" baseline="0" noProof="0" dirty="0" smtClean="0">
+              <a:ln>
+                <a:noFill/>
+              </a:ln>
+              <a:solidFill>
+                <a:srgbClr val="000000"/>
+              </a:solidFill>
+              <a:effectLst/>
+              <a:uLnTx/>
+              <a:uFillTx/>
+              <a:ea typeface="+mn-ea"/>
+              <a:cs typeface="+mn-cs"/>
+            </a:endParaRPr>
+          </a:p>
+        </p:txBody>
+      </p:sp>
+      <p:sp>
+        <p:nvSpPr>
+          <p:cNvPr id="6" name="Rechteck 5"/>
+          <p:cNvSpPr>
+            <a:spLocks/>
+          </p:cNvSpPr>
+          <p:nvPr>
+            <p:custDataLst>
+              <p:tags r:id="rId7"/>
+            </p:custDataLst>
+          </p:nvPr>
+        </p:nvSpPr>
+        <p:spPr>
+          <a:xfrm>
+            <a:off x="593090" y="5758180"/>
+            <a:ext cx="9152890" cy="215900"/>
+          </a:xfrm>
+          <a:prstGeom prst="rect">
+            <a:avLst/>
+          </a:prstGeom>
+          <a:noFill/>
+          <a:ln w="9525" cap="flat" cmpd="sng" algn="ctr">
+            <a:noFill/>
+            <a:prstDash val="solid"/>
+          </a:ln>
+          <a:effectLst/>
+          <a:extLst>
+            <a:ext uri="{91240B29-F687-4F45-9708-019B960494DF}">
+              <a14:hiddenLine xmlns:a14="http://schemas.microsoft.com/office/drawing/2010/main" w="9525" cap="flat" cmpd="sng" algn="ctr">
+                <a:solidFill>
+                  <a:srgbClr val="3F136C"/>
+                </a:solidFill>
+                <a:prstDash val="solid"/>
+              </a14:hiddenLine>
+            </a:ext>
+            <a:ext uri="{AF507438-7753-43E0-B8FC-AC1667EBCBE1}">
+              <a14:hiddenEffects xmlns:a14="http://schemas.microsoft.com/office/drawing/2010/main">
+                <a:effectLst>
+                  <a:outerShdw blurRad="63500" rotWithShape="0">
+                    <a:scrgbClr r="0" g="0" b="0"/>
+                  </a:outerShdw>
+                </a:effectLst>
+              </a14:hiddenEffects>
+            </a:ext>
+            <a:ext uri="{53640926-AAD7-44D8-BBD7-CCE9431645EC}">
+              <a14:shadowObscured xmlns:a14="http://schemas.microsoft.com/office/drawing/2010/main"/>
+            </a:ext>
+          </a:extLst>
+        </p:spPr>
+        <p:txBody>
+          <a:bodyPr wrap="square" lIns="0" tIns="0" rIns="0" bIns="0" rtlCol="0" anchor="t">
+            <a:noAutofit/>
+          </a:bodyPr>
+          <a:lstStyle/>
+          <a:p>
+            <a:pPr marL="0" marR="0" indent="0" defTabSz="914400" eaLnBrk="1" fontAlgn="auto" latinLnBrk="0" hangingPunct="1">
+              <a:lnSpc>
+                <a:spcPct val="107000"/>
+              </a:lnSpc>
+              <a:spcAft>
+                <a:spcPts val="100"/>
+              </a:spcAft>
+              <a:buClrTx/>
+              <a:buSzTx/>
+              <a:buFontTx/>
+              <a:buNone/>
+              <a:tabLst/>
+            </a:pPr>
+            <a:r>
+              <a:rPr kumimoji="0" lang="de-DE" sz="600" b="0" i="0" u="none" strike="noStrike" kern="0" cap="none" normalizeH="0" baseline="0" noProof="0" smtClean="0">
+                <a:ln>
+                  <a:noFill/>
+                </a:ln>
+                <a:solidFill>
+                  <a:srgbClr val="B2B3B5"/>
+                </a:solidFill>
+                <a:effectLst/>
+                <a:uLnTx/>
+                <a:uFillTx/>
+                <a:latin typeface="Bosch Office Sans"/>
+                <a:ea typeface="+mn-ea"/>
+                <a:cs typeface="+mn-cs"/>
+              </a:rPr>
+              <a:t>© Robert Bosch GmbH 2018. Alle Rechte vorbehalten, auch bzgl. jeder Verfügung, Verwertung, Reproduktion, Bearbeitung, Weitergabe sowie für den Fall von Schutzrechtsanmeldungen.</a:t>
+            </a:r>
+            <a:endParaRPr kumimoji="0" lang="de-DE" sz="600" b="0" i="0" u="none" strike="noStrike" kern="0" cap="none" normalizeH="0" baseline="0" noProof="0" dirty="0" smtClean="0">
+              <a:ln>
+                <a:noFill/>
+              </a:ln>
+              <a:solidFill>
+                <a:srgbClr val="B2B3B5"/>
+              </a:solidFill>
+              <a:effectLst/>
+              <a:uLnTx/>
+              <a:uFillTx/>
+              <a:latin typeface="Bosch Office Sans"/>
+              <a:ea typeface="+mn-ea"/>
+              <a:cs typeface="+mn-cs"/>
+            </a:endParaRPr>
+          </a:p>
+        </p:txBody>
+      </p:sp>
+      <p:sp>
+        <p:nvSpPr>
+          <p:cNvPr id="5" name="Rechteck 4"/>
+          <p:cNvSpPr>
+            <a:spLocks/>
+          </p:cNvSpPr>
+          <p:nvPr>
+            <p:custDataLst>
+              <p:tags r:id="rId8"/>
+            </p:custDataLst>
+          </p:nvPr>
+        </p:nvSpPr>
+        <p:spPr>
+          <a:xfrm>
+            <a:off x="266700" y="5628640"/>
+            <a:ext cx="288290" cy="410210"/>
+          </a:xfrm>
+          <a:prstGeom prst="rect">
+            <a:avLst/>
+          </a:prstGeom>
+          <a:noFill/>
+          <a:ln w="9525" cap="flat" cmpd="sng" algn="ctr">
+            <a:noFill/>
+            <a:prstDash val="solid"/>
+          </a:ln>
+          <a:effectLst/>
+          <a:extLst>
+            <a:ext uri="{91240B29-F687-4F45-9708-019B960494DF}">
+              <a14:hiddenLine xmlns:a14="http://schemas.microsoft.com/office/drawing/2010/main" w="9525" cap="flat" cmpd="sng" algn="ctr">
+                <a:solidFill>
+                  <a:srgbClr val="3F136C"/>
+                </a:solidFill>
+                <a:prstDash val="solid"/>
+              </a14:hiddenLine>
+            </a:ext>
+            <a:ext uri="{AF507438-7753-43E0-B8FC-AC1667EBCBE1}">
+              <a14:hiddenEffects xmlns:a14="http://schemas.microsoft.com/office/drawing/2010/main">
+                <a:effectLst>
+                  <a:outerShdw blurRad="63500" rotWithShape="0">
+                    <a:scrgbClr r="0" g="0" b="0"/>
+                  </a:outerShdw>
+                </a:effectLst>
+              </a14:hiddenEffects>
+            </a:ext>
+            <a:ext uri="{53640926-AAD7-44D8-BBD7-CCE9431645EC}">
+              <a14:shadowObscured xmlns:a14="http://schemas.microsoft.com/office/drawing/2010/main"/>
+            </a:ext>
+          </a:extLst>
+        </p:spPr>
+        <p:txBody>
+          <a:bodyPr wrap="none" lIns="0" tIns="0" rIns="0" bIns="0" rtlCol="0" anchor="t">
+            <a:noAutofit/>
+          </a:bodyPr>
+          <a:lstStyle/>
+          <a:p>
+            <a:pPr marL="0" marR="0" indent="0" defTabSz="914400" eaLnBrk="1" fontAlgn="auto" latinLnBrk="0" hangingPunct="1">
+              <a:buClrTx/>
+              <a:buSzTx/>
+              <a:buFontTx/>
+              <a:buNone/>
+              <a:tabLst/>
+            </a:pPr>
+            <a:r>
+              <a:rPr kumimoji="0" lang="de-DE" sz="1200" b="0" i="0" u="none" strike="noStrike" kern="0" cap="none" normalizeH="0" baseline="0" noProof="0" smtClean="0">
+                <a:ln>
+                  <a:noFill/>
+                </a:ln>
+                <a:solidFill>
+                  <a:srgbClr val="999FA6"/>
+                </a:solidFill>
+                <a:effectLst/>
+                <a:uLnTx/>
+                <a:uFillTx/>
+                <a:latin typeface="Bosch Office Sans"/>
+                <a:ea typeface="+mn-ea"/>
+                <a:cs typeface="+mn-cs"/>
+              </a:rPr>
+              <a:t>14</a:t>
+            </a:r>
+            <a:endParaRPr kumimoji="0" lang="de-DE" sz="1200" b="0" i="0" u="none" strike="noStrike" kern="0" cap="none" normalizeH="0" baseline="0" noProof="0" dirty="0" smtClean="0">
+              <a:ln>
+                <a:noFill/>
+              </a:ln>
+              <a:solidFill>
+                <a:srgbClr val="999FA6"/>
+              </a:solidFill>
+              <a:effectLst/>
+              <a:uLnTx/>
+              <a:uFillTx/>
+              <a:latin typeface="Bosch Office Sans"/>
+              <a:ea typeface="+mn-ea"/>
+              <a:cs typeface="+mn-cs"/>
+            </a:endParaRPr>
+          </a:p>
+        </p:txBody>
+      </p:sp>
+      <p:sp>
+        <p:nvSpPr>
+          <p:cNvPr id="4" name="Rechteck 3" hidden="1"/>
+          <p:cNvSpPr>
+            <a:spLocks/>
+          </p:cNvSpPr>
+          <p:nvPr>
+            <p:custDataLst>
+              <p:tags r:id="rId9"/>
+            </p:custDataLst>
+          </p:nvPr>
+        </p:nvSpPr>
+        <p:spPr>
+          <a:xfrm>
+            <a:off x="9224010" y="259080"/>
+            <a:ext cx="1691640" cy="777240"/>
+          </a:xfrm>
+          <a:prstGeom prst="rect">
+            <a:avLst/>
+          </a:prstGeom>
+          <a:noFill/>
+          <a:ln w="9525" cap="flat" cmpd="sng" algn="ctr">
+            <a:noFill/>
+            <a:prstDash val="solid"/>
+          </a:ln>
+          <a:effectLst/>
+          <a:extLst>
+            <a:ext uri="{91240B29-F687-4F45-9708-019B960494DF}">
+              <a14:hiddenLine xmlns:a14="http://schemas.microsoft.com/office/drawing/2010/main" w="9525" cap="flat" cmpd="sng" algn="ctr">
+                <a:solidFill>
+                  <a:srgbClr val="3F136C"/>
+                </a:solidFill>
+                <a:prstDash val="solid"/>
+              </a14:hiddenLine>
+            </a:ext>
+            <a:ext uri="{AF507438-7753-43E0-B8FC-AC1667EBCBE1}">
+              <a14:hiddenEffects xmlns:a14="http://schemas.microsoft.com/office/drawing/2010/main">
+                <a:effectLst>
+                  <a:outerShdw blurRad="63500" rotWithShape="0">
+                    <a:scrgbClr r="0" g="0" b="0"/>
+                  </a:outerShdw>
+                </a:effectLst>
+              </a14:hiddenEffects>
+            </a:ext>
+            <a:ext uri="{53640926-AAD7-44D8-BBD7-CCE9431645EC}">
+              <a14:shadowObscured xmlns:a14="http://schemas.microsoft.com/office/drawing/2010/main"/>
+            </a:ext>
+          </a:extLst>
+        </p:spPr>
+        <p:txBody>
+          <a:bodyPr wrap="square" lIns="0" tIns="17780" rIns="0" bIns="0" rtlCol="0" anchor="t">
+            <a:normAutofit/>
+          </a:bodyPr>
+          <a:lstStyle/>
+          <a:p>
+            <a:pPr marL="0" marR="0" indent="0" defTabSz="914400" eaLnBrk="1" fontAlgn="auto" latinLnBrk="0" hangingPunct="1">
+              <a:lnSpc>
+                <a:spcPts val="900"/>
+              </a:lnSpc>
+              <a:buClrTx/>
+              <a:buSzTx/>
+              <a:buFontTx/>
+              <a:buNone/>
+              <a:tabLst/>
+            </a:pPr>
+            <a:endParaRPr kumimoji="0" lang="de-DE" sz="550" b="0" i="0" u="none" strike="noStrike" kern="0" cap="none" normalizeH="0" baseline="0" noProof="0" dirty="0" smtClean="0">
+              <a:ln>
+                <a:noFill/>
+              </a:ln>
+              <a:effectLst/>
+              <a:uLnTx/>
+              <a:uFillTx/>
+              <a:latin typeface="Bosch Office Sans"/>
+              <a:ea typeface="+mn-ea"/>
+              <a:cs typeface="+mn-cs"/>
+            </a:endParaRPr>
+          </a:p>
+        </p:txBody>
+      </p:sp>
+      <p:sp>
+        <p:nvSpPr>
+          <p:cNvPr id="3" name="Textfeld 2" hidden="1"/>
+          <p:cNvSpPr txBox="1">
+            <a:spLocks/>
+          </p:cNvSpPr>
+          <p:nvPr>
+            <p:custDataLst>
+              <p:tags r:id="rId10"/>
+            </p:custDataLst>
+          </p:nvPr>
+        </p:nvSpPr>
+        <p:spPr>
+          <a:xfrm>
+            <a:off x="0" y="5975350"/>
+            <a:ext cx="0" cy="0"/>
+          </a:xfrm>
+          <a:prstGeom prst="rect">
+            <a:avLst/>
+          </a:prstGeom>
+          <a:noFill/>
+          <a:effectLst/>
+          <a:extLst>
+            <a:ext uri="{AF507438-7753-43E0-B8FC-AC1667EBCBE1}">
+              <a14:hiddenEffects xmlns:a14="http://schemas.microsoft.com/office/drawing/2010/main">
+                <a:effectLst>
+                  <a:outerShdw blurRad="63500" rotWithShape="0">
+                    <a:scrgbClr r="0" g="0" b="0"/>
+                  </a:outerShdw>
+                </a:effectLst>
+              </a14:hiddenEffects>
+            </a:ext>
+            <a:ext uri="{53640926-AAD7-44D8-BBD7-CCE9431645EC}">
+              <a14:shadowObscured xmlns:a14="http://schemas.microsoft.com/office/drawing/2010/main"/>
+            </a:ext>
+          </a:extLst>
+        </p:spPr>
+        <p:txBody>
+          <a:bodyPr vert="horz" wrap="none" lIns="0" tIns="0" rIns="0" bIns="0" rtlCol="0" anchor="t">
+            <a:noAutofit/>
+          </a:bodyPr>
+          <a:lstStyle/>
+          <a:p>
+            <a:pPr marR="0" defTabSz="914400" eaLnBrk="1" fontAlgn="auto" latinLnBrk="0" hangingPunct="1">
+              <a:lnSpc>
+                <a:spcPct val="107000"/>
+              </a:lnSpc>
+              <a:buClrTx/>
+              <a:buSzTx/>
+              <a:buFontTx/>
+              <a:buNone/>
+              <a:tabLst/>
+            </a:pPr>
+            <a:endParaRPr kumimoji="0" lang="de-DE" sz="1300" b="0" i="0" u="none" strike="noStrike" kern="0" cap="none" normalizeH="0" baseline="0" noProof="0" dirty="0" err="1" smtClean="0">
+              <a:ln>
+                <a:noFill/>
+              </a:ln>
+              <a:effectLst/>
+              <a:uLnTx/>
+              <a:uFillTx/>
+            </a:endParaRPr>
+          </a:p>
+        </p:txBody>
+      </p:sp>
+      <p:sp>
+        <p:nvSpPr>
+          <p:cNvPr id="2" name="Titel 1"/>
+          <p:cNvSpPr>
+            <a:spLocks noGrp="1"/>
+          </p:cNvSpPr>
+          <p:nvPr>
+            <p:ph type="title"/>
+            <p:custDataLst>
+              <p:tags r:id="rId11"/>
+            </p:custDataLst>
+          </p:nvPr>
+        </p:nvSpPr>
+        <p:spPr>
+          <a:xfrm>
+            <a:off x="259080" y="647700"/>
+            <a:ext cx="10452100" cy="388620"/>
+          </a:xfrm>
+          <a:effectLst/>
+          <a:extLst>
+            <a:ext uri="{AF507438-7753-43E0-B8FC-AC1667EBCBE1}">
+              <a14:hiddenEffects xmlns:a14="http://schemas.microsoft.com/office/drawing/2010/main">
+                <a:effectLst>
+                  <a:outerShdw blurRad="63500" rotWithShape="0">
+                    <a:scrgbClr r="0" g="0" b="0"/>
+                  </a:outerShdw>
+                </a:effectLst>
+              </a14:hiddenEffects>
+            </a:ext>
+            <a:ext uri="{53640926-AAD7-44D8-BBD7-CCE9431645EC}">
+              <a14:shadowObscured xmlns:a14="http://schemas.microsoft.com/office/drawing/2010/main"/>
+            </a:ext>
+          </a:extLst>
+        </p:spPr>
+        <p:txBody>
+          <a:bodyPr wrap="square" lIns="0" tIns="0" rIns="0" bIns="0" anchor="t">
+            <a:noAutofit/>
+          </a:bodyPr>
+          <a:lstStyle/>
+          <a:p>
+            <a:pPr>
+              <a:lnSpc>
+                <a:spcPct val="89000"/>
+              </a:lnSpc>
+              <a:spcBef>
+                <a:spcPts val="0"/>
+              </a:spcBef>
+            </a:pPr>
+            <a:r>
+              <a:rPr lang="de-DE" sz="2800" dirty="0" err="1" smtClean="0">
+                <a:solidFill>
+                  <a:srgbClr val="67B419"/>
+                </a:solidFill>
+              </a:rPr>
+              <a:t>Histogrammanalyse</a:t>
+            </a:r>
+            <a:endParaRPr lang="de-DE" sz="2800" dirty="0">
+              <a:solidFill>
+                <a:srgbClr val="67B419"/>
+              </a:solidFill>
+            </a:endParaRPr>
+          </a:p>
+        </p:txBody>
+      </p:sp>
+      <p:pic>
+        <p:nvPicPr>
+          <p:cNvPr id="9" name="Grafik 8"/>
+          <p:cNvPicPr>
+            <a:picLocks noChangeAspect="1"/>
+          </p:cNvPicPr>
+          <p:nvPr>
+            <p:custDataLst>
+              <p:tags r:id="rId12"/>
+            </p:custDataLst>
+          </p:nvPr>
+        </p:nvPicPr>
+        <p:blipFill>
+          <a:blip r:embed="rId17" cstate="print">
+            <a:extLst>
+              <a:ext uri="{28A0092B-C50C-407E-A947-70E740481C1C}">
+                <a14:useLocalDpi xmlns:a14="http://schemas.microsoft.com/office/drawing/2010/main" val="0"/>
+              </a:ext>
+            </a:extLst>
+          </a:blip>
+          <a:stretch>
+            <a:fillRect/>
+          </a:stretch>
+        </p:blipFill>
+        <p:spPr>
+          <a:xfrm>
+            <a:off x="1333500" y="3132966"/>
+            <a:ext cx="5974397" cy="2330574"/>
+          </a:xfrm>
+          <a:prstGeom prst="rect">
+            <a:avLst/>
+          </a:prstGeom>
+        </p:spPr>
+      </p:pic>
+      <p:sp>
+        <p:nvSpPr>
+          <p:cNvPr id="10" name="Textfeld 9"/>
+          <p:cNvSpPr txBox="1"/>
+          <p:nvPr>
+            <p:custDataLst>
+              <p:tags r:id="rId13"/>
+            </p:custDataLst>
+          </p:nvPr>
+        </p:nvSpPr>
+        <p:spPr>
+          <a:xfrm>
+            <a:off x="7697628" y="3448050"/>
+            <a:ext cx="3013552" cy="1949450"/>
+          </a:xfrm>
+          <a:prstGeom prst="rect">
+            <a:avLst/>
+          </a:prstGeom>
+          <a:noFill/>
+        </p:spPr>
+        <p:txBody>
+          <a:bodyPr wrap="none" lIns="0" tIns="0" rIns="0" bIns="0" rtlCol="0">
+            <a:noAutofit/>
+          </a:bodyPr>
+          <a:lstStyle/>
+          <a:p>
+            <a:pPr marL="285750" marR="0" indent="-285750" defTabSz="914400" eaLnBrk="1" fontAlgn="auto" latinLnBrk="0" hangingPunct="1">
+              <a:lnSpc>
+                <a:spcPct val="107000"/>
+              </a:lnSpc>
+              <a:spcBef>
+                <a:spcPts val="500"/>
+              </a:spcBef>
+              <a:spcAft>
+                <a:spcPts val="0"/>
+              </a:spcAft>
+              <a:buClrTx/>
+              <a:buSzTx/>
+              <a:buFontTx/>
+              <a:buChar char="-"/>
+              <a:tabLst/>
+            </a:pPr>
+            <a:r>
+              <a:rPr lang="de-DE" sz="1400" kern="0" dirty="0" smtClean="0">
+                <a:solidFill>
+                  <a:srgbClr val="000000"/>
+                </a:solidFill>
+              </a:rPr>
+              <a:t>Auf 128 Pixel skaliert</a:t>
+            </a:r>
+          </a:p>
+          <a:p>
+            <a:pPr marL="285750" marR="0" indent="-285750" defTabSz="914400" eaLnBrk="1" fontAlgn="auto" latinLnBrk="0" hangingPunct="1">
+              <a:lnSpc>
+                <a:spcPct val="107000"/>
+              </a:lnSpc>
+              <a:spcBef>
+                <a:spcPts val="500"/>
+              </a:spcBef>
+              <a:spcAft>
+                <a:spcPts val="0"/>
+              </a:spcAft>
+              <a:buClrTx/>
+              <a:buSzTx/>
+              <a:buFontTx/>
+              <a:buChar char="-"/>
+              <a:tabLst/>
+            </a:pPr>
+            <a:r>
+              <a:rPr lang="de-DE" sz="1400" kern="0" dirty="0" smtClean="0">
+                <a:solidFill>
+                  <a:srgbClr val="000000"/>
+                </a:solidFill>
+              </a:rPr>
+              <a:t>Seitenverhältnis nicht geändert</a:t>
+            </a:r>
+          </a:p>
+          <a:p>
+            <a:pPr marL="285750" marR="0" indent="-285750" defTabSz="914400" eaLnBrk="1" fontAlgn="auto" latinLnBrk="0" hangingPunct="1">
+              <a:lnSpc>
+                <a:spcPct val="107000"/>
+              </a:lnSpc>
+              <a:spcBef>
+                <a:spcPts val="500"/>
+              </a:spcBef>
+              <a:spcAft>
+                <a:spcPts val="0"/>
+              </a:spcAft>
+              <a:buClrTx/>
+              <a:buSzTx/>
+              <a:buFontTx/>
+              <a:buChar char="-"/>
+              <a:tabLst/>
+            </a:pPr>
+            <a:r>
+              <a:rPr kumimoji="0" lang="de-DE" sz="1400" b="0" i="0" u="none" strike="noStrike" kern="0" cap="none" spc="0" normalizeH="0" baseline="0" noProof="0" dirty="0" smtClean="0">
+                <a:ln>
+                  <a:noFill/>
+                </a:ln>
+                <a:solidFill>
+                  <a:srgbClr val="000000"/>
+                </a:solidFill>
+                <a:effectLst/>
+                <a:uLnTx/>
+                <a:uFillTx/>
+              </a:rPr>
+              <a:t>Von 7 verschiedenen Personen</a:t>
+            </a:r>
+          </a:p>
+          <a:p>
+            <a:pPr marL="285750" marR="0" indent="-285750" defTabSz="914400" eaLnBrk="1" fontAlgn="auto" latinLnBrk="0" hangingPunct="1">
+              <a:lnSpc>
+                <a:spcPct val="107000"/>
+              </a:lnSpc>
+              <a:spcBef>
+                <a:spcPts val="500"/>
+              </a:spcBef>
+              <a:spcAft>
+                <a:spcPts val="0"/>
+              </a:spcAft>
+              <a:buClrTx/>
+              <a:buSzTx/>
+              <a:buFontTx/>
+              <a:buChar char="-"/>
+              <a:tabLst/>
+            </a:pPr>
+            <a:r>
+              <a:rPr lang="de-DE" sz="1400" kern="0" dirty="0" smtClean="0">
+                <a:solidFill>
+                  <a:srgbClr val="000000"/>
+                </a:solidFill>
+              </a:rPr>
+              <a:t>Von 4500 Silhouetten</a:t>
+            </a:r>
+            <a:endParaRPr kumimoji="0" lang="de-DE" sz="1400" b="0" i="0" u="none" strike="noStrike" kern="0" cap="none" spc="0" normalizeH="0" baseline="0" noProof="0" dirty="0" err="1" smtClean="0">
+              <a:ln>
+                <a:noFill/>
+              </a:ln>
+              <a:solidFill>
+                <a:srgbClr val="000000"/>
+              </a:solidFill>
+              <a:effectLst/>
+              <a:uLnTx/>
+              <a:uFillTx/>
+            </a:endParaRPr>
+          </a:p>
+        </p:txBody>
+      </p:sp>
+    </p:spTree>
+    <p:custDataLst>
+      <p:tags r:id="rId1"/>
+    </p:custDataLst>
+    <p:extLst>
+      <p:ext uri="{BB962C8B-B14F-4D97-AF65-F5344CB8AC3E}">
+        <p14:creationId xmlns:p14="http://schemas.microsoft.com/office/powerpoint/2010/main" val="3071375495"/>
+      </p:ext>
+    </p:extLst>
+  </p:cSld>
+  <p:clrMapOvr>
+    <a:masterClrMapping/>
+  </p:clrMapOvr>
+  <p:timing>
+    <p:tnLst>
+      <p:par>
+        <p:cTn id="1" dur="indefinite" restart="never" nodeType="tmRoot"/>
+      </p:par>
+    </p:tnLst>
+  </p:timing>
+</p:sld>
+</file>
+
+<file path=ppt/slides/slide15.xml><?xml version="1.0" encoding="utf-8"?>
+<p:sld xmlns:a="http://schemas.openxmlformats.org/drawingml/2006/main" xmlns:r="http://schemas.openxmlformats.org/officeDocument/2006/relationships" xmlns:p="http://schemas.openxmlformats.org/presentationml/2006/main" showMasterSp="0">
+  <p:cSld>
+    <p:spTree>
+      <p:nvGrpSpPr>
+        <p:cNvPr id="1" name=""/>
+        <p:cNvGrpSpPr/>
+        <p:nvPr/>
+      </p:nvGrpSpPr>
+      <p:grpSpPr>
+        <a:xfrm>
+          <a:off x="0" y="0"/>
+          <a:ext cx="0" cy="0"/>
+          <a:chOff x="0" y="0"/>
+          <a:chExt cx="0" cy="0"/>
+        </a:xfrm>
+      </p:grpSpPr>
+      <p:pic>
+        <p:nvPicPr>
+          <p:cNvPr id="16" name="Grafik 15"/>
           <p:cNvPicPr>
             <a:picLocks/>
           </p:cNvPicPr>
@@ -7422,7 +9831,7 @@
       </p:pic>
       <p:pic>
         <p:nvPicPr>
-          <p:cNvPr id="17" name="Grafik 16"/>
+          <p:cNvPr id="13" name="Grafik 12"/>
           <p:cNvPicPr>
             <a:picLocks/>
           </p:cNvPicPr>
@@ -7471,7 +9880,7 @@
       </p:pic>
       <p:sp>
         <p:nvSpPr>
-          <p:cNvPr id="21" name="Inhaltsplatzhalter 20"/>
+          <p:cNvPr id="17" name="Inhaltsplatzhalter 16"/>
           <p:cNvSpPr>
             <a:spLocks noGrp="1"/>
           </p:cNvSpPr>
@@ -7485,7 +9894,7 @@
         <p:spPr>
           <a:xfrm>
             <a:off x="259080" y="1295400"/>
-            <a:ext cx="10452100" cy="4168140"/>
+            <a:ext cx="10594340" cy="4168140"/>
           </a:xfrm>
           <a:solidFill>
             <a:scrgbClr r="0" g="0" b="0">
@@ -7514,7 +9923,134 @@
           </a:bodyPr>
           <a:lstStyle/>
           <a:p>
-            <a:endParaRPr lang="de-DE"/>
+            <a:r>
+              <a:rPr lang="de-DE" sz="1600" dirty="0" smtClean="0"/>
+              <a:t>Klassische Mengenlehre sind gewöhnlich zweiwertig: entweder Null oder Eins </a:t>
+            </a:r>
+            <a:r>
+              <a:rPr lang="de-DE" sz="1600" dirty="0" smtClean="0">
+                <a:sym typeface="Wingdings" panose="05000000000000000000" pitchFamily="2" charset="2"/>
+              </a:rPr>
+              <a:t> entspricht unter komplexe Situation wenig</a:t>
+            </a:r>
+          </a:p>
+          <a:p>
+            <a:r>
+              <a:rPr lang="de-DE" sz="1600" dirty="0" smtClean="0">
+                <a:sym typeface="Wingdings" panose="05000000000000000000" pitchFamily="2" charset="2"/>
+              </a:rPr>
+              <a:t>Unsicherheitsmodellierung: z.B. „heißer Tag“, „großer Mann“  sprachliche (lexikale) Unschärfe</a:t>
+            </a:r>
+          </a:p>
+          <a:p>
+            <a:r>
+              <a:rPr lang="de-DE" sz="1600" dirty="0" err="1" smtClean="0">
+                <a:sym typeface="Wingdings" panose="05000000000000000000" pitchFamily="2" charset="2"/>
+              </a:rPr>
+              <a:t>Fuzzymenge</a:t>
+            </a:r>
+            <a:r>
+              <a:rPr lang="de-DE" sz="1600" dirty="0" smtClean="0">
+                <a:sym typeface="Wingdings" panose="05000000000000000000" pitchFamily="2" charset="2"/>
+              </a:rPr>
+              <a:t>:</a:t>
+            </a:r>
+          </a:p>
+          <a:p>
+            <a:pPr lvl="1"/>
+            <a:r>
+              <a:rPr lang="de-DE" sz="1400" dirty="0" smtClean="0">
+                <a:sym typeface="Wingdings" panose="05000000000000000000" pitchFamily="2" charset="2"/>
+              </a:rPr>
+              <a:t>Wie klassische Menge aber mit Wahrscheinlichkeit (Mitgliedschaft-Grad): </a:t>
+            </a:r>
+          </a:p>
+          <a:p>
+            <a:pPr lvl="2"/>
+            <a:r>
+              <a:rPr lang="de-DE" sz="1200" dirty="0" smtClean="0">
+                <a:sym typeface="Wingdings" panose="05000000000000000000" pitchFamily="2" charset="2"/>
+              </a:rPr>
+              <a:t>Anteil von [0,1] des neuen Werts in einer </a:t>
+            </a:r>
+            <a:r>
+              <a:rPr lang="de-DE" sz="1200" dirty="0" err="1" smtClean="0">
+                <a:sym typeface="Wingdings" panose="05000000000000000000" pitchFamily="2" charset="2"/>
+              </a:rPr>
+              <a:t>Fuzzymenge</a:t>
+            </a:r>
+            <a:endParaRPr lang="de-DE" sz="1200" dirty="0">
+              <a:sym typeface="Wingdings" panose="05000000000000000000" pitchFamily="2" charset="2"/>
+            </a:endParaRPr>
+          </a:p>
+          <a:p>
+            <a:pPr lvl="1"/>
+            <a:r>
+              <a:rPr lang="de-DE" sz="1400" dirty="0" smtClean="0">
+                <a:sym typeface="Wingdings" panose="05000000000000000000" pitchFamily="2" charset="2"/>
+              </a:rPr>
+              <a:t>Der Prozess der Fuzzylogik wird wie folgt definiert:</a:t>
+            </a:r>
+          </a:p>
+          <a:p>
+            <a:pPr lvl="2"/>
+            <a:r>
+              <a:rPr lang="de-DE" sz="1200" dirty="0" smtClean="0">
+                <a:sym typeface="Wingdings" panose="05000000000000000000" pitchFamily="2" charset="2"/>
+              </a:rPr>
+              <a:t>Umwandlung der Eingabedaten in </a:t>
+            </a:r>
+            <a:r>
+              <a:rPr lang="de-DE" sz="1200" dirty="0" err="1" smtClean="0">
+                <a:sym typeface="Wingdings" panose="05000000000000000000" pitchFamily="2" charset="2"/>
+              </a:rPr>
+              <a:t>Fuzzymengen</a:t>
+            </a:r>
+            <a:r>
+              <a:rPr lang="de-DE" sz="1200" dirty="0" smtClean="0">
+                <a:sym typeface="Wingdings" panose="05000000000000000000" pitchFamily="2" charset="2"/>
+              </a:rPr>
+              <a:t> durch Zugehörigkeit-Funktion (Sinus-, Kosinus-, …, </a:t>
+            </a:r>
+            <a:r>
+              <a:rPr lang="de-DE" sz="1200" dirty="0" err="1" smtClean="0">
+                <a:sym typeface="Wingdings" panose="05000000000000000000" pitchFamily="2" charset="2"/>
+              </a:rPr>
+              <a:t>Gaußschen</a:t>
+            </a:r>
+            <a:r>
+              <a:rPr lang="de-DE" sz="1200" dirty="0" smtClean="0">
+                <a:sym typeface="Wingdings" panose="05000000000000000000" pitchFamily="2" charset="2"/>
+              </a:rPr>
+              <a:t>-Funktion)</a:t>
+            </a:r>
+          </a:p>
+          <a:p>
+            <a:pPr lvl="2"/>
+            <a:r>
+              <a:rPr lang="de-DE" sz="1200" dirty="0" smtClean="0">
+                <a:sym typeface="Wingdings" panose="05000000000000000000" pitchFamily="2" charset="2"/>
+              </a:rPr>
+              <a:t>Anwendung der </a:t>
+            </a:r>
+            <a:r>
+              <a:rPr lang="de-DE" sz="1200" dirty="0" err="1" smtClean="0">
+                <a:sym typeface="Wingdings" panose="05000000000000000000" pitchFamily="2" charset="2"/>
+              </a:rPr>
+              <a:t>vordefniert</a:t>
+            </a:r>
+            <a:r>
+              <a:rPr lang="de-DE" sz="1200" smtClean="0">
+                <a:sym typeface="Wingdings" panose="05000000000000000000" pitchFamily="2" charset="2"/>
+              </a:rPr>
+              <a:t> (IF-ELSE) Regeln</a:t>
+            </a:r>
+          </a:p>
+          <a:p>
+            <a:pPr lvl="2"/>
+            <a:endParaRPr lang="de-DE" sz="1200" dirty="0" smtClean="0">
+              <a:sym typeface="Wingdings" panose="05000000000000000000" pitchFamily="2" charset="2"/>
+            </a:endParaRPr>
           </a:p>
         </p:txBody>
       </p:sp>
@@ -7865,7 +10401,7 @@
                 <a:ea typeface="+mn-ea"/>
                 <a:cs typeface="+mn-cs"/>
               </a:rPr>
-              <a:t>13</a:t>
+              <a:t>15</a:t>
             </a:r>
             <a:endParaRPr kumimoji="0" lang="de-DE" sz="1200" b="0" i="0" u="none" strike="noStrike" kern="0" cap="none" normalizeH="0" baseline="0" noProof="0" dirty="0" smtClean="0">
               <a:ln>
@@ -7886,7 +10422,7 @@
       </p:sp>
       <p:sp>
         <p:nvSpPr>
-          <p:cNvPr id="4" name="Rechteck 3" hidden="1"/>
+          <p:cNvPr id="4" name="Rechteck 3"/>
           <p:cNvSpPr>
             <a:spLocks/>
           </p:cNvSpPr>
@@ -8076,709 +10612,6 @@
               </a:spcBef>
             </a:pPr>
             <a:r>
-              <a:rPr lang="de-DE" sz="2800" dirty="0" err="1" smtClean="0">
-                <a:solidFill>
-                  <a:srgbClr val="0E78C5"/>
-                </a:solidFill>
-              </a:rPr>
-              <a:t>Histogrammanalyse</a:t>
-            </a:r>
-            <a:endParaRPr lang="de-DE" sz="2800" dirty="0">
-              <a:solidFill>
-                <a:srgbClr val="0E78C5"/>
-              </a:solidFill>
-            </a:endParaRPr>
-          </a:p>
-        </p:txBody>
-      </p:sp>
-    </p:spTree>
-    <p:custDataLst>
-      <p:tags r:id="rId1"/>
-    </p:custDataLst>
-    <p:extLst>
-      <p:ext uri="{BB962C8B-B14F-4D97-AF65-F5344CB8AC3E}">
-        <p14:creationId xmlns:p14="http://schemas.microsoft.com/office/powerpoint/2010/main" val="3071375495"/>
-      </p:ext>
-    </p:extLst>
-  </p:cSld>
-  <p:clrMapOvr>
-    <a:masterClrMapping/>
-  </p:clrMapOvr>
-  <p:timing>
-    <p:tnLst>
-      <p:par>
-        <p:cTn id="1" dur="indefinite" restart="never" nodeType="tmRoot"/>
-      </p:par>
-    </p:tnLst>
-  </p:timing>
-</p:sld>
-</file>
-
-<file path=ppt/slides/slide14.xml><?xml version="1.0" encoding="utf-8"?>
-<p:sld xmlns:a="http://schemas.openxmlformats.org/drawingml/2006/main" xmlns:r="http://schemas.openxmlformats.org/officeDocument/2006/relationships" xmlns:p="http://schemas.openxmlformats.org/presentationml/2006/main" showMasterSp="0">
-  <p:cSld>
-    <p:spTree>
-      <p:nvGrpSpPr>
-        <p:cNvPr id="1" name=""/>
-        <p:cNvGrpSpPr/>
-        <p:nvPr/>
-      </p:nvGrpSpPr>
-      <p:grpSpPr>
-        <a:xfrm>
-          <a:off x="0" y="0"/>
-          <a:ext cx="0" cy="0"/>
-          <a:chOff x="0" y="0"/>
-          <a:chExt cx="0" cy="0"/>
-        </a:xfrm>
-      </p:grpSpPr>
-      <p:pic>
-        <p:nvPicPr>
-          <p:cNvPr id="10" name="Grafik 9"/>
-          <p:cNvPicPr>
-            <a:picLocks/>
-          </p:cNvPicPr>
-          <p:nvPr>
-            <p:custDataLst>
-              <p:tags r:id="rId2"/>
-            </p:custDataLst>
-          </p:nvPr>
-        </p:nvPicPr>
-        <p:blipFill>
-          <a:blip r:embed="rId12" cstate="print">
-            <a:extLst>
-              <a:ext uri="{28A0092B-C50C-407E-A947-70E740481C1C}">
-                <a14:useLocalDpi xmlns:a14="http://schemas.microsoft.com/office/drawing/2010/main" val="0"/>
-              </a:ext>
-            </a:extLst>
-          </a:blip>
-          <a:stretch>
-            <a:fillRect/>
-          </a:stretch>
-        </p:blipFill>
-        <p:spPr>
-          <a:xfrm>
-            <a:off x="9758680" y="5464810"/>
-            <a:ext cx="1094740" cy="575310"/>
-          </a:xfrm>
-          <a:prstGeom prst="rect">
-            <a:avLst/>
-          </a:prstGeom>
-          <a:effectLst/>
-          <a:extLst>
-            <a:ext uri="{AF507438-7753-43E0-B8FC-AC1667EBCBE1}">
-              <a14:hiddenEffects xmlns:a14="http://schemas.microsoft.com/office/drawing/2010/main">
-                <a:effectLst>
-                  <a:outerShdw blurRad="63500" rotWithShape="0">
-                    <a:scrgbClr r="0" g="0" b="0"/>
-                  </a:outerShdw>
-                </a:effectLst>
-              </a14:hiddenEffects>
-            </a:ext>
-            <a:ext uri="{53640926-AAD7-44D8-BBD7-CCE9431645EC}">
-              <a14:shadowObscured xmlns:a14="http://schemas.microsoft.com/office/drawing/2010/main"/>
-            </a:ext>
-          </a:extLst>
-        </p:spPr>
-      </p:pic>
-      <p:pic>
-        <p:nvPicPr>
-          <p:cNvPr id="9" name="Grafik 8"/>
-          <p:cNvPicPr>
-            <a:picLocks/>
-          </p:cNvPicPr>
-          <p:nvPr>
-            <p:custDataLst>
-              <p:tags r:id="rId3"/>
-            </p:custDataLst>
-          </p:nvPr>
-        </p:nvPicPr>
-        <p:blipFill>
-          <a:blip r:embed="rId13">
-            <a:extLst>
-              <a:ext uri="{28A0092B-C50C-407E-A947-70E740481C1C}">
-                <a14:useLocalDpi xmlns:a14="http://schemas.microsoft.com/office/drawing/2010/main" val="0"/>
-              </a:ext>
-            </a:extLst>
-          </a:blip>
-          <a:stretch>
-            <a:fillRect/>
-          </a:stretch>
-        </p:blipFill>
-        <p:spPr>
-          <a:xfrm>
-            <a:off x="0" y="6041390"/>
-            <a:ext cx="10970260" cy="129540"/>
-          </a:xfrm>
-          <a:prstGeom prst="rect">
-            <a:avLst/>
-          </a:prstGeom>
-          <a:effectLst/>
-          <a:extLst>
-            <a:ext uri="{AF507438-7753-43E0-B8FC-AC1667EBCBE1}">
-              <a14:hiddenEffects xmlns:a14="http://schemas.microsoft.com/office/drawing/2010/main">
-                <a:effectLst>
-                  <a:outerShdw blurRad="63500" rotWithShape="0">
-                    <a:scrgbClr r="0" g="0" b="0"/>
-                  </a:outerShdw>
-                </a:effectLst>
-              </a14:hiddenEffects>
-            </a:ext>
-            <a:ext uri="{53640926-AAD7-44D8-BBD7-CCE9431645EC}">
-              <a14:shadowObscured xmlns:a14="http://schemas.microsoft.com/office/drawing/2010/main"/>
-            </a:ext>
-          </a:extLst>
-        </p:spPr>
-      </p:pic>
-      <p:sp>
-        <p:nvSpPr>
-          <p:cNvPr id="8" name="Textfeld 7"/>
-          <p:cNvSpPr txBox="1">
-            <a:spLocks/>
-          </p:cNvSpPr>
-          <p:nvPr>
-            <p:custDataLst>
-              <p:tags r:id="rId4"/>
-            </p:custDataLst>
-          </p:nvPr>
-        </p:nvSpPr>
-        <p:spPr>
-          <a:xfrm>
-            <a:off x="259080" y="259080"/>
-            <a:ext cx="10452100" cy="388620"/>
-          </a:xfrm>
-          <a:prstGeom prst="rect">
-            <a:avLst/>
-          </a:prstGeom>
-          <a:noFill/>
-          <a:effectLst/>
-          <a:extLst>
-            <a:ext uri="{AF507438-7753-43E0-B8FC-AC1667EBCBE1}">
-              <a14:hiddenEffects xmlns:a14="http://schemas.microsoft.com/office/drawing/2010/main">
-                <a:effectLst>
-                  <a:outerShdw blurRad="63500" rotWithShape="0">
-                    <a:scrgbClr r="0" g="0" b="0"/>
-                  </a:outerShdw>
-                </a:effectLst>
-              </a14:hiddenEffects>
-            </a:ext>
-            <a:ext uri="{53640926-AAD7-44D8-BBD7-CCE9431645EC}">
-              <a14:shadowObscured xmlns:a14="http://schemas.microsoft.com/office/drawing/2010/main"/>
-            </a:ext>
-          </a:extLst>
-        </p:spPr>
-        <p:txBody>
-          <a:bodyPr vert="horz" wrap="square" lIns="0" tIns="0" rIns="0" bIns="0" rtlCol="0" anchor="t">
-            <a:noAutofit/>
-          </a:bodyPr>
-          <a:lstStyle/>
-          <a:p>
-            <a:pPr marR="0" defTabSz="914400" eaLnBrk="1" fontAlgn="auto" latinLnBrk="0" hangingPunct="1">
-              <a:lnSpc>
-                <a:spcPct val="89000"/>
-              </a:lnSpc>
-              <a:buClrTx/>
-              <a:buSzTx/>
-              <a:buFontTx/>
-              <a:buNone/>
-              <a:tabLst/>
-            </a:pPr>
-            <a:r>
-              <a:rPr lang="de-DE" sz="2800" kern="0" dirty="0" smtClean="0"/>
-              <a:t>Grundlagen</a:t>
-            </a:r>
-            <a:endParaRPr kumimoji="0" lang="de-DE" sz="2800" b="0" i="0" u="none" strike="noStrike" kern="0" cap="none" normalizeH="0" baseline="0" noProof="0" dirty="0" smtClean="0">
-              <a:ln>
-                <a:noFill/>
-              </a:ln>
-              <a:effectLst/>
-              <a:uLnTx/>
-              <a:uFillTx/>
-            </a:endParaRPr>
-          </a:p>
-        </p:txBody>
-      </p:sp>
-      <p:sp>
-        <p:nvSpPr>
-          <p:cNvPr id="7" name="Rechteck 6"/>
-          <p:cNvSpPr>
-            <a:spLocks/>
-          </p:cNvSpPr>
-          <p:nvPr>
-            <p:custDataLst>
-              <p:tags r:id="rId5"/>
-            </p:custDataLst>
-          </p:nvPr>
-        </p:nvSpPr>
-        <p:spPr>
-          <a:xfrm>
-            <a:off x="593090" y="5643880"/>
-            <a:ext cx="9152890" cy="107950"/>
-          </a:xfrm>
-          <a:prstGeom prst="rect">
-            <a:avLst/>
-          </a:prstGeom>
-          <a:noFill/>
-          <a:ln w="9525" cap="flat" cmpd="sng" algn="ctr">
-            <a:noFill/>
-            <a:prstDash val="solid"/>
-          </a:ln>
-          <a:effectLst/>
-          <a:extLst>
-            <a:ext uri="{91240B29-F687-4F45-9708-019B960494DF}">
-              <a14:hiddenLine xmlns:a14="http://schemas.microsoft.com/office/drawing/2010/main" w="9525" cap="flat" cmpd="sng" algn="ctr">
-                <a:solidFill>
-                  <a:srgbClr val="3F136C"/>
-                </a:solidFill>
-                <a:prstDash val="solid"/>
-              </a14:hiddenLine>
-            </a:ext>
-            <a:ext uri="{AF507438-7753-43E0-B8FC-AC1667EBCBE1}">
-              <a14:hiddenEffects xmlns:a14="http://schemas.microsoft.com/office/drawing/2010/main">
-                <a:effectLst>
-                  <a:outerShdw blurRad="63500" rotWithShape="0">
-                    <a:scrgbClr r="0" g="0" b="0"/>
-                  </a:outerShdw>
-                </a:effectLst>
-              </a14:hiddenEffects>
-            </a:ext>
-            <a:ext uri="{53640926-AAD7-44D8-BBD7-CCE9431645EC}">
-              <a14:shadowObscured xmlns:a14="http://schemas.microsoft.com/office/drawing/2010/main"/>
-            </a:ext>
-          </a:extLst>
-        </p:spPr>
-        <p:txBody>
-          <a:bodyPr lIns="0" tIns="0" rIns="0" bIns="0" rtlCol="0" anchor="t"/>
-          <a:lstStyle/>
-          <a:p>
-            <a:pPr marL="0" marR="0" indent="0" defTabSz="914400" eaLnBrk="1" fontAlgn="auto" latinLnBrk="0" hangingPunct="1">
-              <a:lnSpc>
-                <a:spcPct val="107000"/>
-              </a:lnSpc>
-              <a:spcAft>
-                <a:spcPts val="100"/>
-              </a:spcAft>
-              <a:buClrTx/>
-              <a:buSzTx/>
-              <a:buFontTx/>
-              <a:buNone/>
-              <a:tabLst/>
-            </a:pPr>
-            <a:r>
-              <a:rPr kumimoji="0" lang="de-DE" sz="600" strike="noStrike" kern="0" cap="none" normalizeH="0" baseline="0" noProof="0" smtClean="0">
-                <a:ln>
-                  <a:noFill/>
-                </a:ln>
-                <a:solidFill>
-                  <a:srgbClr val="000000"/>
-                </a:solidFill>
-                <a:effectLst/>
-                <a:uLnTx/>
-                <a:uFillTx/>
-                <a:ea typeface="+mn-ea"/>
-                <a:cs typeface="+mn-cs"/>
-              </a:rPr>
-              <a:t>HOME/EPS | 11.04.2018</a:t>
-            </a:r>
-            <a:endParaRPr kumimoji="0" lang="de-DE" sz="600" strike="noStrike" kern="0" cap="none" normalizeH="0" baseline="0" noProof="0" dirty="0" smtClean="0">
-              <a:ln>
-                <a:noFill/>
-              </a:ln>
-              <a:solidFill>
-                <a:srgbClr val="000000"/>
-              </a:solidFill>
-              <a:effectLst/>
-              <a:uLnTx/>
-              <a:uFillTx/>
-              <a:ea typeface="+mn-ea"/>
-              <a:cs typeface="+mn-cs"/>
-            </a:endParaRPr>
-          </a:p>
-        </p:txBody>
-      </p:sp>
-      <p:sp>
-        <p:nvSpPr>
-          <p:cNvPr id="6" name="Rechteck 5"/>
-          <p:cNvSpPr>
-            <a:spLocks/>
-          </p:cNvSpPr>
-          <p:nvPr>
-            <p:custDataLst>
-              <p:tags r:id="rId6"/>
-            </p:custDataLst>
-          </p:nvPr>
-        </p:nvSpPr>
-        <p:spPr>
-          <a:xfrm>
-            <a:off x="593090" y="5758180"/>
-            <a:ext cx="9152890" cy="215900"/>
-          </a:xfrm>
-          <a:prstGeom prst="rect">
-            <a:avLst/>
-          </a:prstGeom>
-          <a:noFill/>
-          <a:ln w="9525" cap="flat" cmpd="sng" algn="ctr">
-            <a:noFill/>
-            <a:prstDash val="solid"/>
-          </a:ln>
-          <a:effectLst/>
-          <a:extLst>
-            <a:ext uri="{91240B29-F687-4F45-9708-019B960494DF}">
-              <a14:hiddenLine xmlns:a14="http://schemas.microsoft.com/office/drawing/2010/main" w="9525" cap="flat" cmpd="sng" algn="ctr">
-                <a:solidFill>
-                  <a:srgbClr val="3F136C"/>
-                </a:solidFill>
-                <a:prstDash val="solid"/>
-              </a14:hiddenLine>
-            </a:ext>
-            <a:ext uri="{AF507438-7753-43E0-B8FC-AC1667EBCBE1}">
-              <a14:hiddenEffects xmlns:a14="http://schemas.microsoft.com/office/drawing/2010/main">
-                <a:effectLst>
-                  <a:outerShdw blurRad="63500" rotWithShape="0">
-                    <a:scrgbClr r="0" g="0" b="0"/>
-                  </a:outerShdw>
-                </a:effectLst>
-              </a14:hiddenEffects>
-            </a:ext>
-            <a:ext uri="{53640926-AAD7-44D8-BBD7-CCE9431645EC}">
-              <a14:shadowObscured xmlns:a14="http://schemas.microsoft.com/office/drawing/2010/main"/>
-            </a:ext>
-          </a:extLst>
-        </p:spPr>
-        <p:txBody>
-          <a:bodyPr lIns="0" tIns="0" rIns="0" bIns="0" rtlCol="0" anchor="t"/>
-          <a:lstStyle/>
-          <a:p>
-            <a:pPr marL="0" marR="0" indent="0" defTabSz="914400" eaLnBrk="1" fontAlgn="auto" latinLnBrk="0" hangingPunct="1">
-              <a:lnSpc>
-                <a:spcPct val="107000"/>
-              </a:lnSpc>
-              <a:spcAft>
-                <a:spcPts val="100"/>
-              </a:spcAft>
-              <a:buClrTx/>
-              <a:buSzTx/>
-              <a:buFontTx/>
-              <a:buNone/>
-              <a:tabLst/>
-            </a:pPr>
-            <a:r>
-              <a:rPr kumimoji="0" lang="de-DE" sz="600" b="0" i="0" u="none" strike="noStrike" kern="0" cap="none" normalizeH="0" baseline="0" noProof="0" smtClean="0">
-                <a:ln>
-                  <a:noFill/>
-                </a:ln>
-                <a:solidFill>
-                  <a:srgbClr val="B2B3B5"/>
-                </a:solidFill>
-                <a:effectLst/>
-                <a:uLnTx/>
-                <a:uFillTx/>
-                <a:latin typeface="Bosch Office Sans"/>
-                <a:ea typeface="+mn-ea"/>
-                <a:cs typeface="+mn-cs"/>
-              </a:rPr>
-              <a:t>© Robert Bosch GmbH 2018. Alle Rechte vorbehalten, auch bzgl. jeder Verfügung, Verwertung, Reproduktion, Bearbeitung, Weitergabe sowie für den Fall von Schutzrechtsanmeldungen.</a:t>
-            </a:r>
-            <a:endParaRPr kumimoji="0" lang="de-DE" sz="600" b="0" i="0" u="none" strike="noStrike" kern="0" cap="none" normalizeH="0" baseline="0" noProof="0" dirty="0" smtClean="0">
-              <a:ln>
-                <a:noFill/>
-              </a:ln>
-              <a:solidFill>
-                <a:srgbClr val="B2B3B5"/>
-              </a:solidFill>
-              <a:effectLst/>
-              <a:uLnTx/>
-              <a:uFillTx/>
-              <a:latin typeface="Bosch Office Sans"/>
-              <a:ea typeface="+mn-ea"/>
-              <a:cs typeface="+mn-cs"/>
-            </a:endParaRPr>
-          </a:p>
-        </p:txBody>
-      </p:sp>
-      <p:sp>
-        <p:nvSpPr>
-          <p:cNvPr id="5" name="Rechteck 4"/>
-          <p:cNvSpPr>
-            <a:spLocks/>
-          </p:cNvSpPr>
-          <p:nvPr>
-            <p:custDataLst>
-              <p:tags r:id="rId7"/>
-            </p:custDataLst>
-          </p:nvPr>
-        </p:nvSpPr>
-        <p:spPr>
-          <a:xfrm>
-            <a:off x="266700" y="5628640"/>
-            <a:ext cx="288290" cy="410210"/>
-          </a:xfrm>
-          <a:prstGeom prst="rect">
-            <a:avLst/>
-          </a:prstGeom>
-          <a:noFill/>
-          <a:ln w="9525" cap="flat" cmpd="sng" algn="ctr">
-            <a:noFill/>
-            <a:prstDash val="solid"/>
-          </a:ln>
-          <a:effectLst/>
-          <a:extLst>
-            <a:ext uri="{91240B29-F687-4F45-9708-019B960494DF}">
-              <a14:hiddenLine xmlns:a14="http://schemas.microsoft.com/office/drawing/2010/main" w="9525" cap="flat" cmpd="sng" algn="ctr">
-                <a:solidFill>
-                  <a:srgbClr val="3F136C"/>
-                </a:solidFill>
-                <a:prstDash val="solid"/>
-              </a14:hiddenLine>
-            </a:ext>
-            <a:ext uri="{AF507438-7753-43E0-B8FC-AC1667EBCBE1}">
-              <a14:hiddenEffects xmlns:a14="http://schemas.microsoft.com/office/drawing/2010/main">
-                <a:effectLst>
-                  <a:outerShdw blurRad="63500" rotWithShape="0">
-                    <a:scrgbClr r="0" g="0" b="0"/>
-                  </a:outerShdw>
-                </a:effectLst>
-              </a14:hiddenEffects>
-            </a:ext>
-            <a:ext uri="{53640926-AAD7-44D8-BBD7-CCE9431645EC}">
-              <a14:shadowObscured xmlns:a14="http://schemas.microsoft.com/office/drawing/2010/main"/>
-            </a:ext>
-          </a:extLst>
-        </p:spPr>
-        <p:txBody>
-          <a:bodyPr wrap="none" lIns="0" tIns="0" rIns="0" bIns="0" rtlCol="0" anchor="t"/>
-          <a:lstStyle/>
-          <a:p>
-            <a:pPr marL="0" marR="0" indent="0" defTabSz="914400" eaLnBrk="1" fontAlgn="auto" latinLnBrk="0" hangingPunct="1">
-              <a:buClrTx/>
-              <a:buSzTx/>
-              <a:buFontTx/>
-              <a:buNone/>
-              <a:tabLst/>
-            </a:pPr>
-            <a:r>
-              <a:rPr kumimoji="0" lang="de-DE" sz="1200" b="0" i="0" u="none" strike="noStrike" kern="0" cap="none" normalizeH="0" baseline="0" noProof="0" smtClean="0">
-                <a:ln>
-                  <a:noFill/>
-                </a:ln>
-                <a:solidFill>
-                  <a:srgbClr val="999FA6"/>
-                </a:solidFill>
-                <a:effectLst/>
-                <a:uLnTx/>
-                <a:uFillTx/>
-                <a:latin typeface="Bosch Office Sans"/>
-                <a:ea typeface="+mn-ea"/>
-                <a:cs typeface="+mn-cs"/>
-              </a:rPr>
-              <a:t>14</a:t>
-            </a:r>
-            <a:endParaRPr kumimoji="0" lang="de-DE" sz="1200" b="0" i="0" u="none" strike="noStrike" kern="0" cap="none" normalizeH="0" baseline="0" noProof="0" dirty="0" smtClean="0">
-              <a:ln>
-                <a:noFill/>
-              </a:ln>
-              <a:solidFill>
-                <a:srgbClr val="999FA6"/>
-              </a:solidFill>
-              <a:effectLst/>
-              <a:uLnTx/>
-              <a:uFillTx/>
-              <a:latin typeface="Bosch Office Sans"/>
-              <a:ea typeface="+mn-ea"/>
-              <a:cs typeface="+mn-cs"/>
-            </a:endParaRPr>
-          </a:p>
-        </p:txBody>
-      </p:sp>
-      <p:sp>
-        <p:nvSpPr>
-          <p:cNvPr id="4" name="Rechteck 3" hidden="1"/>
-          <p:cNvSpPr>
-            <a:spLocks/>
-          </p:cNvSpPr>
-          <p:nvPr>
-            <p:custDataLst>
-              <p:tags r:id="rId8"/>
-            </p:custDataLst>
-          </p:nvPr>
-        </p:nvSpPr>
-        <p:spPr>
-          <a:xfrm>
-            <a:off x="9224010" y="259080"/>
-            <a:ext cx="1691640" cy="777240"/>
-          </a:xfrm>
-          <a:prstGeom prst="rect">
-            <a:avLst/>
-          </a:prstGeom>
-          <a:noFill/>
-          <a:ln w="9525" cap="flat" cmpd="sng" algn="ctr">
-            <a:noFill/>
-            <a:prstDash val="solid"/>
-          </a:ln>
-          <a:effectLst/>
-          <a:extLst>
-            <a:ext uri="{91240B29-F687-4F45-9708-019B960494DF}">
-              <a14:hiddenLine xmlns:a14="http://schemas.microsoft.com/office/drawing/2010/main" w="9525" cap="flat" cmpd="sng" algn="ctr">
-                <a:solidFill>
-                  <a:srgbClr val="3F136C"/>
-                </a:solidFill>
-                <a:prstDash val="solid"/>
-              </a14:hiddenLine>
-            </a:ext>
-            <a:ext uri="{AF507438-7753-43E0-B8FC-AC1667EBCBE1}">
-              <a14:hiddenEffects xmlns:a14="http://schemas.microsoft.com/office/drawing/2010/main">
-                <a:effectLst>
-                  <a:outerShdw blurRad="63500" rotWithShape="0">
-                    <a:scrgbClr r="0" g="0" b="0"/>
-                  </a:outerShdw>
-                </a:effectLst>
-              </a14:hiddenEffects>
-            </a:ext>
-            <a:ext uri="{53640926-AAD7-44D8-BBD7-CCE9431645EC}">
-              <a14:shadowObscured xmlns:a14="http://schemas.microsoft.com/office/drawing/2010/main"/>
-            </a:ext>
-          </a:extLst>
-        </p:spPr>
-        <p:txBody>
-          <a:bodyPr lIns="0" tIns="17780" rIns="0" bIns="0" rtlCol="0" anchor="t">
-            <a:normAutofit/>
-          </a:bodyPr>
-          <a:lstStyle/>
-          <a:p>
-            <a:pPr marL="0" marR="0" indent="0" defTabSz="914400" eaLnBrk="1" fontAlgn="auto" latinLnBrk="0" hangingPunct="1">
-              <a:lnSpc>
-                <a:spcPts val="900"/>
-              </a:lnSpc>
-              <a:buClrTx/>
-              <a:buSzTx/>
-              <a:buFontTx/>
-              <a:buNone/>
-              <a:tabLst/>
-            </a:pPr>
-            <a:endParaRPr kumimoji="0" lang="de-DE" sz="550" b="0" i="0" u="none" strike="noStrike" kern="0" cap="none" normalizeH="0" baseline="0" noProof="0" dirty="0" smtClean="0">
-              <a:ln>
-                <a:noFill/>
-              </a:ln>
-              <a:effectLst/>
-              <a:uLnTx/>
-              <a:uFillTx/>
-              <a:latin typeface="Bosch Office Sans"/>
-              <a:ea typeface="+mn-ea"/>
-              <a:cs typeface="+mn-cs"/>
-            </a:endParaRPr>
-          </a:p>
-        </p:txBody>
-      </p:sp>
-      <p:sp>
-        <p:nvSpPr>
-          <p:cNvPr id="3" name="Textfeld 2" hidden="1"/>
-          <p:cNvSpPr txBox="1"/>
-          <p:nvPr>
-            <p:custDataLst>
-              <p:tags r:id="rId9"/>
-            </p:custDataLst>
-          </p:nvPr>
-        </p:nvSpPr>
-        <p:spPr>
-          <a:xfrm>
-            <a:off x="0" y="5975350"/>
-            <a:ext cx="0" cy="0"/>
-          </a:xfrm>
-          <a:prstGeom prst="rect">
-            <a:avLst/>
-          </a:prstGeom>
-          <a:noFill/>
-          <a:effectLst/>
-          <a:extLst>
-            <a:ext uri="{AF507438-7753-43E0-B8FC-AC1667EBCBE1}">
-              <a14:hiddenEffects xmlns:a14="http://schemas.microsoft.com/office/drawing/2010/main">
-                <a:effectLst>
-                  <a:outerShdw blurRad="63500" rotWithShape="0">
-                    <a:scrgbClr r="0" g="0" b="0"/>
-                  </a:outerShdw>
-                </a:effectLst>
-              </a14:hiddenEffects>
-            </a:ext>
-            <a:ext uri="{53640926-AAD7-44D8-BBD7-CCE9431645EC}">
-              <a14:shadowObscured xmlns:a14="http://schemas.microsoft.com/office/drawing/2010/main"/>
-            </a:ext>
-          </a:extLst>
-        </p:spPr>
-        <p:txBody>
-          <a:bodyPr vert="horz" wrap="none" lIns="0" tIns="0" rIns="0" bIns="0" rtlCol="0" anchor="t">
-            <a:noAutofit/>
-          </a:bodyPr>
-          <a:lstStyle/>
-          <a:p>
-            <a:pPr marR="0" defTabSz="914400" eaLnBrk="1" fontAlgn="auto" latinLnBrk="0" hangingPunct="1">
-              <a:lnSpc>
-                <a:spcPct val="107000"/>
-              </a:lnSpc>
-              <a:buClrTx/>
-              <a:buSzTx/>
-              <a:buFontTx/>
-              <a:buNone/>
-              <a:tabLst/>
-            </a:pPr>
-            <a:endParaRPr kumimoji="0" lang="de-DE" sz="1300" b="0" i="0" u="none" strike="noStrike" kern="0" cap="none" normalizeH="0" baseline="0" noProof="0" dirty="0" err="1" smtClean="0">
-              <a:ln>
-                <a:noFill/>
-              </a:ln>
-              <a:effectLst/>
-              <a:uLnTx/>
-              <a:uFillTx/>
-            </a:endParaRPr>
-          </a:p>
-        </p:txBody>
-      </p:sp>
-      <p:sp>
-        <p:nvSpPr>
-          <p:cNvPr id="2" name="Titel 1"/>
-          <p:cNvSpPr>
-            <a:spLocks noGrp="1"/>
-          </p:cNvSpPr>
-          <p:nvPr>
-            <p:ph type="title"/>
-            <p:custDataLst>
-              <p:tags r:id="rId10"/>
-            </p:custDataLst>
-          </p:nvPr>
-        </p:nvSpPr>
-        <p:spPr>
-          <a:xfrm>
-            <a:off x="259080" y="647700"/>
-            <a:ext cx="10452100" cy="388620"/>
-          </a:xfrm>
-          <a:effectLst/>
-          <a:extLst>
-            <a:ext uri="{AF507438-7753-43E0-B8FC-AC1667EBCBE1}">
-              <a14:hiddenEffects xmlns:a14="http://schemas.microsoft.com/office/drawing/2010/main">
-                <a:effectLst>
-                  <a:outerShdw blurRad="63500" rotWithShape="0">
-                    <a:scrgbClr r="0" g="0" b="0"/>
-                  </a:outerShdw>
-                </a:effectLst>
-              </a14:hiddenEffects>
-            </a:ext>
-            <a:ext uri="{53640926-AAD7-44D8-BBD7-CCE9431645EC}">
-              <a14:shadowObscured xmlns:a14="http://schemas.microsoft.com/office/drawing/2010/main"/>
-            </a:ext>
-          </a:extLst>
-        </p:spPr>
-        <p:txBody>
-          <a:bodyPr wrap="square" lIns="0" tIns="0" rIns="0" bIns="0" anchor="t">
-            <a:noAutofit/>
-          </a:bodyPr>
-          <a:lstStyle/>
-          <a:p>
-            <a:pPr>
-              <a:lnSpc>
-                <a:spcPct val="89000"/>
-              </a:lnSpc>
-              <a:spcBef>
-                <a:spcPts val="0"/>
-              </a:spcBef>
-            </a:pPr>
-            <a:r>
               <a:rPr lang="de-DE" sz="2800" dirty="0" smtClean="0">
                 <a:solidFill>
                   <a:srgbClr val="67B419"/>
@@ -8801,717 +10634,6 @@
     <p:extLst>
       <p:ext uri="{BB962C8B-B14F-4D97-AF65-F5344CB8AC3E}">
         <p14:creationId xmlns:p14="http://schemas.microsoft.com/office/powerpoint/2010/main" val="1905968560"/>
-      </p:ext>
-    </p:extLst>
-  </p:cSld>
-  <p:clrMapOvr>
-    <a:masterClrMapping/>
-  </p:clrMapOvr>
-  <p:timing>
-    <p:tnLst>
-      <p:par>
-        <p:cTn id="1" dur="indefinite" restart="never" nodeType="tmRoot"/>
-      </p:par>
-    </p:tnLst>
-  </p:timing>
-</p:sld>
-</file>
-
-<file path=ppt/slides/slide15.xml><?xml version="1.0" encoding="utf-8"?>
-<p:sld xmlns:a="http://schemas.openxmlformats.org/drawingml/2006/main" xmlns:r="http://schemas.openxmlformats.org/officeDocument/2006/relationships" xmlns:p="http://schemas.openxmlformats.org/presentationml/2006/main" showMasterSp="0">
-  <p:cSld>
-    <p:spTree>
-      <p:nvGrpSpPr>
-        <p:cNvPr id="1" name=""/>
-        <p:cNvGrpSpPr/>
-        <p:nvPr/>
-      </p:nvGrpSpPr>
-      <p:grpSpPr>
-        <a:xfrm>
-          <a:off x="0" y="0"/>
-          <a:ext cx="0" cy="0"/>
-          <a:chOff x="0" y="0"/>
-          <a:chExt cx="0" cy="0"/>
-        </a:xfrm>
-      </p:grpSpPr>
-      <p:pic>
-        <p:nvPicPr>
-          <p:cNvPr id="10" name="Grafik 9"/>
-          <p:cNvPicPr>
-            <a:picLocks/>
-          </p:cNvPicPr>
-          <p:nvPr>
-            <p:custDataLst>
-              <p:tags r:id="rId2"/>
-            </p:custDataLst>
-          </p:nvPr>
-        </p:nvPicPr>
-        <p:blipFill>
-          <a:blip r:embed="rId12" cstate="print">
-            <a:extLst>
-              <a:ext uri="{28A0092B-C50C-407E-A947-70E740481C1C}">
-                <a14:useLocalDpi xmlns:a14="http://schemas.microsoft.com/office/drawing/2010/main" val="0"/>
-              </a:ext>
-            </a:extLst>
-          </a:blip>
-          <a:stretch>
-            <a:fillRect/>
-          </a:stretch>
-        </p:blipFill>
-        <p:spPr>
-          <a:xfrm>
-            <a:off x="9758680" y="5464810"/>
-            <a:ext cx="1094740" cy="575310"/>
-          </a:xfrm>
-          <a:prstGeom prst="rect">
-            <a:avLst/>
-          </a:prstGeom>
-          <a:effectLst/>
-          <a:extLst>
-            <a:ext uri="{AF507438-7753-43E0-B8FC-AC1667EBCBE1}">
-              <a14:hiddenEffects xmlns:a14="http://schemas.microsoft.com/office/drawing/2010/main">
-                <a:effectLst>
-                  <a:outerShdw blurRad="63500" rotWithShape="0">
-                    <a:scrgbClr r="0" g="0" b="0"/>
-                  </a:outerShdw>
-                </a:effectLst>
-              </a14:hiddenEffects>
-            </a:ext>
-            <a:ext uri="{53640926-AAD7-44D8-BBD7-CCE9431645EC}">
-              <a14:shadowObscured xmlns:a14="http://schemas.microsoft.com/office/drawing/2010/main"/>
-            </a:ext>
-          </a:extLst>
-        </p:spPr>
-      </p:pic>
-      <p:pic>
-        <p:nvPicPr>
-          <p:cNvPr id="9" name="Grafik 8"/>
-          <p:cNvPicPr>
-            <a:picLocks/>
-          </p:cNvPicPr>
-          <p:nvPr>
-            <p:custDataLst>
-              <p:tags r:id="rId3"/>
-            </p:custDataLst>
-          </p:nvPr>
-        </p:nvPicPr>
-        <p:blipFill>
-          <a:blip r:embed="rId13">
-            <a:extLst>
-              <a:ext uri="{28A0092B-C50C-407E-A947-70E740481C1C}">
-                <a14:useLocalDpi xmlns:a14="http://schemas.microsoft.com/office/drawing/2010/main" val="0"/>
-              </a:ext>
-            </a:extLst>
-          </a:blip>
-          <a:stretch>
-            <a:fillRect/>
-          </a:stretch>
-        </p:blipFill>
-        <p:spPr>
-          <a:xfrm>
-            <a:off x="0" y="6041390"/>
-            <a:ext cx="10970260" cy="129540"/>
-          </a:xfrm>
-          <a:prstGeom prst="rect">
-            <a:avLst/>
-          </a:prstGeom>
-          <a:effectLst/>
-          <a:extLst>
-            <a:ext uri="{AF507438-7753-43E0-B8FC-AC1667EBCBE1}">
-              <a14:hiddenEffects xmlns:a14="http://schemas.microsoft.com/office/drawing/2010/main">
-                <a:effectLst>
-                  <a:outerShdw blurRad="63500" rotWithShape="0">
-                    <a:scrgbClr r="0" g="0" b="0"/>
-                  </a:outerShdw>
-                </a:effectLst>
-              </a14:hiddenEffects>
-            </a:ext>
-            <a:ext uri="{53640926-AAD7-44D8-BBD7-CCE9431645EC}">
-              <a14:shadowObscured xmlns:a14="http://schemas.microsoft.com/office/drawing/2010/main"/>
-            </a:ext>
-          </a:extLst>
-        </p:spPr>
-      </p:pic>
-      <p:sp>
-        <p:nvSpPr>
-          <p:cNvPr id="8" name="Textfeld 7"/>
-          <p:cNvSpPr txBox="1">
-            <a:spLocks/>
-          </p:cNvSpPr>
-          <p:nvPr>
-            <p:custDataLst>
-              <p:tags r:id="rId4"/>
-            </p:custDataLst>
-          </p:nvPr>
-        </p:nvSpPr>
-        <p:spPr>
-          <a:xfrm>
-            <a:off x="259080" y="259080"/>
-            <a:ext cx="10452100" cy="388620"/>
-          </a:xfrm>
-          <a:prstGeom prst="rect">
-            <a:avLst/>
-          </a:prstGeom>
-          <a:noFill/>
-          <a:effectLst/>
-          <a:extLst>
-            <a:ext uri="{AF507438-7753-43E0-B8FC-AC1667EBCBE1}">
-              <a14:hiddenEffects xmlns:a14="http://schemas.microsoft.com/office/drawing/2010/main">
-                <a:effectLst>
-                  <a:outerShdw blurRad="63500" rotWithShape="0">
-                    <a:scrgbClr r="0" g="0" b="0"/>
-                  </a:outerShdw>
-                </a:effectLst>
-              </a14:hiddenEffects>
-            </a:ext>
-            <a:ext uri="{53640926-AAD7-44D8-BBD7-CCE9431645EC}">
-              <a14:shadowObscured xmlns:a14="http://schemas.microsoft.com/office/drawing/2010/main"/>
-            </a:ext>
-          </a:extLst>
-        </p:spPr>
-        <p:txBody>
-          <a:bodyPr vert="horz" wrap="square" lIns="0" tIns="0" rIns="0" bIns="0" rtlCol="0" anchor="t">
-            <a:noAutofit/>
-          </a:bodyPr>
-          <a:lstStyle/>
-          <a:p>
-            <a:pPr marR="0" defTabSz="914400" eaLnBrk="1" fontAlgn="auto" latinLnBrk="0" hangingPunct="1">
-              <a:lnSpc>
-                <a:spcPct val="89000"/>
-              </a:lnSpc>
-              <a:buClrTx/>
-              <a:buSzTx/>
-              <a:buFontTx/>
-              <a:buNone/>
-              <a:tabLst/>
-            </a:pPr>
-            <a:r>
-              <a:rPr lang="de-DE" sz="2800" kern="0" dirty="0" smtClean="0"/>
-              <a:t>Grundlagen</a:t>
-            </a:r>
-            <a:endParaRPr kumimoji="0" lang="de-DE" sz="2800" b="0" i="0" u="none" strike="noStrike" kern="0" cap="none" normalizeH="0" baseline="0" noProof="0" dirty="0" smtClean="0">
-              <a:ln>
-                <a:noFill/>
-              </a:ln>
-              <a:effectLst/>
-              <a:uLnTx/>
-              <a:uFillTx/>
-            </a:endParaRPr>
-          </a:p>
-        </p:txBody>
-      </p:sp>
-      <p:sp>
-        <p:nvSpPr>
-          <p:cNvPr id="7" name="Rechteck 6"/>
-          <p:cNvSpPr>
-            <a:spLocks/>
-          </p:cNvSpPr>
-          <p:nvPr>
-            <p:custDataLst>
-              <p:tags r:id="rId5"/>
-            </p:custDataLst>
-          </p:nvPr>
-        </p:nvSpPr>
-        <p:spPr>
-          <a:xfrm>
-            <a:off x="593090" y="5643880"/>
-            <a:ext cx="9152890" cy="107950"/>
-          </a:xfrm>
-          <a:prstGeom prst="rect">
-            <a:avLst/>
-          </a:prstGeom>
-          <a:noFill/>
-          <a:ln w="9525" cap="flat" cmpd="sng" algn="ctr">
-            <a:noFill/>
-            <a:prstDash val="solid"/>
-          </a:ln>
-          <a:effectLst/>
-          <a:extLst>
-            <a:ext uri="{91240B29-F687-4F45-9708-019B960494DF}">
-              <a14:hiddenLine xmlns:a14="http://schemas.microsoft.com/office/drawing/2010/main" w="9525" cap="flat" cmpd="sng" algn="ctr">
-                <a:solidFill>
-                  <a:srgbClr val="3F136C"/>
-                </a:solidFill>
-                <a:prstDash val="solid"/>
-              </a14:hiddenLine>
-            </a:ext>
-            <a:ext uri="{AF507438-7753-43E0-B8FC-AC1667EBCBE1}">
-              <a14:hiddenEffects xmlns:a14="http://schemas.microsoft.com/office/drawing/2010/main">
-                <a:effectLst>
-                  <a:outerShdw blurRad="63500" rotWithShape="0">
-                    <a:scrgbClr r="0" g="0" b="0"/>
-                  </a:outerShdw>
-                </a:effectLst>
-              </a14:hiddenEffects>
-            </a:ext>
-            <a:ext uri="{53640926-AAD7-44D8-BBD7-CCE9431645EC}">
-              <a14:shadowObscured xmlns:a14="http://schemas.microsoft.com/office/drawing/2010/main"/>
-            </a:ext>
-          </a:extLst>
-        </p:spPr>
-        <p:txBody>
-          <a:bodyPr lIns="0" tIns="0" rIns="0" bIns="0" rtlCol="0" anchor="t"/>
-          <a:lstStyle/>
-          <a:p>
-            <a:pPr marL="0" marR="0" indent="0" defTabSz="914400" eaLnBrk="1" fontAlgn="auto" latinLnBrk="0" hangingPunct="1">
-              <a:lnSpc>
-                <a:spcPct val="107000"/>
-              </a:lnSpc>
-              <a:spcAft>
-                <a:spcPts val="100"/>
-              </a:spcAft>
-              <a:buClrTx/>
-              <a:buSzTx/>
-              <a:buFontTx/>
-              <a:buNone/>
-              <a:tabLst/>
-            </a:pPr>
-            <a:r>
-              <a:rPr kumimoji="0" lang="de-DE" sz="600" strike="noStrike" kern="0" cap="none" normalizeH="0" baseline="0" noProof="0" smtClean="0">
-                <a:ln>
-                  <a:noFill/>
-                </a:ln>
-                <a:solidFill>
-                  <a:srgbClr val="000000"/>
-                </a:solidFill>
-                <a:effectLst/>
-                <a:uLnTx/>
-                <a:uFillTx/>
-                <a:ea typeface="+mn-ea"/>
-                <a:cs typeface="+mn-cs"/>
-              </a:rPr>
-              <a:t>HOME/EPS | 11.04.2018</a:t>
-            </a:r>
-            <a:endParaRPr kumimoji="0" lang="de-DE" sz="600" strike="noStrike" kern="0" cap="none" normalizeH="0" baseline="0" noProof="0" dirty="0" smtClean="0">
-              <a:ln>
-                <a:noFill/>
-              </a:ln>
-              <a:solidFill>
-                <a:srgbClr val="000000"/>
-              </a:solidFill>
-              <a:effectLst/>
-              <a:uLnTx/>
-              <a:uFillTx/>
-              <a:ea typeface="+mn-ea"/>
-              <a:cs typeface="+mn-cs"/>
-            </a:endParaRPr>
-          </a:p>
-        </p:txBody>
-      </p:sp>
-      <p:sp>
-        <p:nvSpPr>
-          <p:cNvPr id="6" name="Rechteck 5"/>
-          <p:cNvSpPr>
-            <a:spLocks/>
-          </p:cNvSpPr>
-          <p:nvPr>
-            <p:custDataLst>
-              <p:tags r:id="rId6"/>
-            </p:custDataLst>
-          </p:nvPr>
-        </p:nvSpPr>
-        <p:spPr>
-          <a:xfrm>
-            <a:off x="593090" y="5758180"/>
-            <a:ext cx="9152890" cy="215900"/>
-          </a:xfrm>
-          <a:prstGeom prst="rect">
-            <a:avLst/>
-          </a:prstGeom>
-          <a:noFill/>
-          <a:ln w="9525" cap="flat" cmpd="sng" algn="ctr">
-            <a:noFill/>
-            <a:prstDash val="solid"/>
-          </a:ln>
-          <a:effectLst/>
-          <a:extLst>
-            <a:ext uri="{91240B29-F687-4F45-9708-019B960494DF}">
-              <a14:hiddenLine xmlns:a14="http://schemas.microsoft.com/office/drawing/2010/main" w="9525" cap="flat" cmpd="sng" algn="ctr">
-                <a:solidFill>
-                  <a:srgbClr val="3F136C"/>
-                </a:solidFill>
-                <a:prstDash val="solid"/>
-              </a14:hiddenLine>
-            </a:ext>
-            <a:ext uri="{AF507438-7753-43E0-B8FC-AC1667EBCBE1}">
-              <a14:hiddenEffects xmlns:a14="http://schemas.microsoft.com/office/drawing/2010/main">
-                <a:effectLst>
-                  <a:outerShdw blurRad="63500" rotWithShape="0">
-                    <a:scrgbClr r="0" g="0" b="0"/>
-                  </a:outerShdw>
-                </a:effectLst>
-              </a14:hiddenEffects>
-            </a:ext>
-            <a:ext uri="{53640926-AAD7-44D8-BBD7-CCE9431645EC}">
-              <a14:shadowObscured xmlns:a14="http://schemas.microsoft.com/office/drawing/2010/main"/>
-            </a:ext>
-          </a:extLst>
-        </p:spPr>
-        <p:txBody>
-          <a:bodyPr lIns="0" tIns="0" rIns="0" bIns="0" rtlCol="0" anchor="t"/>
-          <a:lstStyle/>
-          <a:p>
-            <a:pPr marL="0" marR="0" indent="0" defTabSz="914400" eaLnBrk="1" fontAlgn="auto" latinLnBrk="0" hangingPunct="1">
-              <a:lnSpc>
-                <a:spcPct val="107000"/>
-              </a:lnSpc>
-              <a:spcAft>
-                <a:spcPts val="100"/>
-              </a:spcAft>
-              <a:buClrTx/>
-              <a:buSzTx/>
-              <a:buFontTx/>
-              <a:buNone/>
-              <a:tabLst/>
-            </a:pPr>
-            <a:r>
-              <a:rPr kumimoji="0" lang="de-DE" sz="600" b="0" i="0" u="none" strike="noStrike" kern="0" cap="none" normalizeH="0" baseline="0" noProof="0" smtClean="0">
-                <a:ln>
-                  <a:noFill/>
-                </a:ln>
-                <a:solidFill>
-                  <a:srgbClr val="B2B3B5"/>
-                </a:solidFill>
-                <a:effectLst/>
-                <a:uLnTx/>
-                <a:uFillTx/>
-                <a:latin typeface="Bosch Office Sans"/>
-                <a:ea typeface="+mn-ea"/>
-                <a:cs typeface="+mn-cs"/>
-              </a:rPr>
-              <a:t>© Robert Bosch GmbH 2018. Alle Rechte vorbehalten, auch bzgl. jeder Verfügung, Verwertung, Reproduktion, Bearbeitung, Weitergabe sowie für den Fall von Schutzrechtsanmeldungen.</a:t>
-            </a:r>
-            <a:endParaRPr kumimoji="0" lang="de-DE" sz="600" b="0" i="0" u="none" strike="noStrike" kern="0" cap="none" normalizeH="0" baseline="0" noProof="0" dirty="0" smtClean="0">
-              <a:ln>
-                <a:noFill/>
-              </a:ln>
-              <a:solidFill>
-                <a:srgbClr val="B2B3B5"/>
-              </a:solidFill>
-              <a:effectLst/>
-              <a:uLnTx/>
-              <a:uFillTx/>
-              <a:latin typeface="Bosch Office Sans"/>
-              <a:ea typeface="+mn-ea"/>
-              <a:cs typeface="+mn-cs"/>
-            </a:endParaRPr>
-          </a:p>
-        </p:txBody>
-      </p:sp>
-      <p:sp>
-        <p:nvSpPr>
-          <p:cNvPr id="5" name="Rechteck 4"/>
-          <p:cNvSpPr>
-            <a:spLocks/>
-          </p:cNvSpPr>
-          <p:nvPr>
-            <p:custDataLst>
-              <p:tags r:id="rId7"/>
-            </p:custDataLst>
-          </p:nvPr>
-        </p:nvSpPr>
-        <p:spPr>
-          <a:xfrm>
-            <a:off x="266700" y="5628640"/>
-            <a:ext cx="288290" cy="410210"/>
-          </a:xfrm>
-          <a:prstGeom prst="rect">
-            <a:avLst/>
-          </a:prstGeom>
-          <a:noFill/>
-          <a:ln w="9525" cap="flat" cmpd="sng" algn="ctr">
-            <a:noFill/>
-            <a:prstDash val="solid"/>
-          </a:ln>
-          <a:effectLst/>
-          <a:extLst>
-            <a:ext uri="{91240B29-F687-4F45-9708-019B960494DF}">
-              <a14:hiddenLine xmlns:a14="http://schemas.microsoft.com/office/drawing/2010/main" w="9525" cap="flat" cmpd="sng" algn="ctr">
-                <a:solidFill>
-                  <a:srgbClr val="3F136C"/>
-                </a:solidFill>
-                <a:prstDash val="solid"/>
-              </a14:hiddenLine>
-            </a:ext>
-            <a:ext uri="{AF507438-7753-43E0-B8FC-AC1667EBCBE1}">
-              <a14:hiddenEffects xmlns:a14="http://schemas.microsoft.com/office/drawing/2010/main">
-                <a:effectLst>
-                  <a:outerShdw blurRad="63500" rotWithShape="0">
-                    <a:scrgbClr r="0" g="0" b="0"/>
-                  </a:outerShdw>
-                </a:effectLst>
-              </a14:hiddenEffects>
-            </a:ext>
-            <a:ext uri="{53640926-AAD7-44D8-BBD7-CCE9431645EC}">
-              <a14:shadowObscured xmlns:a14="http://schemas.microsoft.com/office/drawing/2010/main"/>
-            </a:ext>
-          </a:extLst>
-        </p:spPr>
-        <p:txBody>
-          <a:bodyPr wrap="none" lIns="0" tIns="0" rIns="0" bIns="0" rtlCol="0" anchor="t"/>
-          <a:lstStyle/>
-          <a:p>
-            <a:pPr marL="0" marR="0" indent="0" defTabSz="914400" eaLnBrk="1" fontAlgn="auto" latinLnBrk="0" hangingPunct="1">
-              <a:buClrTx/>
-              <a:buSzTx/>
-              <a:buFontTx/>
-              <a:buNone/>
-              <a:tabLst/>
-            </a:pPr>
-            <a:r>
-              <a:rPr kumimoji="0" lang="de-DE" sz="1200" b="0" i="0" u="none" strike="noStrike" kern="0" cap="none" normalizeH="0" baseline="0" noProof="0" smtClean="0">
-                <a:ln>
-                  <a:noFill/>
-                </a:ln>
-                <a:solidFill>
-                  <a:srgbClr val="999FA6"/>
-                </a:solidFill>
-                <a:effectLst/>
-                <a:uLnTx/>
-                <a:uFillTx/>
-                <a:latin typeface="Bosch Office Sans"/>
-                <a:ea typeface="+mn-ea"/>
-                <a:cs typeface="+mn-cs"/>
-              </a:rPr>
-              <a:t>15</a:t>
-            </a:r>
-            <a:endParaRPr kumimoji="0" lang="de-DE" sz="1200" b="0" i="0" u="none" strike="noStrike" kern="0" cap="none" normalizeH="0" baseline="0" noProof="0" dirty="0" smtClean="0">
-              <a:ln>
-                <a:noFill/>
-              </a:ln>
-              <a:solidFill>
-                <a:srgbClr val="999FA6"/>
-              </a:solidFill>
-              <a:effectLst/>
-              <a:uLnTx/>
-              <a:uFillTx/>
-              <a:latin typeface="Bosch Office Sans"/>
-              <a:ea typeface="+mn-ea"/>
-              <a:cs typeface="+mn-cs"/>
-            </a:endParaRPr>
-          </a:p>
-        </p:txBody>
-      </p:sp>
-      <p:sp>
-        <p:nvSpPr>
-          <p:cNvPr id="4" name="Rechteck 3" hidden="1"/>
-          <p:cNvSpPr>
-            <a:spLocks/>
-          </p:cNvSpPr>
-          <p:nvPr>
-            <p:custDataLst>
-              <p:tags r:id="rId8"/>
-            </p:custDataLst>
-          </p:nvPr>
-        </p:nvSpPr>
-        <p:spPr>
-          <a:xfrm>
-            <a:off x="9224010" y="259080"/>
-            <a:ext cx="1691640" cy="777240"/>
-          </a:xfrm>
-          <a:prstGeom prst="rect">
-            <a:avLst/>
-          </a:prstGeom>
-          <a:noFill/>
-          <a:ln w="9525" cap="flat" cmpd="sng" algn="ctr">
-            <a:noFill/>
-            <a:prstDash val="solid"/>
-          </a:ln>
-          <a:effectLst/>
-          <a:extLst>
-            <a:ext uri="{91240B29-F687-4F45-9708-019B960494DF}">
-              <a14:hiddenLine xmlns:a14="http://schemas.microsoft.com/office/drawing/2010/main" w="9525" cap="flat" cmpd="sng" algn="ctr">
-                <a:solidFill>
-                  <a:srgbClr val="3F136C"/>
-                </a:solidFill>
-                <a:prstDash val="solid"/>
-              </a14:hiddenLine>
-            </a:ext>
-            <a:ext uri="{AF507438-7753-43E0-B8FC-AC1667EBCBE1}">
-              <a14:hiddenEffects xmlns:a14="http://schemas.microsoft.com/office/drawing/2010/main">
-                <a:effectLst>
-                  <a:outerShdw blurRad="63500" rotWithShape="0">
-                    <a:scrgbClr r="0" g="0" b="0"/>
-                  </a:outerShdw>
-                </a:effectLst>
-              </a14:hiddenEffects>
-            </a:ext>
-            <a:ext uri="{53640926-AAD7-44D8-BBD7-CCE9431645EC}">
-              <a14:shadowObscured xmlns:a14="http://schemas.microsoft.com/office/drawing/2010/main"/>
-            </a:ext>
-          </a:extLst>
-        </p:spPr>
-        <p:txBody>
-          <a:bodyPr lIns="0" tIns="17780" rIns="0" bIns="0" rtlCol="0" anchor="t">
-            <a:normAutofit/>
-          </a:bodyPr>
-          <a:lstStyle/>
-          <a:p>
-            <a:pPr marL="0" marR="0" indent="0" defTabSz="914400" eaLnBrk="1" fontAlgn="auto" latinLnBrk="0" hangingPunct="1">
-              <a:lnSpc>
-                <a:spcPts val="900"/>
-              </a:lnSpc>
-              <a:buClrTx/>
-              <a:buSzTx/>
-              <a:buFontTx/>
-              <a:buNone/>
-              <a:tabLst/>
-            </a:pPr>
-            <a:endParaRPr kumimoji="0" lang="de-DE" sz="550" b="0" i="0" u="none" strike="noStrike" kern="0" cap="none" normalizeH="0" baseline="0" noProof="0" dirty="0" smtClean="0">
-              <a:ln>
-                <a:noFill/>
-              </a:ln>
-              <a:effectLst/>
-              <a:uLnTx/>
-              <a:uFillTx/>
-              <a:latin typeface="Bosch Office Sans"/>
-              <a:ea typeface="+mn-ea"/>
-              <a:cs typeface="+mn-cs"/>
-            </a:endParaRPr>
-          </a:p>
-        </p:txBody>
-      </p:sp>
-      <p:sp>
-        <p:nvSpPr>
-          <p:cNvPr id="3" name="Textfeld 2" hidden="1"/>
-          <p:cNvSpPr txBox="1"/>
-          <p:nvPr>
-            <p:custDataLst>
-              <p:tags r:id="rId9"/>
-            </p:custDataLst>
-          </p:nvPr>
-        </p:nvSpPr>
-        <p:spPr>
-          <a:xfrm>
-            <a:off x="0" y="5975350"/>
-            <a:ext cx="0" cy="0"/>
-          </a:xfrm>
-          <a:prstGeom prst="rect">
-            <a:avLst/>
-          </a:prstGeom>
-          <a:noFill/>
-          <a:effectLst/>
-          <a:extLst>
-            <a:ext uri="{AF507438-7753-43E0-B8FC-AC1667EBCBE1}">
-              <a14:hiddenEffects xmlns:a14="http://schemas.microsoft.com/office/drawing/2010/main">
-                <a:effectLst>
-                  <a:outerShdw blurRad="63500" rotWithShape="0">
-                    <a:scrgbClr r="0" g="0" b="0"/>
-                  </a:outerShdw>
-                </a:effectLst>
-              </a14:hiddenEffects>
-            </a:ext>
-            <a:ext uri="{53640926-AAD7-44D8-BBD7-CCE9431645EC}">
-              <a14:shadowObscured xmlns:a14="http://schemas.microsoft.com/office/drawing/2010/main"/>
-            </a:ext>
-          </a:extLst>
-        </p:spPr>
-        <p:txBody>
-          <a:bodyPr vert="horz" wrap="none" lIns="0" tIns="0" rIns="0" bIns="0" rtlCol="0" anchor="t">
-            <a:noAutofit/>
-          </a:bodyPr>
-          <a:lstStyle/>
-          <a:p>
-            <a:pPr marR="0" defTabSz="914400" eaLnBrk="1" fontAlgn="auto" latinLnBrk="0" hangingPunct="1">
-              <a:lnSpc>
-                <a:spcPct val="107000"/>
-              </a:lnSpc>
-              <a:buClrTx/>
-              <a:buSzTx/>
-              <a:buFontTx/>
-              <a:buNone/>
-              <a:tabLst/>
-            </a:pPr>
-            <a:endParaRPr kumimoji="0" lang="de-DE" sz="1300" b="0" i="0" u="none" strike="noStrike" kern="0" cap="none" normalizeH="0" baseline="0" noProof="0" dirty="0" err="1" smtClean="0">
-              <a:ln>
-                <a:noFill/>
-              </a:ln>
-              <a:effectLst/>
-              <a:uLnTx/>
-              <a:uFillTx/>
-            </a:endParaRPr>
-          </a:p>
-        </p:txBody>
-      </p:sp>
-      <p:sp>
-        <p:nvSpPr>
-          <p:cNvPr id="2" name="Titel 1"/>
-          <p:cNvSpPr>
-            <a:spLocks noGrp="1"/>
-          </p:cNvSpPr>
-          <p:nvPr>
-            <p:ph type="title"/>
-            <p:custDataLst>
-              <p:tags r:id="rId10"/>
-            </p:custDataLst>
-          </p:nvPr>
-        </p:nvSpPr>
-        <p:spPr>
-          <a:xfrm>
-            <a:off x="259080" y="647700"/>
-            <a:ext cx="10452100" cy="388620"/>
-          </a:xfrm>
-          <a:effectLst/>
-          <a:extLst>
-            <a:ext uri="{AF507438-7753-43E0-B8FC-AC1667EBCBE1}">
-              <a14:hiddenEffects xmlns:a14="http://schemas.microsoft.com/office/drawing/2010/main">
-                <a:effectLst>
-                  <a:outerShdw blurRad="63500" rotWithShape="0">
-                    <a:scrgbClr r="0" g="0" b="0"/>
-                  </a:outerShdw>
-                </a:effectLst>
-              </a14:hiddenEffects>
-            </a:ext>
-            <a:ext uri="{53640926-AAD7-44D8-BBD7-CCE9431645EC}">
-              <a14:shadowObscured xmlns:a14="http://schemas.microsoft.com/office/drawing/2010/main"/>
-            </a:ext>
-          </a:extLst>
-        </p:spPr>
-        <p:txBody>
-          <a:bodyPr wrap="square" lIns="0" tIns="0" rIns="0" bIns="0" anchor="t">
-            <a:noAutofit/>
-          </a:bodyPr>
-          <a:lstStyle/>
-          <a:p>
-            <a:pPr>
-              <a:lnSpc>
-                <a:spcPct val="89000"/>
-              </a:lnSpc>
-              <a:spcBef>
-                <a:spcPts val="0"/>
-              </a:spcBef>
-            </a:pPr>
-            <a:r>
-              <a:rPr lang="de-DE" sz="2800" dirty="0" err="1" smtClean="0">
-                <a:solidFill>
-                  <a:srgbClr val="67B419"/>
-                </a:solidFill>
-              </a:rPr>
-              <a:t>OpenCV</a:t>
-            </a:r>
-            <a:r>
-              <a:rPr lang="de-DE" sz="2800" dirty="0" smtClean="0">
-                <a:solidFill>
-                  <a:srgbClr val="67B419"/>
-                </a:solidFill>
-              </a:rPr>
-              <a:t> Framework</a:t>
-            </a:r>
-            <a:endParaRPr lang="de-DE" sz="2800" dirty="0">
-              <a:solidFill>
-                <a:srgbClr val="67B419"/>
-              </a:solidFill>
-            </a:endParaRPr>
-          </a:p>
-        </p:txBody>
-      </p:sp>
-    </p:spTree>
-    <p:custDataLst>
-      <p:tags r:id="rId1"/>
-    </p:custDataLst>
-    <p:extLst>
-      <p:ext uri="{BB962C8B-B14F-4D97-AF65-F5344CB8AC3E}">
-        <p14:creationId xmlns:p14="http://schemas.microsoft.com/office/powerpoint/2010/main" val="307777003"/>
       </p:ext>
     </p:extLst>
   </p:cSld>
@@ -10193,6 +11315,717 @@
               </a:spcBef>
             </a:pPr>
             <a:r>
+              <a:rPr lang="de-DE" sz="2800" dirty="0" err="1" smtClean="0">
+                <a:solidFill>
+                  <a:srgbClr val="67B419"/>
+                </a:solidFill>
+              </a:rPr>
+              <a:t>OpenCV</a:t>
+            </a:r>
+            <a:r>
+              <a:rPr lang="de-DE" sz="2800" dirty="0" smtClean="0">
+                <a:solidFill>
+                  <a:srgbClr val="67B419"/>
+                </a:solidFill>
+              </a:rPr>
+              <a:t> Framework</a:t>
+            </a:r>
+            <a:endParaRPr lang="de-DE" sz="2800" dirty="0">
+              <a:solidFill>
+                <a:srgbClr val="67B419"/>
+              </a:solidFill>
+            </a:endParaRPr>
+          </a:p>
+        </p:txBody>
+      </p:sp>
+    </p:spTree>
+    <p:custDataLst>
+      <p:tags r:id="rId1"/>
+    </p:custDataLst>
+    <p:extLst>
+      <p:ext uri="{BB962C8B-B14F-4D97-AF65-F5344CB8AC3E}">
+        <p14:creationId xmlns:p14="http://schemas.microsoft.com/office/powerpoint/2010/main" val="307777003"/>
+      </p:ext>
+    </p:extLst>
+  </p:cSld>
+  <p:clrMapOvr>
+    <a:masterClrMapping/>
+  </p:clrMapOvr>
+  <p:timing>
+    <p:tnLst>
+      <p:par>
+        <p:cTn id="1" dur="indefinite" restart="never" nodeType="tmRoot"/>
+      </p:par>
+    </p:tnLst>
+  </p:timing>
+</p:sld>
+</file>
+
+<file path=ppt/slides/slide17.xml><?xml version="1.0" encoding="utf-8"?>
+<p:sld xmlns:a="http://schemas.openxmlformats.org/drawingml/2006/main" xmlns:r="http://schemas.openxmlformats.org/officeDocument/2006/relationships" xmlns:p="http://schemas.openxmlformats.org/presentationml/2006/main" showMasterSp="0">
+  <p:cSld>
+    <p:spTree>
+      <p:nvGrpSpPr>
+        <p:cNvPr id="1" name=""/>
+        <p:cNvGrpSpPr/>
+        <p:nvPr/>
+      </p:nvGrpSpPr>
+      <p:grpSpPr>
+        <a:xfrm>
+          <a:off x="0" y="0"/>
+          <a:ext cx="0" cy="0"/>
+          <a:chOff x="0" y="0"/>
+          <a:chExt cx="0" cy="0"/>
+        </a:xfrm>
+      </p:grpSpPr>
+      <p:pic>
+        <p:nvPicPr>
+          <p:cNvPr id="10" name="Grafik 9"/>
+          <p:cNvPicPr>
+            <a:picLocks/>
+          </p:cNvPicPr>
+          <p:nvPr>
+            <p:custDataLst>
+              <p:tags r:id="rId2"/>
+            </p:custDataLst>
+          </p:nvPr>
+        </p:nvPicPr>
+        <p:blipFill>
+          <a:blip r:embed="rId12" cstate="print">
+            <a:extLst>
+              <a:ext uri="{28A0092B-C50C-407E-A947-70E740481C1C}">
+                <a14:useLocalDpi xmlns:a14="http://schemas.microsoft.com/office/drawing/2010/main" val="0"/>
+              </a:ext>
+            </a:extLst>
+          </a:blip>
+          <a:stretch>
+            <a:fillRect/>
+          </a:stretch>
+        </p:blipFill>
+        <p:spPr>
+          <a:xfrm>
+            <a:off x="9758680" y="5464810"/>
+            <a:ext cx="1094740" cy="575310"/>
+          </a:xfrm>
+          <a:prstGeom prst="rect">
+            <a:avLst/>
+          </a:prstGeom>
+          <a:effectLst/>
+          <a:extLst>
+            <a:ext uri="{AF507438-7753-43E0-B8FC-AC1667EBCBE1}">
+              <a14:hiddenEffects xmlns:a14="http://schemas.microsoft.com/office/drawing/2010/main">
+                <a:effectLst>
+                  <a:outerShdw blurRad="63500" rotWithShape="0">
+                    <a:scrgbClr r="0" g="0" b="0"/>
+                  </a:outerShdw>
+                </a:effectLst>
+              </a14:hiddenEffects>
+            </a:ext>
+            <a:ext uri="{53640926-AAD7-44D8-BBD7-CCE9431645EC}">
+              <a14:shadowObscured xmlns:a14="http://schemas.microsoft.com/office/drawing/2010/main"/>
+            </a:ext>
+          </a:extLst>
+        </p:spPr>
+      </p:pic>
+      <p:pic>
+        <p:nvPicPr>
+          <p:cNvPr id="9" name="Grafik 8"/>
+          <p:cNvPicPr>
+            <a:picLocks/>
+          </p:cNvPicPr>
+          <p:nvPr>
+            <p:custDataLst>
+              <p:tags r:id="rId3"/>
+            </p:custDataLst>
+          </p:nvPr>
+        </p:nvPicPr>
+        <p:blipFill>
+          <a:blip r:embed="rId13">
+            <a:extLst>
+              <a:ext uri="{28A0092B-C50C-407E-A947-70E740481C1C}">
+                <a14:useLocalDpi xmlns:a14="http://schemas.microsoft.com/office/drawing/2010/main" val="0"/>
+              </a:ext>
+            </a:extLst>
+          </a:blip>
+          <a:stretch>
+            <a:fillRect/>
+          </a:stretch>
+        </p:blipFill>
+        <p:spPr>
+          <a:xfrm>
+            <a:off x="0" y="6041390"/>
+            <a:ext cx="10970260" cy="129540"/>
+          </a:xfrm>
+          <a:prstGeom prst="rect">
+            <a:avLst/>
+          </a:prstGeom>
+          <a:effectLst/>
+          <a:extLst>
+            <a:ext uri="{AF507438-7753-43E0-B8FC-AC1667EBCBE1}">
+              <a14:hiddenEffects xmlns:a14="http://schemas.microsoft.com/office/drawing/2010/main">
+                <a:effectLst>
+                  <a:outerShdw blurRad="63500" rotWithShape="0">
+                    <a:scrgbClr r="0" g="0" b="0"/>
+                  </a:outerShdw>
+                </a:effectLst>
+              </a14:hiddenEffects>
+            </a:ext>
+            <a:ext uri="{53640926-AAD7-44D8-BBD7-CCE9431645EC}">
+              <a14:shadowObscured xmlns:a14="http://schemas.microsoft.com/office/drawing/2010/main"/>
+            </a:ext>
+          </a:extLst>
+        </p:spPr>
+      </p:pic>
+      <p:sp>
+        <p:nvSpPr>
+          <p:cNvPr id="8" name="Textfeld 7"/>
+          <p:cNvSpPr txBox="1">
+            <a:spLocks/>
+          </p:cNvSpPr>
+          <p:nvPr>
+            <p:custDataLst>
+              <p:tags r:id="rId4"/>
+            </p:custDataLst>
+          </p:nvPr>
+        </p:nvSpPr>
+        <p:spPr>
+          <a:xfrm>
+            <a:off x="259080" y="259080"/>
+            <a:ext cx="10452100" cy="388620"/>
+          </a:xfrm>
+          <a:prstGeom prst="rect">
+            <a:avLst/>
+          </a:prstGeom>
+          <a:noFill/>
+          <a:effectLst/>
+          <a:extLst>
+            <a:ext uri="{AF507438-7753-43E0-B8FC-AC1667EBCBE1}">
+              <a14:hiddenEffects xmlns:a14="http://schemas.microsoft.com/office/drawing/2010/main">
+                <a:effectLst>
+                  <a:outerShdw blurRad="63500" rotWithShape="0">
+                    <a:scrgbClr r="0" g="0" b="0"/>
+                  </a:outerShdw>
+                </a:effectLst>
+              </a14:hiddenEffects>
+            </a:ext>
+            <a:ext uri="{53640926-AAD7-44D8-BBD7-CCE9431645EC}">
+              <a14:shadowObscured xmlns:a14="http://schemas.microsoft.com/office/drawing/2010/main"/>
+            </a:ext>
+          </a:extLst>
+        </p:spPr>
+        <p:txBody>
+          <a:bodyPr vert="horz" wrap="square" lIns="0" tIns="0" rIns="0" bIns="0" rtlCol="0" anchor="t">
+            <a:noAutofit/>
+          </a:bodyPr>
+          <a:lstStyle/>
+          <a:p>
+            <a:pPr marR="0" defTabSz="914400" eaLnBrk="1" fontAlgn="auto" latinLnBrk="0" hangingPunct="1">
+              <a:lnSpc>
+                <a:spcPct val="89000"/>
+              </a:lnSpc>
+              <a:buClrTx/>
+              <a:buSzTx/>
+              <a:buFontTx/>
+              <a:buNone/>
+              <a:tabLst/>
+            </a:pPr>
+            <a:r>
+              <a:rPr lang="de-DE" sz="2800" kern="0" dirty="0" smtClean="0"/>
+              <a:t>Grundlagen</a:t>
+            </a:r>
+            <a:endParaRPr kumimoji="0" lang="de-DE" sz="2800" b="0" i="0" u="none" strike="noStrike" kern="0" cap="none" normalizeH="0" baseline="0" noProof="0" dirty="0" smtClean="0">
+              <a:ln>
+                <a:noFill/>
+              </a:ln>
+              <a:effectLst/>
+              <a:uLnTx/>
+              <a:uFillTx/>
+            </a:endParaRPr>
+          </a:p>
+        </p:txBody>
+      </p:sp>
+      <p:sp>
+        <p:nvSpPr>
+          <p:cNvPr id="7" name="Rechteck 6"/>
+          <p:cNvSpPr>
+            <a:spLocks/>
+          </p:cNvSpPr>
+          <p:nvPr>
+            <p:custDataLst>
+              <p:tags r:id="rId5"/>
+            </p:custDataLst>
+          </p:nvPr>
+        </p:nvSpPr>
+        <p:spPr>
+          <a:xfrm>
+            <a:off x="593090" y="5643880"/>
+            <a:ext cx="9152890" cy="107950"/>
+          </a:xfrm>
+          <a:prstGeom prst="rect">
+            <a:avLst/>
+          </a:prstGeom>
+          <a:noFill/>
+          <a:ln w="9525" cap="flat" cmpd="sng" algn="ctr">
+            <a:noFill/>
+            <a:prstDash val="solid"/>
+          </a:ln>
+          <a:effectLst/>
+          <a:extLst>
+            <a:ext uri="{91240B29-F687-4F45-9708-019B960494DF}">
+              <a14:hiddenLine xmlns:a14="http://schemas.microsoft.com/office/drawing/2010/main" w="9525" cap="flat" cmpd="sng" algn="ctr">
+                <a:solidFill>
+                  <a:srgbClr val="3F136C"/>
+                </a:solidFill>
+                <a:prstDash val="solid"/>
+              </a14:hiddenLine>
+            </a:ext>
+            <a:ext uri="{AF507438-7753-43E0-B8FC-AC1667EBCBE1}">
+              <a14:hiddenEffects xmlns:a14="http://schemas.microsoft.com/office/drawing/2010/main">
+                <a:effectLst>
+                  <a:outerShdw blurRad="63500" rotWithShape="0">
+                    <a:scrgbClr r="0" g="0" b="0"/>
+                  </a:outerShdw>
+                </a:effectLst>
+              </a14:hiddenEffects>
+            </a:ext>
+            <a:ext uri="{53640926-AAD7-44D8-BBD7-CCE9431645EC}">
+              <a14:shadowObscured xmlns:a14="http://schemas.microsoft.com/office/drawing/2010/main"/>
+            </a:ext>
+          </a:extLst>
+        </p:spPr>
+        <p:txBody>
+          <a:bodyPr lIns="0" tIns="0" rIns="0" bIns="0" rtlCol="0" anchor="t"/>
+          <a:lstStyle/>
+          <a:p>
+            <a:pPr marL="0" marR="0" indent="0" defTabSz="914400" eaLnBrk="1" fontAlgn="auto" latinLnBrk="0" hangingPunct="1">
+              <a:lnSpc>
+                <a:spcPct val="107000"/>
+              </a:lnSpc>
+              <a:spcAft>
+                <a:spcPts val="100"/>
+              </a:spcAft>
+              <a:buClrTx/>
+              <a:buSzTx/>
+              <a:buFontTx/>
+              <a:buNone/>
+              <a:tabLst/>
+            </a:pPr>
+            <a:r>
+              <a:rPr kumimoji="0" lang="de-DE" sz="600" strike="noStrike" kern="0" cap="none" normalizeH="0" baseline="0" noProof="0" smtClean="0">
+                <a:ln>
+                  <a:noFill/>
+                </a:ln>
+                <a:solidFill>
+                  <a:srgbClr val="000000"/>
+                </a:solidFill>
+                <a:effectLst/>
+                <a:uLnTx/>
+                <a:uFillTx/>
+                <a:ea typeface="+mn-ea"/>
+                <a:cs typeface="+mn-cs"/>
+              </a:rPr>
+              <a:t>HOME/EPS | 11.04.2018</a:t>
+            </a:r>
+            <a:endParaRPr kumimoji="0" lang="de-DE" sz="600" strike="noStrike" kern="0" cap="none" normalizeH="0" baseline="0" noProof="0" dirty="0" smtClean="0">
+              <a:ln>
+                <a:noFill/>
+              </a:ln>
+              <a:solidFill>
+                <a:srgbClr val="000000"/>
+              </a:solidFill>
+              <a:effectLst/>
+              <a:uLnTx/>
+              <a:uFillTx/>
+              <a:ea typeface="+mn-ea"/>
+              <a:cs typeface="+mn-cs"/>
+            </a:endParaRPr>
+          </a:p>
+        </p:txBody>
+      </p:sp>
+      <p:sp>
+        <p:nvSpPr>
+          <p:cNvPr id="6" name="Rechteck 5"/>
+          <p:cNvSpPr>
+            <a:spLocks/>
+          </p:cNvSpPr>
+          <p:nvPr>
+            <p:custDataLst>
+              <p:tags r:id="rId6"/>
+            </p:custDataLst>
+          </p:nvPr>
+        </p:nvSpPr>
+        <p:spPr>
+          <a:xfrm>
+            <a:off x="593090" y="5758180"/>
+            <a:ext cx="9152890" cy="215900"/>
+          </a:xfrm>
+          <a:prstGeom prst="rect">
+            <a:avLst/>
+          </a:prstGeom>
+          <a:noFill/>
+          <a:ln w="9525" cap="flat" cmpd="sng" algn="ctr">
+            <a:noFill/>
+            <a:prstDash val="solid"/>
+          </a:ln>
+          <a:effectLst/>
+          <a:extLst>
+            <a:ext uri="{91240B29-F687-4F45-9708-019B960494DF}">
+              <a14:hiddenLine xmlns:a14="http://schemas.microsoft.com/office/drawing/2010/main" w="9525" cap="flat" cmpd="sng" algn="ctr">
+                <a:solidFill>
+                  <a:srgbClr val="3F136C"/>
+                </a:solidFill>
+                <a:prstDash val="solid"/>
+              </a14:hiddenLine>
+            </a:ext>
+            <a:ext uri="{AF507438-7753-43E0-B8FC-AC1667EBCBE1}">
+              <a14:hiddenEffects xmlns:a14="http://schemas.microsoft.com/office/drawing/2010/main">
+                <a:effectLst>
+                  <a:outerShdw blurRad="63500" rotWithShape="0">
+                    <a:scrgbClr r="0" g="0" b="0"/>
+                  </a:outerShdw>
+                </a:effectLst>
+              </a14:hiddenEffects>
+            </a:ext>
+            <a:ext uri="{53640926-AAD7-44D8-BBD7-CCE9431645EC}">
+              <a14:shadowObscured xmlns:a14="http://schemas.microsoft.com/office/drawing/2010/main"/>
+            </a:ext>
+          </a:extLst>
+        </p:spPr>
+        <p:txBody>
+          <a:bodyPr lIns="0" tIns="0" rIns="0" bIns="0" rtlCol="0" anchor="t"/>
+          <a:lstStyle/>
+          <a:p>
+            <a:pPr marL="0" marR="0" indent="0" defTabSz="914400" eaLnBrk="1" fontAlgn="auto" latinLnBrk="0" hangingPunct="1">
+              <a:lnSpc>
+                <a:spcPct val="107000"/>
+              </a:lnSpc>
+              <a:spcAft>
+                <a:spcPts val="100"/>
+              </a:spcAft>
+              <a:buClrTx/>
+              <a:buSzTx/>
+              <a:buFontTx/>
+              <a:buNone/>
+              <a:tabLst/>
+            </a:pPr>
+            <a:r>
+              <a:rPr kumimoji="0" lang="de-DE" sz="600" b="0" i="0" u="none" strike="noStrike" kern="0" cap="none" normalizeH="0" baseline="0" noProof="0" smtClean="0">
+                <a:ln>
+                  <a:noFill/>
+                </a:ln>
+                <a:solidFill>
+                  <a:srgbClr val="B2B3B5"/>
+                </a:solidFill>
+                <a:effectLst/>
+                <a:uLnTx/>
+                <a:uFillTx/>
+                <a:latin typeface="Bosch Office Sans"/>
+                <a:ea typeface="+mn-ea"/>
+                <a:cs typeface="+mn-cs"/>
+              </a:rPr>
+              <a:t>© Robert Bosch GmbH 2018. Alle Rechte vorbehalten, auch bzgl. jeder Verfügung, Verwertung, Reproduktion, Bearbeitung, Weitergabe sowie für den Fall von Schutzrechtsanmeldungen.</a:t>
+            </a:r>
+            <a:endParaRPr kumimoji="0" lang="de-DE" sz="600" b="0" i="0" u="none" strike="noStrike" kern="0" cap="none" normalizeH="0" baseline="0" noProof="0" dirty="0" smtClean="0">
+              <a:ln>
+                <a:noFill/>
+              </a:ln>
+              <a:solidFill>
+                <a:srgbClr val="B2B3B5"/>
+              </a:solidFill>
+              <a:effectLst/>
+              <a:uLnTx/>
+              <a:uFillTx/>
+              <a:latin typeface="Bosch Office Sans"/>
+              <a:ea typeface="+mn-ea"/>
+              <a:cs typeface="+mn-cs"/>
+            </a:endParaRPr>
+          </a:p>
+        </p:txBody>
+      </p:sp>
+      <p:sp>
+        <p:nvSpPr>
+          <p:cNvPr id="5" name="Rechteck 4"/>
+          <p:cNvSpPr>
+            <a:spLocks/>
+          </p:cNvSpPr>
+          <p:nvPr>
+            <p:custDataLst>
+              <p:tags r:id="rId7"/>
+            </p:custDataLst>
+          </p:nvPr>
+        </p:nvSpPr>
+        <p:spPr>
+          <a:xfrm>
+            <a:off x="266700" y="5628640"/>
+            <a:ext cx="288290" cy="410210"/>
+          </a:xfrm>
+          <a:prstGeom prst="rect">
+            <a:avLst/>
+          </a:prstGeom>
+          <a:noFill/>
+          <a:ln w="9525" cap="flat" cmpd="sng" algn="ctr">
+            <a:noFill/>
+            <a:prstDash val="solid"/>
+          </a:ln>
+          <a:effectLst/>
+          <a:extLst>
+            <a:ext uri="{91240B29-F687-4F45-9708-019B960494DF}">
+              <a14:hiddenLine xmlns:a14="http://schemas.microsoft.com/office/drawing/2010/main" w="9525" cap="flat" cmpd="sng" algn="ctr">
+                <a:solidFill>
+                  <a:srgbClr val="3F136C"/>
+                </a:solidFill>
+                <a:prstDash val="solid"/>
+              </a14:hiddenLine>
+            </a:ext>
+            <a:ext uri="{AF507438-7753-43E0-B8FC-AC1667EBCBE1}">
+              <a14:hiddenEffects xmlns:a14="http://schemas.microsoft.com/office/drawing/2010/main">
+                <a:effectLst>
+                  <a:outerShdw blurRad="63500" rotWithShape="0">
+                    <a:scrgbClr r="0" g="0" b="0"/>
+                  </a:outerShdw>
+                </a:effectLst>
+              </a14:hiddenEffects>
+            </a:ext>
+            <a:ext uri="{53640926-AAD7-44D8-BBD7-CCE9431645EC}">
+              <a14:shadowObscured xmlns:a14="http://schemas.microsoft.com/office/drawing/2010/main"/>
+            </a:ext>
+          </a:extLst>
+        </p:spPr>
+        <p:txBody>
+          <a:bodyPr wrap="none" lIns="0" tIns="0" rIns="0" bIns="0" rtlCol="0" anchor="t"/>
+          <a:lstStyle/>
+          <a:p>
+            <a:pPr marL="0" marR="0" indent="0" defTabSz="914400" eaLnBrk="1" fontAlgn="auto" latinLnBrk="0" hangingPunct="1">
+              <a:buClrTx/>
+              <a:buSzTx/>
+              <a:buFontTx/>
+              <a:buNone/>
+              <a:tabLst/>
+            </a:pPr>
+            <a:r>
+              <a:rPr kumimoji="0" lang="de-DE" sz="1200" b="0" i="0" u="none" strike="noStrike" kern="0" cap="none" normalizeH="0" baseline="0" noProof="0" smtClean="0">
+                <a:ln>
+                  <a:noFill/>
+                </a:ln>
+                <a:solidFill>
+                  <a:srgbClr val="999FA6"/>
+                </a:solidFill>
+                <a:effectLst/>
+                <a:uLnTx/>
+                <a:uFillTx/>
+                <a:latin typeface="Bosch Office Sans"/>
+                <a:ea typeface="+mn-ea"/>
+                <a:cs typeface="+mn-cs"/>
+              </a:rPr>
+              <a:t>17</a:t>
+            </a:r>
+            <a:endParaRPr kumimoji="0" lang="de-DE" sz="1200" b="0" i="0" u="none" strike="noStrike" kern="0" cap="none" normalizeH="0" baseline="0" noProof="0" dirty="0" smtClean="0">
+              <a:ln>
+                <a:noFill/>
+              </a:ln>
+              <a:solidFill>
+                <a:srgbClr val="999FA6"/>
+              </a:solidFill>
+              <a:effectLst/>
+              <a:uLnTx/>
+              <a:uFillTx/>
+              <a:latin typeface="Bosch Office Sans"/>
+              <a:ea typeface="+mn-ea"/>
+              <a:cs typeface="+mn-cs"/>
+            </a:endParaRPr>
+          </a:p>
+        </p:txBody>
+      </p:sp>
+      <p:sp>
+        <p:nvSpPr>
+          <p:cNvPr id="4" name="Rechteck 3" hidden="1"/>
+          <p:cNvSpPr>
+            <a:spLocks/>
+          </p:cNvSpPr>
+          <p:nvPr>
+            <p:custDataLst>
+              <p:tags r:id="rId8"/>
+            </p:custDataLst>
+          </p:nvPr>
+        </p:nvSpPr>
+        <p:spPr>
+          <a:xfrm>
+            <a:off x="9224010" y="259080"/>
+            <a:ext cx="1691640" cy="777240"/>
+          </a:xfrm>
+          <a:prstGeom prst="rect">
+            <a:avLst/>
+          </a:prstGeom>
+          <a:noFill/>
+          <a:ln w="9525" cap="flat" cmpd="sng" algn="ctr">
+            <a:noFill/>
+            <a:prstDash val="solid"/>
+          </a:ln>
+          <a:effectLst/>
+          <a:extLst>
+            <a:ext uri="{91240B29-F687-4F45-9708-019B960494DF}">
+              <a14:hiddenLine xmlns:a14="http://schemas.microsoft.com/office/drawing/2010/main" w="9525" cap="flat" cmpd="sng" algn="ctr">
+                <a:solidFill>
+                  <a:srgbClr val="3F136C"/>
+                </a:solidFill>
+                <a:prstDash val="solid"/>
+              </a14:hiddenLine>
+            </a:ext>
+            <a:ext uri="{AF507438-7753-43E0-B8FC-AC1667EBCBE1}">
+              <a14:hiddenEffects xmlns:a14="http://schemas.microsoft.com/office/drawing/2010/main">
+                <a:effectLst>
+                  <a:outerShdw blurRad="63500" rotWithShape="0">
+                    <a:scrgbClr r="0" g="0" b="0"/>
+                  </a:outerShdw>
+                </a:effectLst>
+              </a14:hiddenEffects>
+            </a:ext>
+            <a:ext uri="{53640926-AAD7-44D8-BBD7-CCE9431645EC}">
+              <a14:shadowObscured xmlns:a14="http://schemas.microsoft.com/office/drawing/2010/main"/>
+            </a:ext>
+          </a:extLst>
+        </p:spPr>
+        <p:txBody>
+          <a:bodyPr lIns="0" tIns="17780" rIns="0" bIns="0" rtlCol="0" anchor="t">
+            <a:normAutofit/>
+          </a:bodyPr>
+          <a:lstStyle/>
+          <a:p>
+            <a:pPr marL="0" marR="0" indent="0" defTabSz="914400" eaLnBrk="1" fontAlgn="auto" latinLnBrk="0" hangingPunct="1">
+              <a:lnSpc>
+                <a:spcPts val="900"/>
+              </a:lnSpc>
+              <a:buClrTx/>
+              <a:buSzTx/>
+              <a:buFontTx/>
+              <a:buNone/>
+              <a:tabLst/>
+            </a:pPr>
+            <a:endParaRPr kumimoji="0" lang="de-DE" sz="550" b="0" i="0" u="none" strike="noStrike" kern="0" cap="none" normalizeH="0" baseline="0" noProof="0" dirty="0" smtClean="0">
+              <a:ln>
+                <a:noFill/>
+              </a:ln>
+              <a:effectLst/>
+              <a:uLnTx/>
+              <a:uFillTx/>
+              <a:latin typeface="Bosch Office Sans"/>
+              <a:ea typeface="+mn-ea"/>
+              <a:cs typeface="+mn-cs"/>
+            </a:endParaRPr>
+          </a:p>
+        </p:txBody>
+      </p:sp>
+      <p:sp>
+        <p:nvSpPr>
+          <p:cNvPr id="3" name="Textfeld 2" hidden="1"/>
+          <p:cNvSpPr txBox="1"/>
+          <p:nvPr>
+            <p:custDataLst>
+              <p:tags r:id="rId9"/>
+            </p:custDataLst>
+          </p:nvPr>
+        </p:nvSpPr>
+        <p:spPr>
+          <a:xfrm>
+            <a:off x="0" y="5975350"/>
+            <a:ext cx="0" cy="0"/>
+          </a:xfrm>
+          <a:prstGeom prst="rect">
+            <a:avLst/>
+          </a:prstGeom>
+          <a:noFill/>
+          <a:effectLst/>
+          <a:extLst>
+            <a:ext uri="{AF507438-7753-43E0-B8FC-AC1667EBCBE1}">
+              <a14:hiddenEffects xmlns:a14="http://schemas.microsoft.com/office/drawing/2010/main">
+                <a:effectLst>
+                  <a:outerShdw blurRad="63500" rotWithShape="0">
+                    <a:scrgbClr r="0" g="0" b="0"/>
+                  </a:outerShdw>
+                </a:effectLst>
+              </a14:hiddenEffects>
+            </a:ext>
+            <a:ext uri="{53640926-AAD7-44D8-BBD7-CCE9431645EC}">
+              <a14:shadowObscured xmlns:a14="http://schemas.microsoft.com/office/drawing/2010/main"/>
+            </a:ext>
+          </a:extLst>
+        </p:spPr>
+        <p:txBody>
+          <a:bodyPr vert="horz" wrap="none" lIns="0" tIns="0" rIns="0" bIns="0" rtlCol="0" anchor="t">
+            <a:noAutofit/>
+          </a:bodyPr>
+          <a:lstStyle/>
+          <a:p>
+            <a:pPr marR="0" defTabSz="914400" eaLnBrk="1" fontAlgn="auto" latinLnBrk="0" hangingPunct="1">
+              <a:lnSpc>
+                <a:spcPct val="107000"/>
+              </a:lnSpc>
+              <a:buClrTx/>
+              <a:buSzTx/>
+              <a:buFontTx/>
+              <a:buNone/>
+              <a:tabLst/>
+            </a:pPr>
+            <a:endParaRPr kumimoji="0" lang="de-DE" sz="1300" b="0" i="0" u="none" strike="noStrike" kern="0" cap="none" normalizeH="0" baseline="0" noProof="0" dirty="0" err="1" smtClean="0">
+              <a:ln>
+                <a:noFill/>
+              </a:ln>
+              <a:effectLst/>
+              <a:uLnTx/>
+              <a:uFillTx/>
+            </a:endParaRPr>
+          </a:p>
+        </p:txBody>
+      </p:sp>
+      <p:sp>
+        <p:nvSpPr>
+          <p:cNvPr id="2" name="Titel 1"/>
+          <p:cNvSpPr>
+            <a:spLocks noGrp="1"/>
+          </p:cNvSpPr>
+          <p:nvPr>
+            <p:ph type="title"/>
+            <p:custDataLst>
+              <p:tags r:id="rId10"/>
+            </p:custDataLst>
+          </p:nvPr>
+        </p:nvSpPr>
+        <p:spPr>
+          <a:xfrm>
+            <a:off x="259080" y="647700"/>
+            <a:ext cx="10452100" cy="388620"/>
+          </a:xfrm>
+          <a:effectLst/>
+          <a:extLst>
+            <a:ext uri="{AF507438-7753-43E0-B8FC-AC1667EBCBE1}">
+              <a14:hiddenEffects xmlns:a14="http://schemas.microsoft.com/office/drawing/2010/main">
+                <a:effectLst>
+                  <a:outerShdw blurRad="63500" rotWithShape="0">
+                    <a:scrgbClr r="0" g="0" b="0"/>
+                  </a:outerShdw>
+                </a:effectLst>
+              </a14:hiddenEffects>
+            </a:ext>
+            <a:ext uri="{53640926-AAD7-44D8-BBD7-CCE9431645EC}">
+              <a14:shadowObscured xmlns:a14="http://schemas.microsoft.com/office/drawing/2010/main"/>
+            </a:ext>
+          </a:extLst>
+        </p:spPr>
+        <p:txBody>
+          <a:bodyPr wrap="square" lIns="0" tIns="0" rIns="0" bIns="0" anchor="t">
+            <a:noAutofit/>
+          </a:bodyPr>
+          <a:lstStyle/>
+          <a:p>
+            <a:pPr>
+              <a:lnSpc>
+                <a:spcPct val="89000"/>
+              </a:lnSpc>
+              <a:spcBef>
+                <a:spcPts val="0"/>
+              </a:spcBef>
+            </a:pPr>
+            <a:r>
               <a:rPr lang="de-DE" sz="2800" dirty="0" smtClean="0">
                 <a:solidFill>
                   <a:srgbClr val="67B419"/>
@@ -10231,7 +12064,7 @@
 </p:sld>
 </file>
 
-<file path=ppt/slides/slide17.xml><?xml version="1.0" encoding="utf-8"?>
+<file path=ppt/slides/slide18.xml><?xml version="1.0" encoding="utf-8"?>
 <p:sld xmlns:a="http://schemas.openxmlformats.org/drawingml/2006/main" xmlns:r="http://schemas.openxmlformats.org/officeDocument/2006/relationships" xmlns:p="http://schemas.openxmlformats.org/presentationml/2006/main">
   <p:cSld>
     <p:spTree>
@@ -10521,7 +12354,7 @@
                 <a:ea typeface="+mn-ea"/>
                 <a:cs typeface="+mn-cs"/>
               </a:rPr>
-              <a:t>17</a:t>
+              <a:t>18</a:t>
             </a:r>
             <a:endParaRPr kumimoji="0" lang="de-DE" sz="1200" b="0" i="0" u="none" strike="noStrike" kern="0" cap="none" normalizeH="0" baseline="0" noProof="0" dirty="0" smtClean="0">
               <a:ln>
@@ -11126,7 +12959,7 @@
 </p:sld>
 </file>
 
-<file path=ppt/slides/slide18.xml><?xml version="1.0" encoding="utf-8"?>
+<file path=ppt/slides/slide19.xml><?xml version="1.0" encoding="utf-8"?>
 <p:sld xmlns:a="http://schemas.openxmlformats.org/drawingml/2006/main" xmlns:r="http://schemas.openxmlformats.org/officeDocument/2006/relationships" xmlns:p="http://schemas.openxmlformats.org/presentationml/2006/main">
   <p:cSld>
     <p:spTree>
@@ -11578,7 +13411,7 @@
                 <a:ea typeface="+mn-ea"/>
                 <a:cs typeface="+mn-cs"/>
               </a:rPr>
-              <a:t>18</a:t>
+              <a:t>19</a:t>
             </a:r>
             <a:endParaRPr kumimoji="0" lang="de-DE" sz="1200" b="0" i="0" u="none" strike="noStrike" kern="0" cap="none" normalizeH="0" baseline="0" noProof="0" dirty="0" smtClean="0">
               <a:ln>
@@ -12004,708 +13837,6 @@
     <p:extLst>
       <p:ext uri="{BB962C8B-B14F-4D97-AF65-F5344CB8AC3E}">
         <p14:creationId xmlns:p14="http://schemas.microsoft.com/office/powerpoint/2010/main" val="643392588"/>
-      </p:ext>
-    </p:extLst>
-  </p:cSld>
-  <p:clrMapOvr>
-    <a:masterClrMapping/>
-  </p:clrMapOvr>
-  <p:timing>
-    <p:tnLst>
-      <p:par>
-        <p:cTn id="1" dur="indefinite" restart="never" nodeType="tmRoot"/>
-      </p:par>
-    </p:tnLst>
-  </p:timing>
-</p:sld>
-</file>
-
-<file path=ppt/slides/slide19.xml><?xml version="1.0" encoding="utf-8"?>
-<p:sld xmlns:a="http://schemas.openxmlformats.org/drawingml/2006/main" xmlns:r="http://schemas.openxmlformats.org/officeDocument/2006/relationships" xmlns:p="http://schemas.openxmlformats.org/presentationml/2006/main" showMasterSp="0">
-  <p:cSld>
-    <p:spTree>
-      <p:nvGrpSpPr>
-        <p:cNvPr id="1" name=""/>
-        <p:cNvGrpSpPr/>
-        <p:nvPr/>
-      </p:nvGrpSpPr>
-      <p:grpSpPr>
-        <a:xfrm>
-          <a:off x="0" y="0"/>
-          <a:ext cx="0" cy="0"/>
-          <a:chOff x="0" y="0"/>
-          <a:chExt cx="0" cy="0"/>
-        </a:xfrm>
-      </p:grpSpPr>
-      <p:pic>
-        <p:nvPicPr>
-          <p:cNvPr id="10" name="Grafik 9"/>
-          <p:cNvPicPr>
-            <a:picLocks/>
-          </p:cNvPicPr>
-          <p:nvPr>
-            <p:custDataLst>
-              <p:tags r:id="rId2"/>
-            </p:custDataLst>
-          </p:nvPr>
-        </p:nvPicPr>
-        <p:blipFill>
-          <a:blip r:embed="rId12" cstate="print">
-            <a:extLst>
-              <a:ext uri="{28A0092B-C50C-407E-A947-70E740481C1C}">
-                <a14:useLocalDpi xmlns:a14="http://schemas.microsoft.com/office/drawing/2010/main" val="0"/>
-              </a:ext>
-            </a:extLst>
-          </a:blip>
-          <a:stretch>
-            <a:fillRect/>
-          </a:stretch>
-        </p:blipFill>
-        <p:spPr>
-          <a:xfrm>
-            <a:off x="9758680" y="5464810"/>
-            <a:ext cx="1094740" cy="575310"/>
-          </a:xfrm>
-          <a:prstGeom prst="rect">
-            <a:avLst/>
-          </a:prstGeom>
-          <a:effectLst/>
-          <a:extLst>
-            <a:ext uri="{AF507438-7753-43E0-B8FC-AC1667EBCBE1}">
-              <a14:hiddenEffects xmlns:a14="http://schemas.microsoft.com/office/drawing/2010/main">
-                <a:effectLst>
-                  <a:outerShdw blurRad="63500" rotWithShape="0">
-                    <a:scrgbClr r="0" g="0" b="0"/>
-                  </a:outerShdw>
-                </a:effectLst>
-              </a14:hiddenEffects>
-            </a:ext>
-            <a:ext uri="{53640926-AAD7-44D8-BBD7-CCE9431645EC}">
-              <a14:shadowObscured xmlns:a14="http://schemas.microsoft.com/office/drawing/2010/main"/>
-            </a:ext>
-          </a:extLst>
-        </p:spPr>
-      </p:pic>
-      <p:pic>
-        <p:nvPicPr>
-          <p:cNvPr id="9" name="Grafik 8"/>
-          <p:cNvPicPr>
-            <a:picLocks/>
-          </p:cNvPicPr>
-          <p:nvPr>
-            <p:custDataLst>
-              <p:tags r:id="rId3"/>
-            </p:custDataLst>
-          </p:nvPr>
-        </p:nvPicPr>
-        <p:blipFill>
-          <a:blip r:embed="rId13">
-            <a:extLst>
-              <a:ext uri="{28A0092B-C50C-407E-A947-70E740481C1C}">
-                <a14:useLocalDpi xmlns:a14="http://schemas.microsoft.com/office/drawing/2010/main" val="0"/>
-              </a:ext>
-            </a:extLst>
-          </a:blip>
-          <a:stretch>
-            <a:fillRect/>
-          </a:stretch>
-        </p:blipFill>
-        <p:spPr>
-          <a:xfrm>
-            <a:off x="0" y="6041390"/>
-            <a:ext cx="10970260" cy="129540"/>
-          </a:xfrm>
-          <a:prstGeom prst="rect">
-            <a:avLst/>
-          </a:prstGeom>
-          <a:effectLst/>
-          <a:extLst>
-            <a:ext uri="{AF507438-7753-43E0-B8FC-AC1667EBCBE1}">
-              <a14:hiddenEffects xmlns:a14="http://schemas.microsoft.com/office/drawing/2010/main">
-                <a:effectLst>
-                  <a:outerShdw blurRad="63500" rotWithShape="0">
-                    <a:scrgbClr r="0" g="0" b="0"/>
-                  </a:outerShdw>
-                </a:effectLst>
-              </a14:hiddenEffects>
-            </a:ext>
-            <a:ext uri="{53640926-AAD7-44D8-BBD7-CCE9431645EC}">
-              <a14:shadowObscured xmlns:a14="http://schemas.microsoft.com/office/drawing/2010/main"/>
-            </a:ext>
-          </a:extLst>
-        </p:spPr>
-      </p:pic>
-      <p:sp>
-        <p:nvSpPr>
-          <p:cNvPr id="8" name="Textfeld 7"/>
-          <p:cNvSpPr txBox="1">
-            <a:spLocks/>
-          </p:cNvSpPr>
-          <p:nvPr>
-            <p:custDataLst>
-              <p:tags r:id="rId4"/>
-            </p:custDataLst>
-          </p:nvPr>
-        </p:nvSpPr>
-        <p:spPr>
-          <a:xfrm>
-            <a:off x="259080" y="259080"/>
-            <a:ext cx="10452100" cy="388620"/>
-          </a:xfrm>
-          <a:prstGeom prst="rect">
-            <a:avLst/>
-          </a:prstGeom>
-          <a:noFill/>
-          <a:effectLst/>
-          <a:extLst>
-            <a:ext uri="{AF507438-7753-43E0-B8FC-AC1667EBCBE1}">
-              <a14:hiddenEffects xmlns:a14="http://schemas.microsoft.com/office/drawing/2010/main">
-                <a:effectLst>
-                  <a:outerShdw blurRad="63500" rotWithShape="0">
-                    <a:scrgbClr r="0" g="0" b="0"/>
-                  </a:outerShdw>
-                </a:effectLst>
-              </a14:hiddenEffects>
-            </a:ext>
-            <a:ext uri="{53640926-AAD7-44D8-BBD7-CCE9431645EC}">
-              <a14:shadowObscured xmlns:a14="http://schemas.microsoft.com/office/drawing/2010/main"/>
-            </a:ext>
-          </a:extLst>
-        </p:spPr>
-        <p:txBody>
-          <a:bodyPr vert="horz" wrap="square" lIns="0" tIns="0" rIns="0" bIns="0" rtlCol="0" anchor="t">
-            <a:noAutofit/>
-          </a:bodyPr>
-          <a:lstStyle/>
-          <a:p>
-            <a:pPr marR="0" defTabSz="914400" eaLnBrk="1" fontAlgn="auto" latinLnBrk="0" hangingPunct="1">
-              <a:lnSpc>
-                <a:spcPct val="89000"/>
-              </a:lnSpc>
-              <a:buClrTx/>
-              <a:buSzTx/>
-              <a:buFontTx/>
-              <a:buNone/>
-              <a:tabLst/>
-            </a:pPr>
-            <a:r>
-              <a:rPr kumimoji="0" lang="de-DE" sz="2800" b="0" i="0" u="none" strike="noStrike" kern="0" cap="none" normalizeH="0" baseline="0" noProof="0" dirty="0" smtClean="0">
-                <a:ln>
-                  <a:noFill/>
-                </a:ln>
-                <a:effectLst/>
-                <a:uLnTx/>
-                <a:uFillTx/>
-              </a:rPr>
-              <a:t>Eigenes Verfahren</a:t>
-            </a:r>
-          </a:p>
-        </p:txBody>
-      </p:sp>
-      <p:sp>
-        <p:nvSpPr>
-          <p:cNvPr id="7" name="Rechteck 6"/>
-          <p:cNvSpPr>
-            <a:spLocks/>
-          </p:cNvSpPr>
-          <p:nvPr>
-            <p:custDataLst>
-              <p:tags r:id="rId5"/>
-            </p:custDataLst>
-          </p:nvPr>
-        </p:nvSpPr>
-        <p:spPr>
-          <a:xfrm>
-            <a:off x="593090" y="5643880"/>
-            <a:ext cx="9152890" cy="107950"/>
-          </a:xfrm>
-          <a:prstGeom prst="rect">
-            <a:avLst/>
-          </a:prstGeom>
-          <a:noFill/>
-          <a:ln w="9525" cap="flat" cmpd="sng" algn="ctr">
-            <a:noFill/>
-            <a:prstDash val="solid"/>
-          </a:ln>
-          <a:effectLst/>
-          <a:extLst>
-            <a:ext uri="{91240B29-F687-4F45-9708-019B960494DF}">
-              <a14:hiddenLine xmlns:a14="http://schemas.microsoft.com/office/drawing/2010/main" w="9525" cap="flat" cmpd="sng" algn="ctr">
-                <a:solidFill>
-                  <a:srgbClr val="3F136C"/>
-                </a:solidFill>
-                <a:prstDash val="solid"/>
-              </a14:hiddenLine>
-            </a:ext>
-            <a:ext uri="{AF507438-7753-43E0-B8FC-AC1667EBCBE1}">
-              <a14:hiddenEffects xmlns:a14="http://schemas.microsoft.com/office/drawing/2010/main">
-                <a:effectLst>
-                  <a:outerShdw blurRad="63500" rotWithShape="0">
-                    <a:scrgbClr r="0" g="0" b="0"/>
-                  </a:outerShdw>
-                </a:effectLst>
-              </a14:hiddenEffects>
-            </a:ext>
-            <a:ext uri="{53640926-AAD7-44D8-BBD7-CCE9431645EC}">
-              <a14:shadowObscured xmlns:a14="http://schemas.microsoft.com/office/drawing/2010/main"/>
-            </a:ext>
-          </a:extLst>
-        </p:spPr>
-        <p:txBody>
-          <a:bodyPr lIns="0" tIns="0" rIns="0" bIns="0" rtlCol="0" anchor="t"/>
-          <a:lstStyle/>
-          <a:p>
-            <a:pPr marL="0" marR="0" indent="0" defTabSz="914400" eaLnBrk="1" fontAlgn="auto" latinLnBrk="0" hangingPunct="1">
-              <a:lnSpc>
-                <a:spcPct val="107000"/>
-              </a:lnSpc>
-              <a:spcAft>
-                <a:spcPts val="100"/>
-              </a:spcAft>
-              <a:buClrTx/>
-              <a:buSzTx/>
-              <a:buFontTx/>
-              <a:buNone/>
-              <a:tabLst/>
-            </a:pPr>
-            <a:r>
-              <a:rPr kumimoji="0" lang="de-DE" sz="600" strike="noStrike" kern="0" cap="none" normalizeH="0" baseline="0" noProof="0" smtClean="0">
-                <a:ln>
-                  <a:noFill/>
-                </a:ln>
-                <a:solidFill>
-                  <a:srgbClr val="000000"/>
-                </a:solidFill>
-                <a:effectLst/>
-                <a:uLnTx/>
-                <a:uFillTx/>
-                <a:ea typeface="+mn-ea"/>
-                <a:cs typeface="+mn-cs"/>
-              </a:rPr>
-              <a:t>HOME/EPS | 11.04.2018</a:t>
-            </a:r>
-            <a:endParaRPr kumimoji="0" lang="de-DE" sz="600" strike="noStrike" kern="0" cap="none" normalizeH="0" baseline="0" noProof="0" dirty="0" smtClean="0">
-              <a:ln>
-                <a:noFill/>
-              </a:ln>
-              <a:solidFill>
-                <a:srgbClr val="000000"/>
-              </a:solidFill>
-              <a:effectLst/>
-              <a:uLnTx/>
-              <a:uFillTx/>
-              <a:ea typeface="+mn-ea"/>
-              <a:cs typeface="+mn-cs"/>
-            </a:endParaRPr>
-          </a:p>
-        </p:txBody>
-      </p:sp>
-      <p:sp>
-        <p:nvSpPr>
-          <p:cNvPr id="6" name="Rechteck 5"/>
-          <p:cNvSpPr>
-            <a:spLocks/>
-          </p:cNvSpPr>
-          <p:nvPr>
-            <p:custDataLst>
-              <p:tags r:id="rId6"/>
-            </p:custDataLst>
-          </p:nvPr>
-        </p:nvSpPr>
-        <p:spPr>
-          <a:xfrm>
-            <a:off x="593090" y="5758180"/>
-            <a:ext cx="9152890" cy="215900"/>
-          </a:xfrm>
-          <a:prstGeom prst="rect">
-            <a:avLst/>
-          </a:prstGeom>
-          <a:noFill/>
-          <a:ln w="9525" cap="flat" cmpd="sng" algn="ctr">
-            <a:noFill/>
-            <a:prstDash val="solid"/>
-          </a:ln>
-          <a:effectLst/>
-          <a:extLst>
-            <a:ext uri="{91240B29-F687-4F45-9708-019B960494DF}">
-              <a14:hiddenLine xmlns:a14="http://schemas.microsoft.com/office/drawing/2010/main" w="9525" cap="flat" cmpd="sng" algn="ctr">
-                <a:solidFill>
-                  <a:srgbClr val="3F136C"/>
-                </a:solidFill>
-                <a:prstDash val="solid"/>
-              </a14:hiddenLine>
-            </a:ext>
-            <a:ext uri="{AF507438-7753-43E0-B8FC-AC1667EBCBE1}">
-              <a14:hiddenEffects xmlns:a14="http://schemas.microsoft.com/office/drawing/2010/main">
-                <a:effectLst>
-                  <a:outerShdw blurRad="63500" rotWithShape="0">
-                    <a:scrgbClr r="0" g="0" b="0"/>
-                  </a:outerShdw>
-                </a:effectLst>
-              </a14:hiddenEffects>
-            </a:ext>
-            <a:ext uri="{53640926-AAD7-44D8-BBD7-CCE9431645EC}">
-              <a14:shadowObscured xmlns:a14="http://schemas.microsoft.com/office/drawing/2010/main"/>
-            </a:ext>
-          </a:extLst>
-        </p:spPr>
-        <p:txBody>
-          <a:bodyPr lIns="0" tIns="0" rIns="0" bIns="0" rtlCol="0" anchor="t"/>
-          <a:lstStyle/>
-          <a:p>
-            <a:pPr marL="0" marR="0" indent="0" defTabSz="914400" eaLnBrk="1" fontAlgn="auto" latinLnBrk="0" hangingPunct="1">
-              <a:lnSpc>
-                <a:spcPct val="107000"/>
-              </a:lnSpc>
-              <a:spcAft>
-                <a:spcPts val="100"/>
-              </a:spcAft>
-              <a:buClrTx/>
-              <a:buSzTx/>
-              <a:buFontTx/>
-              <a:buNone/>
-              <a:tabLst/>
-            </a:pPr>
-            <a:r>
-              <a:rPr kumimoji="0" lang="de-DE" sz="600" b="0" i="0" u="none" strike="noStrike" kern="0" cap="none" normalizeH="0" baseline="0" noProof="0" smtClean="0">
-                <a:ln>
-                  <a:noFill/>
-                </a:ln>
-                <a:solidFill>
-                  <a:srgbClr val="B2B3B5"/>
-                </a:solidFill>
-                <a:effectLst/>
-                <a:uLnTx/>
-                <a:uFillTx/>
-                <a:latin typeface="Bosch Office Sans"/>
-                <a:ea typeface="+mn-ea"/>
-                <a:cs typeface="+mn-cs"/>
-              </a:rPr>
-              <a:t>© Robert Bosch GmbH 2018. Alle Rechte vorbehalten, auch bzgl. jeder Verfügung, Verwertung, Reproduktion, Bearbeitung, Weitergabe sowie für den Fall von Schutzrechtsanmeldungen.</a:t>
-            </a:r>
-            <a:endParaRPr kumimoji="0" lang="de-DE" sz="600" b="0" i="0" u="none" strike="noStrike" kern="0" cap="none" normalizeH="0" baseline="0" noProof="0" dirty="0" smtClean="0">
-              <a:ln>
-                <a:noFill/>
-              </a:ln>
-              <a:solidFill>
-                <a:srgbClr val="B2B3B5"/>
-              </a:solidFill>
-              <a:effectLst/>
-              <a:uLnTx/>
-              <a:uFillTx/>
-              <a:latin typeface="Bosch Office Sans"/>
-              <a:ea typeface="+mn-ea"/>
-              <a:cs typeface="+mn-cs"/>
-            </a:endParaRPr>
-          </a:p>
-        </p:txBody>
-      </p:sp>
-      <p:sp>
-        <p:nvSpPr>
-          <p:cNvPr id="5" name="Rechteck 4"/>
-          <p:cNvSpPr>
-            <a:spLocks/>
-          </p:cNvSpPr>
-          <p:nvPr>
-            <p:custDataLst>
-              <p:tags r:id="rId7"/>
-            </p:custDataLst>
-          </p:nvPr>
-        </p:nvSpPr>
-        <p:spPr>
-          <a:xfrm>
-            <a:off x="266700" y="5628640"/>
-            <a:ext cx="288290" cy="410210"/>
-          </a:xfrm>
-          <a:prstGeom prst="rect">
-            <a:avLst/>
-          </a:prstGeom>
-          <a:noFill/>
-          <a:ln w="9525" cap="flat" cmpd="sng" algn="ctr">
-            <a:noFill/>
-            <a:prstDash val="solid"/>
-          </a:ln>
-          <a:effectLst/>
-          <a:extLst>
-            <a:ext uri="{91240B29-F687-4F45-9708-019B960494DF}">
-              <a14:hiddenLine xmlns:a14="http://schemas.microsoft.com/office/drawing/2010/main" w="9525" cap="flat" cmpd="sng" algn="ctr">
-                <a:solidFill>
-                  <a:srgbClr val="3F136C"/>
-                </a:solidFill>
-                <a:prstDash val="solid"/>
-              </a14:hiddenLine>
-            </a:ext>
-            <a:ext uri="{AF507438-7753-43E0-B8FC-AC1667EBCBE1}">
-              <a14:hiddenEffects xmlns:a14="http://schemas.microsoft.com/office/drawing/2010/main">
-                <a:effectLst>
-                  <a:outerShdw blurRad="63500" rotWithShape="0">
-                    <a:scrgbClr r="0" g="0" b="0"/>
-                  </a:outerShdw>
-                </a:effectLst>
-              </a14:hiddenEffects>
-            </a:ext>
-            <a:ext uri="{53640926-AAD7-44D8-BBD7-CCE9431645EC}">
-              <a14:shadowObscured xmlns:a14="http://schemas.microsoft.com/office/drawing/2010/main"/>
-            </a:ext>
-          </a:extLst>
-        </p:spPr>
-        <p:txBody>
-          <a:bodyPr wrap="none" lIns="0" tIns="0" rIns="0" bIns="0" rtlCol="0" anchor="t"/>
-          <a:lstStyle/>
-          <a:p>
-            <a:pPr marL="0" marR="0" indent="0" defTabSz="914400" eaLnBrk="1" fontAlgn="auto" latinLnBrk="0" hangingPunct="1">
-              <a:buClrTx/>
-              <a:buSzTx/>
-              <a:buFontTx/>
-              <a:buNone/>
-              <a:tabLst/>
-            </a:pPr>
-            <a:r>
-              <a:rPr kumimoji="0" lang="de-DE" sz="1200" b="0" i="0" u="none" strike="noStrike" kern="0" cap="none" normalizeH="0" baseline="0" noProof="0" smtClean="0">
-                <a:ln>
-                  <a:noFill/>
-                </a:ln>
-                <a:solidFill>
-                  <a:srgbClr val="999FA6"/>
-                </a:solidFill>
-                <a:effectLst/>
-                <a:uLnTx/>
-                <a:uFillTx/>
-                <a:latin typeface="Bosch Office Sans"/>
-                <a:ea typeface="+mn-ea"/>
-                <a:cs typeface="+mn-cs"/>
-              </a:rPr>
-              <a:t>19</a:t>
-            </a:r>
-            <a:endParaRPr kumimoji="0" lang="de-DE" sz="1200" b="0" i="0" u="none" strike="noStrike" kern="0" cap="none" normalizeH="0" baseline="0" noProof="0" dirty="0" smtClean="0">
-              <a:ln>
-                <a:noFill/>
-              </a:ln>
-              <a:solidFill>
-                <a:srgbClr val="999FA6"/>
-              </a:solidFill>
-              <a:effectLst/>
-              <a:uLnTx/>
-              <a:uFillTx/>
-              <a:latin typeface="Bosch Office Sans"/>
-              <a:ea typeface="+mn-ea"/>
-              <a:cs typeface="+mn-cs"/>
-            </a:endParaRPr>
-          </a:p>
-        </p:txBody>
-      </p:sp>
-      <p:sp>
-        <p:nvSpPr>
-          <p:cNvPr id="4" name="Rechteck 3" hidden="1"/>
-          <p:cNvSpPr>
-            <a:spLocks/>
-          </p:cNvSpPr>
-          <p:nvPr>
-            <p:custDataLst>
-              <p:tags r:id="rId8"/>
-            </p:custDataLst>
-          </p:nvPr>
-        </p:nvSpPr>
-        <p:spPr>
-          <a:xfrm>
-            <a:off x="9224010" y="259080"/>
-            <a:ext cx="1691640" cy="777240"/>
-          </a:xfrm>
-          <a:prstGeom prst="rect">
-            <a:avLst/>
-          </a:prstGeom>
-          <a:noFill/>
-          <a:ln w="9525" cap="flat" cmpd="sng" algn="ctr">
-            <a:noFill/>
-            <a:prstDash val="solid"/>
-          </a:ln>
-          <a:effectLst/>
-          <a:extLst>
-            <a:ext uri="{91240B29-F687-4F45-9708-019B960494DF}">
-              <a14:hiddenLine xmlns:a14="http://schemas.microsoft.com/office/drawing/2010/main" w="9525" cap="flat" cmpd="sng" algn="ctr">
-                <a:solidFill>
-                  <a:srgbClr val="3F136C"/>
-                </a:solidFill>
-                <a:prstDash val="solid"/>
-              </a14:hiddenLine>
-            </a:ext>
-            <a:ext uri="{AF507438-7753-43E0-B8FC-AC1667EBCBE1}">
-              <a14:hiddenEffects xmlns:a14="http://schemas.microsoft.com/office/drawing/2010/main">
-                <a:effectLst>
-                  <a:outerShdw blurRad="63500" rotWithShape="0">
-                    <a:scrgbClr r="0" g="0" b="0"/>
-                  </a:outerShdw>
-                </a:effectLst>
-              </a14:hiddenEffects>
-            </a:ext>
-            <a:ext uri="{53640926-AAD7-44D8-BBD7-CCE9431645EC}">
-              <a14:shadowObscured xmlns:a14="http://schemas.microsoft.com/office/drawing/2010/main"/>
-            </a:ext>
-          </a:extLst>
-        </p:spPr>
-        <p:txBody>
-          <a:bodyPr lIns="0" tIns="17780" rIns="0" bIns="0" rtlCol="0" anchor="t">
-            <a:normAutofit/>
-          </a:bodyPr>
-          <a:lstStyle/>
-          <a:p>
-            <a:pPr marL="0" marR="0" indent="0" defTabSz="914400" eaLnBrk="1" fontAlgn="auto" latinLnBrk="0" hangingPunct="1">
-              <a:lnSpc>
-                <a:spcPts val="900"/>
-              </a:lnSpc>
-              <a:buClrTx/>
-              <a:buSzTx/>
-              <a:buFontTx/>
-              <a:buNone/>
-              <a:tabLst/>
-            </a:pPr>
-            <a:endParaRPr kumimoji="0" lang="de-DE" sz="550" b="0" i="0" u="none" strike="noStrike" kern="0" cap="none" normalizeH="0" baseline="0" noProof="0" dirty="0" smtClean="0">
-              <a:ln>
-                <a:noFill/>
-              </a:ln>
-              <a:effectLst/>
-              <a:uLnTx/>
-              <a:uFillTx/>
-              <a:latin typeface="Bosch Office Sans"/>
-              <a:ea typeface="+mn-ea"/>
-              <a:cs typeface="+mn-cs"/>
-            </a:endParaRPr>
-          </a:p>
-        </p:txBody>
-      </p:sp>
-      <p:sp>
-        <p:nvSpPr>
-          <p:cNvPr id="3" name="Textfeld 2" hidden="1"/>
-          <p:cNvSpPr txBox="1"/>
-          <p:nvPr>
-            <p:custDataLst>
-              <p:tags r:id="rId9"/>
-            </p:custDataLst>
-          </p:nvPr>
-        </p:nvSpPr>
-        <p:spPr>
-          <a:xfrm>
-            <a:off x="0" y="5975350"/>
-            <a:ext cx="0" cy="0"/>
-          </a:xfrm>
-          <a:prstGeom prst="rect">
-            <a:avLst/>
-          </a:prstGeom>
-          <a:noFill/>
-          <a:effectLst/>
-          <a:extLst>
-            <a:ext uri="{AF507438-7753-43E0-B8FC-AC1667EBCBE1}">
-              <a14:hiddenEffects xmlns:a14="http://schemas.microsoft.com/office/drawing/2010/main">
-                <a:effectLst>
-                  <a:outerShdw blurRad="63500" rotWithShape="0">
-                    <a:scrgbClr r="0" g="0" b="0"/>
-                  </a:outerShdw>
-                </a:effectLst>
-              </a14:hiddenEffects>
-            </a:ext>
-            <a:ext uri="{53640926-AAD7-44D8-BBD7-CCE9431645EC}">
-              <a14:shadowObscured xmlns:a14="http://schemas.microsoft.com/office/drawing/2010/main"/>
-            </a:ext>
-          </a:extLst>
-        </p:spPr>
-        <p:txBody>
-          <a:bodyPr vert="horz" wrap="none" lIns="0" tIns="0" rIns="0" bIns="0" rtlCol="0" anchor="t">
-            <a:noAutofit/>
-          </a:bodyPr>
-          <a:lstStyle/>
-          <a:p>
-            <a:pPr marR="0" defTabSz="914400" eaLnBrk="1" fontAlgn="auto" latinLnBrk="0" hangingPunct="1">
-              <a:lnSpc>
-                <a:spcPct val="107000"/>
-              </a:lnSpc>
-              <a:buClrTx/>
-              <a:buSzTx/>
-              <a:buFontTx/>
-              <a:buNone/>
-              <a:tabLst/>
-            </a:pPr>
-            <a:endParaRPr kumimoji="0" lang="de-DE" sz="1300" b="0" i="0" u="none" strike="noStrike" kern="0" cap="none" normalizeH="0" baseline="0" noProof="0" dirty="0" err="1" smtClean="0">
-              <a:ln>
-                <a:noFill/>
-              </a:ln>
-              <a:effectLst/>
-              <a:uLnTx/>
-              <a:uFillTx/>
-            </a:endParaRPr>
-          </a:p>
-        </p:txBody>
-      </p:sp>
-      <p:sp>
-        <p:nvSpPr>
-          <p:cNvPr id="2" name="Titel 1"/>
-          <p:cNvSpPr>
-            <a:spLocks noGrp="1"/>
-          </p:cNvSpPr>
-          <p:nvPr>
-            <p:ph type="title"/>
-            <p:custDataLst>
-              <p:tags r:id="rId10"/>
-            </p:custDataLst>
-          </p:nvPr>
-        </p:nvSpPr>
-        <p:spPr>
-          <a:xfrm>
-            <a:off x="259080" y="647700"/>
-            <a:ext cx="10452100" cy="388620"/>
-          </a:xfrm>
-          <a:effectLst/>
-          <a:extLst>
-            <a:ext uri="{AF507438-7753-43E0-B8FC-AC1667EBCBE1}">
-              <a14:hiddenEffects xmlns:a14="http://schemas.microsoft.com/office/drawing/2010/main">
-                <a:effectLst>
-                  <a:outerShdw blurRad="63500" rotWithShape="0">
-                    <a:scrgbClr r="0" g="0" b="0"/>
-                  </a:outerShdw>
-                </a:effectLst>
-              </a14:hiddenEffects>
-            </a:ext>
-            <a:ext uri="{53640926-AAD7-44D8-BBD7-CCE9431645EC}">
-              <a14:shadowObscured xmlns:a14="http://schemas.microsoft.com/office/drawing/2010/main"/>
-            </a:ext>
-          </a:extLst>
-        </p:spPr>
-        <p:txBody>
-          <a:bodyPr wrap="square" lIns="0" tIns="0" rIns="0" bIns="0" anchor="t">
-            <a:noAutofit/>
-          </a:bodyPr>
-          <a:lstStyle/>
-          <a:p>
-            <a:pPr>
-              <a:lnSpc>
-                <a:spcPct val="89000"/>
-              </a:lnSpc>
-              <a:spcBef>
-                <a:spcPts val="0"/>
-              </a:spcBef>
-            </a:pPr>
-            <a:r>
-              <a:rPr lang="de-DE" sz="2800" dirty="0" smtClean="0">
-                <a:solidFill>
-                  <a:srgbClr val="67B419"/>
-                </a:solidFill>
-              </a:rPr>
-              <a:t>Hintergrundsubtraktion</a:t>
-            </a:r>
-            <a:endParaRPr lang="de-DE" sz="2800" dirty="0">
-              <a:solidFill>
-                <a:srgbClr val="67B419"/>
-              </a:solidFill>
-            </a:endParaRPr>
-          </a:p>
-        </p:txBody>
-      </p:sp>
-    </p:spTree>
-    <p:custDataLst>
-      <p:tags r:id="rId1"/>
-    </p:custDataLst>
-    <p:extLst>
-      <p:ext uri="{BB962C8B-B14F-4D97-AF65-F5344CB8AC3E}">
-        <p14:creationId xmlns:p14="http://schemas.microsoft.com/office/powerpoint/2010/main" val="603271600"/>
       </p:ext>
     </p:extLst>
   </p:cSld>
@@ -14286,15 +15417,7 @@
                   <a:srgbClr val="67B419"/>
                 </a:solidFill>
               </a:rPr>
-              <a:t>Schätzung der Körperhaltung mittels </a:t>
-            </a:r>
-            <a:r>
-              <a:rPr lang="de-DE" sz="2800" dirty="0" err="1" smtClean="0">
-                <a:solidFill>
-                  <a:srgbClr val="67B419"/>
-                </a:solidFill>
-              </a:rPr>
-              <a:t>Histogrammanalyse</a:t>
+              <a:t>Hintergrundsubtraktion</a:t>
             </a:r>
             <a:endParaRPr lang="de-DE" sz="2800" dirty="0">
               <a:solidFill>
@@ -14310,7 +15433,7 @@
     </p:custDataLst>
     <p:extLst>
       <p:ext uri="{BB962C8B-B14F-4D97-AF65-F5344CB8AC3E}">
-        <p14:creationId xmlns:p14="http://schemas.microsoft.com/office/powerpoint/2010/main" val="4229950235"/>
+        <p14:creationId xmlns:p14="http://schemas.microsoft.com/office/powerpoint/2010/main" val="603271600"/>
       </p:ext>
     </p:extLst>
   </p:cSld>
@@ -14996,7 +16119,15 @@
                   <a:srgbClr val="67B419"/>
                 </a:solidFill>
               </a:rPr>
-              <a:t>Erkennung außergewöhnlicher Situationen</a:t>
+              <a:t>Schätzung der Körperhaltung mittels </a:t>
+            </a:r>
+            <a:r>
+              <a:rPr lang="de-DE" sz="2800" dirty="0" err="1" smtClean="0">
+                <a:solidFill>
+                  <a:srgbClr val="67B419"/>
+                </a:solidFill>
+              </a:rPr>
+              <a:t>Histogrammanalyse</a:t>
             </a:r>
             <a:endParaRPr lang="de-DE" sz="2800" dirty="0">
               <a:solidFill>
@@ -15012,7 +16143,7 @@
     </p:custDataLst>
     <p:extLst>
       <p:ext uri="{BB962C8B-B14F-4D97-AF65-F5344CB8AC3E}">
-        <p14:creationId xmlns:p14="http://schemas.microsoft.com/office/powerpoint/2010/main" val="2771209731"/>
+        <p14:creationId xmlns:p14="http://schemas.microsoft.com/office/powerpoint/2010/main" val="4229950235"/>
       </p:ext>
     </p:extLst>
   </p:cSld>
@@ -15698,6 +16829,708 @@
                   <a:srgbClr val="67B419"/>
                 </a:solidFill>
               </a:rPr>
+              <a:t>Erkennung außergewöhnlicher Situationen</a:t>
+            </a:r>
+            <a:endParaRPr lang="de-DE" sz="2800" dirty="0">
+              <a:solidFill>
+                <a:srgbClr val="67B419"/>
+              </a:solidFill>
+            </a:endParaRPr>
+          </a:p>
+        </p:txBody>
+      </p:sp>
+    </p:spTree>
+    <p:custDataLst>
+      <p:tags r:id="rId1"/>
+    </p:custDataLst>
+    <p:extLst>
+      <p:ext uri="{BB962C8B-B14F-4D97-AF65-F5344CB8AC3E}">
+        <p14:creationId xmlns:p14="http://schemas.microsoft.com/office/powerpoint/2010/main" val="2771209731"/>
+      </p:ext>
+    </p:extLst>
+  </p:cSld>
+  <p:clrMapOvr>
+    <a:masterClrMapping/>
+  </p:clrMapOvr>
+  <p:timing>
+    <p:tnLst>
+      <p:par>
+        <p:cTn id="1" dur="indefinite" restart="never" nodeType="tmRoot"/>
+      </p:par>
+    </p:tnLst>
+  </p:timing>
+</p:sld>
+</file>
+
+<file path=ppt/slides/slide23.xml><?xml version="1.0" encoding="utf-8"?>
+<p:sld xmlns:a="http://schemas.openxmlformats.org/drawingml/2006/main" xmlns:r="http://schemas.openxmlformats.org/officeDocument/2006/relationships" xmlns:p="http://schemas.openxmlformats.org/presentationml/2006/main" showMasterSp="0">
+  <p:cSld>
+    <p:spTree>
+      <p:nvGrpSpPr>
+        <p:cNvPr id="1" name=""/>
+        <p:cNvGrpSpPr/>
+        <p:nvPr/>
+      </p:nvGrpSpPr>
+      <p:grpSpPr>
+        <a:xfrm>
+          <a:off x="0" y="0"/>
+          <a:ext cx="0" cy="0"/>
+          <a:chOff x="0" y="0"/>
+          <a:chExt cx="0" cy="0"/>
+        </a:xfrm>
+      </p:grpSpPr>
+      <p:pic>
+        <p:nvPicPr>
+          <p:cNvPr id="10" name="Grafik 9"/>
+          <p:cNvPicPr>
+            <a:picLocks/>
+          </p:cNvPicPr>
+          <p:nvPr>
+            <p:custDataLst>
+              <p:tags r:id="rId2"/>
+            </p:custDataLst>
+          </p:nvPr>
+        </p:nvPicPr>
+        <p:blipFill>
+          <a:blip r:embed="rId12" cstate="print">
+            <a:extLst>
+              <a:ext uri="{28A0092B-C50C-407E-A947-70E740481C1C}">
+                <a14:useLocalDpi xmlns:a14="http://schemas.microsoft.com/office/drawing/2010/main" val="0"/>
+              </a:ext>
+            </a:extLst>
+          </a:blip>
+          <a:stretch>
+            <a:fillRect/>
+          </a:stretch>
+        </p:blipFill>
+        <p:spPr>
+          <a:xfrm>
+            <a:off x="9758680" y="5464810"/>
+            <a:ext cx="1094740" cy="575310"/>
+          </a:xfrm>
+          <a:prstGeom prst="rect">
+            <a:avLst/>
+          </a:prstGeom>
+          <a:effectLst/>
+          <a:extLst>
+            <a:ext uri="{AF507438-7753-43E0-B8FC-AC1667EBCBE1}">
+              <a14:hiddenEffects xmlns:a14="http://schemas.microsoft.com/office/drawing/2010/main">
+                <a:effectLst>
+                  <a:outerShdw blurRad="63500" rotWithShape="0">
+                    <a:scrgbClr r="0" g="0" b="0"/>
+                  </a:outerShdw>
+                </a:effectLst>
+              </a14:hiddenEffects>
+            </a:ext>
+            <a:ext uri="{53640926-AAD7-44D8-BBD7-CCE9431645EC}">
+              <a14:shadowObscured xmlns:a14="http://schemas.microsoft.com/office/drawing/2010/main"/>
+            </a:ext>
+          </a:extLst>
+        </p:spPr>
+      </p:pic>
+      <p:pic>
+        <p:nvPicPr>
+          <p:cNvPr id="9" name="Grafik 8"/>
+          <p:cNvPicPr>
+            <a:picLocks/>
+          </p:cNvPicPr>
+          <p:nvPr>
+            <p:custDataLst>
+              <p:tags r:id="rId3"/>
+            </p:custDataLst>
+          </p:nvPr>
+        </p:nvPicPr>
+        <p:blipFill>
+          <a:blip r:embed="rId13">
+            <a:extLst>
+              <a:ext uri="{28A0092B-C50C-407E-A947-70E740481C1C}">
+                <a14:useLocalDpi xmlns:a14="http://schemas.microsoft.com/office/drawing/2010/main" val="0"/>
+              </a:ext>
+            </a:extLst>
+          </a:blip>
+          <a:stretch>
+            <a:fillRect/>
+          </a:stretch>
+        </p:blipFill>
+        <p:spPr>
+          <a:xfrm>
+            <a:off x="0" y="6041390"/>
+            <a:ext cx="10970260" cy="129540"/>
+          </a:xfrm>
+          <a:prstGeom prst="rect">
+            <a:avLst/>
+          </a:prstGeom>
+          <a:effectLst/>
+          <a:extLst>
+            <a:ext uri="{AF507438-7753-43E0-B8FC-AC1667EBCBE1}">
+              <a14:hiddenEffects xmlns:a14="http://schemas.microsoft.com/office/drawing/2010/main">
+                <a:effectLst>
+                  <a:outerShdw blurRad="63500" rotWithShape="0">
+                    <a:scrgbClr r="0" g="0" b="0"/>
+                  </a:outerShdw>
+                </a:effectLst>
+              </a14:hiddenEffects>
+            </a:ext>
+            <a:ext uri="{53640926-AAD7-44D8-BBD7-CCE9431645EC}">
+              <a14:shadowObscured xmlns:a14="http://schemas.microsoft.com/office/drawing/2010/main"/>
+            </a:ext>
+          </a:extLst>
+        </p:spPr>
+      </p:pic>
+      <p:sp>
+        <p:nvSpPr>
+          <p:cNvPr id="8" name="Textfeld 7"/>
+          <p:cNvSpPr txBox="1">
+            <a:spLocks/>
+          </p:cNvSpPr>
+          <p:nvPr>
+            <p:custDataLst>
+              <p:tags r:id="rId4"/>
+            </p:custDataLst>
+          </p:nvPr>
+        </p:nvSpPr>
+        <p:spPr>
+          <a:xfrm>
+            <a:off x="259080" y="259080"/>
+            <a:ext cx="10452100" cy="388620"/>
+          </a:xfrm>
+          <a:prstGeom prst="rect">
+            <a:avLst/>
+          </a:prstGeom>
+          <a:noFill/>
+          <a:effectLst/>
+          <a:extLst>
+            <a:ext uri="{AF507438-7753-43E0-B8FC-AC1667EBCBE1}">
+              <a14:hiddenEffects xmlns:a14="http://schemas.microsoft.com/office/drawing/2010/main">
+                <a:effectLst>
+                  <a:outerShdw blurRad="63500" rotWithShape="0">
+                    <a:scrgbClr r="0" g="0" b="0"/>
+                  </a:outerShdw>
+                </a:effectLst>
+              </a14:hiddenEffects>
+            </a:ext>
+            <a:ext uri="{53640926-AAD7-44D8-BBD7-CCE9431645EC}">
+              <a14:shadowObscured xmlns:a14="http://schemas.microsoft.com/office/drawing/2010/main"/>
+            </a:ext>
+          </a:extLst>
+        </p:spPr>
+        <p:txBody>
+          <a:bodyPr vert="horz" wrap="square" lIns="0" tIns="0" rIns="0" bIns="0" rtlCol="0" anchor="t">
+            <a:noAutofit/>
+          </a:bodyPr>
+          <a:lstStyle/>
+          <a:p>
+            <a:pPr marR="0" defTabSz="914400" eaLnBrk="1" fontAlgn="auto" latinLnBrk="0" hangingPunct="1">
+              <a:lnSpc>
+                <a:spcPct val="89000"/>
+              </a:lnSpc>
+              <a:buClrTx/>
+              <a:buSzTx/>
+              <a:buFontTx/>
+              <a:buNone/>
+              <a:tabLst/>
+            </a:pPr>
+            <a:r>
+              <a:rPr kumimoji="0" lang="de-DE" sz="2800" b="0" i="0" u="none" strike="noStrike" kern="0" cap="none" normalizeH="0" baseline="0" noProof="0" dirty="0" smtClean="0">
+                <a:ln>
+                  <a:noFill/>
+                </a:ln>
+                <a:effectLst/>
+                <a:uLnTx/>
+                <a:uFillTx/>
+              </a:rPr>
+              <a:t>Eigenes Verfahren</a:t>
+            </a:r>
+          </a:p>
+        </p:txBody>
+      </p:sp>
+      <p:sp>
+        <p:nvSpPr>
+          <p:cNvPr id="7" name="Rechteck 6"/>
+          <p:cNvSpPr>
+            <a:spLocks/>
+          </p:cNvSpPr>
+          <p:nvPr>
+            <p:custDataLst>
+              <p:tags r:id="rId5"/>
+            </p:custDataLst>
+          </p:nvPr>
+        </p:nvSpPr>
+        <p:spPr>
+          <a:xfrm>
+            <a:off x="593090" y="5643880"/>
+            <a:ext cx="9152890" cy="107950"/>
+          </a:xfrm>
+          <a:prstGeom prst="rect">
+            <a:avLst/>
+          </a:prstGeom>
+          <a:noFill/>
+          <a:ln w="9525" cap="flat" cmpd="sng" algn="ctr">
+            <a:noFill/>
+            <a:prstDash val="solid"/>
+          </a:ln>
+          <a:effectLst/>
+          <a:extLst>
+            <a:ext uri="{91240B29-F687-4F45-9708-019B960494DF}">
+              <a14:hiddenLine xmlns:a14="http://schemas.microsoft.com/office/drawing/2010/main" w="9525" cap="flat" cmpd="sng" algn="ctr">
+                <a:solidFill>
+                  <a:srgbClr val="3F136C"/>
+                </a:solidFill>
+                <a:prstDash val="solid"/>
+              </a14:hiddenLine>
+            </a:ext>
+            <a:ext uri="{AF507438-7753-43E0-B8FC-AC1667EBCBE1}">
+              <a14:hiddenEffects xmlns:a14="http://schemas.microsoft.com/office/drawing/2010/main">
+                <a:effectLst>
+                  <a:outerShdw blurRad="63500" rotWithShape="0">
+                    <a:scrgbClr r="0" g="0" b="0"/>
+                  </a:outerShdw>
+                </a:effectLst>
+              </a14:hiddenEffects>
+            </a:ext>
+            <a:ext uri="{53640926-AAD7-44D8-BBD7-CCE9431645EC}">
+              <a14:shadowObscured xmlns:a14="http://schemas.microsoft.com/office/drawing/2010/main"/>
+            </a:ext>
+          </a:extLst>
+        </p:spPr>
+        <p:txBody>
+          <a:bodyPr lIns="0" tIns="0" rIns="0" bIns="0" rtlCol="0" anchor="t"/>
+          <a:lstStyle/>
+          <a:p>
+            <a:pPr marL="0" marR="0" indent="0" defTabSz="914400" eaLnBrk="1" fontAlgn="auto" latinLnBrk="0" hangingPunct="1">
+              <a:lnSpc>
+                <a:spcPct val="107000"/>
+              </a:lnSpc>
+              <a:spcAft>
+                <a:spcPts val="100"/>
+              </a:spcAft>
+              <a:buClrTx/>
+              <a:buSzTx/>
+              <a:buFontTx/>
+              <a:buNone/>
+              <a:tabLst/>
+            </a:pPr>
+            <a:r>
+              <a:rPr kumimoji="0" lang="de-DE" sz="600" strike="noStrike" kern="0" cap="none" normalizeH="0" baseline="0" noProof="0" smtClean="0">
+                <a:ln>
+                  <a:noFill/>
+                </a:ln>
+                <a:solidFill>
+                  <a:srgbClr val="000000"/>
+                </a:solidFill>
+                <a:effectLst/>
+                <a:uLnTx/>
+                <a:uFillTx/>
+                <a:ea typeface="+mn-ea"/>
+                <a:cs typeface="+mn-cs"/>
+              </a:rPr>
+              <a:t>HOME/EPS | 11.04.2018</a:t>
+            </a:r>
+            <a:endParaRPr kumimoji="0" lang="de-DE" sz="600" strike="noStrike" kern="0" cap="none" normalizeH="0" baseline="0" noProof="0" dirty="0" smtClean="0">
+              <a:ln>
+                <a:noFill/>
+              </a:ln>
+              <a:solidFill>
+                <a:srgbClr val="000000"/>
+              </a:solidFill>
+              <a:effectLst/>
+              <a:uLnTx/>
+              <a:uFillTx/>
+              <a:ea typeface="+mn-ea"/>
+              <a:cs typeface="+mn-cs"/>
+            </a:endParaRPr>
+          </a:p>
+        </p:txBody>
+      </p:sp>
+      <p:sp>
+        <p:nvSpPr>
+          <p:cNvPr id="6" name="Rechteck 5"/>
+          <p:cNvSpPr>
+            <a:spLocks/>
+          </p:cNvSpPr>
+          <p:nvPr>
+            <p:custDataLst>
+              <p:tags r:id="rId6"/>
+            </p:custDataLst>
+          </p:nvPr>
+        </p:nvSpPr>
+        <p:spPr>
+          <a:xfrm>
+            <a:off x="593090" y="5758180"/>
+            <a:ext cx="9152890" cy="215900"/>
+          </a:xfrm>
+          <a:prstGeom prst="rect">
+            <a:avLst/>
+          </a:prstGeom>
+          <a:noFill/>
+          <a:ln w="9525" cap="flat" cmpd="sng" algn="ctr">
+            <a:noFill/>
+            <a:prstDash val="solid"/>
+          </a:ln>
+          <a:effectLst/>
+          <a:extLst>
+            <a:ext uri="{91240B29-F687-4F45-9708-019B960494DF}">
+              <a14:hiddenLine xmlns:a14="http://schemas.microsoft.com/office/drawing/2010/main" w="9525" cap="flat" cmpd="sng" algn="ctr">
+                <a:solidFill>
+                  <a:srgbClr val="3F136C"/>
+                </a:solidFill>
+                <a:prstDash val="solid"/>
+              </a14:hiddenLine>
+            </a:ext>
+            <a:ext uri="{AF507438-7753-43E0-B8FC-AC1667EBCBE1}">
+              <a14:hiddenEffects xmlns:a14="http://schemas.microsoft.com/office/drawing/2010/main">
+                <a:effectLst>
+                  <a:outerShdw blurRad="63500" rotWithShape="0">
+                    <a:scrgbClr r="0" g="0" b="0"/>
+                  </a:outerShdw>
+                </a:effectLst>
+              </a14:hiddenEffects>
+            </a:ext>
+            <a:ext uri="{53640926-AAD7-44D8-BBD7-CCE9431645EC}">
+              <a14:shadowObscured xmlns:a14="http://schemas.microsoft.com/office/drawing/2010/main"/>
+            </a:ext>
+          </a:extLst>
+        </p:spPr>
+        <p:txBody>
+          <a:bodyPr lIns="0" tIns="0" rIns="0" bIns="0" rtlCol="0" anchor="t"/>
+          <a:lstStyle/>
+          <a:p>
+            <a:pPr marL="0" marR="0" indent="0" defTabSz="914400" eaLnBrk="1" fontAlgn="auto" latinLnBrk="0" hangingPunct="1">
+              <a:lnSpc>
+                <a:spcPct val="107000"/>
+              </a:lnSpc>
+              <a:spcAft>
+                <a:spcPts val="100"/>
+              </a:spcAft>
+              <a:buClrTx/>
+              <a:buSzTx/>
+              <a:buFontTx/>
+              <a:buNone/>
+              <a:tabLst/>
+            </a:pPr>
+            <a:r>
+              <a:rPr kumimoji="0" lang="de-DE" sz="600" b="0" i="0" u="none" strike="noStrike" kern="0" cap="none" normalizeH="0" baseline="0" noProof="0" smtClean="0">
+                <a:ln>
+                  <a:noFill/>
+                </a:ln>
+                <a:solidFill>
+                  <a:srgbClr val="B2B3B5"/>
+                </a:solidFill>
+                <a:effectLst/>
+                <a:uLnTx/>
+                <a:uFillTx/>
+                <a:latin typeface="Bosch Office Sans"/>
+                <a:ea typeface="+mn-ea"/>
+                <a:cs typeface="+mn-cs"/>
+              </a:rPr>
+              <a:t>© Robert Bosch GmbH 2018. Alle Rechte vorbehalten, auch bzgl. jeder Verfügung, Verwertung, Reproduktion, Bearbeitung, Weitergabe sowie für den Fall von Schutzrechtsanmeldungen.</a:t>
+            </a:r>
+            <a:endParaRPr kumimoji="0" lang="de-DE" sz="600" b="0" i="0" u="none" strike="noStrike" kern="0" cap="none" normalizeH="0" baseline="0" noProof="0" dirty="0" smtClean="0">
+              <a:ln>
+                <a:noFill/>
+              </a:ln>
+              <a:solidFill>
+                <a:srgbClr val="B2B3B5"/>
+              </a:solidFill>
+              <a:effectLst/>
+              <a:uLnTx/>
+              <a:uFillTx/>
+              <a:latin typeface="Bosch Office Sans"/>
+              <a:ea typeface="+mn-ea"/>
+              <a:cs typeface="+mn-cs"/>
+            </a:endParaRPr>
+          </a:p>
+        </p:txBody>
+      </p:sp>
+      <p:sp>
+        <p:nvSpPr>
+          <p:cNvPr id="5" name="Rechteck 4"/>
+          <p:cNvSpPr>
+            <a:spLocks/>
+          </p:cNvSpPr>
+          <p:nvPr>
+            <p:custDataLst>
+              <p:tags r:id="rId7"/>
+            </p:custDataLst>
+          </p:nvPr>
+        </p:nvSpPr>
+        <p:spPr>
+          <a:xfrm>
+            <a:off x="266700" y="5628640"/>
+            <a:ext cx="288290" cy="410210"/>
+          </a:xfrm>
+          <a:prstGeom prst="rect">
+            <a:avLst/>
+          </a:prstGeom>
+          <a:noFill/>
+          <a:ln w="9525" cap="flat" cmpd="sng" algn="ctr">
+            <a:noFill/>
+            <a:prstDash val="solid"/>
+          </a:ln>
+          <a:effectLst/>
+          <a:extLst>
+            <a:ext uri="{91240B29-F687-4F45-9708-019B960494DF}">
+              <a14:hiddenLine xmlns:a14="http://schemas.microsoft.com/office/drawing/2010/main" w="9525" cap="flat" cmpd="sng" algn="ctr">
+                <a:solidFill>
+                  <a:srgbClr val="3F136C"/>
+                </a:solidFill>
+                <a:prstDash val="solid"/>
+              </a14:hiddenLine>
+            </a:ext>
+            <a:ext uri="{AF507438-7753-43E0-B8FC-AC1667EBCBE1}">
+              <a14:hiddenEffects xmlns:a14="http://schemas.microsoft.com/office/drawing/2010/main">
+                <a:effectLst>
+                  <a:outerShdw blurRad="63500" rotWithShape="0">
+                    <a:scrgbClr r="0" g="0" b="0"/>
+                  </a:outerShdw>
+                </a:effectLst>
+              </a14:hiddenEffects>
+            </a:ext>
+            <a:ext uri="{53640926-AAD7-44D8-BBD7-CCE9431645EC}">
+              <a14:shadowObscured xmlns:a14="http://schemas.microsoft.com/office/drawing/2010/main"/>
+            </a:ext>
+          </a:extLst>
+        </p:spPr>
+        <p:txBody>
+          <a:bodyPr wrap="none" lIns="0" tIns="0" rIns="0" bIns="0" rtlCol="0" anchor="t"/>
+          <a:lstStyle/>
+          <a:p>
+            <a:pPr marL="0" marR="0" indent="0" defTabSz="914400" eaLnBrk="1" fontAlgn="auto" latinLnBrk="0" hangingPunct="1">
+              <a:buClrTx/>
+              <a:buSzTx/>
+              <a:buFontTx/>
+              <a:buNone/>
+              <a:tabLst/>
+            </a:pPr>
+            <a:r>
+              <a:rPr kumimoji="0" lang="de-DE" sz="1200" b="0" i="0" u="none" strike="noStrike" kern="0" cap="none" normalizeH="0" baseline="0" noProof="0" smtClean="0">
+                <a:ln>
+                  <a:noFill/>
+                </a:ln>
+                <a:solidFill>
+                  <a:srgbClr val="999FA6"/>
+                </a:solidFill>
+                <a:effectLst/>
+                <a:uLnTx/>
+                <a:uFillTx/>
+                <a:latin typeface="Bosch Office Sans"/>
+                <a:ea typeface="+mn-ea"/>
+                <a:cs typeface="+mn-cs"/>
+              </a:rPr>
+              <a:t>23</a:t>
+            </a:r>
+            <a:endParaRPr kumimoji="0" lang="de-DE" sz="1200" b="0" i="0" u="none" strike="noStrike" kern="0" cap="none" normalizeH="0" baseline="0" noProof="0" dirty="0" smtClean="0">
+              <a:ln>
+                <a:noFill/>
+              </a:ln>
+              <a:solidFill>
+                <a:srgbClr val="999FA6"/>
+              </a:solidFill>
+              <a:effectLst/>
+              <a:uLnTx/>
+              <a:uFillTx/>
+              <a:latin typeface="Bosch Office Sans"/>
+              <a:ea typeface="+mn-ea"/>
+              <a:cs typeface="+mn-cs"/>
+            </a:endParaRPr>
+          </a:p>
+        </p:txBody>
+      </p:sp>
+      <p:sp>
+        <p:nvSpPr>
+          <p:cNvPr id="4" name="Rechteck 3" hidden="1"/>
+          <p:cNvSpPr>
+            <a:spLocks/>
+          </p:cNvSpPr>
+          <p:nvPr>
+            <p:custDataLst>
+              <p:tags r:id="rId8"/>
+            </p:custDataLst>
+          </p:nvPr>
+        </p:nvSpPr>
+        <p:spPr>
+          <a:xfrm>
+            <a:off x="9224010" y="259080"/>
+            <a:ext cx="1691640" cy="777240"/>
+          </a:xfrm>
+          <a:prstGeom prst="rect">
+            <a:avLst/>
+          </a:prstGeom>
+          <a:noFill/>
+          <a:ln w="9525" cap="flat" cmpd="sng" algn="ctr">
+            <a:noFill/>
+            <a:prstDash val="solid"/>
+          </a:ln>
+          <a:effectLst/>
+          <a:extLst>
+            <a:ext uri="{91240B29-F687-4F45-9708-019B960494DF}">
+              <a14:hiddenLine xmlns:a14="http://schemas.microsoft.com/office/drawing/2010/main" w="9525" cap="flat" cmpd="sng" algn="ctr">
+                <a:solidFill>
+                  <a:srgbClr val="3F136C"/>
+                </a:solidFill>
+                <a:prstDash val="solid"/>
+              </a14:hiddenLine>
+            </a:ext>
+            <a:ext uri="{AF507438-7753-43E0-B8FC-AC1667EBCBE1}">
+              <a14:hiddenEffects xmlns:a14="http://schemas.microsoft.com/office/drawing/2010/main">
+                <a:effectLst>
+                  <a:outerShdw blurRad="63500" rotWithShape="0">
+                    <a:scrgbClr r="0" g="0" b="0"/>
+                  </a:outerShdw>
+                </a:effectLst>
+              </a14:hiddenEffects>
+            </a:ext>
+            <a:ext uri="{53640926-AAD7-44D8-BBD7-CCE9431645EC}">
+              <a14:shadowObscured xmlns:a14="http://schemas.microsoft.com/office/drawing/2010/main"/>
+            </a:ext>
+          </a:extLst>
+        </p:spPr>
+        <p:txBody>
+          <a:bodyPr lIns="0" tIns="17780" rIns="0" bIns="0" rtlCol="0" anchor="t">
+            <a:normAutofit/>
+          </a:bodyPr>
+          <a:lstStyle/>
+          <a:p>
+            <a:pPr marL="0" marR="0" indent="0" defTabSz="914400" eaLnBrk="1" fontAlgn="auto" latinLnBrk="0" hangingPunct="1">
+              <a:lnSpc>
+                <a:spcPts val="900"/>
+              </a:lnSpc>
+              <a:buClrTx/>
+              <a:buSzTx/>
+              <a:buFontTx/>
+              <a:buNone/>
+              <a:tabLst/>
+            </a:pPr>
+            <a:endParaRPr kumimoji="0" lang="de-DE" sz="550" b="0" i="0" u="none" strike="noStrike" kern="0" cap="none" normalizeH="0" baseline="0" noProof="0" dirty="0" smtClean="0">
+              <a:ln>
+                <a:noFill/>
+              </a:ln>
+              <a:effectLst/>
+              <a:uLnTx/>
+              <a:uFillTx/>
+              <a:latin typeface="Bosch Office Sans"/>
+              <a:ea typeface="+mn-ea"/>
+              <a:cs typeface="+mn-cs"/>
+            </a:endParaRPr>
+          </a:p>
+        </p:txBody>
+      </p:sp>
+      <p:sp>
+        <p:nvSpPr>
+          <p:cNvPr id="3" name="Textfeld 2" hidden="1"/>
+          <p:cNvSpPr txBox="1"/>
+          <p:nvPr>
+            <p:custDataLst>
+              <p:tags r:id="rId9"/>
+            </p:custDataLst>
+          </p:nvPr>
+        </p:nvSpPr>
+        <p:spPr>
+          <a:xfrm>
+            <a:off x="0" y="5975350"/>
+            <a:ext cx="0" cy="0"/>
+          </a:xfrm>
+          <a:prstGeom prst="rect">
+            <a:avLst/>
+          </a:prstGeom>
+          <a:noFill/>
+          <a:effectLst/>
+          <a:extLst>
+            <a:ext uri="{AF507438-7753-43E0-B8FC-AC1667EBCBE1}">
+              <a14:hiddenEffects xmlns:a14="http://schemas.microsoft.com/office/drawing/2010/main">
+                <a:effectLst>
+                  <a:outerShdw blurRad="63500" rotWithShape="0">
+                    <a:scrgbClr r="0" g="0" b="0"/>
+                  </a:outerShdw>
+                </a:effectLst>
+              </a14:hiddenEffects>
+            </a:ext>
+            <a:ext uri="{53640926-AAD7-44D8-BBD7-CCE9431645EC}">
+              <a14:shadowObscured xmlns:a14="http://schemas.microsoft.com/office/drawing/2010/main"/>
+            </a:ext>
+          </a:extLst>
+        </p:spPr>
+        <p:txBody>
+          <a:bodyPr vert="horz" wrap="none" lIns="0" tIns="0" rIns="0" bIns="0" rtlCol="0" anchor="t">
+            <a:noAutofit/>
+          </a:bodyPr>
+          <a:lstStyle/>
+          <a:p>
+            <a:pPr marR="0" defTabSz="914400" eaLnBrk="1" fontAlgn="auto" latinLnBrk="0" hangingPunct="1">
+              <a:lnSpc>
+                <a:spcPct val="107000"/>
+              </a:lnSpc>
+              <a:buClrTx/>
+              <a:buSzTx/>
+              <a:buFontTx/>
+              <a:buNone/>
+              <a:tabLst/>
+            </a:pPr>
+            <a:endParaRPr kumimoji="0" lang="de-DE" sz="1300" b="0" i="0" u="none" strike="noStrike" kern="0" cap="none" normalizeH="0" baseline="0" noProof="0" dirty="0" err="1" smtClean="0">
+              <a:ln>
+                <a:noFill/>
+              </a:ln>
+              <a:effectLst/>
+              <a:uLnTx/>
+              <a:uFillTx/>
+            </a:endParaRPr>
+          </a:p>
+        </p:txBody>
+      </p:sp>
+      <p:sp>
+        <p:nvSpPr>
+          <p:cNvPr id="2" name="Titel 1"/>
+          <p:cNvSpPr>
+            <a:spLocks noGrp="1"/>
+          </p:cNvSpPr>
+          <p:nvPr>
+            <p:ph type="title"/>
+            <p:custDataLst>
+              <p:tags r:id="rId10"/>
+            </p:custDataLst>
+          </p:nvPr>
+        </p:nvSpPr>
+        <p:spPr>
+          <a:xfrm>
+            <a:off x="259080" y="647700"/>
+            <a:ext cx="10452100" cy="388620"/>
+          </a:xfrm>
+          <a:effectLst/>
+          <a:extLst>
+            <a:ext uri="{AF507438-7753-43E0-B8FC-AC1667EBCBE1}">
+              <a14:hiddenEffects xmlns:a14="http://schemas.microsoft.com/office/drawing/2010/main">
+                <a:effectLst>
+                  <a:outerShdw blurRad="63500" rotWithShape="0">
+                    <a:scrgbClr r="0" g="0" b="0"/>
+                  </a:outerShdw>
+                </a:effectLst>
+              </a14:hiddenEffects>
+            </a:ext>
+            <a:ext uri="{53640926-AAD7-44D8-BBD7-CCE9431645EC}">
+              <a14:shadowObscured xmlns:a14="http://schemas.microsoft.com/office/drawing/2010/main"/>
+            </a:ext>
+          </a:extLst>
+        </p:spPr>
+        <p:txBody>
+          <a:bodyPr wrap="square" lIns="0" tIns="0" rIns="0" bIns="0" anchor="t">
+            <a:noAutofit/>
+          </a:bodyPr>
+          <a:lstStyle/>
+          <a:p>
+            <a:pPr>
+              <a:lnSpc>
+                <a:spcPct val="89000"/>
+              </a:lnSpc>
+              <a:spcBef>
+                <a:spcPts val="0"/>
+              </a:spcBef>
+            </a:pPr>
+            <a:r>
+              <a:rPr lang="de-DE" sz="2800" dirty="0" smtClean="0">
+                <a:solidFill>
+                  <a:srgbClr val="67B419"/>
+                </a:solidFill>
+              </a:rPr>
               <a:t>Anpassung des Verfahrens auf nicht-statische Kameras</a:t>
             </a:r>
             <a:endParaRPr lang="de-DE" sz="2800" dirty="0">
@@ -15731,7 +17564,7 @@
 </p:sld>
 </file>
 
-<file path=ppt/slides/slide23.xml><?xml version="1.0" encoding="utf-8"?>
+<file path=ppt/slides/slide24.xml><?xml version="1.0" encoding="utf-8"?>
 <p:sld xmlns:a="http://schemas.openxmlformats.org/drawingml/2006/main" xmlns:r="http://schemas.openxmlformats.org/officeDocument/2006/relationships" xmlns:p="http://schemas.openxmlformats.org/presentationml/2006/main">
   <p:cSld>
     <p:spTree>
@@ -16021,7 +17854,7 @@
                 <a:ea typeface="+mn-ea"/>
                 <a:cs typeface="+mn-cs"/>
               </a:rPr>
-              <a:t>23</a:t>
+              <a:t>24</a:t>
             </a:r>
             <a:endParaRPr kumimoji="0" lang="de-DE" sz="1200" b="0" i="0" u="none" strike="noStrike" kern="0" cap="none" normalizeH="0" baseline="0" noProof="0" dirty="0" smtClean="0">
               <a:ln>
@@ -16626,7 +18459,7 @@
 </p:sld>
 </file>
 
-<file path=ppt/slides/slide24.xml><?xml version="1.0" encoding="utf-8"?>
+<file path=ppt/slides/slide25.xml><?xml version="1.0" encoding="utf-8"?>
 <p:sld xmlns:a="http://schemas.openxmlformats.org/drawingml/2006/main" xmlns:r="http://schemas.openxmlformats.org/officeDocument/2006/relationships" xmlns:p="http://schemas.openxmlformats.org/presentationml/2006/main">
   <p:cSld>
     <p:spTree>
@@ -17078,7 +18911,7 @@
                 <a:ea typeface="+mn-ea"/>
                 <a:cs typeface="+mn-cs"/>
               </a:rPr>
-              <a:t>24</a:t>
+              <a:t>25</a:t>
             </a:r>
             <a:endParaRPr kumimoji="0" lang="de-DE" sz="1200" b="0" i="0" u="none" strike="noStrike" kern="0" cap="none" normalizeH="0" baseline="0" noProof="0" dirty="0" smtClean="0">
               <a:ln>
@@ -17384,7 +19217,7 @@
 </p:sld>
 </file>
 
-<file path=ppt/slides/slide25.xml><?xml version="1.0" encoding="utf-8"?>
+<file path=ppt/slides/slide26.xml><?xml version="1.0" encoding="utf-8"?>
 <p:sld xmlns:a="http://schemas.openxmlformats.org/drawingml/2006/main" xmlns:r="http://schemas.openxmlformats.org/officeDocument/2006/relationships" xmlns:p="http://schemas.openxmlformats.org/presentationml/2006/main">
   <p:cSld>
     <p:spTree>
@@ -17674,7 +19507,7 @@
                 <a:ea typeface="+mn-ea"/>
                 <a:cs typeface="+mn-cs"/>
               </a:rPr>
-              <a:t>25</a:t>
+              <a:t>26</a:t>
             </a:r>
             <a:endParaRPr kumimoji="0" lang="de-DE" sz="1200" b="0" i="0" u="none" strike="noStrike" kern="0" cap="none" normalizeH="0" baseline="0" noProof="0" dirty="0" smtClean="0">
               <a:ln>
@@ -18279,7 +20112,7 @@
 </p:sld>
 </file>
 
-<file path=ppt/slides/slide26.xml><?xml version="1.0" encoding="utf-8"?>
+<file path=ppt/slides/slide27.xml><?xml version="1.0" encoding="utf-8"?>
 <p:sld xmlns:a="http://schemas.openxmlformats.org/drawingml/2006/main" xmlns:r="http://schemas.openxmlformats.org/officeDocument/2006/relationships" xmlns:p="http://schemas.openxmlformats.org/presentationml/2006/main">
   <p:cSld>
     <p:spTree>
@@ -18731,7 +20564,7 @@
                 <a:ea typeface="+mn-ea"/>
                 <a:cs typeface="+mn-cs"/>
               </a:rPr>
-              <a:t>26</a:t>
+              <a:t>27</a:t>
             </a:r>
             <a:endParaRPr kumimoji="0" lang="de-DE" sz="1200" b="0" i="0" u="none" strike="noStrike" kern="0" cap="none" normalizeH="0" baseline="0" noProof="0" dirty="0" smtClean="0">
               <a:ln>
@@ -19034,7 +20867,7 @@
 </p:sld>
 </file>
 
-<file path=ppt/slides/slide27.xml><?xml version="1.0" encoding="utf-8"?>
+<file path=ppt/slides/slide28.xml><?xml version="1.0" encoding="utf-8"?>
 <p:sld xmlns:a="http://schemas.openxmlformats.org/drawingml/2006/main" xmlns:r="http://schemas.openxmlformats.org/officeDocument/2006/relationships" xmlns:p="http://schemas.openxmlformats.org/presentationml/2006/main" showMasterSp="0">
   <p:cSld>
     <p:spTree>
@@ -19318,7 +21151,7 @@
 </p:sld>
 </file>
 
-<file path=ppt/slides/slide28.xml><?xml version="1.0" encoding="utf-8"?>
+<file path=ppt/slides/slide29.xml><?xml version="1.0" encoding="utf-8"?>
 <p:sld xmlns:a="http://schemas.openxmlformats.org/drawingml/2006/main" xmlns:r="http://schemas.openxmlformats.org/officeDocument/2006/relationships" xmlns:p="http://schemas.openxmlformats.org/presentationml/2006/main" showMasterSp="0">
   <p:cSld>
     <p:spTree>
@@ -19706,7 +21539,7 @@
                 <a:ea typeface="+mn-ea"/>
                 <a:cs typeface="+mn-cs"/>
               </a:rPr>
-              <a:t>28</a:t>
+              <a:t>29</a:t>
             </a:r>
             <a:endParaRPr kumimoji="0" lang="de-DE" sz="1200" b="0" i="0" u="none" strike="noStrike" kern="0" cap="none" normalizeH="0" baseline="0" noProof="0" dirty="0" smtClean="0">
               <a:ln>
@@ -26502,7 +28335,7 @@
       </p:sp>
       <p:pic>
         <p:nvPicPr>
-          <p:cNvPr id="22" name="Grafik 21"/>
+          <p:cNvPr id="9" name="Grafik 8"/>
           <p:cNvPicPr>
             <a:picLocks noChangeAspect="1"/>
           </p:cNvPicPr>
@@ -26526,8 +28359,8 @@
         </p:blipFill>
         <p:spPr>
           <a:xfrm>
-            <a:off x="4847563" y="2503714"/>
-            <a:ext cx="5863617" cy="2893786"/>
+            <a:off x="4710430" y="2569386"/>
+            <a:ext cx="6000750" cy="2961464"/>
           </a:xfrm>
           <a:prstGeom prst="rect">
             <a:avLst/>
@@ -27377,15 +29210,15 @@
   <p:tag name="RECTANGLE 5_SHAPECLASSPROTECTIONTYPE" val="63"/>
   <p:tag name="RECTANGLE 6_SHAPECLASSPROTECTIONTYPE" val="63"/>
   <p:tag name="TEXTBOX 7_SHAPECLASSPROTECTIONTYPE" val="25"/>
+  <p:tag name="TITLE 1_SHAPECLASSPROTECTIONTYPE" val="9"/>
   <p:tag name="PICTURE 8_SHAPECLASSPROTECTIONTYPE" val="15"/>
   <p:tag name="PICTURE 9_SHAPECLASSPROTECTIONTYPE" val="15"/>
-  <p:tag name="TITLE 1_SHAPECLASSPROTECTIONTYPE" val="9"/>
   <p:tag name="SHAPESETCLASSNAME" val="Object"/>
-  <p:tag name="CONTENT PLACEHOLDER 14_SHAPECLASSPROTECTIONTYPE" val="0"/>
-  <p:tag name="CONTENT PLACEHOLDER 17_SHAPECLASSPROTECTIONTYPE" val="0"/>
-  <p:tag name="PICTURE 16_SHAPECLASSPROTECTIONTYPE" val="15"/>
-  <p:tag name="CONTENT PLACEHOLDER 20_SHAPECLASSPROTECTIONTYPE" val="0"/>
-  <p:tag name="PICTURE 19_SHAPECLASSPROTECTIONTYPE" val="15"/>
+  <p:tag name="CONTENT PLACEHOLDER 10_SHAPECLASSPROTECTIONTYPE" val="0"/>
+  <p:tag name="CONTENT PLACEHOLDER 13_SHAPECLASSPROTECTIONTYPE" val="0"/>
+  <p:tag name="PICTURE 12_SHAPECLASSPROTECTIONTYPE" val="15"/>
+  <p:tag name="CONTENT PLACEHOLDER 16_SHAPECLASSPROTECTIONTYPE" val="0"/>
+  <p:tag name="PICTURE 15_SHAPECLASSPROTECTIONTYPE" val="15"/>
 </p:tagLst>
 </file>
 
@@ -27421,8 +29254,26 @@
 
 <file path=ppt/tags/tag138.xml><?xml version="1.0" encoding="utf-8"?>
 <p:tagLst xmlns:a="http://schemas.openxmlformats.org/drawingml/2006/main" xmlns:r="http://schemas.openxmlformats.org/officeDocument/2006/relationships" xmlns:p="http://schemas.openxmlformats.org/presentationml/2006/main">
+  <p:tag name="FONT" val="Reg28"/>
   <p:tag name="FONTSETCLASSNAME" val="FontSet1"/>
-  <p:tag name="COLORS" val="-2;-2;-2;-2;-2;-2"/>
+  <p:tag name="COLORSETCLASSNAME" val="ColorSet2"/>
+  <p:tag name="MLI" val="1"/>
+  <p:tag name="SHAPESETGROUPCLASSNAME" val="ShapeSetGroup1"/>
+  <p:tag name="COLORSETGROUPCLASSNAME" val="ColorSetGroup4"/>
+  <p:tag name="FONTSETGROUPCLASSNAME" val="FontSetGroup1"/>
+  <p:tag name="SHAPECLASSNAME" val="TitleOnSlides"/>
+  <p:tag name="FONTCOLOR" val="Primary"/>
+  <p:tag name="FONTCOLOR2" val="Primary"/>
+  <p:tag name="SHAPESETCLASSNAME" val="Object"/>
+  <p:tag name="SHAPECLASSPROTECTIONTYPE" val=" 9"/>
+  <p:tag name="RUNS.FONT" val="2"/>
+  <p:tag name="COLORS" val="-2;-2;-2;-2;LightGreen;-2"/>
+</p:tagLst>
+</file>
+
+<file path=ppt/tags/tag139.xml><?xml version="1.0" encoding="utf-8"?>
+<p:tagLst xmlns:a="http://schemas.openxmlformats.org/drawingml/2006/main" xmlns:r="http://schemas.openxmlformats.org/officeDocument/2006/relationships" xmlns:p="http://schemas.openxmlformats.org/presentationml/2006/main">
+  <p:tag name="FONTSETCLASSNAME" val="FontSet1"/>
   <p:tag name="COLORSETCLASSNAME" val="ColorSet1"/>
   <p:tag name="STYLENAME" val="Bodystyle"/>
   <p:tag name="MLI" val="1"/>
@@ -27432,24 +29283,7 @@
   <p:tag name="FONTSETGROUPCLASSNAME" val="FontSetGroup1"/>
   <p:tag name="SHAPECLASSNAME" val="ObjectFull"/>
   <p:tag name="SHAPECLASSPROTECTIONTYPE" val="0"/>
-</p:tagLst>
-</file>
-
-<file path=ppt/tags/tag139.xml><?xml version="1.0" encoding="utf-8"?>
-<p:tagLst xmlns:a="http://schemas.openxmlformats.org/drawingml/2006/main" xmlns:r="http://schemas.openxmlformats.org/officeDocument/2006/relationships" xmlns:p="http://schemas.openxmlformats.org/presentationml/2006/main">
-  <p:tag name="FONT" val="Reg28"/>
-  <p:tag name="FONTSETCLASSNAME" val="FontSet1"/>
-  <p:tag name="COLORSETCLASSNAME" val="ColorSet1"/>
-  <p:tag name="SCRIPT" val="1"/>
-  <p:tag name="FIELDS" val="CHAPTER;"/>
-  <p:tag name="MLI" val="1"/>
-  <p:tag name="SHAPESETGROUPCLASSNAME" val="ShapeSetGroup1"/>
-  <p:tag name="COLORSETGROUPCLASSNAME" val="ColorSetGroup4"/>
-  <p:tag name="FONTSETGROUPCLASSNAME" val="FontSetGroup1"/>
-  <p:tag name="SHAPECLASSNAME" val="Chapterbox"/>
-  <p:tag name="COLORS" val="-2;-2;-2;-2;-2;-2"/>
-  <p:tag name="SHAPESETCLASSNAME" val="Object"/>
-  <p:tag name="SHAPECLASSPROTECTIONTYPE" val=" 25"/>
+  <p:tag name="COLORS" val="Black;-1;-2;-2;-1;-2"/>
 </p:tagLst>
 </file>
 
@@ -27480,6 +29314,24 @@
 
 <file path=ppt/tags/tag140.xml><?xml version="1.0" encoding="utf-8"?>
 <p:tagLst xmlns:a="http://schemas.openxmlformats.org/drawingml/2006/main" xmlns:r="http://schemas.openxmlformats.org/officeDocument/2006/relationships" xmlns:p="http://schemas.openxmlformats.org/presentationml/2006/main">
+  <p:tag name="FONT" val="Reg28"/>
+  <p:tag name="FONTSETCLASSNAME" val="FontSet1"/>
+  <p:tag name="COLORSETCLASSNAME" val="ColorSet1"/>
+  <p:tag name="SCRIPT" val="1"/>
+  <p:tag name="FIELDS" val="CHAPTER;"/>
+  <p:tag name="MLI" val="1"/>
+  <p:tag name="SHAPESETGROUPCLASSNAME" val="ShapeSetGroup1"/>
+  <p:tag name="COLORSETGROUPCLASSNAME" val="ColorSetGroup4"/>
+  <p:tag name="FONTSETGROUPCLASSNAME" val="FontSetGroup1"/>
+  <p:tag name="SHAPECLASSNAME" val="Chapterbox"/>
+  <p:tag name="COLORS" val="-2;-2;-2;-2;-2;-2"/>
+  <p:tag name="SHAPESETCLASSNAME" val="Object"/>
+  <p:tag name="SHAPECLASSPROTECTIONTYPE" val=" 25"/>
+</p:tagLst>
+</file>
+
+<file path=ppt/tags/tag141.xml><?xml version="1.0" encoding="utf-8"?>
+<p:tagLst xmlns:a="http://schemas.openxmlformats.org/drawingml/2006/main" xmlns:r="http://schemas.openxmlformats.org/officeDocument/2006/relationships" xmlns:p="http://schemas.openxmlformats.org/presentationml/2006/main">
   <p:tag name="FONTSETCLASSNAME" val="FontSet1"/>
   <p:tag name="COLORS" val="-2;-2;-2;-2;Red;-2"/>
   <p:tag name="COLORSETCLASSNAME" val="ColorSet1"/>
@@ -27503,7 +29355,7 @@
 </p:tagLst>
 </file>
 
-<file path=ppt/tags/tag141.xml><?xml version="1.0" encoding="utf-8"?>
+<file path=ppt/tags/tag142.xml><?xml version="1.0" encoding="utf-8"?>
 <p:tagLst xmlns:a="http://schemas.openxmlformats.org/drawingml/2006/main" xmlns:r="http://schemas.openxmlformats.org/officeDocument/2006/relationships" xmlns:p="http://schemas.openxmlformats.org/presentationml/2006/main">
   <p:tag name="FONT" val="Reg6"/>
   <p:tag name="FONTSETCLASSNAME" val="FontSet1"/>
@@ -27525,7 +29377,7 @@
 </p:tagLst>
 </file>
 
-<file path=ppt/tags/tag142.xml><?xml version="1.0" encoding="utf-8"?>
+<file path=ppt/tags/tag143.xml><?xml version="1.0" encoding="utf-8"?>
 <p:tagLst xmlns:a="http://schemas.openxmlformats.org/drawingml/2006/main" xmlns:r="http://schemas.openxmlformats.org/officeDocument/2006/relationships" xmlns:p="http://schemas.openxmlformats.org/presentationml/2006/main">
   <p:tag name="FONT" val="Reg12"/>
   <p:tag name="FONTSETCLASSNAME" val="FontSet1"/>
@@ -27542,7 +29394,7 @@
 </p:tagLst>
 </file>
 
-<file path=ppt/tags/tag143.xml><?xml version="1.0" encoding="utf-8"?>
+<file path=ppt/tags/tag144.xml><?xml version="1.0" encoding="utf-8"?>
 <p:tagLst xmlns:a="http://schemas.openxmlformats.org/drawingml/2006/main" xmlns:r="http://schemas.openxmlformats.org/officeDocument/2006/relationships" xmlns:p="http://schemas.openxmlformats.org/presentationml/2006/main">
   <p:tag name="FONT" val="Reg5x5"/>
   <p:tag name="FONTSETCLASSNAME" val="FontSet1"/>
@@ -27560,7 +29412,7 @@
 </p:tagLst>
 </file>
 
-<file path=ppt/tags/tag144.xml><?xml version="1.0" encoding="utf-8"?>
+<file path=ppt/tags/tag145.xml><?xml version="1.0" encoding="utf-8"?>
 <p:tagLst xmlns:a="http://schemas.openxmlformats.org/drawingml/2006/main" xmlns:r="http://schemas.openxmlformats.org/officeDocument/2006/relationships" xmlns:p="http://schemas.openxmlformats.org/presentationml/2006/main">
   <p:tag name="FONT" val="NavbarItem"/>
   <p:tag name="FONTSETCLASSNAME" val="FontSet1"/>
@@ -27576,7 +29428,234 @@
 </p:tagLst>
 </file>
 
-<file path=ppt/tags/tag145.xml><?xml version="1.0" encoding="utf-8"?>
+<file path=ppt/tags/tag146.xml><?xml version="1.0" encoding="utf-8"?>
+<p:tagLst xmlns:a="http://schemas.openxmlformats.org/drawingml/2006/main" xmlns:r="http://schemas.openxmlformats.org/officeDocument/2006/relationships" xmlns:p="http://schemas.openxmlformats.org/presentationml/2006/main">
+  <p:tag name="COLORSETCLASSNAME" val="ColorSet2"/>
+  <p:tag name="COLORS" val="-2;-2;-2;-2;-1;-2"/>
+</p:tagLst>
+</file>
+
+<file path=ppt/tags/tag147.xml><?xml version="1.0" encoding="utf-8"?>
+<p:tagLst xmlns:a="http://schemas.openxmlformats.org/drawingml/2006/main" xmlns:r="http://schemas.openxmlformats.org/officeDocument/2006/relationships" xmlns:p="http://schemas.openxmlformats.org/presentationml/2006/main">
+  <p:tag name="FIELD.CHAPTER.CONTENT" val="Titel des Kapitels"/>
+  <p:tag name="FIELD.CHAPTER.VALUE" val="Titel des Kapitels"/>
+  <p:tag name="FIELD.DPT.CONTENT" val="HOME/EPS"/>
+  <p:tag name="FIELD.DPT.VALUE" val="HOME/EPS | "/>
+  <p:tag name="FIELDS.INITIALIZED" val="1"/>
+  <p:tag name="ML_1" val="rb_lol"/>
+  <p:tag name="ML_2" val="Bosch2.mcr"/>
+  <p:tag name="ML_LAYOUT_RESOURCE" val="BOSCH2_16_9.mcr"/>
+  <p:tag name="SHAPESETGROUPCLASSNAME" val="ShapeSetGroup1"/>
+  <p:tag name="COLORSETGROUPCLASSNAME" val="ColorSetGroup4"/>
+  <p:tag name="COLORSETCLASSNAME" val="ColorSet2"/>
+  <p:tag name="FONTSETGROUPCLASSNAME" val="FontSetGroup1"/>
+  <p:tag name="STYLESETGROUPCLASSNAME" val="StyleSetGroup1"/>
+  <p:tag name="MAPNAME" val="Map1"/>
+  <p:tag name="CFG.LAYOUT" val="BOSCH2"/>
+  <p:tag name="MLI" val="1"/>
+  <p:tag name="TEXTBOX 2_SHAPECLASSPROTECTIONTYPE" val="31"/>
+  <p:tag name="RECTANGLE 3_SHAPECLASSPROTECTIONTYPE" val="3"/>
+  <p:tag name="RECTANGLE 4_SHAPECLASSPROTECTIONTYPE" val="63"/>
+  <p:tag name="RECTANGLE 5_SHAPECLASSPROTECTIONTYPE" val="63"/>
+  <p:tag name="RECTANGLE 6_SHAPECLASSPROTECTIONTYPE" val="63"/>
+  <p:tag name="TEXTBOX 7_SHAPECLASSPROTECTIONTYPE" val="25"/>
+  <p:tag name="PICTURE 8_SHAPECLASSPROTECTIONTYPE" val="15"/>
+  <p:tag name="PICTURE 9_SHAPECLASSPROTECTIONTYPE" val="15"/>
+  <p:tag name="TITLE 1_SHAPECLASSPROTECTIONTYPE" val="9"/>
+  <p:tag name="SHAPESETCLASSNAME" val="Object"/>
+  <p:tag name="CONTENT PLACEHOLDER 14_SHAPECLASSPROTECTIONTYPE" val="0"/>
+  <p:tag name="CONTENT PLACEHOLDER 17_SHAPECLASSPROTECTIONTYPE" val="0"/>
+  <p:tag name="PICTURE 16_SHAPECLASSPROTECTIONTYPE" val="15"/>
+  <p:tag name="CONTENT PLACEHOLDER 20_SHAPECLASSPROTECTIONTYPE" val="0"/>
+  <p:tag name="PICTURE 19_SHAPECLASSPROTECTIONTYPE" val="15"/>
+</p:tagLst>
+</file>
+
+<file path=ppt/tags/tag148.xml><?xml version="1.0" encoding="utf-8"?>
+<p:tagLst xmlns:a="http://schemas.openxmlformats.org/drawingml/2006/main" xmlns:r="http://schemas.openxmlformats.org/officeDocument/2006/relationships" xmlns:p="http://schemas.openxmlformats.org/presentationml/2006/main">
+  <p:tag name="COLORS" val="-2;-2;-2;-2;-2;-2"/>
+  <p:tag name="COLORSETCLASSNAME" val="ColorSet1"/>
+  <p:tag name="SHAPESETGROUPCLASSNAME" val="ShapeSetGroup1"/>
+  <p:tag name="SHAPESETCLASSNAME" val="Slide"/>
+  <p:tag name="COLORSETGROUPCLASSNAME" val="ColorSetGroup4"/>
+  <p:tag name="FONTSETGROUPCLASSNAME" val="FontSetGroup1"/>
+  <p:tag name="SHAPECLASSFILE" val="BoschLogo2016.emf"/>
+  <p:tag name="MLI" val="1"/>
+  <p:tag name="SHAPECLASSNAME" val="LogoOnSlides"/>
+  <p:tag name="SHAPECLASSPROTECTIONTYPE" val="15"/>
+</p:tagLst>
+</file>
+
+<file path=ppt/tags/tag149.xml><?xml version="1.0" encoding="utf-8"?>
+<p:tagLst xmlns:a="http://schemas.openxmlformats.org/drawingml/2006/main" xmlns:r="http://schemas.openxmlformats.org/officeDocument/2006/relationships" xmlns:p="http://schemas.openxmlformats.org/presentationml/2006/main">
+  <p:tag name="COLORS" val="-2;-2;-2;-2;-2;-2"/>
+  <p:tag name="COLORSETCLASSNAME" val="ColorSet1"/>
+  <p:tag name="SHAPESETGROUPCLASSNAME" val="ShapeSetGroup1"/>
+  <p:tag name="SHAPESETCLASSNAME" val="Slide"/>
+  <p:tag name="COLORSETGROUPCLASSNAME" val="ColorSetGroup4"/>
+  <p:tag name="FONTSETGROUPCLASSNAME" val="FontSetGroup1"/>
+  <p:tag name="SHAPECLASSFILE" val="Bosch-Supergraphic-Bottom-16-9.png"/>
+  <p:tag name="MLI" val="1"/>
+  <p:tag name="SHAPECLASSNAME" val="ColorBarOnSlides"/>
+  <p:tag name="SHAPECLASSPROTECTIONTYPE" val="15"/>
+</p:tagLst>
+</file>
+
+<file path=ppt/tags/tag15.xml><?xml version="1.0" encoding="utf-8"?>
+<p:tagLst xmlns:a="http://schemas.openxmlformats.org/drawingml/2006/main" xmlns:r="http://schemas.openxmlformats.org/officeDocument/2006/relationships" xmlns:p="http://schemas.openxmlformats.org/presentationml/2006/main">
+  <p:tag name="FONT" val="Reg6"/>
+  <p:tag name="FONTSETCLASSNAME" val="FontSet1"/>
+  <p:tag name="FONTCOLOR" val="Black"/>
+  <p:tag name="FONTCOLOR2" val="LightGray"/>
+  <p:tag name="FONTCOLOR3" val="LightGray"/>
+  <p:tag name="RUNS.FONT" val="3"/>
+  <p:tag name="COLORS" val="-2;-2;-2;-2;Black;-2"/>
+  <p:tag name="COLORSETCLASSNAME" val="ColorSet1"/>
+  <p:tag name="SCRIPT" val="1"/>
+  <p:tag name="FIELDS" val="REM_ABL;COPY;"/>
+  <p:tag name="MLI" val="1"/>
+  <p:tag name="SHAPESETGROUPCLASSNAME" val="ShapeSetGroup1"/>
+  <p:tag name="SHAPESETCLASSNAME" val="StaticAgenda"/>
+  <p:tag name="COLORSETGROUPCLASSNAME" val="ColorSetGroup1"/>
+  <p:tag name="FONTSETGROUPCLASSNAME" val="FontSetGroup1"/>
+  <p:tag name="SHAPECLASSNAME" val="FooterLine2OnSlides"/>
+  <p:tag name="SHAPECLASSPROTECTIONTYPE" val="63"/>
+</p:tagLst>
+</file>
+
+<file path=ppt/tags/tag150.xml><?xml version="1.0" encoding="utf-8"?>
+<p:tagLst xmlns:a="http://schemas.openxmlformats.org/drawingml/2006/main" xmlns:r="http://schemas.openxmlformats.org/officeDocument/2006/relationships" xmlns:p="http://schemas.openxmlformats.org/presentationml/2006/main">
+  <p:tag name="FONTSETCLASSNAME" val="FontSet1"/>
+  <p:tag name="COLORSETCLASSNAME" val="ColorSet1"/>
+  <p:tag name="STYLENAME" val="Bodystyle"/>
+  <p:tag name="MLI" val="1"/>
+  <p:tag name="SHAPESETGROUPCLASSNAME" val="ShapeSetGroup1"/>
+  <p:tag name="SHAPESETCLASSNAME" val="Object"/>
+  <p:tag name="COLORSETGROUPCLASSNAME" val="ColorSetGroup4"/>
+  <p:tag name="FONTSETGROUPCLASSNAME" val="FontSetGroup1"/>
+  <p:tag name="SHAPECLASSNAME" val="ObjectFull"/>
+  <p:tag name="SHAPECLASSPROTECTIONTYPE" val="0"/>
+  <p:tag name="COLORS" val="Black;-1;-2;-2;-1;-2"/>
+</p:tagLst>
+</file>
+
+<file path=ppt/tags/tag151.xml><?xml version="1.0" encoding="utf-8"?>
+<p:tagLst xmlns:a="http://schemas.openxmlformats.org/drawingml/2006/main" xmlns:r="http://schemas.openxmlformats.org/officeDocument/2006/relationships" xmlns:p="http://schemas.openxmlformats.org/presentationml/2006/main">
+  <p:tag name="FONT" val="Reg28"/>
+  <p:tag name="FONTSETCLASSNAME" val="FontSet1"/>
+  <p:tag name="COLORSETCLASSNAME" val="ColorSet1"/>
+  <p:tag name="SCRIPT" val="1"/>
+  <p:tag name="FIELDS" val="CHAPTER;"/>
+  <p:tag name="MLI" val="1"/>
+  <p:tag name="SHAPESETGROUPCLASSNAME" val="ShapeSetGroup1"/>
+  <p:tag name="COLORSETGROUPCLASSNAME" val="ColorSetGroup4"/>
+  <p:tag name="FONTSETGROUPCLASSNAME" val="FontSetGroup1"/>
+  <p:tag name="SHAPECLASSNAME" val="Chapterbox"/>
+  <p:tag name="COLORS" val="-2;-2;-2;-2;-2;-2"/>
+  <p:tag name="SHAPESETCLASSNAME" val="Object"/>
+  <p:tag name="SHAPECLASSPROTECTIONTYPE" val=" 25"/>
+</p:tagLst>
+</file>
+
+<file path=ppt/tags/tag152.xml><?xml version="1.0" encoding="utf-8"?>
+<p:tagLst xmlns:a="http://schemas.openxmlformats.org/drawingml/2006/main" xmlns:r="http://schemas.openxmlformats.org/officeDocument/2006/relationships" xmlns:p="http://schemas.openxmlformats.org/presentationml/2006/main">
+  <p:tag name="FONTSETCLASSNAME" val="FontSet1"/>
+  <p:tag name="COLORS" val="-2;-2;-2;-2;Red;-2"/>
+  <p:tag name="COLORSETCLASSNAME" val="ColorSet1"/>
+  <p:tag name="SCRIPT" val="1"/>
+  <p:tag name="FIELDS" val="CONF;DPT;DATE;"/>
+  <p:tag name="MLI" val="1"/>
+  <p:tag name="SHAPESETGROUPCLASSNAME" val="ShapeSetGroup1"/>
+  <p:tag name="COLORSETGROUPCLASSNAME" val="ColorSetGroup4"/>
+  <p:tag name="FONTSETGROUPCLASSNAME" val="FontSetGroup1"/>
+  <p:tag name="SHAPECLASSNAME" val="FooterLine1OnSlides"/>
+  <p:tag name="FONT" val="Bold6"/>
+  <p:tag name="FONT2" val="Reg6"/>
+  <p:tag name="FONT3" val="Reg6"/>
+  <p:tag name="FONTCOLOR" val="Red"/>
+  <p:tag name="FONTCOLOR2" val="Black"/>
+  <p:tag name="FONTCOLOR3" val="Black"/>
+  <p:tag name="FONTCOLOR4" val="Black"/>
+  <p:tag name="RUNS.FONT" val="4"/>
+  <p:tag name="SHAPESETCLASSNAME" val="Object"/>
+  <p:tag name="SHAPECLASSPROTECTIONTYPE" val=" 63"/>
+</p:tagLst>
+</file>
+
+<file path=ppt/tags/tag153.xml><?xml version="1.0" encoding="utf-8"?>
+<p:tagLst xmlns:a="http://schemas.openxmlformats.org/drawingml/2006/main" xmlns:r="http://schemas.openxmlformats.org/officeDocument/2006/relationships" xmlns:p="http://schemas.openxmlformats.org/presentationml/2006/main">
+  <p:tag name="FONT" val="Reg6"/>
+  <p:tag name="FONTSETCLASSNAME" val="FontSet1"/>
+  <p:tag name="RUNS.FONT" val="3"/>
+  <p:tag name="COLORS" val="-2;-2;-2;-2;Black;-2"/>
+  <p:tag name="COLORSETCLASSNAME" val="ColorSet1"/>
+  <p:tag name="SCRIPT" val="1"/>
+  <p:tag name="FIELDS" val="REM_ABL;COPY;"/>
+  <p:tag name="MLI" val="1"/>
+  <p:tag name="SHAPESETGROUPCLASSNAME" val="ShapeSetGroup1"/>
+  <p:tag name="COLORSETGROUPCLASSNAME" val="ColorSetGroup4"/>
+  <p:tag name="FONTSETGROUPCLASSNAME" val="FontSetGroup1"/>
+  <p:tag name="SHAPECLASSNAME" val="FooterLine2OnSlides"/>
+  <p:tag name="FONTCOLOR" val="Black"/>
+  <p:tag name="FONTCOLOR2" val="LightGray"/>
+  <p:tag name="FONTCOLOR3" val="LightGray"/>
+  <p:tag name="SHAPESETCLASSNAME" val="Object"/>
+  <p:tag name="SHAPECLASSPROTECTIONTYPE" val=" 63"/>
+</p:tagLst>
+</file>
+
+<file path=ppt/tags/tag154.xml><?xml version="1.0" encoding="utf-8"?>
+<p:tagLst xmlns:a="http://schemas.openxmlformats.org/drawingml/2006/main" xmlns:r="http://schemas.openxmlformats.org/officeDocument/2006/relationships" xmlns:p="http://schemas.openxmlformats.org/presentationml/2006/main">
+  <p:tag name="FONT" val="Reg12"/>
+  <p:tag name="FONTSETCLASSNAME" val="FontSet1"/>
+  <p:tag name="COLORS" val="-2;-2;-2;-2;DarkGray2;-2"/>
+  <p:tag name="COLORSETCLASSNAME" val="ColorSet1"/>
+  <p:tag name="SCRIPT" val="1"/>
+  <p:tag name="MLI" val="1"/>
+  <p:tag name="SHAPESETGROUPCLASSNAME" val="ShapeSetGroup1"/>
+  <p:tag name="COLORSETGROUPCLASSNAME" val="ColorSetGroup4"/>
+  <p:tag name="FONTSETGROUPCLASSNAME" val="FontSetGroup1"/>
+  <p:tag name="SHAPECLASSNAME" val="PageNumberOnSlides"/>
+  <p:tag name="SHAPESETCLASSNAME" val="Object"/>
+  <p:tag name="SHAPECLASSPROTECTIONTYPE" val=" 63"/>
+</p:tagLst>
+</file>
+
+<file path=ppt/tags/tag155.xml><?xml version="1.0" encoding="utf-8"?>
+<p:tagLst xmlns:a="http://schemas.openxmlformats.org/drawingml/2006/main" xmlns:r="http://schemas.openxmlformats.org/officeDocument/2006/relationships" xmlns:p="http://schemas.openxmlformats.org/presentationml/2006/main">
+  <p:tag name="FONT" val="Reg5x5"/>
+  <p:tag name="FONTSETCLASSNAME" val="FontSet1"/>
+  <p:tag name="COLORS" val="-2;-2;-2;-2;-2;-2"/>
+  <p:tag name="COLORSETCLASSNAME" val="ColorSet1"/>
+  <p:tag name="SCRIPT" val="1"/>
+  <p:tag name="FIELDS" val="REM_ANL;"/>
+  <p:tag name="MLI" val="1"/>
+  <p:tag name="SHAPESETGROUPCLASSNAME" val="ShapeSetGroup1"/>
+  <p:tag name="COLORSETGROUPCLASSNAME" val="ColorSetGroup4"/>
+  <p:tag name="FONTSETGROUPCLASSNAME" val="FontSetGroup1"/>
+  <p:tag name="SHAPECLASSNAME" val="Attachment"/>
+  <p:tag name="SHAPESETCLASSNAME" val="Object"/>
+  <p:tag name="SHAPECLASSPROTECTIONTYPE" val=" 3"/>
+</p:tagLst>
+</file>
+
+<file path=ppt/tags/tag156.xml><?xml version="1.0" encoding="utf-8"?>
+<p:tagLst xmlns:a="http://schemas.openxmlformats.org/drawingml/2006/main" xmlns:r="http://schemas.openxmlformats.org/officeDocument/2006/relationships" xmlns:p="http://schemas.openxmlformats.org/presentationml/2006/main">
+  <p:tag name="FONT" val="NavbarItem"/>
+  <p:tag name="FONTSETCLASSNAME" val="FontSet1"/>
+  <p:tag name="COLORS" val="-2;-2;-2;-2;-2;-2"/>
+  <p:tag name="COLORSETCLASSNAME" val="ColorSet1"/>
+  <p:tag name="MLI" val="1"/>
+  <p:tag name="SHAPESETGROUPCLASSNAME" val="ShapeSetGroup1"/>
+  <p:tag name="COLORSETGROUPCLASSNAME" val="ColorSetGroup4"/>
+  <p:tag name="FONTSETGROUPCLASSNAME" val="FontSetGroup1"/>
+  <p:tag name="SHAPECLASSNAME" val="tNavbar"/>
+  <p:tag name="SHAPESETCLASSNAME" val="Object"/>
+  <p:tag name="SHAPECLASSPROTECTIONTYPE" val=" 31"/>
+</p:tagLst>
+</file>
+
+<file path=ppt/tags/tag157.xml><?xml version="1.0" encoding="utf-8"?>
 <p:tagLst xmlns:a="http://schemas.openxmlformats.org/drawingml/2006/main" xmlns:r="http://schemas.openxmlformats.org/officeDocument/2006/relationships" xmlns:p="http://schemas.openxmlformats.org/presentationml/2006/main">
   <p:tag name="FONTSETCLASSNAME" val="FontSet1"/>
   <p:tag name="MLI" val="1"/>
@@ -27588,14 +29667,280 @@
   <p:tag name="FONT" val="Reg28"/>
   <p:tag name="FONTCOLOR" val="Primary"/>
   <p:tag name="FONTCOLOR2" val="Primary"/>
-  <p:tag name="COLORS" val="-2;-2;-2;-2;Primary;-2"/>
   <p:tag name="SHAPESETCLASSNAME" val="Object"/>
   <p:tag name="SHAPECLASSPROTECTIONTYPE" val=" 9"/>
   <p:tag name="RUNS.FONT" val="2"/>
+  <p:tag name="COLORS" val="-2;-2;-2;-2;LightGreen;-2"/>
 </p:tagLst>
 </file>
 
-<file path=ppt/tags/tag146.xml><?xml version="1.0" encoding="utf-8"?>
+<file path=ppt/tags/tag158.xml><?xml version="1.0" encoding="utf-8"?>
+<p:tagLst xmlns:a="http://schemas.openxmlformats.org/drawingml/2006/main" xmlns:r="http://schemas.openxmlformats.org/officeDocument/2006/relationships" xmlns:p="http://schemas.openxmlformats.org/presentationml/2006/main">
+  <p:tag name="COLORSETCLASSNAME" val="ColorSet2"/>
+  <p:tag name="COLORS" val="-2;-2;-2;-2;-1;-2"/>
+</p:tagLst>
+</file>
+
+<file path=ppt/tags/tag159.xml><?xml version="1.0" encoding="utf-8"?>
+<p:tagLst xmlns:a="http://schemas.openxmlformats.org/drawingml/2006/main" xmlns:r="http://schemas.openxmlformats.org/officeDocument/2006/relationships" xmlns:p="http://schemas.openxmlformats.org/presentationml/2006/main">
+  <p:tag name="COLORSETCLASSNAME" val="ColorSet2"/>
+  <p:tag name="COLORS" val="-2;-2;-2;-2;-1;-2"/>
+</p:tagLst>
+</file>
+
+<file path=ppt/tags/tag16.xml><?xml version="1.0" encoding="utf-8"?>
+<p:tagLst xmlns:a="http://schemas.openxmlformats.org/drawingml/2006/main" xmlns:r="http://schemas.openxmlformats.org/officeDocument/2006/relationships" xmlns:p="http://schemas.openxmlformats.org/presentationml/2006/main">
+  <p:tag name="FONT" val="Reg12"/>
+  <p:tag name="FONTSETCLASSNAME" val="FontSet1"/>
+  <p:tag name="COLORS" val="-2;-2;-2;-2;DarkGray2;-2"/>
+  <p:tag name="COLORSETCLASSNAME" val="ColorSet1"/>
+  <p:tag name="SCRIPT" val="1"/>
+  <p:tag name="MLI" val="1"/>
+  <p:tag name="SHAPESETGROUPCLASSNAME" val="ShapeSetGroup1"/>
+  <p:tag name="SHAPESETCLASSNAME" val="StaticAgenda"/>
+  <p:tag name="COLORSETGROUPCLASSNAME" val="ColorSetGroup1"/>
+  <p:tag name="FONTSETGROUPCLASSNAME" val="FontSetGroup1"/>
+  <p:tag name="SHAPECLASSNAME" val="PageNumberOnSlides"/>
+  <p:tag name="SHAPECLASSPROTECTIONTYPE" val="63"/>
+</p:tagLst>
+</file>
+
+<file path=ppt/tags/tag160.xml><?xml version="1.0" encoding="utf-8"?>
+<p:tagLst xmlns:a="http://schemas.openxmlformats.org/drawingml/2006/main" xmlns:r="http://schemas.openxmlformats.org/officeDocument/2006/relationships" xmlns:p="http://schemas.openxmlformats.org/presentationml/2006/main">
+  <p:tag name="FIELD.CHAPTER.CONTENT" val="Titel des Kapitels"/>
+  <p:tag name="FIELD.CHAPTER.VALUE" val="Titel des Kapitels"/>
+  <p:tag name="FIELD.DPT.CONTENT" val="HOME/EPS"/>
+  <p:tag name="FIELD.DPT.VALUE" val="HOME/EPS | "/>
+  <p:tag name="FIELDS.INITIALIZED" val="1"/>
+  <p:tag name="ML_1" val="rb_lol"/>
+  <p:tag name="ML_2" val="Bosch2.mcr"/>
+  <p:tag name="ML_LAYOUT_RESOURCE" val="BOSCH2_16_9.mcr"/>
+  <p:tag name="SHAPESETGROUPCLASSNAME" val="ShapeSetGroup1"/>
+  <p:tag name="COLORSETGROUPCLASSNAME" val="ColorSetGroup4"/>
+  <p:tag name="COLORSETCLASSNAME" val="ColorSet2"/>
+  <p:tag name="FONTSETGROUPCLASSNAME" val="FontSetGroup1"/>
+  <p:tag name="STYLESETGROUPCLASSNAME" val="StyleSetGroup1"/>
+  <p:tag name="MAPNAME" val="Map1"/>
+  <p:tag name="CFG.LAYOUT" val="BOSCH2"/>
+  <p:tag name="MLI" val="1"/>
+  <p:tag name="TEXTBOX 2_SHAPECLASSPROTECTIONTYPE" val="31"/>
+  <p:tag name="RECTANGLE 3_SHAPECLASSPROTECTIONTYPE" val="3"/>
+  <p:tag name="RECTANGLE 4_SHAPECLASSPROTECTIONTYPE" val="63"/>
+  <p:tag name="RECTANGLE 5_SHAPECLASSPROTECTIONTYPE" val="63"/>
+  <p:tag name="RECTANGLE 6_SHAPECLASSPROTECTIONTYPE" val="63"/>
+  <p:tag name="TEXTBOX 7_SHAPECLASSPROTECTIONTYPE" val="25"/>
+  <p:tag name="TITLE 1_SHAPECLASSPROTECTIONTYPE" val="9"/>
+  <p:tag name="PICTURE 8_SHAPECLASSPROTECTIONTYPE" val="15"/>
+  <p:tag name="PICTURE 9_SHAPECLASSPROTECTIONTYPE" val="15"/>
+  <p:tag name="SHAPESETCLASSNAME" val="Object"/>
+  <p:tag name="CONTENT PLACEHOLDER 10_SHAPECLASSPROTECTIONTYPE" val="0"/>
+  <p:tag name="CONTENT PLACEHOLDER 13_SHAPECLASSPROTECTIONTYPE" val="0"/>
+  <p:tag name="PICTURE 12_SHAPECLASSPROTECTIONTYPE" val="15"/>
+  <p:tag name="CONTENT PLACEHOLDER 16_SHAPECLASSPROTECTIONTYPE" val="0"/>
+  <p:tag name="PICTURE 15_SHAPECLASSPROTECTIONTYPE" val="15"/>
+</p:tagLst>
+</file>
+
+<file path=ppt/tags/tag161.xml><?xml version="1.0" encoding="utf-8"?>
+<p:tagLst xmlns:a="http://schemas.openxmlformats.org/drawingml/2006/main" xmlns:r="http://schemas.openxmlformats.org/officeDocument/2006/relationships" xmlns:p="http://schemas.openxmlformats.org/presentationml/2006/main">
+  <p:tag name="COLORS" val="-2;-2;-2;-2;-2;-2"/>
+  <p:tag name="COLORSETCLASSNAME" val="ColorSet1"/>
+  <p:tag name="SHAPESETGROUPCLASSNAME" val="ShapeSetGroup1"/>
+  <p:tag name="SHAPESETCLASSNAME" val="Slide"/>
+  <p:tag name="COLORSETGROUPCLASSNAME" val="ColorSetGroup4"/>
+  <p:tag name="FONTSETGROUPCLASSNAME" val="FontSetGroup1"/>
+  <p:tag name="SHAPECLASSFILE" val="BoschLogo2016.emf"/>
+  <p:tag name="MLI" val="1"/>
+  <p:tag name="SHAPECLASSNAME" val="LogoOnSlides"/>
+  <p:tag name="SHAPECLASSPROTECTIONTYPE" val="15"/>
+</p:tagLst>
+</file>
+
+<file path=ppt/tags/tag162.xml><?xml version="1.0" encoding="utf-8"?>
+<p:tagLst xmlns:a="http://schemas.openxmlformats.org/drawingml/2006/main" xmlns:r="http://schemas.openxmlformats.org/officeDocument/2006/relationships" xmlns:p="http://schemas.openxmlformats.org/presentationml/2006/main">
+  <p:tag name="COLORS" val="-2;-2;-2;-2;-2;-2"/>
+  <p:tag name="COLORSETCLASSNAME" val="ColorSet1"/>
+  <p:tag name="SHAPESETGROUPCLASSNAME" val="ShapeSetGroup1"/>
+  <p:tag name="SHAPESETCLASSNAME" val="Slide"/>
+  <p:tag name="COLORSETGROUPCLASSNAME" val="ColorSetGroup4"/>
+  <p:tag name="FONTSETGROUPCLASSNAME" val="FontSetGroup1"/>
+  <p:tag name="SHAPECLASSFILE" val="Bosch-Supergraphic-Bottom-16-9.png"/>
+  <p:tag name="MLI" val="1"/>
+  <p:tag name="SHAPECLASSNAME" val="ColorBarOnSlides"/>
+  <p:tag name="SHAPECLASSPROTECTIONTYPE" val="15"/>
+</p:tagLst>
+</file>
+
+<file path=ppt/tags/tag163.xml><?xml version="1.0" encoding="utf-8"?>
+<p:tagLst xmlns:a="http://schemas.openxmlformats.org/drawingml/2006/main" xmlns:r="http://schemas.openxmlformats.org/officeDocument/2006/relationships" xmlns:p="http://schemas.openxmlformats.org/presentationml/2006/main">
+  <p:tag name="FONTSETCLASSNAME" val="FontSet1"/>
+  <p:tag name="COLORSETCLASSNAME" val="ColorSet1"/>
+  <p:tag name="STYLENAME" val="Bodystyle"/>
+  <p:tag name="MLI" val="1"/>
+  <p:tag name="SHAPESETGROUPCLASSNAME" val="ShapeSetGroup1"/>
+  <p:tag name="SHAPESETCLASSNAME" val="Object"/>
+  <p:tag name="COLORSETGROUPCLASSNAME" val="ColorSetGroup4"/>
+  <p:tag name="FONTSETGROUPCLASSNAME" val="FontSetGroup1"/>
+  <p:tag name="SHAPECLASSNAME" val="ObjectFull"/>
+  <p:tag name="SHAPECLASSPROTECTIONTYPE" val="0"/>
+  <p:tag name="COLORS" val="Black;-1;-2;-2;-1;-2"/>
+</p:tagLst>
+</file>
+
+<file path=ppt/tags/tag164.xml><?xml version="1.0" encoding="utf-8"?>
+<p:tagLst xmlns:a="http://schemas.openxmlformats.org/drawingml/2006/main" xmlns:r="http://schemas.openxmlformats.org/officeDocument/2006/relationships" xmlns:p="http://schemas.openxmlformats.org/presentationml/2006/main">
+  <p:tag name="FONT" val="Reg28"/>
+  <p:tag name="FONTSETCLASSNAME" val="FontSet1"/>
+  <p:tag name="COLORSETCLASSNAME" val="ColorSet1"/>
+  <p:tag name="SCRIPT" val="1"/>
+  <p:tag name="FIELDS" val="CHAPTER;"/>
+  <p:tag name="MLI" val="1"/>
+  <p:tag name="SHAPESETGROUPCLASSNAME" val="ShapeSetGroup1"/>
+  <p:tag name="COLORSETGROUPCLASSNAME" val="ColorSetGroup4"/>
+  <p:tag name="FONTSETGROUPCLASSNAME" val="FontSetGroup1"/>
+  <p:tag name="SHAPECLASSNAME" val="Chapterbox"/>
+  <p:tag name="COLORS" val="-2;-2;-2;-2;-2;-2"/>
+  <p:tag name="SHAPESETCLASSNAME" val="Object"/>
+  <p:tag name="SHAPECLASSPROTECTIONTYPE" val=" 25"/>
+</p:tagLst>
+</file>
+
+<file path=ppt/tags/tag165.xml><?xml version="1.0" encoding="utf-8"?>
+<p:tagLst xmlns:a="http://schemas.openxmlformats.org/drawingml/2006/main" xmlns:r="http://schemas.openxmlformats.org/officeDocument/2006/relationships" xmlns:p="http://schemas.openxmlformats.org/presentationml/2006/main">
+  <p:tag name="FONTSETCLASSNAME" val="FontSet1"/>
+  <p:tag name="COLORS" val="-2;-2;-2;-2;Red;-2"/>
+  <p:tag name="COLORSETCLASSNAME" val="ColorSet1"/>
+  <p:tag name="SCRIPT" val="1"/>
+  <p:tag name="FIELDS" val="CONF;DPT;DATE;"/>
+  <p:tag name="MLI" val="1"/>
+  <p:tag name="SHAPESETGROUPCLASSNAME" val="ShapeSetGroup1"/>
+  <p:tag name="COLORSETGROUPCLASSNAME" val="ColorSetGroup4"/>
+  <p:tag name="FONTSETGROUPCLASSNAME" val="FontSetGroup1"/>
+  <p:tag name="SHAPECLASSNAME" val="FooterLine1OnSlides"/>
+  <p:tag name="FONT" val="Bold6"/>
+  <p:tag name="FONT2" val="Reg6"/>
+  <p:tag name="FONT3" val="Reg6"/>
+  <p:tag name="FONTCOLOR" val="Red"/>
+  <p:tag name="FONTCOLOR2" val="Black"/>
+  <p:tag name="FONTCOLOR3" val="Black"/>
+  <p:tag name="FONTCOLOR4" val="Black"/>
+  <p:tag name="RUNS.FONT" val="4"/>
+  <p:tag name="SHAPESETCLASSNAME" val="Object"/>
+  <p:tag name="SHAPECLASSPROTECTIONTYPE" val=" 63"/>
+</p:tagLst>
+</file>
+
+<file path=ppt/tags/tag166.xml><?xml version="1.0" encoding="utf-8"?>
+<p:tagLst xmlns:a="http://schemas.openxmlformats.org/drawingml/2006/main" xmlns:r="http://schemas.openxmlformats.org/officeDocument/2006/relationships" xmlns:p="http://schemas.openxmlformats.org/presentationml/2006/main">
+  <p:tag name="FONT" val="Reg6"/>
+  <p:tag name="FONTSETCLASSNAME" val="FontSet1"/>
+  <p:tag name="RUNS.FONT" val="3"/>
+  <p:tag name="COLORS" val="-2;-2;-2;-2;Black;-2"/>
+  <p:tag name="COLORSETCLASSNAME" val="ColorSet1"/>
+  <p:tag name="SCRIPT" val="1"/>
+  <p:tag name="FIELDS" val="REM_ABL;COPY;"/>
+  <p:tag name="MLI" val="1"/>
+  <p:tag name="SHAPESETGROUPCLASSNAME" val="ShapeSetGroup1"/>
+  <p:tag name="COLORSETGROUPCLASSNAME" val="ColorSetGroup4"/>
+  <p:tag name="FONTSETGROUPCLASSNAME" val="FontSetGroup1"/>
+  <p:tag name="SHAPECLASSNAME" val="FooterLine2OnSlides"/>
+  <p:tag name="FONTCOLOR" val="Black"/>
+  <p:tag name="FONTCOLOR2" val="LightGray"/>
+  <p:tag name="FONTCOLOR3" val="LightGray"/>
+  <p:tag name="SHAPESETCLASSNAME" val="Object"/>
+  <p:tag name="SHAPECLASSPROTECTIONTYPE" val=" 63"/>
+</p:tagLst>
+</file>
+
+<file path=ppt/tags/tag167.xml><?xml version="1.0" encoding="utf-8"?>
+<p:tagLst xmlns:a="http://schemas.openxmlformats.org/drawingml/2006/main" xmlns:r="http://schemas.openxmlformats.org/officeDocument/2006/relationships" xmlns:p="http://schemas.openxmlformats.org/presentationml/2006/main">
+  <p:tag name="FONT" val="Reg12"/>
+  <p:tag name="FONTSETCLASSNAME" val="FontSet1"/>
+  <p:tag name="COLORS" val="-2;-2;-2;-2;DarkGray2;-2"/>
+  <p:tag name="COLORSETCLASSNAME" val="ColorSet1"/>
+  <p:tag name="SCRIPT" val="1"/>
+  <p:tag name="MLI" val="1"/>
+  <p:tag name="SHAPESETGROUPCLASSNAME" val="ShapeSetGroup1"/>
+  <p:tag name="COLORSETGROUPCLASSNAME" val="ColorSetGroup4"/>
+  <p:tag name="FONTSETGROUPCLASSNAME" val="FontSetGroup1"/>
+  <p:tag name="SHAPECLASSNAME" val="PageNumberOnSlides"/>
+  <p:tag name="SHAPESETCLASSNAME" val="Object"/>
+  <p:tag name="SHAPECLASSPROTECTIONTYPE" val=" 63"/>
+</p:tagLst>
+</file>
+
+<file path=ppt/tags/tag168.xml><?xml version="1.0" encoding="utf-8"?>
+<p:tagLst xmlns:a="http://schemas.openxmlformats.org/drawingml/2006/main" xmlns:r="http://schemas.openxmlformats.org/officeDocument/2006/relationships" xmlns:p="http://schemas.openxmlformats.org/presentationml/2006/main">
+  <p:tag name="FONT" val="Reg5x5"/>
+  <p:tag name="FONTSETCLASSNAME" val="FontSet1"/>
+  <p:tag name="COLORS" val="-2;-2;-2;-2;-2;-2"/>
+  <p:tag name="COLORSETCLASSNAME" val="ColorSet1"/>
+  <p:tag name="SCRIPT" val="1"/>
+  <p:tag name="FIELDS" val="REM_ANL;"/>
+  <p:tag name="MLI" val="1"/>
+  <p:tag name="SHAPESETGROUPCLASSNAME" val="ShapeSetGroup1"/>
+  <p:tag name="COLORSETGROUPCLASSNAME" val="ColorSetGroup4"/>
+  <p:tag name="FONTSETGROUPCLASSNAME" val="FontSetGroup1"/>
+  <p:tag name="SHAPECLASSNAME" val="Attachment"/>
+  <p:tag name="SHAPESETCLASSNAME" val="Object"/>
+  <p:tag name="SHAPECLASSPROTECTIONTYPE" val=" 3"/>
+</p:tagLst>
+</file>
+
+<file path=ppt/tags/tag169.xml><?xml version="1.0" encoding="utf-8"?>
+<p:tagLst xmlns:a="http://schemas.openxmlformats.org/drawingml/2006/main" xmlns:r="http://schemas.openxmlformats.org/officeDocument/2006/relationships" xmlns:p="http://schemas.openxmlformats.org/presentationml/2006/main">
+  <p:tag name="FONT" val="NavbarItem"/>
+  <p:tag name="FONTSETCLASSNAME" val="FontSet1"/>
+  <p:tag name="COLORS" val="-2;-2;-2;-2;-2;-2"/>
+  <p:tag name="COLORSETCLASSNAME" val="ColorSet1"/>
+  <p:tag name="MLI" val="1"/>
+  <p:tag name="SHAPESETGROUPCLASSNAME" val="ShapeSetGroup1"/>
+  <p:tag name="COLORSETGROUPCLASSNAME" val="ColorSetGroup4"/>
+  <p:tag name="FONTSETGROUPCLASSNAME" val="FontSetGroup1"/>
+  <p:tag name="SHAPECLASSNAME" val="tNavbar"/>
+  <p:tag name="SHAPESETCLASSNAME" val="Object"/>
+  <p:tag name="SHAPECLASSPROTECTIONTYPE" val=" 31"/>
+</p:tagLst>
+</file>
+
+<file path=ppt/tags/tag17.xml><?xml version="1.0" encoding="utf-8"?>
+<p:tagLst xmlns:a="http://schemas.openxmlformats.org/drawingml/2006/main" xmlns:r="http://schemas.openxmlformats.org/officeDocument/2006/relationships" xmlns:p="http://schemas.openxmlformats.org/presentationml/2006/main">
+  <p:tag name="FONT" val="Reg5x5"/>
+  <p:tag name="FONTSETCLASSNAME" val="FontSet1"/>
+  <p:tag name="COLORS" val="-2;-2;-2;-2;-2;-2"/>
+  <p:tag name="COLORSETCLASSNAME" val="ColorSet1"/>
+  <p:tag name="SCRIPT" val="1"/>
+  <p:tag name="FIELDS" val="REM_ANL;"/>
+  <p:tag name="MLI" val="1"/>
+  <p:tag name="SHAPESETGROUPCLASSNAME" val="ShapeSetGroup1"/>
+  <p:tag name="SHAPESETCLASSNAME" val="StaticAgenda"/>
+  <p:tag name="COLORSETGROUPCLASSNAME" val="ColorSetGroup1"/>
+  <p:tag name="FONTSETGROUPCLASSNAME" val="FontSetGroup1"/>
+  <p:tag name="SHAPECLASSNAME" val="Attachment"/>
+  <p:tag name="SHAPECLASSPROTECTIONTYPE" val="3"/>
+</p:tagLst>
+</file>
+
+<file path=ppt/tags/tag170.xml><?xml version="1.0" encoding="utf-8"?>
+<p:tagLst xmlns:a="http://schemas.openxmlformats.org/drawingml/2006/main" xmlns:r="http://schemas.openxmlformats.org/officeDocument/2006/relationships" xmlns:p="http://schemas.openxmlformats.org/presentationml/2006/main">
+  <p:tag name="FONT" val="Reg28"/>
+  <p:tag name="FONTSETCLASSNAME" val="FontSet1"/>
+  <p:tag name="COLORSETCLASSNAME" val="ColorSet2"/>
+  <p:tag name="MLI" val="1"/>
+  <p:tag name="SHAPESETGROUPCLASSNAME" val="ShapeSetGroup1"/>
+  <p:tag name="COLORSETGROUPCLASSNAME" val="ColorSetGroup4"/>
+  <p:tag name="FONTSETGROUPCLASSNAME" val="FontSetGroup1"/>
+  <p:tag name="SHAPECLASSNAME" val="TitleOnSlides"/>
+  <p:tag name="FONTCOLOR" val="Primary"/>
+  <p:tag name="FONTCOLOR2" val="Primary"/>
+  <p:tag name="SHAPESETCLASSNAME" val="Object"/>
+  <p:tag name="SHAPECLASSPROTECTIONTYPE" val=" 9"/>
+  <p:tag name="RUNS.FONT" val="2"/>
+  <p:tag name="COLORS" val="-2;-2;-2;-2;LightGreen;-2"/>
+</p:tagLst>
+</file>
+
+<file path=ppt/tags/tag171.xml><?xml version="1.0" encoding="utf-8"?>
 <p:tagLst xmlns:a="http://schemas.openxmlformats.org/drawingml/2006/main" xmlns:r="http://schemas.openxmlformats.org/officeDocument/2006/relationships" xmlns:p="http://schemas.openxmlformats.org/presentationml/2006/main">
   <p:tag name="FIELD.CHAPTER.CONTENT" val="Titel des Kapitels"/>
   <p:tag name="FIELD.CHAPTER.VALUE" val="Titel des Kapitels"/>
@@ -27626,7 +29971,7 @@
 </p:tagLst>
 </file>
 
-<file path=ppt/tags/tag147.xml><?xml version="1.0" encoding="utf-8"?>
+<file path=ppt/tags/tag172.xml><?xml version="1.0" encoding="utf-8"?>
 <p:tagLst xmlns:a="http://schemas.openxmlformats.org/drawingml/2006/main" xmlns:r="http://schemas.openxmlformats.org/officeDocument/2006/relationships" xmlns:p="http://schemas.openxmlformats.org/presentationml/2006/main">
   <p:tag name="COLORS" val="-2;-2;-2;-2;-2;-2"/>
   <p:tag name="COLORSETCLASSNAME" val="ColorSet1"/>
@@ -27641,7 +29986,7 @@
 </p:tagLst>
 </file>
 
-<file path=ppt/tags/tag148.xml><?xml version="1.0" encoding="utf-8"?>
+<file path=ppt/tags/tag173.xml><?xml version="1.0" encoding="utf-8"?>
 <p:tagLst xmlns:a="http://schemas.openxmlformats.org/drawingml/2006/main" xmlns:r="http://schemas.openxmlformats.org/officeDocument/2006/relationships" xmlns:p="http://schemas.openxmlformats.org/presentationml/2006/main">
   <p:tag name="COLORS" val="-2;-2;-2;-2;-2;-2"/>
   <p:tag name="COLORSETCLASSNAME" val="ColorSet1"/>
@@ -27656,7 +30001,7 @@
 </p:tagLst>
 </file>
 
-<file path=ppt/tags/tag149.xml><?xml version="1.0" encoding="utf-8"?>
+<file path=ppt/tags/tag174.xml><?xml version="1.0" encoding="utf-8"?>
 <p:tagLst xmlns:a="http://schemas.openxmlformats.org/drawingml/2006/main" xmlns:r="http://schemas.openxmlformats.org/officeDocument/2006/relationships" xmlns:p="http://schemas.openxmlformats.org/presentationml/2006/main">
   <p:tag name="FONT" val="Reg28"/>
   <p:tag name="FONTSETCLASSNAME" val="FontSet1"/>
@@ -27674,29 +30019,7 @@
 </p:tagLst>
 </file>
 
-<file path=ppt/tags/tag15.xml><?xml version="1.0" encoding="utf-8"?>
-<p:tagLst xmlns:a="http://schemas.openxmlformats.org/drawingml/2006/main" xmlns:r="http://schemas.openxmlformats.org/officeDocument/2006/relationships" xmlns:p="http://schemas.openxmlformats.org/presentationml/2006/main">
-  <p:tag name="FONT" val="Reg6"/>
-  <p:tag name="FONTSETCLASSNAME" val="FontSet1"/>
-  <p:tag name="FONTCOLOR" val="Black"/>
-  <p:tag name="FONTCOLOR2" val="LightGray"/>
-  <p:tag name="FONTCOLOR3" val="LightGray"/>
-  <p:tag name="RUNS.FONT" val="3"/>
-  <p:tag name="COLORS" val="-2;-2;-2;-2;Black;-2"/>
-  <p:tag name="COLORSETCLASSNAME" val="ColorSet1"/>
-  <p:tag name="SCRIPT" val="1"/>
-  <p:tag name="FIELDS" val="REM_ABL;COPY;"/>
-  <p:tag name="MLI" val="1"/>
-  <p:tag name="SHAPESETGROUPCLASSNAME" val="ShapeSetGroup1"/>
-  <p:tag name="SHAPESETCLASSNAME" val="StaticAgenda"/>
-  <p:tag name="COLORSETGROUPCLASSNAME" val="ColorSetGroup1"/>
-  <p:tag name="FONTSETGROUPCLASSNAME" val="FontSetGroup1"/>
-  <p:tag name="SHAPECLASSNAME" val="FooterLine2OnSlides"/>
-  <p:tag name="SHAPECLASSPROTECTIONTYPE" val="63"/>
-</p:tagLst>
-</file>
-
-<file path=ppt/tags/tag150.xml><?xml version="1.0" encoding="utf-8"?>
+<file path=ppt/tags/tag175.xml><?xml version="1.0" encoding="utf-8"?>
 <p:tagLst xmlns:a="http://schemas.openxmlformats.org/drawingml/2006/main" xmlns:r="http://schemas.openxmlformats.org/officeDocument/2006/relationships" xmlns:p="http://schemas.openxmlformats.org/presentationml/2006/main">
   <p:tag name="FONT" val="Bold6"/>
   <p:tag name="FONT2" val="Reg6"/>
@@ -27721,7 +30044,7 @@
 </p:tagLst>
 </file>
 
-<file path=ppt/tags/tag151.xml><?xml version="1.0" encoding="utf-8"?>
+<file path=ppt/tags/tag176.xml><?xml version="1.0" encoding="utf-8"?>
 <p:tagLst xmlns:a="http://schemas.openxmlformats.org/drawingml/2006/main" xmlns:r="http://schemas.openxmlformats.org/officeDocument/2006/relationships" xmlns:p="http://schemas.openxmlformats.org/presentationml/2006/main">
   <p:tag name="FONT" val="Reg6"/>
   <p:tag name="FONTSETCLASSNAME" val="FontSet1"/>
@@ -27743,7 +30066,7 @@
 </p:tagLst>
 </file>
 
-<file path=ppt/tags/tag152.xml><?xml version="1.0" encoding="utf-8"?>
+<file path=ppt/tags/tag177.xml><?xml version="1.0" encoding="utf-8"?>
 <p:tagLst xmlns:a="http://schemas.openxmlformats.org/drawingml/2006/main" xmlns:r="http://schemas.openxmlformats.org/officeDocument/2006/relationships" xmlns:p="http://schemas.openxmlformats.org/presentationml/2006/main">
   <p:tag name="FONT" val="Reg12"/>
   <p:tag name="FONTSETCLASSNAME" val="FontSet1"/>
@@ -27760,7 +30083,7 @@
 </p:tagLst>
 </file>
 
-<file path=ppt/tags/tag153.xml><?xml version="1.0" encoding="utf-8"?>
+<file path=ppt/tags/tag178.xml><?xml version="1.0" encoding="utf-8"?>
 <p:tagLst xmlns:a="http://schemas.openxmlformats.org/drawingml/2006/main" xmlns:r="http://schemas.openxmlformats.org/officeDocument/2006/relationships" xmlns:p="http://schemas.openxmlformats.org/presentationml/2006/main">
   <p:tag name="FONT" val="Reg5x5"/>
   <p:tag name="FONTSETCLASSNAME" val="FontSet1"/>
@@ -27778,7 +30101,7 @@
 </p:tagLst>
 </file>
 
-<file path=ppt/tags/tag154.xml><?xml version="1.0" encoding="utf-8"?>
+<file path=ppt/tags/tag179.xml><?xml version="1.0" encoding="utf-8"?>
 <p:tagLst xmlns:a="http://schemas.openxmlformats.org/drawingml/2006/main" xmlns:r="http://schemas.openxmlformats.org/officeDocument/2006/relationships" xmlns:p="http://schemas.openxmlformats.org/presentationml/2006/main">
   <p:tag name="FONT" val="NavbarItem"/>
   <p:tag name="FONTSETCLASSNAME" val="FontSet1"/>
@@ -27794,7 +30117,23 @@
 </p:tagLst>
 </file>
 
-<file path=ppt/tags/tag155.xml><?xml version="1.0" encoding="utf-8"?>
+<file path=ppt/tags/tag18.xml><?xml version="1.0" encoding="utf-8"?>
+<p:tagLst xmlns:a="http://schemas.openxmlformats.org/drawingml/2006/main" xmlns:r="http://schemas.openxmlformats.org/officeDocument/2006/relationships" xmlns:p="http://schemas.openxmlformats.org/presentationml/2006/main">
+  <p:tag name="FONT" val="NavbarItem"/>
+  <p:tag name="FONTSETCLASSNAME" val="FontSet1"/>
+  <p:tag name="COLORS" val="-2;-2;-2;-2;-2;-2"/>
+  <p:tag name="COLORSETCLASSNAME" val="ColorSet1"/>
+  <p:tag name="MLI" val="1"/>
+  <p:tag name="SHAPESETGROUPCLASSNAME" val="ShapeSetGroup1"/>
+  <p:tag name="SHAPESETCLASSNAME" val="StaticAgenda"/>
+  <p:tag name="COLORSETGROUPCLASSNAME" val="ColorSetGroup1"/>
+  <p:tag name="FONTSETGROUPCLASSNAME" val="FontSetGroup1"/>
+  <p:tag name="SHAPECLASSNAME" val="tNavbar"/>
+  <p:tag name="SHAPECLASSPROTECTIONTYPE" val="31"/>
+</p:tagLst>
+</file>
+
+<file path=ppt/tags/tag180.xml><?xml version="1.0" encoding="utf-8"?>
 <p:tagLst xmlns:a="http://schemas.openxmlformats.org/drawingml/2006/main" xmlns:r="http://schemas.openxmlformats.org/officeDocument/2006/relationships" xmlns:p="http://schemas.openxmlformats.org/presentationml/2006/main">
   <p:tag name="FONT" val="Reg28"/>
   <p:tag name="FONTSETCLASSNAME" val="FontSet1"/>
@@ -27813,7 +30152,7 @@
 </p:tagLst>
 </file>
 
-<file path=ppt/tags/tag156.xml><?xml version="1.0" encoding="utf-8"?>
+<file path=ppt/tags/tag181.xml><?xml version="1.0" encoding="utf-8"?>
 <p:tagLst xmlns:a="http://schemas.openxmlformats.org/drawingml/2006/main" xmlns:r="http://schemas.openxmlformats.org/officeDocument/2006/relationships" xmlns:p="http://schemas.openxmlformats.org/presentationml/2006/main">
   <p:tag name="FIELD.CHAPTER.CONTENT" val="Titel des Kapitels"/>
   <p:tag name="FIELD.CHAPTER.VALUE" val="Titel des Kapitels"/>
@@ -27844,7 +30183,7 @@
 </p:tagLst>
 </file>
 
-<file path=ppt/tags/tag157.xml><?xml version="1.0" encoding="utf-8"?>
+<file path=ppt/tags/tag182.xml><?xml version="1.0" encoding="utf-8"?>
 <p:tagLst xmlns:a="http://schemas.openxmlformats.org/drawingml/2006/main" xmlns:r="http://schemas.openxmlformats.org/officeDocument/2006/relationships" xmlns:p="http://schemas.openxmlformats.org/presentationml/2006/main">
   <p:tag name="COLORS" val="-2;-2;-2;-2;-2;-2"/>
   <p:tag name="COLORSETCLASSNAME" val="ColorSet1"/>
@@ -27859,7 +30198,7 @@
 </p:tagLst>
 </file>
 
-<file path=ppt/tags/tag158.xml><?xml version="1.0" encoding="utf-8"?>
+<file path=ppt/tags/tag183.xml><?xml version="1.0" encoding="utf-8"?>
 <p:tagLst xmlns:a="http://schemas.openxmlformats.org/drawingml/2006/main" xmlns:r="http://schemas.openxmlformats.org/officeDocument/2006/relationships" xmlns:p="http://schemas.openxmlformats.org/presentationml/2006/main">
   <p:tag name="COLORS" val="-2;-2;-2;-2;-2;-2"/>
   <p:tag name="COLORSETCLASSNAME" val="ColorSet1"/>
@@ -27874,7 +30213,7 @@
 </p:tagLst>
 </file>
 
-<file path=ppt/tags/tag159.xml><?xml version="1.0" encoding="utf-8"?>
+<file path=ppt/tags/tag184.xml><?xml version="1.0" encoding="utf-8"?>
 <p:tagLst xmlns:a="http://schemas.openxmlformats.org/drawingml/2006/main" xmlns:r="http://schemas.openxmlformats.org/officeDocument/2006/relationships" xmlns:p="http://schemas.openxmlformats.org/presentationml/2006/main">
   <p:tag name="FONT" val="Reg28"/>
   <p:tag name="FONTSETCLASSNAME" val="FontSet1"/>
@@ -27892,24 +30231,7 @@
 </p:tagLst>
 </file>
 
-<file path=ppt/tags/tag16.xml><?xml version="1.0" encoding="utf-8"?>
-<p:tagLst xmlns:a="http://schemas.openxmlformats.org/drawingml/2006/main" xmlns:r="http://schemas.openxmlformats.org/officeDocument/2006/relationships" xmlns:p="http://schemas.openxmlformats.org/presentationml/2006/main">
-  <p:tag name="FONT" val="Reg12"/>
-  <p:tag name="FONTSETCLASSNAME" val="FontSet1"/>
-  <p:tag name="COLORS" val="-2;-2;-2;-2;DarkGray2;-2"/>
-  <p:tag name="COLORSETCLASSNAME" val="ColorSet1"/>
-  <p:tag name="SCRIPT" val="1"/>
-  <p:tag name="MLI" val="1"/>
-  <p:tag name="SHAPESETGROUPCLASSNAME" val="ShapeSetGroup1"/>
-  <p:tag name="SHAPESETCLASSNAME" val="StaticAgenda"/>
-  <p:tag name="COLORSETGROUPCLASSNAME" val="ColorSetGroup1"/>
-  <p:tag name="FONTSETGROUPCLASSNAME" val="FontSetGroup1"/>
-  <p:tag name="SHAPECLASSNAME" val="PageNumberOnSlides"/>
-  <p:tag name="SHAPECLASSPROTECTIONTYPE" val="63"/>
-</p:tagLst>
-</file>
-
-<file path=ppt/tags/tag160.xml><?xml version="1.0" encoding="utf-8"?>
+<file path=ppt/tags/tag185.xml><?xml version="1.0" encoding="utf-8"?>
 <p:tagLst xmlns:a="http://schemas.openxmlformats.org/drawingml/2006/main" xmlns:r="http://schemas.openxmlformats.org/officeDocument/2006/relationships" xmlns:p="http://schemas.openxmlformats.org/presentationml/2006/main">
   <p:tag name="FONT" val="Bold6"/>
   <p:tag name="FONT2" val="Reg6"/>
@@ -27934,7 +30256,7 @@
 </p:tagLst>
 </file>
 
-<file path=ppt/tags/tag161.xml><?xml version="1.0" encoding="utf-8"?>
+<file path=ppt/tags/tag186.xml><?xml version="1.0" encoding="utf-8"?>
 <p:tagLst xmlns:a="http://schemas.openxmlformats.org/drawingml/2006/main" xmlns:r="http://schemas.openxmlformats.org/officeDocument/2006/relationships" xmlns:p="http://schemas.openxmlformats.org/presentationml/2006/main">
   <p:tag name="FONT" val="Reg6"/>
   <p:tag name="FONTSETCLASSNAME" val="FontSet1"/>
@@ -27956,7 +30278,7 @@
 </p:tagLst>
 </file>
 
-<file path=ppt/tags/tag162.xml><?xml version="1.0" encoding="utf-8"?>
+<file path=ppt/tags/tag187.xml><?xml version="1.0" encoding="utf-8"?>
 <p:tagLst xmlns:a="http://schemas.openxmlformats.org/drawingml/2006/main" xmlns:r="http://schemas.openxmlformats.org/officeDocument/2006/relationships" xmlns:p="http://schemas.openxmlformats.org/presentationml/2006/main">
   <p:tag name="FONT" val="Reg12"/>
   <p:tag name="FONTSETCLASSNAME" val="FontSet1"/>
@@ -27973,7 +30295,7 @@
 </p:tagLst>
 </file>
 
-<file path=ppt/tags/tag163.xml><?xml version="1.0" encoding="utf-8"?>
+<file path=ppt/tags/tag188.xml><?xml version="1.0" encoding="utf-8"?>
 <p:tagLst xmlns:a="http://schemas.openxmlformats.org/drawingml/2006/main" xmlns:r="http://schemas.openxmlformats.org/officeDocument/2006/relationships" xmlns:p="http://schemas.openxmlformats.org/presentationml/2006/main">
   <p:tag name="FONT" val="Reg5x5"/>
   <p:tag name="FONTSETCLASSNAME" val="FontSet1"/>
@@ -27991,7 +30313,7 @@
 </p:tagLst>
 </file>
 
-<file path=ppt/tags/tag164.xml><?xml version="1.0" encoding="utf-8"?>
+<file path=ppt/tags/tag189.xml><?xml version="1.0" encoding="utf-8"?>
 <p:tagLst xmlns:a="http://schemas.openxmlformats.org/drawingml/2006/main" xmlns:r="http://schemas.openxmlformats.org/officeDocument/2006/relationships" xmlns:p="http://schemas.openxmlformats.org/presentationml/2006/main">
   <p:tag name="FONT" val="NavbarItem"/>
   <p:tag name="FONTSETCLASSNAME" val="FontSet1"/>
@@ -28007,7 +30329,23 @@
 </p:tagLst>
 </file>
 
-<file path=ppt/tags/tag165.xml><?xml version="1.0" encoding="utf-8"?>
+<file path=ppt/tags/tag19.xml><?xml version="1.0" encoding="utf-8"?>
+<p:tagLst xmlns:a="http://schemas.openxmlformats.org/drawingml/2006/main" xmlns:r="http://schemas.openxmlformats.org/officeDocument/2006/relationships" xmlns:p="http://schemas.openxmlformats.org/presentationml/2006/main">
+  <p:tag name="FONT" val="Reg28"/>
+  <p:tag name="FONTSETCLASSNAME" val="FontSet1"/>
+  <p:tag name="COLORSETCLASSNAME" val="ColorSet1"/>
+  <p:tag name="MLI" val="1"/>
+  <p:tag name="SHAPESETGROUPCLASSNAME" val="ShapeSetGroup1"/>
+  <p:tag name="SHAPESETCLASSNAME" val="StaticAgenda"/>
+  <p:tag name="COLORSETGROUPCLASSNAME" val="ColorSetGroup1"/>
+  <p:tag name="FONTSETGROUPCLASSNAME" val="FontSetGroup1"/>
+  <p:tag name="SHAPECLASSNAME" val="TitleOnAgenda"/>
+  <p:tag name="SHAPECLASSPROTECTIONTYPE" val="9"/>
+  <p:tag name="COLORS" val="-2;-2;-2;-2;-1;-2"/>
+</p:tagLst>
+</file>
+
+<file path=ppt/tags/tag190.xml><?xml version="1.0" encoding="utf-8"?>
 <p:tagLst xmlns:a="http://schemas.openxmlformats.org/drawingml/2006/main" xmlns:r="http://schemas.openxmlformats.org/officeDocument/2006/relationships" xmlns:p="http://schemas.openxmlformats.org/presentationml/2006/main">
   <p:tag name="FONT" val="Reg28"/>
   <p:tag name="FONTSETCLASSNAME" val="FontSet1"/>
@@ -28026,221 +30364,7 @@
 </p:tagLst>
 </file>
 
-<file path=ppt/tags/tag166.xml><?xml version="1.0" encoding="utf-8"?>
-<p:tagLst xmlns:a="http://schemas.openxmlformats.org/drawingml/2006/main" xmlns:r="http://schemas.openxmlformats.org/officeDocument/2006/relationships" xmlns:p="http://schemas.openxmlformats.org/presentationml/2006/main">
-  <p:tag name="FIELD.CHAPTER.CONTENT" val="Titel des Kapitels"/>
-  <p:tag name="FIELD.CHAPTER.VALUE" val="Titel des Kapitels"/>
-  <p:tag name="FIELD.DPT.CONTENT" val="HOME/EPS"/>
-  <p:tag name="FIELD.DPT.VALUE" val="HOME/EPS | "/>
-  <p:tag name="FIELDS.INITIALIZED" val="1"/>
-  <p:tag name="ML_1" val="rb_lol"/>
-  <p:tag name="ML_2" val="Bosch2.mcr"/>
-  <p:tag name="ML_LAYOUT_RESOURCE" val="BOSCH2_16_9.mcr"/>
-  <p:tag name="SHAPESETGROUPCLASSNAME" val="ShapeSetGroup1"/>
-  <p:tag name="SHAPESETCLASSNAME" val="TitleOnly"/>
-  <p:tag name="COLORSETGROUPCLASSNAME" val="ColorSetGroup4"/>
-  <p:tag name="COLORSETCLASSNAME" val="ColorSet2"/>
-  <p:tag name="FONTSETGROUPCLASSNAME" val="FontSetGroup1"/>
-  <p:tag name="STYLESETGROUPCLASSNAME" val="StyleSetGroup1"/>
-  <p:tag name="MAPNAME" val="Map1"/>
-  <p:tag name="CFG.LAYOUT" val="BOSCH2"/>
-  <p:tag name="MLI" val="1"/>
-  <p:tag name="TEXTBOX 2_SHAPECLASSPROTECTIONTYPE" val="31"/>
-  <p:tag name="RECTANGLE 3_SHAPECLASSPROTECTIONTYPE" val="3"/>
-  <p:tag name="RECTANGLE 4_SHAPECLASSPROTECTIONTYPE" val="63"/>
-  <p:tag name="RECTANGLE 5_SHAPECLASSPROTECTIONTYPE" val="63"/>
-  <p:tag name="RECTANGLE 6_SHAPECLASSPROTECTIONTYPE" val="63"/>
-  <p:tag name="TEXTBOX 7_SHAPECLASSPROTECTIONTYPE" val="25"/>
-  <p:tag name="TITLE 1_SHAPECLASSPROTECTIONTYPE" val="9"/>
-  <p:tag name="PICTURE 8_SHAPECLASSPROTECTIONTYPE" val="15"/>
-  <p:tag name="PICTURE 9_SHAPECLASSPROTECTIONTYPE" val="15"/>
-</p:tagLst>
-</file>
-
-<file path=ppt/tags/tag167.xml><?xml version="1.0" encoding="utf-8"?>
-<p:tagLst xmlns:a="http://schemas.openxmlformats.org/drawingml/2006/main" xmlns:r="http://schemas.openxmlformats.org/officeDocument/2006/relationships" xmlns:p="http://schemas.openxmlformats.org/presentationml/2006/main">
-  <p:tag name="COLORS" val="-2;-2;-2;-2;-2;-2"/>
-  <p:tag name="COLORSETCLASSNAME" val="ColorSet1"/>
-  <p:tag name="SHAPESETGROUPCLASSNAME" val="ShapeSetGroup1"/>
-  <p:tag name="SHAPESETCLASSNAME" val="Slide"/>
-  <p:tag name="COLORSETGROUPCLASSNAME" val="ColorSetGroup4"/>
-  <p:tag name="FONTSETGROUPCLASSNAME" val="FontSetGroup1"/>
-  <p:tag name="SHAPECLASSFILE" val="BoschLogo2016.emf"/>
-  <p:tag name="MLI" val="1"/>
-  <p:tag name="SHAPECLASSNAME" val="LogoOnSlides"/>
-  <p:tag name="SHAPECLASSPROTECTIONTYPE" val="15"/>
-</p:tagLst>
-</file>
-
-<file path=ppt/tags/tag168.xml><?xml version="1.0" encoding="utf-8"?>
-<p:tagLst xmlns:a="http://schemas.openxmlformats.org/drawingml/2006/main" xmlns:r="http://schemas.openxmlformats.org/officeDocument/2006/relationships" xmlns:p="http://schemas.openxmlformats.org/presentationml/2006/main">
-  <p:tag name="COLORS" val="-2;-2;-2;-2;-2;-2"/>
-  <p:tag name="COLORSETCLASSNAME" val="ColorSet1"/>
-  <p:tag name="SHAPESETGROUPCLASSNAME" val="ShapeSetGroup1"/>
-  <p:tag name="SHAPESETCLASSNAME" val="Slide"/>
-  <p:tag name="COLORSETGROUPCLASSNAME" val="ColorSetGroup4"/>
-  <p:tag name="FONTSETGROUPCLASSNAME" val="FontSetGroup1"/>
-  <p:tag name="SHAPECLASSFILE" val="Bosch-Supergraphic-Bottom-16-9.png"/>
-  <p:tag name="MLI" val="1"/>
-  <p:tag name="SHAPECLASSNAME" val="ColorBarOnSlides"/>
-  <p:tag name="SHAPECLASSPROTECTIONTYPE" val="15"/>
-</p:tagLst>
-</file>
-
-<file path=ppt/tags/tag169.xml><?xml version="1.0" encoding="utf-8"?>
-<p:tagLst xmlns:a="http://schemas.openxmlformats.org/drawingml/2006/main" xmlns:r="http://schemas.openxmlformats.org/officeDocument/2006/relationships" xmlns:p="http://schemas.openxmlformats.org/presentationml/2006/main">
-  <p:tag name="FONT" val="Reg28"/>
-  <p:tag name="FONTSETCLASSNAME" val="FontSet1"/>
-  <p:tag name="COLORSETCLASSNAME" val="ColorSet1"/>
-  <p:tag name="SCRIPT" val="1"/>
-  <p:tag name="FIELDS" val="CHAPTER;"/>
-  <p:tag name="MLI" val="1"/>
-  <p:tag name="SHAPESETGROUPCLASSNAME" val="ShapeSetGroup1"/>
-  <p:tag name="SHAPESETCLASSNAME" val="TitleOnly"/>
-  <p:tag name="COLORSETGROUPCLASSNAME" val="ColorSetGroup4"/>
-  <p:tag name="FONTSETGROUPCLASSNAME" val="FontSetGroup1"/>
-  <p:tag name="SHAPECLASSNAME" val="Chapterbox"/>
-  <p:tag name="SHAPECLASSPROTECTIONTYPE" val="25"/>
-  <p:tag name="COLORS" val="-2;-2;-2;-2;-1;-2"/>
-</p:tagLst>
-</file>
-
-<file path=ppt/tags/tag17.xml><?xml version="1.0" encoding="utf-8"?>
-<p:tagLst xmlns:a="http://schemas.openxmlformats.org/drawingml/2006/main" xmlns:r="http://schemas.openxmlformats.org/officeDocument/2006/relationships" xmlns:p="http://schemas.openxmlformats.org/presentationml/2006/main">
-  <p:tag name="FONT" val="Reg5x5"/>
-  <p:tag name="FONTSETCLASSNAME" val="FontSet1"/>
-  <p:tag name="COLORS" val="-2;-2;-2;-2;-2;-2"/>
-  <p:tag name="COLORSETCLASSNAME" val="ColorSet1"/>
-  <p:tag name="SCRIPT" val="1"/>
-  <p:tag name="FIELDS" val="REM_ANL;"/>
-  <p:tag name="MLI" val="1"/>
-  <p:tag name="SHAPESETGROUPCLASSNAME" val="ShapeSetGroup1"/>
-  <p:tag name="SHAPESETCLASSNAME" val="StaticAgenda"/>
-  <p:tag name="COLORSETGROUPCLASSNAME" val="ColorSetGroup1"/>
-  <p:tag name="FONTSETGROUPCLASSNAME" val="FontSetGroup1"/>
-  <p:tag name="SHAPECLASSNAME" val="Attachment"/>
-  <p:tag name="SHAPECLASSPROTECTIONTYPE" val="3"/>
-</p:tagLst>
-</file>
-
-<file path=ppt/tags/tag170.xml><?xml version="1.0" encoding="utf-8"?>
-<p:tagLst xmlns:a="http://schemas.openxmlformats.org/drawingml/2006/main" xmlns:r="http://schemas.openxmlformats.org/officeDocument/2006/relationships" xmlns:p="http://schemas.openxmlformats.org/presentationml/2006/main">
-  <p:tag name="FONT" val="Bold6"/>
-  <p:tag name="FONT2" val="Reg6"/>
-  <p:tag name="FONT3" val="Reg6"/>
-  <p:tag name="FONTSETCLASSNAME" val="FontSet1"/>
-  <p:tag name="FONTCOLOR" val="Red"/>
-  <p:tag name="FONTCOLOR2" val="Black"/>
-  <p:tag name="FONTCOLOR3" val="Black"/>
-  <p:tag name="FONTCOLOR4" val="Black"/>
-  <p:tag name="RUNS.FONT" val="4"/>
-  <p:tag name="COLORS" val="-2;-2;-2;-2;Red;-2"/>
-  <p:tag name="COLORSETCLASSNAME" val="ColorSet1"/>
-  <p:tag name="SCRIPT" val="1"/>
-  <p:tag name="FIELDS" val="CONF;DPT;DATE;"/>
-  <p:tag name="MLI" val="1"/>
-  <p:tag name="SHAPESETGROUPCLASSNAME" val="ShapeSetGroup1"/>
-  <p:tag name="SHAPESETCLASSNAME" val="TitleOnly"/>
-  <p:tag name="COLORSETGROUPCLASSNAME" val="ColorSetGroup4"/>
-  <p:tag name="FONTSETGROUPCLASSNAME" val="FontSetGroup1"/>
-  <p:tag name="SHAPECLASSNAME" val="FooterLine1OnSlides"/>
-  <p:tag name="SHAPECLASSPROTECTIONTYPE" val="63"/>
-</p:tagLst>
-</file>
-
-<file path=ppt/tags/tag171.xml><?xml version="1.0" encoding="utf-8"?>
-<p:tagLst xmlns:a="http://schemas.openxmlformats.org/drawingml/2006/main" xmlns:r="http://schemas.openxmlformats.org/officeDocument/2006/relationships" xmlns:p="http://schemas.openxmlformats.org/presentationml/2006/main">
-  <p:tag name="FONT" val="Reg6"/>
-  <p:tag name="FONTSETCLASSNAME" val="FontSet1"/>
-  <p:tag name="FONTCOLOR" val="Black"/>
-  <p:tag name="FONTCOLOR2" val="LightGray"/>
-  <p:tag name="FONTCOLOR3" val="LightGray"/>
-  <p:tag name="RUNS.FONT" val="3"/>
-  <p:tag name="COLORS" val="-2;-2;-2;-2;Black;-2"/>
-  <p:tag name="COLORSETCLASSNAME" val="ColorSet1"/>
-  <p:tag name="SCRIPT" val="1"/>
-  <p:tag name="FIELDS" val="REM_ABL;COPY;"/>
-  <p:tag name="MLI" val="1"/>
-  <p:tag name="SHAPESETGROUPCLASSNAME" val="ShapeSetGroup1"/>
-  <p:tag name="SHAPESETCLASSNAME" val="TitleOnly"/>
-  <p:tag name="COLORSETGROUPCLASSNAME" val="ColorSetGroup4"/>
-  <p:tag name="FONTSETGROUPCLASSNAME" val="FontSetGroup1"/>
-  <p:tag name="SHAPECLASSNAME" val="FooterLine2OnSlides"/>
-  <p:tag name="SHAPECLASSPROTECTIONTYPE" val="63"/>
-</p:tagLst>
-</file>
-
-<file path=ppt/tags/tag172.xml><?xml version="1.0" encoding="utf-8"?>
-<p:tagLst xmlns:a="http://schemas.openxmlformats.org/drawingml/2006/main" xmlns:r="http://schemas.openxmlformats.org/officeDocument/2006/relationships" xmlns:p="http://schemas.openxmlformats.org/presentationml/2006/main">
-  <p:tag name="FONT" val="Reg12"/>
-  <p:tag name="FONTSETCLASSNAME" val="FontSet1"/>
-  <p:tag name="COLORS" val="-2;-2;-2;-2;DarkGray2;-2"/>
-  <p:tag name="COLORSETCLASSNAME" val="ColorSet1"/>
-  <p:tag name="SCRIPT" val="1"/>
-  <p:tag name="MLI" val="1"/>
-  <p:tag name="SHAPESETGROUPCLASSNAME" val="ShapeSetGroup1"/>
-  <p:tag name="SHAPESETCLASSNAME" val="TitleOnly"/>
-  <p:tag name="COLORSETGROUPCLASSNAME" val="ColorSetGroup4"/>
-  <p:tag name="FONTSETGROUPCLASSNAME" val="FontSetGroup1"/>
-  <p:tag name="SHAPECLASSNAME" val="PageNumberOnSlides"/>
-  <p:tag name="SHAPECLASSPROTECTIONTYPE" val="63"/>
-</p:tagLst>
-</file>
-
-<file path=ppt/tags/tag173.xml><?xml version="1.0" encoding="utf-8"?>
-<p:tagLst xmlns:a="http://schemas.openxmlformats.org/drawingml/2006/main" xmlns:r="http://schemas.openxmlformats.org/officeDocument/2006/relationships" xmlns:p="http://schemas.openxmlformats.org/presentationml/2006/main">
-  <p:tag name="FONT" val="Reg5x5"/>
-  <p:tag name="FONTSETCLASSNAME" val="FontSet1"/>
-  <p:tag name="COLORS" val="-2;-2;-2;-2;-2;-2"/>
-  <p:tag name="COLORSETCLASSNAME" val="ColorSet1"/>
-  <p:tag name="SCRIPT" val="1"/>
-  <p:tag name="FIELDS" val="REM_ANL;"/>
-  <p:tag name="MLI" val="1"/>
-  <p:tag name="SHAPESETGROUPCLASSNAME" val="ShapeSetGroup1"/>
-  <p:tag name="SHAPESETCLASSNAME" val="TitleOnly"/>
-  <p:tag name="COLORSETGROUPCLASSNAME" val="ColorSetGroup4"/>
-  <p:tag name="FONTSETGROUPCLASSNAME" val="FontSetGroup1"/>
-  <p:tag name="SHAPECLASSNAME" val="Attachment"/>
-  <p:tag name="SHAPECLASSPROTECTIONTYPE" val="3"/>
-</p:tagLst>
-</file>
-
-<file path=ppt/tags/tag174.xml><?xml version="1.0" encoding="utf-8"?>
-<p:tagLst xmlns:a="http://schemas.openxmlformats.org/drawingml/2006/main" xmlns:r="http://schemas.openxmlformats.org/officeDocument/2006/relationships" xmlns:p="http://schemas.openxmlformats.org/presentationml/2006/main">
-  <p:tag name="FONT" val="NavbarItem"/>
-  <p:tag name="FONTSETCLASSNAME" val="FontSet1"/>
-  <p:tag name="COLORS" val="-2;-2;-2;-2;-2;-2"/>
-  <p:tag name="COLORSETCLASSNAME" val="ColorSet1"/>
-  <p:tag name="MLI" val="1"/>
-  <p:tag name="SHAPESETGROUPCLASSNAME" val="ShapeSetGroup1"/>
-  <p:tag name="SHAPESETCLASSNAME" val="TitleOnly"/>
-  <p:tag name="COLORSETGROUPCLASSNAME" val="ColorSetGroup4"/>
-  <p:tag name="FONTSETGROUPCLASSNAME" val="FontSetGroup1"/>
-  <p:tag name="SHAPECLASSNAME" val="tNavbar"/>
-  <p:tag name="SHAPECLASSPROTECTIONTYPE" val="31"/>
-</p:tagLst>
-</file>
-
-<file path=ppt/tags/tag175.xml><?xml version="1.0" encoding="utf-8"?>
-<p:tagLst xmlns:a="http://schemas.openxmlformats.org/drawingml/2006/main" xmlns:r="http://schemas.openxmlformats.org/officeDocument/2006/relationships" xmlns:p="http://schemas.openxmlformats.org/presentationml/2006/main">
-  <p:tag name="FONT" val="Reg28"/>
-  <p:tag name="FONTSETCLASSNAME" val="FontSet1"/>
-  <p:tag name="FONTCOLOR" val="Primary"/>
-  <p:tag name="FONTCOLOR2" val="Primary"/>
-  <p:tag name="RUNS.FONT" val="2"/>
-  <p:tag name="COLORSETCLASSNAME" val="ColorSet2"/>
-  <p:tag name="MLI" val="1"/>
-  <p:tag name="SHAPESETGROUPCLASSNAME" val="ShapeSetGroup1"/>
-  <p:tag name="SHAPESETCLASSNAME" val="TitleOnly"/>
-  <p:tag name="COLORSETGROUPCLASSNAME" val="ColorSetGroup4"/>
-  <p:tag name="FONTSETGROUPCLASSNAME" val="FontSetGroup1"/>
-  <p:tag name="SHAPECLASSNAME" val="TitleOnSlides"/>
-  <p:tag name="SHAPECLASSPROTECTIONTYPE" val="9"/>
-  <p:tag name="COLORS" val="-2;-2;-2;-2;LightGreen;-2"/>
-</p:tagLst>
-</file>
-
-<file path=ppt/tags/tag176.xml><?xml version="1.0" encoding="utf-8"?>
+<file path=ppt/tags/tag191.xml><?xml version="1.0" encoding="utf-8"?>
 <p:tagLst xmlns:a="http://schemas.openxmlformats.org/drawingml/2006/main" xmlns:r="http://schemas.openxmlformats.org/officeDocument/2006/relationships" xmlns:p="http://schemas.openxmlformats.org/presentationml/2006/main">
   <p:tag name="FIELD.CHAPTER.CONTENT" val="Titel des Kapitels"/>
   <p:tag name="FIELD.CHAPTER.VALUE" val="Titel des Kapitels"/>
@@ -28269,7 +30393,7 @@
 </p:tagLst>
 </file>
 
-<file path=ppt/tags/tag177.xml><?xml version="1.0" encoding="utf-8"?>
+<file path=ppt/tags/tag192.xml><?xml version="1.0" encoding="utf-8"?>
 <p:tagLst xmlns:a="http://schemas.openxmlformats.org/drawingml/2006/main" xmlns:r="http://schemas.openxmlformats.org/officeDocument/2006/relationships" xmlns:p="http://schemas.openxmlformats.org/presentationml/2006/main">
   <p:tag name="FONT" val="Bold6"/>
   <p:tag name="FONT2" val="Reg6"/>
@@ -28294,7 +30418,7 @@
 </p:tagLst>
 </file>
 
-<file path=ppt/tags/tag178.xml><?xml version="1.0" encoding="utf-8"?>
+<file path=ppt/tags/tag193.xml><?xml version="1.0" encoding="utf-8"?>
 <p:tagLst xmlns:a="http://schemas.openxmlformats.org/drawingml/2006/main" xmlns:r="http://schemas.openxmlformats.org/officeDocument/2006/relationships" xmlns:p="http://schemas.openxmlformats.org/presentationml/2006/main">
   <p:tag name="FONT" val="Reg6"/>
   <p:tag name="FONTSETCLASSNAME" val="FontSet1"/>
@@ -28316,7 +30440,7 @@
 </p:tagLst>
 </file>
 
-<file path=ppt/tags/tag179.xml><?xml version="1.0" encoding="utf-8"?>
+<file path=ppt/tags/tag194.xml><?xml version="1.0" encoding="utf-8"?>
 <p:tagLst xmlns:a="http://schemas.openxmlformats.org/drawingml/2006/main" xmlns:r="http://schemas.openxmlformats.org/officeDocument/2006/relationships" xmlns:p="http://schemas.openxmlformats.org/presentationml/2006/main">
   <p:tag name="FONT" val="Reg12"/>
   <p:tag name="FONTSETCLASSNAME" val="FontSet1"/>
@@ -28333,23 +30457,7 @@
 </p:tagLst>
 </file>
 
-<file path=ppt/tags/tag18.xml><?xml version="1.0" encoding="utf-8"?>
-<p:tagLst xmlns:a="http://schemas.openxmlformats.org/drawingml/2006/main" xmlns:r="http://schemas.openxmlformats.org/officeDocument/2006/relationships" xmlns:p="http://schemas.openxmlformats.org/presentationml/2006/main">
-  <p:tag name="FONT" val="NavbarItem"/>
-  <p:tag name="FONTSETCLASSNAME" val="FontSet1"/>
-  <p:tag name="COLORS" val="-2;-2;-2;-2;-2;-2"/>
-  <p:tag name="COLORSETCLASSNAME" val="ColorSet1"/>
-  <p:tag name="MLI" val="1"/>
-  <p:tag name="SHAPESETGROUPCLASSNAME" val="ShapeSetGroup1"/>
-  <p:tag name="SHAPESETCLASSNAME" val="StaticAgenda"/>
-  <p:tag name="COLORSETGROUPCLASSNAME" val="ColorSetGroup1"/>
-  <p:tag name="FONTSETGROUPCLASSNAME" val="FontSetGroup1"/>
-  <p:tag name="SHAPECLASSNAME" val="tNavbar"/>
-  <p:tag name="SHAPECLASSPROTECTIONTYPE" val="31"/>
-</p:tagLst>
-</file>
-
-<file path=ppt/tags/tag180.xml><?xml version="1.0" encoding="utf-8"?>
+<file path=ppt/tags/tag195.xml><?xml version="1.0" encoding="utf-8"?>
 <p:tagLst xmlns:a="http://schemas.openxmlformats.org/drawingml/2006/main" xmlns:r="http://schemas.openxmlformats.org/officeDocument/2006/relationships" xmlns:p="http://schemas.openxmlformats.org/presentationml/2006/main">
   <p:tag name="FONT" val="Reg5x5"/>
   <p:tag name="FONTSETCLASSNAME" val="FontSet1"/>
@@ -28367,7 +30475,7 @@
 </p:tagLst>
 </file>
 
-<file path=ppt/tags/tag181.xml><?xml version="1.0" encoding="utf-8"?>
+<file path=ppt/tags/tag196.xml><?xml version="1.0" encoding="utf-8"?>
 <p:tagLst xmlns:a="http://schemas.openxmlformats.org/drawingml/2006/main" xmlns:r="http://schemas.openxmlformats.org/officeDocument/2006/relationships" xmlns:p="http://schemas.openxmlformats.org/presentationml/2006/main">
   <p:tag name="FONT" val="NavbarItem"/>
   <p:tag name="FONTSETCLASSNAME" val="FontSet1"/>
@@ -28383,7 +30491,7 @@
 </p:tagLst>
 </file>
 
-<file path=ppt/tags/tag182.xml><?xml version="1.0" encoding="utf-8"?>
+<file path=ppt/tags/tag197.xml><?xml version="1.0" encoding="utf-8"?>
 <p:tagLst xmlns:a="http://schemas.openxmlformats.org/drawingml/2006/main" xmlns:r="http://schemas.openxmlformats.org/officeDocument/2006/relationships" xmlns:p="http://schemas.openxmlformats.org/presentationml/2006/main">
   <p:tag name="FONT" val="Reg28"/>
   <p:tag name="FONTSETCLASSNAME" val="FontSet1"/>
@@ -28399,7 +30507,7 @@
 </p:tagLst>
 </file>
 
-<file path=ppt/tags/tag183.xml><?xml version="1.0" encoding="utf-8"?>
+<file path=ppt/tags/tag198.xml><?xml version="1.0" encoding="utf-8"?>
 <p:tagLst xmlns:a="http://schemas.openxmlformats.org/drawingml/2006/main" xmlns:r="http://schemas.openxmlformats.org/officeDocument/2006/relationships" xmlns:p="http://schemas.openxmlformats.org/presentationml/2006/main">
   <p:tag name="FONTSETCLASSNAME" val="FontSet1"/>
   <p:tag name="COLORSETCLASSNAME" val="ColorSet1"/>
@@ -28415,7 +30523,7 @@
 </p:tagLst>
 </file>
 
-<file path=ppt/tags/tag184.xml><?xml version="1.0" encoding="utf-8"?>
+<file path=ppt/tags/tag199.xml><?xml version="1.0" encoding="utf-8"?>
 <p:tagLst xmlns:a="http://schemas.openxmlformats.org/drawingml/2006/main" xmlns:r="http://schemas.openxmlformats.org/officeDocument/2006/relationships" xmlns:p="http://schemas.openxmlformats.org/presentationml/2006/main">
   <p:tag name="FIELD.CHAPTER.CONTENT" val="Titel des Kapitels"/>
   <p:tag name="FIELD.CHAPTER.VALUE" val="Titel des Kapitels"/>
@@ -28451,7 +30559,38 @@
 </p:tagLst>
 </file>
 
-<file path=ppt/tags/tag185.xml><?xml version="1.0" encoding="utf-8"?>
+<file path=ppt/tags/tag2.xml><?xml version="1.0" encoding="utf-8"?>
+<p:tagLst xmlns:a="http://schemas.openxmlformats.org/drawingml/2006/main" xmlns:r="http://schemas.openxmlformats.org/officeDocument/2006/relationships" xmlns:p="http://schemas.openxmlformats.org/presentationml/2006/main">
+  <p:tag name="COLORS" val="-2;-2;-2;-2;-2;-2"/>
+  <p:tag name="COLORSETCLASSNAME" val="ColorSet1"/>
+  <p:tag name="SHAPESETGROUPCLASSNAME" val="ShapeSetGroup1"/>
+  <p:tag name="SHAPESETCLASSNAME" val="Slide"/>
+  <p:tag name="COLORSETGROUPCLASSNAME" val="ColorSetGroup1"/>
+  <p:tag name="FONTSETGROUPCLASSNAME" val="FontSetGroup1"/>
+  <p:tag name="SHAPECLASSFILE" val="BoschLogo2016.emf"/>
+  <p:tag name="MLI" val="1"/>
+  <p:tag name="SHAPECLASSNAME" val="LogoOnSlides"/>
+  <p:tag name="SHAPECLASSPROTECTIONTYPE" val="15"/>
+</p:tagLst>
+</file>
+
+<file path=ppt/tags/tag20.xml><?xml version="1.0" encoding="utf-8"?>
+<p:tagLst xmlns:a="http://schemas.openxmlformats.org/drawingml/2006/main" xmlns:r="http://schemas.openxmlformats.org/officeDocument/2006/relationships" xmlns:p="http://schemas.openxmlformats.org/presentationml/2006/main">
+  <p:tag name="FONTSETCLASSNAME" val="FontSet1"/>
+  <p:tag name="COLORSETCLASSNAME" val="ColorSet1"/>
+  <p:tag name="STYLENAME" val="Bodystyle"/>
+  <p:tag name="MLI" val="1"/>
+  <p:tag name="SHAPESETGROUPCLASSNAME" val="ShapeSetGroup1"/>
+  <p:tag name="SHAPESETCLASSNAME" val="StaticAgenda"/>
+  <p:tag name="COLORSETGROUPCLASSNAME" val="ColorSetGroup1"/>
+  <p:tag name="FONTSETGROUPCLASSNAME" val="FontSetGroup1"/>
+  <p:tag name="SHAPECLASSNAME" val="BodyOnAgenda"/>
+  <p:tag name="SHAPECLASSPROTECTIONTYPE" val="0"/>
+  <p:tag name="COLORS" val="-2;-2;-2;-2;-3;-2"/>
+</p:tagLst>
+</file>
+
+<file path=ppt/tags/tag200.xml><?xml version="1.0" encoding="utf-8"?>
 <p:tagLst xmlns:a="http://schemas.openxmlformats.org/drawingml/2006/main" xmlns:r="http://schemas.openxmlformats.org/officeDocument/2006/relationships" xmlns:p="http://schemas.openxmlformats.org/presentationml/2006/main">
   <p:tag name="COLORS" val="-2;-2;-2;-2;-2;-2"/>
   <p:tag name="COLORSETCLASSNAME" val="ColorSet1"/>
@@ -28466,7 +30605,7 @@
 </p:tagLst>
 </file>
 
-<file path=ppt/tags/tag186.xml><?xml version="1.0" encoding="utf-8"?>
+<file path=ppt/tags/tag201.xml><?xml version="1.0" encoding="utf-8"?>
 <p:tagLst xmlns:a="http://schemas.openxmlformats.org/drawingml/2006/main" xmlns:r="http://schemas.openxmlformats.org/officeDocument/2006/relationships" xmlns:p="http://schemas.openxmlformats.org/presentationml/2006/main">
   <p:tag name="COLORS" val="-2;-2;-2;-2;-2;-2"/>
   <p:tag name="COLORSETCLASSNAME" val="ColorSet1"/>
@@ -28481,7 +30620,7 @@
 </p:tagLst>
 </file>
 
-<file path=ppt/tags/tag187.xml><?xml version="1.0" encoding="utf-8"?>
+<file path=ppt/tags/tag202.xml><?xml version="1.0" encoding="utf-8"?>
 <p:tagLst xmlns:a="http://schemas.openxmlformats.org/drawingml/2006/main" xmlns:r="http://schemas.openxmlformats.org/officeDocument/2006/relationships" xmlns:p="http://schemas.openxmlformats.org/presentationml/2006/main">
   <p:tag name="FONT" val="Reg28"/>
   <p:tag name="FONTSETCLASSNAME" val="FontSet1"/>
@@ -28499,7 +30638,7 @@
 </p:tagLst>
 </file>
 
-<file path=ppt/tags/tag188.xml><?xml version="1.0" encoding="utf-8"?>
+<file path=ppt/tags/tag203.xml><?xml version="1.0" encoding="utf-8"?>
 <p:tagLst xmlns:a="http://schemas.openxmlformats.org/drawingml/2006/main" xmlns:r="http://schemas.openxmlformats.org/officeDocument/2006/relationships" xmlns:p="http://schemas.openxmlformats.org/presentationml/2006/main">
   <p:tag name="FONT" val="Bold6"/>
   <p:tag name="FONT2" val="Reg6"/>
@@ -28524,7 +30663,7 @@
 </p:tagLst>
 </file>
 
-<file path=ppt/tags/tag189.xml><?xml version="1.0" encoding="utf-8"?>
+<file path=ppt/tags/tag204.xml><?xml version="1.0" encoding="utf-8"?>
 <p:tagLst xmlns:a="http://schemas.openxmlformats.org/drawingml/2006/main" xmlns:r="http://schemas.openxmlformats.org/officeDocument/2006/relationships" xmlns:p="http://schemas.openxmlformats.org/presentationml/2006/main">
   <p:tag name="FONT" val="Reg6"/>
   <p:tag name="FONTSETCLASSNAME" val="FontSet1"/>
@@ -28546,23 +30685,7 @@
 </p:tagLst>
 </file>
 
-<file path=ppt/tags/tag19.xml><?xml version="1.0" encoding="utf-8"?>
-<p:tagLst xmlns:a="http://schemas.openxmlformats.org/drawingml/2006/main" xmlns:r="http://schemas.openxmlformats.org/officeDocument/2006/relationships" xmlns:p="http://schemas.openxmlformats.org/presentationml/2006/main">
-  <p:tag name="FONT" val="Reg28"/>
-  <p:tag name="FONTSETCLASSNAME" val="FontSet1"/>
-  <p:tag name="COLORSETCLASSNAME" val="ColorSet1"/>
-  <p:tag name="MLI" val="1"/>
-  <p:tag name="SHAPESETGROUPCLASSNAME" val="ShapeSetGroup1"/>
-  <p:tag name="SHAPESETCLASSNAME" val="StaticAgenda"/>
-  <p:tag name="COLORSETGROUPCLASSNAME" val="ColorSetGroup1"/>
-  <p:tag name="FONTSETGROUPCLASSNAME" val="FontSetGroup1"/>
-  <p:tag name="SHAPECLASSNAME" val="TitleOnAgenda"/>
-  <p:tag name="SHAPECLASSPROTECTIONTYPE" val="9"/>
-  <p:tag name="COLORS" val="-2;-2;-2;-2;-1;-2"/>
-</p:tagLst>
-</file>
-
-<file path=ppt/tags/tag190.xml><?xml version="1.0" encoding="utf-8"?>
+<file path=ppt/tags/tag205.xml><?xml version="1.0" encoding="utf-8"?>
 <p:tagLst xmlns:a="http://schemas.openxmlformats.org/drawingml/2006/main" xmlns:r="http://schemas.openxmlformats.org/officeDocument/2006/relationships" xmlns:p="http://schemas.openxmlformats.org/presentationml/2006/main">
   <p:tag name="FONT" val="Reg12"/>
   <p:tag name="FONTSETCLASSNAME" val="FontSet1"/>
@@ -28579,7 +30702,7 @@
 </p:tagLst>
 </file>
 
-<file path=ppt/tags/tag191.xml><?xml version="1.0" encoding="utf-8"?>
+<file path=ppt/tags/tag206.xml><?xml version="1.0" encoding="utf-8"?>
 <p:tagLst xmlns:a="http://schemas.openxmlformats.org/drawingml/2006/main" xmlns:r="http://schemas.openxmlformats.org/officeDocument/2006/relationships" xmlns:p="http://schemas.openxmlformats.org/presentationml/2006/main">
   <p:tag name="FONT" val="Reg5x5"/>
   <p:tag name="FONTSETCLASSNAME" val="FontSet1"/>
@@ -28597,7 +30720,7 @@
 </p:tagLst>
 </file>
 
-<file path=ppt/tags/tag192.xml><?xml version="1.0" encoding="utf-8"?>
+<file path=ppt/tags/tag207.xml><?xml version="1.0" encoding="utf-8"?>
 <p:tagLst xmlns:a="http://schemas.openxmlformats.org/drawingml/2006/main" xmlns:r="http://schemas.openxmlformats.org/officeDocument/2006/relationships" xmlns:p="http://schemas.openxmlformats.org/presentationml/2006/main">
   <p:tag name="FONT" val="NavbarItem"/>
   <p:tag name="FONTSETCLASSNAME" val="FontSet1"/>
@@ -28613,7 +30736,7 @@
 </p:tagLst>
 </file>
 
-<file path=ppt/tags/tag193.xml><?xml version="1.0" encoding="utf-8"?>
+<file path=ppt/tags/tag208.xml><?xml version="1.0" encoding="utf-8"?>
 <p:tagLst xmlns:a="http://schemas.openxmlformats.org/drawingml/2006/main" xmlns:r="http://schemas.openxmlformats.org/officeDocument/2006/relationships" xmlns:p="http://schemas.openxmlformats.org/presentationml/2006/main">
   <p:tag name="FONTSETCLASSNAME" val="FontSet1"/>
   <p:tag name="MLI" val="1"/>
@@ -28632,7 +30755,7 @@
 </p:tagLst>
 </file>
 
-<file path=ppt/tags/tag194.xml><?xml version="1.0" encoding="utf-8"?>
+<file path=ppt/tags/tag209.xml><?xml version="1.0" encoding="utf-8"?>
 <p:tagLst xmlns:a="http://schemas.openxmlformats.org/drawingml/2006/main" xmlns:r="http://schemas.openxmlformats.org/officeDocument/2006/relationships" xmlns:p="http://schemas.openxmlformats.org/presentationml/2006/main">
   <p:tag name="FONTSETCLASSNAME" val="FontSet1"/>
   <p:tag name="COLORSETCLASSNAME" val="ColorSet1"/>
@@ -28645,337 +30768,6 @@
   <p:tag name="SHAPECLASSNAME" val="ObjectFull"/>
   <p:tag name="SHAPECLASSPROTECTIONTYPE" val="0"/>
   <p:tag name="COLORS" val="Black;-1;-2;-2;-1;-2"/>
-</p:tagLst>
-</file>
-
-<file path=ppt/tags/tag195.xml><?xml version="1.0" encoding="utf-8"?>
-<p:tagLst xmlns:a="http://schemas.openxmlformats.org/drawingml/2006/main" xmlns:r="http://schemas.openxmlformats.org/officeDocument/2006/relationships" xmlns:p="http://schemas.openxmlformats.org/presentationml/2006/main">
-  <p:tag name="FIELD.CHAPTER.CONTENT" val="Titel des Kapitels"/>
-  <p:tag name="FIELD.CHAPTER.VALUE" val="Titel des Kapitels"/>
-  <p:tag name="FIELD.DPT.CONTENT" val="HOME/EPS"/>
-  <p:tag name="FIELD.DPT.VALUE" val="HOME/EPS | "/>
-  <p:tag name="FIELDS.INITIALIZED" val="1"/>
-  <p:tag name="ML_1" val="rb_lol"/>
-  <p:tag name="ML_2" val="Bosch2.mcr"/>
-  <p:tag name="ML_LAYOUT_RESOURCE" val="BOSCH2_16_9.mcr"/>
-  <p:tag name="SHAPESETGROUPCLASSNAME" val="ShapeSetGroup1"/>
-  <p:tag name="SHAPESETCLASSNAME" val="TitleOnly"/>
-  <p:tag name="COLORSETGROUPCLASSNAME" val="ColorSetGroup5"/>
-  <p:tag name="COLORSETCLASSNAME" val="ColorSet2"/>
-  <p:tag name="FONTSETGROUPCLASSNAME" val="FontSetGroup1"/>
-  <p:tag name="STYLESETGROUPCLASSNAME" val="StyleSetGroup1"/>
-  <p:tag name="MAPNAME" val="Map1"/>
-  <p:tag name="CFG.LAYOUT" val="BOSCH2"/>
-  <p:tag name="MLI" val="1"/>
-  <p:tag name="TEXTBOX 2_SHAPECLASSPROTECTIONTYPE" val="31"/>
-  <p:tag name="RECTANGLE 3_SHAPECLASSPROTECTIONTYPE" val="3"/>
-  <p:tag name="RECTANGLE 4_SHAPECLASSPROTECTIONTYPE" val="63"/>
-  <p:tag name="RECTANGLE 5_SHAPECLASSPROTECTIONTYPE" val="63"/>
-  <p:tag name="RECTANGLE 6_SHAPECLASSPROTECTIONTYPE" val="63"/>
-  <p:tag name="TEXTBOX 7_SHAPECLASSPROTECTIONTYPE" val="25"/>
-  <p:tag name="TITLE 1_SHAPECLASSPROTECTIONTYPE" val="9"/>
-  <p:tag name="PICTURE 8_SHAPECLASSPROTECTIONTYPE" val="15"/>
-  <p:tag name="PICTURE 9_SHAPECLASSPROTECTIONTYPE" val="15"/>
-</p:tagLst>
-</file>
-
-<file path=ppt/tags/tag196.xml><?xml version="1.0" encoding="utf-8"?>
-<p:tagLst xmlns:a="http://schemas.openxmlformats.org/drawingml/2006/main" xmlns:r="http://schemas.openxmlformats.org/officeDocument/2006/relationships" xmlns:p="http://schemas.openxmlformats.org/presentationml/2006/main">
-  <p:tag name="COLORS" val="-2;-2;-2;-2;-2;-2"/>
-  <p:tag name="COLORSETCLASSNAME" val="ColorSet1"/>
-  <p:tag name="SHAPESETGROUPCLASSNAME" val="ShapeSetGroup1"/>
-  <p:tag name="SHAPESETCLASSNAME" val="Slide"/>
-  <p:tag name="COLORSETGROUPCLASSNAME" val="ColorSetGroup5"/>
-  <p:tag name="FONTSETGROUPCLASSNAME" val="FontSetGroup1"/>
-  <p:tag name="SHAPECLASSFILE" val="BoschLogo2016.emf"/>
-  <p:tag name="MLI" val="1"/>
-  <p:tag name="SHAPECLASSNAME" val="LogoOnSlides"/>
-  <p:tag name="SHAPECLASSPROTECTIONTYPE" val="15"/>
-</p:tagLst>
-</file>
-
-<file path=ppt/tags/tag197.xml><?xml version="1.0" encoding="utf-8"?>
-<p:tagLst xmlns:a="http://schemas.openxmlformats.org/drawingml/2006/main" xmlns:r="http://schemas.openxmlformats.org/officeDocument/2006/relationships" xmlns:p="http://schemas.openxmlformats.org/presentationml/2006/main">
-  <p:tag name="COLORS" val="-2;-2;-2;-2;-2;-2"/>
-  <p:tag name="COLORSETCLASSNAME" val="ColorSet1"/>
-  <p:tag name="SHAPESETGROUPCLASSNAME" val="ShapeSetGroup1"/>
-  <p:tag name="SHAPESETCLASSNAME" val="Slide"/>
-  <p:tag name="COLORSETGROUPCLASSNAME" val="ColorSetGroup5"/>
-  <p:tag name="FONTSETGROUPCLASSNAME" val="FontSetGroup1"/>
-  <p:tag name="SHAPECLASSFILE" val="Bosch-Supergraphic-Bottom-16-9.png"/>
-  <p:tag name="MLI" val="1"/>
-  <p:tag name="SHAPECLASSNAME" val="ColorBarOnSlides"/>
-  <p:tag name="SHAPECLASSPROTECTIONTYPE" val="15"/>
-</p:tagLst>
-</file>
-
-<file path=ppt/tags/tag198.xml><?xml version="1.0" encoding="utf-8"?>
-<p:tagLst xmlns:a="http://schemas.openxmlformats.org/drawingml/2006/main" xmlns:r="http://schemas.openxmlformats.org/officeDocument/2006/relationships" xmlns:p="http://schemas.openxmlformats.org/presentationml/2006/main">
-  <p:tag name="FONT" val="Reg28"/>
-  <p:tag name="FONTSETCLASSNAME" val="FontSet1"/>
-  <p:tag name="COLORSETCLASSNAME" val="ColorSet1"/>
-  <p:tag name="SCRIPT" val="1"/>
-  <p:tag name="FIELDS" val="CHAPTER;"/>
-  <p:tag name="MLI" val="1"/>
-  <p:tag name="SHAPESETGROUPCLASSNAME" val="ShapeSetGroup1"/>
-  <p:tag name="SHAPESETCLASSNAME" val="TitleOnly"/>
-  <p:tag name="COLORSETGROUPCLASSNAME" val="ColorSetGroup5"/>
-  <p:tag name="FONTSETGROUPCLASSNAME" val="FontSetGroup1"/>
-  <p:tag name="SHAPECLASSNAME" val="Chapterbox"/>
-  <p:tag name="SHAPECLASSPROTECTIONTYPE" val="25"/>
-  <p:tag name="COLORS" val="-2;-2;-2;-2;-1;-2"/>
-</p:tagLst>
-</file>
-
-<file path=ppt/tags/tag199.xml><?xml version="1.0" encoding="utf-8"?>
-<p:tagLst xmlns:a="http://schemas.openxmlformats.org/drawingml/2006/main" xmlns:r="http://schemas.openxmlformats.org/officeDocument/2006/relationships" xmlns:p="http://schemas.openxmlformats.org/presentationml/2006/main">
-  <p:tag name="FONT" val="Bold6"/>
-  <p:tag name="FONT2" val="Reg6"/>
-  <p:tag name="FONT3" val="Reg6"/>
-  <p:tag name="FONTSETCLASSNAME" val="FontSet1"/>
-  <p:tag name="FONTCOLOR" val="Red"/>
-  <p:tag name="FONTCOLOR2" val="Black"/>
-  <p:tag name="FONTCOLOR3" val="Black"/>
-  <p:tag name="FONTCOLOR4" val="Black"/>
-  <p:tag name="RUNS.FONT" val="4"/>
-  <p:tag name="COLORS" val="-2;-2;-2;-2;Red;-2"/>
-  <p:tag name="COLORSETCLASSNAME" val="ColorSet1"/>
-  <p:tag name="SCRIPT" val="1"/>
-  <p:tag name="FIELDS" val="CONF;DPT;DATE;"/>
-  <p:tag name="MLI" val="1"/>
-  <p:tag name="SHAPESETGROUPCLASSNAME" val="ShapeSetGroup1"/>
-  <p:tag name="SHAPESETCLASSNAME" val="TitleOnly"/>
-  <p:tag name="COLORSETGROUPCLASSNAME" val="ColorSetGroup5"/>
-  <p:tag name="FONTSETGROUPCLASSNAME" val="FontSetGroup1"/>
-  <p:tag name="SHAPECLASSNAME" val="FooterLine1OnSlides"/>
-  <p:tag name="SHAPECLASSPROTECTIONTYPE" val="63"/>
-</p:tagLst>
-</file>
-
-<file path=ppt/tags/tag2.xml><?xml version="1.0" encoding="utf-8"?>
-<p:tagLst xmlns:a="http://schemas.openxmlformats.org/drawingml/2006/main" xmlns:r="http://schemas.openxmlformats.org/officeDocument/2006/relationships" xmlns:p="http://schemas.openxmlformats.org/presentationml/2006/main">
-  <p:tag name="COLORS" val="-2;-2;-2;-2;-2;-2"/>
-  <p:tag name="COLORSETCLASSNAME" val="ColorSet1"/>
-  <p:tag name="SHAPESETGROUPCLASSNAME" val="ShapeSetGroup1"/>
-  <p:tag name="SHAPESETCLASSNAME" val="Slide"/>
-  <p:tag name="COLORSETGROUPCLASSNAME" val="ColorSetGroup1"/>
-  <p:tag name="FONTSETGROUPCLASSNAME" val="FontSetGroup1"/>
-  <p:tag name="SHAPECLASSFILE" val="BoschLogo2016.emf"/>
-  <p:tag name="MLI" val="1"/>
-  <p:tag name="SHAPECLASSNAME" val="LogoOnSlides"/>
-  <p:tag name="SHAPECLASSPROTECTIONTYPE" val="15"/>
-</p:tagLst>
-</file>
-
-<file path=ppt/tags/tag20.xml><?xml version="1.0" encoding="utf-8"?>
-<p:tagLst xmlns:a="http://schemas.openxmlformats.org/drawingml/2006/main" xmlns:r="http://schemas.openxmlformats.org/officeDocument/2006/relationships" xmlns:p="http://schemas.openxmlformats.org/presentationml/2006/main">
-  <p:tag name="FONTSETCLASSNAME" val="FontSet1"/>
-  <p:tag name="COLORSETCLASSNAME" val="ColorSet1"/>
-  <p:tag name="STYLENAME" val="Bodystyle"/>
-  <p:tag name="MLI" val="1"/>
-  <p:tag name="SHAPESETGROUPCLASSNAME" val="ShapeSetGroup1"/>
-  <p:tag name="SHAPESETCLASSNAME" val="StaticAgenda"/>
-  <p:tag name="COLORSETGROUPCLASSNAME" val="ColorSetGroup1"/>
-  <p:tag name="FONTSETGROUPCLASSNAME" val="FontSetGroup1"/>
-  <p:tag name="SHAPECLASSNAME" val="BodyOnAgenda"/>
-  <p:tag name="SHAPECLASSPROTECTIONTYPE" val="0"/>
-  <p:tag name="COLORS" val="-2;-2;-2;-2;-3;-2"/>
-</p:tagLst>
-</file>
-
-<file path=ppt/tags/tag200.xml><?xml version="1.0" encoding="utf-8"?>
-<p:tagLst xmlns:a="http://schemas.openxmlformats.org/drawingml/2006/main" xmlns:r="http://schemas.openxmlformats.org/officeDocument/2006/relationships" xmlns:p="http://schemas.openxmlformats.org/presentationml/2006/main">
-  <p:tag name="FONT" val="Reg6"/>
-  <p:tag name="FONTSETCLASSNAME" val="FontSet1"/>
-  <p:tag name="FONTCOLOR" val="Black"/>
-  <p:tag name="FONTCOLOR2" val="LightGray"/>
-  <p:tag name="FONTCOLOR3" val="LightGray"/>
-  <p:tag name="RUNS.FONT" val="3"/>
-  <p:tag name="COLORS" val="-2;-2;-2;-2;Black;-2"/>
-  <p:tag name="COLORSETCLASSNAME" val="ColorSet1"/>
-  <p:tag name="SCRIPT" val="1"/>
-  <p:tag name="FIELDS" val="REM_ABL;COPY;"/>
-  <p:tag name="MLI" val="1"/>
-  <p:tag name="SHAPESETGROUPCLASSNAME" val="ShapeSetGroup1"/>
-  <p:tag name="SHAPESETCLASSNAME" val="TitleOnly"/>
-  <p:tag name="COLORSETGROUPCLASSNAME" val="ColorSetGroup5"/>
-  <p:tag name="FONTSETGROUPCLASSNAME" val="FontSetGroup1"/>
-  <p:tag name="SHAPECLASSNAME" val="FooterLine2OnSlides"/>
-  <p:tag name="SHAPECLASSPROTECTIONTYPE" val="63"/>
-</p:tagLst>
-</file>
-
-<file path=ppt/tags/tag201.xml><?xml version="1.0" encoding="utf-8"?>
-<p:tagLst xmlns:a="http://schemas.openxmlformats.org/drawingml/2006/main" xmlns:r="http://schemas.openxmlformats.org/officeDocument/2006/relationships" xmlns:p="http://schemas.openxmlformats.org/presentationml/2006/main">
-  <p:tag name="FONT" val="Reg12"/>
-  <p:tag name="FONTSETCLASSNAME" val="FontSet1"/>
-  <p:tag name="COLORS" val="-2;-2;-2;-2;DarkGray2;-2"/>
-  <p:tag name="COLORSETCLASSNAME" val="ColorSet1"/>
-  <p:tag name="SCRIPT" val="1"/>
-  <p:tag name="MLI" val="1"/>
-  <p:tag name="SHAPESETGROUPCLASSNAME" val="ShapeSetGroup1"/>
-  <p:tag name="SHAPESETCLASSNAME" val="TitleOnly"/>
-  <p:tag name="COLORSETGROUPCLASSNAME" val="ColorSetGroup5"/>
-  <p:tag name="FONTSETGROUPCLASSNAME" val="FontSetGroup1"/>
-  <p:tag name="SHAPECLASSNAME" val="PageNumberOnSlides"/>
-  <p:tag name="SHAPECLASSPROTECTIONTYPE" val="63"/>
-</p:tagLst>
-</file>
-
-<file path=ppt/tags/tag202.xml><?xml version="1.0" encoding="utf-8"?>
-<p:tagLst xmlns:a="http://schemas.openxmlformats.org/drawingml/2006/main" xmlns:r="http://schemas.openxmlformats.org/officeDocument/2006/relationships" xmlns:p="http://schemas.openxmlformats.org/presentationml/2006/main">
-  <p:tag name="FONT" val="Reg5x5"/>
-  <p:tag name="FONTSETCLASSNAME" val="FontSet1"/>
-  <p:tag name="COLORS" val="-2;-2;-2;-2;-2;-2"/>
-  <p:tag name="COLORSETCLASSNAME" val="ColorSet1"/>
-  <p:tag name="SCRIPT" val="1"/>
-  <p:tag name="FIELDS" val="REM_ANL;"/>
-  <p:tag name="MLI" val="1"/>
-  <p:tag name="SHAPESETGROUPCLASSNAME" val="ShapeSetGroup1"/>
-  <p:tag name="SHAPESETCLASSNAME" val="TitleOnly"/>
-  <p:tag name="COLORSETGROUPCLASSNAME" val="ColorSetGroup5"/>
-  <p:tag name="FONTSETGROUPCLASSNAME" val="FontSetGroup1"/>
-  <p:tag name="SHAPECLASSNAME" val="Attachment"/>
-  <p:tag name="SHAPECLASSPROTECTIONTYPE" val="3"/>
-</p:tagLst>
-</file>
-
-<file path=ppt/tags/tag203.xml><?xml version="1.0" encoding="utf-8"?>
-<p:tagLst xmlns:a="http://schemas.openxmlformats.org/drawingml/2006/main" xmlns:r="http://schemas.openxmlformats.org/officeDocument/2006/relationships" xmlns:p="http://schemas.openxmlformats.org/presentationml/2006/main">
-  <p:tag name="FONT" val="NavbarItem"/>
-  <p:tag name="FONTSETCLASSNAME" val="FontSet1"/>
-  <p:tag name="COLORS" val="-2;-2;-2;-2;-2;-2"/>
-  <p:tag name="COLORSETCLASSNAME" val="ColorSet1"/>
-  <p:tag name="MLI" val="1"/>
-  <p:tag name="SHAPESETGROUPCLASSNAME" val="ShapeSetGroup1"/>
-  <p:tag name="SHAPESETCLASSNAME" val="TitleOnly"/>
-  <p:tag name="COLORSETGROUPCLASSNAME" val="ColorSetGroup5"/>
-  <p:tag name="FONTSETGROUPCLASSNAME" val="FontSetGroup1"/>
-  <p:tag name="SHAPECLASSNAME" val="tNavbar"/>
-  <p:tag name="SHAPECLASSPROTECTIONTYPE" val="31"/>
-</p:tagLst>
-</file>
-
-<file path=ppt/tags/tag204.xml><?xml version="1.0" encoding="utf-8"?>
-<p:tagLst xmlns:a="http://schemas.openxmlformats.org/drawingml/2006/main" xmlns:r="http://schemas.openxmlformats.org/officeDocument/2006/relationships" xmlns:p="http://schemas.openxmlformats.org/presentationml/2006/main">
-  <p:tag name="FONT" val="Reg28"/>
-  <p:tag name="FONTSETCLASSNAME" val="FontSet1"/>
-  <p:tag name="FONTCOLOR" val="Primary"/>
-  <p:tag name="FONTCOLOR2" val="Primary"/>
-  <p:tag name="RUNS.FONT" val="2"/>
-  <p:tag name="COLORSETCLASSNAME" val="ColorSet2"/>
-  <p:tag name="MLI" val="1"/>
-  <p:tag name="SHAPESETGROUPCLASSNAME" val="ShapeSetGroup1"/>
-  <p:tag name="SHAPESETCLASSNAME" val="TitleOnly"/>
-  <p:tag name="COLORSETGROUPCLASSNAME" val="ColorSetGroup5"/>
-  <p:tag name="FONTSETGROUPCLASSNAME" val="FontSetGroup1"/>
-  <p:tag name="SHAPECLASSNAME" val="TitleOnSlides"/>
-  <p:tag name="SHAPECLASSPROTECTIONTYPE" val="9"/>
-  <p:tag name="COLORS" val="-2;-2;-2;-2;LightGreen;-2"/>
-</p:tagLst>
-</file>
-
-<file path=ppt/tags/tag205.xml><?xml version="1.0" encoding="utf-8"?>
-<p:tagLst xmlns:a="http://schemas.openxmlformats.org/drawingml/2006/main" xmlns:r="http://schemas.openxmlformats.org/officeDocument/2006/relationships" xmlns:p="http://schemas.openxmlformats.org/presentationml/2006/main">
-  <p:tag name="FIELD.CHAPTER.CONTENT" val="Titel des Kapitels"/>
-  <p:tag name="FIELD.CHAPTER.VALUE" val="Titel des Kapitels"/>
-  <p:tag name="FIELD.DPT.CONTENT" val="HOME/EPS"/>
-  <p:tag name="FIELD.DPT.VALUE" val="HOME/EPS | "/>
-  <p:tag name="FIELDS.INITIALIZED" val="1"/>
-  <p:tag name="ML_1" val="rb_lol"/>
-  <p:tag name="ML_2" val="Bosch2.mcr"/>
-  <p:tag name="ML_LAYOUT_RESOURCE" val="BOSCH2_16_9.mcr"/>
-  <p:tag name="SHAPESETGROUPCLASSNAME" val="ShapeSetGroup1"/>
-  <p:tag name="SHAPESETCLASSNAME" val="TitleOnly"/>
-  <p:tag name="COLORSETGROUPCLASSNAME" val="ColorSetGroup5"/>
-  <p:tag name="COLORSETCLASSNAME" val="ColorSet2"/>
-  <p:tag name="FONTSETGROUPCLASSNAME" val="FontSetGroup1"/>
-  <p:tag name="STYLESETGROUPCLASSNAME" val="StyleSetGroup1"/>
-  <p:tag name="MAPNAME" val="Map1"/>
-  <p:tag name="CFG.LAYOUT" val="BOSCH2"/>
-  <p:tag name="MLI" val="1"/>
-  <p:tag name="TEXTBOX 2_SHAPECLASSPROTECTIONTYPE" val="31"/>
-  <p:tag name="RECTANGLE 3_SHAPECLASSPROTECTIONTYPE" val="3"/>
-  <p:tag name="RECTANGLE 4_SHAPECLASSPROTECTIONTYPE" val="63"/>
-  <p:tag name="RECTANGLE 5_SHAPECLASSPROTECTIONTYPE" val="63"/>
-  <p:tag name="RECTANGLE 6_SHAPECLASSPROTECTIONTYPE" val="63"/>
-  <p:tag name="TEXTBOX 7_SHAPECLASSPROTECTIONTYPE" val="25"/>
-  <p:tag name="TITLE 1_SHAPECLASSPROTECTIONTYPE" val="9"/>
-  <p:tag name="PICTURE 8_SHAPECLASSPROTECTIONTYPE" val="15"/>
-  <p:tag name="PICTURE 9_SHAPECLASSPROTECTIONTYPE" val="15"/>
-</p:tagLst>
-</file>
-
-<file path=ppt/tags/tag206.xml><?xml version="1.0" encoding="utf-8"?>
-<p:tagLst xmlns:a="http://schemas.openxmlformats.org/drawingml/2006/main" xmlns:r="http://schemas.openxmlformats.org/officeDocument/2006/relationships" xmlns:p="http://schemas.openxmlformats.org/presentationml/2006/main">
-  <p:tag name="COLORS" val="-2;-2;-2;-2;-2;-2"/>
-  <p:tag name="COLORSETCLASSNAME" val="ColorSet1"/>
-  <p:tag name="SHAPESETGROUPCLASSNAME" val="ShapeSetGroup1"/>
-  <p:tag name="SHAPESETCLASSNAME" val="Slide"/>
-  <p:tag name="COLORSETGROUPCLASSNAME" val="ColorSetGroup5"/>
-  <p:tag name="FONTSETGROUPCLASSNAME" val="FontSetGroup1"/>
-  <p:tag name="SHAPECLASSFILE" val="BoschLogo2016.emf"/>
-  <p:tag name="MLI" val="1"/>
-  <p:tag name="SHAPECLASSNAME" val="LogoOnSlides"/>
-  <p:tag name="SHAPECLASSPROTECTIONTYPE" val="15"/>
-</p:tagLst>
-</file>
-
-<file path=ppt/tags/tag207.xml><?xml version="1.0" encoding="utf-8"?>
-<p:tagLst xmlns:a="http://schemas.openxmlformats.org/drawingml/2006/main" xmlns:r="http://schemas.openxmlformats.org/officeDocument/2006/relationships" xmlns:p="http://schemas.openxmlformats.org/presentationml/2006/main">
-  <p:tag name="COLORS" val="-2;-2;-2;-2;-2;-2"/>
-  <p:tag name="COLORSETCLASSNAME" val="ColorSet1"/>
-  <p:tag name="SHAPESETGROUPCLASSNAME" val="ShapeSetGroup1"/>
-  <p:tag name="SHAPESETCLASSNAME" val="Slide"/>
-  <p:tag name="COLORSETGROUPCLASSNAME" val="ColorSetGroup5"/>
-  <p:tag name="FONTSETGROUPCLASSNAME" val="FontSetGroup1"/>
-  <p:tag name="SHAPECLASSFILE" val="Bosch-Supergraphic-Bottom-16-9.png"/>
-  <p:tag name="MLI" val="1"/>
-  <p:tag name="SHAPECLASSNAME" val="ColorBarOnSlides"/>
-  <p:tag name="SHAPECLASSPROTECTIONTYPE" val="15"/>
-</p:tagLst>
-</file>
-
-<file path=ppt/tags/tag208.xml><?xml version="1.0" encoding="utf-8"?>
-<p:tagLst xmlns:a="http://schemas.openxmlformats.org/drawingml/2006/main" xmlns:r="http://schemas.openxmlformats.org/officeDocument/2006/relationships" xmlns:p="http://schemas.openxmlformats.org/presentationml/2006/main">
-  <p:tag name="FONT" val="Reg28"/>
-  <p:tag name="FONTSETCLASSNAME" val="FontSet1"/>
-  <p:tag name="COLORSETCLASSNAME" val="ColorSet1"/>
-  <p:tag name="SCRIPT" val="1"/>
-  <p:tag name="FIELDS" val="CHAPTER;"/>
-  <p:tag name="MLI" val="1"/>
-  <p:tag name="SHAPESETGROUPCLASSNAME" val="ShapeSetGroup1"/>
-  <p:tag name="SHAPESETCLASSNAME" val="TitleOnly"/>
-  <p:tag name="COLORSETGROUPCLASSNAME" val="ColorSetGroup5"/>
-  <p:tag name="FONTSETGROUPCLASSNAME" val="FontSetGroup1"/>
-  <p:tag name="SHAPECLASSNAME" val="Chapterbox"/>
-  <p:tag name="SHAPECLASSPROTECTIONTYPE" val="25"/>
-  <p:tag name="COLORS" val="-2;-2;-2;-2;-1;-2"/>
-</p:tagLst>
-</file>
-
-<file path=ppt/tags/tag209.xml><?xml version="1.0" encoding="utf-8"?>
-<p:tagLst xmlns:a="http://schemas.openxmlformats.org/drawingml/2006/main" xmlns:r="http://schemas.openxmlformats.org/officeDocument/2006/relationships" xmlns:p="http://schemas.openxmlformats.org/presentationml/2006/main">
-  <p:tag name="FONT" val="Bold6"/>
-  <p:tag name="FONT2" val="Reg6"/>
-  <p:tag name="FONT3" val="Reg6"/>
-  <p:tag name="FONTSETCLASSNAME" val="FontSet1"/>
-  <p:tag name="FONTCOLOR" val="Red"/>
-  <p:tag name="FONTCOLOR2" val="Black"/>
-  <p:tag name="FONTCOLOR3" val="Black"/>
-  <p:tag name="FONTCOLOR4" val="Black"/>
-  <p:tag name="RUNS.FONT" val="4"/>
-  <p:tag name="COLORS" val="-2;-2;-2;-2;Red;-2"/>
-  <p:tag name="COLORSETCLASSNAME" val="ColorSet1"/>
-  <p:tag name="SCRIPT" val="1"/>
-  <p:tag name="FIELDS" val="CONF;DPT;DATE;"/>
-  <p:tag name="MLI" val="1"/>
-  <p:tag name="SHAPESETGROUPCLASSNAME" val="ShapeSetGroup1"/>
-  <p:tag name="SHAPESETCLASSNAME" val="TitleOnly"/>
-  <p:tag name="COLORSETGROUPCLASSNAME" val="ColorSetGroup5"/>
-  <p:tag name="FONTSETGROUPCLASSNAME" val="FontSetGroup1"/>
-  <p:tag name="SHAPECLASSNAME" val="FooterLine1OnSlides"/>
-  <p:tag name="SHAPECLASSPROTECTIONTYPE" val="63"/>
 </p:tagLst>
 </file>
 
@@ -29017,6 +30809,110 @@
 
 <file path=ppt/tags/tag210.xml><?xml version="1.0" encoding="utf-8"?>
 <p:tagLst xmlns:a="http://schemas.openxmlformats.org/drawingml/2006/main" xmlns:r="http://schemas.openxmlformats.org/officeDocument/2006/relationships" xmlns:p="http://schemas.openxmlformats.org/presentationml/2006/main">
+  <p:tag name="FIELD.CHAPTER.CONTENT" val="Titel des Kapitels"/>
+  <p:tag name="FIELD.CHAPTER.VALUE" val="Titel des Kapitels"/>
+  <p:tag name="FIELD.DPT.CONTENT" val="HOME/EPS"/>
+  <p:tag name="FIELD.DPT.VALUE" val="HOME/EPS | "/>
+  <p:tag name="FIELDS.INITIALIZED" val="1"/>
+  <p:tag name="ML_1" val="rb_lol"/>
+  <p:tag name="ML_2" val="Bosch2.mcr"/>
+  <p:tag name="ML_LAYOUT_RESOURCE" val="BOSCH2_16_9.mcr"/>
+  <p:tag name="SHAPESETGROUPCLASSNAME" val="ShapeSetGroup1"/>
+  <p:tag name="SHAPESETCLASSNAME" val="TitleOnly"/>
+  <p:tag name="COLORSETGROUPCLASSNAME" val="ColorSetGroup5"/>
+  <p:tag name="COLORSETCLASSNAME" val="ColorSet2"/>
+  <p:tag name="FONTSETGROUPCLASSNAME" val="FontSetGroup1"/>
+  <p:tag name="STYLESETGROUPCLASSNAME" val="StyleSetGroup1"/>
+  <p:tag name="MAPNAME" val="Map1"/>
+  <p:tag name="CFG.LAYOUT" val="BOSCH2"/>
+  <p:tag name="MLI" val="1"/>
+  <p:tag name="TEXTBOX 2_SHAPECLASSPROTECTIONTYPE" val="31"/>
+  <p:tag name="RECTANGLE 3_SHAPECLASSPROTECTIONTYPE" val="3"/>
+  <p:tag name="RECTANGLE 4_SHAPECLASSPROTECTIONTYPE" val="63"/>
+  <p:tag name="RECTANGLE 5_SHAPECLASSPROTECTIONTYPE" val="63"/>
+  <p:tag name="RECTANGLE 6_SHAPECLASSPROTECTIONTYPE" val="63"/>
+  <p:tag name="TEXTBOX 7_SHAPECLASSPROTECTIONTYPE" val="25"/>
+  <p:tag name="TITLE 1_SHAPECLASSPROTECTIONTYPE" val="9"/>
+  <p:tag name="PICTURE 8_SHAPECLASSPROTECTIONTYPE" val="15"/>
+  <p:tag name="PICTURE 9_SHAPECLASSPROTECTIONTYPE" val="15"/>
+</p:tagLst>
+</file>
+
+<file path=ppt/tags/tag211.xml><?xml version="1.0" encoding="utf-8"?>
+<p:tagLst xmlns:a="http://schemas.openxmlformats.org/drawingml/2006/main" xmlns:r="http://schemas.openxmlformats.org/officeDocument/2006/relationships" xmlns:p="http://schemas.openxmlformats.org/presentationml/2006/main">
+  <p:tag name="COLORS" val="-2;-2;-2;-2;-2;-2"/>
+  <p:tag name="COLORSETCLASSNAME" val="ColorSet1"/>
+  <p:tag name="SHAPESETGROUPCLASSNAME" val="ShapeSetGroup1"/>
+  <p:tag name="SHAPESETCLASSNAME" val="Slide"/>
+  <p:tag name="COLORSETGROUPCLASSNAME" val="ColorSetGroup5"/>
+  <p:tag name="FONTSETGROUPCLASSNAME" val="FontSetGroup1"/>
+  <p:tag name="SHAPECLASSFILE" val="BoschLogo2016.emf"/>
+  <p:tag name="MLI" val="1"/>
+  <p:tag name="SHAPECLASSNAME" val="LogoOnSlides"/>
+  <p:tag name="SHAPECLASSPROTECTIONTYPE" val="15"/>
+</p:tagLst>
+</file>
+
+<file path=ppt/tags/tag212.xml><?xml version="1.0" encoding="utf-8"?>
+<p:tagLst xmlns:a="http://schemas.openxmlformats.org/drawingml/2006/main" xmlns:r="http://schemas.openxmlformats.org/officeDocument/2006/relationships" xmlns:p="http://schemas.openxmlformats.org/presentationml/2006/main">
+  <p:tag name="COLORS" val="-2;-2;-2;-2;-2;-2"/>
+  <p:tag name="COLORSETCLASSNAME" val="ColorSet1"/>
+  <p:tag name="SHAPESETGROUPCLASSNAME" val="ShapeSetGroup1"/>
+  <p:tag name="SHAPESETCLASSNAME" val="Slide"/>
+  <p:tag name="COLORSETGROUPCLASSNAME" val="ColorSetGroup5"/>
+  <p:tag name="FONTSETGROUPCLASSNAME" val="FontSetGroup1"/>
+  <p:tag name="SHAPECLASSFILE" val="Bosch-Supergraphic-Bottom-16-9.png"/>
+  <p:tag name="MLI" val="1"/>
+  <p:tag name="SHAPECLASSNAME" val="ColorBarOnSlides"/>
+  <p:tag name="SHAPECLASSPROTECTIONTYPE" val="15"/>
+</p:tagLst>
+</file>
+
+<file path=ppt/tags/tag213.xml><?xml version="1.0" encoding="utf-8"?>
+<p:tagLst xmlns:a="http://schemas.openxmlformats.org/drawingml/2006/main" xmlns:r="http://schemas.openxmlformats.org/officeDocument/2006/relationships" xmlns:p="http://schemas.openxmlformats.org/presentationml/2006/main">
+  <p:tag name="FONT" val="Reg28"/>
+  <p:tag name="FONTSETCLASSNAME" val="FontSet1"/>
+  <p:tag name="COLORSETCLASSNAME" val="ColorSet1"/>
+  <p:tag name="SCRIPT" val="1"/>
+  <p:tag name="FIELDS" val="CHAPTER;"/>
+  <p:tag name="MLI" val="1"/>
+  <p:tag name="SHAPESETGROUPCLASSNAME" val="ShapeSetGroup1"/>
+  <p:tag name="SHAPESETCLASSNAME" val="TitleOnly"/>
+  <p:tag name="COLORSETGROUPCLASSNAME" val="ColorSetGroup5"/>
+  <p:tag name="FONTSETGROUPCLASSNAME" val="FontSetGroup1"/>
+  <p:tag name="SHAPECLASSNAME" val="Chapterbox"/>
+  <p:tag name="SHAPECLASSPROTECTIONTYPE" val="25"/>
+  <p:tag name="COLORS" val="-2;-2;-2;-2;-1;-2"/>
+</p:tagLst>
+</file>
+
+<file path=ppt/tags/tag214.xml><?xml version="1.0" encoding="utf-8"?>
+<p:tagLst xmlns:a="http://schemas.openxmlformats.org/drawingml/2006/main" xmlns:r="http://schemas.openxmlformats.org/officeDocument/2006/relationships" xmlns:p="http://schemas.openxmlformats.org/presentationml/2006/main">
+  <p:tag name="FONT" val="Bold6"/>
+  <p:tag name="FONT2" val="Reg6"/>
+  <p:tag name="FONT3" val="Reg6"/>
+  <p:tag name="FONTSETCLASSNAME" val="FontSet1"/>
+  <p:tag name="FONTCOLOR" val="Red"/>
+  <p:tag name="FONTCOLOR2" val="Black"/>
+  <p:tag name="FONTCOLOR3" val="Black"/>
+  <p:tag name="FONTCOLOR4" val="Black"/>
+  <p:tag name="RUNS.FONT" val="4"/>
+  <p:tag name="COLORS" val="-2;-2;-2;-2;Red;-2"/>
+  <p:tag name="COLORSETCLASSNAME" val="ColorSet1"/>
+  <p:tag name="SCRIPT" val="1"/>
+  <p:tag name="FIELDS" val="CONF;DPT;DATE;"/>
+  <p:tag name="MLI" val="1"/>
+  <p:tag name="SHAPESETGROUPCLASSNAME" val="ShapeSetGroup1"/>
+  <p:tag name="SHAPESETCLASSNAME" val="TitleOnly"/>
+  <p:tag name="COLORSETGROUPCLASSNAME" val="ColorSetGroup5"/>
+  <p:tag name="FONTSETGROUPCLASSNAME" val="FontSetGroup1"/>
+  <p:tag name="SHAPECLASSNAME" val="FooterLine1OnSlides"/>
+  <p:tag name="SHAPECLASSPROTECTIONTYPE" val="63"/>
+</p:tagLst>
+</file>
+
+<file path=ppt/tags/tag215.xml><?xml version="1.0" encoding="utf-8"?>
+<p:tagLst xmlns:a="http://schemas.openxmlformats.org/drawingml/2006/main" xmlns:r="http://schemas.openxmlformats.org/officeDocument/2006/relationships" xmlns:p="http://schemas.openxmlformats.org/presentationml/2006/main">
   <p:tag name="FONT" val="Reg6"/>
   <p:tag name="FONTSETCLASSNAME" val="FontSet1"/>
   <p:tag name="FONTCOLOR" val="Black"/>
@@ -29037,7 +30933,7 @@
 </p:tagLst>
 </file>
 
-<file path=ppt/tags/tag211.xml><?xml version="1.0" encoding="utf-8"?>
+<file path=ppt/tags/tag216.xml><?xml version="1.0" encoding="utf-8"?>
 <p:tagLst xmlns:a="http://schemas.openxmlformats.org/drawingml/2006/main" xmlns:r="http://schemas.openxmlformats.org/officeDocument/2006/relationships" xmlns:p="http://schemas.openxmlformats.org/presentationml/2006/main">
   <p:tag name="FONT" val="Reg12"/>
   <p:tag name="FONTSETCLASSNAME" val="FontSet1"/>
@@ -29054,7 +30950,7 @@
 </p:tagLst>
 </file>
 
-<file path=ppt/tags/tag212.xml><?xml version="1.0" encoding="utf-8"?>
+<file path=ppt/tags/tag217.xml><?xml version="1.0" encoding="utf-8"?>
 <p:tagLst xmlns:a="http://schemas.openxmlformats.org/drawingml/2006/main" xmlns:r="http://schemas.openxmlformats.org/officeDocument/2006/relationships" xmlns:p="http://schemas.openxmlformats.org/presentationml/2006/main">
   <p:tag name="FONT" val="Reg5x5"/>
   <p:tag name="FONTSETCLASSNAME" val="FontSet1"/>
@@ -29072,7 +30968,7 @@
 </p:tagLst>
 </file>
 
-<file path=ppt/tags/tag213.xml><?xml version="1.0" encoding="utf-8"?>
+<file path=ppt/tags/tag218.xml><?xml version="1.0" encoding="utf-8"?>
 <p:tagLst xmlns:a="http://schemas.openxmlformats.org/drawingml/2006/main" xmlns:r="http://schemas.openxmlformats.org/officeDocument/2006/relationships" xmlns:p="http://schemas.openxmlformats.org/presentationml/2006/main">
   <p:tag name="FONT" val="NavbarItem"/>
   <p:tag name="FONTSETCLASSNAME" val="FontSet1"/>
@@ -29088,7 +30984,7 @@
 </p:tagLst>
 </file>
 
-<file path=ppt/tags/tag214.xml><?xml version="1.0" encoding="utf-8"?>
+<file path=ppt/tags/tag219.xml><?xml version="1.0" encoding="utf-8"?>
 <p:tagLst xmlns:a="http://schemas.openxmlformats.org/drawingml/2006/main" xmlns:r="http://schemas.openxmlformats.org/officeDocument/2006/relationships" xmlns:p="http://schemas.openxmlformats.org/presentationml/2006/main">
   <p:tag name="FONT" val="Reg28"/>
   <p:tag name="FONTSETCLASSNAME" val="FontSet1"/>
@@ -29107,7 +31003,22 @@
 </p:tagLst>
 </file>
 
-<file path=ppt/tags/tag215.xml><?xml version="1.0" encoding="utf-8"?>
+<file path=ppt/tags/tag22.xml><?xml version="1.0" encoding="utf-8"?>
+<p:tagLst xmlns:a="http://schemas.openxmlformats.org/drawingml/2006/main" xmlns:r="http://schemas.openxmlformats.org/officeDocument/2006/relationships" xmlns:p="http://schemas.openxmlformats.org/presentationml/2006/main">
+  <p:tag name="COLORS" val="-2;-2;-2;-2;-2;-2"/>
+  <p:tag name="COLORSETCLASSNAME" val="ColorSet1"/>
+  <p:tag name="SHAPESETGROUPCLASSNAME" val="ShapeSetGroup1"/>
+  <p:tag name="SHAPESETCLASSNAME" val="Slide"/>
+  <p:tag name="COLORSETGROUPCLASSNAME" val="ColorSetGroup3"/>
+  <p:tag name="FONTSETGROUPCLASSNAME" val="FontSetGroup1"/>
+  <p:tag name="SHAPECLASSFILE" val="BoschLogo2016.emf"/>
+  <p:tag name="MLI" val="1"/>
+  <p:tag name="SHAPECLASSNAME" val="LogoOnSlides"/>
+  <p:tag name="SHAPECLASSPROTECTIONTYPE" val="15"/>
+</p:tagLst>
+</file>
+
+<file path=ppt/tags/tag220.xml><?xml version="1.0" encoding="utf-8"?>
 <p:tagLst xmlns:a="http://schemas.openxmlformats.org/drawingml/2006/main" xmlns:r="http://schemas.openxmlformats.org/officeDocument/2006/relationships" xmlns:p="http://schemas.openxmlformats.org/presentationml/2006/main">
   <p:tag name="FIELD.CHAPTER.CONTENT" val="Titel des Kapitels"/>
   <p:tag name="FIELD.CHAPTER.VALUE" val="Titel des Kapitels"/>
@@ -29138,7 +31049,7 @@
 </p:tagLst>
 </file>
 
-<file path=ppt/tags/tag216.xml><?xml version="1.0" encoding="utf-8"?>
+<file path=ppt/tags/tag221.xml><?xml version="1.0" encoding="utf-8"?>
 <p:tagLst xmlns:a="http://schemas.openxmlformats.org/drawingml/2006/main" xmlns:r="http://schemas.openxmlformats.org/officeDocument/2006/relationships" xmlns:p="http://schemas.openxmlformats.org/presentationml/2006/main">
   <p:tag name="COLORS" val="-2;-2;-2;-2;-2;-2"/>
   <p:tag name="COLORSETCLASSNAME" val="ColorSet1"/>
@@ -29153,7 +31064,7 @@
 </p:tagLst>
 </file>
 
-<file path=ppt/tags/tag217.xml><?xml version="1.0" encoding="utf-8"?>
+<file path=ppt/tags/tag222.xml><?xml version="1.0" encoding="utf-8"?>
 <p:tagLst xmlns:a="http://schemas.openxmlformats.org/drawingml/2006/main" xmlns:r="http://schemas.openxmlformats.org/officeDocument/2006/relationships" xmlns:p="http://schemas.openxmlformats.org/presentationml/2006/main">
   <p:tag name="COLORS" val="-2;-2;-2;-2;-2;-2"/>
   <p:tag name="COLORSETCLASSNAME" val="ColorSet1"/>
@@ -29168,7 +31079,7 @@
 </p:tagLst>
 </file>
 
-<file path=ppt/tags/tag218.xml><?xml version="1.0" encoding="utf-8"?>
+<file path=ppt/tags/tag223.xml><?xml version="1.0" encoding="utf-8"?>
 <p:tagLst xmlns:a="http://schemas.openxmlformats.org/drawingml/2006/main" xmlns:r="http://schemas.openxmlformats.org/officeDocument/2006/relationships" xmlns:p="http://schemas.openxmlformats.org/presentationml/2006/main">
   <p:tag name="FONT" val="Reg28"/>
   <p:tag name="FONTSETCLASSNAME" val="FontSet1"/>
@@ -29186,7 +31097,7 @@
 </p:tagLst>
 </file>
 
-<file path=ppt/tags/tag219.xml><?xml version="1.0" encoding="utf-8"?>
+<file path=ppt/tags/tag224.xml><?xml version="1.0" encoding="utf-8"?>
 <p:tagLst xmlns:a="http://schemas.openxmlformats.org/drawingml/2006/main" xmlns:r="http://schemas.openxmlformats.org/officeDocument/2006/relationships" xmlns:p="http://schemas.openxmlformats.org/presentationml/2006/main">
   <p:tag name="FONT" val="Bold6"/>
   <p:tag name="FONT2" val="Reg6"/>
@@ -29211,22 +31122,7 @@
 </p:tagLst>
 </file>
 
-<file path=ppt/tags/tag22.xml><?xml version="1.0" encoding="utf-8"?>
-<p:tagLst xmlns:a="http://schemas.openxmlformats.org/drawingml/2006/main" xmlns:r="http://schemas.openxmlformats.org/officeDocument/2006/relationships" xmlns:p="http://schemas.openxmlformats.org/presentationml/2006/main">
-  <p:tag name="COLORS" val="-2;-2;-2;-2;-2;-2"/>
-  <p:tag name="COLORSETCLASSNAME" val="ColorSet1"/>
-  <p:tag name="SHAPESETGROUPCLASSNAME" val="ShapeSetGroup1"/>
-  <p:tag name="SHAPESETCLASSNAME" val="Slide"/>
-  <p:tag name="COLORSETGROUPCLASSNAME" val="ColorSetGroup3"/>
-  <p:tag name="FONTSETGROUPCLASSNAME" val="FontSetGroup1"/>
-  <p:tag name="SHAPECLASSFILE" val="BoschLogo2016.emf"/>
-  <p:tag name="MLI" val="1"/>
-  <p:tag name="SHAPECLASSNAME" val="LogoOnSlides"/>
-  <p:tag name="SHAPECLASSPROTECTIONTYPE" val="15"/>
-</p:tagLst>
-</file>
-
-<file path=ppt/tags/tag220.xml><?xml version="1.0" encoding="utf-8"?>
+<file path=ppt/tags/tag225.xml><?xml version="1.0" encoding="utf-8"?>
 <p:tagLst xmlns:a="http://schemas.openxmlformats.org/drawingml/2006/main" xmlns:r="http://schemas.openxmlformats.org/officeDocument/2006/relationships" xmlns:p="http://schemas.openxmlformats.org/presentationml/2006/main">
   <p:tag name="FONT" val="Reg6"/>
   <p:tag name="FONTSETCLASSNAME" val="FontSet1"/>
@@ -29248,7 +31144,7 @@
 </p:tagLst>
 </file>
 
-<file path=ppt/tags/tag221.xml><?xml version="1.0" encoding="utf-8"?>
+<file path=ppt/tags/tag226.xml><?xml version="1.0" encoding="utf-8"?>
 <p:tagLst xmlns:a="http://schemas.openxmlformats.org/drawingml/2006/main" xmlns:r="http://schemas.openxmlformats.org/officeDocument/2006/relationships" xmlns:p="http://schemas.openxmlformats.org/presentationml/2006/main">
   <p:tag name="FONT" val="Reg12"/>
   <p:tag name="FONTSETCLASSNAME" val="FontSet1"/>
@@ -29265,7 +31161,7 @@
 </p:tagLst>
 </file>
 
-<file path=ppt/tags/tag222.xml><?xml version="1.0" encoding="utf-8"?>
+<file path=ppt/tags/tag227.xml><?xml version="1.0" encoding="utf-8"?>
 <p:tagLst xmlns:a="http://schemas.openxmlformats.org/drawingml/2006/main" xmlns:r="http://schemas.openxmlformats.org/officeDocument/2006/relationships" xmlns:p="http://schemas.openxmlformats.org/presentationml/2006/main">
   <p:tag name="FONT" val="Reg5x5"/>
   <p:tag name="FONTSETCLASSNAME" val="FontSet1"/>
@@ -29283,7 +31179,7 @@
 </p:tagLst>
 </file>
 
-<file path=ppt/tags/tag223.xml><?xml version="1.0" encoding="utf-8"?>
+<file path=ppt/tags/tag228.xml><?xml version="1.0" encoding="utf-8"?>
 <p:tagLst xmlns:a="http://schemas.openxmlformats.org/drawingml/2006/main" xmlns:r="http://schemas.openxmlformats.org/officeDocument/2006/relationships" xmlns:p="http://schemas.openxmlformats.org/presentationml/2006/main">
   <p:tag name="FONT" val="NavbarItem"/>
   <p:tag name="FONTSETCLASSNAME" val="FontSet1"/>
@@ -29299,7 +31195,7 @@
 </p:tagLst>
 </file>
 
-<file path=ppt/tags/tag224.xml><?xml version="1.0" encoding="utf-8"?>
+<file path=ppt/tags/tag229.xml><?xml version="1.0" encoding="utf-8"?>
 <p:tagLst xmlns:a="http://schemas.openxmlformats.org/drawingml/2006/main" xmlns:r="http://schemas.openxmlformats.org/officeDocument/2006/relationships" xmlns:p="http://schemas.openxmlformats.org/presentationml/2006/main">
   <p:tag name="FONT" val="Reg28"/>
   <p:tag name="FONTSETCLASSNAME" val="FontSet1"/>
@@ -29318,7 +31214,22 @@
 </p:tagLst>
 </file>
 
-<file path=ppt/tags/tag225.xml><?xml version="1.0" encoding="utf-8"?>
+<file path=ppt/tags/tag23.xml><?xml version="1.0" encoding="utf-8"?>
+<p:tagLst xmlns:a="http://schemas.openxmlformats.org/drawingml/2006/main" xmlns:r="http://schemas.openxmlformats.org/officeDocument/2006/relationships" xmlns:p="http://schemas.openxmlformats.org/presentationml/2006/main">
+  <p:tag name="COLORS" val="-2;-2;-2;-2;-2;-2"/>
+  <p:tag name="COLORSETCLASSNAME" val="ColorSet1"/>
+  <p:tag name="SHAPESETGROUPCLASSNAME" val="ShapeSetGroup1"/>
+  <p:tag name="SHAPESETCLASSNAME" val="Slide"/>
+  <p:tag name="COLORSETGROUPCLASSNAME" val="ColorSetGroup3"/>
+  <p:tag name="FONTSETGROUPCLASSNAME" val="FontSetGroup1"/>
+  <p:tag name="SHAPECLASSFILE" val="Bosch-Supergraphic-Bottom-16-9.png"/>
+  <p:tag name="MLI" val="1"/>
+  <p:tag name="SHAPECLASSNAME" val="ColorBarOnSlides"/>
+  <p:tag name="SHAPECLASSPROTECTIONTYPE" val="15"/>
+</p:tagLst>
+</file>
+
+<file path=ppt/tags/tag230.xml><?xml version="1.0" encoding="utf-8"?>
 <p:tagLst xmlns:a="http://schemas.openxmlformats.org/drawingml/2006/main" xmlns:r="http://schemas.openxmlformats.org/officeDocument/2006/relationships" xmlns:p="http://schemas.openxmlformats.org/presentationml/2006/main">
   <p:tag name="FIELD.CHAPTER.CONTENT" val="Titel des Kapitels"/>
   <p:tag name="FIELD.CHAPTER.VALUE" val="Titel des Kapitels"/>
@@ -29349,7 +31260,7 @@
 </p:tagLst>
 </file>
 
-<file path=ppt/tags/tag226.xml><?xml version="1.0" encoding="utf-8"?>
+<file path=ppt/tags/tag231.xml><?xml version="1.0" encoding="utf-8"?>
 <p:tagLst xmlns:a="http://schemas.openxmlformats.org/drawingml/2006/main" xmlns:r="http://schemas.openxmlformats.org/officeDocument/2006/relationships" xmlns:p="http://schemas.openxmlformats.org/presentationml/2006/main">
   <p:tag name="COLORS" val="-2;-2;-2;-2;-2;-2"/>
   <p:tag name="COLORSETCLASSNAME" val="ColorSet1"/>
@@ -29364,7 +31275,7 @@
 </p:tagLst>
 </file>
 
-<file path=ppt/tags/tag227.xml><?xml version="1.0" encoding="utf-8"?>
+<file path=ppt/tags/tag232.xml><?xml version="1.0" encoding="utf-8"?>
 <p:tagLst xmlns:a="http://schemas.openxmlformats.org/drawingml/2006/main" xmlns:r="http://schemas.openxmlformats.org/officeDocument/2006/relationships" xmlns:p="http://schemas.openxmlformats.org/presentationml/2006/main">
   <p:tag name="COLORS" val="-2;-2;-2;-2;-2;-2"/>
   <p:tag name="COLORSETCLASSNAME" val="ColorSet1"/>
@@ -29379,7 +31290,7 @@
 </p:tagLst>
 </file>
 
-<file path=ppt/tags/tag228.xml><?xml version="1.0" encoding="utf-8"?>
+<file path=ppt/tags/tag233.xml><?xml version="1.0" encoding="utf-8"?>
 <p:tagLst xmlns:a="http://schemas.openxmlformats.org/drawingml/2006/main" xmlns:r="http://schemas.openxmlformats.org/officeDocument/2006/relationships" xmlns:p="http://schemas.openxmlformats.org/presentationml/2006/main">
   <p:tag name="FONT" val="Reg28"/>
   <p:tag name="FONTSETCLASSNAME" val="FontSet1"/>
@@ -29397,7 +31308,7 @@
 </p:tagLst>
 </file>
 
-<file path=ppt/tags/tag229.xml><?xml version="1.0" encoding="utf-8"?>
+<file path=ppt/tags/tag234.xml><?xml version="1.0" encoding="utf-8"?>
 <p:tagLst xmlns:a="http://schemas.openxmlformats.org/drawingml/2006/main" xmlns:r="http://schemas.openxmlformats.org/officeDocument/2006/relationships" xmlns:p="http://schemas.openxmlformats.org/presentationml/2006/main">
   <p:tag name="FONT" val="Bold6"/>
   <p:tag name="FONT2" val="Reg6"/>
@@ -29422,22 +31333,7 @@
 </p:tagLst>
 </file>
 
-<file path=ppt/tags/tag23.xml><?xml version="1.0" encoding="utf-8"?>
-<p:tagLst xmlns:a="http://schemas.openxmlformats.org/drawingml/2006/main" xmlns:r="http://schemas.openxmlformats.org/officeDocument/2006/relationships" xmlns:p="http://schemas.openxmlformats.org/presentationml/2006/main">
-  <p:tag name="COLORS" val="-2;-2;-2;-2;-2;-2"/>
-  <p:tag name="COLORSETCLASSNAME" val="ColorSet1"/>
-  <p:tag name="SHAPESETGROUPCLASSNAME" val="ShapeSetGroup1"/>
-  <p:tag name="SHAPESETCLASSNAME" val="Slide"/>
-  <p:tag name="COLORSETGROUPCLASSNAME" val="ColorSetGroup3"/>
-  <p:tag name="FONTSETGROUPCLASSNAME" val="FontSetGroup1"/>
-  <p:tag name="SHAPECLASSFILE" val="Bosch-Supergraphic-Bottom-16-9.png"/>
-  <p:tag name="MLI" val="1"/>
-  <p:tag name="SHAPECLASSNAME" val="ColorBarOnSlides"/>
-  <p:tag name="SHAPECLASSPROTECTIONTYPE" val="15"/>
-</p:tagLst>
-</file>
-
-<file path=ppt/tags/tag230.xml><?xml version="1.0" encoding="utf-8"?>
+<file path=ppt/tags/tag235.xml><?xml version="1.0" encoding="utf-8"?>
 <p:tagLst xmlns:a="http://schemas.openxmlformats.org/drawingml/2006/main" xmlns:r="http://schemas.openxmlformats.org/officeDocument/2006/relationships" xmlns:p="http://schemas.openxmlformats.org/presentationml/2006/main">
   <p:tag name="FONT" val="Reg6"/>
   <p:tag name="FONTSETCLASSNAME" val="FontSet1"/>
@@ -29459,7 +31355,7 @@
 </p:tagLst>
 </file>
 
-<file path=ppt/tags/tag231.xml><?xml version="1.0" encoding="utf-8"?>
+<file path=ppt/tags/tag236.xml><?xml version="1.0" encoding="utf-8"?>
 <p:tagLst xmlns:a="http://schemas.openxmlformats.org/drawingml/2006/main" xmlns:r="http://schemas.openxmlformats.org/officeDocument/2006/relationships" xmlns:p="http://schemas.openxmlformats.org/presentationml/2006/main">
   <p:tag name="FONT" val="Reg12"/>
   <p:tag name="FONTSETCLASSNAME" val="FontSet1"/>
@@ -29476,7 +31372,7 @@
 </p:tagLst>
 </file>
 
-<file path=ppt/tags/tag232.xml><?xml version="1.0" encoding="utf-8"?>
+<file path=ppt/tags/tag237.xml><?xml version="1.0" encoding="utf-8"?>
 <p:tagLst xmlns:a="http://schemas.openxmlformats.org/drawingml/2006/main" xmlns:r="http://schemas.openxmlformats.org/officeDocument/2006/relationships" xmlns:p="http://schemas.openxmlformats.org/presentationml/2006/main">
   <p:tag name="FONT" val="Reg5x5"/>
   <p:tag name="FONTSETCLASSNAME" val="FontSet1"/>
@@ -29494,7 +31390,7 @@
 </p:tagLst>
 </file>
 
-<file path=ppt/tags/tag233.xml><?xml version="1.0" encoding="utf-8"?>
+<file path=ppt/tags/tag238.xml><?xml version="1.0" encoding="utf-8"?>
 <p:tagLst xmlns:a="http://schemas.openxmlformats.org/drawingml/2006/main" xmlns:r="http://schemas.openxmlformats.org/officeDocument/2006/relationships" xmlns:p="http://schemas.openxmlformats.org/presentationml/2006/main">
   <p:tag name="FONT" val="NavbarItem"/>
   <p:tag name="FONTSETCLASSNAME" val="FontSet1"/>
@@ -29510,7 +31406,7 @@
 </p:tagLst>
 </file>
 
-<file path=ppt/tags/tag234.xml><?xml version="1.0" encoding="utf-8"?>
+<file path=ppt/tags/tag239.xml><?xml version="1.0" encoding="utf-8"?>
 <p:tagLst xmlns:a="http://schemas.openxmlformats.org/drawingml/2006/main" xmlns:r="http://schemas.openxmlformats.org/officeDocument/2006/relationships" xmlns:p="http://schemas.openxmlformats.org/presentationml/2006/main">
   <p:tag name="FONT" val="Reg28"/>
   <p:tag name="FONTSETCLASSNAME" val="FontSet1"/>
@@ -29529,7 +31425,246 @@
 </p:tagLst>
 </file>
 
-<file path=ppt/tags/tag235.xml><?xml version="1.0" encoding="utf-8"?>
+<file path=ppt/tags/tag24.xml><?xml version="1.0" encoding="utf-8"?>
+<p:tagLst xmlns:a="http://schemas.openxmlformats.org/drawingml/2006/main" xmlns:r="http://schemas.openxmlformats.org/officeDocument/2006/relationships" xmlns:p="http://schemas.openxmlformats.org/presentationml/2006/main">
+  <p:tag name="FONT" val="Reg28"/>
+  <p:tag name="FONTSETCLASSNAME" val="FontSet1"/>
+  <p:tag name="COLORSETCLASSNAME" val="ColorSet1"/>
+  <p:tag name="SCRIPT" val="1"/>
+  <p:tag name="FIELDS" val="CHAPTER;"/>
+  <p:tag name="MLI" val="1"/>
+  <p:tag name="SHAPESETGROUPCLASSNAME" val="ShapeSetGroup1"/>
+  <p:tag name="SHAPESETCLASSNAME" val="Object"/>
+  <p:tag name="COLORSETGROUPCLASSNAME" val="ColorSetGroup3"/>
+  <p:tag name="FONTSETGROUPCLASSNAME" val="FontSetGroup1"/>
+  <p:tag name="SHAPECLASSNAME" val="Chapterbox"/>
+  <p:tag name="SHAPECLASSPROTECTIONTYPE" val=" 25"/>
+  <p:tag name="COLORS" val="-2;-2;-2;-2;-1;-2"/>
+</p:tagLst>
+</file>
+
+<file path=ppt/tags/tag240.xml><?xml version="1.0" encoding="utf-8"?>
+<p:tagLst xmlns:a="http://schemas.openxmlformats.org/drawingml/2006/main" xmlns:r="http://schemas.openxmlformats.org/officeDocument/2006/relationships" xmlns:p="http://schemas.openxmlformats.org/presentationml/2006/main">
+  <p:tag name="FIELD.CHAPTER.CONTENT" val="Titel des Kapitels"/>
+  <p:tag name="FIELD.CHAPTER.VALUE" val="Titel des Kapitels"/>
+  <p:tag name="FIELD.DPT.CONTENT" val="HOME/EPS"/>
+  <p:tag name="FIELD.DPT.VALUE" val="HOME/EPS | "/>
+  <p:tag name="FIELDS.INITIALIZED" val="1"/>
+  <p:tag name="ML_1" val="rb_lol"/>
+  <p:tag name="ML_2" val="Bosch2.mcr"/>
+  <p:tag name="ML_LAYOUT_RESOURCE" val="BOSCH2_16_9.mcr"/>
+  <p:tag name="SHAPESETGROUPCLASSNAME" val="ShapeSetGroup1"/>
+  <p:tag name="SHAPESETCLASSNAME" val="TitleOnly"/>
+  <p:tag name="COLORSETGROUPCLASSNAME" val="ColorSetGroup5"/>
+  <p:tag name="COLORSETCLASSNAME" val="ColorSet2"/>
+  <p:tag name="FONTSETGROUPCLASSNAME" val="FontSetGroup1"/>
+  <p:tag name="STYLESETGROUPCLASSNAME" val="StyleSetGroup1"/>
+  <p:tag name="MAPNAME" val="Map1"/>
+  <p:tag name="CFG.LAYOUT" val="BOSCH2"/>
+  <p:tag name="MLI" val="1"/>
+  <p:tag name="TEXTBOX 2_SHAPECLASSPROTECTIONTYPE" val="31"/>
+  <p:tag name="RECTANGLE 3_SHAPECLASSPROTECTIONTYPE" val="3"/>
+  <p:tag name="RECTANGLE 4_SHAPECLASSPROTECTIONTYPE" val="63"/>
+  <p:tag name="RECTANGLE 5_SHAPECLASSPROTECTIONTYPE" val="63"/>
+  <p:tag name="RECTANGLE 6_SHAPECLASSPROTECTIONTYPE" val="63"/>
+  <p:tag name="TEXTBOX 7_SHAPECLASSPROTECTIONTYPE" val="25"/>
+  <p:tag name="TITLE 1_SHAPECLASSPROTECTIONTYPE" val="9"/>
+  <p:tag name="PICTURE 8_SHAPECLASSPROTECTIONTYPE" val="15"/>
+  <p:tag name="PICTURE 9_SHAPECLASSPROTECTIONTYPE" val="15"/>
+</p:tagLst>
+</file>
+
+<file path=ppt/tags/tag241.xml><?xml version="1.0" encoding="utf-8"?>
+<p:tagLst xmlns:a="http://schemas.openxmlformats.org/drawingml/2006/main" xmlns:r="http://schemas.openxmlformats.org/officeDocument/2006/relationships" xmlns:p="http://schemas.openxmlformats.org/presentationml/2006/main">
+  <p:tag name="COLORS" val="-2;-2;-2;-2;-2;-2"/>
+  <p:tag name="COLORSETCLASSNAME" val="ColorSet1"/>
+  <p:tag name="SHAPESETGROUPCLASSNAME" val="ShapeSetGroup1"/>
+  <p:tag name="SHAPESETCLASSNAME" val="Slide"/>
+  <p:tag name="COLORSETGROUPCLASSNAME" val="ColorSetGroup5"/>
+  <p:tag name="FONTSETGROUPCLASSNAME" val="FontSetGroup1"/>
+  <p:tag name="SHAPECLASSFILE" val="BoschLogo2016.emf"/>
+  <p:tag name="MLI" val="1"/>
+  <p:tag name="SHAPECLASSNAME" val="LogoOnSlides"/>
+  <p:tag name="SHAPECLASSPROTECTIONTYPE" val="15"/>
+</p:tagLst>
+</file>
+
+<file path=ppt/tags/tag242.xml><?xml version="1.0" encoding="utf-8"?>
+<p:tagLst xmlns:a="http://schemas.openxmlformats.org/drawingml/2006/main" xmlns:r="http://schemas.openxmlformats.org/officeDocument/2006/relationships" xmlns:p="http://schemas.openxmlformats.org/presentationml/2006/main">
+  <p:tag name="COLORS" val="-2;-2;-2;-2;-2;-2"/>
+  <p:tag name="COLORSETCLASSNAME" val="ColorSet1"/>
+  <p:tag name="SHAPESETGROUPCLASSNAME" val="ShapeSetGroup1"/>
+  <p:tag name="SHAPESETCLASSNAME" val="Slide"/>
+  <p:tag name="COLORSETGROUPCLASSNAME" val="ColorSetGroup5"/>
+  <p:tag name="FONTSETGROUPCLASSNAME" val="FontSetGroup1"/>
+  <p:tag name="SHAPECLASSFILE" val="Bosch-Supergraphic-Bottom-16-9.png"/>
+  <p:tag name="MLI" val="1"/>
+  <p:tag name="SHAPECLASSNAME" val="ColorBarOnSlides"/>
+  <p:tag name="SHAPECLASSPROTECTIONTYPE" val="15"/>
+</p:tagLst>
+</file>
+
+<file path=ppt/tags/tag243.xml><?xml version="1.0" encoding="utf-8"?>
+<p:tagLst xmlns:a="http://schemas.openxmlformats.org/drawingml/2006/main" xmlns:r="http://schemas.openxmlformats.org/officeDocument/2006/relationships" xmlns:p="http://schemas.openxmlformats.org/presentationml/2006/main">
+  <p:tag name="FONT" val="Reg28"/>
+  <p:tag name="FONTSETCLASSNAME" val="FontSet1"/>
+  <p:tag name="COLORSETCLASSNAME" val="ColorSet1"/>
+  <p:tag name="SCRIPT" val="1"/>
+  <p:tag name="FIELDS" val="CHAPTER;"/>
+  <p:tag name="MLI" val="1"/>
+  <p:tag name="SHAPESETGROUPCLASSNAME" val="ShapeSetGroup1"/>
+  <p:tag name="SHAPESETCLASSNAME" val="TitleOnly"/>
+  <p:tag name="COLORSETGROUPCLASSNAME" val="ColorSetGroup5"/>
+  <p:tag name="FONTSETGROUPCLASSNAME" val="FontSetGroup1"/>
+  <p:tag name="SHAPECLASSNAME" val="Chapterbox"/>
+  <p:tag name="SHAPECLASSPROTECTIONTYPE" val="25"/>
+  <p:tag name="COLORS" val="-2;-2;-2;-2;-1;-2"/>
+</p:tagLst>
+</file>
+
+<file path=ppt/tags/tag244.xml><?xml version="1.0" encoding="utf-8"?>
+<p:tagLst xmlns:a="http://schemas.openxmlformats.org/drawingml/2006/main" xmlns:r="http://schemas.openxmlformats.org/officeDocument/2006/relationships" xmlns:p="http://schemas.openxmlformats.org/presentationml/2006/main">
+  <p:tag name="FONT" val="Bold6"/>
+  <p:tag name="FONT2" val="Reg6"/>
+  <p:tag name="FONT3" val="Reg6"/>
+  <p:tag name="FONTSETCLASSNAME" val="FontSet1"/>
+  <p:tag name="FONTCOLOR" val="Red"/>
+  <p:tag name="FONTCOLOR2" val="Black"/>
+  <p:tag name="FONTCOLOR3" val="Black"/>
+  <p:tag name="FONTCOLOR4" val="Black"/>
+  <p:tag name="RUNS.FONT" val="4"/>
+  <p:tag name="COLORS" val="-2;-2;-2;-2;Red;-2"/>
+  <p:tag name="COLORSETCLASSNAME" val="ColorSet1"/>
+  <p:tag name="SCRIPT" val="1"/>
+  <p:tag name="FIELDS" val="CONF;DPT;DATE;"/>
+  <p:tag name="MLI" val="1"/>
+  <p:tag name="SHAPESETGROUPCLASSNAME" val="ShapeSetGroup1"/>
+  <p:tag name="SHAPESETCLASSNAME" val="TitleOnly"/>
+  <p:tag name="COLORSETGROUPCLASSNAME" val="ColorSetGroup5"/>
+  <p:tag name="FONTSETGROUPCLASSNAME" val="FontSetGroup1"/>
+  <p:tag name="SHAPECLASSNAME" val="FooterLine1OnSlides"/>
+  <p:tag name="SHAPECLASSPROTECTIONTYPE" val="63"/>
+</p:tagLst>
+</file>
+
+<file path=ppt/tags/tag245.xml><?xml version="1.0" encoding="utf-8"?>
+<p:tagLst xmlns:a="http://schemas.openxmlformats.org/drawingml/2006/main" xmlns:r="http://schemas.openxmlformats.org/officeDocument/2006/relationships" xmlns:p="http://schemas.openxmlformats.org/presentationml/2006/main">
+  <p:tag name="FONT" val="Reg6"/>
+  <p:tag name="FONTSETCLASSNAME" val="FontSet1"/>
+  <p:tag name="FONTCOLOR" val="Black"/>
+  <p:tag name="FONTCOLOR2" val="LightGray"/>
+  <p:tag name="FONTCOLOR3" val="LightGray"/>
+  <p:tag name="RUNS.FONT" val="3"/>
+  <p:tag name="COLORS" val="-2;-2;-2;-2;Black;-2"/>
+  <p:tag name="COLORSETCLASSNAME" val="ColorSet1"/>
+  <p:tag name="SCRIPT" val="1"/>
+  <p:tag name="FIELDS" val="REM_ABL;COPY;"/>
+  <p:tag name="MLI" val="1"/>
+  <p:tag name="SHAPESETGROUPCLASSNAME" val="ShapeSetGroup1"/>
+  <p:tag name="SHAPESETCLASSNAME" val="TitleOnly"/>
+  <p:tag name="COLORSETGROUPCLASSNAME" val="ColorSetGroup5"/>
+  <p:tag name="FONTSETGROUPCLASSNAME" val="FontSetGroup1"/>
+  <p:tag name="SHAPECLASSNAME" val="FooterLine2OnSlides"/>
+  <p:tag name="SHAPECLASSPROTECTIONTYPE" val="63"/>
+</p:tagLst>
+</file>
+
+<file path=ppt/tags/tag246.xml><?xml version="1.0" encoding="utf-8"?>
+<p:tagLst xmlns:a="http://schemas.openxmlformats.org/drawingml/2006/main" xmlns:r="http://schemas.openxmlformats.org/officeDocument/2006/relationships" xmlns:p="http://schemas.openxmlformats.org/presentationml/2006/main">
+  <p:tag name="FONT" val="Reg12"/>
+  <p:tag name="FONTSETCLASSNAME" val="FontSet1"/>
+  <p:tag name="COLORS" val="-2;-2;-2;-2;DarkGray2;-2"/>
+  <p:tag name="COLORSETCLASSNAME" val="ColorSet1"/>
+  <p:tag name="SCRIPT" val="1"/>
+  <p:tag name="MLI" val="1"/>
+  <p:tag name="SHAPESETGROUPCLASSNAME" val="ShapeSetGroup1"/>
+  <p:tag name="SHAPESETCLASSNAME" val="TitleOnly"/>
+  <p:tag name="COLORSETGROUPCLASSNAME" val="ColorSetGroup5"/>
+  <p:tag name="FONTSETGROUPCLASSNAME" val="FontSetGroup1"/>
+  <p:tag name="SHAPECLASSNAME" val="PageNumberOnSlides"/>
+  <p:tag name="SHAPECLASSPROTECTIONTYPE" val="63"/>
+</p:tagLst>
+</file>
+
+<file path=ppt/tags/tag247.xml><?xml version="1.0" encoding="utf-8"?>
+<p:tagLst xmlns:a="http://schemas.openxmlformats.org/drawingml/2006/main" xmlns:r="http://schemas.openxmlformats.org/officeDocument/2006/relationships" xmlns:p="http://schemas.openxmlformats.org/presentationml/2006/main">
+  <p:tag name="FONT" val="Reg5x5"/>
+  <p:tag name="FONTSETCLASSNAME" val="FontSet1"/>
+  <p:tag name="COLORS" val="-2;-2;-2;-2;-2;-2"/>
+  <p:tag name="COLORSETCLASSNAME" val="ColorSet1"/>
+  <p:tag name="SCRIPT" val="1"/>
+  <p:tag name="FIELDS" val="REM_ANL;"/>
+  <p:tag name="MLI" val="1"/>
+  <p:tag name="SHAPESETGROUPCLASSNAME" val="ShapeSetGroup1"/>
+  <p:tag name="SHAPESETCLASSNAME" val="TitleOnly"/>
+  <p:tag name="COLORSETGROUPCLASSNAME" val="ColorSetGroup5"/>
+  <p:tag name="FONTSETGROUPCLASSNAME" val="FontSetGroup1"/>
+  <p:tag name="SHAPECLASSNAME" val="Attachment"/>
+  <p:tag name="SHAPECLASSPROTECTIONTYPE" val="3"/>
+</p:tagLst>
+</file>
+
+<file path=ppt/tags/tag248.xml><?xml version="1.0" encoding="utf-8"?>
+<p:tagLst xmlns:a="http://schemas.openxmlformats.org/drawingml/2006/main" xmlns:r="http://schemas.openxmlformats.org/officeDocument/2006/relationships" xmlns:p="http://schemas.openxmlformats.org/presentationml/2006/main">
+  <p:tag name="FONT" val="NavbarItem"/>
+  <p:tag name="FONTSETCLASSNAME" val="FontSet1"/>
+  <p:tag name="COLORS" val="-2;-2;-2;-2;-2;-2"/>
+  <p:tag name="COLORSETCLASSNAME" val="ColorSet1"/>
+  <p:tag name="MLI" val="1"/>
+  <p:tag name="SHAPESETGROUPCLASSNAME" val="ShapeSetGroup1"/>
+  <p:tag name="SHAPESETCLASSNAME" val="TitleOnly"/>
+  <p:tag name="COLORSETGROUPCLASSNAME" val="ColorSetGroup5"/>
+  <p:tag name="FONTSETGROUPCLASSNAME" val="FontSetGroup1"/>
+  <p:tag name="SHAPECLASSNAME" val="tNavbar"/>
+  <p:tag name="SHAPECLASSPROTECTIONTYPE" val="31"/>
+</p:tagLst>
+</file>
+
+<file path=ppt/tags/tag249.xml><?xml version="1.0" encoding="utf-8"?>
+<p:tagLst xmlns:a="http://schemas.openxmlformats.org/drawingml/2006/main" xmlns:r="http://schemas.openxmlformats.org/officeDocument/2006/relationships" xmlns:p="http://schemas.openxmlformats.org/presentationml/2006/main">
+  <p:tag name="FONT" val="Reg28"/>
+  <p:tag name="FONTSETCLASSNAME" val="FontSet1"/>
+  <p:tag name="FONTCOLOR" val="Primary"/>
+  <p:tag name="FONTCOLOR2" val="Primary"/>
+  <p:tag name="RUNS.FONT" val="2"/>
+  <p:tag name="COLORSETCLASSNAME" val="ColorSet2"/>
+  <p:tag name="MLI" val="1"/>
+  <p:tag name="SHAPESETGROUPCLASSNAME" val="ShapeSetGroup1"/>
+  <p:tag name="SHAPESETCLASSNAME" val="TitleOnly"/>
+  <p:tag name="COLORSETGROUPCLASSNAME" val="ColorSetGroup5"/>
+  <p:tag name="FONTSETGROUPCLASSNAME" val="FontSetGroup1"/>
+  <p:tag name="SHAPECLASSNAME" val="TitleOnSlides"/>
+  <p:tag name="SHAPECLASSPROTECTIONTYPE" val="9"/>
+  <p:tag name="COLORS" val="-2;-2;-2;-2;LightGreen;-2"/>
+</p:tagLst>
+</file>
+
+<file path=ppt/tags/tag25.xml><?xml version="1.0" encoding="utf-8"?>
+<p:tagLst xmlns:a="http://schemas.openxmlformats.org/drawingml/2006/main" xmlns:r="http://schemas.openxmlformats.org/officeDocument/2006/relationships" xmlns:p="http://schemas.openxmlformats.org/presentationml/2006/main">
+  <p:tag name="FONT" val="Bold6"/>
+  <p:tag name="FONT2" val="Reg6"/>
+  <p:tag name="FONT3" val="Reg6"/>
+  <p:tag name="FONTSETCLASSNAME" val="FontSet1"/>
+  <p:tag name="FONTCOLOR" val="Red"/>
+  <p:tag name="FONTCOLOR2" val="Black"/>
+  <p:tag name="FONTCOLOR3" val="Black"/>
+  <p:tag name="FONTCOLOR4" val="Black"/>
+  <p:tag name="RUNS.FONT" val="4"/>
+  <p:tag name="COLORS" val="-2;-2;-2;-2;Red;-2"/>
+  <p:tag name="COLORSETCLASSNAME" val="ColorSet1"/>
+  <p:tag name="SCRIPT" val="1"/>
+  <p:tag name="FIELDS" val="CONF;DPT;DATE;"/>
+  <p:tag name="MLI" val="1"/>
+  <p:tag name="SHAPESETGROUPCLASSNAME" val="ShapeSetGroup1"/>
+  <p:tag name="SHAPESETCLASSNAME" val="Object"/>
+  <p:tag name="COLORSETGROUPCLASSNAME" val="ColorSetGroup3"/>
+  <p:tag name="FONTSETGROUPCLASSNAME" val="FontSetGroup1"/>
+  <p:tag name="SHAPECLASSNAME" val="FooterLine1OnSlides"/>
+  <p:tag name="SHAPECLASSPROTECTIONTYPE" val=" 63"/>
+</p:tagLst>
+</file>
+
+<file path=ppt/tags/tag250.xml><?xml version="1.0" encoding="utf-8"?>
 <p:tagLst xmlns:a="http://schemas.openxmlformats.org/drawingml/2006/main" xmlns:r="http://schemas.openxmlformats.org/officeDocument/2006/relationships" xmlns:p="http://schemas.openxmlformats.org/presentationml/2006/main">
   <p:tag name="FIELD.CHAPTER.CONTENT" val="Titel des Kapitels"/>
   <p:tag name="FIELD.CHAPTER.VALUE" val="Titel des Kapitels"/>
@@ -29558,7 +31693,7 @@
 </p:tagLst>
 </file>
 
-<file path=ppt/tags/tag236.xml><?xml version="1.0" encoding="utf-8"?>
+<file path=ppt/tags/tag251.xml><?xml version="1.0" encoding="utf-8"?>
 <p:tagLst xmlns:a="http://schemas.openxmlformats.org/drawingml/2006/main" xmlns:r="http://schemas.openxmlformats.org/officeDocument/2006/relationships" xmlns:p="http://schemas.openxmlformats.org/presentationml/2006/main">
   <p:tag name="FONT" val="Bold6"/>
   <p:tag name="FONT2" val="Reg6"/>
@@ -29583,7 +31718,7 @@
 </p:tagLst>
 </file>
 
-<file path=ppt/tags/tag237.xml><?xml version="1.0" encoding="utf-8"?>
+<file path=ppt/tags/tag252.xml><?xml version="1.0" encoding="utf-8"?>
 <p:tagLst xmlns:a="http://schemas.openxmlformats.org/drawingml/2006/main" xmlns:r="http://schemas.openxmlformats.org/officeDocument/2006/relationships" xmlns:p="http://schemas.openxmlformats.org/presentationml/2006/main">
   <p:tag name="FONT" val="Reg6"/>
   <p:tag name="FONTSETCLASSNAME" val="FontSet1"/>
@@ -29605,7 +31740,7 @@
 </p:tagLst>
 </file>
 
-<file path=ppt/tags/tag238.xml><?xml version="1.0" encoding="utf-8"?>
+<file path=ppt/tags/tag253.xml><?xml version="1.0" encoding="utf-8"?>
 <p:tagLst xmlns:a="http://schemas.openxmlformats.org/drawingml/2006/main" xmlns:r="http://schemas.openxmlformats.org/officeDocument/2006/relationships" xmlns:p="http://schemas.openxmlformats.org/presentationml/2006/main">
   <p:tag name="FONT" val="Reg12"/>
   <p:tag name="FONTSETCLASSNAME" val="FontSet1"/>
@@ -29622,7 +31757,7 @@
 </p:tagLst>
 </file>
 
-<file path=ppt/tags/tag239.xml><?xml version="1.0" encoding="utf-8"?>
+<file path=ppt/tags/tag254.xml><?xml version="1.0" encoding="utf-8"?>
 <p:tagLst xmlns:a="http://schemas.openxmlformats.org/drawingml/2006/main" xmlns:r="http://schemas.openxmlformats.org/officeDocument/2006/relationships" xmlns:p="http://schemas.openxmlformats.org/presentationml/2006/main">
   <p:tag name="FONT" val="Reg5x5"/>
   <p:tag name="FONTSETCLASSNAME" val="FontSet1"/>
@@ -29640,25 +31775,7 @@
 </p:tagLst>
 </file>
 
-<file path=ppt/tags/tag24.xml><?xml version="1.0" encoding="utf-8"?>
-<p:tagLst xmlns:a="http://schemas.openxmlformats.org/drawingml/2006/main" xmlns:r="http://schemas.openxmlformats.org/officeDocument/2006/relationships" xmlns:p="http://schemas.openxmlformats.org/presentationml/2006/main">
-  <p:tag name="FONT" val="Reg28"/>
-  <p:tag name="FONTSETCLASSNAME" val="FontSet1"/>
-  <p:tag name="COLORSETCLASSNAME" val="ColorSet1"/>
-  <p:tag name="SCRIPT" val="1"/>
-  <p:tag name="FIELDS" val="CHAPTER;"/>
-  <p:tag name="MLI" val="1"/>
-  <p:tag name="SHAPESETGROUPCLASSNAME" val="ShapeSetGroup1"/>
-  <p:tag name="SHAPESETCLASSNAME" val="Object"/>
-  <p:tag name="COLORSETGROUPCLASSNAME" val="ColorSetGroup3"/>
-  <p:tag name="FONTSETGROUPCLASSNAME" val="FontSetGroup1"/>
-  <p:tag name="SHAPECLASSNAME" val="Chapterbox"/>
-  <p:tag name="SHAPECLASSPROTECTIONTYPE" val=" 25"/>
-  <p:tag name="COLORS" val="-2;-2;-2;-2;-1;-2"/>
-</p:tagLst>
-</file>
-
-<file path=ppt/tags/tag240.xml><?xml version="1.0" encoding="utf-8"?>
+<file path=ppt/tags/tag255.xml><?xml version="1.0" encoding="utf-8"?>
 <p:tagLst xmlns:a="http://schemas.openxmlformats.org/drawingml/2006/main" xmlns:r="http://schemas.openxmlformats.org/officeDocument/2006/relationships" xmlns:p="http://schemas.openxmlformats.org/presentationml/2006/main">
   <p:tag name="FONT" val="NavbarItem"/>
   <p:tag name="FONTSETCLASSNAME" val="FontSet1"/>
@@ -29674,7 +31791,7 @@
 </p:tagLst>
 </file>
 
-<file path=ppt/tags/tag241.xml><?xml version="1.0" encoding="utf-8"?>
+<file path=ppt/tags/tag256.xml><?xml version="1.0" encoding="utf-8"?>
 <p:tagLst xmlns:a="http://schemas.openxmlformats.org/drawingml/2006/main" xmlns:r="http://schemas.openxmlformats.org/officeDocument/2006/relationships" xmlns:p="http://schemas.openxmlformats.org/presentationml/2006/main">
   <p:tag name="FONT" val="Reg28"/>
   <p:tag name="FONTSETCLASSNAME" val="FontSet1"/>
@@ -29690,7 +31807,7 @@
 </p:tagLst>
 </file>
 
-<file path=ppt/tags/tag242.xml><?xml version="1.0" encoding="utf-8"?>
+<file path=ppt/tags/tag257.xml><?xml version="1.0" encoding="utf-8"?>
 <p:tagLst xmlns:a="http://schemas.openxmlformats.org/drawingml/2006/main" xmlns:r="http://schemas.openxmlformats.org/officeDocument/2006/relationships" xmlns:p="http://schemas.openxmlformats.org/presentationml/2006/main">
   <p:tag name="FONTSETCLASSNAME" val="FontSet1"/>
   <p:tag name="COLORSETCLASSNAME" val="ColorSet1"/>
@@ -29706,7 +31823,7 @@
 </p:tagLst>
 </file>
 
-<file path=ppt/tags/tag243.xml><?xml version="1.0" encoding="utf-8"?>
+<file path=ppt/tags/tag258.xml><?xml version="1.0" encoding="utf-8"?>
 <p:tagLst xmlns:a="http://schemas.openxmlformats.org/drawingml/2006/main" xmlns:r="http://schemas.openxmlformats.org/officeDocument/2006/relationships" xmlns:p="http://schemas.openxmlformats.org/presentationml/2006/main">
   <p:tag name="FIELD.CHAPTER.CONTENT" val="Titel des Kapitels"/>
   <p:tag name="FIELD.CHAPTER.VALUE" val="Titel des Kapitels"/>
@@ -29742,7 +31859,7 @@
 </p:tagLst>
 </file>
 
-<file path=ppt/tags/tag244.xml><?xml version="1.0" encoding="utf-8"?>
+<file path=ppt/tags/tag259.xml><?xml version="1.0" encoding="utf-8"?>
 <p:tagLst xmlns:a="http://schemas.openxmlformats.org/drawingml/2006/main" xmlns:r="http://schemas.openxmlformats.org/officeDocument/2006/relationships" xmlns:p="http://schemas.openxmlformats.org/presentationml/2006/main">
   <p:tag name="COLORS" val="-2;-2;-2;-2;-2;-2"/>
   <p:tag name="COLORSETCLASSNAME" val="ColorSet1"/>
@@ -29757,7 +31874,29 @@
 </p:tagLst>
 </file>
 
-<file path=ppt/tags/tag245.xml><?xml version="1.0" encoding="utf-8"?>
+<file path=ppt/tags/tag26.xml><?xml version="1.0" encoding="utf-8"?>
+<p:tagLst xmlns:a="http://schemas.openxmlformats.org/drawingml/2006/main" xmlns:r="http://schemas.openxmlformats.org/officeDocument/2006/relationships" xmlns:p="http://schemas.openxmlformats.org/presentationml/2006/main">
+  <p:tag name="FONT" val="Reg6"/>
+  <p:tag name="FONTSETCLASSNAME" val="FontSet1"/>
+  <p:tag name="FONTCOLOR" val="Black"/>
+  <p:tag name="FONTCOLOR2" val="LightGray"/>
+  <p:tag name="FONTCOLOR3" val="LightGray"/>
+  <p:tag name="RUNS.FONT" val="3"/>
+  <p:tag name="COLORS" val="-2;-2;-2;-2;Black;-2"/>
+  <p:tag name="COLORSETCLASSNAME" val="ColorSet1"/>
+  <p:tag name="SCRIPT" val="1"/>
+  <p:tag name="FIELDS" val="REM_ABL;COPY;"/>
+  <p:tag name="MLI" val="1"/>
+  <p:tag name="SHAPESETGROUPCLASSNAME" val="ShapeSetGroup1"/>
+  <p:tag name="SHAPESETCLASSNAME" val="Object"/>
+  <p:tag name="COLORSETGROUPCLASSNAME" val="ColorSetGroup3"/>
+  <p:tag name="FONTSETGROUPCLASSNAME" val="FontSetGroup1"/>
+  <p:tag name="SHAPECLASSNAME" val="FooterLine2OnSlides"/>
+  <p:tag name="SHAPECLASSPROTECTIONTYPE" val=" 63"/>
+</p:tagLst>
+</file>
+
+<file path=ppt/tags/tag260.xml><?xml version="1.0" encoding="utf-8"?>
 <p:tagLst xmlns:a="http://schemas.openxmlformats.org/drawingml/2006/main" xmlns:r="http://schemas.openxmlformats.org/officeDocument/2006/relationships" xmlns:p="http://schemas.openxmlformats.org/presentationml/2006/main">
   <p:tag name="COLORS" val="-2;-2;-2;-2;-2;-2"/>
   <p:tag name="COLORSETCLASSNAME" val="ColorSet1"/>
@@ -29772,7 +31911,7 @@
 </p:tagLst>
 </file>
 
-<file path=ppt/tags/tag246.xml><?xml version="1.0" encoding="utf-8"?>
+<file path=ppt/tags/tag261.xml><?xml version="1.0" encoding="utf-8"?>
 <p:tagLst xmlns:a="http://schemas.openxmlformats.org/drawingml/2006/main" xmlns:r="http://schemas.openxmlformats.org/officeDocument/2006/relationships" xmlns:p="http://schemas.openxmlformats.org/presentationml/2006/main">
   <p:tag name="FONT" val="Reg28"/>
   <p:tag name="FONTSETCLASSNAME" val="FontSet1"/>
@@ -29790,7 +31929,7 @@
 </p:tagLst>
 </file>
 
-<file path=ppt/tags/tag247.xml><?xml version="1.0" encoding="utf-8"?>
+<file path=ppt/tags/tag262.xml><?xml version="1.0" encoding="utf-8"?>
 <p:tagLst xmlns:a="http://schemas.openxmlformats.org/drawingml/2006/main" xmlns:r="http://schemas.openxmlformats.org/officeDocument/2006/relationships" xmlns:p="http://schemas.openxmlformats.org/presentationml/2006/main">
   <p:tag name="FONT" val="Bold6"/>
   <p:tag name="FONT2" val="Reg6"/>
@@ -29815,7 +31954,7 @@
 </p:tagLst>
 </file>
 
-<file path=ppt/tags/tag248.xml><?xml version="1.0" encoding="utf-8"?>
+<file path=ppt/tags/tag263.xml><?xml version="1.0" encoding="utf-8"?>
 <p:tagLst xmlns:a="http://schemas.openxmlformats.org/drawingml/2006/main" xmlns:r="http://schemas.openxmlformats.org/officeDocument/2006/relationships" xmlns:p="http://schemas.openxmlformats.org/presentationml/2006/main">
   <p:tag name="FONT" val="Reg6"/>
   <p:tag name="FONTSETCLASSNAME" val="FontSet1"/>
@@ -29837,7 +31976,7 @@
 </p:tagLst>
 </file>
 
-<file path=ppt/tags/tag249.xml><?xml version="1.0" encoding="utf-8"?>
+<file path=ppt/tags/tag264.xml><?xml version="1.0" encoding="utf-8"?>
 <p:tagLst xmlns:a="http://schemas.openxmlformats.org/drawingml/2006/main" xmlns:r="http://schemas.openxmlformats.org/officeDocument/2006/relationships" xmlns:p="http://schemas.openxmlformats.org/presentationml/2006/main">
   <p:tag name="FONT" val="Reg12"/>
   <p:tag name="FONTSETCLASSNAME" val="FontSet1"/>
@@ -29854,32 +31993,7 @@
 </p:tagLst>
 </file>
 
-<file path=ppt/tags/tag25.xml><?xml version="1.0" encoding="utf-8"?>
-<p:tagLst xmlns:a="http://schemas.openxmlformats.org/drawingml/2006/main" xmlns:r="http://schemas.openxmlformats.org/officeDocument/2006/relationships" xmlns:p="http://schemas.openxmlformats.org/presentationml/2006/main">
-  <p:tag name="FONT" val="Bold6"/>
-  <p:tag name="FONT2" val="Reg6"/>
-  <p:tag name="FONT3" val="Reg6"/>
-  <p:tag name="FONTSETCLASSNAME" val="FontSet1"/>
-  <p:tag name="FONTCOLOR" val="Red"/>
-  <p:tag name="FONTCOLOR2" val="Black"/>
-  <p:tag name="FONTCOLOR3" val="Black"/>
-  <p:tag name="FONTCOLOR4" val="Black"/>
-  <p:tag name="RUNS.FONT" val="4"/>
-  <p:tag name="COLORS" val="-2;-2;-2;-2;Red;-2"/>
-  <p:tag name="COLORSETCLASSNAME" val="ColorSet1"/>
-  <p:tag name="SCRIPT" val="1"/>
-  <p:tag name="FIELDS" val="CONF;DPT;DATE;"/>
-  <p:tag name="MLI" val="1"/>
-  <p:tag name="SHAPESETGROUPCLASSNAME" val="ShapeSetGroup1"/>
-  <p:tag name="SHAPESETCLASSNAME" val="Object"/>
-  <p:tag name="COLORSETGROUPCLASSNAME" val="ColorSetGroup3"/>
-  <p:tag name="FONTSETGROUPCLASSNAME" val="FontSetGroup1"/>
-  <p:tag name="SHAPECLASSNAME" val="FooterLine1OnSlides"/>
-  <p:tag name="SHAPECLASSPROTECTIONTYPE" val=" 63"/>
-</p:tagLst>
-</file>
-
-<file path=ppt/tags/tag250.xml><?xml version="1.0" encoding="utf-8"?>
+<file path=ppt/tags/tag265.xml><?xml version="1.0" encoding="utf-8"?>
 <p:tagLst xmlns:a="http://schemas.openxmlformats.org/drawingml/2006/main" xmlns:r="http://schemas.openxmlformats.org/officeDocument/2006/relationships" xmlns:p="http://schemas.openxmlformats.org/presentationml/2006/main">
   <p:tag name="FONT" val="Reg5x5"/>
   <p:tag name="FONTSETCLASSNAME" val="FontSet1"/>
@@ -29897,7 +32011,7 @@
 </p:tagLst>
 </file>
 
-<file path=ppt/tags/tag251.xml><?xml version="1.0" encoding="utf-8"?>
+<file path=ppt/tags/tag266.xml><?xml version="1.0" encoding="utf-8"?>
 <p:tagLst xmlns:a="http://schemas.openxmlformats.org/drawingml/2006/main" xmlns:r="http://schemas.openxmlformats.org/officeDocument/2006/relationships" xmlns:p="http://schemas.openxmlformats.org/presentationml/2006/main">
   <p:tag name="FONT" val="NavbarItem"/>
   <p:tag name="FONTSETCLASSNAME" val="FontSet1"/>
@@ -29913,7 +32027,7 @@
 </p:tagLst>
 </file>
 
-<file path=ppt/tags/tag252.xml><?xml version="1.0" encoding="utf-8"?>
+<file path=ppt/tags/tag267.xml><?xml version="1.0" encoding="utf-8"?>
 <p:tagLst xmlns:a="http://schemas.openxmlformats.org/drawingml/2006/main" xmlns:r="http://schemas.openxmlformats.org/officeDocument/2006/relationships" xmlns:p="http://schemas.openxmlformats.org/presentationml/2006/main">
   <p:tag name="FONTSETCLASSNAME" val="FontSet1"/>
   <p:tag name="MLI" val="1"/>
@@ -29932,7 +32046,7 @@
 </p:tagLst>
 </file>
 
-<file path=ppt/tags/tag253.xml><?xml version="1.0" encoding="utf-8"?>
+<file path=ppt/tags/tag268.xml><?xml version="1.0" encoding="utf-8"?>
 <p:tagLst xmlns:a="http://schemas.openxmlformats.org/drawingml/2006/main" xmlns:r="http://schemas.openxmlformats.org/officeDocument/2006/relationships" xmlns:p="http://schemas.openxmlformats.org/presentationml/2006/main">
   <p:tag name="FONTSETCLASSNAME" val="FontSet1"/>
   <p:tag name="COLORSETCLASSNAME" val="ColorSet1"/>
@@ -29948,7 +32062,7 @@
 </p:tagLst>
 </file>
 
-<file path=ppt/tags/tag254.xml><?xml version="1.0" encoding="utf-8"?>
+<file path=ppt/tags/tag269.xml><?xml version="1.0" encoding="utf-8"?>
 <p:tagLst xmlns:a="http://schemas.openxmlformats.org/drawingml/2006/main" xmlns:r="http://schemas.openxmlformats.org/officeDocument/2006/relationships" xmlns:p="http://schemas.openxmlformats.org/presentationml/2006/main">
   <p:tag name="FIELD.CHAPTER.CONTENT" val="Titel des Kapitels"/>
   <p:tag name="FIELD.CHAPTER.VALUE" val="Titel des Kapitels"/>
@@ -29977,7 +32091,24 @@
 </p:tagLst>
 </file>
 
-<file path=ppt/tags/tag255.xml><?xml version="1.0" encoding="utf-8"?>
+<file path=ppt/tags/tag27.xml><?xml version="1.0" encoding="utf-8"?>
+<p:tagLst xmlns:a="http://schemas.openxmlformats.org/drawingml/2006/main" xmlns:r="http://schemas.openxmlformats.org/officeDocument/2006/relationships" xmlns:p="http://schemas.openxmlformats.org/presentationml/2006/main">
+  <p:tag name="FONT" val="Reg12"/>
+  <p:tag name="FONTSETCLASSNAME" val="FontSet1"/>
+  <p:tag name="COLORS" val="-2;-2;-2;-2;DarkGray2;-2"/>
+  <p:tag name="COLORSETCLASSNAME" val="ColorSet1"/>
+  <p:tag name="SCRIPT" val="1"/>
+  <p:tag name="MLI" val="1"/>
+  <p:tag name="SHAPESETGROUPCLASSNAME" val="ShapeSetGroup1"/>
+  <p:tag name="SHAPESETCLASSNAME" val="Object"/>
+  <p:tag name="COLORSETGROUPCLASSNAME" val="ColorSetGroup3"/>
+  <p:tag name="FONTSETGROUPCLASSNAME" val="FontSetGroup1"/>
+  <p:tag name="SHAPECLASSNAME" val="PageNumberOnSlides"/>
+  <p:tag name="SHAPECLASSPROTECTIONTYPE" val=" 63"/>
+</p:tagLst>
+</file>
+
+<file path=ppt/tags/tag270.xml><?xml version="1.0" encoding="utf-8"?>
 <p:tagLst xmlns:a="http://schemas.openxmlformats.org/drawingml/2006/main" xmlns:r="http://schemas.openxmlformats.org/officeDocument/2006/relationships" xmlns:p="http://schemas.openxmlformats.org/presentationml/2006/main">
   <p:tag name="FONT" val="Bold6"/>
   <p:tag name="FONT2" val="Reg6"/>
@@ -30002,7 +32133,7 @@
 </p:tagLst>
 </file>
 
-<file path=ppt/tags/tag256.xml><?xml version="1.0" encoding="utf-8"?>
+<file path=ppt/tags/tag271.xml><?xml version="1.0" encoding="utf-8"?>
 <p:tagLst xmlns:a="http://schemas.openxmlformats.org/drawingml/2006/main" xmlns:r="http://schemas.openxmlformats.org/officeDocument/2006/relationships" xmlns:p="http://schemas.openxmlformats.org/presentationml/2006/main">
   <p:tag name="FONT" val="Reg6"/>
   <p:tag name="FONTSETCLASSNAME" val="FontSet1"/>
@@ -30024,7 +32155,7 @@
 </p:tagLst>
 </file>
 
-<file path=ppt/tags/tag257.xml><?xml version="1.0" encoding="utf-8"?>
+<file path=ppt/tags/tag272.xml><?xml version="1.0" encoding="utf-8"?>
 <p:tagLst xmlns:a="http://schemas.openxmlformats.org/drawingml/2006/main" xmlns:r="http://schemas.openxmlformats.org/officeDocument/2006/relationships" xmlns:p="http://schemas.openxmlformats.org/presentationml/2006/main">
   <p:tag name="FONT" val="Reg12"/>
   <p:tag name="FONTSETCLASSNAME" val="FontSet1"/>
@@ -30041,7 +32172,7 @@
 </p:tagLst>
 </file>
 
-<file path=ppt/tags/tag258.xml><?xml version="1.0" encoding="utf-8"?>
+<file path=ppt/tags/tag273.xml><?xml version="1.0" encoding="utf-8"?>
 <p:tagLst xmlns:a="http://schemas.openxmlformats.org/drawingml/2006/main" xmlns:r="http://schemas.openxmlformats.org/officeDocument/2006/relationships" xmlns:p="http://schemas.openxmlformats.org/presentationml/2006/main">
   <p:tag name="FONT" val="Reg5x5"/>
   <p:tag name="FONTSETCLASSNAME" val="FontSet1"/>
@@ -30059,7 +32190,7 @@
 </p:tagLst>
 </file>
 
-<file path=ppt/tags/tag259.xml><?xml version="1.0" encoding="utf-8"?>
+<file path=ppt/tags/tag274.xml><?xml version="1.0" encoding="utf-8"?>
 <p:tagLst xmlns:a="http://schemas.openxmlformats.org/drawingml/2006/main" xmlns:r="http://schemas.openxmlformats.org/officeDocument/2006/relationships" xmlns:p="http://schemas.openxmlformats.org/presentationml/2006/main">
   <p:tag name="FONT" val="NavbarItem"/>
   <p:tag name="FONTSETCLASSNAME" val="FontSet1"/>
@@ -30075,29 +32206,7 @@
 </p:tagLst>
 </file>
 
-<file path=ppt/tags/tag26.xml><?xml version="1.0" encoding="utf-8"?>
-<p:tagLst xmlns:a="http://schemas.openxmlformats.org/drawingml/2006/main" xmlns:r="http://schemas.openxmlformats.org/officeDocument/2006/relationships" xmlns:p="http://schemas.openxmlformats.org/presentationml/2006/main">
-  <p:tag name="FONT" val="Reg6"/>
-  <p:tag name="FONTSETCLASSNAME" val="FontSet1"/>
-  <p:tag name="FONTCOLOR" val="Black"/>
-  <p:tag name="FONTCOLOR2" val="LightGray"/>
-  <p:tag name="FONTCOLOR3" val="LightGray"/>
-  <p:tag name="RUNS.FONT" val="3"/>
-  <p:tag name="COLORS" val="-2;-2;-2;-2;Black;-2"/>
-  <p:tag name="COLORSETCLASSNAME" val="ColorSet1"/>
-  <p:tag name="SCRIPT" val="1"/>
-  <p:tag name="FIELDS" val="REM_ABL;COPY;"/>
-  <p:tag name="MLI" val="1"/>
-  <p:tag name="SHAPESETGROUPCLASSNAME" val="ShapeSetGroup1"/>
-  <p:tag name="SHAPESETCLASSNAME" val="Object"/>
-  <p:tag name="COLORSETGROUPCLASSNAME" val="ColorSetGroup3"/>
-  <p:tag name="FONTSETGROUPCLASSNAME" val="FontSetGroup1"/>
-  <p:tag name="SHAPECLASSNAME" val="FooterLine2OnSlides"/>
-  <p:tag name="SHAPECLASSPROTECTIONTYPE" val=" 63"/>
-</p:tagLst>
-</file>
-
-<file path=ppt/tags/tag260.xml><?xml version="1.0" encoding="utf-8"?>
+<file path=ppt/tags/tag275.xml><?xml version="1.0" encoding="utf-8"?>
 <p:tagLst xmlns:a="http://schemas.openxmlformats.org/drawingml/2006/main" xmlns:r="http://schemas.openxmlformats.org/officeDocument/2006/relationships" xmlns:p="http://schemas.openxmlformats.org/presentationml/2006/main">
   <p:tag name="FONT" val="Reg28"/>
   <p:tag name="FONTSETCLASSNAME" val="FontSet1"/>
@@ -30113,7 +32222,7 @@
 </p:tagLst>
 </file>
 
-<file path=ppt/tags/tag261.xml><?xml version="1.0" encoding="utf-8"?>
+<file path=ppt/tags/tag276.xml><?xml version="1.0" encoding="utf-8"?>
 <p:tagLst xmlns:a="http://schemas.openxmlformats.org/drawingml/2006/main" xmlns:r="http://schemas.openxmlformats.org/officeDocument/2006/relationships" xmlns:p="http://schemas.openxmlformats.org/presentationml/2006/main">
   <p:tag name="FONTSETCLASSNAME" val="FontSet1"/>
   <p:tag name="COLORSETCLASSNAME" val="ColorSet1"/>
@@ -30129,7 +32238,7 @@
 </p:tagLst>
 </file>
 
-<file path=ppt/tags/tag262.xml><?xml version="1.0" encoding="utf-8"?>
+<file path=ppt/tags/tag277.xml><?xml version="1.0" encoding="utf-8"?>
 <p:tagLst xmlns:a="http://schemas.openxmlformats.org/drawingml/2006/main" xmlns:r="http://schemas.openxmlformats.org/officeDocument/2006/relationships" xmlns:p="http://schemas.openxmlformats.org/presentationml/2006/main">
   <p:tag name="FIELD.CHAPTER.CONTENT" val="Titel des Kapitels"/>
   <p:tag name="FIELD.CHAPTER.VALUE" val="Titel des Kapitels"/>
@@ -30165,7 +32274,7 @@
 </p:tagLst>
 </file>
 
-<file path=ppt/tags/tag263.xml><?xml version="1.0" encoding="utf-8"?>
+<file path=ppt/tags/tag278.xml><?xml version="1.0" encoding="utf-8"?>
 <p:tagLst xmlns:a="http://schemas.openxmlformats.org/drawingml/2006/main" xmlns:r="http://schemas.openxmlformats.org/officeDocument/2006/relationships" xmlns:p="http://schemas.openxmlformats.org/presentationml/2006/main">
   <p:tag name="COLORS" val="-2;-2;-2;-2;-2;-2"/>
   <p:tag name="COLORSETCLASSNAME" val="ColorSet1"/>
@@ -30180,7 +32289,7 @@
 </p:tagLst>
 </file>
 
-<file path=ppt/tags/tag264.xml><?xml version="1.0" encoding="utf-8"?>
+<file path=ppt/tags/tag279.xml><?xml version="1.0" encoding="utf-8"?>
 <p:tagLst xmlns:a="http://schemas.openxmlformats.org/drawingml/2006/main" xmlns:r="http://schemas.openxmlformats.org/officeDocument/2006/relationships" xmlns:p="http://schemas.openxmlformats.org/presentationml/2006/main">
   <p:tag name="COLORS" val="-2;-2;-2;-2;-2;-2"/>
   <p:tag name="COLORSETCLASSNAME" val="ColorSet1"/>
@@ -30195,7 +32304,25 @@
 </p:tagLst>
 </file>
 
-<file path=ppt/tags/tag265.xml><?xml version="1.0" encoding="utf-8"?>
+<file path=ppt/tags/tag28.xml><?xml version="1.0" encoding="utf-8"?>
+<p:tagLst xmlns:a="http://schemas.openxmlformats.org/drawingml/2006/main" xmlns:r="http://schemas.openxmlformats.org/officeDocument/2006/relationships" xmlns:p="http://schemas.openxmlformats.org/presentationml/2006/main">
+  <p:tag name="FONT" val="Reg5x5"/>
+  <p:tag name="FONTSETCLASSNAME" val="FontSet1"/>
+  <p:tag name="COLORS" val="-2;-2;-2;-2;-2;-2"/>
+  <p:tag name="COLORSETCLASSNAME" val="ColorSet1"/>
+  <p:tag name="SCRIPT" val="1"/>
+  <p:tag name="FIELDS" val="REM_ANL;"/>
+  <p:tag name="MLI" val="1"/>
+  <p:tag name="SHAPESETGROUPCLASSNAME" val="ShapeSetGroup1"/>
+  <p:tag name="SHAPESETCLASSNAME" val="Object"/>
+  <p:tag name="COLORSETGROUPCLASSNAME" val="ColorSetGroup3"/>
+  <p:tag name="FONTSETGROUPCLASSNAME" val="FontSetGroup1"/>
+  <p:tag name="SHAPECLASSNAME" val="Attachment"/>
+  <p:tag name="SHAPECLASSPROTECTIONTYPE" val=" 3"/>
+</p:tagLst>
+</file>
+
+<file path=ppt/tags/tag280.xml><?xml version="1.0" encoding="utf-8"?>
 <p:tagLst xmlns:a="http://schemas.openxmlformats.org/drawingml/2006/main" xmlns:r="http://schemas.openxmlformats.org/officeDocument/2006/relationships" xmlns:p="http://schemas.openxmlformats.org/presentationml/2006/main">
   <p:tag name="FONT" val="Reg28"/>
   <p:tag name="FONTSETCLASSNAME" val="FontSet1"/>
@@ -30213,7 +32340,7 @@
 </p:tagLst>
 </file>
 
-<file path=ppt/tags/tag266.xml><?xml version="1.0" encoding="utf-8"?>
+<file path=ppt/tags/tag281.xml><?xml version="1.0" encoding="utf-8"?>
 <p:tagLst xmlns:a="http://schemas.openxmlformats.org/drawingml/2006/main" xmlns:r="http://schemas.openxmlformats.org/officeDocument/2006/relationships" xmlns:p="http://schemas.openxmlformats.org/presentationml/2006/main">
   <p:tag name="FONT" val="Bold6"/>
   <p:tag name="FONT2" val="Reg6"/>
@@ -30238,7 +32365,7 @@
 </p:tagLst>
 </file>
 
-<file path=ppt/tags/tag267.xml><?xml version="1.0" encoding="utf-8"?>
+<file path=ppt/tags/tag282.xml><?xml version="1.0" encoding="utf-8"?>
 <p:tagLst xmlns:a="http://schemas.openxmlformats.org/drawingml/2006/main" xmlns:r="http://schemas.openxmlformats.org/officeDocument/2006/relationships" xmlns:p="http://schemas.openxmlformats.org/presentationml/2006/main">
   <p:tag name="FONT" val="Reg6"/>
   <p:tag name="FONTSETCLASSNAME" val="FontSet1"/>
@@ -30260,7 +32387,7 @@
 </p:tagLst>
 </file>
 
-<file path=ppt/tags/tag268.xml><?xml version="1.0" encoding="utf-8"?>
+<file path=ppt/tags/tag283.xml><?xml version="1.0" encoding="utf-8"?>
 <p:tagLst xmlns:a="http://schemas.openxmlformats.org/drawingml/2006/main" xmlns:r="http://schemas.openxmlformats.org/officeDocument/2006/relationships" xmlns:p="http://schemas.openxmlformats.org/presentationml/2006/main">
   <p:tag name="FONT" val="Reg12"/>
   <p:tag name="FONTSETCLASSNAME" val="FontSet1"/>
@@ -30277,7 +32404,7 @@
 </p:tagLst>
 </file>
 
-<file path=ppt/tags/tag269.xml><?xml version="1.0" encoding="utf-8"?>
+<file path=ppt/tags/tag284.xml><?xml version="1.0" encoding="utf-8"?>
 <p:tagLst xmlns:a="http://schemas.openxmlformats.org/drawingml/2006/main" xmlns:r="http://schemas.openxmlformats.org/officeDocument/2006/relationships" xmlns:p="http://schemas.openxmlformats.org/presentationml/2006/main">
   <p:tag name="FONT" val="Reg5x5"/>
   <p:tag name="FONTSETCLASSNAME" val="FontSet1"/>
@@ -30295,24 +32422,7 @@
 </p:tagLst>
 </file>
 
-<file path=ppt/tags/tag27.xml><?xml version="1.0" encoding="utf-8"?>
-<p:tagLst xmlns:a="http://schemas.openxmlformats.org/drawingml/2006/main" xmlns:r="http://schemas.openxmlformats.org/officeDocument/2006/relationships" xmlns:p="http://schemas.openxmlformats.org/presentationml/2006/main">
-  <p:tag name="FONT" val="Reg12"/>
-  <p:tag name="FONTSETCLASSNAME" val="FontSet1"/>
-  <p:tag name="COLORS" val="-2;-2;-2;-2;DarkGray2;-2"/>
-  <p:tag name="COLORSETCLASSNAME" val="ColorSet1"/>
-  <p:tag name="SCRIPT" val="1"/>
-  <p:tag name="MLI" val="1"/>
-  <p:tag name="SHAPESETGROUPCLASSNAME" val="ShapeSetGroup1"/>
-  <p:tag name="SHAPESETCLASSNAME" val="Object"/>
-  <p:tag name="COLORSETGROUPCLASSNAME" val="ColorSetGroup3"/>
-  <p:tag name="FONTSETGROUPCLASSNAME" val="FontSetGroup1"/>
-  <p:tag name="SHAPECLASSNAME" val="PageNumberOnSlides"/>
-  <p:tag name="SHAPECLASSPROTECTIONTYPE" val=" 63"/>
-</p:tagLst>
-</file>
-
-<file path=ppt/tags/tag270.xml><?xml version="1.0" encoding="utf-8"?>
+<file path=ppt/tags/tag285.xml><?xml version="1.0" encoding="utf-8"?>
 <p:tagLst xmlns:a="http://schemas.openxmlformats.org/drawingml/2006/main" xmlns:r="http://schemas.openxmlformats.org/officeDocument/2006/relationships" xmlns:p="http://schemas.openxmlformats.org/presentationml/2006/main">
   <p:tag name="FONT" val="NavbarItem"/>
   <p:tag name="FONTSETCLASSNAME" val="FontSet1"/>
@@ -30328,7 +32438,7 @@
 </p:tagLst>
 </file>
 
-<file path=ppt/tags/tag271.xml><?xml version="1.0" encoding="utf-8"?>
+<file path=ppt/tags/tag286.xml><?xml version="1.0" encoding="utf-8"?>
 <p:tagLst xmlns:a="http://schemas.openxmlformats.org/drawingml/2006/main" xmlns:r="http://schemas.openxmlformats.org/officeDocument/2006/relationships" xmlns:p="http://schemas.openxmlformats.org/presentationml/2006/main">
   <p:tag name="FONTSETCLASSNAME" val="FontSet1"/>
   <p:tag name="MLI" val="1"/>
@@ -30347,7 +32457,7 @@
 </p:tagLst>
 </file>
 
-<file path=ppt/tags/tag272.xml><?xml version="1.0" encoding="utf-8"?>
+<file path=ppt/tags/tag287.xml><?xml version="1.0" encoding="utf-8"?>
 <p:tagLst xmlns:a="http://schemas.openxmlformats.org/drawingml/2006/main" xmlns:r="http://schemas.openxmlformats.org/officeDocument/2006/relationships" xmlns:p="http://schemas.openxmlformats.org/presentationml/2006/main">
   <p:tag name="FONTSETCLASSNAME" val="FontSet1"/>
   <p:tag name="COLORSETCLASSNAME" val="ColorSet1"/>
@@ -30363,7 +32473,7 @@
 </p:tagLst>
 </file>
 
-<file path=ppt/tags/tag273.xml><?xml version="1.0" encoding="utf-8"?>
+<file path=ppt/tags/tag288.xml><?xml version="1.0" encoding="utf-8"?>
 <p:tagLst xmlns:a="http://schemas.openxmlformats.org/drawingml/2006/main" xmlns:r="http://schemas.openxmlformats.org/officeDocument/2006/relationships" xmlns:p="http://schemas.openxmlformats.org/presentationml/2006/main">
   <p:tag name="FIELD.CHAPTER.CONTENT" val="Titel des Kapitels"/>
   <p:tag name="FIELD.CHAPTER.VALUE" val="Titel des Kapitels"/>
@@ -30390,7 +32500,7 @@
 </p:tagLst>
 </file>
 
-<file path=ppt/tags/tag274.xml><?xml version="1.0" encoding="utf-8"?>
+<file path=ppt/tags/tag289.xml><?xml version="1.0" encoding="utf-8"?>
 <p:tagLst xmlns:a="http://schemas.openxmlformats.org/drawingml/2006/main" xmlns:r="http://schemas.openxmlformats.org/officeDocument/2006/relationships" xmlns:p="http://schemas.openxmlformats.org/presentationml/2006/main">
   <p:tag name="FONT" val="Disguised"/>
   <p:tag name="FONTSETCLASSNAME" val="FontSet1"/>
@@ -30407,7 +32517,23 @@
 </p:tagLst>
 </file>
 
-<file path=ppt/tags/tag275.xml><?xml version="1.0" encoding="utf-8"?>
+<file path=ppt/tags/tag29.xml><?xml version="1.0" encoding="utf-8"?>
+<p:tagLst xmlns:a="http://schemas.openxmlformats.org/drawingml/2006/main" xmlns:r="http://schemas.openxmlformats.org/officeDocument/2006/relationships" xmlns:p="http://schemas.openxmlformats.org/presentationml/2006/main">
+  <p:tag name="FONT" val="NavbarItem"/>
+  <p:tag name="FONTSETCLASSNAME" val="FontSet1"/>
+  <p:tag name="COLORS" val="-2;-2;-2;-2;-2;-2"/>
+  <p:tag name="COLORSETCLASSNAME" val="ColorSet1"/>
+  <p:tag name="MLI" val="1"/>
+  <p:tag name="SHAPESETGROUPCLASSNAME" val="ShapeSetGroup1"/>
+  <p:tag name="SHAPESETCLASSNAME" val="Object"/>
+  <p:tag name="COLORSETGROUPCLASSNAME" val="ColorSetGroup3"/>
+  <p:tag name="FONTSETGROUPCLASSNAME" val="FontSetGroup1"/>
+  <p:tag name="SHAPECLASSNAME" val="tNavbar"/>
+  <p:tag name="SHAPECLASSPROTECTIONTYPE" val=" 31"/>
+</p:tagLst>
+</file>
+
+<file path=ppt/tags/tag290.xml><?xml version="1.0" encoding="utf-8"?>
 <p:tagLst xmlns:a="http://schemas.openxmlformats.org/drawingml/2006/main" xmlns:r="http://schemas.openxmlformats.org/officeDocument/2006/relationships" xmlns:p="http://schemas.openxmlformats.org/presentationml/2006/main">
   <p:tag name="COLORS" val="-2;-2;-2;-2;-2;-2"/>
   <p:tag name="COLORSETCLASSNAME" val="ColorSet1"/>
@@ -30423,7 +32549,7 @@
 </p:tagLst>
 </file>
 
-<file path=ppt/tags/tag276.xml><?xml version="1.0" encoding="utf-8"?>
+<file path=ppt/tags/tag291.xml><?xml version="1.0" encoding="utf-8"?>
 <p:tagLst xmlns:a="http://schemas.openxmlformats.org/drawingml/2006/main" xmlns:r="http://schemas.openxmlformats.org/officeDocument/2006/relationships" xmlns:p="http://schemas.openxmlformats.org/presentationml/2006/main">
   <p:tag name="COLORS" val="-2;-2;-2;-2;-2;-2"/>
   <p:tag name="COLORSETCLASSNAME" val="ColorSet1"/>
@@ -30438,7 +32564,7 @@
 </p:tagLst>
 </file>
 
-<file path=ppt/tags/tag277.xml><?xml version="1.0" encoding="utf-8"?>
+<file path=ppt/tags/tag292.xml><?xml version="1.0" encoding="utf-8"?>
 <p:tagLst xmlns:a="http://schemas.openxmlformats.org/drawingml/2006/main" xmlns:r="http://schemas.openxmlformats.org/officeDocument/2006/relationships" xmlns:p="http://schemas.openxmlformats.org/presentationml/2006/main">
   <p:tag name="COLORS" val="-2;-2;-2;-2;-2;-2"/>
   <p:tag name="COLORSETCLASSNAME" val="ColorSet1"/>
@@ -30453,7 +32579,7 @@
 </p:tagLst>
 </file>
 
-<file path=ppt/tags/tag278.xml><?xml version="1.0" encoding="utf-8"?>
+<file path=ppt/tags/tag293.xml><?xml version="1.0" encoding="utf-8"?>
 <p:tagLst xmlns:a="http://schemas.openxmlformats.org/drawingml/2006/main" xmlns:r="http://schemas.openxmlformats.org/officeDocument/2006/relationships" xmlns:p="http://schemas.openxmlformats.org/presentationml/2006/main">
   <p:tag name="FONT" val="Reg80"/>
   <p:tag name="FONTSETCLASSNAME" val="FontSet1"/>
@@ -30469,7 +32595,7 @@
 </p:tagLst>
 </file>
 
-<file path=ppt/tags/tag279.xml><?xml version="1.0" encoding="utf-8"?>
+<file path=ppt/tags/tag294.xml><?xml version="1.0" encoding="utf-8"?>
 <p:tagLst xmlns:a="http://schemas.openxmlformats.org/drawingml/2006/main" xmlns:r="http://schemas.openxmlformats.org/officeDocument/2006/relationships" xmlns:p="http://schemas.openxmlformats.org/presentationml/2006/main">
   <p:tag name="FIELD.CHAPTER.CONTENT" val="Titel des Kapitels"/>
   <p:tag name="FIELD.CHAPTER.VALUE" val="Titel des Kapitels"/>
@@ -30500,25 +32626,7 @@
 </p:tagLst>
 </file>
 
-<file path=ppt/tags/tag28.xml><?xml version="1.0" encoding="utf-8"?>
-<p:tagLst xmlns:a="http://schemas.openxmlformats.org/drawingml/2006/main" xmlns:r="http://schemas.openxmlformats.org/officeDocument/2006/relationships" xmlns:p="http://schemas.openxmlformats.org/presentationml/2006/main">
-  <p:tag name="FONT" val="Reg5x5"/>
-  <p:tag name="FONTSETCLASSNAME" val="FontSet1"/>
-  <p:tag name="COLORS" val="-2;-2;-2;-2;-2;-2"/>
-  <p:tag name="COLORSETCLASSNAME" val="ColorSet1"/>
-  <p:tag name="SCRIPT" val="1"/>
-  <p:tag name="FIELDS" val="REM_ANL;"/>
-  <p:tag name="MLI" val="1"/>
-  <p:tag name="SHAPESETGROUPCLASSNAME" val="ShapeSetGroup1"/>
-  <p:tag name="SHAPESETCLASSNAME" val="Object"/>
-  <p:tag name="COLORSETGROUPCLASSNAME" val="ColorSetGroup3"/>
-  <p:tag name="FONTSETGROUPCLASSNAME" val="FontSetGroup1"/>
-  <p:tag name="SHAPECLASSNAME" val="Attachment"/>
-  <p:tag name="SHAPECLASSPROTECTIONTYPE" val=" 3"/>
-</p:tagLst>
-</file>
-
-<file path=ppt/tags/tag280.xml><?xml version="1.0" encoding="utf-8"?>
+<file path=ppt/tags/tag295.xml><?xml version="1.0" encoding="utf-8"?>
 <p:tagLst xmlns:a="http://schemas.openxmlformats.org/drawingml/2006/main" xmlns:r="http://schemas.openxmlformats.org/officeDocument/2006/relationships" xmlns:p="http://schemas.openxmlformats.org/presentationml/2006/main">
   <p:tag name="COLORS" val="-2;-2;-2;-2;-2;-2"/>
   <p:tag name="COLORSETCLASSNAME" val="ColorSet1"/>
@@ -30533,7 +32641,7 @@
 </p:tagLst>
 </file>
 
-<file path=ppt/tags/tag281.xml><?xml version="1.0" encoding="utf-8"?>
+<file path=ppt/tags/tag296.xml><?xml version="1.0" encoding="utf-8"?>
 <p:tagLst xmlns:a="http://schemas.openxmlformats.org/drawingml/2006/main" xmlns:r="http://schemas.openxmlformats.org/officeDocument/2006/relationships" xmlns:p="http://schemas.openxmlformats.org/presentationml/2006/main">
   <p:tag name="COLORS" val="-2;-2;-2;-2;-2;-2"/>
   <p:tag name="COLORSETCLASSNAME" val="ColorSet1"/>
@@ -30548,7 +32656,7 @@
 </p:tagLst>
 </file>
 
-<file path=ppt/tags/tag282.xml><?xml version="1.0" encoding="utf-8"?>
+<file path=ppt/tags/tag297.xml><?xml version="1.0" encoding="utf-8"?>
 <p:tagLst xmlns:a="http://schemas.openxmlformats.org/drawingml/2006/main" xmlns:r="http://schemas.openxmlformats.org/officeDocument/2006/relationships" xmlns:p="http://schemas.openxmlformats.org/presentationml/2006/main">
   <p:tag name="FONT" val="Bold6"/>
   <p:tag name="FONT2" val="Reg6"/>
@@ -30573,7 +32681,7 @@
 </p:tagLst>
 </file>
 
-<file path=ppt/tags/tag283.xml><?xml version="1.0" encoding="utf-8"?>
+<file path=ppt/tags/tag298.xml><?xml version="1.0" encoding="utf-8"?>
 <p:tagLst xmlns:a="http://schemas.openxmlformats.org/drawingml/2006/main" xmlns:r="http://schemas.openxmlformats.org/officeDocument/2006/relationships" xmlns:p="http://schemas.openxmlformats.org/presentationml/2006/main">
   <p:tag name="FONT" val="Reg6"/>
   <p:tag name="FONTSETCLASSNAME" val="FontSet1"/>
@@ -30595,7 +32703,7 @@
 </p:tagLst>
 </file>
 
-<file path=ppt/tags/tag284.xml><?xml version="1.0" encoding="utf-8"?>
+<file path=ppt/tags/tag299.xml><?xml version="1.0" encoding="utf-8"?>
 <p:tagLst xmlns:a="http://schemas.openxmlformats.org/drawingml/2006/main" xmlns:r="http://schemas.openxmlformats.org/officeDocument/2006/relationships" xmlns:p="http://schemas.openxmlformats.org/presentationml/2006/main">
   <p:tag name="FONT" val="Reg12"/>
   <p:tag name="FONTSETCLASSNAME" val="FontSet1"/>
@@ -30612,7 +32720,38 @@
 </p:tagLst>
 </file>
 
-<file path=ppt/tags/tag285.xml><?xml version="1.0" encoding="utf-8"?>
+<file path=ppt/tags/tag3.xml><?xml version="1.0" encoding="utf-8"?>
+<p:tagLst xmlns:a="http://schemas.openxmlformats.org/drawingml/2006/main" xmlns:r="http://schemas.openxmlformats.org/officeDocument/2006/relationships" xmlns:p="http://schemas.openxmlformats.org/presentationml/2006/main">
+  <p:tag name="COLORS" val="-2;-2;-2;-2;-2;-2"/>
+  <p:tag name="COLORSETCLASSNAME" val="ColorSet1"/>
+  <p:tag name="SHAPESETGROUPCLASSNAME" val="ShapeSetGroup1"/>
+  <p:tag name="SHAPESETCLASSNAME" val="Slide"/>
+  <p:tag name="COLORSETGROUPCLASSNAME" val="ColorSetGroup1"/>
+  <p:tag name="FONTSETGROUPCLASSNAME" val="FontSetGroup1"/>
+  <p:tag name="SHAPECLASSFILE" val="Bosch-Supergraphic-Bottom-16-9.png"/>
+  <p:tag name="MLI" val="1"/>
+  <p:tag name="SHAPECLASSNAME" val="ColorBarOnSlides"/>
+  <p:tag name="SHAPECLASSPROTECTIONTYPE" val="15"/>
+</p:tagLst>
+</file>
+
+<file path=ppt/tags/tag30.xml><?xml version="1.0" encoding="utf-8"?>
+<p:tagLst xmlns:a="http://schemas.openxmlformats.org/drawingml/2006/main" xmlns:r="http://schemas.openxmlformats.org/officeDocument/2006/relationships" xmlns:p="http://schemas.openxmlformats.org/presentationml/2006/main">
+  <p:tag name="FONTSETCLASSNAME" val="FontSet1"/>
+  <p:tag name="COLORSETCLASSNAME" val="ColorSet1"/>
+  <p:tag name="STYLENAME" val="Bodystyle"/>
+  <p:tag name="MLI" val="1"/>
+  <p:tag name="SHAPESETGROUPCLASSNAME" val="ShapeSetGroup1"/>
+  <p:tag name="SHAPESETCLASSNAME" val="Object"/>
+  <p:tag name="COLORSETGROUPCLASSNAME" val="ColorSetGroup3"/>
+  <p:tag name="FONTSETGROUPCLASSNAME" val="FontSetGroup1"/>
+  <p:tag name="SHAPECLASSNAME" val="ObjectFull"/>
+  <p:tag name="SHAPECLASSPROTECTIONTYPE" val="0"/>
+  <p:tag name="COLORS" val="Black;-1;-2;-2;-1;-2"/>
+</p:tagLst>
+</file>
+
+<file path=ppt/tags/tag300.xml><?xml version="1.0" encoding="utf-8"?>
 <p:tagLst xmlns:a="http://schemas.openxmlformats.org/drawingml/2006/main" xmlns:r="http://schemas.openxmlformats.org/officeDocument/2006/relationships" xmlns:p="http://schemas.openxmlformats.org/presentationml/2006/main">
   <p:tag name="FONT" val="Reg5x5"/>
   <p:tag name="FONTSETCLASSNAME" val="FontSet1"/>
@@ -30630,7 +32769,7 @@
 </p:tagLst>
 </file>
 
-<file path=ppt/tags/tag286.xml><?xml version="1.0" encoding="utf-8"?>
+<file path=ppt/tags/tag301.xml><?xml version="1.0" encoding="utf-8"?>
 <p:tagLst xmlns:a="http://schemas.openxmlformats.org/drawingml/2006/main" xmlns:r="http://schemas.openxmlformats.org/officeDocument/2006/relationships" xmlns:p="http://schemas.openxmlformats.org/presentationml/2006/main">
   <p:tag name="FONT" val="NavbarItem"/>
   <p:tag name="FONTSETCLASSNAME" val="FontSet1"/>
@@ -30646,7 +32785,7 @@
 </p:tagLst>
 </file>
 
-<file path=ppt/tags/tag287.xml><?xml version="1.0" encoding="utf-8"?>
+<file path=ppt/tags/tag302.xml><?xml version="1.0" encoding="utf-8"?>
 <p:tagLst xmlns:a="http://schemas.openxmlformats.org/drawingml/2006/main" xmlns:r="http://schemas.openxmlformats.org/officeDocument/2006/relationships" xmlns:p="http://schemas.openxmlformats.org/presentationml/2006/main">
   <p:tag name="FONT" val="Reg28"/>
   <p:tag name="FONTSETCLASSNAME" val="FontSet1"/>
@@ -30662,7 +32801,7 @@
 </p:tagLst>
 </file>
 
-<file path=ppt/tags/tag288.xml><?xml version="1.0" encoding="utf-8"?>
+<file path=ppt/tags/tag303.xml><?xml version="1.0" encoding="utf-8"?>
 <p:tagLst xmlns:a="http://schemas.openxmlformats.org/drawingml/2006/main" xmlns:r="http://schemas.openxmlformats.org/officeDocument/2006/relationships" xmlns:p="http://schemas.openxmlformats.org/presentationml/2006/main">
   <p:tag name="FONTSETCLASSNAME" val="FontSet1"/>
   <p:tag name="COLORS" val="-2;-2;-2;-2;-2;-2"/>
@@ -30675,53 +32814,6 @@
   <p:tag name="FONTSETGROUPCLASSNAME" val="FontSetGroup1"/>
   <p:tag name="SHAPECLASSNAME" val="BodyOnAgenda"/>
   <p:tag name="SHAPECLASSPROTECTIONTYPE" val="0"/>
-</p:tagLst>
-</file>
-
-<file path=ppt/tags/tag29.xml><?xml version="1.0" encoding="utf-8"?>
-<p:tagLst xmlns:a="http://schemas.openxmlformats.org/drawingml/2006/main" xmlns:r="http://schemas.openxmlformats.org/officeDocument/2006/relationships" xmlns:p="http://schemas.openxmlformats.org/presentationml/2006/main">
-  <p:tag name="FONT" val="NavbarItem"/>
-  <p:tag name="FONTSETCLASSNAME" val="FontSet1"/>
-  <p:tag name="COLORS" val="-2;-2;-2;-2;-2;-2"/>
-  <p:tag name="COLORSETCLASSNAME" val="ColorSet1"/>
-  <p:tag name="MLI" val="1"/>
-  <p:tag name="SHAPESETGROUPCLASSNAME" val="ShapeSetGroup1"/>
-  <p:tag name="SHAPESETCLASSNAME" val="Object"/>
-  <p:tag name="COLORSETGROUPCLASSNAME" val="ColorSetGroup3"/>
-  <p:tag name="FONTSETGROUPCLASSNAME" val="FontSetGroup1"/>
-  <p:tag name="SHAPECLASSNAME" val="tNavbar"/>
-  <p:tag name="SHAPECLASSPROTECTIONTYPE" val=" 31"/>
-</p:tagLst>
-</file>
-
-<file path=ppt/tags/tag3.xml><?xml version="1.0" encoding="utf-8"?>
-<p:tagLst xmlns:a="http://schemas.openxmlformats.org/drawingml/2006/main" xmlns:r="http://schemas.openxmlformats.org/officeDocument/2006/relationships" xmlns:p="http://schemas.openxmlformats.org/presentationml/2006/main">
-  <p:tag name="COLORS" val="-2;-2;-2;-2;-2;-2"/>
-  <p:tag name="COLORSETCLASSNAME" val="ColorSet1"/>
-  <p:tag name="SHAPESETGROUPCLASSNAME" val="ShapeSetGroup1"/>
-  <p:tag name="SHAPESETCLASSNAME" val="Slide"/>
-  <p:tag name="COLORSETGROUPCLASSNAME" val="ColorSetGroup1"/>
-  <p:tag name="FONTSETGROUPCLASSNAME" val="FontSetGroup1"/>
-  <p:tag name="SHAPECLASSFILE" val="Bosch-Supergraphic-Bottom-16-9.png"/>
-  <p:tag name="MLI" val="1"/>
-  <p:tag name="SHAPECLASSNAME" val="ColorBarOnSlides"/>
-  <p:tag name="SHAPECLASSPROTECTIONTYPE" val="15"/>
-</p:tagLst>
-</file>
-
-<file path=ppt/tags/tag30.xml><?xml version="1.0" encoding="utf-8"?>
-<p:tagLst xmlns:a="http://schemas.openxmlformats.org/drawingml/2006/main" xmlns:r="http://schemas.openxmlformats.org/officeDocument/2006/relationships" xmlns:p="http://schemas.openxmlformats.org/presentationml/2006/main">
-  <p:tag name="FONTSETCLASSNAME" val="FontSet1"/>
-  <p:tag name="COLORSETCLASSNAME" val="ColorSet1"/>
-  <p:tag name="STYLENAME" val="Bodystyle"/>
-  <p:tag name="MLI" val="1"/>
-  <p:tag name="SHAPESETGROUPCLASSNAME" val="ShapeSetGroup1"/>
-  <p:tag name="SHAPESETCLASSNAME" val="Object"/>
-  <p:tag name="COLORSETGROUPCLASSNAME" val="ColorSetGroup3"/>
-  <p:tag name="FONTSETGROUPCLASSNAME" val="FontSetGroup1"/>
-  <p:tag name="SHAPECLASSNAME" val="ObjectFull"/>
-  <p:tag name="SHAPECLASSPROTECTIONTYPE" val="0"/>
-  <p:tag name="COLORS" val="Black;-1;-2;-2;-1;-2"/>
 </p:tagLst>
 </file>
 

--- a/Präsi/Präsi.pptx
+++ b/Präsi/Präsi.pptx
@@ -20,20 +20,20 @@
     <p:sldId id="289" r:id="rId14"/>
     <p:sldId id="277" r:id="rId15"/>
     <p:sldId id="278" r:id="rId16"/>
-    <p:sldId id="279" r:id="rId17"/>
-    <p:sldId id="280" r:id="rId18"/>
+    <p:sldId id="290" r:id="rId17"/>
+    <p:sldId id="279" r:id="rId18"/>
     <p:sldId id="265" r:id="rId19"/>
-    <p:sldId id="270" r:id="rId20"/>
+    <p:sldId id="291" r:id="rId20"/>
     <p:sldId id="281" r:id="rId21"/>
-    <p:sldId id="282" r:id="rId22"/>
-    <p:sldId id="283" r:id="rId23"/>
-    <p:sldId id="284" r:id="rId24"/>
-    <p:sldId id="266" r:id="rId25"/>
-    <p:sldId id="269" r:id="rId26"/>
-    <p:sldId id="267" r:id="rId27"/>
-    <p:sldId id="271" r:id="rId28"/>
-    <p:sldId id="272" r:id="rId29"/>
-    <p:sldId id="285" r:id="rId30"/>
+    <p:sldId id="292" r:id="rId22"/>
+    <p:sldId id="282" r:id="rId23"/>
+    <p:sldId id="283" r:id="rId24"/>
+    <p:sldId id="284" r:id="rId25"/>
+    <p:sldId id="266" r:id="rId26"/>
+    <p:sldId id="269" r:id="rId27"/>
+    <p:sldId id="267" r:id="rId28"/>
+    <p:sldId id="271" r:id="rId29"/>
+    <p:sldId id="272" r:id="rId30"/>
   </p:sldIdLst>
   <p:sldSz cx="10969625" cy="6170613"/>
   <p:notesSz cx="6858000" cy="9144000"/>
@@ -4185,8 +4185,8 @@
           </a:p>
         </p:txBody>
       </p:sp>
-      <mc:AlternateContent xmlns:mc="http://schemas.openxmlformats.org/markup-compatibility/2006">
-        <mc:Choice xmlns:a14="http://schemas.microsoft.com/office/drawing/2010/main" Requires="a14">
+      <mc:AlternateContent xmlns:mc="http://schemas.openxmlformats.org/markup-compatibility/2006" xmlns:a14="http://schemas.microsoft.com/office/drawing/2010/main">
+        <mc:Choice Requires="a14">
           <p:sp>
             <p:nvSpPr>
               <p:cNvPr id="17" name="Inhaltsplatzhalter 16"/>
@@ -5733,7 +5733,7 @@
             </p:txBody>
           </p:sp>
         </mc:Choice>
-        <mc:Fallback>
+        <mc:Fallback xmlns="">
           <p:sp>
             <p:nvSpPr>
               <p:cNvPr id="17" name="Inhaltsplatzhalter 16"/>
@@ -5743,7 +5743,7 @@
               <p:nvPr>
                 <p:ph idx="1"/>
                 <p:custDataLst>
-                  <p:tags r:id="rId5"/>
+                  <p:tags r:id="rId15"/>
                 </p:custDataLst>
               </p:nvPr>
             </p:nvSpPr>
@@ -5753,7 +5753,7 @@
                 <a:ext cx="10452100" cy="4420870"/>
               </a:xfrm>
               <a:blipFill rotWithShape="0">
-                <a:blip r:embed="rId15"/>
+                <a:blip r:embed="rId16"/>
                 <a:stretch>
                   <a:fillRect l="-992" t="-1241"/>
                 </a:stretch>
@@ -6500,8 +6500,8 @@
           </a:p>
         </p:txBody>
       </p:sp>
-      <mc:AlternateContent xmlns:mc="http://schemas.openxmlformats.org/markup-compatibility/2006">
-        <mc:Choice xmlns:a14="http://schemas.microsoft.com/office/drawing/2010/main" Requires="a14">
+      <mc:AlternateContent xmlns:mc="http://schemas.openxmlformats.org/markup-compatibility/2006" xmlns:a14="http://schemas.microsoft.com/office/drawing/2010/main">
+        <mc:Choice Requires="a14">
           <p:sp>
             <p:nvSpPr>
               <p:cNvPr id="17" name="Inhaltsplatzhalter 16"/>
@@ -6767,7 +6767,7 @@
             </p:txBody>
           </p:sp>
         </mc:Choice>
-        <mc:Fallback>
+        <mc:Fallback xmlns="">
           <p:sp>
             <p:nvSpPr>
               <p:cNvPr id="17" name="Inhaltsplatzhalter 16"/>
@@ -6777,7 +6777,7 @@
               <p:nvPr>
                 <p:ph idx="1"/>
                 <p:custDataLst>
-                  <p:tags r:id="rId5"/>
+                  <p:tags r:id="rId15"/>
                 </p:custDataLst>
               </p:nvPr>
             </p:nvSpPr>
@@ -6787,7 +6787,7 @@
                 <a:ext cx="10452100" cy="4272915"/>
               </a:xfrm>
               <a:blipFill rotWithShape="0">
-                <a:blip r:embed="rId15"/>
+                <a:blip r:embed="rId16"/>
                 <a:stretch>
                   <a:fillRect l="-1692" t="-2140"/>
                 </a:stretch>
@@ -7534,8 +7534,8 @@
           </a:p>
         </p:txBody>
       </p:sp>
-      <mc:AlternateContent xmlns:mc="http://schemas.openxmlformats.org/markup-compatibility/2006">
-        <mc:Choice xmlns:a14="http://schemas.microsoft.com/office/drawing/2010/main" Requires="a14">
+      <mc:AlternateContent xmlns:mc="http://schemas.openxmlformats.org/markup-compatibility/2006" xmlns:a14="http://schemas.microsoft.com/office/drawing/2010/main">
+        <mc:Choice Requires="a14">
           <p:sp>
             <p:nvSpPr>
               <p:cNvPr id="17" name="Inhaltsplatzhalter 16"/>
@@ -8152,7 +8152,7 @@
             </p:txBody>
           </p:sp>
         </mc:Choice>
-        <mc:Fallback>
+        <mc:Fallback xmlns="">
           <p:sp>
             <p:nvSpPr>
               <p:cNvPr id="17" name="Inhaltsplatzhalter 16"/>
@@ -8162,7 +8162,7 @@
               <p:nvPr>
                 <p:ph idx="1"/>
                 <p:custDataLst>
-                  <p:tags r:id="rId5"/>
+                  <p:tags r:id="rId16"/>
                 </p:custDataLst>
               </p:nvPr>
             </p:nvSpPr>
@@ -8172,7 +8172,7 @@
                 <a:ext cx="10452100" cy="4272915"/>
               </a:xfrm>
               <a:blipFill rotWithShape="0">
-                <a:blip r:embed="rId16"/>
+                <a:blip r:embed="rId17"/>
                 <a:stretch>
                   <a:fillRect l="-1284" t="-1854"/>
                 </a:stretch>
@@ -8730,7 +8730,7 @@
           </p:nvPr>
         </p:nvPicPr>
         <p:blipFill>
-          <a:blip r:embed="rId17" cstate="print">
+          <a:blip r:embed="rId18" cstate="print">
             <a:extLst>
               <a:ext uri="{28A0092B-C50C-407E-A947-70E740481C1C}">
                 <a14:useLocalDpi xmlns:a14="http://schemas.microsoft.com/office/drawing/2010/main" val="0"/>
@@ -10034,17 +10034,77 @@
               <a:t>Anwendung der </a:t>
             </a:r>
             <a:r>
+              <a:rPr lang="de-DE" sz="1200" dirty="0" smtClean="0">
+                <a:sym typeface="Wingdings" panose="05000000000000000000" pitchFamily="2" charset="2"/>
+              </a:rPr>
+              <a:t>vordefiniert </a:t>
+            </a:r>
+            <a:r>
+              <a:rPr lang="de-DE" sz="1200" dirty="0" smtClean="0">
+                <a:sym typeface="Wingdings" panose="05000000000000000000" pitchFamily="2" charset="2"/>
+              </a:rPr>
+              <a:t>(IF-ELSE) </a:t>
+            </a:r>
+            <a:r>
+              <a:rPr lang="de-DE" sz="1200" dirty="0" smtClean="0">
+                <a:sym typeface="Wingdings" panose="05000000000000000000" pitchFamily="2" charset="2"/>
+              </a:rPr>
+              <a:t>Regeln</a:t>
+            </a:r>
+          </a:p>
+          <a:p>
+            <a:pPr lvl="2"/>
+            <a:r>
               <a:rPr lang="de-DE" sz="1200" dirty="0" err="1" smtClean="0">
                 <a:sym typeface="Wingdings" panose="05000000000000000000" pitchFamily="2" charset="2"/>
               </a:rPr>
-              <a:t>vordefniert</a:t>
-            </a:r>
-            <a:r>
-              <a:rPr lang="de-DE" sz="1200" smtClean="0">
+              <a:t>Defuzzifizierungsmethode</a:t>
+            </a:r>
+            <a:r>
+              <a:rPr lang="de-DE" sz="1200" dirty="0" smtClean="0">
                 <a:sym typeface="Wingdings" panose="05000000000000000000" pitchFamily="2" charset="2"/>
               </a:rPr>
-              <a:t> (IF-ELSE) Regeln</a:t>
-            </a:r>
+              <a:t>: Schwerpunkt, Zentrum der Region, </a:t>
+            </a:r>
+            <a:r>
+              <a:rPr lang="de-DE" sz="1200" dirty="0" err="1">
+                <a:sym typeface="Wingdings" panose="05000000000000000000" pitchFamily="2" charset="2"/>
+              </a:rPr>
+              <a:t>r</a:t>
+            </a:r>
+            <a:r>
+              <a:rPr lang="de-DE" sz="1200" dirty="0" err="1" smtClean="0">
+                <a:sym typeface="Wingdings" panose="05000000000000000000" pitchFamily="2" charset="2"/>
+              </a:rPr>
+              <a:t>ightmost</a:t>
+            </a:r>
+            <a:r>
+              <a:rPr lang="de-DE" sz="1200" dirty="0" smtClean="0">
+                <a:sym typeface="Wingdings" panose="05000000000000000000" pitchFamily="2" charset="2"/>
+              </a:rPr>
+              <a:t> Maximum, </a:t>
+            </a:r>
+            <a:r>
+              <a:rPr lang="de-DE" sz="1200" dirty="0" err="1">
+                <a:sym typeface="Wingdings" panose="05000000000000000000" pitchFamily="2" charset="2"/>
+              </a:rPr>
+              <a:t>l</a:t>
+            </a:r>
+            <a:r>
+              <a:rPr lang="de-DE" sz="1200" dirty="0" err="1" smtClean="0">
+                <a:sym typeface="Wingdings" panose="05000000000000000000" pitchFamily="2" charset="2"/>
+              </a:rPr>
+              <a:t>eftmost</a:t>
+            </a:r>
+            <a:r>
+              <a:rPr lang="de-DE" sz="1200" dirty="0" smtClean="0">
+                <a:sym typeface="Wingdings" panose="05000000000000000000" pitchFamily="2" charset="2"/>
+              </a:rPr>
+              <a:t> Maximum, durchschnittliches Maximum</a:t>
+            </a:r>
+            <a:endParaRPr lang="de-DE" sz="1200" dirty="0" smtClean="0">
+              <a:sym typeface="Wingdings" panose="05000000000000000000" pitchFamily="2" charset="2"/>
+            </a:endParaRPr>
           </a:p>
           <a:p>
             <a:pPr lvl="2"/>
@@ -10422,7 +10482,7 @@
       </p:sp>
       <p:sp>
         <p:nvSpPr>
-          <p:cNvPr id="4" name="Rechteck 3"/>
+          <p:cNvPr id="4" name="Rechteck 3" hidden="1"/>
           <p:cNvSpPr>
             <a:spLocks/>
           </p:cNvSpPr>
@@ -10651,7 +10711,7 @@
 </file>
 
 <file path=ppt/slides/slide16.xml><?xml version="1.0" encoding="utf-8"?>
-<p:sld xmlns:a="http://schemas.openxmlformats.org/drawingml/2006/main" xmlns:r="http://schemas.openxmlformats.org/officeDocument/2006/relationships" xmlns:p="http://schemas.openxmlformats.org/presentationml/2006/main" showMasterSp="0">
+<p:sld xmlns:a="http://schemas.openxmlformats.org/drawingml/2006/main" xmlns:r="http://schemas.openxmlformats.org/officeDocument/2006/relationships" xmlns:p="http://schemas.openxmlformats.org/presentationml/2006/main">
   <p:cSld>
     <p:spTree>
       <p:nvGrpSpPr>
@@ -10669,7 +10729,7 @@
       </p:grpSpPr>
       <p:pic>
         <p:nvPicPr>
-          <p:cNvPr id="10" name="Grafik 9"/>
+          <p:cNvPr id="16" name="Grafik 15"/>
           <p:cNvPicPr>
             <a:picLocks/>
           </p:cNvPicPr>
@@ -10680,7 +10740,7 @@
           </p:nvPr>
         </p:nvPicPr>
         <p:blipFill>
-          <a:blip r:embed="rId12" cstate="print">
+          <a:blip r:embed="rId14" cstate="print">
             <a:extLst>
               <a:ext uri="{28A0092B-C50C-407E-A947-70E740481C1C}">
                 <a14:useLocalDpi xmlns:a14="http://schemas.microsoft.com/office/drawing/2010/main" val="0"/>
@@ -10718,7 +10778,7 @@
       </p:pic>
       <p:pic>
         <p:nvPicPr>
-          <p:cNvPr id="9" name="Grafik 8"/>
+          <p:cNvPr id="13" name="Grafik 12"/>
           <p:cNvPicPr>
             <a:picLocks/>
           </p:cNvPicPr>
@@ -10729,7 +10789,7 @@
           </p:nvPr>
         </p:nvPicPr>
         <p:blipFill>
-          <a:blip r:embed="rId13">
+          <a:blip r:embed="rId15">
             <a:extLst>
               <a:ext uri="{28A0092B-C50C-407E-A947-70E740481C1C}">
                 <a14:useLocalDpi xmlns:a14="http://schemas.microsoft.com/office/drawing/2010/main" val="0"/>
@@ -10767,13 +10827,369 @@
       </p:pic>
       <p:sp>
         <p:nvSpPr>
+          <p:cNvPr id="2" name="Titel 1"/>
+          <p:cNvSpPr>
+            <a:spLocks noGrp="1"/>
+          </p:cNvSpPr>
+          <p:nvPr>
+            <p:ph type="title"/>
+            <p:custDataLst>
+              <p:tags r:id="rId4"/>
+            </p:custDataLst>
+          </p:nvPr>
+        </p:nvSpPr>
+        <p:spPr>
+          <a:xfrm>
+            <a:off x="259080" y="647700"/>
+            <a:ext cx="10452100" cy="388620"/>
+          </a:xfrm>
+          <a:effectLst/>
+          <a:extLst>
+            <a:ext uri="{AF507438-7753-43E0-B8FC-AC1667EBCBE1}">
+              <a14:hiddenEffects xmlns:a14="http://schemas.microsoft.com/office/drawing/2010/main">
+                <a:effectLst>
+                  <a:outerShdw blurRad="63500" rotWithShape="0">
+                    <a:scrgbClr r="0" g="0" b="0"/>
+                  </a:outerShdw>
+                </a:effectLst>
+              </a14:hiddenEffects>
+            </a:ext>
+            <a:ext uri="{53640926-AAD7-44D8-BBD7-CCE9431645EC}">
+              <a14:shadowObscured xmlns:a14="http://schemas.microsoft.com/office/drawing/2010/main"/>
+            </a:ext>
+          </a:extLst>
+        </p:spPr>
+        <p:txBody>
+          <a:bodyPr wrap="square" lIns="0" tIns="0" rIns="0" bIns="0" anchor="t">
+            <a:noAutofit/>
+          </a:bodyPr>
+          <a:lstStyle/>
+          <a:p>
+            <a:pPr>
+              <a:lnSpc>
+                <a:spcPct val="89000"/>
+              </a:lnSpc>
+              <a:spcBef>
+                <a:spcPts val="0"/>
+              </a:spcBef>
+            </a:pPr>
+            <a:r>
+              <a:rPr lang="de-DE" sz="2800" dirty="0" smtClean="0">
+                <a:solidFill>
+                  <a:srgbClr val="67B419"/>
+                </a:solidFill>
+              </a:rPr>
+              <a:t>Fuzzylogik</a:t>
+            </a:r>
+            <a:endParaRPr lang="de-DE" sz="2800" dirty="0">
+              <a:solidFill>
+                <a:srgbClr val="67B419"/>
+              </a:solidFill>
+            </a:endParaRPr>
+          </a:p>
+        </p:txBody>
+      </p:sp>
+      <p:sp>
+        <p:nvSpPr>
+          <p:cNvPr id="17" name="Inhaltsplatzhalter 16"/>
+          <p:cNvSpPr>
+            <a:spLocks noGrp="1"/>
+          </p:cNvSpPr>
+          <p:nvPr>
+            <p:ph idx="1"/>
+            <p:custDataLst>
+              <p:tags r:id="rId5"/>
+            </p:custDataLst>
+          </p:nvPr>
+        </p:nvSpPr>
+        <p:spPr>
+          <a:xfrm>
+            <a:off x="259080" y="1295400"/>
+            <a:ext cx="10594340" cy="4168140"/>
+          </a:xfrm>
+          <a:solidFill>
+            <a:scrgbClr r="0" g="0" b="0">
+              <a:alpha val="0"/>
+            </a:scrgbClr>
+          </a:solidFill>
+          <a:effectLst/>
+          <a:extLst>
+            <a:ext uri="{AF507438-7753-43E0-B8FC-AC1667EBCBE1}">
+              <a14:hiddenEffects xmlns:a14="http://schemas.microsoft.com/office/drawing/2010/main">
+                <a:effectLst>
+                  <a:outerShdw blurRad="63500" rotWithShape="0">
+                    <a:scrgbClr r="0" g="0" b="0"/>
+                  </a:outerShdw>
+                </a:effectLst>
+              </a14:hiddenEffects>
+            </a:ext>
+            <a:ext uri="{53640926-AAD7-44D8-BBD7-CCE9431645EC}">
+              <a14:shadowObscured xmlns:a14="http://schemas.microsoft.com/office/drawing/2010/main"/>
+            </a:ext>
+          </a:extLst>
+        </p:spPr>
+        <p:txBody>
+          <a:bodyPr wrap="square" lIns="0" tIns="0" rIns="0" bIns="0" anchor="t">
+            <a:noAutofit/>
+          </a:bodyPr>
+          <a:lstStyle/>
+          <a:p>
+            <a:pPr lvl="1"/>
+            <a:r>
+              <a:rPr lang="de-DE" dirty="0" smtClean="0">
+                <a:sym typeface="Wingdings" panose="05000000000000000000" pitchFamily="2" charset="2"/>
+              </a:rPr>
+              <a:t>Beispiel:</a:t>
+            </a:r>
+          </a:p>
+          <a:p>
+            <a:pPr lvl="2"/>
+            <a:r>
+              <a:rPr lang="de-DE" dirty="0" smtClean="0">
+                <a:sym typeface="Wingdings" panose="05000000000000000000" pitchFamily="2" charset="2"/>
+              </a:rPr>
+              <a:t>Raumtemperatur und Ventilöffnung</a:t>
+            </a:r>
+          </a:p>
+          <a:p>
+            <a:pPr lvl="2"/>
+            <a:r>
+              <a:rPr lang="de-DE" dirty="0" smtClean="0">
+                <a:sym typeface="Wingdings" panose="05000000000000000000" pitchFamily="2" charset="2"/>
+              </a:rPr>
+              <a:t>Zugehörigkeitsfunktion: einfach Dreieck</a:t>
+            </a:r>
+            <a:endParaRPr lang="de-DE" dirty="0" smtClean="0">
+              <a:sym typeface="Wingdings" panose="05000000000000000000" pitchFamily="2" charset="2"/>
+            </a:endParaRPr>
+          </a:p>
+          <a:p>
+            <a:pPr lvl="2"/>
+            <a:r>
+              <a:rPr lang="de-DE" dirty="0" smtClean="0">
+                <a:sym typeface="Wingdings" panose="05000000000000000000" pitchFamily="2" charset="2"/>
+              </a:rPr>
+              <a:t>(IF-ELSE) Regeln:</a:t>
+            </a:r>
+          </a:p>
+          <a:p>
+            <a:pPr lvl="3"/>
+            <a:r>
+              <a:rPr lang="de-DE" dirty="0" smtClean="0">
+                <a:sym typeface="Wingdings" panose="05000000000000000000" pitchFamily="2" charset="2"/>
+              </a:rPr>
+              <a:t>IF </a:t>
+            </a:r>
+            <a:r>
+              <a:rPr lang="de-DE" dirty="0" err="1" smtClean="0">
+                <a:sym typeface="Wingdings" panose="05000000000000000000" pitchFamily="2" charset="2"/>
+              </a:rPr>
+              <a:t>temperatur</a:t>
+            </a:r>
+            <a:r>
+              <a:rPr lang="de-DE" dirty="0" smtClean="0">
+                <a:sym typeface="Wingdings" panose="05000000000000000000" pitchFamily="2" charset="2"/>
+              </a:rPr>
+              <a:t> IS </a:t>
+            </a:r>
+            <a:r>
+              <a:rPr lang="de-DE" dirty="0" err="1" smtClean="0">
+                <a:sym typeface="Wingdings" panose="05000000000000000000" pitchFamily="2" charset="2"/>
+              </a:rPr>
+              <a:t>low</a:t>
+            </a:r>
+            <a:r>
+              <a:rPr lang="de-DE" dirty="0" smtClean="0">
+                <a:sym typeface="Wingdings" panose="05000000000000000000" pitchFamily="2" charset="2"/>
+              </a:rPr>
+              <a:t> THEN</a:t>
+            </a:r>
+          </a:p>
+          <a:p>
+            <a:pPr marL="748030" lvl="8" indent="0">
+              <a:buNone/>
+            </a:pPr>
+            <a:r>
+              <a:rPr lang="de-DE" dirty="0">
+                <a:sym typeface="Wingdings" panose="05000000000000000000" pitchFamily="2" charset="2"/>
+              </a:rPr>
+              <a:t> </a:t>
+            </a:r>
+            <a:r>
+              <a:rPr lang="de-DE" dirty="0" smtClean="0">
+                <a:sym typeface="Wingdings" panose="05000000000000000000" pitchFamily="2" charset="2"/>
+              </a:rPr>
+              <a:t>        </a:t>
+            </a:r>
+            <a:r>
+              <a:rPr lang="de-DE" dirty="0" err="1" smtClean="0">
+                <a:sym typeface="Wingdings" panose="05000000000000000000" pitchFamily="2" charset="2"/>
+              </a:rPr>
+              <a:t>thermostat</a:t>
+            </a:r>
+            <a:r>
+              <a:rPr lang="de-DE" dirty="0" smtClean="0">
+                <a:sym typeface="Wingdings" panose="05000000000000000000" pitchFamily="2" charset="2"/>
+              </a:rPr>
+              <a:t> IS high</a:t>
+            </a:r>
+          </a:p>
+          <a:p>
+            <a:pPr lvl="3"/>
+            <a:r>
+              <a:rPr lang="de-DE" dirty="0">
+                <a:sym typeface="Wingdings" panose="05000000000000000000" pitchFamily="2" charset="2"/>
+              </a:rPr>
+              <a:t>IF </a:t>
+            </a:r>
+            <a:r>
+              <a:rPr lang="de-DE" dirty="0" err="1">
+                <a:sym typeface="Wingdings" panose="05000000000000000000" pitchFamily="2" charset="2"/>
+              </a:rPr>
+              <a:t>temperatur</a:t>
+            </a:r>
+            <a:r>
+              <a:rPr lang="de-DE" dirty="0">
+                <a:sym typeface="Wingdings" panose="05000000000000000000" pitchFamily="2" charset="2"/>
+              </a:rPr>
+              <a:t> IS </a:t>
+            </a:r>
+            <a:r>
+              <a:rPr lang="de-DE" dirty="0" err="1" smtClean="0">
+                <a:sym typeface="Wingdings" panose="05000000000000000000" pitchFamily="2" charset="2"/>
+              </a:rPr>
+              <a:t>mediumTHEN</a:t>
+            </a:r>
+            <a:endParaRPr lang="de-DE" dirty="0">
+              <a:sym typeface="Wingdings" panose="05000000000000000000" pitchFamily="2" charset="2"/>
+            </a:endParaRPr>
+          </a:p>
+          <a:p>
+            <a:pPr marL="748030" lvl="8" indent="0">
+              <a:buNone/>
+            </a:pPr>
+            <a:r>
+              <a:rPr lang="de-DE" dirty="0">
+                <a:sym typeface="Wingdings" panose="05000000000000000000" pitchFamily="2" charset="2"/>
+              </a:rPr>
+              <a:t>         </a:t>
+            </a:r>
+            <a:r>
+              <a:rPr lang="de-DE" dirty="0" err="1">
+                <a:sym typeface="Wingdings" panose="05000000000000000000" pitchFamily="2" charset="2"/>
+              </a:rPr>
+              <a:t>thermostat</a:t>
+            </a:r>
+            <a:r>
+              <a:rPr lang="de-DE" dirty="0">
+                <a:sym typeface="Wingdings" panose="05000000000000000000" pitchFamily="2" charset="2"/>
+              </a:rPr>
+              <a:t> IS </a:t>
+            </a:r>
+            <a:r>
+              <a:rPr lang="de-DE" dirty="0" smtClean="0">
+                <a:sym typeface="Wingdings" panose="05000000000000000000" pitchFamily="2" charset="2"/>
+              </a:rPr>
+              <a:t>medium</a:t>
+            </a:r>
+            <a:endParaRPr lang="de-DE" dirty="0">
+              <a:sym typeface="Wingdings" panose="05000000000000000000" pitchFamily="2" charset="2"/>
+            </a:endParaRPr>
+          </a:p>
+          <a:p>
+            <a:pPr lvl="3"/>
+            <a:r>
+              <a:rPr lang="de-DE" dirty="0">
+                <a:sym typeface="Wingdings" panose="05000000000000000000" pitchFamily="2" charset="2"/>
+              </a:rPr>
+              <a:t>IF </a:t>
+            </a:r>
+            <a:r>
+              <a:rPr lang="de-DE" dirty="0" err="1">
+                <a:sym typeface="Wingdings" panose="05000000000000000000" pitchFamily="2" charset="2"/>
+              </a:rPr>
+              <a:t>temperatur</a:t>
+            </a:r>
+            <a:r>
+              <a:rPr lang="de-DE" dirty="0">
+                <a:sym typeface="Wingdings" panose="05000000000000000000" pitchFamily="2" charset="2"/>
+              </a:rPr>
+              <a:t> IS </a:t>
+            </a:r>
+            <a:r>
+              <a:rPr lang="de-DE" dirty="0" smtClean="0">
+                <a:sym typeface="Wingdings" panose="05000000000000000000" pitchFamily="2" charset="2"/>
+              </a:rPr>
+              <a:t>high </a:t>
+            </a:r>
+            <a:r>
+              <a:rPr lang="de-DE" dirty="0">
+                <a:sym typeface="Wingdings" panose="05000000000000000000" pitchFamily="2" charset="2"/>
+              </a:rPr>
+              <a:t>THEN</a:t>
+            </a:r>
+          </a:p>
+          <a:p>
+            <a:pPr marL="748030" lvl="8" indent="0">
+              <a:buNone/>
+            </a:pPr>
+            <a:r>
+              <a:rPr lang="de-DE" dirty="0">
+                <a:sym typeface="Wingdings" panose="05000000000000000000" pitchFamily="2" charset="2"/>
+              </a:rPr>
+              <a:t>         </a:t>
+            </a:r>
+            <a:r>
+              <a:rPr lang="de-DE" dirty="0" err="1">
+                <a:sym typeface="Wingdings" panose="05000000000000000000" pitchFamily="2" charset="2"/>
+              </a:rPr>
+              <a:t>thermostat</a:t>
+            </a:r>
+            <a:r>
+              <a:rPr lang="de-DE" dirty="0">
+                <a:sym typeface="Wingdings" panose="05000000000000000000" pitchFamily="2" charset="2"/>
+              </a:rPr>
+              <a:t> IS </a:t>
+            </a:r>
+            <a:r>
+              <a:rPr lang="de-DE" dirty="0" err="1" smtClean="0">
+                <a:sym typeface="Wingdings" panose="05000000000000000000" pitchFamily="2" charset="2"/>
+              </a:rPr>
+              <a:t>low</a:t>
+            </a:r>
+            <a:endParaRPr lang="de-DE" dirty="0">
+              <a:sym typeface="Wingdings" panose="05000000000000000000" pitchFamily="2" charset="2"/>
+            </a:endParaRPr>
+          </a:p>
+          <a:p>
+            <a:pPr lvl="2"/>
+            <a:r>
+              <a:rPr lang="de-DE" dirty="0" err="1" smtClean="0">
+                <a:sym typeface="Wingdings" panose="05000000000000000000" pitchFamily="2" charset="2"/>
+              </a:rPr>
+              <a:t>Defuzzifizierungdmethode</a:t>
+            </a:r>
+            <a:r>
+              <a:rPr lang="de-DE" dirty="0" smtClean="0">
+                <a:sym typeface="Wingdings" panose="05000000000000000000" pitchFamily="2" charset="2"/>
+              </a:rPr>
+              <a:t>: Schwerpunkt</a:t>
+            </a:r>
+            <a:endParaRPr lang="de-DE" dirty="0" smtClean="0">
+              <a:sym typeface="Wingdings" panose="05000000000000000000" pitchFamily="2" charset="2"/>
+            </a:endParaRPr>
+          </a:p>
+        </p:txBody>
+      </p:sp>
+      <p:sp>
+        <p:nvSpPr>
           <p:cNvPr id="8" name="Textfeld 7"/>
           <p:cNvSpPr txBox="1">
             <a:spLocks/>
           </p:cNvSpPr>
           <p:nvPr>
             <p:custDataLst>
-              <p:tags r:id="rId4"/>
+              <p:tags r:id="rId6"/>
             </p:custDataLst>
           </p:nvPr>
         </p:nvSpPr>
@@ -10841,7 +11257,7 @@
           </p:cNvSpPr>
           <p:nvPr>
             <p:custDataLst>
-              <p:tags r:id="rId5"/>
+              <p:tags r:id="rId7"/>
             </p:custDataLst>
           </p:nvPr>
         </p:nvSpPr>
@@ -10883,7 +11299,9 @@
           </a:extLst>
         </p:spPr>
         <p:txBody>
-          <a:bodyPr lIns="0" tIns="0" rIns="0" bIns="0" rtlCol="0" anchor="t"/>
+          <a:bodyPr wrap="square" lIns="0" tIns="0" rIns="0" bIns="0" rtlCol="0" anchor="t">
+            <a:noAutofit/>
+          </a:bodyPr>
           <a:lstStyle/>
           <a:p>
             <a:pPr marL="0" marR="0" indent="0" defTabSz="914400" eaLnBrk="1" fontAlgn="auto" latinLnBrk="0" hangingPunct="1">
@@ -10939,7 +11357,7 @@
           </p:cNvSpPr>
           <p:nvPr>
             <p:custDataLst>
-              <p:tags r:id="rId6"/>
+              <p:tags r:id="rId8"/>
             </p:custDataLst>
           </p:nvPr>
         </p:nvSpPr>
@@ -10981,7 +11399,9 @@
           </a:extLst>
         </p:spPr>
         <p:txBody>
-          <a:bodyPr lIns="0" tIns="0" rIns="0" bIns="0" rtlCol="0" anchor="t"/>
+          <a:bodyPr wrap="square" lIns="0" tIns="0" rIns="0" bIns="0" rtlCol="0" anchor="t">
+            <a:noAutofit/>
+          </a:bodyPr>
           <a:lstStyle/>
           <a:p>
             <a:pPr marL="0" marR="0" indent="0" defTabSz="914400" eaLnBrk="1" fontAlgn="auto" latinLnBrk="0" hangingPunct="1">
@@ -11039,7 +11459,7 @@
           </p:cNvSpPr>
           <p:nvPr>
             <p:custDataLst>
-              <p:tags r:id="rId7"/>
+              <p:tags r:id="rId9"/>
             </p:custDataLst>
           </p:nvPr>
         </p:nvSpPr>
@@ -11081,7 +11501,9 @@
           </a:extLst>
         </p:spPr>
         <p:txBody>
-          <a:bodyPr wrap="none" lIns="0" tIns="0" rIns="0" bIns="0" rtlCol="0" anchor="t"/>
+          <a:bodyPr wrap="none" lIns="0" tIns="0" rIns="0" bIns="0" rtlCol="0" anchor="t">
+            <a:noAutofit/>
+          </a:bodyPr>
           <a:lstStyle/>
           <a:p>
             <a:pPr marL="0" marR="0" indent="0" defTabSz="914400" eaLnBrk="1" fontAlgn="auto" latinLnBrk="0" hangingPunct="1">
@@ -11133,7 +11555,7 @@
           </p:cNvSpPr>
           <p:nvPr>
             <p:custDataLst>
-              <p:tags r:id="rId8"/>
+              <p:tags r:id="rId10"/>
             </p:custDataLst>
           </p:nvPr>
         </p:nvSpPr>
@@ -11175,7 +11597,7 @@
           </a:extLst>
         </p:spPr>
         <p:txBody>
-          <a:bodyPr lIns="0" tIns="17780" rIns="0" bIns="0" rtlCol="0" anchor="t">
+          <a:bodyPr wrap="square" lIns="0" tIns="17780" rIns="0" bIns="0" rtlCol="0" anchor="t">
             <a:normAutofit/>
           </a:bodyPr>
           <a:lstStyle/>
@@ -11207,10 +11629,12 @@
       <p:sp>
         <p:nvSpPr>
           <p:cNvPr id="3" name="Textfeld 2" hidden="1"/>
-          <p:cNvSpPr txBox="1"/>
+          <p:cNvSpPr txBox="1">
+            <a:spLocks/>
+          </p:cNvSpPr>
           <p:nvPr>
             <p:custDataLst>
-              <p:tags r:id="rId9"/>
+              <p:tags r:id="rId11"/>
             </p:custDataLst>
           </p:nvPr>
         </p:nvSpPr>
@@ -11266,85 +11690,47 @@
           </a:p>
         </p:txBody>
       </p:sp>
-      <p:sp>
-        <p:nvSpPr>
-          <p:cNvPr id="2" name="Titel 1"/>
-          <p:cNvSpPr>
-            <a:spLocks noGrp="1"/>
-          </p:cNvSpPr>
+      <p:pic>
+        <p:nvPicPr>
+          <p:cNvPr id="9" name="Grafik 8"/>
+          <p:cNvPicPr>
+            <a:picLocks noChangeAspect="1"/>
+          </p:cNvPicPr>
           <p:nvPr>
-            <p:ph type="title"/>
             <p:custDataLst>
-              <p:tags r:id="rId10"/>
+              <p:tags r:id="rId12"/>
             </p:custDataLst>
           </p:nvPr>
-        </p:nvSpPr>
+        </p:nvPicPr>
+        <p:blipFill>
+          <a:blip r:embed="rId16" cstate="print">
+            <a:extLst>
+              <a:ext uri="{28A0092B-C50C-407E-A947-70E740481C1C}">
+                <a14:useLocalDpi xmlns:a14="http://schemas.microsoft.com/office/drawing/2010/main" val="0"/>
+              </a:ext>
+            </a:extLst>
+          </a:blip>
+          <a:stretch>
+            <a:fillRect/>
+          </a:stretch>
+        </p:blipFill>
         <p:spPr>
           <a:xfrm>
-            <a:off x="259080" y="647700"/>
-            <a:ext cx="10452100" cy="388620"/>
+            <a:off x="4841358" y="236899"/>
+            <a:ext cx="3227468" cy="5310287"/>
           </a:xfrm>
-          <a:effectLst/>
-          <a:extLst>
-            <a:ext uri="{AF507438-7753-43E0-B8FC-AC1667EBCBE1}">
-              <a14:hiddenEffects xmlns:a14="http://schemas.microsoft.com/office/drawing/2010/main">
-                <a:effectLst>
-                  <a:outerShdw blurRad="63500" rotWithShape="0">
-                    <a:scrgbClr r="0" g="0" b="0"/>
-                  </a:outerShdw>
-                </a:effectLst>
-              </a14:hiddenEffects>
-            </a:ext>
-            <a:ext uri="{53640926-AAD7-44D8-BBD7-CCE9431645EC}">
-              <a14:shadowObscured xmlns:a14="http://schemas.microsoft.com/office/drawing/2010/main"/>
-            </a:ext>
-          </a:extLst>
+          <a:prstGeom prst="rect">
+            <a:avLst/>
+          </a:prstGeom>
         </p:spPr>
-        <p:txBody>
-          <a:bodyPr wrap="square" lIns="0" tIns="0" rIns="0" bIns="0" anchor="t">
-            <a:noAutofit/>
-          </a:bodyPr>
-          <a:lstStyle/>
-          <a:p>
-            <a:pPr>
-              <a:lnSpc>
-                <a:spcPct val="89000"/>
-              </a:lnSpc>
-              <a:spcBef>
-                <a:spcPts val="0"/>
-              </a:spcBef>
-            </a:pPr>
-            <a:r>
-              <a:rPr lang="de-DE" sz="2800" dirty="0" err="1" smtClean="0">
-                <a:solidFill>
-                  <a:srgbClr val="67B419"/>
-                </a:solidFill>
-              </a:rPr>
-              <a:t>OpenCV</a:t>
-            </a:r>
-            <a:r>
-              <a:rPr lang="de-DE" sz="2800" dirty="0" smtClean="0">
-                <a:solidFill>
-                  <a:srgbClr val="67B419"/>
-                </a:solidFill>
-              </a:rPr>
-              <a:t> Framework</a:t>
-            </a:r>
-            <a:endParaRPr lang="de-DE" sz="2800" dirty="0">
-              <a:solidFill>
-                <a:srgbClr val="67B419"/>
-              </a:solidFill>
-            </a:endParaRPr>
-          </a:p>
-        </p:txBody>
-      </p:sp>
+      </p:pic>
     </p:spTree>
     <p:custDataLst>
       <p:tags r:id="rId1"/>
     </p:custDataLst>
     <p:extLst>
       <p:ext uri="{BB962C8B-B14F-4D97-AF65-F5344CB8AC3E}">
-        <p14:creationId xmlns:p14="http://schemas.microsoft.com/office/powerpoint/2010/main" val="307777003"/>
+        <p14:creationId xmlns:p14="http://schemas.microsoft.com/office/powerpoint/2010/main" val="1013357953"/>
       </p:ext>
     </p:extLst>
   </p:cSld>
@@ -11380,7 +11766,7 @@
       </p:grpSpPr>
       <p:pic>
         <p:nvPicPr>
-          <p:cNvPr id="10" name="Grafik 9"/>
+          <p:cNvPr id="22" name="Grafik 21"/>
           <p:cNvPicPr>
             <a:picLocks/>
           </p:cNvPicPr>
@@ -11391,7 +11777,7 @@
           </p:nvPr>
         </p:nvPicPr>
         <p:blipFill>
-          <a:blip r:embed="rId12" cstate="print">
+          <a:blip r:embed="rId13" cstate="print">
             <a:extLst>
               <a:ext uri="{28A0092B-C50C-407E-A947-70E740481C1C}">
                 <a14:useLocalDpi xmlns:a14="http://schemas.microsoft.com/office/drawing/2010/main" val="0"/>
@@ -11429,7 +11815,7 @@
       </p:pic>
       <p:pic>
         <p:nvPicPr>
-          <p:cNvPr id="9" name="Grafik 8"/>
+          <p:cNvPr id="19" name="Grafik 18"/>
           <p:cNvPicPr>
             <a:picLocks/>
           </p:cNvPicPr>
@@ -11440,7 +11826,7 @@
           </p:nvPr>
         </p:nvPicPr>
         <p:blipFill>
-          <a:blip r:embed="rId13">
+          <a:blip r:embed="rId14">
             <a:extLst>
               <a:ext uri="{28A0092B-C50C-407E-A947-70E740481C1C}">
                 <a14:useLocalDpi xmlns:a14="http://schemas.microsoft.com/office/drawing/2010/main" val="0"/>
@@ -11478,13 +11864,111 @@
       </p:pic>
       <p:sp>
         <p:nvSpPr>
+          <p:cNvPr id="23" name="Inhaltsplatzhalter 22"/>
+          <p:cNvSpPr>
+            <a:spLocks noGrp="1"/>
+          </p:cNvSpPr>
+          <p:nvPr>
+            <p:ph idx="1"/>
+            <p:custDataLst>
+              <p:tags r:id="rId4"/>
+            </p:custDataLst>
+          </p:nvPr>
+        </p:nvSpPr>
+        <p:spPr>
+          <a:xfrm>
+            <a:off x="259080" y="1295400"/>
+            <a:ext cx="10452100" cy="4168140"/>
+          </a:xfrm>
+          <a:solidFill>
+            <a:scrgbClr r="0" g="0" b="0">
+              <a:alpha val="0"/>
+            </a:scrgbClr>
+          </a:solidFill>
+          <a:effectLst/>
+          <a:extLst>
+            <a:ext uri="{AF507438-7753-43E0-B8FC-AC1667EBCBE1}">
+              <a14:hiddenEffects xmlns:a14="http://schemas.microsoft.com/office/drawing/2010/main">
+                <a:effectLst>
+                  <a:outerShdw blurRad="63500" rotWithShape="0">
+                    <a:scrgbClr r="0" g="0" b="0"/>
+                  </a:outerShdw>
+                </a:effectLst>
+              </a14:hiddenEffects>
+            </a:ext>
+            <a:ext uri="{53640926-AAD7-44D8-BBD7-CCE9431645EC}">
+              <a14:shadowObscured xmlns:a14="http://schemas.microsoft.com/office/drawing/2010/main"/>
+            </a:ext>
+          </a:extLst>
+        </p:spPr>
+        <p:txBody>
+          <a:bodyPr wrap="square" lIns="0" tIns="0" rIns="0" bIns="0" anchor="t">
+            <a:noAutofit/>
+          </a:bodyPr>
+          <a:lstStyle/>
+          <a:p>
+            <a:r>
+              <a:rPr lang="de-DE" dirty="0" smtClean="0"/>
+              <a:t>Open-</a:t>
+            </a:r>
+            <a:r>
+              <a:rPr lang="de-DE" dirty="0" err="1" smtClean="0"/>
+              <a:t>source</a:t>
+            </a:r>
+            <a:r>
+              <a:rPr lang="de-DE" dirty="0" smtClean="0"/>
+              <a:t> Bibliothek für Computer Vision</a:t>
+            </a:r>
+          </a:p>
+          <a:p>
+            <a:r>
+              <a:rPr lang="de-DE" dirty="0" smtClean="0"/>
+              <a:t>Ist in C und C++ programmiert</a:t>
+            </a:r>
+          </a:p>
+          <a:p>
+            <a:r>
+              <a:rPr lang="de-DE" dirty="0" smtClean="0"/>
+              <a:t>Kann mit Java, Python, Ruby, </a:t>
+            </a:r>
+            <a:r>
+              <a:rPr lang="de-DE" dirty="0" err="1" smtClean="0"/>
+              <a:t>Mathlab</a:t>
+            </a:r>
+            <a:r>
+              <a:rPr lang="de-DE" dirty="0" smtClean="0"/>
+              <a:t>… verwendet werden</a:t>
+            </a:r>
+          </a:p>
+          <a:p>
+            <a:r>
+              <a:rPr lang="de-DE" dirty="0" smtClean="0"/>
+              <a:t>Kann auf Windows, Linux … verwendet werden</a:t>
+            </a:r>
+          </a:p>
+          <a:p>
+            <a:r>
+              <a:rPr lang="de-DE" dirty="0" smtClean="0"/>
+              <a:t>Unterstützt auch maschinelles Lernen, neuronaler Netze…</a:t>
+            </a:r>
+          </a:p>
+          <a:p>
+            <a:endParaRPr lang="de-DE" dirty="0" smtClean="0"/>
+          </a:p>
+          <a:p>
+            <a:endParaRPr lang="de-DE" dirty="0"/>
+          </a:p>
+        </p:txBody>
+      </p:sp>
+      <p:sp>
+        <p:nvSpPr>
           <p:cNvPr id="8" name="Textfeld 7"/>
           <p:cNvSpPr txBox="1">
             <a:spLocks/>
           </p:cNvSpPr>
           <p:nvPr>
             <p:custDataLst>
-              <p:tags r:id="rId4"/>
+              <p:tags r:id="rId5"/>
             </p:custDataLst>
           </p:nvPr>
         </p:nvSpPr>
@@ -11552,7 +12036,7 @@
           </p:cNvSpPr>
           <p:nvPr>
             <p:custDataLst>
-              <p:tags r:id="rId5"/>
+              <p:tags r:id="rId6"/>
             </p:custDataLst>
           </p:nvPr>
         </p:nvSpPr>
@@ -11594,7 +12078,9 @@
           </a:extLst>
         </p:spPr>
         <p:txBody>
-          <a:bodyPr lIns="0" tIns="0" rIns="0" bIns="0" rtlCol="0" anchor="t"/>
+          <a:bodyPr wrap="square" lIns="0" tIns="0" rIns="0" bIns="0" rtlCol="0" anchor="t">
+            <a:noAutofit/>
+          </a:bodyPr>
           <a:lstStyle/>
           <a:p>
             <a:pPr marL="0" marR="0" indent="0" defTabSz="914400" eaLnBrk="1" fontAlgn="auto" latinLnBrk="0" hangingPunct="1">
@@ -11650,7 +12136,7 @@
           </p:cNvSpPr>
           <p:nvPr>
             <p:custDataLst>
-              <p:tags r:id="rId6"/>
+              <p:tags r:id="rId7"/>
             </p:custDataLst>
           </p:nvPr>
         </p:nvSpPr>
@@ -11692,7 +12178,9 @@
           </a:extLst>
         </p:spPr>
         <p:txBody>
-          <a:bodyPr lIns="0" tIns="0" rIns="0" bIns="0" rtlCol="0" anchor="t"/>
+          <a:bodyPr wrap="square" lIns="0" tIns="0" rIns="0" bIns="0" rtlCol="0" anchor="t">
+            <a:noAutofit/>
+          </a:bodyPr>
           <a:lstStyle/>
           <a:p>
             <a:pPr marL="0" marR="0" indent="0" defTabSz="914400" eaLnBrk="1" fontAlgn="auto" latinLnBrk="0" hangingPunct="1">
@@ -11750,7 +12238,7 @@
           </p:cNvSpPr>
           <p:nvPr>
             <p:custDataLst>
-              <p:tags r:id="rId7"/>
+              <p:tags r:id="rId8"/>
             </p:custDataLst>
           </p:nvPr>
         </p:nvSpPr>
@@ -11792,7 +12280,9 @@
           </a:extLst>
         </p:spPr>
         <p:txBody>
-          <a:bodyPr wrap="none" lIns="0" tIns="0" rIns="0" bIns="0" rtlCol="0" anchor="t"/>
+          <a:bodyPr wrap="none" lIns="0" tIns="0" rIns="0" bIns="0" rtlCol="0" anchor="t">
+            <a:noAutofit/>
+          </a:bodyPr>
           <a:lstStyle/>
           <a:p>
             <a:pPr marL="0" marR="0" indent="0" defTabSz="914400" eaLnBrk="1" fontAlgn="auto" latinLnBrk="0" hangingPunct="1">
@@ -11844,7 +12334,7 @@
           </p:cNvSpPr>
           <p:nvPr>
             <p:custDataLst>
-              <p:tags r:id="rId8"/>
+              <p:tags r:id="rId9"/>
             </p:custDataLst>
           </p:nvPr>
         </p:nvSpPr>
@@ -11886,7 +12376,7 @@
           </a:extLst>
         </p:spPr>
         <p:txBody>
-          <a:bodyPr lIns="0" tIns="17780" rIns="0" bIns="0" rtlCol="0" anchor="t">
+          <a:bodyPr wrap="square" lIns="0" tIns="17780" rIns="0" bIns="0" rtlCol="0" anchor="t">
             <a:normAutofit/>
           </a:bodyPr>
           <a:lstStyle/>
@@ -11918,10 +12408,12 @@
       <p:sp>
         <p:nvSpPr>
           <p:cNvPr id="3" name="Textfeld 2" hidden="1"/>
-          <p:cNvSpPr txBox="1"/>
+          <p:cNvSpPr txBox="1">
+            <a:spLocks/>
+          </p:cNvSpPr>
           <p:nvPr>
             <p:custDataLst>
-              <p:tags r:id="rId9"/>
+              <p:tags r:id="rId10"/>
             </p:custDataLst>
           </p:nvPr>
         </p:nvSpPr>
@@ -11986,7 +12478,7 @@
           <p:nvPr>
             <p:ph type="title"/>
             <p:custDataLst>
-              <p:tags r:id="rId10"/>
+              <p:tags r:id="rId11"/>
             </p:custDataLst>
           </p:nvPr>
         </p:nvSpPr>
@@ -12026,12 +12518,20 @@
               </a:spcBef>
             </a:pPr>
             <a:r>
+              <a:rPr lang="de-DE" sz="2800" dirty="0" err="1" smtClean="0">
+                <a:solidFill>
+                  <a:srgbClr val="67B419"/>
+                </a:solidFill>
+              </a:rPr>
+              <a:t>OpenCV</a:t>
+            </a:r>
+            <a:r>
               <a:rPr lang="de-DE" sz="2800" dirty="0" smtClean="0">
                 <a:solidFill>
                   <a:srgbClr val="67B419"/>
                 </a:solidFill>
               </a:rPr>
-              <a:t>360° Kamera</a:t>
+              <a:t> Framework</a:t>
             </a:r>
             <a:endParaRPr lang="de-DE" sz="2800" dirty="0">
               <a:solidFill>
@@ -12047,7 +12547,7 @@
     </p:custDataLst>
     <p:extLst>
       <p:ext uri="{BB962C8B-B14F-4D97-AF65-F5344CB8AC3E}">
-        <p14:creationId xmlns:p14="http://schemas.microsoft.com/office/powerpoint/2010/main" val="2946048026"/>
+        <p14:creationId xmlns:p14="http://schemas.microsoft.com/office/powerpoint/2010/main" val="307777003"/>
       </p:ext>
     </p:extLst>
   </p:cSld>
@@ -12989,7 +13489,7 @@
           </p:nvPr>
         </p:nvPicPr>
         <p:blipFill>
-          <a:blip r:embed="rId13" cstate="print">
+          <a:blip r:embed="rId14" cstate="print">
             <a:extLst>
               <a:ext uri="{28A0092B-C50C-407E-A947-70E740481C1C}">
                 <a14:useLocalDpi xmlns:a14="http://schemas.microsoft.com/office/drawing/2010/main" val="0"/>
@@ -13038,7 +13538,7 @@
           </p:nvPr>
         </p:nvPicPr>
         <p:blipFill>
-          <a:blip r:embed="rId14">
+          <a:blip r:embed="rId15">
             <a:extLst>
               <a:ext uri="{28A0092B-C50C-407E-A947-70E740481C1C}">
                 <a14:useLocalDpi xmlns:a14="http://schemas.microsoft.com/office/drawing/2010/main" val="0"/>
@@ -13681,7 +14181,7 @@
           <a:lstStyle/>
           <a:p>
             <a:r>
-              <a:rPr lang="de-DE" dirty="0" smtClean="0">
+              <a:rPr lang="de-DE" sz="1600" dirty="0" smtClean="0">
                 <a:solidFill>
                   <a:schemeClr val="tx1">
                     <a:lumMod val="65000"/>
@@ -13695,7 +14195,7 @@
           <a:p>
             <a:pPr lvl="1"/>
             <a:r>
-              <a:rPr lang="de-DE" dirty="0" smtClean="0">
+              <a:rPr lang="de-DE" sz="1400" dirty="0" smtClean="0">
                 <a:solidFill>
                   <a:schemeClr val="tx1">
                     <a:lumMod val="65000"/>
@@ -13709,7 +14209,7 @@
           <a:p>
             <a:pPr lvl="1"/>
             <a:r>
-              <a:rPr lang="de-DE" dirty="0" smtClean="0">
+              <a:rPr lang="de-DE" sz="1400" dirty="0" smtClean="0">
                 <a:solidFill>
                   <a:schemeClr val="tx1">
                     <a:lumMod val="65000"/>
@@ -13723,7 +14223,7 @@
           <a:p>
             <a:pPr lvl="2"/>
             <a:r>
-              <a:rPr lang="de-DE" dirty="0" smtClean="0">
+              <a:rPr lang="de-DE" sz="1200" dirty="0" smtClean="0">
                 <a:solidFill>
                   <a:schemeClr val="tx1">
                     <a:lumMod val="65000"/>
@@ -13737,7 +14237,7 @@
           <a:p>
             <a:pPr lvl="2"/>
             <a:r>
-              <a:rPr lang="de-DE" dirty="0" smtClean="0">
+              <a:rPr lang="de-DE" sz="1200" dirty="0" smtClean="0">
                 <a:solidFill>
                   <a:schemeClr val="tx1">
                     <a:lumMod val="65000"/>
@@ -13751,7 +14251,7 @@
           <a:p>
             <a:pPr lvl="1"/>
             <a:r>
-              <a:rPr lang="de-DE" dirty="0" smtClean="0">
+              <a:rPr lang="de-DE" sz="1400" dirty="0" smtClean="0">
                 <a:solidFill>
                   <a:schemeClr val="tx1">
                     <a:lumMod val="65000"/>
@@ -13764,7 +14264,7 @@
           </a:p>
           <a:p>
             <a:r>
-              <a:rPr lang="de-DE" dirty="0" smtClean="0">
+              <a:rPr lang="de-DE" sz="1600" dirty="0" smtClean="0">
                 <a:solidFill>
                   <a:schemeClr val="tx1">
                     <a:lumMod val="65000"/>
@@ -13775,7 +14275,7 @@
               <a:t>Schätzung der Körperhaltung mittels </a:t>
             </a:r>
             <a:r>
-              <a:rPr lang="de-DE" dirty="0" err="1" smtClean="0">
+              <a:rPr lang="de-DE" sz="1600" dirty="0" err="1" smtClean="0">
                 <a:solidFill>
                   <a:schemeClr val="tx1">
                     <a:lumMod val="65000"/>
@@ -13785,7 +14285,7 @@
               </a:rPr>
               <a:t>Histogrammanalyse</a:t>
             </a:r>
-            <a:endParaRPr lang="de-DE" dirty="0" smtClean="0">
+            <a:endParaRPr lang="de-DE" sz="1600" dirty="0" smtClean="0">
               <a:solidFill>
                 <a:schemeClr val="tx1">
                   <a:lumMod val="65000"/>
@@ -13796,7 +14296,7 @@
           </a:p>
           <a:p>
             <a:r>
-              <a:rPr lang="de-DE" dirty="0" smtClean="0">
+              <a:rPr lang="de-DE" sz="1600" dirty="0" smtClean="0">
                 <a:solidFill>
                   <a:schemeClr val="tx1">
                     <a:lumMod val="65000"/>
@@ -13809,7 +14309,7 @@
           </a:p>
           <a:p>
             <a:r>
-              <a:rPr lang="de-DE" dirty="0" smtClean="0">
+              <a:rPr lang="de-DE" sz="1600" dirty="0" smtClean="0">
                 <a:solidFill>
                   <a:schemeClr val="tx1">
                     <a:lumMod val="65000"/>
@@ -13819,7 +14319,7 @@
               </a:rPr>
               <a:t>Anpassung des Verfahrens auf nicht-statische Kameras</a:t>
             </a:r>
-            <a:endParaRPr lang="de-DE" dirty="0">
+            <a:endParaRPr lang="de-DE" sz="1600" dirty="0">
               <a:solidFill>
                 <a:schemeClr val="tx1">
                   <a:lumMod val="65000"/>
@@ -13830,13 +14330,47 @@
           </a:p>
         </p:txBody>
       </p:sp>
+      <p:pic>
+        <p:nvPicPr>
+          <p:cNvPr id="2" name="Grafik 1"/>
+          <p:cNvPicPr>
+            <a:picLocks noChangeAspect="1"/>
+          </p:cNvPicPr>
+          <p:nvPr>
+            <p:custDataLst>
+              <p:tags r:id="rId12"/>
+            </p:custDataLst>
+          </p:nvPr>
+        </p:nvPicPr>
+        <p:blipFill>
+          <a:blip r:embed="rId16" cstate="print">
+            <a:extLst>
+              <a:ext uri="{28A0092B-C50C-407E-A947-70E740481C1C}">
+                <a14:useLocalDpi xmlns:a14="http://schemas.microsoft.com/office/drawing/2010/main" val="0"/>
+              </a:ext>
+            </a:extLst>
+          </a:blip>
+          <a:stretch>
+            <a:fillRect/>
+          </a:stretch>
+        </p:blipFill>
+        <p:spPr>
+          <a:xfrm>
+            <a:off x="6956799" y="1913859"/>
+            <a:ext cx="3825501" cy="3517295"/>
+          </a:xfrm>
+          <a:prstGeom prst="rect">
+            <a:avLst/>
+          </a:prstGeom>
+        </p:spPr>
+      </p:pic>
     </p:spTree>
     <p:custDataLst>
       <p:tags r:id="rId1"/>
     </p:custDataLst>
     <p:extLst>
       <p:ext uri="{BB962C8B-B14F-4D97-AF65-F5344CB8AC3E}">
-        <p14:creationId xmlns:p14="http://schemas.microsoft.com/office/powerpoint/2010/main" val="643392588"/>
+        <p14:creationId xmlns:p14="http://schemas.microsoft.com/office/powerpoint/2010/main" val="1219646883"/>
       </p:ext>
     </p:extLst>
   </p:cSld>
@@ -14767,7 +15301,7 @@
       </p:grpSpPr>
       <p:pic>
         <p:nvPicPr>
-          <p:cNvPr id="10" name="Grafik 9"/>
+          <p:cNvPr id="13" name="Grafik 12"/>
           <p:cNvPicPr>
             <a:picLocks/>
           </p:cNvPicPr>
@@ -14778,7 +15312,7 @@
           </p:nvPr>
         </p:nvPicPr>
         <p:blipFill>
-          <a:blip r:embed="rId12" cstate="print">
+          <a:blip r:embed="rId14" cstate="print">
             <a:extLst>
               <a:ext uri="{28A0092B-C50C-407E-A947-70E740481C1C}">
                 <a14:useLocalDpi xmlns:a14="http://schemas.microsoft.com/office/drawing/2010/main" val="0"/>
@@ -14816,7 +15350,7 @@
       </p:pic>
       <p:pic>
         <p:nvPicPr>
-          <p:cNvPr id="9" name="Grafik 8"/>
+          <p:cNvPr id="12" name="Grafik 11"/>
           <p:cNvPicPr>
             <a:picLocks/>
           </p:cNvPicPr>
@@ -14827,7 +15361,7 @@
           </p:nvPr>
         </p:nvPicPr>
         <p:blipFill>
-          <a:blip r:embed="rId13">
+          <a:blip r:embed="rId15">
             <a:extLst>
               <a:ext uri="{28A0092B-C50C-407E-A947-70E740481C1C}">
                 <a14:useLocalDpi xmlns:a14="http://schemas.microsoft.com/office/drawing/2010/main" val="0"/>
@@ -14980,7 +15514,9 @@
           </a:extLst>
         </p:spPr>
         <p:txBody>
-          <a:bodyPr lIns="0" tIns="0" rIns="0" bIns="0" rtlCol="0" anchor="t"/>
+          <a:bodyPr wrap="square" lIns="0" tIns="0" rIns="0" bIns="0" rtlCol="0" anchor="t">
+            <a:noAutofit/>
+          </a:bodyPr>
           <a:lstStyle/>
           <a:p>
             <a:pPr marL="0" marR="0" indent="0" defTabSz="914400" eaLnBrk="1" fontAlgn="auto" latinLnBrk="0" hangingPunct="1">
@@ -15078,7 +15614,9 @@
           </a:extLst>
         </p:spPr>
         <p:txBody>
-          <a:bodyPr lIns="0" tIns="0" rIns="0" bIns="0" rtlCol="0" anchor="t"/>
+          <a:bodyPr wrap="square" lIns="0" tIns="0" rIns="0" bIns="0" rtlCol="0" anchor="t">
+            <a:noAutofit/>
+          </a:bodyPr>
           <a:lstStyle/>
           <a:p>
             <a:pPr marL="0" marR="0" indent="0" defTabSz="914400" eaLnBrk="1" fontAlgn="auto" latinLnBrk="0" hangingPunct="1">
@@ -15178,7 +15716,9 @@
           </a:extLst>
         </p:spPr>
         <p:txBody>
-          <a:bodyPr wrap="none" lIns="0" tIns="0" rIns="0" bIns="0" rtlCol="0" anchor="t"/>
+          <a:bodyPr wrap="none" lIns="0" tIns="0" rIns="0" bIns="0" rtlCol="0" anchor="t">
+            <a:noAutofit/>
+          </a:bodyPr>
           <a:lstStyle/>
           <a:p>
             <a:pPr marL="0" marR="0" indent="0" defTabSz="914400" eaLnBrk="1" fontAlgn="auto" latinLnBrk="0" hangingPunct="1">
@@ -15272,7 +15812,7 @@
           </a:extLst>
         </p:spPr>
         <p:txBody>
-          <a:bodyPr lIns="0" tIns="17780" rIns="0" bIns="0" rtlCol="0" anchor="t">
+          <a:bodyPr wrap="square" lIns="0" tIns="17780" rIns="0" bIns="0" rtlCol="0" anchor="t">
             <a:normAutofit/>
           </a:bodyPr>
           <a:lstStyle/>
@@ -15304,7 +15844,9 @@
       <p:sp>
         <p:nvSpPr>
           <p:cNvPr id="3" name="Textfeld 2" hidden="1"/>
-          <p:cNvSpPr txBox="1"/>
+          <p:cNvSpPr txBox="1">
+            <a:spLocks/>
+          </p:cNvSpPr>
           <p:nvPr>
             <p:custDataLst>
               <p:tags r:id="rId9"/>
@@ -15427,6 +15969,183 @@
           </a:p>
         </p:txBody>
       </p:sp>
+      <p:sp>
+        <p:nvSpPr>
+          <p:cNvPr id="11" name="Textplatzhalter 10"/>
+          <p:cNvSpPr>
+            <a:spLocks noGrp="1"/>
+          </p:cNvSpPr>
+          <p:nvPr>
+            <p:ph type="body" idx="1"/>
+            <p:custDataLst>
+              <p:tags r:id="rId11"/>
+            </p:custDataLst>
+          </p:nvPr>
+        </p:nvSpPr>
+        <p:spPr>
+          <a:xfrm>
+            <a:off x="259080" y="1295400"/>
+            <a:ext cx="4096764" cy="4168140"/>
+          </a:xfrm>
+          <a:solidFill>
+            <a:scrgbClr r="0" g="0" b="0">
+              <a:alpha val="0"/>
+            </a:scrgbClr>
+          </a:solidFill>
+          <a:effectLst/>
+          <a:extLst>
+            <a:ext uri="{AF507438-7753-43E0-B8FC-AC1667EBCBE1}">
+              <a14:hiddenEffects xmlns:a14="http://schemas.microsoft.com/office/drawing/2010/main">
+                <a:effectLst>
+                  <a:outerShdw blurRad="63500" rotWithShape="0">
+                    <a:scrgbClr r="0" g="0" b="0"/>
+                  </a:outerShdw>
+                </a:effectLst>
+              </a14:hiddenEffects>
+            </a:ext>
+            <a:ext uri="{53640926-AAD7-44D8-BBD7-CCE9431645EC}">
+              <a14:shadowObscured xmlns:a14="http://schemas.microsoft.com/office/drawing/2010/main"/>
+            </a:ext>
+          </a:extLst>
+        </p:spPr>
+        <p:txBody>
+          <a:bodyPr wrap="square" lIns="0" tIns="0" rIns="0" bIns="0" anchor="t">
+            <a:noAutofit/>
+          </a:bodyPr>
+          <a:lstStyle/>
+          <a:p>
+            <a:r>
+              <a:rPr lang="de-DE" dirty="0" smtClean="0"/>
+              <a:t>Vergleich verschiedener Methoden</a:t>
+            </a:r>
+          </a:p>
+          <a:p>
+            <a:pPr lvl="1"/>
+            <a:r>
+              <a:rPr lang="de-DE" dirty="0" smtClean="0"/>
+              <a:t>Adaptive </a:t>
+            </a:r>
+            <a:r>
+              <a:rPr lang="de-DE" dirty="0" err="1" smtClean="0"/>
+              <a:t>Gaussian</a:t>
+            </a:r>
+            <a:r>
+              <a:rPr lang="de-DE" dirty="0" smtClean="0"/>
+              <a:t> </a:t>
+            </a:r>
+            <a:r>
+              <a:rPr lang="de-DE" dirty="0" err="1" smtClean="0"/>
+              <a:t>Mixture</a:t>
+            </a:r>
+            <a:r>
+              <a:rPr lang="de-DE" dirty="0" smtClean="0"/>
+              <a:t> Modell</a:t>
+            </a:r>
+          </a:p>
+          <a:p>
+            <a:pPr lvl="1"/>
+            <a:r>
+              <a:rPr lang="de-DE" dirty="0" smtClean="0"/>
+              <a:t>Kernel </a:t>
+            </a:r>
+            <a:r>
+              <a:rPr lang="de-DE" dirty="0" err="1" smtClean="0"/>
+              <a:t>Density</a:t>
+            </a:r>
+            <a:r>
+              <a:rPr lang="de-DE" dirty="0" smtClean="0"/>
+              <a:t> </a:t>
+            </a:r>
+            <a:r>
+              <a:rPr lang="de-DE" dirty="0" err="1" smtClean="0"/>
+              <a:t>Estimation</a:t>
+            </a:r>
+            <a:endParaRPr lang="de-DE" dirty="0" smtClean="0"/>
+          </a:p>
+          <a:p>
+            <a:pPr lvl="1"/>
+            <a:r>
+              <a:rPr lang="de-DE" dirty="0" smtClean="0"/>
+              <a:t>K-nächste Nachbar</a:t>
+            </a:r>
+          </a:p>
+          <a:p>
+            <a:pPr lvl="1"/>
+            <a:r>
+              <a:rPr lang="de-DE" dirty="0" err="1" smtClean="0"/>
+              <a:t>Vibe</a:t>
+            </a:r>
+            <a:endParaRPr lang="de-DE" dirty="0" smtClean="0"/>
+          </a:p>
+          <a:p>
+            <a:pPr lvl="1"/>
+            <a:endParaRPr lang="de-DE" dirty="0"/>
+          </a:p>
+          <a:p>
+            <a:r>
+              <a:rPr lang="de-DE" sz="1400" dirty="0" smtClean="0"/>
+              <a:t>KNN und </a:t>
+            </a:r>
+            <a:r>
+              <a:rPr lang="de-DE" sz="1400" dirty="0" err="1" smtClean="0"/>
+              <a:t>Vibe</a:t>
+            </a:r>
+            <a:r>
+              <a:rPr lang="de-DE" sz="1400" dirty="0" smtClean="0"/>
+              <a:t> liefern bessere Ergebnisse</a:t>
+            </a:r>
+          </a:p>
+          <a:p>
+            <a:r>
+              <a:rPr lang="de-DE" sz="1400" dirty="0" smtClean="0"/>
+              <a:t>Nun Laufzeit von KNN und </a:t>
+            </a:r>
+            <a:r>
+              <a:rPr lang="de-DE" sz="1400" dirty="0" err="1" smtClean="0"/>
+              <a:t>Vibe</a:t>
+            </a:r>
+            <a:r>
+              <a:rPr lang="de-DE" sz="1400" dirty="0" smtClean="0"/>
+              <a:t> vergleichen</a:t>
+            </a:r>
+            <a:endParaRPr lang="de-DE" sz="1400" dirty="0"/>
+          </a:p>
+        </p:txBody>
+      </p:sp>
+      <p:pic>
+        <p:nvPicPr>
+          <p:cNvPr id="14" name="Grafik 13"/>
+          <p:cNvPicPr>
+            <a:picLocks noChangeAspect="1"/>
+          </p:cNvPicPr>
+          <p:nvPr>
+            <p:custDataLst>
+              <p:tags r:id="rId12"/>
+            </p:custDataLst>
+          </p:nvPr>
+        </p:nvPicPr>
+        <p:blipFill>
+          <a:blip r:embed="rId16">
+            <a:extLst>
+              <a:ext uri="{28A0092B-C50C-407E-A947-70E740481C1C}">
+                <a14:useLocalDpi xmlns:a14="http://schemas.microsoft.com/office/drawing/2010/main" val="0"/>
+              </a:ext>
+            </a:extLst>
+          </a:blip>
+          <a:stretch>
+            <a:fillRect/>
+          </a:stretch>
+        </p:blipFill>
+        <p:spPr>
+          <a:xfrm>
+            <a:off x="4355845" y="1325881"/>
+            <a:ext cx="6497576" cy="4144010"/>
+          </a:xfrm>
+          <a:prstGeom prst="rect">
+            <a:avLst/>
+          </a:prstGeom>
+        </p:spPr>
+      </p:pic>
     </p:spTree>
     <p:custDataLst>
       <p:tags r:id="rId1"/>
@@ -15451,7 +16170,7 @@
 </file>
 
 <file path=ppt/slides/slide21.xml><?xml version="1.0" encoding="utf-8"?>
-<p:sld xmlns:a="http://schemas.openxmlformats.org/drawingml/2006/main" xmlns:r="http://schemas.openxmlformats.org/officeDocument/2006/relationships" xmlns:p="http://schemas.openxmlformats.org/presentationml/2006/main" showMasterSp="0">
+<p:sld xmlns:a="http://schemas.openxmlformats.org/drawingml/2006/main" xmlns:r="http://schemas.openxmlformats.org/officeDocument/2006/relationships" xmlns:p="http://schemas.openxmlformats.org/presentationml/2006/main">
   <p:cSld>
     <p:spTree>
       <p:nvGrpSpPr>
@@ -15469,7 +16188,7 @@
       </p:grpSpPr>
       <p:pic>
         <p:nvPicPr>
-          <p:cNvPr id="10" name="Grafik 9"/>
+          <p:cNvPr id="13" name="Grafik 12"/>
           <p:cNvPicPr>
             <a:picLocks/>
           </p:cNvPicPr>
@@ -15480,7 +16199,7 @@
           </p:nvPr>
         </p:nvPicPr>
         <p:blipFill>
-          <a:blip r:embed="rId12" cstate="print">
+          <a:blip r:embed="rId14" cstate="print">
             <a:extLst>
               <a:ext uri="{28A0092B-C50C-407E-A947-70E740481C1C}">
                 <a14:useLocalDpi xmlns:a14="http://schemas.microsoft.com/office/drawing/2010/main" val="0"/>
@@ -15518,7 +16237,7 @@
       </p:pic>
       <p:pic>
         <p:nvPicPr>
-          <p:cNvPr id="9" name="Grafik 8"/>
+          <p:cNvPr id="12" name="Grafik 11"/>
           <p:cNvPicPr>
             <a:picLocks/>
           </p:cNvPicPr>
@@ -15529,7 +16248,7 @@
           </p:nvPr>
         </p:nvPicPr>
         <p:blipFill>
-          <a:blip r:embed="rId13">
+          <a:blip r:embed="rId15">
             <a:extLst>
               <a:ext uri="{28A0092B-C50C-407E-A947-70E740481C1C}">
                 <a14:useLocalDpi xmlns:a14="http://schemas.microsoft.com/office/drawing/2010/main" val="0"/>
@@ -15682,7 +16401,9 @@
           </a:extLst>
         </p:spPr>
         <p:txBody>
-          <a:bodyPr lIns="0" tIns="0" rIns="0" bIns="0" rtlCol="0" anchor="t"/>
+          <a:bodyPr wrap="square" lIns="0" tIns="0" rIns="0" bIns="0" rtlCol="0" anchor="t">
+            <a:noAutofit/>
+          </a:bodyPr>
           <a:lstStyle/>
           <a:p>
             <a:pPr marL="0" marR="0" indent="0" defTabSz="914400" eaLnBrk="1" fontAlgn="auto" latinLnBrk="0" hangingPunct="1">
@@ -15780,7 +16501,9 @@
           </a:extLst>
         </p:spPr>
         <p:txBody>
-          <a:bodyPr lIns="0" tIns="0" rIns="0" bIns="0" rtlCol="0" anchor="t"/>
+          <a:bodyPr wrap="square" lIns="0" tIns="0" rIns="0" bIns="0" rtlCol="0" anchor="t">
+            <a:noAutofit/>
+          </a:bodyPr>
           <a:lstStyle/>
           <a:p>
             <a:pPr marL="0" marR="0" indent="0" defTabSz="914400" eaLnBrk="1" fontAlgn="auto" latinLnBrk="0" hangingPunct="1">
@@ -15880,7 +16603,9 @@
           </a:extLst>
         </p:spPr>
         <p:txBody>
-          <a:bodyPr wrap="none" lIns="0" tIns="0" rIns="0" bIns="0" rtlCol="0" anchor="t"/>
+          <a:bodyPr wrap="none" lIns="0" tIns="0" rIns="0" bIns="0" rtlCol="0" anchor="t">
+            <a:noAutofit/>
+          </a:bodyPr>
           <a:lstStyle/>
           <a:p>
             <a:pPr marL="0" marR="0" indent="0" defTabSz="914400" eaLnBrk="1" fontAlgn="auto" latinLnBrk="0" hangingPunct="1">
@@ -15974,7 +16699,7 @@
           </a:extLst>
         </p:spPr>
         <p:txBody>
-          <a:bodyPr lIns="0" tIns="17780" rIns="0" bIns="0" rtlCol="0" anchor="t">
+          <a:bodyPr wrap="square" lIns="0" tIns="17780" rIns="0" bIns="0" rtlCol="0" anchor="t">
             <a:normAutofit/>
           </a:bodyPr>
           <a:lstStyle/>
@@ -16006,7 +16731,9 @@
       <p:sp>
         <p:nvSpPr>
           <p:cNvPr id="3" name="Textfeld 2" hidden="1"/>
-          <p:cNvSpPr txBox="1"/>
+          <p:cNvSpPr txBox="1">
+            <a:spLocks/>
+          </p:cNvSpPr>
           <p:nvPr>
             <p:custDataLst>
               <p:tags r:id="rId9"/>
@@ -16119,15 +16846,7 @@
                   <a:srgbClr val="67B419"/>
                 </a:solidFill>
               </a:rPr>
-              <a:t>Schätzung der Körperhaltung mittels </a:t>
-            </a:r>
-            <a:r>
-              <a:rPr lang="de-DE" sz="2800" dirty="0" err="1" smtClean="0">
-                <a:solidFill>
-                  <a:srgbClr val="67B419"/>
-                </a:solidFill>
-              </a:rPr>
-              <a:t>Histogrammanalyse</a:t>
+              <a:t>Hintergrundsubtraktion</a:t>
             </a:r>
             <a:endParaRPr lang="de-DE" sz="2800" dirty="0">
               <a:solidFill>
@@ -16137,13 +16856,96 @@
           </a:p>
         </p:txBody>
       </p:sp>
+      <p:sp>
+        <p:nvSpPr>
+          <p:cNvPr id="11" name="Textplatzhalter 10"/>
+          <p:cNvSpPr>
+            <a:spLocks noGrp="1"/>
+          </p:cNvSpPr>
+          <p:nvPr>
+            <p:ph type="body" idx="1"/>
+            <p:custDataLst>
+              <p:tags r:id="rId11"/>
+            </p:custDataLst>
+          </p:nvPr>
+        </p:nvSpPr>
+        <p:spPr>
+          <a:xfrm>
+            <a:off x="259080" y="1295400"/>
+            <a:ext cx="10399613" cy="4168140"/>
+          </a:xfrm>
+          <a:solidFill>
+            <a:scrgbClr r="0" g="0" b="0">
+              <a:alpha val="0"/>
+            </a:scrgbClr>
+          </a:solidFill>
+          <a:effectLst/>
+          <a:extLst>
+            <a:ext uri="{AF507438-7753-43E0-B8FC-AC1667EBCBE1}">
+              <a14:hiddenEffects xmlns:a14="http://schemas.microsoft.com/office/drawing/2010/main">
+                <a:effectLst>
+                  <a:outerShdw blurRad="63500" rotWithShape="0">
+                    <a:scrgbClr r="0" g="0" b="0"/>
+                  </a:outerShdw>
+                </a:effectLst>
+              </a14:hiddenEffects>
+            </a:ext>
+            <a:ext uri="{53640926-AAD7-44D8-BBD7-CCE9431645EC}">
+              <a14:shadowObscured xmlns:a14="http://schemas.microsoft.com/office/drawing/2010/main"/>
+            </a:ext>
+          </a:extLst>
+        </p:spPr>
+        <p:txBody>
+          <a:bodyPr wrap="square" lIns="0" tIns="0" rIns="0" bIns="0" anchor="t">
+            <a:noAutofit/>
+          </a:bodyPr>
+          <a:lstStyle/>
+          <a:p>
+            <a:endParaRPr lang="de-DE" sz="1400" dirty="0"/>
+          </a:p>
+        </p:txBody>
+      </p:sp>
+      <p:pic>
+        <p:nvPicPr>
+          <p:cNvPr id="15" name="Grafik 14"/>
+          <p:cNvPicPr>
+            <a:picLocks noChangeAspect="1"/>
+          </p:cNvPicPr>
+          <p:nvPr>
+            <p:custDataLst>
+              <p:tags r:id="rId12"/>
+            </p:custDataLst>
+          </p:nvPr>
+        </p:nvPicPr>
+        <p:blipFill>
+          <a:blip r:embed="rId16" cstate="print">
+            <a:extLst>
+              <a:ext uri="{28A0092B-C50C-407E-A947-70E740481C1C}">
+                <a14:useLocalDpi xmlns:a14="http://schemas.microsoft.com/office/drawing/2010/main" val="0"/>
+              </a:ext>
+            </a:extLst>
+          </a:blip>
+          <a:stretch>
+            <a:fillRect/>
+          </a:stretch>
+        </p:blipFill>
+        <p:spPr>
+          <a:xfrm>
+            <a:off x="4774529" y="3081020"/>
+            <a:ext cx="5884164" cy="2316480"/>
+          </a:xfrm>
+          <a:prstGeom prst="rect">
+            <a:avLst/>
+          </a:prstGeom>
+        </p:spPr>
+      </p:pic>
     </p:spTree>
     <p:custDataLst>
       <p:tags r:id="rId1"/>
     </p:custDataLst>
     <p:extLst>
       <p:ext uri="{BB962C8B-B14F-4D97-AF65-F5344CB8AC3E}">
-        <p14:creationId xmlns:p14="http://schemas.microsoft.com/office/powerpoint/2010/main" val="4229950235"/>
+        <p14:creationId xmlns:p14="http://schemas.microsoft.com/office/powerpoint/2010/main" val="945782650"/>
       </p:ext>
     </p:extLst>
   </p:cSld>
@@ -16829,7 +17631,15 @@
                   <a:srgbClr val="67B419"/>
                 </a:solidFill>
               </a:rPr>
-              <a:t>Erkennung außergewöhnlicher Situationen</a:t>
+              <a:t>Schätzung der Körperhaltung mittels </a:t>
+            </a:r>
+            <a:r>
+              <a:rPr lang="de-DE" sz="2800" dirty="0" err="1" smtClean="0">
+                <a:solidFill>
+                  <a:srgbClr val="67B419"/>
+                </a:solidFill>
+              </a:rPr>
+              <a:t>Histogrammanalyse</a:t>
             </a:r>
             <a:endParaRPr lang="de-DE" sz="2800" dirty="0">
               <a:solidFill>
@@ -16845,7 +17655,7 @@
     </p:custDataLst>
     <p:extLst>
       <p:ext uri="{BB962C8B-B14F-4D97-AF65-F5344CB8AC3E}">
-        <p14:creationId xmlns:p14="http://schemas.microsoft.com/office/powerpoint/2010/main" val="2771209731"/>
+        <p14:creationId xmlns:p14="http://schemas.microsoft.com/office/powerpoint/2010/main" val="4229950235"/>
       </p:ext>
     </p:extLst>
   </p:cSld>
@@ -17531,6 +18341,708 @@
                   <a:srgbClr val="67B419"/>
                 </a:solidFill>
               </a:rPr>
+              <a:t>Erkennung außergewöhnlicher Situationen</a:t>
+            </a:r>
+            <a:endParaRPr lang="de-DE" sz="2800" dirty="0">
+              <a:solidFill>
+                <a:srgbClr val="67B419"/>
+              </a:solidFill>
+            </a:endParaRPr>
+          </a:p>
+        </p:txBody>
+      </p:sp>
+    </p:spTree>
+    <p:custDataLst>
+      <p:tags r:id="rId1"/>
+    </p:custDataLst>
+    <p:extLst>
+      <p:ext uri="{BB962C8B-B14F-4D97-AF65-F5344CB8AC3E}">
+        <p14:creationId xmlns:p14="http://schemas.microsoft.com/office/powerpoint/2010/main" val="2771209731"/>
+      </p:ext>
+    </p:extLst>
+  </p:cSld>
+  <p:clrMapOvr>
+    <a:masterClrMapping/>
+  </p:clrMapOvr>
+  <p:timing>
+    <p:tnLst>
+      <p:par>
+        <p:cTn id="1" dur="indefinite" restart="never" nodeType="tmRoot"/>
+      </p:par>
+    </p:tnLst>
+  </p:timing>
+</p:sld>
+</file>
+
+<file path=ppt/slides/slide24.xml><?xml version="1.0" encoding="utf-8"?>
+<p:sld xmlns:a="http://schemas.openxmlformats.org/drawingml/2006/main" xmlns:r="http://schemas.openxmlformats.org/officeDocument/2006/relationships" xmlns:p="http://schemas.openxmlformats.org/presentationml/2006/main" showMasterSp="0">
+  <p:cSld>
+    <p:spTree>
+      <p:nvGrpSpPr>
+        <p:cNvPr id="1" name=""/>
+        <p:cNvGrpSpPr/>
+        <p:nvPr/>
+      </p:nvGrpSpPr>
+      <p:grpSpPr>
+        <a:xfrm>
+          <a:off x="0" y="0"/>
+          <a:ext cx="0" cy="0"/>
+          <a:chOff x="0" y="0"/>
+          <a:chExt cx="0" cy="0"/>
+        </a:xfrm>
+      </p:grpSpPr>
+      <p:pic>
+        <p:nvPicPr>
+          <p:cNvPr id="10" name="Grafik 9"/>
+          <p:cNvPicPr>
+            <a:picLocks/>
+          </p:cNvPicPr>
+          <p:nvPr>
+            <p:custDataLst>
+              <p:tags r:id="rId2"/>
+            </p:custDataLst>
+          </p:nvPr>
+        </p:nvPicPr>
+        <p:blipFill>
+          <a:blip r:embed="rId12" cstate="print">
+            <a:extLst>
+              <a:ext uri="{28A0092B-C50C-407E-A947-70E740481C1C}">
+                <a14:useLocalDpi xmlns:a14="http://schemas.microsoft.com/office/drawing/2010/main" val="0"/>
+              </a:ext>
+            </a:extLst>
+          </a:blip>
+          <a:stretch>
+            <a:fillRect/>
+          </a:stretch>
+        </p:blipFill>
+        <p:spPr>
+          <a:xfrm>
+            <a:off x="9758680" y="5464810"/>
+            <a:ext cx="1094740" cy="575310"/>
+          </a:xfrm>
+          <a:prstGeom prst="rect">
+            <a:avLst/>
+          </a:prstGeom>
+          <a:effectLst/>
+          <a:extLst>
+            <a:ext uri="{AF507438-7753-43E0-B8FC-AC1667EBCBE1}">
+              <a14:hiddenEffects xmlns:a14="http://schemas.microsoft.com/office/drawing/2010/main">
+                <a:effectLst>
+                  <a:outerShdw blurRad="63500" rotWithShape="0">
+                    <a:scrgbClr r="0" g="0" b="0"/>
+                  </a:outerShdw>
+                </a:effectLst>
+              </a14:hiddenEffects>
+            </a:ext>
+            <a:ext uri="{53640926-AAD7-44D8-BBD7-CCE9431645EC}">
+              <a14:shadowObscured xmlns:a14="http://schemas.microsoft.com/office/drawing/2010/main"/>
+            </a:ext>
+          </a:extLst>
+        </p:spPr>
+      </p:pic>
+      <p:pic>
+        <p:nvPicPr>
+          <p:cNvPr id="9" name="Grafik 8"/>
+          <p:cNvPicPr>
+            <a:picLocks/>
+          </p:cNvPicPr>
+          <p:nvPr>
+            <p:custDataLst>
+              <p:tags r:id="rId3"/>
+            </p:custDataLst>
+          </p:nvPr>
+        </p:nvPicPr>
+        <p:blipFill>
+          <a:blip r:embed="rId13">
+            <a:extLst>
+              <a:ext uri="{28A0092B-C50C-407E-A947-70E740481C1C}">
+                <a14:useLocalDpi xmlns:a14="http://schemas.microsoft.com/office/drawing/2010/main" val="0"/>
+              </a:ext>
+            </a:extLst>
+          </a:blip>
+          <a:stretch>
+            <a:fillRect/>
+          </a:stretch>
+        </p:blipFill>
+        <p:spPr>
+          <a:xfrm>
+            <a:off x="0" y="6041390"/>
+            <a:ext cx="10970260" cy="129540"/>
+          </a:xfrm>
+          <a:prstGeom prst="rect">
+            <a:avLst/>
+          </a:prstGeom>
+          <a:effectLst/>
+          <a:extLst>
+            <a:ext uri="{AF507438-7753-43E0-B8FC-AC1667EBCBE1}">
+              <a14:hiddenEffects xmlns:a14="http://schemas.microsoft.com/office/drawing/2010/main">
+                <a:effectLst>
+                  <a:outerShdw blurRad="63500" rotWithShape="0">
+                    <a:scrgbClr r="0" g="0" b="0"/>
+                  </a:outerShdw>
+                </a:effectLst>
+              </a14:hiddenEffects>
+            </a:ext>
+            <a:ext uri="{53640926-AAD7-44D8-BBD7-CCE9431645EC}">
+              <a14:shadowObscured xmlns:a14="http://schemas.microsoft.com/office/drawing/2010/main"/>
+            </a:ext>
+          </a:extLst>
+        </p:spPr>
+      </p:pic>
+      <p:sp>
+        <p:nvSpPr>
+          <p:cNvPr id="8" name="Textfeld 7"/>
+          <p:cNvSpPr txBox="1">
+            <a:spLocks/>
+          </p:cNvSpPr>
+          <p:nvPr>
+            <p:custDataLst>
+              <p:tags r:id="rId4"/>
+            </p:custDataLst>
+          </p:nvPr>
+        </p:nvSpPr>
+        <p:spPr>
+          <a:xfrm>
+            <a:off x="259080" y="259080"/>
+            <a:ext cx="10452100" cy="388620"/>
+          </a:xfrm>
+          <a:prstGeom prst="rect">
+            <a:avLst/>
+          </a:prstGeom>
+          <a:noFill/>
+          <a:effectLst/>
+          <a:extLst>
+            <a:ext uri="{AF507438-7753-43E0-B8FC-AC1667EBCBE1}">
+              <a14:hiddenEffects xmlns:a14="http://schemas.microsoft.com/office/drawing/2010/main">
+                <a:effectLst>
+                  <a:outerShdw blurRad="63500" rotWithShape="0">
+                    <a:scrgbClr r="0" g="0" b="0"/>
+                  </a:outerShdw>
+                </a:effectLst>
+              </a14:hiddenEffects>
+            </a:ext>
+            <a:ext uri="{53640926-AAD7-44D8-BBD7-CCE9431645EC}">
+              <a14:shadowObscured xmlns:a14="http://schemas.microsoft.com/office/drawing/2010/main"/>
+            </a:ext>
+          </a:extLst>
+        </p:spPr>
+        <p:txBody>
+          <a:bodyPr vert="horz" wrap="square" lIns="0" tIns="0" rIns="0" bIns="0" rtlCol="0" anchor="t">
+            <a:noAutofit/>
+          </a:bodyPr>
+          <a:lstStyle/>
+          <a:p>
+            <a:pPr marR="0" defTabSz="914400" eaLnBrk="1" fontAlgn="auto" latinLnBrk="0" hangingPunct="1">
+              <a:lnSpc>
+                <a:spcPct val="89000"/>
+              </a:lnSpc>
+              <a:buClrTx/>
+              <a:buSzTx/>
+              <a:buFontTx/>
+              <a:buNone/>
+              <a:tabLst/>
+            </a:pPr>
+            <a:r>
+              <a:rPr kumimoji="0" lang="de-DE" sz="2800" b="0" i="0" u="none" strike="noStrike" kern="0" cap="none" normalizeH="0" baseline="0" noProof="0" dirty="0" smtClean="0">
+                <a:ln>
+                  <a:noFill/>
+                </a:ln>
+                <a:effectLst/>
+                <a:uLnTx/>
+                <a:uFillTx/>
+              </a:rPr>
+              <a:t>Eigenes Verfahren</a:t>
+            </a:r>
+          </a:p>
+        </p:txBody>
+      </p:sp>
+      <p:sp>
+        <p:nvSpPr>
+          <p:cNvPr id="7" name="Rechteck 6"/>
+          <p:cNvSpPr>
+            <a:spLocks/>
+          </p:cNvSpPr>
+          <p:nvPr>
+            <p:custDataLst>
+              <p:tags r:id="rId5"/>
+            </p:custDataLst>
+          </p:nvPr>
+        </p:nvSpPr>
+        <p:spPr>
+          <a:xfrm>
+            <a:off x="593090" y="5643880"/>
+            <a:ext cx="9152890" cy="107950"/>
+          </a:xfrm>
+          <a:prstGeom prst="rect">
+            <a:avLst/>
+          </a:prstGeom>
+          <a:noFill/>
+          <a:ln w="9525" cap="flat" cmpd="sng" algn="ctr">
+            <a:noFill/>
+            <a:prstDash val="solid"/>
+          </a:ln>
+          <a:effectLst/>
+          <a:extLst>
+            <a:ext uri="{91240B29-F687-4F45-9708-019B960494DF}">
+              <a14:hiddenLine xmlns:a14="http://schemas.microsoft.com/office/drawing/2010/main" w="9525" cap="flat" cmpd="sng" algn="ctr">
+                <a:solidFill>
+                  <a:srgbClr val="3F136C"/>
+                </a:solidFill>
+                <a:prstDash val="solid"/>
+              </a14:hiddenLine>
+            </a:ext>
+            <a:ext uri="{AF507438-7753-43E0-B8FC-AC1667EBCBE1}">
+              <a14:hiddenEffects xmlns:a14="http://schemas.microsoft.com/office/drawing/2010/main">
+                <a:effectLst>
+                  <a:outerShdw blurRad="63500" rotWithShape="0">
+                    <a:scrgbClr r="0" g="0" b="0"/>
+                  </a:outerShdw>
+                </a:effectLst>
+              </a14:hiddenEffects>
+            </a:ext>
+            <a:ext uri="{53640926-AAD7-44D8-BBD7-CCE9431645EC}">
+              <a14:shadowObscured xmlns:a14="http://schemas.microsoft.com/office/drawing/2010/main"/>
+            </a:ext>
+          </a:extLst>
+        </p:spPr>
+        <p:txBody>
+          <a:bodyPr lIns="0" tIns="0" rIns="0" bIns="0" rtlCol="0" anchor="t"/>
+          <a:lstStyle/>
+          <a:p>
+            <a:pPr marL="0" marR="0" indent="0" defTabSz="914400" eaLnBrk="1" fontAlgn="auto" latinLnBrk="0" hangingPunct="1">
+              <a:lnSpc>
+                <a:spcPct val="107000"/>
+              </a:lnSpc>
+              <a:spcAft>
+                <a:spcPts val="100"/>
+              </a:spcAft>
+              <a:buClrTx/>
+              <a:buSzTx/>
+              <a:buFontTx/>
+              <a:buNone/>
+              <a:tabLst/>
+            </a:pPr>
+            <a:r>
+              <a:rPr kumimoji="0" lang="de-DE" sz="600" strike="noStrike" kern="0" cap="none" normalizeH="0" baseline="0" noProof="0" smtClean="0">
+                <a:ln>
+                  <a:noFill/>
+                </a:ln>
+                <a:solidFill>
+                  <a:srgbClr val="000000"/>
+                </a:solidFill>
+                <a:effectLst/>
+                <a:uLnTx/>
+                <a:uFillTx/>
+                <a:ea typeface="+mn-ea"/>
+                <a:cs typeface="+mn-cs"/>
+              </a:rPr>
+              <a:t>HOME/EPS | 11.04.2018</a:t>
+            </a:r>
+            <a:endParaRPr kumimoji="0" lang="de-DE" sz="600" strike="noStrike" kern="0" cap="none" normalizeH="0" baseline="0" noProof="0" dirty="0" smtClean="0">
+              <a:ln>
+                <a:noFill/>
+              </a:ln>
+              <a:solidFill>
+                <a:srgbClr val="000000"/>
+              </a:solidFill>
+              <a:effectLst/>
+              <a:uLnTx/>
+              <a:uFillTx/>
+              <a:ea typeface="+mn-ea"/>
+              <a:cs typeface="+mn-cs"/>
+            </a:endParaRPr>
+          </a:p>
+        </p:txBody>
+      </p:sp>
+      <p:sp>
+        <p:nvSpPr>
+          <p:cNvPr id="6" name="Rechteck 5"/>
+          <p:cNvSpPr>
+            <a:spLocks/>
+          </p:cNvSpPr>
+          <p:nvPr>
+            <p:custDataLst>
+              <p:tags r:id="rId6"/>
+            </p:custDataLst>
+          </p:nvPr>
+        </p:nvSpPr>
+        <p:spPr>
+          <a:xfrm>
+            <a:off x="593090" y="5758180"/>
+            <a:ext cx="9152890" cy="215900"/>
+          </a:xfrm>
+          <a:prstGeom prst="rect">
+            <a:avLst/>
+          </a:prstGeom>
+          <a:noFill/>
+          <a:ln w="9525" cap="flat" cmpd="sng" algn="ctr">
+            <a:noFill/>
+            <a:prstDash val="solid"/>
+          </a:ln>
+          <a:effectLst/>
+          <a:extLst>
+            <a:ext uri="{91240B29-F687-4F45-9708-019B960494DF}">
+              <a14:hiddenLine xmlns:a14="http://schemas.microsoft.com/office/drawing/2010/main" w="9525" cap="flat" cmpd="sng" algn="ctr">
+                <a:solidFill>
+                  <a:srgbClr val="3F136C"/>
+                </a:solidFill>
+                <a:prstDash val="solid"/>
+              </a14:hiddenLine>
+            </a:ext>
+            <a:ext uri="{AF507438-7753-43E0-B8FC-AC1667EBCBE1}">
+              <a14:hiddenEffects xmlns:a14="http://schemas.microsoft.com/office/drawing/2010/main">
+                <a:effectLst>
+                  <a:outerShdw blurRad="63500" rotWithShape="0">
+                    <a:scrgbClr r="0" g="0" b="0"/>
+                  </a:outerShdw>
+                </a:effectLst>
+              </a14:hiddenEffects>
+            </a:ext>
+            <a:ext uri="{53640926-AAD7-44D8-BBD7-CCE9431645EC}">
+              <a14:shadowObscured xmlns:a14="http://schemas.microsoft.com/office/drawing/2010/main"/>
+            </a:ext>
+          </a:extLst>
+        </p:spPr>
+        <p:txBody>
+          <a:bodyPr lIns="0" tIns="0" rIns="0" bIns="0" rtlCol="0" anchor="t"/>
+          <a:lstStyle/>
+          <a:p>
+            <a:pPr marL="0" marR="0" indent="0" defTabSz="914400" eaLnBrk="1" fontAlgn="auto" latinLnBrk="0" hangingPunct="1">
+              <a:lnSpc>
+                <a:spcPct val="107000"/>
+              </a:lnSpc>
+              <a:spcAft>
+                <a:spcPts val="100"/>
+              </a:spcAft>
+              <a:buClrTx/>
+              <a:buSzTx/>
+              <a:buFontTx/>
+              <a:buNone/>
+              <a:tabLst/>
+            </a:pPr>
+            <a:r>
+              <a:rPr kumimoji="0" lang="de-DE" sz="600" b="0" i="0" u="none" strike="noStrike" kern="0" cap="none" normalizeH="0" baseline="0" noProof="0" smtClean="0">
+                <a:ln>
+                  <a:noFill/>
+                </a:ln>
+                <a:solidFill>
+                  <a:srgbClr val="B2B3B5"/>
+                </a:solidFill>
+                <a:effectLst/>
+                <a:uLnTx/>
+                <a:uFillTx/>
+                <a:latin typeface="Bosch Office Sans"/>
+                <a:ea typeface="+mn-ea"/>
+                <a:cs typeface="+mn-cs"/>
+              </a:rPr>
+              <a:t>© Robert Bosch GmbH 2018. Alle Rechte vorbehalten, auch bzgl. jeder Verfügung, Verwertung, Reproduktion, Bearbeitung, Weitergabe sowie für den Fall von Schutzrechtsanmeldungen.</a:t>
+            </a:r>
+            <a:endParaRPr kumimoji="0" lang="de-DE" sz="600" b="0" i="0" u="none" strike="noStrike" kern="0" cap="none" normalizeH="0" baseline="0" noProof="0" dirty="0" smtClean="0">
+              <a:ln>
+                <a:noFill/>
+              </a:ln>
+              <a:solidFill>
+                <a:srgbClr val="B2B3B5"/>
+              </a:solidFill>
+              <a:effectLst/>
+              <a:uLnTx/>
+              <a:uFillTx/>
+              <a:latin typeface="Bosch Office Sans"/>
+              <a:ea typeface="+mn-ea"/>
+              <a:cs typeface="+mn-cs"/>
+            </a:endParaRPr>
+          </a:p>
+        </p:txBody>
+      </p:sp>
+      <p:sp>
+        <p:nvSpPr>
+          <p:cNvPr id="5" name="Rechteck 4"/>
+          <p:cNvSpPr>
+            <a:spLocks/>
+          </p:cNvSpPr>
+          <p:nvPr>
+            <p:custDataLst>
+              <p:tags r:id="rId7"/>
+            </p:custDataLst>
+          </p:nvPr>
+        </p:nvSpPr>
+        <p:spPr>
+          <a:xfrm>
+            <a:off x="266700" y="5628640"/>
+            <a:ext cx="288290" cy="410210"/>
+          </a:xfrm>
+          <a:prstGeom prst="rect">
+            <a:avLst/>
+          </a:prstGeom>
+          <a:noFill/>
+          <a:ln w="9525" cap="flat" cmpd="sng" algn="ctr">
+            <a:noFill/>
+            <a:prstDash val="solid"/>
+          </a:ln>
+          <a:effectLst/>
+          <a:extLst>
+            <a:ext uri="{91240B29-F687-4F45-9708-019B960494DF}">
+              <a14:hiddenLine xmlns:a14="http://schemas.microsoft.com/office/drawing/2010/main" w="9525" cap="flat" cmpd="sng" algn="ctr">
+                <a:solidFill>
+                  <a:srgbClr val="3F136C"/>
+                </a:solidFill>
+                <a:prstDash val="solid"/>
+              </a14:hiddenLine>
+            </a:ext>
+            <a:ext uri="{AF507438-7753-43E0-B8FC-AC1667EBCBE1}">
+              <a14:hiddenEffects xmlns:a14="http://schemas.microsoft.com/office/drawing/2010/main">
+                <a:effectLst>
+                  <a:outerShdw blurRad="63500" rotWithShape="0">
+                    <a:scrgbClr r="0" g="0" b="0"/>
+                  </a:outerShdw>
+                </a:effectLst>
+              </a14:hiddenEffects>
+            </a:ext>
+            <a:ext uri="{53640926-AAD7-44D8-BBD7-CCE9431645EC}">
+              <a14:shadowObscured xmlns:a14="http://schemas.microsoft.com/office/drawing/2010/main"/>
+            </a:ext>
+          </a:extLst>
+        </p:spPr>
+        <p:txBody>
+          <a:bodyPr wrap="none" lIns="0" tIns="0" rIns="0" bIns="0" rtlCol="0" anchor="t"/>
+          <a:lstStyle/>
+          <a:p>
+            <a:pPr marL="0" marR="0" indent="0" defTabSz="914400" eaLnBrk="1" fontAlgn="auto" latinLnBrk="0" hangingPunct="1">
+              <a:buClrTx/>
+              <a:buSzTx/>
+              <a:buFontTx/>
+              <a:buNone/>
+              <a:tabLst/>
+            </a:pPr>
+            <a:r>
+              <a:rPr kumimoji="0" lang="de-DE" sz="1200" b="0" i="0" u="none" strike="noStrike" kern="0" cap="none" normalizeH="0" baseline="0" noProof="0" smtClean="0">
+                <a:ln>
+                  <a:noFill/>
+                </a:ln>
+                <a:solidFill>
+                  <a:srgbClr val="999FA6"/>
+                </a:solidFill>
+                <a:effectLst/>
+                <a:uLnTx/>
+                <a:uFillTx/>
+                <a:latin typeface="Bosch Office Sans"/>
+                <a:ea typeface="+mn-ea"/>
+                <a:cs typeface="+mn-cs"/>
+              </a:rPr>
+              <a:t>24</a:t>
+            </a:r>
+            <a:endParaRPr kumimoji="0" lang="de-DE" sz="1200" b="0" i="0" u="none" strike="noStrike" kern="0" cap="none" normalizeH="0" baseline="0" noProof="0" dirty="0" smtClean="0">
+              <a:ln>
+                <a:noFill/>
+              </a:ln>
+              <a:solidFill>
+                <a:srgbClr val="999FA6"/>
+              </a:solidFill>
+              <a:effectLst/>
+              <a:uLnTx/>
+              <a:uFillTx/>
+              <a:latin typeface="Bosch Office Sans"/>
+              <a:ea typeface="+mn-ea"/>
+              <a:cs typeface="+mn-cs"/>
+            </a:endParaRPr>
+          </a:p>
+        </p:txBody>
+      </p:sp>
+      <p:sp>
+        <p:nvSpPr>
+          <p:cNvPr id="4" name="Rechteck 3" hidden="1"/>
+          <p:cNvSpPr>
+            <a:spLocks/>
+          </p:cNvSpPr>
+          <p:nvPr>
+            <p:custDataLst>
+              <p:tags r:id="rId8"/>
+            </p:custDataLst>
+          </p:nvPr>
+        </p:nvSpPr>
+        <p:spPr>
+          <a:xfrm>
+            <a:off x="9224010" y="259080"/>
+            <a:ext cx="1691640" cy="777240"/>
+          </a:xfrm>
+          <a:prstGeom prst="rect">
+            <a:avLst/>
+          </a:prstGeom>
+          <a:noFill/>
+          <a:ln w="9525" cap="flat" cmpd="sng" algn="ctr">
+            <a:noFill/>
+            <a:prstDash val="solid"/>
+          </a:ln>
+          <a:effectLst/>
+          <a:extLst>
+            <a:ext uri="{91240B29-F687-4F45-9708-019B960494DF}">
+              <a14:hiddenLine xmlns:a14="http://schemas.microsoft.com/office/drawing/2010/main" w="9525" cap="flat" cmpd="sng" algn="ctr">
+                <a:solidFill>
+                  <a:srgbClr val="3F136C"/>
+                </a:solidFill>
+                <a:prstDash val="solid"/>
+              </a14:hiddenLine>
+            </a:ext>
+            <a:ext uri="{AF507438-7753-43E0-B8FC-AC1667EBCBE1}">
+              <a14:hiddenEffects xmlns:a14="http://schemas.microsoft.com/office/drawing/2010/main">
+                <a:effectLst>
+                  <a:outerShdw blurRad="63500" rotWithShape="0">
+                    <a:scrgbClr r="0" g="0" b="0"/>
+                  </a:outerShdw>
+                </a:effectLst>
+              </a14:hiddenEffects>
+            </a:ext>
+            <a:ext uri="{53640926-AAD7-44D8-BBD7-CCE9431645EC}">
+              <a14:shadowObscured xmlns:a14="http://schemas.microsoft.com/office/drawing/2010/main"/>
+            </a:ext>
+          </a:extLst>
+        </p:spPr>
+        <p:txBody>
+          <a:bodyPr lIns="0" tIns="17780" rIns="0" bIns="0" rtlCol="0" anchor="t">
+            <a:normAutofit/>
+          </a:bodyPr>
+          <a:lstStyle/>
+          <a:p>
+            <a:pPr marL="0" marR="0" indent="0" defTabSz="914400" eaLnBrk="1" fontAlgn="auto" latinLnBrk="0" hangingPunct="1">
+              <a:lnSpc>
+                <a:spcPts val="900"/>
+              </a:lnSpc>
+              <a:buClrTx/>
+              <a:buSzTx/>
+              <a:buFontTx/>
+              <a:buNone/>
+              <a:tabLst/>
+            </a:pPr>
+            <a:endParaRPr kumimoji="0" lang="de-DE" sz="550" b="0" i="0" u="none" strike="noStrike" kern="0" cap="none" normalizeH="0" baseline="0" noProof="0" dirty="0" smtClean="0">
+              <a:ln>
+                <a:noFill/>
+              </a:ln>
+              <a:effectLst/>
+              <a:uLnTx/>
+              <a:uFillTx/>
+              <a:latin typeface="Bosch Office Sans"/>
+              <a:ea typeface="+mn-ea"/>
+              <a:cs typeface="+mn-cs"/>
+            </a:endParaRPr>
+          </a:p>
+        </p:txBody>
+      </p:sp>
+      <p:sp>
+        <p:nvSpPr>
+          <p:cNvPr id="3" name="Textfeld 2" hidden="1"/>
+          <p:cNvSpPr txBox="1"/>
+          <p:nvPr>
+            <p:custDataLst>
+              <p:tags r:id="rId9"/>
+            </p:custDataLst>
+          </p:nvPr>
+        </p:nvSpPr>
+        <p:spPr>
+          <a:xfrm>
+            <a:off x="0" y="5975350"/>
+            <a:ext cx="0" cy="0"/>
+          </a:xfrm>
+          <a:prstGeom prst="rect">
+            <a:avLst/>
+          </a:prstGeom>
+          <a:noFill/>
+          <a:effectLst/>
+          <a:extLst>
+            <a:ext uri="{AF507438-7753-43E0-B8FC-AC1667EBCBE1}">
+              <a14:hiddenEffects xmlns:a14="http://schemas.microsoft.com/office/drawing/2010/main">
+                <a:effectLst>
+                  <a:outerShdw blurRad="63500" rotWithShape="0">
+                    <a:scrgbClr r="0" g="0" b="0"/>
+                  </a:outerShdw>
+                </a:effectLst>
+              </a14:hiddenEffects>
+            </a:ext>
+            <a:ext uri="{53640926-AAD7-44D8-BBD7-CCE9431645EC}">
+              <a14:shadowObscured xmlns:a14="http://schemas.microsoft.com/office/drawing/2010/main"/>
+            </a:ext>
+          </a:extLst>
+        </p:spPr>
+        <p:txBody>
+          <a:bodyPr vert="horz" wrap="none" lIns="0" tIns="0" rIns="0" bIns="0" rtlCol="0" anchor="t">
+            <a:noAutofit/>
+          </a:bodyPr>
+          <a:lstStyle/>
+          <a:p>
+            <a:pPr marR="0" defTabSz="914400" eaLnBrk="1" fontAlgn="auto" latinLnBrk="0" hangingPunct="1">
+              <a:lnSpc>
+                <a:spcPct val="107000"/>
+              </a:lnSpc>
+              <a:buClrTx/>
+              <a:buSzTx/>
+              <a:buFontTx/>
+              <a:buNone/>
+              <a:tabLst/>
+            </a:pPr>
+            <a:endParaRPr kumimoji="0" lang="de-DE" sz="1300" b="0" i="0" u="none" strike="noStrike" kern="0" cap="none" normalizeH="0" baseline="0" noProof="0" dirty="0" err="1" smtClean="0">
+              <a:ln>
+                <a:noFill/>
+              </a:ln>
+              <a:effectLst/>
+              <a:uLnTx/>
+              <a:uFillTx/>
+            </a:endParaRPr>
+          </a:p>
+        </p:txBody>
+      </p:sp>
+      <p:sp>
+        <p:nvSpPr>
+          <p:cNvPr id="2" name="Titel 1"/>
+          <p:cNvSpPr>
+            <a:spLocks noGrp="1"/>
+          </p:cNvSpPr>
+          <p:nvPr>
+            <p:ph type="title"/>
+            <p:custDataLst>
+              <p:tags r:id="rId10"/>
+            </p:custDataLst>
+          </p:nvPr>
+        </p:nvSpPr>
+        <p:spPr>
+          <a:xfrm>
+            <a:off x="259080" y="647700"/>
+            <a:ext cx="10452100" cy="388620"/>
+          </a:xfrm>
+          <a:effectLst/>
+          <a:extLst>
+            <a:ext uri="{AF507438-7753-43E0-B8FC-AC1667EBCBE1}">
+              <a14:hiddenEffects xmlns:a14="http://schemas.microsoft.com/office/drawing/2010/main">
+                <a:effectLst>
+                  <a:outerShdw blurRad="63500" rotWithShape="0">
+                    <a:scrgbClr r="0" g="0" b="0"/>
+                  </a:outerShdw>
+                </a:effectLst>
+              </a14:hiddenEffects>
+            </a:ext>
+            <a:ext uri="{53640926-AAD7-44D8-BBD7-CCE9431645EC}">
+              <a14:shadowObscured xmlns:a14="http://schemas.microsoft.com/office/drawing/2010/main"/>
+            </a:ext>
+          </a:extLst>
+        </p:spPr>
+        <p:txBody>
+          <a:bodyPr wrap="square" lIns="0" tIns="0" rIns="0" bIns="0" anchor="t">
+            <a:noAutofit/>
+          </a:bodyPr>
+          <a:lstStyle/>
+          <a:p>
+            <a:pPr>
+              <a:lnSpc>
+                <a:spcPct val="89000"/>
+              </a:lnSpc>
+              <a:spcBef>
+                <a:spcPts val="0"/>
+              </a:spcBef>
+            </a:pPr>
+            <a:r>
+              <a:rPr lang="de-DE" sz="2800" dirty="0" smtClean="0">
+                <a:solidFill>
+                  <a:srgbClr val="67B419"/>
+                </a:solidFill>
+              </a:rPr>
               <a:t>Anpassung des Verfahrens auf nicht-statische Kameras</a:t>
             </a:r>
             <a:endParaRPr lang="de-DE" sz="2800" dirty="0">
@@ -17564,7 +19076,7 @@
 </p:sld>
 </file>
 
-<file path=ppt/slides/slide24.xml><?xml version="1.0" encoding="utf-8"?>
+<file path=ppt/slides/slide25.xml><?xml version="1.0" encoding="utf-8"?>
 <p:sld xmlns:a="http://schemas.openxmlformats.org/drawingml/2006/main" xmlns:r="http://schemas.openxmlformats.org/officeDocument/2006/relationships" xmlns:p="http://schemas.openxmlformats.org/presentationml/2006/main">
   <p:cSld>
     <p:spTree>
@@ -17854,7 +19366,7 @@
                 <a:ea typeface="+mn-ea"/>
                 <a:cs typeface="+mn-cs"/>
               </a:rPr>
-              <a:t>24</a:t>
+              <a:t>25</a:t>
             </a:r>
             <a:endParaRPr kumimoji="0" lang="de-DE" sz="1200" b="0" i="0" u="none" strike="noStrike" kern="0" cap="none" normalizeH="0" baseline="0" noProof="0" dirty="0" smtClean="0">
               <a:ln>
@@ -18459,7 +19971,7 @@
 </p:sld>
 </file>
 
-<file path=ppt/slides/slide25.xml><?xml version="1.0" encoding="utf-8"?>
+<file path=ppt/slides/slide26.xml><?xml version="1.0" encoding="utf-8"?>
 <p:sld xmlns:a="http://schemas.openxmlformats.org/drawingml/2006/main" xmlns:r="http://schemas.openxmlformats.org/officeDocument/2006/relationships" xmlns:p="http://schemas.openxmlformats.org/presentationml/2006/main">
   <p:cSld>
     <p:spTree>
@@ -18911,7 +20423,7 @@
                 <a:ea typeface="+mn-ea"/>
                 <a:cs typeface="+mn-cs"/>
               </a:rPr>
-              <a:t>25</a:t>
+              <a:t>26</a:t>
             </a:r>
             <a:endParaRPr kumimoji="0" lang="de-DE" sz="1200" b="0" i="0" u="none" strike="noStrike" kern="0" cap="none" normalizeH="0" baseline="0" noProof="0" dirty="0" smtClean="0">
               <a:ln>
@@ -19217,7 +20729,7 @@
 </p:sld>
 </file>
 
-<file path=ppt/slides/slide26.xml><?xml version="1.0" encoding="utf-8"?>
+<file path=ppt/slides/slide27.xml><?xml version="1.0" encoding="utf-8"?>
 <p:sld xmlns:a="http://schemas.openxmlformats.org/drawingml/2006/main" xmlns:r="http://schemas.openxmlformats.org/officeDocument/2006/relationships" xmlns:p="http://schemas.openxmlformats.org/presentationml/2006/main">
   <p:cSld>
     <p:spTree>
@@ -19507,7 +21019,7 @@
                 <a:ea typeface="+mn-ea"/>
                 <a:cs typeface="+mn-cs"/>
               </a:rPr>
-              <a:t>26</a:t>
+              <a:t>27</a:t>
             </a:r>
             <a:endParaRPr kumimoji="0" lang="de-DE" sz="1200" b="0" i="0" u="none" strike="noStrike" kern="0" cap="none" normalizeH="0" baseline="0" noProof="0" dirty="0" smtClean="0">
               <a:ln>
@@ -20112,7 +21624,7 @@
 </p:sld>
 </file>
 
-<file path=ppt/slides/slide27.xml><?xml version="1.0" encoding="utf-8"?>
+<file path=ppt/slides/slide28.xml><?xml version="1.0" encoding="utf-8"?>
 <p:sld xmlns:a="http://schemas.openxmlformats.org/drawingml/2006/main" xmlns:r="http://schemas.openxmlformats.org/officeDocument/2006/relationships" xmlns:p="http://schemas.openxmlformats.org/presentationml/2006/main">
   <p:cSld>
     <p:spTree>
@@ -20564,7 +22076,7 @@
                 <a:ea typeface="+mn-ea"/>
                 <a:cs typeface="+mn-cs"/>
               </a:rPr>
-              <a:t>27</a:t>
+              <a:t>28</a:t>
             </a:r>
             <a:endParaRPr kumimoji="0" lang="de-DE" sz="1200" b="0" i="0" u="none" strike="noStrike" kern="0" cap="none" normalizeH="0" baseline="0" noProof="0" dirty="0" smtClean="0">
               <a:ln>
@@ -20867,7 +22379,7 @@
 </p:sld>
 </file>
 
-<file path=ppt/slides/slide28.xml><?xml version="1.0" encoding="utf-8"?>
+<file path=ppt/slides/slide29.xml><?xml version="1.0" encoding="utf-8"?>
 <p:sld xmlns:a="http://schemas.openxmlformats.org/drawingml/2006/main" xmlns:r="http://schemas.openxmlformats.org/officeDocument/2006/relationships" xmlns:p="http://schemas.openxmlformats.org/presentationml/2006/main" showMasterSp="0">
   <p:cSld>
     <p:spTree>
@@ -21135,681 +22647,6 @@
     <p:extLst>
       <p:ext uri="{BB962C8B-B14F-4D97-AF65-F5344CB8AC3E}">
         <p14:creationId xmlns:p14="http://schemas.microsoft.com/office/powerpoint/2010/main" val="1649621911"/>
-      </p:ext>
-    </p:extLst>
-  </p:cSld>
-  <p:clrMapOvr>
-    <a:masterClrMapping/>
-  </p:clrMapOvr>
-  <p:timing>
-    <p:tnLst>
-      <p:par>
-        <p:cTn id="1" dur="indefinite" restart="never" nodeType="tmRoot"/>
-      </p:par>
-    </p:tnLst>
-  </p:timing>
-</p:sld>
-</file>
-
-<file path=ppt/slides/slide29.xml><?xml version="1.0" encoding="utf-8"?>
-<p:sld xmlns:a="http://schemas.openxmlformats.org/drawingml/2006/main" xmlns:r="http://schemas.openxmlformats.org/officeDocument/2006/relationships" xmlns:p="http://schemas.openxmlformats.org/presentationml/2006/main" showMasterSp="0">
-  <p:cSld>
-    <p:spTree>
-      <p:nvGrpSpPr>
-        <p:cNvPr id="1" name=""/>
-        <p:cNvGrpSpPr/>
-        <p:nvPr/>
-      </p:nvGrpSpPr>
-      <p:grpSpPr>
-        <a:xfrm>
-          <a:off x="0" y="0"/>
-          <a:ext cx="0" cy="0"/>
-          <a:chOff x="0" y="0"/>
-          <a:chExt cx="0" cy="0"/>
-        </a:xfrm>
-      </p:grpSpPr>
-      <p:pic>
-        <p:nvPicPr>
-          <p:cNvPr id="10" name="Grafik 9"/>
-          <p:cNvPicPr>
-            <a:picLocks/>
-          </p:cNvPicPr>
-          <p:nvPr>
-            <p:custDataLst>
-              <p:tags r:id="rId2"/>
-            </p:custDataLst>
-          </p:nvPr>
-        </p:nvPicPr>
-        <p:blipFill>
-          <a:blip r:embed="rId12" cstate="print">
-            <a:extLst>
-              <a:ext uri="{28A0092B-C50C-407E-A947-70E740481C1C}">
-                <a14:useLocalDpi xmlns:a14="http://schemas.microsoft.com/office/drawing/2010/main" val="0"/>
-              </a:ext>
-            </a:extLst>
-          </a:blip>
-          <a:stretch>
-            <a:fillRect/>
-          </a:stretch>
-        </p:blipFill>
-        <p:spPr>
-          <a:xfrm>
-            <a:off x="9758680" y="5464810"/>
-            <a:ext cx="1094740" cy="575310"/>
-          </a:xfrm>
-          <a:prstGeom prst="rect">
-            <a:avLst/>
-          </a:prstGeom>
-          <a:effectLst/>
-          <a:extLst>
-            <a:ext uri="{AF507438-7753-43E0-B8FC-AC1667EBCBE1}">
-              <a14:hiddenEffects xmlns:a14="http://schemas.microsoft.com/office/drawing/2010/main">
-                <a:effectLst>
-                  <a:outerShdw blurRad="63500" rotWithShape="0">
-                    <a:scrgbClr r="0" g="0" b="0"/>
-                  </a:outerShdw>
-                </a:effectLst>
-              </a14:hiddenEffects>
-            </a:ext>
-            <a:ext uri="{53640926-AAD7-44D8-BBD7-CCE9431645EC}">
-              <a14:shadowObscured xmlns:a14="http://schemas.microsoft.com/office/drawing/2010/main"/>
-            </a:ext>
-          </a:extLst>
-        </p:spPr>
-      </p:pic>
-      <p:pic>
-        <p:nvPicPr>
-          <p:cNvPr id="9" name="Grafik 8"/>
-          <p:cNvPicPr>
-            <a:picLocks/>
-          </p:cNvPicPr>
-          <p:nvPr>
-            <p:custDataLst>
-              <p:tags r:id="rId3"/>
-            </p:custDataLst>
-          </p:nvPr>
-        </p:nvPicPr>
-        <p:blipFill>
-          <a:blip r:embed="rId13">
-            <a:extLst>
-              <a:ext uri="{28A0092B-C50C-407E-A947-70E740481C1C}">
-                <a14:useLocalDpi xmlns:a14="http://schemas.microsoft.com/office/drawing/2010/main" val="0"/>
-              </a:ext>
-            </a:extLst>
-          </a:blip>
-          <a:stretch>
-            <a:fillRect/>
-          </a:stretch>
-        </p:blipFill>
-        <p:spPr>
-          <a:xfrm>
-            <a:off x="0" y="6041390"/>
-            <a:ext cx="10970260" cy="129540"/>
-          </a:xfrm>
-          <a:prstGeom prst="rect">
-            <a:avLst/>
-          </a:prstGeom>
-          <a:effectLst/>
-          <a:extLst>
-            <a:ext uri="{AF507438-7753-43E0-B8FC-AC1667EBCBE1}">
-              <a14:hiddenEffects xmlns:a14="http://schemas.microsoft.com/office/drawing/2010/main">
-                <a:effectLst>
-                  <a:outerShdw blurRad="63500" rotWithShape="0">
-                    <a:scrgbClr r="0" g="0" b="0"/>
-                  </a:outerShdw>
-                </a:effectLst>
-              </a14:hiddenEffects>
-            </a:ext>
-            <a:ext uri="{53640926-AAD7-44D8-BBD7-CCE9431645EC}">
-              <a14:shadowObscured xmlns:a14="http://schemas.microsoft.com/office/drawing/2010/main"/>
-            </a:ext>
-          </a:extLst>
-        </p:spPr>
-      </p:pic>
-      <p:sp>
-        <p:nvSpPr>
-          <p:cNvPr id="8" name="Rechteck 7"/>
-          <p:cNvSpPr>
-            <a:spLocks/>
-          </p:cNvSpPr>
-          <p:nvPr>
-            <p:custDataLst>
-              <p:tags r:id="rId4"/>
-            </p:custDataLst>
-          </p:nvPr>
-        </p:nvSpPr>
-        <p:spPr>
-          <a:xfrm>
-            <a:off x="593090" y="5643880"/>
-            <a:ext cx="9152890" cy="107950"/>
-          </a:xfrm>
-          <a:prstGeom prst="rect">
-            <a:avLst/>
-          </a:prstGeom>
-          <a:noFill/>
-          <a:ln w="9525" cap="flat" cmpd="sng" algn="ctr">
-            <a:noFill/>
-            <a:prstDash val="solid"/>
-          </a:ln>
-          <a:effectLst/>
-          <a:extLst>
-            <a:ext uri="{91240B29-F687-4F45-9708-019B960494DF}">
-              <a14:hiddenLine xmlns:a14="http://schemas.microsoft.com/office/drawing/2010/main" w="9525" cap="flat" cmpd="sng" algn="ctr">
-                <a:solidFill>
-                  <a:srgbClr val="3F136C"/>
-                </a:solidFill>
-                <a:prstDash val="solid"/>
-              </a14:hiddenLine>
-            </a:ext>
-            <a:ext uri="{AF507438-7753-43E0-B8FC-AC1667EBCBE1}">
-              <a14:hiddenEffects xmlns:a14="http://schemas.microsoft.com/office/drawing/2010/main">
-                <a:effectLst>
-                  <a:outerShdw blurRad="63500" rotWithShape="0">
-                    <a:scrgbClr r="0" g="0" b="0"/>
-                  </a:outerShdw>
-                </a:effectLst>
-              </a14:hiddenEffects>
-            </a:ext>
-            <a:ext uri="{53640926-AAD7-44D8-BBD7-CCE9431645EC}">
-              <a14:shadowObscured xmlns:a14="http://schemas.microsoft.com/office/drawing/2010/main"/>
-            </a:ext>
-          </a:extLst>
-        </p:spPr>
-        <p:txBody>
-          <a:bodyPr lIns="0" tIns="0" rIns="0" bIns="0" rtlCol="0" anchor="t"/>
-          <a:lstStyle/>
-          <a:p>
-            <a:pPr marL="0" marR="0" indent="0" defTabSz="914400" eaLnBrk="1" fontAlgn="auto" latinLnBrk="0" hangingPunct="1">
-              <a:lnSpc>
-                <a:spcPct val="107000"/>
-              </a:lnSpc>
-              <a:spcAft>
-                <a:spcPts val="100"/>
-              </a:spcAft>
-              <a:buClrTx/>
-              <a:buSzTx/>
-              <a:buFontTx/>
-              <a:buNone/>
-              <a:tabLst/>
-            </a:pPr>
-            <a:r>
-              <a:rPr kumimoji="0" lang="de-DE" sz="600" strike="noStrike" kern="0" cap="none" normalizeH="0" baseline="0" noProof="0" smtClean="0">
-                <a:ln>
-                  <a:noFill/>
-                </a:ln>
-                <a:solidFill>
-                  <a:srgbClr val="000000"/>
-                </a:solidFill>
-                <a:effectLst/>
-                <a:uLnTx/>
-                <a:uFillTx/>
-                <a:ea typeface="+mn-ea"/>
-                <a:cs typeface="+mn-cs"/>
-              </a:rPr>
-              <a:t>HOME/EPS | 11.04.2018</a:t>
-            </a:r>
-            <a:endParaRPr kumimoji="0" lang="de-DE" sz="600" strike="noStrike" kern="0" cap="none" normalizeH="0" baseline="0" noProof="0" dirty="0" smtClean="0">
-              <a:ln>
-                <a:noFill/>
-              </a:ln>
-              <a:solidFill>
-                <a:srgbClr val="000000"/>
-              </a:solidFill>
-              <a:effectLst/>
-              <a:uLnTx/>
-              <a:uFillTx/>
-              <a:ea typeface="+mn-ea"/>
-              <a:cs typeface="+mn-cs"/>
-            </a:endParaRPr>
-          </a:p>
-        </p:txBody>
-      </p:sp>
-      <p:sp>
-        <p:nvSpPr>
-          <p:cNvPr id="7" name="Rechteck 6"/>
-          <p:cNvSpPr>
-            <a:spLocks/>
-          </p:cNvSpPr>
-          <p:nvPr>
-            <p:custDataLst>
-              <p:tags r:id="rId5"/>
-            </p:custDataLst>
-          </p:nvPr>
-        </p:nvSpPr>
-        <p:spPr>
-          <a:xfrm>
-            <a:off x="593090" y="5758180"/>
-            <a:ext cx="9152890" cy="215900"/>
-          </a:xfrm>
-          <a:prstGeom prst="rect">
-            <a:avLst/>
-          </a:prstGeom>
-          <a:noFill/>
-          <a:ln w="9525" cap="flat" cmpd="sng" algn="ctr">
-            <a:noFill/>
-            <a:prstDash val="solid"/>
-          </a:ln>
-          <a:effectLst/>
-          <a:extLst>
-            <a:ext uri="{91240B29-F687-4F45-9708-019B960494DF}">
-              <a14:hiddenLine xmlns:a14="http://schemas.microsoft.com/office/drawing/2010/main" w="9525" cap="flat" cmpd="sng" algn="ctr">
-                <a:solidFill>
-                  <a:srgbClr val="3F136C"/>
-                </a:solidFill>
-                <a:prstDash val="solid"/>
-              </a14:hiddenLine>
-            </a:ext>
-            <a:ext uri="{AF507438-7753-43E0-B8FC-AC1667EBCBE1}">
-              <a14:hiddenEffects xmlns:a14="http://schemas.microsoft.com/office/drawing/2010/main">
-                <a:effectLst>
-                  <a:outerShdw blurRad="63500" rotWithShape="0">
-                    <a:scrgbClr r="0" g="0" b="0"/>
-                  </a:outerShdw>
-                </a:effectLst>
-              </a14:hiddenEffects>
-            </a:ext>
-            <a:ext uri="{53640926-AAD7-44D8-BBD7-CCE9431645EC}">
-              <a14:shadowObscured xmlns:a14="http://schemas.microsoft.com/office/drawing/2010/main"/>
-            </a:ext>
-          </a:extLst>
-        </p:spPr>
-        <p:txBody>
-          <a:bodyPr lIns="0" tIns="0" rIns="0" bIns="0" rtlCol="0" anchor="t"/>
-          <a:lstStyle/>
-          <a:p>
-            <a:pPr marL="0" marR="0" indent="0" defTabSz="914400" eaLnBrk="1" fontAlgn="auto" latinLnBrk="0" hangingPunct="1">
-              <a:lnSpc>
-                <a:spcPct val="107000"/>
-              </a:lnSpc>
-              <a:spcAft>
-                <a:spcPts val="100"/>
-              </a:spcAft>
-              <a:buClrTx/>
-              <a:buSzTx/>
-              <a:buFontTx/>
-              <a:buNone/>
-              <a:tabLst/>
-            </a:pPr>
-            <a:r>
-              <a:rPr kumimoji="0" lang="de-DE" sz="600" b="0" i="0" u="none" strike="noStrike" kern="0" cap="none" normalizeH="0" baseline="0" noProof="0" smtClean="0">
-                <a:ln>
-                  <a:noFill/>
-                </a:ln>
-                <a:solidFill>
-                  <a:srgbClr val="B2B3B5"/>
-                </a:solidFill>
-                <a:effectLst/>
-                <a:uLnTx/>
-                <a:uFillTx/>
-                <a:latin typeface="Bosch Office Sans"/>
-                <a:ea typeface="+mn-ea"/>
-                <a:cs typeface="+mn-cs"/>
-              </a:rPr>
-              <a:t>© Robert Bosch GmbH 2018. Alle Rechte vorbehalten, auch bzgl. jeder Verfügung, Verwertung, Reproduktion, Bearbeitung, Weitergabe sowie für den Fall von Schutzrechtsanmeldungen.</a:t>
-            </a:r>
-            <a:endParaRPr kumimoji="0" lang="de-DE" sz="600" b="0" i="0" u="none" strike="noStrike" kern="0" cap="none" normalizeH="0" baseline="0" noProof="0" dirty="0" smtClean="0">
-              <a:ln>
-                <a:noFill/>
-              </a:ln>
-              <a:solidFill>
-                <a:srgbClr val="B2B3B5"/>
-              </a:solidFill>
-              <a:effectLst/>
-              <a:uLnTx/>
-              <a:uFillTx/>
-              <a:latin typeface="Bosch Office Sans"/>
-              <a:ea typeface="+mn-ea"/>
-              <a:cs typeface="+mn-cs"/>
-            </a:endParaRPr>
-          </a:p>
-        </p:txBody>
-      </p:sp>
-      <p:sp>
-        <p:nvSpPr>
-          <p:cNvPr id="6" name="Rechteck 5"/>
-          <p:cNvSpPr>
-            <a:spLocks/>
-          </p:cNvSpPr>
-          <p:nvPr>
-            <p:custDataLst>
-              <p:tags r:id="rId6"/>
-            </p:custDataLst>
-          </p:nvPr>
-        </p:nvSpPr>
-        <p:spPr>
-          <a:xfrm>
-            <a:off x="266700" y="5628640"/>
-            <a:ext cx="288290" cy="410210"/>
-          </a:xfrm>
-          <a:prstGeom prst="rect">
-            <a:avLst/>
-          </a:prstGeom>
-          <a:noFill/>
-          <a:ln w="9525" cap="flat" cmpd="sng" algn="ctr">
-            <a:noFill/>
-            <a:prstDash val="solid"/>
-          </a:ln>
-          <a:effectLst/>
-          <a:extLst>
-            <a:ext uri="{91240B29-F687-4F45-9708-019B960494DF}">
-              <a14:hiddenLine xmlns:a14="http://schemas.microsoft.com/office/drawing/2010/main" w="9525" cap="flat" cmpd="sng" algn="ctr">
-                <a:solidFill>
-                  <a:srgbClr val="3F136C"/>
-                </a:solidFill>
-                <a:prstDash val="solid"/>
-              </a14:hiddenLine>
-            </a:ext>
-            <a:ext uri="{AF507438-7753-43E0-B8FC-AC1667EBCBE1}">
-              <a14:hiddenEffects xmlns:a14="http://schemas.microsoft.com/office/drawing/2010/main">
-                <a:effectLst>
-                  <a:outerShdw blurRad="63500" rotWithShape="0">
-                    <a:scrgbClr r="0" g="0" b="0"/>
-                  </a:outerShdw>
-                </a:effectLst>
-              </a14:hiddenEffects>
-            </a:ext>
-            <a:ext uri="{53640926-AAD7-44D8-BBD7-CCE9431645EC}">
-              <a14:shadowObscured xmlns:a14="http://schemas.microsoft.com/office/drawing/2010/main"/>
-            </a:ext>
-          </a:extLst>
-        </p:spPr>
-        <p:txBody>
-          <a:bodyPr wrap="none" lIns="0" tIns="0" rIns="0" bIns="0" rtlCol="0" anchor="t"/>
-          <a:lstStyle/>
-          <a:p>
-            <a:pPr marL="0" marR="0" indent="0" defTabSz="914400" eaLnBrk="1" fontAlgn="auto" latinLnBrk="0" hangingPunct="1">
-              <a:buClrTx/>
-              <a:buSzTx/>
-              <a:buFontTx/>
-              <a:buNone/>
-              <a:tabLst/>
-            </a:pPr>
-            <a:r>
-              <a:rPr kumimoji="0" lang="de-DE" sz="1200" b="0" i="0" u="none" strike="noStrike" kern="0" cap="none" normalizeH="0" baseline="0" noProof="0" smtClean="0">
-                <a:ln>
-                  <a:noFill/>
-                </a:ln>
-                <a:solidFill>
-                  <a:srgbClr val="999FA6"/>
-                </a:solidFill>
-                <a:effectLst/>
-                <a:uLnTx/>
-                <a:uFillTx/>
-                <a:latin typeface="Bosch Office Sans"/>
-                <a:ea typeface="+mn-ea"/>
-                <a:cs typeface="+mn-cs"/>
-              </a:rPr>
-              <a:t>29</a:t>
-            </a:r>
-            <a:endParaRPr kumimoji="0" lang="de-DE" sz="1200" b="0" i="0" u="none" strike="noStrike" kern="0" cap="none" normalizeH="0" baseline="0" noProof="0" dirty="0" smtClean="0">
-              <a:ln>
-                <a:noFill/>
-              </a:ln>
-              <a:solidFill>
-                <a:srgbClr val="999FA6"/>
-              </a:solidFill>
-              <a:effectLst/>
-              <a:uLnTx/>
-              <a:uFillTx/>
-              <a:latin typeface="Bosch Office Sans"/>
-              <a:ea typeface="+mn-ea"/>
-              <a:cs typeface="+mn-cs"/>
-            </a:endParaRPr>
-          </a:p>
-        </p:txBody>
-      </p:sp>
-      <p:sp>
-        <p:nvSpPr>
-          <p:cNvPr id="5" name="Rechteck 4" hidden="1"/>
-          <p:cNvSpPr>
-            <a:spLocks/>
-          </p:cNvSpPr>
-          <p:nvPr>
-            <p:custDataLst>
-              <p:tags r:id="rId7"/>
-            </p:custDataLst>
-          </p:nvPr>
-        </p:nvSpPr>
-        <p:spPr>
-          <a:xfrm>
-            <a:off x="9224010" y="259080"/>
-            <a:ext cx="1691640" cy="777240"/>
-          </a:xfrm>
-          <a:prstGeom prst="rect">
-            <a:avLst/>
-          </a:prstGeom>
-          <a:noFill/>
-          <a:ln w="9525" cap="flat" cmpd="sng" algn="ctr">
-            <a:noFill/>
-            <a:prstDash val="solid"/>
-          </a:ln>
-          <a:effectLst/>
-          <a:extLst>
-            <a:ext uri="{91240B29-F687-4F45-9708-019B960494DF}">
-              <a14:hiddenLine xmlns:a14="http://schemas.microsoft.com/office/drawing/2010/main" w="9525" cap="flat" cmpd="sng" algn="ctr">
-                <a:solidFill>
-                  <a:srgbClr val="3F136C"/>
-                </a:solidFill>
-                <a:prstDash val="solid"/>
-              </a14:hiddenLine>
-            </a:ext>
-            <a:ext uri="{AF507438-7753-43E0-B8FC-AC1667EBCBE1}">
-              <a14:hiddenEffects xmlns:a14="http://schemas.microsoft.com/office/drawing/2010/main">
-                <a:effectLst>
-                  <a:outerShdw blurRad="63500" rotWithShape="0">
-                    <a:scrgbClr r="0" g="0" b="0"/>
-                  </a:outerShdw>
-                </a:effectLst>
-              </a14:hiddenEffects>
-            </a:ext>
-            <a:ext uri="{53640926-AAD7-44D8-BBD7-CCE9431645EC}">
-              <a14:shadowObscured xmlns:a14="http://schemas.microsoft.com/office/drawing/2010/main"/>
-            </a:ext>
-          </a:extLst>
-        </p:spPr>
-        <p:txBody>
-          <a:bodyPr lIns="0" tIns="17780" rIns="0" bIns="0" rtlCol="0" anchor="t">
-            <a:normAutofit/>
-          </a:bodyPr>
-          <a:lstStyle/>
-          <a:p>
-            <a:pPr marL="0" marR="0" indent="0" defTabSz="914400" eaLnBrk="1" fontAlgn="auto" latinLnBrk="0" hangingPunct="1">
-              <a:lnSpc>
-                <a:spcPts val="900"/>
-              </a:lnSpc>
-              <a:buClrTx/>
-              <a:buSzTx/>
-              <a:buFontTx/>
-              <a:buNone/>
-              <a:tabLst/>
-            </a:pPr>
-            <a:endParaRPr kumimoji="0" lang="de-DE" sz="550" b="0" i="0" u="none" strike="noStrike" kern="0" cap="none" normalizeH="0" baseline="0" noProof="0" dirty="0" smtClean="0">
-              <a:ln>
-                <a:noFill/>
-              </a:ln>
-              <a:effectLst/>
-              <a:uLnTx/>
-              <a:uFillTx/>
-              <a:latin typeface="Bosch Office Sans"/>
-              <a:ea typeface="+mn-ea"/>
-              <a:cs typeface="+mn-cs"/>
-            </a:endParaRPr>
-          </a:p>
-        </p:txBody>
-      </p:sp>
-      <p:sp>
-        <p:nvSpPr>
-          <p:cNvPr id="4" name="Textfeld 3" hidden="1"/>
-          <p:cNvSpPr txBox="1"/>
-          <p:nvPr>
-            <p:custDataLst>
-              <p:tags r:id="rId8"/>
-            </p:custDataLst>
-          </p:nvPr>
-        </p:nvSpPr>
-        <p:spPr>
-          <a:xfrm>
-            <a:off x="0" y="5975350"/>
-            <a:ext cx="0" cy="0"/>
-          </a:xfrm>
-          <a:prstGeom prst="rect">
-            <a:avLst/>
-          </a:prstGeom>
-          <a:noFill/>
-          <a:effectLst/>
-          <a:extLst>
-            <a:ext uri="{AF507438-7753-43E0-B8FC-AC1667EBCBE1}">
-              <a14:hiddenEffects xmlns:a14="http://schemas.microsoft.com/office/drawing/2010/main">
-                <a:effectLst>
-                  <a:outerShdw blurRad="63500" rotWithShape="0">
-                    <a:scrgbClr r="0" g="0" b="0"/>
-                  </a:outerShdw>
-                </a:effectLst>
-              </a14:hiddenEffects>
-            </a:ext>
-            <a:ext uri="{53640926-AAD7-44D8-BBD7-CCE9431645EC}">
-              <a14:shadowObscured xmlns:a14="http://schemas.microsoft.com/office/drawing/2010/main"/>
-            </a:ext>
-          </a:extLst>
-        </p:spPr>
-        <p:txBody>
-          <a:bodyPr vert="horz" wrap="none" lIns="0" tIns="0" rIns="0" bIns="0" rtlCol="0" anchor="t">
-            <a:noAutofit/>
-          </a:bodyPr>
-          <a:lstStyle/>
-          <a:p>
-            <a:pPr marR="0" defTabSz="914400" eaLnBrk="1" fontAlgn="auto" latinLnBrk="0" hangingPunct="1">
-              <a:lnSpc>
-                <a:spcPct val="107000"/>
-              </a:lnSpc>
-              <a:buClrTx/>
-              <a:buSzTx/>
-              <a:buFontTx/>
-              <a:buNone/>
-              <a:tabLst/>
-            </a:pPr>
-            <a:endParaRPr kumimoji="0" lang="de-DE" sz="1300" b="0" i="0" u="none" strike="noStrike" kern="0" cap="none" normalizeH="0" baseline="0" noProof="0" dirty="0" err="1" smtClean="0">
-              <a:ln>
-                <a:noFill/>
-              </a:ln>
-              <a:effectLst/>
-              <a:uLnTx/>
-              <a:uFillTx/>
-            </a:endParaRPr>
-          </a:p>
-        </p:txBody>
-      </p:sp>
-      <p:sp>
-        <p:nvSpPr>
-          <p:cNvPr id="2" name="Titel 1"/>
-          <p:cNvSpPr>
-            <a:spLocks noGrp="1"/>
-          </p:cNvSpPr>
-          <p:nvPr>
-            <p:ph type="title"/>
-            <p:custDataLst>
-              <p:tags r:id="rId9"/>
-            </p:custDataLst>
-          </p:nvPr>
-        </p:nvSpPr>
-        <p:spPr>
-          <a:xfrm>
-            <a:off x="259080" y="259080"/>
-            <a:ext cx="10452100" cy="777240"/>
-          </a:xfrm>
-          <a:effectLst/>
-          <a:extLst>
-            <a:ext uri="{AF507438-7753-43E0-B8FC-AC1667EBCBE1}">
-              <a14:hiddenEffects xmlns:a14="http://schemas.microsoft.com/office/drawing/2010/main">
-                <a:effectLst>
-                  <a:outerShdw blurRad="63500" rotWithShape="0">
-                    <a:scrgbClr r="0" g="0" b="0"/>
-                  </a:outerShdw>
-                </a:effectLst>
-              </a14:hiddenEffects>
-            </a:ext>
-            <a:ext uri="{53640926-AAD7-44D8-BBD7-CCE9431645EC}">
-              <a14:shadowObscured xmlns:a14="http://schemas.microsoft.com/office/drawing/2010/main"/>
-            </a:ext>
-          </a:extLst>
-        </p:spPr>
-        <p:txBody>
-          <a:bodyPr wrap="square" lIns="0" tIns="0" rIns="0" bIns="0" anchor="t">
-            <a:noAutofit/>
-          </a:bodyPr>
-          <a:lstStyle/>
-          <a:p>
-            <a:pPr>
-              <a:lnSpc>
-                <a:spcPct val="89000"/>
-              </a:lnSpc>
-              <a:spcBef>
-                <a:spcPts val="0"/>
-              </a:spcBef>
-            </a:pPr>
-            <a:r>
-              <a:rPr lang="de-DE" sz="2800" dirty="0" smtClean="0"/>
-              <a:t>Quelle</a:t>
-            </a:r>
-            <a:endParaRPr lang="de-DE" sz="2800" dirty="0"/>
-          </a:p>
-        </p:txBody>
-      </p:sp>
-      <p:sp>
-        <p:nvSpPr>
-          <p:cNvPr id="3" name="Textplatzhalter 2"/>
-          <p:cNvSpPr>
-            <a:spLocks noGrp="1"/>
-          </p:cNvSpPr>
-          <p:nvPr>
-            <p:ph type="body" idx="1"/>
-            <p:custDataLst>
-              <p:tags r:id="rId10"/>
-            </p:custDataLst>
-          </p:nvPr>
-        </p:nvSpPr>
-        <p:spPr>
-          <a:xfrm>
-            <a:off x="259080" y="1295400"/>
-            <a:ext cx="10452100" cy="4168140"/>
-          </a:xfrm>
-          <a:effectLst/>
-          <a:extLst>
-            <a:ext uri="{AF507438-7753-43E0-B8FC-AC1667EBCBE1}">
-              <a14:hiddenEffects xmlns:a14="http://schemas.microsoft.com/office/drawing/2010/main">
-                <a:effectLst>
-                  <a:outerShdw blurRad="63500" rotWithShape="0">
-                    <a:scrgbClr r="0" g="0" b="0"/>
-                  </a:outerShdw>
-                </a:effectLst>
-              </a14:hiddenEffects>
-            </a:ext>
-            <a:ext uri="{53640926-AAD7-44D8-BBD7-CCE9431645EC}">
-              <a14:shadowObscured xmlns:a14="http://schemas.microsoft.com/office/drawing/2010/main"/>
-            </a:ext>
-          </a:extLst>
-        </p:spPr>
-        <p:txBody>
-          <a:bodyPr wrap="square" lIns="0" tIns="0" rIns="0" bIns="0" anchor="t">
-            <a:noAutofit/>
-          </a:bodyPr>
-          <a:lstStyle/>
-          <a:p>
-            <a:pPr>
-              <a:buFont typeface="Wingdings 3" panose="05040102010807070707" pitchFamily="18" charset="2"/>
-              <a:buAutoNum type="arabicPeriod"/>
-            </a:pPr>
-            <a:endParaRPr lang="de-DE"/>
-          </a:p>
-        </p:txBody>
-      </p:sp>
-    </p:spTree>
-    <p:custDataLst>
-      <p:tags r:id="rId1"/>
-    </p:custDataLst>
-    <p:extLst>
-      <p:ext uri="{BB962C8B-B14F-4D97-AF65-F5344CB8AC3E}">
-        <p14:creationId xmlns:p14="http://schemas.microsoft.com/office/powerpoint/2010/main" val="3426704603"/>
       </p:ext>
     </p:extLst>
   </p:cSld>
@@ -29951,7 +30788,6 @@
   <p:tag name="ML_2" val="Bosch2.mcr"/>
   <p:tag name="ML_LAYOUT_RESOURCE" val="BOSCH2_16_9.mcr"/>
   <p:tag name="SHAPESETGROUPCLASSNAME" val="ShapeSetGroup1"/>
-  <p:tag name="SHAPESETCLASSNAME" val="TitleOnly"/>
   <p:tag name="COLORSETGROUPCLASSNAME" val="ColorSetGroup4"/>
   <p:tag name="COLORSETCLASSNAME" val="ColorSet2"/>
   <p:tag name="FONTSETGROUPCLASSNAME" val="FontSetGroup1"/>
@@ -29968,6 +30804,12 @@
   <p:tag name="TITLE 1_SHAPECLASSPROTECTIONTYPE" val="9"/>
   <p:tag name="PICTURE 8_SHAPECLASSPROTECTIONTYPE" val="15"/>
   <p:tag name="PICTURE 9_SHAPECLASSPROTECTIONTYPE" val="15"/>
+  <p:tag name="SHAPESETCLASSNAME" val="Object"/>
+  <p:tag name="CONTENT PLACEHOLDER 10_SHAPECLASSPROTECTIONTYPE" val="0"/>
+  <p:tag name="CONTENT PLACEHOLDER 13_SHAPECLASSPROTECTIONTYPE" val="0"/>
+  <p:tag name="PICTURE 12_SHAPECLASSPROTECTIONTYPE" val="15"/>
+  <p:tag name="CONTENT PLACEHOLDER 16_SHAPECLASSPROTECTIONTYPE" val="0"/>
+  <p:tag name="PICTURE 15_SHAPECLASSPROTECTIONTYPE" val="15"/>
 </p:tagLst>
 </file>
 
@@ -30005,52 +30847,84 @@
 <p:tagLst xmlns:a="http://schemas.openxmlformats.org/drawingml/2006/main" xmlns:r="http://schemas.openxmlformats.org/officeDocument/2006/relationships" xmlns:p="http://schemas.openxmlformats.org/presentationml/2006/main">
   <p:tag name="FONT" val="Reg28"/>
   <p:tag name="FONTSETCLASSNAME" val="FontSet1"/>
+  <p:tag name="COLORSETCLASSNAME" val="ColorSet2"/>
+  <p:tag name="MLI" val="1"/>
+  <p:tag name="SHAPESETGROUPCLASSNAME" val="ShapeSetGroup1"/>
+  <p:tag name="COLORSETGROUPCLASSNAME" val="ColorSetGroup4"/>
+  <p:tag name="FONTSETGROUPCLASSNAME" val="FontSetGroup1"/>
+  <p:tag name="SHAPECLASSNAME" val="TitleOnSlides"/>
+  <p:tag name="FONTCOLOR" val="Primary"/>
+  <p:tag name="FONTCOLOR2" val="Primary"/>
+  <p:tag name="SHAPESETCLASSNAME" val="Object"/>
+  <p:tag name="SHAPECLASSPROTECTIONTYPE" val=" 9"/>
+  <p:tag name="RUNS.FONT" val="2"/>
+  <p:tag name="COLORS" val="-2;-2;-2;-2;LightGreen;-2"/>
+</p:tagLst>
+</file>
+
+<file path=ppt/tags/tag175.xml><?xml version="1.0" encoding="utf-8"?>
+<p:tagLst xmlns:a="http://schemas.openxmlformats.org/drawingml/2006/main" xmlns:r="http://schemas.openxmlformats.org/officeDocument/2006/relationships" xmlns:p="http://schemas.openxmlformats.org/presentationml/2006/main">
+  <p:tag name="FONTSETCLASSNAME" val="FontSet1"/>
+  <p:tag name="COLORSETCLASSNAME" val="ColorSet1"/>
+  <p:tag name="STYLENAME" val="Bodystyle"/>
+  <p:tag name="MLI" val="1"/>
+  <p:tag name="SHAPESETGROUPCLASSNAME" val="ShapeSetGroup1"/>
+  <p:tag name="SHAPESETCLASSNAME" val="Object"/>
+  <p:tag name="COLORSETGROUPCLASSNAME" val="ColorSetGroup4"/>
+  <p:tag name="FONTSETGROUPCLASSNAME" val="FontSetGroup1"/>
+  <p:tag name="SHAPECLASSNAME" val="ObjectFull"/>
+  <p:tag name="SHAPECLASSPROTECTIONTYPE" val="0"/>
+  <p:tag name="COLORS" val="Black;-1;-2;-2;-1;-2"/>
+</p:tagLst>
+</file>
+
+<file path=ppt/tags/tag176.xml><?xml version="1.0" encoding="utf-8"?>
+<p:tagLst xmlns:a="http://schemas.openxmlformats.org/drawingml/2006/main" xmlns:r="http://schemas.openxmlformats.org/officeDocument/2006/relationships" xmlns:p="http://schemas.openxmlformats.org/presentationml/2006/main">
+  <p:tag name="FONT" val="Reg28"/>
+  <p:tag name="FONTSETCLASSNAME" val="FontSet1"/>
   <p:tag name="COLORSETCLASSNAME" val="ColorSet1"/>
   <p:tag name="SCRIPT" val="1"/>
   <p:tag name="FIELDS" val="CHAPTER;"/>
   <p:tag name="MLI" val="1"/>
   <p:tag name="SHAPESETGROUPCLASSNAME" val="ShapeSetGroup1"/>
-  <p:tag name="SHAPESETCLASSNAME" val="TitleOnly"/>
   <p:tag name="COLORSETGROUPCLASSNAME" val="ColorSetGroup4"/>
   <p:tag name="FONTSETGROUPCLASSNAME" val="FontSetGroup1"/>
   <p:tag name="SHAPECLASSNAME" val="Chapterbox"/>
-  <p:tag name="SHAPECLASSPROTECTIONTYPE" val="25"/>
-  <p:tag name="COLORS" val="-2;-2;-2;-2;-1;-2"/>
+  <p:tag name="COLORS" val="-2;-2;-2;-2;-2;-2"/>
+  <p:tag name="SHAPESETCLASSNAME" val="Object"/>
+  <p:tag name="SHAPECLASSPROTECTIONTYPE" val=" 25"/>
 </p:tagLst>
 </file>
 
-<file path=ppt/tags/tag175.xml><?xml version="1.0" encoding="utf-8"?>
+<file path=ppt/tags/tag177.xml><?xml version="1.0" encoding="utf-8"?>
 <p:tagLst xmlns:a="http://schemas.openxmlformats.org/drawingml/2006/main" xmlns:r="http://schemas.openxmlformats.org/officeDocument/2006/relationships" xmlns:p="http://schemas.openxmlformats.org/presentationml/2006/main">
-  <p:tag name="FONT" val="Bold6"/>
-  <p:tag name="FONT2" val="Reg6"/>
-  <p:tag name="FONT3" val="Reg6"/>
   <p:tag name="FONTSETCLASSNAME" val="FontSet1"/>
-  <p:tag name="FONTCOLOR" val="Red"/>
-  <p:tag name="FONTCOLOR2" val="Black"/>
-  <p:tag name="FONTCOLOR3" val="Black"/>
-  <p:tag name="FONTCOLOR4" val="Black"/>
-  <p:tag name="RUNS.FONT" val="4"/>
   <p:tag name="COLORS" val="-2;-2;-2;-2;Red;-2"/>
   <p:tag name="COLORSETCLASSNAME" val="ColorSet1"/>
   <p:tag name="SCRIPT" val="1"/>
   <p:tag name="FIELDS" val="CONF;DPT;DATE;"/>
   <p:tag name="MLI" val="1"/>
   <p:tag name="SHAPESETGROUPCLASSNAME" val="ShapeSetGroup1"/>
-  <p:tag name="SHAPESETCLASSNAME" val="TitleOnly"/>
   <p:tag name="COLORSETGROUPCLASSNAME" val="ColorSetGroup4"/>
   <p:tag name="FONTSETGROUPCLASSNAME" val="FontSetGroup1"/>
   <p:tag name="SHAPECLASSNAME" val="FooterLine1OnSlides"/>
-  <p:tag name="SHAPECLASSPROTECTIONTYPE" val="63"/>
+  <p:tag name="FONT" val="Bold6"/>
+  <p:tag name="FONT2" val="Reg6"/>
+  <p:tag name="FONT3" val="Reg6"/>
+  <p:tag name="FONTCOLOR" val="Red"/>
+  <p:tag name="FONTCOLOR2" val="Black"/>
+  <p:tag name="FONTCOLOR3" val="Black"/>
+  <p:tag name="FONTCOLOR4" val="Black"/>
+  <p:tag name="RUNS.FONT" val="4"/>
+  <p:tag name="SHAPESETCLASSNAME" val="Object"/>
+  <p:tag name="SHAPECLASSPROTECTIONTYPE" val=" 63"/>
 </p:tagLst>
 </file>
 
-<file path=ppt/tags/tag176.xml><?xml version="1.0" encoding="utf-8"?>
+<file path=ppt/tags/tag178.xml><?xml version="1.0" encoding="utf-8"?>
 <p:tagLst xmlns:a="http://schemas.openxmlformats.org/drawingml/2006/main" xmlns:r="http://schemas.openxmlformats.org/officeDocument/2006/relationships" xmlns:p="http://schemas.openxmlformats.org/presentationml/2006/main">
   <p:tag name="FONT" val="Reg6"/>
   <p:tag name="FONTSETCLASSNAME" val="FontSet1"/>
-  <p:tag name="FONTCOLOR" val="Black"/>
-  <p:tag name="FONTCOLOR2" val="LightGray"/>
-  <p:tag name="FONTCOLOR3" val="LightGray"/>
   <p:tag name="RUNS.FONT" val="3"/>
   <p:tag name="COLORS" val="-2;-2;-2;-2;Black;-2"/>
   <p:tag name="COLORSETCLASSNAME" val="ColorSet1"/>
@@ -30058,15 +30932,18 @@
   <p:tag name="FIELDS" val="REM_ABL;COPY;"/>
   <p:tag name="MLI" val="1"/>
   <p:tag name="SHAPESETGROUPCLASSNAME" val="ShapeSetGroup1"/>
-  <p:tag name="SHAPESETCLASSNAME" val="TitleOnly"/>
   <p:tag name="COLORSETGROUPCLASSNAME" val="ColorSetGroup4"/>
   <p:tag name="FONTSETGROUPCLASSNAME" val="FontSetGroup1"/>
   <p:tag name="SHAPECLASSNAME" val="FooterLine2OnSlides"/>
-  <p:tag name="SHAPECLASSPROTECTIONTYPE" val="63"/>
+  <p:tag name="FONTCOLOR" val="Black"/>
+  <p:tag name="FONTCOLOR2" val="LightGray"/>
+  <p:tag name="FONTCOLOR3" val="LightGray"/>
+  <p:tag name="SHAPESETCLASSNAME" val="Object"/>
+  <p:tag name="SHAPECLASSPROTECTIONTYPE" val=" 63"/>
 </p:tagLst>
 </file>
 
-<file path=ppt/tags/tag177.xml><?xml version="1.0" encoding="utf-8"?>
+<file path=ppt/tags/tag179.xml><?xml version="1.0" encoding="utf-8"?>
 <p:tagLst xmlns:a="http://schemas.openxmlformats.org/drawingml/2006/main" xmlns:r="http://schemas.openxmlformats.org/officeDocument/2006/relationships" xmlns:p="http://schemas.openxmlformats.org/presentationml/2006/main">
   <p:tag name="FONT" val="Reg12"/>
   <p:tag name="FONTSETCLASSNAME" val="FontSet1"/>
@@ -30075,45 +30952,11 @@
   <p:tag name="SCRIPT" val="1"/>
   <p:tag name="MLI" val="1"/>
   <p:tag name="SHAPESETGROUPCLASSNAME" val="ShapeSetGroup1"/>
-  <p:tag name="SHAPESETCLASSNAME" val="TitleOnly"/>
   <p:tag name="COLORSETGROUPCLASSNAME" val="ColorSetGroup4"/>
   <p:tag name="FONTSETGROUPCLASSNAME" val="FontSetGroup1"/>
   <p:tag name="SHAPECLASSNAME" val="PageNumberOnSlides"/>
-  <p:tag name="SHAPECLASSPROTECTIONTYPE" val="63"/>
-</p:tagLst>
-</file>
-
-<file path=ppt/tags/tag178.xml><?xml version="1.0" encoding="utf-8"?>
-<p:tagLst xmlns:a="http://schemas.openxmlformats.org/drawingml/2006/main" xmlns:r="http://schemas.openxmlformats.org/officeDocument/2006/relationships" xmlns:p="http://schemas.openxmlformats.org/presentationml/2006/main">
-  <p:tag name="FONT" val="Reg5x5"/>
-  <p:tag name="FONTSETCLASSNAME" val="FontSet1"/>
-  <p:tag name="COLORS" val="-2;-2;-2;-2;-2;-2"/>
-  <p:tag name="COLORSETCLASSNAME" val="ColorSet1"/>
-  <p:tag name="SCRIPT" val="1"/>
-  <p:tag name="FIELDS" val="REM_ANL;"/>
-  <p:tag name="MLI" val="1"/>
-  <p:tag name="SHAPESETGROUPCLASSNAME" val="ShapeSetGroup1"/>
-  <p:tag name="SHAPESETCLASSNAME" val="TitleOnly"/>
-  <p:tag name="COLORSETGROUPCLASSNAME" val="ColorSetGroup4"/>
-  <p:tag name="FONTSETGROUPCLASSNAME" val="FontSetGroup1"/>
-  <p:tag name="SHAPECLASSNAME" val="Attachment"/>
-  <p:tag name="SHAPECLASSPROTECTIONTYPE" val="3"/>
-</p:tagLst>
-</file>
-
-<file path=ppt/tags/tag179.xml><?xml version="1.0" encoding="utf-8"?>
-<p:tagLst xmlns:a="http://schemas.openxmlformats.org/drawingml/2006/main" xmlns:r="http://schemas.openxmlformats.org/officeDocument/2006/relationships" xmlns:p="http://schemas.openxmlformats.org/presentationml/2006/main">
-  <p:tag name="FONT" val="NavbarItem"/>
-  <p:tag name="FONTSETCLASSNAME" val="FontSet1"/>
-  <p:tag name="COLORS" val="-2;-2;-2;-2;-2;-2"/>
-  <p:tag name="COLORSETCLASSNAME" val="ColorSet1"/>
-  <p:tag name="MLI" val="1"/>
-  <p:tag name="SHAPESETGROUPCLASSNAME" val="ShapeSetGroup1"/>
-  <p:tag name="SHAPESETCLASSNAME" val="TitleOnly"/>
-  <p:tag name="COLORSETGROUPCLASSNAME" val="ColorSetGroup4"/>
-  <p:tag name="FONTSETGROUPCLASSNAME" val="FontSetGroup1"/>
-  <p:tag name="SHAPECLASSNAME" val="tNavbar"/>
-  <p:tag name="SHAPECLASSPROTECTIONTYPE" val="31"/>
+  <p:tag name="SHAPESETCLASSNAME" val="Object"/>
+  <p:tag name="SHAPECLASSPROTECTIONTYPE" val=" 63"/>
 </p:tagLst>
 </file>
 
@@ -30135,24 +30978,46 @@
 
 <file path=ppt/tags/tag180.xml><?xml version="1.0" encoding="utf-8"?>
 <p:tagLst xmlns:a="http://schemas.openxmlformats.org/drawingml/2006/main" xmlns:r="http://schemas.openxmlformats.org/officeDocument/2006/relationships" xmlns:p="http://schemas.openxmlformats.org/presentationml/2006/main">
-  <p:tag name="FONT" val="Reg28"/>
+  <p:tag name="FONT" val="Reg5x5"/>
   <p:tag name="FONTSETCLASSNAME" val="FontSet1"/>
-  <p:tag name="FONTCOLOR" val="Primary"/>
-  <p:tag name="FONTCOLOR2" val="Primary"/>
-  <p:tag name="RUNS.FONT" val="2"/>
-  <p:tag name="COLORSETCLASSNAME" val="ColorSet2"/>
+  <p:tag name="COLORS" val="-2;-2;-2;-2;-2;-2"/>
+  <p:tag name="COLORSETCLASSNAME" val="ColorSet1"/>
+  <p:tag name="SCRIPT" val="1"/>
+  <p:tag name="FIELDS" val="REM_ANL;"/>
   <p:tag name="MLI" val="1"/>
   <p:tag name="SHAPESETGROUPCLASSNAME" val="ShapeSetGroup1"/>
-  <p:tag name="SHAPESETCLASSNAME" val="TitleOnly"/>
   <p:tag name="COLORSETGROUPCLASSNAME" val="ColorSetGroup4"/>
   <p:tag name="FONTSETGROUPCLASSNAME" val="FontSetGroup1"/>
-  <p:tag name="SHAPECLASSNAME" val="TitleOnSlides"/>
-  <p:tag name="SHAPECLASSPROTECTIONTYPE" val="9"/>
-  <p:tag name="COLORS" val="-2;-2;-2;-2;LightGreen;-2"/>
+  <p:tag name="SHAPECLASSNAME" val="Attachment"/>
+  <p:tag name="SHAPESETCLASSNAME" val="Object"/>
+  <p:tag name="SHAPECLASSPROTECTIONTYPE" val=" 3"/>
 </p:tagLst>
 </file>
 
 <file path=ppt/tags/tag181.xml><?xml version="1.0" encoding="utf-8"?>
+<p:tagLst xmlns:a="http://schemas.openxmlformats.org/drawingml/2006/main" xmlns:r="http://schemas.openxmlformats.org/officeDocument/2006/relationships" xmlns:p="http://schemas.openxmlformats.org/presentationml/2006/main">
+  <p:tag name="FONT" val="NavbarItem"/>
+  <p:tag name="FONTSETCLASSNAME" val="FontSet1"/>
+  <p:tag name="COLORS" val="-2;-2;-2;-2;-2;-2"/>
+  <p:tag name="COLORSETCLASSNAME" val="ColorSet1"/>
+  <p:tag name="MLI" val="1"/>
+  <p:tag name="SHAPESETGROUPCLASSNAME" val="ShapeSetGroup1"/>
+  <p:tag name="COLORSETGROUPCLASSNAME" val="ColorSetGroup4"/>
+  <p:tag name="FONTSETGROUPCLASSNAME" val="FontSetGroup1"/>
+  <p:tag name="SHAPECLASSNAME" val="tNavbar"/>
+  <p:tag name="SHAPESETCLASSNAME" val="Object"/>
+  <p:tag name="SHAPECLASSPROTECTIONTYPE" val=" 31"/>
+</p:tagLst>
+</file>
+
+<file path=ppt/tags/tag182.xml><?xml version="1.0" encoding="utf-8"?>
+<p:tagLst xmlns:a="http://schemas.openxmlformats.org/drawingml/2006/main" xmlns:r="http://schemas.openxmlformats.org/officeDocument/2006/relationships" xmlns:p="http://schemas.openxmlformats.org/presentationml/2006/main">
+  <p:tag name="COLORSETCLASSNAME" val="ColorSet2"/>
+  <p:tag name="COLORS" val="-2;-2;-2;-2;-1;-2"/>
+</p:tagLst>
+</file>
+
+<file path=ppt/tags/tag183.xml><?xml version="1.0" encoding="utf-8"?>
 <p:tagLst xmlns:a="http://schemas.openxmlformats.org/drawingml/2006/main" xmlns:r="http://schemas.openxmlformats.org/officeDocument/2006/relationships" xmlns:p="http://schemas.openxmlformats.org/presentationml/2006/main">
   <p:tag name="FIELD.CHAPTER.CONTENT" val="Titel des Kapitels"/>
   <p:tag name="FIELD.CHAPTER.VALUE" val="Titel des Kapitels"/>
@@ -30163,7 +31028,6 @@
   <p:tag name="ML_2" val="Bosch2.mcr"/>
   <p:tag name="ML_LAYOUT_RESOURCE" val="BOSCH2_16_9.mcr"/>
   <p:tag name="SHAPESETGROUPCLASSNAME" val="ShapeSetGroup1"/>
-  <p:tag name="SHAPESETCLASSNAME" val="TitleOnly"/>
   <p:tag name="COLORSETGROUPCLASSNAME" val="ColorSetGroup4"/>
   <p:tag name="COLORSETCLASSNAME" val="ColorSet2"/>
   <p:tag name="FONTSETGROUPCLASSNAME" val="FontSetGroup1"/>
@@ -30177,13 +31041,21 @@
   <p:tag name="RECTANGLE 5_SHAPECLASSPROTECTIONTYPE" val="63"/>
   <p:tag name="RECTANGLE 6_SHAPECLASSPROTECTIONTYPE" val="63"/>
   <p:tag name="TEXTBOX 7_SHAPECLASSPROTECTIONTYPE" val="25"/>
-  <p:tag name="TITLE 1_SHAPECLASSPROTECTIONTYPE" val="9"/>
   <p:tag name="PICTURE 8_SHAPECLASSPROTECTIONTYPE" val="15"/>
   <p:tag name="PICTURE 9_SHAPECLASSPROTECTIONTYPE" val="15"/>
+  <p:tag name="TITLE 1_SHAPECLASSPROTECTIONTYPE" val="9"/>
+  <p:tag name="PICTURE 14_SHAPECLASSPROTECTIONTYPE" val="15"/>
+  <p:tag name="PICTURE 15_SHAPECLASSPROTECTIONTYPE" val="15"/>
+  <p:tag name="SHAPESETCLASSNAME" val="Object"/>
+  <p:tag name="CONTENT PLACEHOLDER 16_SHAPECLASSPROTECTIONTYPE" val="0"/>
+  <p:tag name="CONTENT PLACEHOLDER 19_SHAPECLASSPROTECTIONTYPE" val="0"/>
+  <p:tag name="PICTURE 18_SHAPECLASSPROTECTIONTYPE" val="15"/>
+  <p:tag name="CONTENT PLACEHOLDER 22_SHAPECLASSPROTECTIONTYPE" val="0"/>
+  <p:tag name="PICTURE 21_SHAPECLASSPROTECTIONTYPE" val="15"/>
 </p:tagLst>
 </file>
 
-<file path=ppt/tags/tag182.xml><?xml version="1.0" encoding="utf-8"?>
+<file path=ppt/tags/tag184.xml><?xml version="1.0" encoding="utf-8"?>
 <p:tagLst xmlns:a="http://schemas.openxmlformats.org/drawingml/2006/main" xmlns:r="http://schemas.openxmlformats.org/officeDocument/2006/relationships" xmlns:p="http://schemas.openxmlformats.org/presentationml/2006/main">
   <p:tag name="COLORS" val="-2;-2;-2;-2;-2;-2"/>
   <p:tag name="COLORSETCLASSNAME" val="ColorSet1"/>
@@ -30198,7 +31070,7 @@
 </p:tagLst>
 </file>
 
-<file path=ppt/tags/tag183.xml><?xml version="1.0" encoding="utf-8"?>
+<file path=ppt/tags/tag185.xml><?xml version="1.0" encoding="utf-8"?>
 <p:tagLst xmlns:a="http://schemas.openxmlformats.org/drawingml/2006/main" xmlns:r="http://schemas.openxmlformats.org/officeDocument/2006/relationships" xmlns:p="http://schemas.openxmlformats.org/presentationml/2006/main">
   <p:tag name="COLORS" val="-2;-2;-2;-2;-2;-2"/>
   <p:tag name="COLORSETCLASSNAME" val="ColorSet1"/>
@@ -30213,7 +31085,23 @@
 </p:tagLst>
 </file>
 
-<file path=ppt/tags/tag184.xml><?xml version="1.0" encoding="utf-8"?>
+<file path=ppt/tags/tag186.xml><?xml version="1.0" encoding="utf-8"?>
+<p:tagLst xmlns:a="http://schemas.openxmlformats.org/drawingml/2006/main" xmlns:r="http://schemas.openxmlformats.org/officeDocument/2006/relationships" xmlns:p="http://schemas.openxmlformats.org/presentationml/2006/main">
+  <p:tag name="FONTSETCLASSNAME" val="FontSet1"/>
+  <p:tag name="COLORSETCLASSNAME" val="ColorSet1"/>
+  <p:tag name="STYLENAME" val="Bodystyle"/>
+  <p:tag name="MLI" val="1"/>
+  <p:tag name="SHAPESETGROUPCLASSNAME" val="ShapeSetGroup1"/>
+  <p:tag name="SHAPESETCLASSNAME" val="Object"/>
+  <p:tag name="COLORSETGROUPCLASSNAME" val="ColorSetGroup4"/>
+  <p:tag name="FONTSETGROUPCLASSNAME" val="FontSetGroup1"/>
+  <p:tag name="SHAPECLASSNAME" val="ObjectFull"/>
+  <p:tag name="SHAPECLASSPROTECTIONTYPE" val="0"/>
+  <p:tag name="COLORS" val="Black;-1;-2;-2;-1;-2"/>
+</p:tagLst>
+</file>
+
+<file path=ppt/tags/tag187.xml><?xml version="1.0" encoding="utf-8"?>
 <p:tagLst xmlns:a="http://schemas.openxmlformats.org/drawingml/2006/main" xmlns:r="http://schemas.openxmlformats.org/officeDocument/2006/relationships" xmlns:p="http://schemas.openxmlformats.org/presentationml/2006/main">
   <p:tag name="FONT" val="Reg28"/>
   <p:tag name="FONTSETCLASSNAME" val="FontSet1"/>
@@ -30222,47 +31110,44 @@
   <p:tag name="FIELDS" val="CHAPTER;"/>
   <p:tag name="MLI" val="1"/>
   <p:tag name="SHAPESETGROUPCLASSNAME" val="ShapeSetGroup1"/>
-  <p:tag name="SHAPESETCLASSNAME" val="TitleOnly"/>
   <p:tag name="COLORSETGROUPCLASSNAME" val="ColorSetGroup4"/>
   <p:tag name="FONTSETGROUPCLASSNAME" val="FontSetGroup1"/>
   <p:tag name="SHAPECLASSNAME" val="Chapterbox"/>
-  <p:tag name="SHAPECLASSPROTECTIONTYPE" val="25"/>
-  <p:tag name="COLORS" val="-2;-2;-2;-2;-1;-2"/>
+  <p:tag name="COLORS" val="-2;-2;-2;-2;-2;-2"/>
+  <p:tag name="SHAPESETCLASSNAME" val="Object"/>
+  <p:tag name="SHAPECLASSPROTECTIONTYPE" val=" 25"/>
 </p:tagLst>
 </file>
 
-<file path=ppt/tags/tag185.xml><?xml version="1.0" encoding="utf-8"?>
+<file path=ppt/tags/tag188.xml><?xml version="1.0" encoding="utf-8"?>
 <p:tagLst xmlns:a="http://schemas.openxmlformats.org/drawingml/2006/main" xmlns:r="http://schemas.openxmlformats.org/officeDocument/2006/relationships" xmlns:p="http://schemas.openxmlformats.org/presentationml/2006/main">
-  <p:tag name="FONT" val="Bold6"/>
-  <p:tag name="FONT2" val="Reg6"/>
-  <p:tag name="FONT3" val="Reg6"/>
   <p:tag name="FONTSETCLASSNAME" val="FontSet1"/>
-  <p:tag name="FONTCOLOR" val="Red"/>
-  <p:tag name="FONTCOLOR2" val="Black"/>
-  <p:tag name="FONTCOLOR3" val="Black"/>
-  <p:tag name="FONTCOLOR4" val="Black"/>
-  <p:tag name="RUNS.FONT" val="4"/>
   <p:tag name="COLORS" val="-2;-2;-2;-2;Red;-2"/>
   <p:tag name="COLORSETCLASSNAME" val="ColorSet1"/>
   <p:tag name="SCRIPT" val="1"/>
   <p:tag name="FIELDS" val="CONF;DPT;DATE;"/>
   <p:tag name="MLI" val="1"/>
   <p:tag name="SHAPESETGROUPCLASSNAME" val="ShapeSetGroup1"/>
-  <p:tag name="SHAPESETCLASSNAME" val="TitleOnly"/>
   <p:tag name="COLORSETGROUPCLASSNAME" val="ColorSetGroup4"/>
   <p:tag name="FONTSETGROUPCLASSNAME" val="FontSetGroup1"/>
   <p:tag name="SHAPECLASSNAME" val="FooterLine1OnSlides"/>
-  <p:tag name="SHAPECLASSPROTECTIONTYPE" val="63"/>
+  <p:tag name="FONT" val="Bold6"/>
+  <p:tag name="FONT2" val="Reg6"/>
+  <p:tag name="FONT3" val="Reg6"/>
+  <p:tag name="FONTCOLOR" val="Red"/>
+  <p:tag name="FONTCOLOR2" val="Black"/>
+  <p:tag name="FONTCOLOR3" val="Black"/>
+  <p:tag name="FONTCOLOR4" val="Black"/>
+  <p:tag name="RUNS.FONT" val="4"/>
+  <p:tag name="SHAPESETCLASSNAME" val="Object"/>
+  <p:tag name="SHAPECLASSPROTECTIONTYPE" val=" 63"/>
 </p:tagLst>
 </file>
 
-<file path=ppt/tags/tag186.xml><?xml version="1.0" encoding="utf-8"?>
+<file path=ppt/tags/tag189.xml><?xml version="1.0" encoding="utf-8"?>
 <p:tagLst xmlns:a="http://schemas.openxmlformats.org/drawingml/2006/main" xmlns:r="http://schemas.openxmlformats.org/officeDocument/2006/relationships" xmlns:p="http://schemas.openxmlformats.org/presentationml/2006/main">
   <p:tag name="FONT" val="Reg6"/>
   <p:tag name="FONTSETCLASSNAME" val="FontSet1"/>
-  <p:tag name="FONTCOLOR" val="Black"/>
-  <p:tag name="FONTCOLOR2" val="LightGray"/>
-  <p:tag name="FONTCOLOR3" val="LightGray"/>
   <p:tag name="RUNS.FONT" val="3"/>
   <p:tag name="COLORS" val="-2;-2;-2;-2;Black;-2"/>
   <p:tag name="COLORSETCLASSNAME" val="ColorSet1"/>
@@ -30270,62 +31155,14 @@
   <p:tag name="FIELDS" val="REM_ABL;COPY;"/>
   <p:tag name="MLI" val="1"/>
   <p:tag name="SHAPESETGROUPCLASSNAME" val="ShapeSetGroup1"/>
-  <p:tag name="SHAPESETCLASSNAME" val="TitleOnly"/>
   <p:tag name="COLORSETGROUPCLASSNAME" val="ColorSetGroup4"/>
   <p:tag name="FONTSETGROUPCLASSNAME" val="FontSetGroup1"/>
   <p:tag name="SHAPECLASSNAME" val="FooterLine2OnSlides"/>
-  <p:tag name="SHAPECLASSPROTECTIONTYPE" val="63"/>
-</p:tagLst>
-</file>
-
-<file path=ppt/tags/tag187.xml><?xml version="1.0" encoding="utf-8"?>
-<p:tagLst xmlns:a="http://schemas.openxmlformats.org/drawingml/2006/main" xmlns:r="http://schemas.openxmlformats.org/officeDocument/2006/relationships" xmlns:p="http://schemas.openxmlformats.org/presentationml/2006/main">
-  <p:tag name="FONT" val="Reg12"/>
-  <p:tag name="FONTSETCLASSNAME" val="FontSet1"/>
-  <p:tag name="COLORS" val="-2;-2;-2;-2;DarkGray2;-2"/>
-  <p:tag name="COLORSETCLASSNAME" val="ColorSet1"/>
-  <p:tag name="SCRIPT" val="1"/>
-  <p:tag name="MLI" val="1"/>
-  <p:tag name="SHAPESETGROUPCLASSNAME" val="ShapeSetGroup1"/>
-  <p:tag name="SHAPESETCLASSNAME" val="TitleOnly"/>
-  <p:tag name="COLORSETGROUPCLASSNAME" val="ColorSetGroup4"/>
-  <p:tag name="FONTSETGROUPCLASSNAME" val="FontSetGroup1"/>
-  <p:tag name="SHAPECLASSNAME" val="PageNumberOnSlides"/>
-  <p:tag name="SHAPECLASSPROTECTIONTYPE" val="63"/>
-</p:tagLst>
-</file>
-
-<file path=ppt/tags/tag188.xml><?xml version="1.0" encoding="utf-8"?>
-<p:tagLst xmlns:a="http://schemas.openxmlformats.org/drawingml/2006/main" xmlns:r="http://schemas.openxmlformats.org/officeDocument/2006/relationships" xmlns:p="http://schemas.openxmlformats.org/presentationml/2006/main">
-  <p:tag name="FONT" val="Reg5x5"/>
-  <p:tag name="FONTSETCLASSNAME" val="FontSet1"/>
-  <p:tag name="COLORS" val="-2;-2;-2;-2;-2;-2"/>
-  <p:tag name="COLORSETCLASSNAME" val="ColorSet1"/>
-  <p:tag name="SCRIPT" val="1"/>
-  <p:tag name="FIELDS" val="REM_ANL;"/>
-  <p:tag name="MLI" val="1"/>
-  <p:tag name="SHAPESETGROUPCLASSNAME" val="ShapeSetGroup1"/>
-  <p:tag name="SHAPESETCLASSNAME" val="TitleOnly"/>
-  <p:tag name="COLORSETGROUPCLASSNAME" val="ColorSetGroup4"/>
-  <p:tag name="FONTSETGROUPCLASSNAME" val="FontSetGroup1"/>
-  <p:tag name="SHAPECLASSNAME" val="Attachment"/>
-  <p:tag name="SHAPECLASSPROTECTIONTYPE" val="3"/>
-</p:tagLst>
-</file>
-
-<file path=ppt/tags/tag189.xml><?xml version="1.0" encoding="utf-8"?>
-<p:tagLst xmlns:a="http://schemas.openxmlformats.org/drawingml/2006/main" xmlns:r="http://schemas.openxmlformats.org/officeDocument/2006/relationships" xmlns:p="http://schemas.openxmlformats.org/presentationml/2006/main">
-  <p:tag name="FONT" val="NavbarItem"/>
-  <p:tag name="FONTSETCLASSNAME" val="FontSet1"/>
-  <p:tag name="COLORS" val="-2;-2;-2;-2;-2;-2"/>
-  <p:tag name="COLORSETCLASSNAME" val="ColorSet1"/>
-  <p:tag name="MLI" val="1"/>
-  <p:tag name="SHAPESETGROUPCLASSNAME" val="ShapeSetGroup1"/>
-  <p:tag name="SHAPESETCLASSNAME" val="TitleOnly"/>
-  <p:tag name="COLORSETGROUPCLASSNAME" val="ColorSetGroup4"/>
-  <p:tag name="FONTSETGROUPCLASSNAME" val="FontSetGroup1"/>
-  <p:tag name="SHAPECLASSNAME" val="tNavbar"/>
-  <p:tag name="SHAPECLASSPROTECTIONTYPE" val="31"/>
+  <p:tag name="FONTCOLOR" val="Black"/>
+  <p:tag name="FONTCOLOR2" val="LightGray"/>
+  <p:tag name="FONTCOLOR3" val="LightGray"/>
+  <p:tag name="SHAPESETCLASSNAME" val="Object"/>
+  <p:tag name="SHAPECLASSPROTECTIONTYPE" val=" 63"/>
 </p:tagLst>
 </file>
 
@@ -30347,24 +31184,75 @@
 
 <file path=ppt/tags/tag190.xml><?xml version="1.0" encoding="utf-8"?>
 <p:tagLst xmlns:a="http://schemas.openxmlformats.org/drawingml/2006/main" xmlns:r="http://schemas.openxmlformats.org/officeDocument/2006/relationships" xmlns:p="http://schemas.openxmlformats.org/presentationml/2006/main">
-  <p:tag name="FONT" val="Reg28"/>
+  <p:tag name="FONT" val="Reg12"/>
   <p:tag name="FONTSETCLASSNAME" val="FontSet1"/>
-  <p:tag name="FONTCOLOR" val="Primary"/>
-  <p:tag name="FONTCOLOR2" val="Primary"/>
-  <p:tag name="RUNS.FONT" val="2"/>
-  <p:tag name="COLORSETCLASSNAME" val="ColorSet2"/>
+  <p:tag name="COLORS" val="-2;-2;-2;-2;DarkGray2;-2"/>
+  <p:tag name="COLORSETCLASSNAME" val="ColorSet1"/>
+  <p:tag name="SCRIPT" val="1"/>
   <p:tag name="MLI" val="1"/>
   <p:tag name="SHAPESETGROUPCLASSNAME" val="ShapeSetGroup1"/>
-  <p:tag name="SHAPESETCLASSNAME" val="TitleOnly"/>
+  <p:tag name="COLORSETGROUPCLASSNAME" val="ColorSetGroup4"/>
+  <p:tag name="FONTSETGROUPCLASSNAME" val="FontSetGroup1"/>
+  <p:tag name="SHAPECLASSNAME" val="PageNumberOnSlides"/>
+  <p:tag name="SHAPESETCLASSNAME" val="Object"/>
+  <p:tag name="SHAPECLASSPROTECTIONTYPE" val=" 63"/>
+</p:tagLst>
+</file>
+
+<file path=ppt/tags/tag191.xml><?xml version="1.0" encoding="utf-8"?>
+<p:tagLst xmlns:a="http://schemas.openxmlformats.org/drawingml/2006/main" xmlns:r="http://schemas.openxmlformats.org/officeDocument/2006/relationships" xmlns:p="http://schemas.openxmlformats.org/presentationml/2006/main">
+  <p:tag name="FONT" val="Reg5x5"/>
+  <p:tag name="FONTSETCLASSNAME" val="FontSet1"/>
+  <p:tag name="COLORS" val="-2;-2;-2;-2;-2;-2"/>
+  <p:tag name="COLORSETCLASSNAME" val="ColorSet1"/>
+  <p:tag name="SCRIPT" val="1"/>
+  <p:tag name="FIELDS" val="REM_ANL;"/>
+  <p:tag name="MLI" val="1"/>
+  <p:tag name="SHAPESETGROUPCLASSNAME" val="ShapeSetGroup1"/>
+  <p:tag name="COLORSETGROUPCLASSNAME" val="ColorSetGroup4"/>
+  <p:tag name="FONTSETGROUPCLASSNAME" val="FontSetGroup1"/>
+  <p:tag name="SHAPECLASSNAME" val="Attachment"/>
+  <p:tag name="SHAPESETCLASSNAME" val="Object"/>
+  <p:tag name="SHAPECLASSPROTECTIONTYPE" val=" 3"/>
+</p:tagLst>
+</file>
+
+<file path=ppt/tags/tag192.xml><?xml version="1.0" encoding="utf-8"?>
+<p:tagLst xmlns:a="http://schemas.openxmlformats.org/drawingml/2006/main" xmlns:r="http://schemas.openxmlformats.org/officeDocument/2006/relationships" xmlns:p="http://schemas.openxmlformats.org/presentationml/2006/main">
+  <p:tag name="FONT" val="NavbarItem"/>
+  <p:tag name="FONTSETCLASSNAME" val="FontSet1"/>
+  <p:tag name="COLORS" val="-2;-2;-2;-2;-2;-2"/>
+  <p:tag name="COLORSETCLASSNAME" val="ColorSet1"/>
+  <p:tag name="MLI" val="1"/>
+  <p:tag name="SHAPESETGROUPCLASSNAME" val="ShapeSetGroup1"/>
+  <p:tag name="COLORSETGROUPCLASSNAME" val="ColorSetGroup4"/>
+  <p:tag name="FONTSETGROUPCLASSNAME" val="FontSetGroup1"/>
+  <p:tag name="SHAPECLASSNAME" val="tNavbar"/>
+  <p:tag name="SHAPESETCLASSNAME" val="Object"/>
+  <p:tag name="SHAPECLASSPROTECTIONTYPE" val=" 31"/>
+</p:tagLst>
+</file>
+
+<file path=ppt/tags/tag193.xml><?xml version="1.0" encoding="utf-8"?>
+<p:tagLst xmlns:a="http://schemas.openxmlformats.org/drawingml/2006/main" xmlns:r="http://schemas.openxmlformats.org/officeDocument/2006/relationships" xmlns:p="http://schemas.openxmlformats.org/presentationml/2006/main">
+  <p:tag name="FONTSETCLASSNAME" val="FontSet1"/>
+  <p:tag name="MLI" val="1"/>
+  <p:tag name="SHAPESETGROUPCLASSNAME" val="ShapeSetGroup1"/>
   <p:tag name="COLORSETGROUPCLASSNAME" val="ColorSetGroup4"/>
   <p:tag name="FONTSETGROUPCLASSNAME" val="FontSetGroup1"/>
   <p:tag name="SHAPECLASSNAME" val="TitleOnSlides"/>
-  <p:tag name="SHAPECLASSPROTECTIONTYPE" val="9"/>
+  <p:tag name="COLORSETCLASSNAME" val="ColorSet2"/>
+  <p:tag name="FONT" val="Reg28"/>
+  <p:tag name="FONTCOLOR" val="Primary"/>
+  <p:tag name="FONTCOLOR2" val="Primary"/>
+  <p:tag name="SHAPESETCLASSNAME" val="Object"/>
+  <p:tag name="SHAPECLASSPROTECTIONTYPE" val=" 9"/>
+  <p:tag name="RUNS.FONT" val="2"/>
   <p:tag name="COLORS" val="-2;-2;-2;-2;LightGreen;-2"/>
 </p:tagLst>
 </file>
 
-<file path=ppt/tags/tag191.xml><?xml version="1.0" encoding="utf-8"?>
+<file path=ppt/tags/tag194.xml><?xml version="1.0" encoding="utf-8"?>
 <p:tagLst xmlns:a="http://schemas.openxmlformats.org/drawingml/2006/main" xmlns:r="http://schemas.openxmlformats.org/officeDocument/2006/relationships" xmlns:p="http://schemas.openxmlformats.org/presentationml/2006/main">
   <p:tag name="FIELD.CHAPTER.CONTENT" val="Titel des Kapitels"/>
   <p:tag name="FIELD.CHAPTER.VALUE" val="Titel des Kapitels"/>
@@ -30393,7 +31281,7 @@
 </p:tagLst>
 </file>
 
-<file path=ppt/tags/tag192.xml><?xml version="1.0" encoding="utf-8"?>
+<file path=ppt/tags/tag195.xml><?xml version="1.0" encoding="utf-8"?>
 <p:tagLst xmlns:a="http://schemas.openxmlformats.org/drawingml/2006/main" xmlns:r="http://schemas.openxmlformats.org/officeDocument/2006/relationships" xmlns:p="http://schemas.openxmlformats.org/presentationml/2006/main">
   <p:tag name="FONT" val="Bold6"/>
   <p:tag name="FONT2" val="Reg6"/>
@@ -30418,7 +31306,7 @@
 </p:tagLst>
 </file>
 
-<file path=ppt/tags/tag193.xml><?xml version="1.0" encoding="utf-8"?>
+<file path=ppt/tags/tag196.xml><?xml version="1.0" encoding="utf-8"?>
 <p:tagLst xmlns:a="http://schemas.openxmlformats.org/drawingml/2006/main" xmlns:r="http://schemas.openxmlformats.org/officeDocument/2006/relationships" xmlns:p="http://schemas.openxmlformats.org/presentationml/2006/main">
   <p:tag name="FONT" val="Reg6"/>
   <p:tag name="FONTSETCLASSNAME" val="FontSet1"/>
@@ -30440,7 +31328,7 @@
 </p:tagLst>
 </file>
 
-<file path=ppt/tags/tag194.xml><?xml version="1.0" encoding="utf-8"?>
+<file path=ppt/tags/tag197.xml><?xml version="1.0" encoding="utf-8"?>
 <p:tagLst xmlns:a="http://schemas.openxmlformats.org/drawingml/2006/main" xmlns:r="http://schemas.openxmlformats.org/officeDocument/2006/relationships" xmlns:p="http://schemas.openxmlformats.org/presentationml/2006/main">
   <p:tag name="FONT" val="Reg12"/>
   <p:tag name="FONTSETCLASSNAME" val="FontSet1"/>
@@ -30457,7 +31345,7 @@
 </p:tagLst>
 </file>
 
-<file path=ppt/tags/tag195.xml><?xml version="1.0" encoding="utf-8"?>
+<file path=ppt/tags/tag198.xml><?xml version="1.0" encoding="utf-8"?>
 <p:tagLst xmlns:a="http://schemas.openxmlformats.org/drawingml/2006/main" xmlns:r="http://schemas.openxmlformats.org/officeDocument/2006/relationships" xmlns:p="http://schemas.openxmlformats.org/presentationml/2006/main">
   <p:tag name="FONT" val="Reg5x5"/>
   <p:tag name="FONTSETCLASSNAME" val="FontSet1"/>
@@ -30475,7 +31363,7 @@
 </p:tagLst>
 </file>
 
-<file path=ppt/tags/tag196.xml><?xml version="1.0" encoding="utf-8"?>
+<file path=ppt/tags/tag199.xml><?xml version="1.0" encoding="utf-8"?>
 <p:tagLst xmlns:a="http://schemas.openxmlformats.org/drawingml/2006/main" xmlns:r="http://schemas.openxmlformats.org/officeDocument/2006/relationships" xmlns:p="http://schemas.openxmlformats.org/presentationml/2006/main">
   <p:tag name="FONT" val="NavbarItem"/>
   <p:tag name="FONTSETCLASSNAME" val="FontSet1"/>
@@ -30491,7 +31379,38 @@
 </p:tagLst>
 </file>
 
-<file path=ppt/tags/tag197.xml><?xml version="1.0" encoding="utf-8"?>
+<file path=ppt/tags/tag2.xml><?xml version="1.0" encoding="utf-8"?>
+<p:tagLst xmlns:a="http://schemas.openxmlformats.org/drawingml/2006/main" xmlns:r="http://schemas.openxmlformats.org/officeDocument/2006/relationships" xmlns:p="http://schemas.openxmlformats.org/presentationml/2006/main">
+  <p:tag name="COLORS" val="-2;-2;-2;-2;-2;-2"/>
+  <p:tag name="COLORSETCLASSNAME" val="ColorSet1"/>
+  <p:tag name="SHAPESETGROUPCLASSNAME" val="ShapeSetGroup1"/>
+  <p:tag name="SHAPESETCLASSNAME" val="Slide"/>
+  <p:tag name="COLORSETGROUPCLASSNAME" val="ColorSetGroup1"/>
+  <p:tag name="FONTSETGROUPCLASSNAME" val="FontSetGroup1"/>
+  <p:tag name="SHAPECLASSFILE" val="BoschLogo2016.emf"/>
+  <p:tag name="MLI" val="1"/>
+  <p:tag name="SHAPECLASSNAME" val="LogoOnSlides"/>
+  <p:tag name="SHAPECLASSPROTECTIONTYPE" val="15"/>
+</p:tagLst>
+</file>
+
+<file path=ppt/tags/tag20.xml><?xml version="1.0" encoding="utf-8"?>
+<p:tagLst xmlns:a="http://schemas.openxmlformats.org/drawingml/2006/main" xmlns:r="http://schemas.openxmlformats.org/officeDocument/2006/relationships" xmlns:p="http://schemas.openxmlformats.org/presentationml/2006/main">
+  <p:tag name="FONTSETCLASSNAME" val="FontSet1"/>
+  <p:tag name="COLORSETCLASSNAME" val="ColorSet1"/>
+  <p:tag name="STYLENAME" val="Bodystyle"/>
+  <p:tag name="MLI" val="1"/>
+  <p:tag name="SHAPESETGROUPCLASSNAME" val="ShapeSetGroup1"/>
+  <p:tag name="SHAPESETCLASSNAME" val="StaticAgenda"/>
+  <p:tag name="COLORSETGROUPCLASSNAME" val="ColorSetGroup1"/>
+  <p:tag name="FONTSETGROUPCLASSNAME" val="FontSetGroup1"/>
+  <p:tag name="SHAPECLASSNAME" val="BodyOnAgenda"/>
+  <p:tag name="SHAPECLASSPROTECTIONTYPE" val="0"/>
+  <p:tag name="COLORS" val="-2;-2;-2;-2;-3;-2"/>
+</p:tagLst>
+</file>
+
+<file path=ppt/tags/tag200.xml><?xml version="1.0" encoding="utf-8"?>
 <p:tagLst xmlns:a="http://schemas.openxmlformats.org/drawingml/2006/main" xmlns:r="http://schemas.openxmlformats.org/officeDocument/2006/relationships" xmlns:p="http://schemas.openxmlformats.org/presentationml/2006/main">
   <p:tag name="FONT" val="Reg28"/>
   <p:tag name="FONTSETCLASSNAME" val="FontSet1"/>
@@ -30507,7 +31426,7 @@
 </p:tagLst>
 </file>
 
-<file path=ppt/tags/tag198.xml><?xml version="1.0" encoding="utf-8"?>
+<file path=ppt/tags/tag201.xml><?xml version="1.0" encoding="utf-8"?>
 <p:tagLst xmlns:a="http://schemas.openxmlformats.org/drawingml/2006/main" xmlns:r="http://schemas.openxmlformats.org/officeDocument/2006/relationships" xmlns:p="http://schemas.openxmlformats.org/presentationml/2006/main">
   <p:tag name="FONTSETCLASSNAME" val="FontSet1"/>
   <p:tag name="COLORSETCLASSNAME" val="ColorSet1"/>
@@ -30523,7 +31442,7 @@
 </p:tagLst>
 </file>
 
-<file path=ppt/tags/tag199.xml><?xml version="1.0" encoding="utf-8"?>
+<file path=ppt/tags/tag202.xml><?xml version="1.0" encoding="utf-8"?>
 <p:tagLst xmlns:a="http://schemas.openxmlformats.org/drawingml/2006/main" xmlns:r="http://schemas.openxmlformats.org/officeDocument/2006/relationships" xmlns:p="http://schemas.openxmlformats.org/presentationml/2006/main">
   <p:tag name="FIELD.CHAPTER.CONTENT" val="Titel des Kapitels"/>
   <p:tag name="FIELD.CHAPTER.VALUE" val="Titel des Kapitels"/>
@@ -30559,38 +31478,7 @@
 </p:tagLst>
 </file>
 
-<file path=ppt/tags/tag2.xml><?xml version="1.0" encoding="utf-8"?>
-<p:tagLst xmlns:a="http://schemas.openxmlformats.org/drawingml/2006/main" xmlns:r="http://schemas.openxmlformats.org/officeDocument/2006/relationships" xmlns:p="http://schemas.openxmlformats.org/presentationml/2006/main">
-  <p:tag name="COLORS" val="-2;-2;-2;-2;-2;-2"/>
-  <p:tag name="COLORSETCLASSNAME" val="ColorSet1"/>
-  <p:tag name="SHAPESETGROUPCLASSNAME" val="ShapeSetGroup1"/>
-  <p:tag name="SHAPESETCLASSNAME" val="Slide"/>
-  <p:tag name="COLORSETGROUPCLASSNAME" val="ColorSetGroup1"/>
-  <p:tag name="FONTSETGROUPCLASSNAME" val="FontSetGroup1"/>
-  <p:tag name="SHAPECLASSFILE" val="BoschLogo2016.emf"/>
-  <p:tag name="MLI" val="1"/>
-  <p:tag name="SHAPECLASSNAME" val="LogoOnSlides"/>
-  <p:tag name="SHAPECLASSPROTECTIONTYPE" val="15"/>
-</p:tagLst>
-</file>
-
-<file path=ppt/tags/tag20.xml><?xml version="1.0" encoding="utf-8"?>
-<p:tagLst xmlns:a="http://schemas.openxmlformats.org/drawingml/2006/main" xmlns:r="http://schemas.openxmlformats.org/officeDocument/2006/relationships" xmlns:p="http://schemas.openxmlformats.org/presentationml/2006/main">
-  <p:tag name="FONTSETCLASSNAME" val="FontSet1"/>
-  <p:tag name="COLORSETCLASSNAME" val="ColorSet1"/>
-  <p:tag name="STYLENAME" val="Bodystyle"/>
-  <p:tag name="MLI" val="1"/>
-  <p:tag name="SHAPESETGROUPCLASSNAME" val="ShapeSetGroup1"/>
-  <p:tag name="SHAPESETCLASSNAME" val="StaticAgenda"/>
-  <p:tag name="COLORSETGROUPCLASSNAME" val="ColorSetGroup1"/>
-  <p:tag name="FONTSETGROUPCLASSNAME" val="FontSetGroup1"/>
-  <p:tag name="SHAPECLASSNAME" val="BodyOnAgenda"/>
-  <p:tag name="SHAPECLASSPROTECTIONTYPE" val="0"/>
-  <p:tag name="COLORS" val="-2;-2;-2;-2;-3;-2"/>
-</p:tagLst>
-</file>
-
-<file path=ppt/tags/tag200.xml><?xml version="1.0" encoding="utf-8"?>
+<file path=ppt/tags/tag203.xml><?xml version="1.0" encoding="utf-8"?>
 <p:tagLst xmlns:a="http://schemas.openxmlformats.org/drawingml/2006/main" xmlns:r="http://schemas.openxmlformats.org/officeDocument/2006/relationships" xmlns:p="http://schemas.openxmlformats.org/presentationml/2006/main">
   <p:tag name="COLORS" val="-2;-2;-2;-2;-2;-2"/>
   <p:tag name="COLORSETCLASSNAME" val="ColorSet1"/>
@@ -30605,7 +31493,7 @@
 </p:tagLst>
 </file>
 
-<file path=ppt/tags/tag201.xml><?xml version="1.0" encoding="utf-8"?>
+<file path=ppt/tags/tag204.xml><?xml version="1.0" encoding="utf-8"?>
 <p:tagLst xmlns:a="http://schemas.openxmlformats.org/drawingml/2006/main" xmlns:r="http://schemas.openxmlformats.org/officeDocument/2006/relationships" xmlns:p="http://schemas.openxmlformats.org/presentationml/2006/main">
   <p:tag name="COLORS" val="-2;-2;-2;-2;-2;-2"/>
   <p:tag name="COLORSETCLASSNAME" val="ColorSet1"/>
@@ -30620,7 +31508,7 @@
 </p:tagLst>
 </file>
 
-<file path=ppt/tags/tag202.xml><?xml version="1.0" encoding="utf-8"?>
+<file path=ppt/tags/tag205.xml><?xml version="1.0" encoding="utf-8"?>
 <p:tagLst xmlns:a="http://schemas.openxmlformats.org/drawingml/2006/main" xmlns:r="http://schemas.openxmlformats.org/officeDocument/2006/relationships" xmlns:p="http://schemas.openxmlformats.org/presentationml/2006/main">
   <p:tag name="FONT" val="Reg28"/>
   <p:tag name="FONTSETCLASSNAME" val="FontSet1"/>
@@ -30638,7 +31526,7 @@
 </p:tagLst>
 </file>
 
-<file path=ppt/tags/tag203.xml><?xml version="1.0" encoding="utf-8"?>
+<file path=ppt/tags/tag206.xml><?xml version="1.0" encoding="utf-8"?>
 <p:tagLst xmlns:a="http://schemas.openxmlformats.org/drawingml/2006/main" xmlns:r="http://schemas.openxmlformats.org/officeDocument/2006/relationships" xmlns:p="http://schemas.openxmlformats.org/presentationml/2006/main">
   <p:tag name="FONT" val="Bold6"/>
   <p:tag name="FONT2" val="Reg6"/>
@@ -30663,7 +31551,7 @@
 </p:tagLst>
 </file>
 
-<file path=ppt/tags/tag204.xml><?xml version="1.0" encoding="utf-8"?>
+<file path=ppt/tags/tag207.xml><?xml version="1.0" encoding="utf-8"?>
 <p:tagLst xmlns:a="http://schemas.openxmlformats.org/drawingml/2006/main" xmlns:r="http://schemas.openxmlformats.org/officeDocument/2006/relationships" xmlns:p="http://schemas.openxmlformats.org/presentationml/2006/main">
   <p:tag name="FONT" val="Reg6"/>
   <p:tag name="FONTSETCLASSNAME" val="FontSet1"/>
@@ -30685,7 +31573,7 @@
 </p:tagLst>
 </file>
 
-<file path=ppt/tags/tag205.xml><?xml version="1.0" encoding="utf-8"?>
+<file path=ppt/tags/tag208.xml><?xml version="1.0" encoding="utf-8"?>
 <p:tagLst xmlns:a="http://schemas.openxmlformats.org/drawingml/2006/main" xmlns:r="http://schemas.openxmlformats.org/officeDocument/2006/relationships" xmlns:p="http://schemas.openxmlformats.org/presentationml/2006/main">
   <p:tag name="FONT" val="Reg12"/>
   <p:tag name="FONTSETCLASSNAME" val="FontSet1"/>
@@ -30702,7 +31590,7 @@
 </p:tagLst>
 </file>
 
-<file path=ppt/tags/tag206.xml><?xml version="1.0" encoding="utf-8"?>
+<file path=ppt/tags/tag209.xml><?xml version="1.0" encoding="utf-8"?>
 <p:tagLst xmlns:a="http://schemas.openxmlformats.org/drawingml/2006/main" xmlns:r="http://schemas.openxmlformats.org/officeDocument/2006/relationships" xmlns:p="http://schemas.openxmlformats.org/presentationml/2006/main">
   <p:tag name="FONT" val="Reg5x5"/>
   <p:tag name="FONTSETCLASSNAME" val="FontSet1"/>
@@ -30717,57 +31605,6 @@
   <p:tag name="FONTSETGROUPCLASSNAME" val="FontSetGroup1"/>
   <p:tag name="SHAPECLASSNAME" val="Attachment"/>
   <p:tag name="SHAPECLASSPROTECTIONTYPE" val=" 3"/>
-</p:tagLst>
-</file>
-
-<file path=ppt/tags/tag207.xml><?xml version="1.0" encoding="utf-8"?>
-<p:tagLst xmlns:a="http://schemas.openxmlformats.org/drawingml/2006/main" xmlns:r="http://schemas.openxmlformats.org/officeDocument/2006/relationships" xmlns:p="http://schemas.openxmlformats.org/presentationml/2006/main">
-  <p:tag name="FONT" val="NavbarItem"/>
-  <p:tag name="FONTSETCLASSNAME" val="FontSet1"/>
-  <p:tag name="COLORS" val="-2;-2;-2;-2;-2;-2"/>
-  <p:tag name="COLORSETCLASSNAME" val="ColorSet1"/>
-  <p:tag name="MLI" val="1"/>
-  <p:tag name="SHAPESETGROUPCLASSNAME" val="ShapeSetGroup1"/>
-  <p:tag name="SHAPESETCLASSNAME" val="Object"/>
-  <p:tag name="COLORSETGROUPCLASSNAME" val="ColorSetGroup3"/>
-  <p:tag name="FONTSETGROUPCLASSNAME" val="FontSetGroup1"/>
-  <p:tag name="SHAPECLASSNAME" val="tNavbar"/>
-  <p:tag name="SHAPECLASSPROTECTIONTYPE" val=" 31"/>
-</p:tagLst>
-</file>
-
-<file path=ppt/tags/tag208.xml><?xml version="1.0" encoding="utf-8"?>
-<p:tagLst xmlns:a="http://schemas.openxmlformats.org/drawingml/2006/main" xmlns:r="http://schemas.openxmlformats.org/officeDocument/2006/relationships" xmlns:p="http://schemas.openxmlformats.org/presentationml/2006/main">
-  <p:tag name="FONTSETCLASSNAME" val="FontSet1"/>
-  <p:tag name="MLI" val="1"/>
-  <p:tag name="SHAPESETGROUPCLASSNAME" val="ShapeSetGroup1"/>
-  <p:tag name="COLORSETGROUPCLASSNAME" val="ColorSetGroup3"/>
-  <p:tag name="FONTSETGROUPCLASSNAME" val="FontSetGroup1"/>
-  <p:tag name="FONT" val="Reg28"/>
-  <p:tag name="FONTCOLOR" val="Primary"/>
-  <p:tag name="FONTCOLOR2" val="Primary"/>
-  <p:tag name="COLORSETCLASSNAME" val="ColorSet2"/>
-  <p:tag name="SHAPESETCLASSNAME" val="Object"/>
-  <p:tag name="SHAPECLASSNAME" val="TitleOnSlides"/>
-  <p:tag name="SHAPECLASSPROTECTIONTYPE" val=" 9"/>
-  <p:tag name="RUNS.FONT" val="2"/>
-  <p:tag name="COLORS" val="-2;-2;-2;-2;LightGreen;-2"/>
-</p:tagLst>
-</file>
-
-<file path=ppt/tags/tag209.xml><?xml version="1.0" encoding="utf-8"?>
-<p:tagLst xmlns:a="http://schemas.openxmlformats.org/drawingml/2006/main" xmlns:r="http://schemas.openxmlformats.org/officeDocument/2006/relationships" xmlns:p="http://schemas.openxmlformats.org/presentationml/2006/main">
-  <p:tag name="FONTSETCLASSNAME" val="FontSet1"/>
-  <p:tag name="COLORSETCLASSNAME" val="ColorSet1"/>
-  <p:tag name="STYLENAME" val="Bodystyle"/>
-  <p:tag name="MLI" val="1"/>
-  <p:tag name="SHAPESETGROUPCLASSNAME" val="ShapeSetGroup1"/>
-  <p:tag name="SHAPESETCLASSNAME" val="Object"/>
-  <p:tag name="COLORSETGROUPCLASSNAME" val="ColorSetGroup3"/>
-  <p:tag name="FONTSETGROUPCLASSNAME" val="FontSetGroup1"/>
-  <p:tag name="SHAPECLASSNAME" val="ObjectFull"/>
-  <p:tag name="SHAPECLASSPROTECTIONTYPE" val="0"/>
-  <p:tag name="COLORS" val="Black;-1;-2;-2;-1;-2"/>
 </p:tagLst>
 </file>
 
@@ -30809,6 +31646,64 @@
 
 <file path=ppt/tags/tag210.xml><?xml version="1.0" encoding="utf-8"?>
 <p:tagLst xmlns:a="http://schemas.openxmlformats.org/drawingml/2006/main" xmlns:r="http://schemas.openxmlformats.org/officeDocument/2006/relationships" xmlns:p="http://schemas.openxmlformats.org/presentationml/2006/main">
+  <p:tag name="FONT" val="NavbarItem"/>
+  <p:tag name="FONTSETCLASSNAME" val="FontSet1"/>
+  <p:tag name="COLORS" val="-2;-2;-2;-2;-2;-2"/>
+  <p:tag name="COLORSETCLASSNAME" val="ColorSet1"/>
+  <p:tag name="MLI" val="1"/>
+  <p:tag name="SHAPESETGROUPCLASSNAME" val="ShapeSetGroup1"/>
+  <p:tag name="SHAPESETCLASSNAME" val="Object"/>
+  <p:tag name="COLORSETGROUPCLASSNAME" val="ColorSetGroup3"/>
+  <p:tag name="FONTSETGROUPCLASSNAME" val="FontSetGroup1"/>
+  <p:tag name="SHAPECLASSNAME" val="tNavbar"/>
+  <p:tag name="SHAPECLASSPROTECTIONTYPE" val=" 31"/>
+</p:tagLst>
+</file>
+
+<file path=ppt/tags/tag211.xml><?xml version="1.0" encoding="utf-8"?>
+<p:tagLst xmlns:a="http://schemas.openxmlformats.org/drawingml/2006/main" xmlns:r="http://schemas.openxmlformats.org/officeDocument/2006/relationships" xmlns:p="http://schemas.openxmlformats.org/presentationml/2006/main">
+  <p:tag name="FONTSETCLASSNAME" val="FontSet1"/>
+  <p:tag name="MLI" val="1"/>
+  <p:tag name="SHAPESETGROUPCLASSNAME" val="ShapeSetGroup1"/>
+  <p:tag name="COLORSETGROUPCLASSNAME" val="ColorSetGroup3"/>
+  <p:tag name="FONTSETGROUPCLASSNAME" val="FontSetGroup1"/>
+  <p:tag name="FONT" val="Reg28"/>
+  <p:tag name="FONTCOLOR" val="Primary"/>
+  <p:tag name="FONTCOLOR2" val="Primary"/>
+  <p:tag name="COLORSETCLASSNAME" val="ColorSet2"/>
+  <p:tag name="SHAPESETCLASSNAME" val="Object"/>
+  <p:tag name="SHAPECLASSNAME" val="TitleOnSlides"/>
+  <p:tag name="SHAPECLASSPROTECTIONTYPE" val=" 9"/>
+  <p:tag name="RUNS.FONT" val="2"/>
+  <p:tag name="COLORS" val="-2;-2;-2;-2;LightGreen;-2"/>
+</p:tagLst>
+</file>
+
+<file path=ppt/tags/tag212.xml><?xml version="1.0" encoding="utf-8"?>
+<p:tagLst xmlns:a="http://schemas.openxmlformats.org/drawingml/2006/main" xmlns:r="http://schemas.openxmlformats.org/officeDocument/2006/relationships" xmlns:p="http://schemas.openxmlformats.org/presentationml/2006/main">
+  <p:tag name="FONTSETCLASSNAME" val="FontSet1"/>
+  <p:tag name="COLORSETCLASSNAME" val="ColorSet1"/>
+  <p:tag name="STYLENAME" val="Bodystyle"/>
+  <p:tag name="MLI" val="1"/>
+  <p:tag name="SHAPESETGROUPCLASSNAME" val="ShapeSetGroup1"/>
+  <p:tag name="SHAPESETCLASSNAME" val="Object"/>
+  <p:tag name="COLORSETGROUPCLASSNAME" val="ColorSetGroup3"/>
+  <p:tag name="FONTSETGROUPCLASSNAME" val="FontSetGroup1"/>
+  <p:tag name="SHAPECLASSNAME" val="ObjectFull"/>
+  <p:tag name="SHAPECLASSPROTECTIONTYPE" val="0"/>
+  <p:tag name="COLORS" val="Black;-1;-2;-2;-1;-2"/>
+</p:tagLst>
+</file>
+
+<file path=ppt/tags/tag213.xml><?xml version="1.0" encoding="utf-8"?>
+<p:tagLst xmlns:a="http://schemas.openxmlformats.org/drawingml/2006/main" xmlns:r="http://schemas.openxmlformats.org/officeDocument/2006/relationships" xmlns:p="http://schemas.openxmlformats.org/presentationml/2006/main">
+  <p:tag name="COLORSETCLASSNAME" val="ColorSet2"/>
+  <p:tag name="COLORS" val="-2;-2;-2;-2;-1;-2"/>
+</p:tagLst>
+</file>
+
+<file path=ppt/tags/tag214.xml><?xml version="1.0" encoding="utf-8"?>
+<p:tagLst xmlns:a="http://schemas.openxmlformats.org/drawingml/2006/main" xmlns:r="http://schemas.openxmlformats.org/officeDocument/2006/relationships" xmlns:p="http://schemas.openxmlformats.org/presentationml/2006/main">
   <p:tag name="FIELD.CHAPTER.CONTENT" val="Titel des Kapitels"/>
   <p:tag name="FIELD.CHAPTER.VALUE" val="Titel des Kapitels"/>
   <p:tag name="FIELD.DPT.CONTENT" val="HOME/EPS"/>
@@ -30818,7 +31713,6 @@
   <p:tag name="ML_2" val="Bosch2.mcr"/>
   <p:tag name="ML_LAYOUT_RESOURCE" val="BOSCH2_16_9.mcr"/>
   <p:tag name="SHAPESETGROUPCLASSNAME" val="ShapeSetGroup1"/>
-  <p:tag name="SHAPESETCLASSNAME" val="TitleOnly"/>
   <p:tag name="COLORSETGROUPCLASSNAME" val="ColorSetGroup5"/>
   <p:tag name="COLORSETCLASSNAME" val="ColorSet2"/>
   <p:tag name="FONTSETGROUPCLASSNAME" val="FontSetGroup1"/>
@@ -30835,10 +31729,14 @@
   <p:tag name="TITLE 1_SHAPECLASSPROTECTIONTYPE" val="9"/>
   <p:tag name="PICTURE 8_SHAPECLASSPROTECTIONTYPE" val="15"/>
   <p:tag name="PICTURE 9_SHAPECLASSPROTECTIONTYPE" val="15"/>
+  <p:tag name="SHAPESETCLASSNAME" val="HiddenType2"/>
+  <p:tag name="TEXT PLACEHOLDER 10_SHAPECLASSPROTECTIONTYPE" val="0"/>
+  <p:tag name="PICTURE 11_SHAPECLASSPROTECTIONTYPE" val="15"/>
+  <p:tag name="PICTURE 12_SHAPECLASSPROTECTIONTYPE" val="15"/>
 </p:tagLst>
 </file>
 
-<file path=ppt/tags/tag211.xml><?xml version="1.0" encoding="utf-8"?>
+<file path=ppt/tags/tag215.xml><?xml version="1.0" encoding="utf-8"?>
 <p:tagLst xmlns:a="http://schemas.openxmlformats.org/drawingml/2006/main" xmlns:r="http://schemas.openxmlformats.org/officeDocument/2006/relationships" xmlns:p="http://schemas.openxmlformats.org/presentationml/2006/main">
   <p:tag name="COLORS" val="-2;-2;-2;-2;-2;-2"/>
   <p:tag name="COLORSETCLASSNAME" val="ColorSet1"/>
@@ -30853,7 +31751,7 @@
 </p:tagLst>
 </file>
 
-<file path=ppt/tags/tag212.xml><?xml version="1.0" encoding="utf-8"?>
+<file path=ppt/tags/tag216.xml><?xml version="1.0" encoding="utf-8"?>
 <p:tagLst xmlns:a="http://schemas.openxmlformats.org/drawingml/2006/main" xmlns:r="http://schemas.openxmlformats.org/officeDocument/2006/relationships" xmlns:p="http://schemas.openxmlformats.org/presentationml/2006/main">
   <p:tag name="COLORS" val="-2;-2;-2;-2;-2;-2"/>
   <p:tag name="COLORSETCLASSNAME" val="ColorSet1"/>
@@ -30868,7 +31766,7 @@
 </p:tagLst>
 </file>
 
-<file path=ppt/tags/tag213.xml><?xml version="1.0" encoding="utf-8"?>
+<file path=ppt/tags/tag217.xml><?xml version="1.0" encoding="utf-8"?>
 <p:tagLst xmlns:a="http://schemas.openxmlformats.org/drawingml/2006/main" xmlns:r="http://schemas.openxmlformats.org/officeDocument/2006/relationships" xmlns:p="http://schemas.openxmlformats.org/presentationml/2006/main">
   <p:tag name="FONT" val="Reg28"/>
   <p:tag name="FONTSETCLASSNAME" val="FontSet1"/>
@@ -30877,47 +31775,44 @@
   <p:tag name="FIELDS" val="CHAPTER;"/>
   <p:tag name="MLI" val="1"/>
   <p:tag name="SHAPESETGROUPCLASSNAME" val="ShapeSetGroup1"/>
-  <p:tag name="SHAPESETCLASSNAME" val="TitleOnly"/>
   <p:tag name="COLORSETGROUPCLASSNAME" val="ColorSetGroup5"/>
   <p:tag name="FONTSETGROUPCLASSNAME" val="FontSetGroup1"/>
   <p:tag name="SHAPECLASSNAME" val="Chapterbox"/>
-  <p:tag name="SHAPECLASSPROTECTIONTYPE" val="25"/>
-  <p:tag name="COLORS" val="-2;-2;-2;-2;-1;-2"/>
+  <p:tag name="COLORS" val="-2;-2;-2;-2;-2;-2"/>
+  <p:tag name="SHAPESETCLASSNAME" val="HiddenType2"/>
+  <p:tag name="SHAPECLASSPROTECTIONTYPE" val=" 25"/>
 </p:tagLst>
 </file>
 
-<file path=ppt/tags/tag214.xml><?xml version="1.0" encoding="utf-8"?>
+<file path=ppt/tags/tag218.xml><?xml version="1.0" encoding="utf-8"?>
 <p:tagLst xmlns:a="http://schemas.openxmlformats.org/drawingml/2006/main" xmlns:r="http://schemas.openxmlformats.org/officeDocument/2006/relationships" xmlns:p="http://schemas.openxmlformats.org/presentationml/2006/main">
-  <p:tag name="FONT" val="Bold6"/>
-  <p:tag name="FONT2" val="Reg6"/>
-  <p:tag name="FONT3" val="Reg6"/>
   <p:tag name="FONTSETCLASSNAME" val="FontSet1"/>
-  <p:tag name="FONTCOLOR" val="Red"/>
-  <p:tag name="FONTCOLOR2" val="Black"/>
-  <p:tag name="FONTCOLOR3" val="Black"/>
-  <p:tag name="FONTCOLOR4" val="Black"/>
-  <p:tag name="RUNS.FONT" val="4"/>
   <p:tag name="COLORS" val="-2;-2;-2;-2;Red;-2"/>
   <p:tag name="COLORSETCLASSNAME" val="ColorSet1"/>
   <p:tag name="SCRIPT" val="1"/>
   <p:tag name="FIELDS" val="CONF;DPT;DATE;"/>
   <p:tag name="MLI" val="1"/>
   <p:tag name="SHAPESETGROUPCLASSNAME" val="ShapeSetGroup1"/>
-  <p:tag name="SHAPESETCLASSNAME" val="TitleOnly"/>
   <p:tag name="COLORSETGROUPCLASSNAME" val="ColorSetGroup5"/>
   <p:tag name="FONTSETGROUPCLASSNAME" val="FontSetGroup1"/>
   <p:tag name="SHAPECLASSNAME" val="FooterLine1OnSlides"/>
-  <p:tag name="SHAPECLASSPROTECTIONTYPE" val="63"/>
+  <p:tag name="FONT" val="Bold6"/>
+  <p:tag name="FONT2" val="Reg6"/>
+  <p:tag name="FONT3" val="Reg6"/>
+  <p:tag name="FONTCOLOR" val="Red"/>
+  <p:tag name="FONTCOLOR2" val="Black"/>
+  <p:tag name="FONTCOLOR3" val="Black"/>
+  <p:tag name="FONTCOLOR4" val="Black"/>
+  <p:tag name="RUNS.FONT" val="4"/>
+  <p:tag name="SHAPESETCLASSNAME" val="HiddenType2"/>
+  <p:tag name="SHAPECLASSPROTECTIONTYPE" val=" 63"/>
 </p:tagLst>
 </file>
 
-<file path=ppt/tags/tag215.xml><?xml version="1.0" encoding="utf-8"?>
+<file path=ppt/tags/tag219.xml><?xml version="1.0" encoding="utf-8"?>
 <p:tagLst xmlns:a="http://schemas.openxmlformats.org/drawingml/2006/main" xmlns:r="http://schemas.openxmlformats.org/officeDocument/2006/relationships" xmlns:p="http://schemas.openxmlformats.org/presentationml/2006/main">
   <p:tag name="FONT" val="Reg6"/>
   <p:tag name="FONTSETCLASSNAME" val="FontSet1"/>
-  <p:tag name="FONTCOLOR" val="Black"/>
-  <p:tag name="FONTCOLOR2" val="LightGray"/>
-  <p:tag name="FONTCOLOR3" val="LightGray"/>
   <p:tag name="RUNS.FONT" val="3"/>
   <p:tag name="COLORS" val="-2;-2;-2;-2;Black;-2"/>
   <p:tag name="COLORSETCLASSNAME" val="ColorSet1"/>
@@ -30925,81 +31820,14 @@
   <p:tag name="FIELDS" val="REM_ABL;COPY;"/>
   <p:tag name="MLI" val="1"/>
   <p:tag name="SHAPESETGROUPCLASSNAME" val="ShapeSetGroup1"/>
-  <p:tag name="SHAPESETCLASSNAME" val="TitleOnly"/>
   <p:tag name="COLORSETGROUPCLASSNAME" val="ColorSetGroup5"/>
   <p:tag name="FONTSETGROUPCLASSNAME" val="FontSetGroup1"/>
   <p:tag name="SHAPECLASSNAME" val="FooterLine2OnSlides"/>
-  <p:tag name="SHAPECLASSPROTECTIONTYPE" val="63"/>
-</p:tagLst>
-</file>
-
-<file path=ppt/tags/tag216.xml><?xml version="1.0" encoding="utf-8"?>
-<p:tagLst xmlns:a="http://schemas.openxmlformats.org/drawingml/2006/main" xmlns:r="http://schemas.openxmlformats.org/officeDocument/2006/relationships" xmlns:p="http://schemas.openxmlformats.org/presentationml/2006/main">
-  <p:tag name="FONT" val="Reg12"/>
-  <p:tag name="FONTSETCLASSNAME" val="FontSet1"/>
-  <p:tag name="COLORS" val="-2;-2;-2;-2;DarkGray2;-2"/>
-  <p:tag name="COLORSETCLASSNAME" val="ColorSet1"/>
-  <p:tag name="SCRIPT" val="1"/>
-  <p:tag name="MLI" val="1"/>
-  <p:tag name="SHAPESETGROUPCLASSNAME" val="ShapeSetGroup1"/>
-  <p:tag name="SHAPESETCLASSNAME" val="TitleOnly"/>
-  <p:tag name="COLORSETGROUPCLASSNAME" val="ColorSetGroup5"/>
-  <p:tag name="FONTSETGROUPCLASSNAME" val="FontSetGroup1"/>
-  <p:tag name="SHAPECLASSNAME" val="PageNumberOnSlides"/>
-  <p:tag name="SHAPECLASSPROTECTIONTYPE" val="63"/>
-</p:tagLst>
-</file>
-
-<file path=ppt/tags/tag217.xml><?xml version="1.0" encoding="utf-8"?>
-<p:tagLst xmlns:a="http://schemas.openxmlformats.org/drawingml/2006/main" xmlns:r="http://schemas.openxmlformats.org/officeDocument/2006/relationships" xmlns:p="http://schemas.openxmlformats.org/presentationml/2006/main">
-  <p:tag name="FONT" val="Reg5x5"/>
-  <p:tag name="FONTSETCLASSNAME" val="FontSet1"/>
-  <p:tag name="COLORS" val="-2;-2;-2;-2;-2;-2"/>
-  <p:tag name="COLORSETCLASSNAME" val="ColorSet1"/>
-  <p:tag name="SCRIPT" val="1"/>
-  <p:tag name="FIELDS" val="REM_ANL;"/>
-  <p:tag name="MLI" val="1"/>
-  <p:tag name="SHAPESETGROUPCLASSNAME" val="ShapeSetGroup1"/>
-  <p:tag name="SHAPESETCLASSNAME" val="TitleOnly"/>
-  <p:tag name="COLORSETGROUPCLASSNAME" val="ColorSetGroup5"/>
-  <p:tag name="FONTSETGROUPCLASSNAME" val="FontSetGroup1"/>
-  <p:tag name="SHAPECLASSNAME" val="Attachment"/>
-  <p:tag name="SHAPECLASSPROTECTIONTYPE" val="3"/>
-</p:tagLst>
-</file>
-
-<file path=ppt/tags/tag218.xml><?xml version="1.0" encoding="utf-8"?>
-<p:tagLst xmlns:a="http://schemas.openxmlformats.org/drawingml/2006/main" xmlns:r="http://schemas.openxmlformats.org/officeDocument/2006/relationships" xmlns:p="http://schemas.openxmlformats.org/presentationml/2006/main">
-  <p:tag name="FONT" val="NavbarItem"/>
-  <p:tag name="FONTSETCLASSNAME" val="FontSet1"/>
-  <p:tag name="COLORS" val="-2;-2;-2;-2;-2;-2"/>
-  <p:tag name="COLORSETCLASSNAME" val="ColorSet1"/>
-  <p:tag name="MLI" val="1"/>
-  <p:tag name="SHAPESETGROUPCLASSNAME" val="ShapeSetGroup1"/>
-  <p:tag name="SHAPESETCLASSNAME" val="TitleOnly"/>
-  <p:tag name="COLORSETGROUPCLASSNAME" val="ColorSetGroup5"/>
-  <p:tag name="FONTSETGROUPCLASSNAME" val="FontSetGroup1"/>
-  <p:tag name="SHAPECLASSNAME" val="tNavbar"/>
-  <p:tag name="SHAPECLASSPROTECTIONTYPE" val="31"/>
-</p:tagLst>
-</file>
-
-<file path=ppt/tags/tag219.xml><?xml version="1.0" encoding="utf-8"?>
-<p:tagLst xmlns:a="http://schemas.openxmlformats.org/drawingml/2006/main" xmlns:r="http://schemas.openxmlformats.org/officeDocument/2006/relationships" xmlns:p="http://schemas.openxmlformats.org/presentationml/2006/main">
-  <p:tag name="FONT" val="Reg28"/>
-  <p:tag name="FONTSETCLASSNAME" val="FontSet1"/>
-  <p:tag name="FONTCOLOR" val="Primary"/>
-  <p:tag name="FONTCOLOR2" val="Primary"/>
-  <p:tag name="RUNS.FONT" val="2"/>
-  <p:tag name="COLORSETCLASSNAME" val="ColorSet2"/>
-  <p:tag name="MLI" val="1"/>
-  <p:tag name="SHAPESETGROUPCLASSNAME" val="ShapeSetGroup1"/>
-  <p:tag name="SHAPESETCLASSNAME" val="TitleOnly"/>
-  <p:tag name="COLORSETGROUPCLASSNAME" val="ColorSetGroup5"/>
-  <p:tag name="FONTSETGROUPCLASSNAME" val="FontSetGroup1"/>
-  <p:tag name="SHAPECLASSNAME" val="TitleOnSlides"/>
-  <p:tag name="SHAPECLASSPROTECTIONTYPE" val="9"/>
-  <p:tag name="COLORS" val="-2;-2;-2;-2;LightGreen;-2"/>
+  <p:tag name="FONTCOLOR" val="Black"/>
+  <p:tag name="FONTCOLOR2" val="LightGray"/>
+  <p:tag name="FONTCOLOR3" val="LightGray"/>
+  <p:tag name="SHAPESETCLASSNAME" val="HiddenType2"/>
+  <p:tag name="SHAPECLASSPROTECTIONTYPE" val=" 63"/>
 </p:tagLst>
 </file>
 
@@ -31019,6 +31847,336 @@
 </file>
 
 <file path=ppt/tags/tag220.xml><?xml version="1.0" encoding="utf-8"?>
+<p:tagLst xmlns:a="http://schemas.openxmlformats.org/drawingml/2006/main" xmlns:r="http://schemas.openxmlformats.org/officeDocument/2006/relationships" xmlns:p="http://schemas.openxmlformats.org/presentationml/2006/main">
+  <p:tag name="FONT" val="Reg12"/>
+  <p:tag name="FONTSETCLASSNAME" val="FontSet1"/>
+  <p:tag name="COLORS" val="-2;-2;-2;-2;DarkGray2;-2"/>
+  <p:tag name="COLORSETCLASSNAME" val="ColorSet1"/>
+  <p:tag name="SCRIPT" val="1"/>
+  <p:tag name="MLI" val="1"/>
+  <p:tag name="SHAPESETGROUPCLASSNAME" val="ShapeSetGroup1"/>
+  <p:tag name="COLORSETGROUPCLASSNAME" val="ColorSetGroup5"/>
+  <p:tag name="FONTSETGROUPCLASSNAME" val="FontSetGroup1"/>
+  <p:tag name="SHAPECLASSNAME" val="PageNumberOnSlides"/>
+  <p:tag name="SHAPESETCLASSNAME" val="HiddenType2"/>
+  <p:tag name="SHAPECLASSPROTECTIONTYPE" val=" 63"/>
+</p:tagLst>
+</file>
+
+<file path=ppt/tags/tag221.xml><?xml version="1.0" encoding="utf-8"?>
+<p:tagLst xmlns:a="http://schemas.openxmlformats.org/drawingml/2006/main" xmlns:r="http://schemas.openxmlformats.org/officeDocument/2006/relationships" xmlns:p="http://schemas.openxmlformats.org/presentationml/2006/main">
+  <p:tag name="FONT" val="Reg5x5"/>
+  <p:tag name="FONTSETCLASSNAME" val="FontSet1"/>
+  <p:tag name="COLORS" val="-2;-2;-2;-2;-2;-2"/>
+  <p:tag name="COLORSETCLASSNAME" val="ColorSet1"/>
+  <p:tag name="SCRIPT" val="1"/>
+  <p:tag name="FIELDS" val="REM_ANL;"/>
+  <p:tag name="MLI" val="1"/>
+  <p:tag name="SHAPESETGROUPCLASSNAME" val="ShapeSetGroup1"/>
+  <p:tag name="COLORSETGROUPCLASSNAME" val="ColorSetGroup5"/>
+  <p:tag name="FONTSETGROUPCLASSNAME" val="FontSetGroup1"/>
+  <p:tag name="SHAPECLASSNAME" val="Attachment"/>
+  <p:tag name="SHAPESETCLASSNAME" val="HiddenType2"/>
+  <p:tag name="SHAPECLASSPROTECTIONTYPE" val=" 3"/>
+</p:tagLst>
+</file>
+
+<file path=ppt/tags/tag222.xml><?xml version="1.0" encoding="utf-8"?>
+<p:tagLst xmlns:a="http://schemas.openxmlformats.org/drawingml/2006/main" xmlns:r="http://schemas.openxmlformats.org/officeDocument/2006/relationships" xmlns:p="http://schemas.openxmlformats.org/presentationml/2006/main">
+  <p:tag name="FONT" val="NavbarItem"/>
+  <p:tag name="FONTSETCLASSNAME" val="FontSet1"/>
+  <p:tag name="COLORS" val="-2;-2;-2;-2;-2;-2"/>
+  <p:tag name="COLORSETCLASSNAME" val="ColorSet1"/>
+  <p:tag name="MLI" val="1"/>
+  <p:tag name="SHAPESETGROUPCLASSNAME" val="ShapeSetGroup1"/>
+  <p:tag name="COLORSETGROUPCLASSNAME" val="ColorSetGroup5"/>
+  <p:tag name="FONTSETGROUPCLASSNAME" val="FontSetGroup1"/>
+  <p:tag name="SHAPECLASSNAME" val="tNavbar"/>
+  <p:tag name="SHAPESETCLASSNAME" val="HiddenType2"/>
+  <p:tag name="SHAPECLASSPROTECTIONTYPE" val=" 31"/>
+</p:tagLst>
+</file>
+
+<file path=ppt/tags/tag223.xml><?xml version="1.0" encoding="utf-8"?>
+<p:tagLst xmlns:a="http://schemas.openxmlformats.org/drawingml/2006/main" xmlns:r="http://schemas.openxmlformats.org/officeDocument/2006/relationships" xmlns:p="http://schemas.openxmlformats.org/presentationml/2006/main">
+  <p:tag name="FONT" val="Reg28"/>
+  <p:tag name="FONTSETCLASSNAME" val="FontSet1"/>
+  <p:tag name="COLORSETCLASSNAME" val="ColorSet2"/>
+  <p:tag name="MLI" val="1"/>
+  <p:tag name="SHAPESETGROUPCLASSNAME" val="ShapeSetGroup1"/>
+  <p:tag name="COLORSETGROUPCLASSNAME" val="ColorSetGroup5"/>
+  <p:tag name="FONTSETGROUPCLASSNAME" val="FontSetGroup1"/>
+  <p:tag name="SHAPECLASSNAME" val="TitleOnSlides"/>
+  <p:tag name="FONTCOLOR" val="Primary"/>
+  <p:tag name="FONTCOLOR2" val="Primary"/>
+  <p:tag name="SHAPESETCLASSNAME" val="HiddenType2"/>
+  <p:tag name="SHAPECLASSPROTECTIONTYPE" val=" 9"/>
+  <p:tag name="RUNS.FONT" val="2"/>
+  <p:tag name="COLORS" val="-2;-2;-2;-2;LightGreen;-2"/>
+</p:tagLst>
+</file>
+
+<file path=ppt/tags/tag224.xml><?xml version="1.0" encoding="utf-8"?>
+<p:tagLst xmlns:a="http://schemas.openxmlformats.org/drawingml/2006/main" xmlns:r="http://schemas.openxmlformats.org/officeDocument/2006/relationships" xmlns:p="http://schemas.openxmlformats.org/presentationml/2006/main">
+  <p:tag name="FONTSETCLASSNAME" val="FontSet1"/>
+  <p:tag name="COLORSETCLASSNAME" val="ColorSet1"/>
+  <p:tag name="STYLENAME" val="Bodystyle"/>
+  <p:tag name="MLI" val="1"/>
+  <p:tag name="SHAPESETGROUPCLASSNAME" val="ShapeSetGroup1"/>
+  <p:tag name="SHAPESETCLASSNAME" val="HiddenType2"/>
+  <p:tag name="COLORSETGROUPCLASSNAME" val="ColorSetGroup5"/>
+  <p:tag name="FONTSETGROUPCLASSNAME" val="FontSetGroup1"/>
+  <p:tag name="SHAPECLASSNAME" val="FullTextPlaceholder"/>
+  <p:tag name="SHAPECLASSPROTECTIONTYPE" val="0"/>
+  <p:tag name="COLORS" val="Black;-1;-2;-2;-1;-2"/>
+</p:tagLst>
+</file>
+
+<file path=ppt/tags/tag225.xml><?xml version="1.0" encoding="utf-8"?>
+<p:tagLst xmlns:a="http://schemas.openxmlformats.org/drawingml/2006/main" xmlns:r="http://schemas.openxmlformats.org/officeDocument/2006/relationships" xmlns:p="http://schemas.openxmlformats.org/presentationml/2006/main">
+  <p:tag name="COLORSETCLASSNAME" val="ColorSet2"/>
+  <p:tag name="COLORS" val="-2;-2;-2;-2;-1;-2"/>
+</p:tagLst>
+</file>
+
+<file path=ppt/tags/tag226.xml><?xml version="1.0" encoding="utf-8"?>
+<p:tagLst xmlns:a="http://schemas.openxmlformats.org/drawingml/2006/main" xmlns:r="http://schemas.openxmlformats.org/officeDocument/2006/relationships" xmlns:p="http://schemas.openxmlformats.org/presentationml/2006/main">
+  <p:tag name="FIELD.CHAPTER.CONTENT" val="Titel des Kapitels"/>
+  <p:tag name="FIELD.CHAPTER.VALUE" val="Titel des Kapitels"/>
+  <p:tag name="FIELD.DPT.CONTENT" val="HOME/EPS"/>
+  <p:tag name="FIELD.DPT.VALUE" val="HOME/EPS | "/>
+  <p:tag name="FIELDS.INITIALIZED" val="1"/>
+  <p:tag name="ML_1" val="rb_lol"/>
+  <p:tag name="ML_2" val="Bosch2.mcr"/>
+  <p:tag name="ML_LAYOUT_RESOURCE" val="BOSCH2_16_9.mcr"/>
+  <p:tag name="SHAPESETGROUPCLASSNAME" val="ShapeSetGroup1"/>
+  <p:tag name="COLORSETGROUPCLASSNAME" val="ColorSetGroup5"/>
+  <p:tag name="COLORSETCLASSNAME" val="ColorSet2"/>
+  <p:tag name="FONTSETGROUPCLASSNAME" val="FontSetGroup1"/>
+  <p:tag name="STYLESETGROUPCLASSNAME" val="StyleSetGroup1"/>
+  <p:tag name="MAPNAME" val="Map1"/>
+  <p:tag name="CFG.LAYOUT" val="BOSCH2"/>
+  <p:tag name="MLI" val="1"/>
+  <p:tag name="TEXTBOX 2_SHAPECLASSPROTECTIONTYPE" val="31"/>
+  <p:tag name="RECTANGLE 3_SHAPECLASSPROTECTIONTYPE" val="3"/>
+  <p:tag name="RECTANGLE 4_SHAPECLASSPROTECTIONTYPE" val="63"/>
+  <p:tag name="RECTANGLE 5_SHAPECLASSPROTECTIONTYPE" val="63"/>
+  <p:tag name="RECTANGLE 6_SHAPECLASSPROTECTIONTYPE" val="63"/>
+  <p:tag name="TEXTBOX 7_SHAPECLASSPROTECTIONTYPE" val="25"/>
+  <p:tag name="TITLE 1_SHAPECLASSPROTECTIONTYPE" val="9"/>
+  <p:tag name="PICTURE 8_SHAPECLASSPROTECTIONTYPE" val="15"/>
+  <p:tag name="PICTURE 9_SHAPECLASSPROTECTIONTYPE" val="15"/>
+  <p:tag name="SHAPESETCLASSNAME" val="HiddenType2"/>
+  <p:tag name="TEXT PLACEHOLDER 10_SHAPECLASSPROTECTIONTYPE" val="0"/>
+  <p:tag name="PICTURE 11_SHAPECLASSPROTECTIONTYPE" val="15"/>
+  <p:tag name="PICTURE 12_SHAPECLASSPROTECTIONTYPE" val="15"/>
+</p:tagLst>
+</file>
+
+<file path=ppt/tags/tag227.xml><?xml version="1.0" encoding="utf-8"?>
+<p:tagLst xmlns:a="http://schemas.openxmlformats.org/drawingml/2006/main" xmlns:r="http://schemas.openxmlformats.org/officeDocument/2006/relationships" xmlns:p="http://schemas.openxmlformats.org/presentationml/2006/main">
+  <p:tag name="COLORS" val="-2;-2;-2;-2;-2;-2"/>
+  <p:tag name="COLORSETCLASSNAME" val="ColorSet1"/>
+  <p:tag name="SHAPESETGROUPCLASSNAME" val="ShapeSetGroup1"/>
+  <p:tag name="SHAPESETCLASSNAME" val="Slide"/>
+  <p:tag name="COLORSETGROUPCLASSNAME" val="ColorSetGroup5"/>
+  <p:tag name="FONTSETGROUPCLASSNAME" val="FontSetGroup1"/>
+  <p:tag name="SHAPECLASSFILE" val="BoschLogo2016.emf"/>
+  <p:tag name="MLI" val="1"/>
+  <p:tag name="SHAPECLASSNAME" val="LogoOnSlides"/>
+  <p:tag name="SHAPECLASSPROTECTIONTYPE" val="15"/>
+</p:tagLst>
+</file>
+
+<file path=ppt/tags/tag228.xml><?xml version="1.0" encoding="utf-8"?>
+<p:tagLst xmlns:a="http://schemas.openxmlformats.org/drawingml/2006/main" xmlns:r="http://schemas.openxmlformats.org/officeDocument/2006/relationships" xmlns:p="http://schemas.openxmlformats.org/presentationml/2006/main">
+  <p:tag name="COLORS" val="-2;-2;-2;-2;-2;-2"/>
+  <p:tag name="COLORSETCLASSNAME" val="ColorSet1"/>
+  <p:tag name="SHAPESETGROUPCLASSNAME" val="ShapeSetGroup1"/>
+  <p:tag name="SHAPESETCLASSNAME" val="Slide"/>
+  <p:tag name="COLORSETGROUPCLASSNAME" val="ColorSetGroup5"/>
+  <p:tag name="FONTSETGROUPCLASSNAME" val="FontSetGroup1"/>
+  <p:tag name="SHAPECLASSFILE" val="Bosch-Supergraphic-Bottom-16-9.png"/>
+  <p:tag name="MLI" val="1"/>
+  <p:tag name="SHAPECLASSNAME" val="ColorBarOnSlides"/>
+  <p:tag name="SHAPECLASSPROTECTIONTYPE" val="15"/>
+</p:tagLst>
+</file>
+
+<file path=ppt/tags/tag229.xml><?xml version="1.0" encoding="utf-8"?>
+<p:tagLst xmlns:a="http://schemas.openxmlformats.org/drawingml/2006/main" xmlns:r="http://schemas.openxmlformats.org/officeDocument/2006/relationships" xmlns:p="http://schemas.openxmlformats.org/presentationml/2006/main">
+  <p:tag name="FONT" val="Reg28"/>
+  <p:tag name="FONTSETCLASSNAME" val="FontSet1"/>
+  <p:tag name="COLORSETCLASSNAME" val="ColorSet1"/>
+  <p:tag name="SCRIPT" val="1"/>
+  <p:tag name="FIELDS" val="CHAPTER;"/>
+  <p:tag name="MLI" val="1"/>
+  <p:tag name="SHAPESETGROUPCLASSNAME" val="ShapeSetGroup1"/>
+  <p:tag name="COLORSETGROUPCLASSNAME" val="ColorSetGroup5"/>
+  <p:tag name="FONTSETGROUPCLASSNAME" val="FontSetGroup1"/>
+  <p:tag name="SHAPECLASSNAME" val="Chapterbox"/>
+  <p:tag name="SHAPESETCLASSNAME" val="HiddenType2"/>
+  <p:tag name="SHAPECLASSPROTECTIONTYPE" val=" 25"/>
+  <p:tag name="COLORS" val="-2;-2;-2;-2;-1;-2"/>
+</p:tagLst>
+</file>
+
+<file path=ppt/tags/tag23.xml><?xml version="1.0" encoding="utf-8"?>
+<p:tagLst xmlns:a="http://schemas.openxmlformats.org/drawingml/2006/main" xmlns:r="http://schemas.openxmlformats.org/officeDocument/2006/relationships" xmlns:p="http://schemas.openxmlformats.org/presentationml/2006/main">
+  <p:tag name="COLORS" val="-2;-2;-2;-2;-2;-2"/>
+  <p:tag name="COLORSETCLASSNAME" val="ColorSet1"/>
+  <p:tag name="SHAPESETGROUPCLASSNAME" val="ShapeSetGroup1"/>
+  <p:tag name="SHAPESETCLASSNAME" val="Slide"/>
+  <p:tag name="COLORSETGROUPCLASSNAME" val="ColorSetGroup3"/>
+  <p:tag name="FONTSETGROUPCLASSNAME" val="FontSetGroup1"/>
+  <p:tag name="SHAPECLASSFILE" val="Bosch-Supergraphic-Bottom-16-9.png"/>
+  <p:tag name="MLI" val="1"/>
+  <p:tag name="SHAPECLASSNAME" val="ColorBarOnSlides"/>
+  <p:tag name="SHAPECLASSPROTECTIONTYPE" val="15"/>
+</p:tagLst>
+</file>
+
+<file path=ppt/tags/tag230.xml><?xml version="1.0" encoding="utf-8"?>
+<p:tagLst xmlns:a="http://schemas.openxmlformats.org/drawingml/2006/main" xmlns:r="http://schemas.openxmlformats.org/officeDocument/2006/relationships" xmlns:p="http://schemas.openxmlformats.org/presentationml/2006/main">
+  <p:tag name="FONTSETCLASSNAME" val="FontSet1"/>
+  <p:tag name="COLORS" val="-2;-2;-2;-2;Red;-2"/>
+  <p:tag name="COLORSETCLASSNAME" val="ColorSet1"/>
+  <p:tag name="SCRIPT" val="1"/>
+  <p:tag name="FIELDS" val="CONF;DPT;DATE;"/>
+  <p:tag name="MLI" val="1"/>
+  <p:tag name="SHAPESETGROUPCLASSNAME" val="ShapeSetGroup1"/>
+  <p:tag name="COLORSETGROUPCLASSNAME" val="ColorSetGroup5"/>
+  <p:tag name="FONTSETGROUPCLASSNAME" val="FontSetGroup1"/>
+  <p:tag name="SHAPECLASSNAME" val="FooterLine1OnSlides"/>
+  <p:tag name="FONT" val="Bold6"/>
+  <p:tag name="FONT2" val="Reg6"/>
+  <p:tag name="FONT3" val="Reg6"/>
+  <p:tag name="FONTCOLOR" val="Red"/>
+  <p:tag name="FONTCOLOR2" val="Black"/>
+  <p:tag name="FONTCOLOR3" val="Black"/>
+  <p:tag name="FONTCOLOR4" val="Black"/>
+  <p:tag name="RUNS.FONT" val="4"/>
+  <p:tag name="SHAPESETCLASSNAME" val="HiddenType2"/>
+  <p:tag name="SHAPECLASSPROTECTIONTYPE" val=" 63"/>
+</p:tagLst>
+</file>
+
+<file path=ppt/tags/tag231.xml><?xml version="1.0" encoding="utf-8"?>
+<p:tagLst xmlns:a="http://schemas.openxmlformats.org/drawingml/2006/main" xmlns:r="http://schemas.openxmlformats.org/officeDocument/2006/relationships" xmlns:p="http://schemas.openxmlformats.org/presentationml/2006/main">
+  <p:tag name="FONT" val="Reg6"/>
+  <p:tag name="FONTSETCLASSNAME" val="FontSet1"/>
+  <p:tag name="RUNS.FONT" val="3"/>
+  <p:tag name="COLORS" val="-2;-2;-2;-2;Black;-2"/>
+  <p:tag name="COLORSETCLASSNAME" val="ColorSet1"/>
+  <p:tag name="SCRIPT" val="1"/>
+  <p:tag name="FIELDS" val="REM_ABL;COPY;"/>
+  <p:tag name="MLI" val="1"/>
+  <p:tag name="SHAPESETGROUPCLASSNAME" val="ShapeSetGroup1"/>
+  <p:tag name="COLORSETGROUPCLASSNAME" val="ColorSetGroup5"/>
+  <p:tag name="FONTSETGROUPCLASSNAME" val="FontSetGroup1"/>
+  <p:tag name="SHAPECLASSNAME" val="FooterLine2OnSlides"/>
+  <p:tag name="FONTCOLOR" val="Black"/>
+  <p:tag name="FONTCOLOR2" val="LightGray"/>
+  <p:tag name="FONTCOLOR3" val="LightGray"/>
+  <p:tag name="SHAPESETCLASSNAME" val="HiddenType2"/>
+  <p:tag name="SHAPECLASSPROTECTIONTYPE" val=" 63"/>
+</p:tagLst>
+</file>
+
+<file path=ppt/tags/tag232.xml><?xml version="1.0" encoding="utf-8"?>
+<p:tagLst xmlns:a="http://schemas.openxmlformats.org/drawingml/2006/main" xmlns:r="http://schemas.openxmlformats.org/officeDocument/2006/relationships" xmlns:p="http://schemas.openxmlformats.org/presentationml/2006/main">
+  <p:tag name="FONT" val="Reg12"/>
+  <p:tag name="FONTSETCLASSNAME" val="FontSet1"/>
+  <p:tag name="COLORS" val="-2;-2;-2;-2;DarkGray2;-2"/>
+  <p:tag name="COLORSETCLASSNAME" val="ColorSet1"/>
+  <p:tag name="SCRIPT" val="1"/>
+  <p:tag name="MLI" val="1"/>
+  <p:tag name="SHAPESETGROUPCLASSNAME" val="ShapeSetGroup1"/>
+  <p:tag name="COLORSETGROUPCLASSNAME" val="ColorSetGroup5"/>
+  <p:tag name="FONTSETGROUPCLASSNAME" val="FontSetGroup1"/>
+  <p:tag name="SHAPECLASSNAME" val="PageNumberOnSlides"/>
+  <p:tag name="SHAPESETCLASSNAME" val="HiddenType2"/>
+  <p:tag name="SHAPECLASSPROTECTIONTYPE" val=" 63"/>
+</p:tagLst>
+</file>
+
+<file path=ppt/tags/tag233.xml><?xml version="1.0" encoding="utf-8"?>
+<p:tagLst xmlns:a="http://schemas.openxmlformats.org/drawingml/2006/main" xmlns:r="http://schemas.openxmlformats.org/officeDocument/2006/relationships" xmlns:p="http://schemas.openxmlformats.org/presentationml/2006/main">
+  <p:tag name="FONT" val="Reg5x5"/>
+  <p:tag name="FONTSETCLASSNAME" val="FontSet1"/>
+  <p:tag name="COLORS" val="-2;-2;-2;-2;-2;-2"/>
+  <p:tag name="COLORSETCLASSNAME" val="ColorSet1"/>
+  <p:tag name="SCRIPT" val="1"/>
+  <p:tag name="FIELDS" val="REM_ANL;"/>
+  <p:tag name="MLI" val="1"/>
+  <p:tag name="SHAPESETGROUPCLASSNAME" val="ShapeSetGroup1"/>
+  <p:tag name="COLORSETGROUPCLASSNAME" val="ColorSetGroup5"/>
+  <p:tag name="FONTSETGROUPCLASSNAME" val="FontSetGroup1"/>
+  <p:tag name="SHAPECLASSNAME" val="Attachment"/>
+  <p:tag name="SHAPESETCLASSNAME" val="HiddenType2"/>
+  <p:tag name="SHAPECLASSPROTECTIONTYPE" val=" 3"/>
+</p:tagLst>
+</file>
+
+<file path=ppt/tags/tag234.xml><?xml version="1.0" encoding="utf-8"?>
+<p:tagLst xmlns:a="http://schemas.openxmlformats.org/drawingml/2006/main" xmlns:r="http://schemas.openxmlformats.org/officeDocument/2006/relationships" xmlns:p="http://schemas.openxmlformats.org/presentationml/2006/main">
+  <p:tag name="FONT" val="NavbarItem"/>
+  <p:tag name="FONTSETCLASSNAME" val="FontSet1"/>
+  <p:tag name="COLORS" val="-2;-2;-2;-2;-2;-2"/>
+  <p:tag name="COLORSETCLASSNAME" val="ColorSet1"/>
+  <p:tag name="MLI" val="1"/>
+  <p:tag name="SHAPESETGROUPCLASSNAME" val="ShapeSetGroup1"/>
+  <p:tag name="COLORSETGROUPCLASSNAME" val="ColorSetGroup5"/>
+  <p:tag name="FONTSETGROUPCLASSNAME" val="FontSetGroup1"/>
+  <p:tag name="SHAPECLASSNAME" val="tNavbar"/>
+  <p:tag name="SHAPESETCLASSNAME" val="HiddenType2"/>
+  <p:tag name="SHAPECLASSPROTECTIONTYPE" val=" 31"/>
+</p:tagLst>
+</file>
+
+<file path=ppt/tags/tag235.xml><?xml version="1.0" encoding="utf-8"?>
+<p:tagLst xmlns:a="http://schemas.openxmlformats.org/drawingml/2006/main" xmlns:r="http://schemas.openxmlformats.org/officeDocument/2006/relationships" xmlns:p="http://schemas.openxmlformats.org/presentationml/2006/main">
+  <p:tag name="FONT" val="Reg28"/>
+  <p:tag name="FONTSETCLASSNAME" val="FontSet1"/>
+  <p:tag name="COLORSETCLASSNAME" val="ColorSet2"/>
+  <p:tag name="MLI" val="1"/>
+  <p:tag name="SHAPESETGROUPCLASSNAME" val="ShapeSetGroup1"/>
+  <p:tag name="COLORSETGROUPCLASSNAME" val="ColorSetGroup5"/>
+  <p:tag name="FONTSETGROUPCLASSNAME" val="FontSetGroup1"/>
+  <p:tag name="SHAPECLASSNAME" val="TitleOnSlides"/>
+  <p:tag name="FONTCOLOR" val="Primary"/>
+  <p:tag name="FONTCOLOR2" val="Primary"/>
+  <p:tag name="SHAPESETCLASSNAME" val="HiddenType2"/>
+  <p:tag name="SHAPECLASSPROTECTIONTYPE" val=" 9"/>
+  <p:tag name="RUNS.FONT" val="2"/>
+  <p:tag name="COLORS" val="-2;-2;-2;-2;LightGreen;-2"/>
+</p:tagLst>
+</file>
+
+<file path=ppt/tags/tag236.xml><?xml version="1.0" encoding="utf-8"?>
+<p:tagLst xmlns:a="http://schemas.openxmlformats.org/drawingml/2006/main" xmlns:r="http://schemas.openxmlformats.org/officeDocument/2006/relationships" xmlns:p="http://schemas.openxmlformats.org/presentationml/2006/main">
+  <p:tag name="FONTSETCLASSNAME" val="FontSet1"/>
+  <p:tag name="COLORSETCLASSNAME" val="ColorSet1"/>
+  <p:tag name="STYLENAME" val="Bodystyle"/>
+  <p:tag name="MLI" val="1"/>
+  <p:tag name="SHAPESETGROUPCLASSNAME" val="ShapeSetGroup1"/>
+  <p:tag name="SHAPESETCLASSNAME" val="HiddenType2"/>
+  <p:tag name="COLORSETGROUPCLASSNAME" val="ColorSetGroup5"/>
+  <p:tag name="FONTSETGROUPCLASSNAME" val="FontSetGroup1"/>
+  <p:tag name="SHAPECLASSNAME" val="FullTextPlaceholder"/>
+  <p:tag name="SHAPECLASSPROTECTIONTYPE" val="0"/>
+  <p:tag name="COLORS" val="Black;-1;-2;-2;-1;-2"/>
+</p:tagLst>
+</file>
+
+<file path=ppt/tags/tag237.xml><?xml version="1.0" encoding="utf-8"?>
+<p:tagLst xmlns:a="http://schemas.openxmlformats.org/drawingml/2006/main" xmlns:r="http://schemas.openxmlformats.org/officeDocument/2006/relationships" xmlns:p="http://schemas.openxmlformats.org/presentationml/2006/main">
+  <p:tag name="COLORSETCLASSNAME" val="ColorSet2"/>
+  <p:tag name="COLORS" val="-2;-2;-2;-2;-1;-2"/>
+</p:tagLst>
+</file>
+
+<file path=ppt/tags/tag238.xml><?xml version="1.0" encoding="utf-8"?>
 <p:tagLst xmlns:a="http://schemas.openxmlformats.org/drawingml/2006/main" xmlns:r="http://schemas.openxmlformats.org/officeDocument/2006/relationships" xmlns:p="http://schemas.openxmlformats.org/presentationml/2006/main">
   <p:tag name="FIELD.CHAPTER.CONTENT" val="Titel des Kapitels"/>
   <p:tag name="FIELD.CHAPTER.VALUE" val="Titel des Kapitels"/>
@@ -31049,7 +32207,7 @@
 </p:tagLst>
 </file>
 
-<file path=ppt/tags/tag221.xml><?xml version="1.0" encoding="utf-8"?>
+<file path=ppt/tags/tag239.xml><?xml version="1.0" encoding="utf-8"?>
 <p:tagLst xmlns:a="http://schemas.openxmlformats.org/drawingml/2006/main" xmlns:r="http://schemas.openxmlformats.org/officeDocument/2006/relationships" xmlns:p="http://schemas.openxmlformats.org/presentationml/2006/main">
   <p:tag name="COLORS" val="-2;-2;-2;-2;-2;-2"/>
   <p:tag name="COLORSETCLASSNAME" val="ColorSet1"/>
@@ -31064,7 +32222,25 @@
 </p:tagLst>
 </file>
 
-<file path=ppt/tags/tag222.xml><?xml version="1.0" encoding="utf-8"?>
+<file path=ppt/tags/tag24.xml><?xml version="1.0" encoding="utf-8"?>
+<p:tagLst xmlns:a="http://schemas.openxmlformats.org/drawingml/2006/main" xmlns:r="http://schemas.openxmlformats.org/officeDocument/2006/relationships" xmlns:p="http://schemas.openxmlformats.org/presentationml/2006/main">
+  <p:tag name="FONT" val="Reg28"/>
+  <p:tag name="FONTSETCLASSNAME" val="FontSet1"/>
+  <p:tag name="COLORSETCLASSNAME" val="ColorSet1"/>
+  <p:tag name="SCRIPT" val="1"/>
+  <p:tag name="FIELDS" val="CHAPTER;"/>
+  <p:tag name="MLI" val="1"/>
+  <p:tag name="SHAPESETGROUPCLASSNAME" val="ShapeSetGroup1"/>
+  <p:tag name="SHAPESETCLASSNAME" val="Object"/>
+  <p:tag name="COLORSETGROUPCLASSNAME" val="ColorSetGroup3"/>
+  <p:tag name="FONTSETGROUPCLASSNAME" val="FontSetGroup1"/>
+  <p:tag name="SHAPECLASSNAME" val="Chapterbox"/>
+  <p:tag name="SHAPECLASSPROTECTIONTYPE" val=" 25"/>
+  <p:tag name="COLORS" val="-2;-2;-2;-2;-1;-2"/>
+</p:tagLst>
+</file>
+
+<file path=ppt/tags/tag240.xml><?xml version="1.0" encoding="utf-8"?>
 <p:tagLst xmlns:a="http://schemas.openxmlformats.org/drawingml/2006/main" xmlns:r="http://schemas.openxmlformats.org/officeDocument/2006/relationships" xmlns:p="http://schemas.openxmlformats.org/presentationml/2006/main">
   <p:tag name="COLORS" val="-2;-2;-2;-2;-2;-2"/>
   <p:tag name="COLORSETCLASSNAME" val="ColorSet1"/>
@@ -31079,7 +32255,7 @@
 </p:tagLst>
 </file>
 
-<file path=ppt/tags/tag223.xml><?xml version="1.0" encoding="utf-8"?>
+<file path=ppt/tags/tag241.xml><?xml version="1.0" encoding="utf-8"?>
 <p:tagLst xmlns:a="http://schemas.openxmlformats.org/drawingml/2006/main" xmlns:r="http://schemas.openxmlformats.org/officeDocument/2006/relationships" xmlns:p="http://schemas.openxmlformats.org/presentationml/2006/main">
   <p:tag name="FONT" val="Reg28"/>
   <p:tag name="FONTSETCLASSNAME" val="FontSet1"/>
@@ -31097,7 +32273,7 @@
 </p:tagLst>
 </file>
 
-<file path=ppt/tags/tag224.xml><?xml version="1.0" encoding="utf-8"?>
+<file path=ppt/tags/tag242.xml><?xml version="1.0" encoding="utf-8"?>
 <p:tagLst xmlns:a="http://schemas.openxmlformats.org/drawingml/2006/main" xmlns:r="http://schemas.openxmlformats.org/officeDocument/2006/relationships" xmlns:p="http://schemas.openxmlformats.org/presentationml/2006/main">
   <p:tag name="FONT" val="Bold6"/>
   <p:tag name="FONT2" val="Reg6"/>
@@ -31122,7 +32298,7 @@
 </p:tagLst>
 </file>
 
-<file path=ppt/tags/tag225.xml><?xml version="1.0" encoding="utf-8"?>
+<file path=ppt/tags/tag243.xml><?xml version="1.0" encoding="utf-8"?>
 <p:tagLst xmlns:a="http://schemas.openxmlformats.org/drawingml/2006/main" xmlns:r="http://schemas.openxmlformats.org/officeDocument/2006/relationships" xmlns:p="http://schemas.openxmlformats.org/presentationml/2006/main">
   <p:tag name="FONT" val="Reg6"/>
   <p:tag name="FONTSETCLASSNAME" val="FontSet1"/>
@@ -31144,7 +32320,7 @@
 </p:tagLst>
 </file>
 
-<file path=ppt/tags/tag226.xml><?xml version="1.0" encoding="utf-8"?>
+<file path=ppt/tags/tag244.xml><?xml version="1.0" encoding="utf-8"?>
 <p:tagLst xmlns:a="http://schemas.openxmlformats.org/drawingml/2006/main" xmlns:r="http://schemas.openxmlformats.org/officeDocument/2006/relationships" xmlns:p="http://schemas.openxmlformats.org/presentationml/2006/main">
   <p:tag name="FONT" val="Reg12"/>
   <p:tag name="FONTSETCLASSNAME" val="FontSet1"/>
@@ -31161,7 +32337,7 @@
 </p:tagLst>
 </file>
 
-<file path=ppt/tags/tag227.xml><?xml version="1.0" encoding="utf-8"?>
+<file path=ppt/tags/tag245.xml><?xml version="1.0" encoding="utf-8"?>
 <p:tagLst xmlns:a="http://schemas.openxmlformats.org/drawingml/2006/main" xmlns:r="http://schemas.openxmlformats.org/officeDocument/2006/relationships" xmlns:p="http://schemas.openxmlformats.org/presentationml/2006/main">
   <p:tag name="FONT" val="Reg5x5"/>
   <p:tag name="FONTSETCLASSNAME" val="FontSet1"/>
@@ -31179,7 +32355,7 @@
 </p:tagLst>
 </file>
 
-<file path=ppt/tags/tag228.xml><?xml version="1.0" encoding="utf-8"?>
+<file path=ppt/tags/tag246.xml><?xml version="1.0" encoding="utf-8"?>
 <p:tagLst xmlns:a="http://schemas.openxmlformats.org/drawingml/2006/main" xmlns:r="http://schemas.openxmlformats.org/officeDocument/2006/relationships" xmlns:p="http://schemas.openxmlformats.org/presentationml/2006/main">
   <p:tag name="FONT" val="NavbarItem"/>
   <p:tag name="FONTSETCLASSNAME" val="FontSet1"/>
@@ -31195,7 +32371,7 @@
 </p:tagLst>
 </file>
 
-<file path=ppt/tags/tag229.xml><?xml version="1.0" encoding="utf-8"?>
+<file path=ppt/tags/tag247.xml><?xml version="1.0" encoding="utf-8"?>
 <p:tagLst xmlns:a="http://schemas.openxmlformats.org/drawingml/2006/main" xmlns:r="http://schemas.openxmlformats.org/officeDocument/2006/relationships" xmlns:p="http://schemas.openxmlformats.org/presentationml/2006/main">
   <p:tag name="FONT" val="Reg28"/>
   <p:tag name="FONTSETCLASSNAME" val="FontSet1"/>
@@ -31214,22 +32390,7 @@
 </p:tagLst>
 </file>
 
-<file path=ppt/tags/tag23.xml><?xml version="1.0" encoding="utf-8"?>
-<p:tagLst xmlns:a="http://schemas.openxmlformats.org/drawingml/2006/main" xmlns:r="http://schemas.openxmlformats.org/officeDocument/2006/relationships" xmlns:p="http://schemas.openxmlformats.org/presentationml/2006/main">
-  <p:tag name="COLORS" val="-2;-2;-2;-2;-2;-2"/>
-  <p:tag name="COLORSETCLASSNAME" val="ColorSet1"/>
-  <p:tag name="SHAPESETGROUPCLASSNAME" val="ShapeSetGroup1"/>
-  <p:tag name="SHAPESETCLASSNAME" val="Slide"/>
-  <p:tag name="COLORSETGROUPCLASSNAME" val="ColorSetGroup3"/>
-  <p:tag name="FONTSETGROUPCLASSNAME" val="FontSetGroup1"/>
-  <p:tag name="SHAPECLASSFILE" val="Bosch-Supergraphic-Bottom-16-9.png"/>
-  <p:tag name="MLI" val="1"/>
-  <p:tag name="SHAPECLASSNAME" val="ColorBarOnSlides"/>
-  <p:tag name="SHAPECLASSPROTECTIONTYPE" val="15"/>
-</p:tagLst>
-</file>
-
-<file path=ppt/tags/tag230.xml><?xml version="1.0" encoding="utf-8"?>
+<file path=ppt/tags/tag248.xml><?xml version="1.0" encoding="utf-8"?>
 <p:tagLst xmlns:a="http://schemas.openxmlformats.org/drawingml/2006/main" xmlns:r="http://schemas.openxmlformats.org/officeDocument/2006/relationships" xmlns:p="http://schemas.openxmlformats.org/presentationml/2006/main">
   <p:tag name="FIELD.CHAPTER.CONTENT" val="Titel des Kapitels"/>
   <p:tag name="FIELD.CHAPTER.VALUE" val="Titel des Kapitels"/>
@@ -31260,7 +32421,7 @@
 </p:tagLst>
 </file>
 
-<file path=ppt/tags/tag231.xml><?xml version="1.0" encoding="utf-8"?>
+<file path=ppt/tags/tag249.xml><?xml version="1.0" encoding="utf-8"?>
 <p:tagLst xmlns:a="http://schemas.openxmlformats.org/drawingml/2006/main" xmlns:r="http://schemas.openxmlformats.org/officeDocument/2006/relationships" xmlns:p="http://schemas.openxmlformats.org/presentationml/2006/main">
   <p:tag name="COLORS" val="-2;-2;-2;-2;-2;-2"/>
   <p:tag name="COLORSETCLASSNAME" val="ColorSet1"/>
@@ -31275,7 +32436,32 @@
 </p:tagLst>
 </file>
 
-<file path=ppt/tags/tag232.xml><?xml version="1.0" encoding="utf-8"?>
+<file path=ppt/tags/tag25.xml><?xml version="1.0" encoding="utf-8"?>
+<p:tagLst xmlns:a="http://schemas.openxmlformats.org/drawingml/2006/main" xmlns:r="http://schemas.openxmlformats.org/officeDocument/2006/relationships" xmlns:p="http://schemas.openxmlformats.org/presentationml/2006/main">
+  <p:tag name="FONT" val="Bold6"/>
+  <p:tag name="FONT2" val="Reg6"/>
+  <p:tag name="FONT3" val="Reg6"/>
+  <p:tag name="FONTSETCLASSNAME" val="FontSet1"/>
+  <p:tag name="FONTCOLOR" val="Red"/>
+  <p:tag name="FONTCOLOR2" val="Black"/>
+  <p:tag name="FONTCOLOR3" val="Black"/>
+  <p:tag name="FONTCOLOR4" val="Black"/>
+  <p:tag name="RUNS.FONT" val="4"/>
+  <p:tag name="COLORS" val="-2;-2;-2;-2;Red;-2"/>
+  <p:tag name="COLORSETCLASSNAME" val="ColorSet1"/>
+  <p:tag name="SCRIPT" val="1"/>
+  <p:tag name="FIELDS" val="CONF;DPT;DATE;"/>
+  <p:tag name="MLI" val="1"/>
+  <p:tag name="SHAPESETGROUPCLASSNAME" val="ShapeSetGroup1"/>
+  <p:tag name="SHAPESETCLASSNAME" val="Object"/>
+  <p:tag name="COLORSETGROUPCLASSNAME" val="ColorSetGroup3"/>
+  <p:tag name="FONTSETGROUPCLASSNAME" val="FontSetGroup1"/>
+  <p:tag name="SHAPECLASSNAME" val="FooterLine1OnSlides"/>
+  <p:tag name="SHAPECLASSPROTECTIONTYPE" val=" 63"/>
+</p:tagLst>
+</file>
+
+<file path=ppt/tags/tag250.xml><?xml version="1.0" encoding="utf-8"?>
 <p:tagLst xmlns:a="http://schemas.openxmlformats.org/drawingml/2006/main" xmlns:r="http://schemas.openxmlformats.org/officeDocument/2006/relationships" xmlns:p="http://schemas.openxmlformats.org/presentationml/2006/main">
   <p:tag name="COLORS" val="-2;-2;-2;-2;-2;-2"/>
   <p:tag name="COLORSETCLASSNAME" val="ColorSet1"/>
@@ -31290,7 +32476,7 @@
 </p:tagLst>
 </file>
 
-<file path=ppt/tags/tag233.xml><?xml version="1.0" encoding="utf-8"?>
+<file path=ppt/tags/tag251.xml><?xml version="1.0" encoding="utf-8"?>
 <p:tagLst xmlns:a="http://schemas.openxmlformats.org/drawingml/2006/main" xmlns:r="http://schemas.openxmlformats.org/officeDocument/2006/relationships" xmlns:p="http://schemas.openxmlformats.org/presentationml/2006/main">
   <p:tag name="FONT" val="Reg28"/>
   <p:tag name="FONTSETCLASSNAME" val="FontSet1"/>
@@ -31308,7 +32494,7 @@
 </p:tagLst>
 </file>
 
-<file path=ppt/tags/tag234.xml><?xml version="1.0" encoding="utf-8"?>
+<file path=ppt/tags/tag252.xml><?xml version="1.0" encoding="utf-8"?>
 <p:tagLst xmlns:a="http://schemas.openxmlformats.org/drawingml/2006/main" xmlns:r="http://schemas.openxmlformats.org/officeDocument/2006/relationships" xmlns:p="http://schemas.openxmlformats.org/presentationml/2006/main">
   <p:tag name="FONT" val="Bold6"/>
   <p:tag name="FONT2" val="Reg6"/>
@@ -31333,7 +32519,7 @@
 </p:tagLst>
 </file>
 
-<file path=ppt/tags/tag235.xml><?xml version="1.0" encoding="utf-8"?>
+<file path=ppt/tags/tag253.xml><?xml version="1.0" encoding="utf-8"?>
 <p:tagLst xmlns:a="http://schemas.openxmlformats.org/drawingml/2006/main" xmlns:r="http://schemas.openxmlformats.org/officeDocument/2006/relationships" xmlns:p="http://schemas.openxmlformats.org/presentationml/2006/main">
   <p:tag name="FONT" val="Reg6"/>
   <p:tag name="FONTSETCLASSNAME" val="FontSet1"/>
@@ -31355,7 +32541,7 @@
 </p:tagLst>
 </file>
 
-<file path=ppt/tags/tag236.xml><?xml version="1.0" encoding="utf-8"?>
+<file path=ppt/tags/tag254.xml><?xml version="1.0" encoding="utf-8"?>
 <p:tagLst xmlns:a="http://schemas.openxmlformats.org/drawingml/2006/main" xmlns:r="http://schemas.openxmlformats.org/officeDocument/2006/relationships" xmlns:p="http://schemas.openxmlformats.org/presentationml/2006/main">
   <p:tag name="FONT" val="Reg12"/>
   <p:tag name="FONTSETCLASSNAME" val="FontSet1"/>
@@ -31372,7 +32558,7 @@
 </p:tagLst>
 </file>
 
-<file path=ppt/tags/tag237.xml><?xml version="1.0" encoding="utf-8"?>
+<file path=ppt/tags/tag255.xml><?xml version="1.0" encoding="utf-8"?>
 <p:tagLst xmlns:a="http://schemas.openxmlformats.org/drawingml/2006/main" xmlns:r="http://schemas.openxmlformats.org/officeDocument/2006/relationships" xmlns:p="http://schemas.openxmlformats.org/presentationml/2006/main">
   <p:tag name="FONT" val="Reg5x5"/>
   <p:tag name="FONTSETCLASSNAME" val="FontSet1"/>
@@ -31390,7 +32576,7 @@
 </p:tagLst>
 </file>
 
-<file path=ppt/tags/tag238.xml><?xml version="1.0" encoding="utf-8"?>
+<file path=ppt/tags/tag256.xml><?xml version="1.0" encoding="utf-8"?>
 <p:tagLst xmlns:a="http://schemas.openxmlformats.org/drawingml/2006/main" xmlns:r="http://schemas.openxmlformats.org/officeDocument/2006/relationships" xmlns:p="http://schemas.openxmlformats.org/presentationml/2006/main">
   <p:tag name="FONT" val="NavbarItem"/>
   <p:tag name="FONTSETCLASSNAME" val="FontSet1"/>
@@ -31406,7 +32592,7 @@
 </p:tagLst>
 </file>
 
-<file path=ppt/tags/tag239.xml><?xml version="1.0" encoding="utf-8"?>
+<file path=ppt/tags/tag257.xml><?xml version="1.0" encoding="utf-8"?>
 <p:tagLst xmlns:a="http://schemas.openxmlformats.org/drawingml/2006/main" xmlns:r="http://schemas.openxmlformats.org/officeDocument/2006/relationships" xmlns:p="http://schemas.openxmlformats.org/presentationml/2006/main">
   <p:tag name="FONT" val="Reg28"/>
   <p:tag name="FONTSETCLASSNAME" val="FontSet1"/>
@@ -31425,25 +32611,7 @@
 </p:tagLst>
 </file>
 
-<file path=ppt/tags/tag24.xml><?xml version="1.0" encoding="utf-8"?>
-<p:tagLst xmlns:a="http://schemas.openxmlformats.org/drawingml/2006/main" xmlns:r="http://schemas.openxmlformats.org/officeDocument/2006/relationships" xmlns:p="http://schemas.openxmlformats.org/presentationml/2006/main">
-  <p:tag name="FONT" val="Reg28"/>
-  <p:tag name="FONTSETCLASSNAME" val="FontSet1"/>
-  <p:tag name="COLORSETCLASSNAME" val="ColorSet1"/>
-  <p:tag name="SCRIPT" val="1"/>
-  <p:tag name="FIELDS" val="CHAPTER;"/>
-  <p:tag name="MLI" val="1"/>
-  <p:tag name="SHAPESETGROUPCLASSNAME" val="ShapeSetGroup1"/>
-  <p:tag name="SHAPESETCLASSNAME" val="Object"/>
-  <p:tag name="COLORSETGROUPCLASSNAME" val="ColorSetGroup3"/>
-  <p:tag name="FONTSETGROUPCLASSNAME" val="FontSetGroup1"/>
-  <p:tag name="SHAPECLASSNAME" val="Chapterbox"/>
-  <p:tag name="SHAPECLASSPROTECTIONTYPE" val=" 25"/>
-  <p:tag name="COLORS" val="-2;-2;-2;-2;-1;-2"/>
-</p:tagLst>
-</file>
-
-<file path=ppt/tags/tag240.xml><?xml version="1.0" encoding="utf-8"?>
+<file path=ppt/tags/tag258.xml><?xml version="1.0" encoding="utf-8"?>
 <p:tagLst xmlns:a="http://schemas.openxmlformats.org/drawingml/2006/main" xmlns:r="http://schemas.openxmlformats.org/officeDocument/2006/relationships" xmlns:p="http://schemas.openxmlformats.org/presentationml/2006/main">
   <p:tag name="FIELD.CHAPTER.CONTENT" val="Titel des Kapitels"/>
   <p:tag name="FIELD.CHAPTER.VALUE" val="Titel des Kapitels"/>
@@ -31474,7 +32642,7 @@
 </p:tagLst>
 </file>
 
-<file path=ppt/tags/tag241.xml><?xml version="1.0" encoding="utf-8"?>
+<file path=ppt/tags/tag259.xml><?xml version="1.0" encoding="utf-8"?>
 <p:tagLst xmlns:a="http://schemas.openxmlformats.org/drawingml/2006/main" xmlns:r="http://schemas.openxmlformats.org/officeDocument/2006/relationships" xmlns:p="http://schemas.openxmlformats.org/presentationml/2006/main">
   <p:tag name="COLORS" val="-2;-2;-2;-2;-2;-2"/>
   <p:tag name="COLORSETCLASSNAME" val="ColorSet1"/>
@@ -31489,7 +32657,29 @@
 </p:tagLst>
 </file>
 
-<file path=ppt/tags/tag242.xml><?xml version="1.0" encoding="utf-8"?>
+<file path=ppt/tags/tag26.xml><?xml version="1.0" encoding="utf-8"?>
+<p:tagLst xmlns:a="http://schemas.openxmlformats.org/drawingml/2006/main" xmlns:r="http://schemas.openxmlformats.org/officeDocument/2006/relationships" xmlns:p="http://schemas.openxmlformats.org/presentationml/2006/main">
+  <p:tag name="FONT" val="Reg6"/>
+  <p:tag name="FONTSETCLASSNAME" val="FontSet1"/>
+  <p:tag name="FONTCOLOR" val="Black"/>
+  <p:tag name="FONTCOLOR2" val="LightGray"/>
+  <p:tag name="FONTCOLOR3" val="LightGray"/>
+  <p:tag name="RUNS.FONT" val="3"/>
+  <p:tag name="COLORS" val="-2;-2;-2;-2;Black;-2"/>
+  <p:tag name="COLORSETCLASSNAME" val="ColorSet1"/>
+  <p:tag name="SCRIPT" val="1"/>
+  <p:tag name="FIELDS" val="REM_ABL;COPY;"/>
+  <p:tag name="MLI" val="1"/>
+  <p:tag name="SHAPESETGROUPCLASSNAME" val="ShapeSetGroup1"/>
+  <p:tag name="SHAPESETCLASSNAME" val="Object"/>
+  <p:tag name="COLORSETGROUPCLASSNAME" val="ColorSetGroup3"/>
+  <p:tag name="FONTSETGROUPCLASSNAME" val="FontSetGroup1"/>
+  <p:tag name="SHAPECLASSNAME" val="FooterLine2OnSlides"/>
+  <p:tag name="SHAPECLASSPROTECTIONTYPE" val=" 63"/>
+</p:tagLst>
+</file>
+
+<file path=ppt/tags/tag260.xml><?xml version="1.0" encoding="utf-8"?>
 <p:tagLst xmlns:a="http://schemas.openxmlformats.org/drawingml/2006/main" xmlns:r="http://schemas.openxmlformats.org/officeDocument/2006/relationships" xmlns:p="http://schemas.openxmlformats.org/presentationml/2006/main">
   <p:tag name="COLORS" val="-2;-2;-2;-2;-2;-2"/>
   <p:tag name="COLORSETCLASSNAME" val="ColorSet1"/>
@@ -31504,7 +32694,7 @@
 </p:tagLst>
 </file>
 
-<file path=ppt/tags/tag243.xml><?xml version="1.0" encoding="utf-8"?>
+<file path=ppt/tags/tag261.xml><?xml version="1.0" encoding="utf-8"?>
 <p:tagLst xmlns:a="http://schemas.openxmlformats.org/drawingml/2006/main" xmlns:r="http://schemas.openxmlformats.org/officeDocument/2006/relationships" xmlns:p="http://schemas.openxmlformats.org/presentationml/2006/main">
   <p:tag name="FONT" val="Reg28"/>
   <p:tag name="FONTSETCLASSNAME" val="FontSet1"/>
@@ -31522,7 +32712,7 @@
 </p:tagLst>
 </file>
 
-<file path=ppt/tags/tag244.xml><?xml version="1.0" encoding="utf-8"?>
+<file path=ppt/tags/tag262.xml><?xml version="1.0" encoding="utf-8"?>
 <p:tagLst xmlns:a="http://schemas.openxmlformats.org/drawingml/2006/main" xmlns:r="http://schemas.openxmlformats.org/officeDocument/2006/relationships" xmlns:p="http://schemas.openxmlformats.org/presentationml/2006/main">
   <p:tag name="FONT" val="Bold6"/>
   <p:tag name="FONT2" val="Reg6"/>
@@ -31547,7 +32737,7 @@
 </p:tagLst>
 </file>
 
-<file path=ppt/tags/tag245.xml><?xml version="1.0" encoding="utf-8"?>
+<file path=ppt/tags/tag263.xml><?xml version="1.0" encoding="utf-8"?>
 <p:tagLst xmlns:a="http://schemas.openxmlformats.org/drawingml/2006/main" xmlns:r="http://schemas.openxmlformats.org/officeDocument/2006/relationships" xmlns:p="http://schemas.openxmlformats.org/presentationml/2006/main">
   <p:tag name="FONT" val="Reg6"/>
   <p:tag name="FONTSETCLASSNAME" val="FontSet1"/>
@@ -31569,7 +32759,7 @@
 </p:tagLst>
 </file>
 
-<file path=ppt/tags/tag246.xml><?xml version="1.0" encoding="utf-8"?>
+<file path=ppt/tags/tag264.xml><?xml version="1.0" encoding="utf-8"?>
 <p:tagLst xmlns:a="http://schemas.openxmlformats.org/drawingml/2006/main" xmlns:r="http://schemas.openxmlformats.org/officeDocument/2006/relationships" xmlns:p="http://schemas.openxmlformats.org/presentationml/2006/main">
   <p:tag name="FONT" val="Reg12"/>
   <p:tag name="FONTSETCLASSNAME" val="FontSet1"/>
@@ -31586,7 +32776,7 @@
 </p:tagLst>
 </file>
 
-<file path=ppt/tags/tag247.xml><?xml version="1.0" encoding="utf-8"?>
+<file path=ppt/tags/tag265.xml><?xml version="1.0" encoding="utf-8"?>
 <p:tagLst xmlns:a="http://schemas.openxmlformats.org/drawingml/2006/main" xmlns:r="http://schemas.openxmlformats.org/officeDocument/2006/relationships" xmlns:p="http://schemas.openxmlformats.org/presentationml/2006/main">
   <p:tag name="FONT" val="Reg5x5"/>
   <p:tag name="FONTSETCLASSNAME" val="FontSet1"/>
@@ -31604,7 +32794,7 @@
 </p:tagLst>
 </file>
 
-<file path=ppt/tags/tag248.xml><?xml version="1.0" encoding="utf-8"?>
+<file path=ppt/tags/tag266.xml><?xml version="1.0" encoding="utf-8"?>
 <p:tagLst xmlns:a="http://schemas.openxmlformats.org/drawingml/2006/main" xmlns:r="http://schemas.openxmlformats.org/officeDocument/2006/relationships" xmlns:p="http://schemas.openxmlformats.org/presentationml/2006/main">
   <p:tag name="FONT" val="NavbarItem"/>
   <p:tag name="FONTSETCLASSNAME" val="FontSet1"/>
@@ -31620,7 +32810,7 @@
 </p:tagLst>
 </file>
 
-<file path=ppt/tags/tag249.xml><?xml version="1.0" encoding="utf-8"?>
+<file path=ppt/tags/tag267.xml><?xml version="1.0" encoding="utf-8"?>
 <p:tagLst xmlns:a="http://schemas.openxmlformats.org/drawingml/2006/main" xmlns:r="http://schemas.openxmlformats.org/officeDocument/2006/relationships" xmlns:p="http://schemas.openxmlformats.org/presentationml/2006/main">
   <p:tag name="FONT" val="Reg28"/>
   <p:tag name="FONTSETCLASSNAME" val="FontSet1"/>
@@ -31639,32 +32829,7 @@
 </p:tagLst>
 </file>
 
-<file path=ppt/tags/tag25.xml><?xml version="1.0" encoding="utf-8"?>
-<p:tagLst xmlns:a="http://schemas.openxmlformats.org/drawingml/2006/main" xmlns:r="http://schemas.openxmlformats.org/officeDocument/2006/relationships" xmlns:p="http://schemas.openxmlformats.org/presentationml/2006/main">
-  <p:tag name="FONT" val="Bold6"/>
-  <p:tag name="FONT2" val="Reg6"/>
-  <p:tag name="FONT3" val="Reg6"/>
-  <p:tag name="FONTSETCLASSNAME" val="FontSet1"/>
-  <p:tag name="FONTCOLOR" val="Red"/>
-  <p:tag name="FONTCOLOR2" val="Black"/>
-  <p:tag name="FONTCOLOR3" val="Black"/>
-  <p:tag name="FONTCOLOR4" val="Black"/>
-  <p:tag name="RUNS.FONT" val="4"/>
-  <p:tag name="COLORS" val="-2;-2;-2;-2;Red;-2"/>
-  <p:tag name="COLORSETCLASSNAME" val="ColorSet1"/>
-  <p:tag name="SCRIPT" val="1"/>
-  <p:tag name="FIELDS" val="CONF;DPT;DATE;"/>
-  <p:tag name="MLI" val="1"/>
-  <p:tag name="SHAPESETGROUPCLASSNAME" val="ShapeSetGroup1"/>
-  <p:tag name="SHAPESETCLASSNAME" val="Object"/>
-  <p:tag name="COLORSETGROUPCLASSNAME" val="ColorSetGroup3"/>
-  <p:tag name="FONTSETGROUPCLASSNAME" val="FontSetGroup1"/>
-  <p:tag name="SHAPECLASSNAME" val="FooterLine1OnSlides"/>
-  <p:tag name="SHAPECLASSPROTECTIONTYPE" val=" 63"/>
-</p:tagLst>
-</file>
-
-<file path=ppt/tags/tag250.xml><?xml version="1.0" encoding="utf-8"?>
+<file path=ppt/tags/tag268.xml><?xml version="1.0" encoding="utf-8"?>
 <p:tagLst xmlns:a="http://schemas.openxmlformats.org/drawingml/2006/main" xmlns:r="http://schemas.openxmlformats.org/officeDocument/2006/relationships" xmlns:p="http://schemas.openxmlformats.org/presentationml/2006/main">
   <p:tag name="FIELD.CHAPTER.CONTENT" val="Titel des Kapitels"/>
   <p:tag name="FIELD.CHAPTER.VALUE" val="Titel des Kapitels"/>
@@ -31693,7 +32858,7 @@
 </p:tagLst>
 </file>
 
-<file path=ppt/tags/tag251.xml><?xml version="1.0" encoding="utf-8"?>
+<file path=ppt/tags/tag269.xml><?xml version="1.0" encoding="utf-8"?>
 <p:tagLst xmlns:a="http://schemas.openxmlformats.org/drawingml/2006/main" xmlns:r="http://schemas.openxmlformats.org/officeDocument/2006/relationships" xmlns:p="http://schemas.openxmlformats.org/presentationml/2006/main">
   <p:tag name="FONT" val="Bold6"/>
   <p:tag name="FONT2" val="Reg6"/>
@@ -31718,7 +32883,24 @@
 </p:tagLst>
 </file>
 
-<file path=ppt/tags/tag252.xml><?xml version="1.0" encoding="utf-8"?>
+<file path=ppt/tags/tag27.xml><?xml version="1.0" encoding="utf-8"?>
+<p:tagLst xmlns:a="http://schemas.openxmlformats.org/drawingml/2006/main" xmlns:r="http://schemas.openxmlformats.org/officeDocument/2006/relationships" xmlns:p="http://schemas.openxmlformats.org/presentationml/2006/main">
+  <p:tag name="FONT" val="Reg12"/>
+  <p:tag name="FONTSETCLASSNAME" val="FontSet1"/>
+  <p:tag name="COLORS" val="-2;-2;-2;-2;DarkGray2;-2"/>
+  <p:tag name="COLORSETCLASSNAME" val="ColorSet1"/>
+  <p:tag name="SCRIPT" val="1"/>
+  <p:tag name="MLI" val="1"/>
+  <p:tag name="SHAPESETGROUPCLASSNAME" val="ShapeSetGroup1"/>
+  <p:tag name="SHAPESETCLASSNAME" val="Object"/>
+  <p:tag name="COLORSETGROUPCLASSNAME" val="ColorSetGroup3"/>
+  <p:tag name="FONTSETGROUPCLASSNAME" val="FontSetGroup1"/>
+  <p:tag name="SHAPECLASSNAME" val="PageNumberOnSlides"/>
+  <p:tag name="SHAPECLASSPROTECTIONTYPE" val=" 63"/>
+</p:tagLst>
+</file>
+
+<file path=ppt/tags/tag270.xml><?xml version="1.0" encoding="utf-8"?>
 <p:tagLst xmlns:a="http://schemas.openxmlformats.org/drawingml/2006/main" xmlns:r="http://schemas.openxmlformats.org/officeDocument/2006/relationships" xmlns:p="http://schemas.openxmlformats.org/presentationml/2006/main">
   <p:tag name="FONT" val="Reg6"/>
   <p:tag name="FONTSETCLASSNAME" val="FontSet1"/>
@@ -31740,7 +32922,7 @@
 </p:tagLst>
 </file>
 
-<file path=ppt/tags/tag253.xml><?xml version="1.0" encoding="utf-8"?>
+<file path=ppt/tags/tag271.xml><?xml version="1.0" encoding="utf-8"?>
 <p:tagLst xmlns:a="http://schemas.openxmlformats.org/drawingml/2006/main" xmlns:r="http://schemas.openxmlformats.org/officeDocument/2006/relationships" xmlns:p="http://schemas.openxmlformats.org/presentationml/2006/main">
   <p:tag name="FONT" val="Reg12"/>
   <p:tag name="FONTSETCLASSNAME" val="FontSet1"/>
@@ -31757,7 +32939,7 @@
 </p:tagLst>
 </file>
 
-<file path=ppt/tags/tag254.xml><?xml version="1.0" encoding="utf-8"?>
+<file path=ppt/tags/tag272.xml><?xml version="1.0" encoding="utf-8"?>
 <p:tagLst xmlns:a="http://schemas.openxmlformats.org/drawingml/2006/main" xmlns:r="http://schemas.openxmlformats.org/officeDocument/2006/relationships" xmlns:p="http://schemas.openxmlformats.org/presentationml/2006/main">
   <p:tag name="FONT" val="Reg5x5"/>
   <p:tag name="FONTSETCLASSNAME" val="FontSet1"/>
@@ -31775,7 +32957,7 @@
 </p:tagLst>
 </file>
 
-<file path=ppt/tags/tag255.xml><?xml version="1.0" encoding="utf-8"?>
+<file path=ppt/tags/tag273.xml><?xml version="1.0" encoding="utf-8"?>
 <p:tagLst xmlns:a="http://schemas.openxmlformats.org/drawingml/2006/main" xmlns:r="http://schemas.openxmlformats.org/officeDocument/2006/relationships" xmlns:p="http://schemas.openxmlformats.org/presentationml/2006/main">
   <p:tag name="FONT" val="NavbarItem"/>
   <p:tag name="FONTSETCLASSNAME" val="FontSet1"/>
@@ -31791,7 +32973,7 @@
 </p:tagLst>
 </file>
 
-<file path=ppt/tags/tag256.xml><?xml version="1.0" encoding="utf-8"?>
+<file path=ppt/tags/tag274.xml><?xml version="1.0" encoding="utf-8"?>
 <p:tagLst xmlns:a="http://schemas.openxmlformats.org/drawingml/2006/main" xmlns:r="http://schemas.openxmlformats.org/officeDocument/2006/relationships" xmlns:p="http://schemas.openxmlformats.org/presentationml/2006/main">
   <p:tag name="FONT" val="Reg28"/>
   <p:tag name="FONTSETCLASSNAME" val="FontSet1"/>
@@ -31807,7 +32989,7 @@
 </p:tagLst>
 </file>
 
-<file path=ppt/tags/tag257.xml><?xml version="1.0" encoding="utf-8"?>
+<file path=ppt/tags/tag275.xml><?xml version="1.0" encoding="utf-8"?>
 <p:tagLst xmlns:a="http://schemas.openxmlformats.org/drawingml/2006/main" xmlns:r="http://schemas.openxmlformats.org/officeDocument/2006/relationships" xmlns:p="http://schemas.openxmlformats.org/presentationml/2006/main">
   <p:tag name="FONTSETCLASSNAME" val="FontSet1"/>
   <p:tag name="COLORSETCLASSNAME" val="ColorSet1"/>
@@ -31823,7 +33005,7 @@
 </p:tagLst>
 </file>
 
-<file path=ppt/tags/tag258.xml><?xml version="1.0" encoding="utf-8"?>
+<file path=ppt/tags/tag276.xml><?xml version="1.0" encoding="utf-8"?>
 <p:tagLst xmlns:a="http://schemas.openxmlformats.org/drawingml/2006/main" xmlns:r="http://schemas.openxmlformats.org/officeDocument/2006/relationships" xmlns:p="http://schemas.openxmlformats.org/presentationml/2006/main">
   <p:tag name="FIELD.CHAPTER.CONTENT" val="Titel des Kapitels"/>
   <p:tag name="FIELD.CHAPTER.VALUE" val="Titel des Kapitels"/>
@@ -31859,7 +33041,7 @@
 </p:tagLst>
 </file>
 
-<file path=ppt/tags/tag259.xml><?xml version="1.0" encoding="utf-8"?>
+<file path=ppt/tags/tag277.xml><?xml version="1.0" encoding="utf-8"?>
 <p:tagLst xmlns:a="http://schemas.openxmlformats.org/drawingml/2006/main" xmlns:r="http://schemas.openxmlformats.org/officeDocument/2006/relationships" xmlns:p="http://schemas.openxmlformats.org/presentationml/2006/main">
   <p:tag name="COLORS" val="-2;-2;-2;-2;-2;-2"/>
   <p:tag name="COLORSETCLASSNAME" val="ColorSet1"/>
@@ -31874,29 +33056,7 @@
 </p:tagLst>
 </file>
 
-<file path=ppt/tags/tag26.xml><?xml version="1.0" encoding="utf-8"?>
-<p:tagLst xmlns:a="http://schemas.openxmlformats.org/drawingml/2006/main" xmlns:r="http://schemas.openxmlformats.org/officeDocument/2006/relationships" xmlns:p="http://schemas.openxmlformats.org/presentationml/2006/main">
-  <p:tag name="FONT" val="Reg6"/>
-  <p:tag name="FONTSETCLASSNAME" val="FontSet1"/>
-  <p:tag name="FONTCOLOR" val="Black"/>
-  <p:tag name="FONTCOLOR2" val="LightGray"/>
-  <p:tag name="FONTCOLOR3" val="LightGray"/>
-  <p:tag name="RUNS.FONT" val="3"/>
-  <p:tag name="COLORS" val="-2;-2;-2;-2;Black;-2"/>
-  <p:tag name="COLORSETCLASSNAME" val="ColorSet1"/>
-  <p:tag name="SCRIPT" val="1"/>
-  <p:tag name="FIELDS" val="REM_ABL;COPY;"/>
-  <p:tag name="MLI" val="1"/>
-  <p:tag name="SHAPESETGROUPCLASSNAME" val="ShapeSetGroup1"/>
-  <p:tag name="SHAPESETCLASSNAME" val="Object"/>
-  <p:tag name="COLORSETGROUPCLASSNAME" val="ColorSetGroup3"/>
-  <p:tag name="FONTSETGROUPCLASSNAME" val="FontSetGroup1"/>
-  <p:tag name="SHAPECLASSNAME" val="FooterLine2OnSlides"/>
-  <p:tag name="SHAPECLASSPROTECTIONTYPE" val=" 63"/>
-</p:tagLst>
-</file>
-
-<file path=ppt/tags/tag260.xml><?xml version="1.0" encoding="utf-8"?>
+<file path=ppt/tags/tag278.xml><?xml version="1.0" encoding="utf-8"?>
 <p:tagLst xmlns:a="http://schemas.openxmlformats.org/drawingml/2006/main" xmlns:r="http://schemas.openxmlformats.org/officeDocument/2006/relationships" xmlns:p="http://schemas.openxmlformats.org/presentationml/2006/main">
   <p:tag name="COLORS" val="-2;-2;-2;-2;-2;-2"/>
   <p:tag name="COLORSETCLASSNAME" val="ColorSet1"/>
@@ -31911,7 +33071,7 @@
 </p:tagLst>
 </file>
 
-<file path=ppt/tags/tag261.xml><?xml version="1.0" encoding="utf-8"?>
+<file path=ppt/tags/tag279.xml><?xml version="1.0" encoding="utf-8"?>
 <p:tagLst xmlns:a="http://schemas.openxmlformats.org/drawingml/2006/main" xmlns:r="http://schemas.openxmlformats.org/officeDocument/2006/relationships" xmlns:p="http://schemas.openxmlformats.org/presentationml/2006/main">
   <p:tag name="FONT" val="Reg28"/>
   <p:tag name="FONTSETCLASSNAME" val="FontSet1"/>
@@ -31929,7 +33089,25 @@
 </p:tagLst>
 </file>
 
-<file path=ppt/tags/tag262.xml><?xml version="1.0" encoding="utf-8"?>
+<file path=ppt/tags/tag28.xml><?xml version="1.0" encoding="utf-8"?>
+<p:tagLst xmlns:a="http://schemas.openxmlformats.org/drawingml/2006/main" xmlns:r="http://schemas.openxmlformats.org/officeDocument/2006/relationships" xmlns:p="http://schemas.openxmlformats.org/presentationml/2006/main">
+  <p:tag name="FONT" val="Reg5x5"/>
+  <p:tag name="FONTSETCLASSNAME" val="FontSet1"/>
+  <p:tag name="COLORS" val="-2;-2;-2;-2;-2;-2"/>
+  <p:tag name="COLORSETCLASSNAME" val="ColorSet1"/>
+  <p:tag name="SCRIPT" val="1"/>
+  <p:tag name="FIELDS" val="REM_ANL;"/>
+  <p:tag name="MLI" val="1"/>
+  <p:tag name="SHAPESETGROUPCLASSNAME" val="ShapeSetGroup1"/>
+  <p:tag name="SHAPESETCLASSNAME" val="Object"/>
+  <p:tag name="COLORSETGROUPCLASSNAME" val="ColorSetGroup3"/>
+  <p:tag name="FONTSETGROUPCLASSNAME" val="FontSetGroup1"/>
+  <p:tag name="SHAPECLASSNAME" val="Attachment"/>
+  <p:tag name="SHAPECLASSPROTECTIONTYPE" val=" 3"/>
+</p:tagLst>
+</file>
+
+<file path=ppt/tags/tag280.xml><?xml version="1.0" encoding="utf-8"?>
 <p:tagLst xmlns:a="http://schemas.openxmlformats.org/drawingml/2006/main" xmlns:r="http://schemas.openxmlformats.org/officeDocument/2006/relationships" xmlns:p="http://schemas.openxmlformats.org/presentationml/2006/main">
   <p:tag name="FONT" val="Bold6"/>
   <p:tag name="FONT2" val="Reg6"/>
@@ -31954,7 +33132,7 @@
 </p:tagLst>
 </file>
 
-<file path=ppt/tags/tag263.xml><?xml version="1.0" encoding="utf-8"?>
+<file path=ppt/tags/tag281.xml><?xml version="1.0" encoding="utf-8"?>
 <p:tagLst xmlns:a="http://schemas.openxmlformats.org/drawingml/2006/main" xmlns:r="http://schemas.openxmlformats.org/officeDocument/2006/relationships" xmlns:p="http://schemas.openxmlformats.org/presentationml/2006/main">
   <p:tag name="FONT" val="Reg6"/>
   <p:tag name="FONTSETCLASSNAME" val="FontSet1"/>
@@ -31976,7 +33154,7 @@
 </p:tagLst>
 </file>
 
-<file path=ppt/tags/tag264.xml><?xml version="1.0" encoding="utf-8"?>
+<file path=ppt/tags/tag282.xml><?xml version="1.0" encoding="utf-8"?>
 <p:tagLst xmlns:a="http://schemas.openxmlformats.org/drawingml/2006/main" xmlns:r="http://schemas.openxmlformats.org/officeDocument/2006/relationships" xmlns:p="http://schemas.openxmlformats.org/presentationml/2006/main">
   <p:tag name="FONT" val="Reg12"/>
   <p:tag name="FONTSETCLASSNAME" val="FontSet1"/>
@@ -31993,7 +33171,7 @@
 </p:tagLst>
 </file>
 
-<file path=ppt/tags/tag265.xml><?xml version="1.0" encoding="utf-8"?>
+<file path=ppt/tags/tag283.xml><?xml version="1.0" encoding="utf-8"?>
 <p:tagLst xmlns:a="http://schemas.openxmlformats.org/drawingml/2006/main" xmlns:r="http://schemas.openxmlformats.org/officeDocument/2006/relationships" xmlns:p="http://schemas.openxmlformats.org/presentationml/2006/main">
   <p:tag name="FONT" val="Reg5x5"/>
   <p:tag name="FONTSETCLASSNAME" val="FontSet1"/>
@@ -32011,7 +33189,7 @@
 </p:tagLst>
 </file>
 
-<file path=ppt/tags/tag266.xml><?xml version="1.0" encoding="utf-8"?>
+<file path=ppt/tags/tag284.xml><?xml version="1.0" encoding="utf-8"?>
 <p:tagLst xmlns:a="http://schemas.openxmlformats.org/drawingml/2006/main" xmlns:r="http://schemas.openxmlformats.org/officeDocument/2006/relationships" xmlns:p="http://schemas.openxmlformats.org/presentationml/2006/main">
   <p:tag name="FONT" val="NavbarItem"/>
   <p:tag name="FONTSETCLASSNAME" val="FontSet1"/>
@@ -32027,7 +33205,7 @@
 </p:tagLst>
 </file>
 
-<file path=ppt/tags/tag267.xml><?xml version="1.0" encoding="utf-8"?>
+<file path=ppt/tags/tag285.xml><?xml version="1.0" encoding="utf-8"?>
 <p:tagLst xmlns:a="http://schemas.openxmlformats.org/drawingml/2006/main" xmlns:r="http://schemas.openxmlformats.org/officeDocument/2006/relationships" xmlns:p="http://schemas.openxmlformats.org/presentationml/2006/main">
   <p:tag name="FONTSETCLASSNAME" val="FontSet1"/>
   <p:tag name="MLI" val="1"/>
@@ -32046,7 +33224,7 @@
 </p:tagLst>
 </file>
 
-<file path=ppt/tags/tag268.xml><?xml version="1.0" encoding="utf-8"?>
+<file path=ppt/tags/tag286.xml><?xml version="1.0" encoding="utf-8"?>
 <p:tagLst xmlns:a="http://schemas.openxmlformats.org/drawingml/2006/main" xmlns:r="http://schemas.openxmlformats.org/officeDocument/2006/relationships" xmlns:p="http://schemas.openxmlformats.org/presentationml/2006/main">
   <p:tag name="FONTSETCLASSNAME" val="FontSet1"/>
   <p:tag name="COLORSETCLASSNAME" val="ColorSet1"/>
@@ -32062,7 +33240,7 @@
 </p:tagLst>
 </file>
 
-<file path=ppt/tags/tag269.xml><?xml version="1.0" encoding="utf-8"?>
+<file path=ppt/tags/tag287.xml><?xml version="1.0" encoding="utf-8"?>
 <p:tagLst xmlns:a="http://schemas.openxmlformats.org/drawingml/2006/main" xmlns:r="http://schemas.openxmlformats.org/officeDocument/2006/relationships" xmlns:p="http://schemas.openxmlformats.org/presentationml/2006/main">
   <p:tag name="FIELD.CHAPTER.CONTENT" val="Titel des Kapitels"/>
   <p:tag name="FIELD.CHAPTER.VALUE" val="Titel des Kapitels"/>
@@ -32091,24 +33269,7 @@
 </p:tagLst>
 </file>
 
-<file path=ppt/tags/tag27.xml><?xml version="1.0" encoding="utf-8"?>
-<p:tagLst xmlns:a="http://schemas.openxmlformats.org/drawingml/2006/main" xmlns:r="http://schemas.openxmlformats.org/officeDocument/2006/relationships" xmlns:p="http://schemas.openxmlformats.org/presentationml/2006/main">
-  <p:tag name="FONT" val="Reg12"/>
-  <p:tag name="FONTSETCLASSNAME" val="FontSet1"/>
-  <p:tag name="COLORS" val="-2;-2;-2;-2;DarkGray2;-2"/>
-  <p:tag name="COLORSETCLASSNAME" val="ColorSet1"/>
-  <p:tag name="SCRIPT" val="1"/>
-  <p:tag name="MLI" val="1"/>
-  <p:tag name="SHAPESETGROUPCLASSNAME" val="ShapeSetGroup1"/>
-  <p:tag name="SHAPESETCLASSNAME" val="Object"/>
-  <p:tag name="COLORSETGROUPCLASSNAME" val="ColorSetGroup3"/>
-  <p:tag name="FONTSETGROUPCLASSNAME" val="FontSetGroup1"/>
-  <p:tag name="SHAPECLASSNAME" val="PageNumberOnSlides"/>
-  <p:tag name="SHAPECLASSPROTECTIONTYPE" val=" 63"/>
-</p:tagLst>
-</file>
-
-<file path=ppt/tags/tag270.xml><?xml version="1.0" encoding="utf-8"?>
+<file path=ppt/tags/tag288.xml><?xml version="1.0" encoding="utf-8"?>
 <p:tagLst xmlns:a="http://schemas.openxmlformats.org/drawingml/2006/main" xmlns:r="http://schemas.openxmlformats.org/officeDocument/2006/relationships" xmlns:p="http://schemas.openxmlformats.org/presentationml/2006/main">
   <p:tag name="FONT" val="Bold6"/>
   <p:tag name="FONT2" val="Reg6"/>
@@ -32133,7 +33294,7 @@
 </p:tagLst>
 </file>
 
-<file path=ppt/tags/tag271.xml><?xml version="1.0" encoding="utf-8"?>
+<file path=ppt/tags/tag289.xml><?xml version="1.0" encoding="utf-8"?>
 <p:tagLst xmlns:a="http://schemas.openxmlformats.org/drawingml/2006/main" xmlns:r="http://schemas.openxmlformats.org/officeDocument/2006/relationships" xmlns:p="http://schemas.openxmlformats.org/presentationml/2006/main">
   <p:tag name="FONT" val="Reg6"/>
   <p:tag name="FONTSETCLASSNAME" val="FontSet1"/>
@@ -32155,7 +33316,23 @@
 </p:tagLst>
 </file>
 
-<file path=ppt/tags/tag272.xml><?xml version="1.0" encoding="utf-8"?>
+<file path=ppt/tags/tag29.xml><?xml version="1.0" encoding="utf-8"?>
+<p:tagLst xmlns:a="http://schemas.openxmlformats.org/drawingml/2006/main" xmlns:r="http://schemas.openxmlformats.org/officeDocument/2006/relationships" xmlns:p="http://schemas.openxmlformats.org/presentationml/2006/main">
+  <p:tag name="FONT" val="NavbarItem"/>
+  <p:tag name="FONTSETCLASSNAME" val="FontSet1"/>
+  <p:tag name="COLORS" val="-2;-2;-2;-2;-2;-2"/>
+  <p:tag name="COLORSETCLASSNAME" val="ColorSet1"/>
+  <p:tag name="MLI" val="1"/>
+  <p:tag name="SHAPESETGROUPCLASSNAME" val="ShapeSetGroup1"/>
+  <p:tag name="SHAPESETCLASSNAME" val="Object"/>
+  <p:tag name="COLORSETGROUPCLASSNAME" val="ColorSetGroup3"/>
+  <p:tag name="FONTSETGROUPCLASSNAME" val="FontSetGroup1"/>
+  <p:tag name="SHAPECLASSNAME" val="tNavbar"/>
+  <p:tag name="SHAPECLASSPROTECTIONTYPE" val=" 31"/>
+</p:tagLst>
+</file>
+
+<file path=ppt/tags/tag290.xml><?xml version="1.0" encoding="utf-8"?>
 <p:tagLst xmlns:a="http://schemas.openxmlformats.org/drawingml/2006/main" xmlns:r="http://schemas.openxmlformats.org/officeDocument/2006/relationships" xmlns:p="http://schemas.openxmlformats.org/presentationml/2006/main">
   <p:tag name="FONT" val="Reg12"/>
   <p:tag name="FONTSETCLASSNAME" val="FontSet1"/>
@@ -32172,7 +33349,7 @@
 </p:tagLst>
 </file>
 
-<file path=ppt/tags/tag273.xml><?xml version="1.0" encoding="utf-8"?>
+<file path=ppt/tags/tag291.xml><?xml version="1.0" encoding="utf-8"?>
 <p:tagLst xmlns:a="http://schemas.openxmlformats.org/drawingml/2006/main" xmlns:r="http://schemas.openxmlformats.org/officeDocument/2006/relationships" xmlns:p="http://schemas.openxmlformats.org/presentationml/2006/main">
   <p:tag name="FONT" val="Reg5x5"/>
   <p:tag name="FONTSETCLASSNAME" val="FontSet1"/>
@@ -32190,7 +33367,7 @@
 </p:tagLst>
 </file>
 
-<file path=ppt/tags/tag274.xml><?xml version="1.0" encoding="utf-8"?>
+<file path=ppt/tags/tag292.xml><?xml version="1.0" encoding="utf-8"?>
 <p:tagLst xmlns:a="http://schemas.openxmlformats.org/drawingml/2006/main" xmlns:r="http://schemas.openxmlformats.org/officeDocument/2006/relationships" xmlns:p="http://schemas.openxmlformats.org/presentationml/2006/main">
   <p:tag name="FONT" val="NavbarItem"/>
   <p:tag name="FONTSETCLASSNAME" val="FontSet1"/>
@@ -32206,7 +33383,7 @@
 </p:tagLst>
 </file>
 
-<file path=ppt/tags/tag275.xml><?xml version="1.0" encoding="utf-8"?>
+<file path=ppt/tags/tag293.xml><?xml version="1.0" encoding="utf-8"?>
 <p:tagLst xmlns:a="http://schemas.openxmlformats.org/drawingml/2006/main" xmlns:r="http://schemas.openxmlformats.org/officeDocument/2006/relationships" xmlns:p="http://schemas.openxmlformats.org/presentationml/2006/main">
   <p:tag name="FONT" val="Reg28"/>
   <p:tag name="FONTSETCLASSNAME" val="FontSet1"/>
@@ -32222,7 +33399,7 @@
 </p:tagLst>
 </file>
 
-<file path=ppt/tags/tag276.xml><?xml version="1.0" encoding="utf-8"?>
+<file path=ppt/tags/tag294.xml><?xml version="1.0" encoding="utf-8"?>
 <p:tagLst xmlns:a="http://schemas.openxmlformats.org/drawingml/2006/main" xmlns:r="http://schemas.openxmlformats.org/officeDocument/2006/relationships" xmlns:p="http://schemas.openxmlformats.org/presentationml/2006/main">
   <p:tag name="FONTSETCLASSNAME" val="FontSet1"/>
   <p:tag name="COLORSETCLASSNAME" val="ColorSet1"/>
@@ -32238,7 +33415,7 @@
 </p:tagLst>
 </file>
 
-<file path=ppt/tags/tag277.xml><?xml version="1.0" encoding="utf-8"?>
+<file path=ppt/tags/tag295.xml><?xml version="1.0" encoding="utf-8"?>
 <p:tagLst xmlns:a="http://schemas.openxmlformats.org/drawingml/2006/main" xmlns:r="http://schemas.openxmlformats.org/officeDocument/2006/relationships" xmlns:p="http://schemas.openxmlformats.org/presentationml/2006/main">
   <p:tag name="FIELD.CHAPTER.CONTENT" val="Titel des Kapitels"/>
   <p:tag name="FIELD.CHAPTER.VALUE" val="Titel des Kapitels"/>
@@ -32274,7 +33451,7 @@
 </p:tagLst>
 </file>
 
-<file path=ppt/tags/tag278.xml><?xml version="1.0" encoding="utf-8"?>
+<file path=ppt/tags/tag296.xml><?xml version="1.0" encoding="utf-8"?>
 <p:tagLst xmlns:a="http://schemas.openxmlformats.org/drawingml/2006/main" xmlns:r="http://schemas.openxmlformats.org/officeDocument/2006/relationships" xmlns:p="http://schemas.openxmlformats.org/presentationml/2006/main">
   <p:tag name="COLORS" val="-2;-2;-2;-2;-2;-2"/>
   <p:tag name="COLORSETCLASSNAME" val="ColorSet1"/>
@@ -32289,7 +33466,7 @@
 </p:tagLst>
 </file>
 
-<file path=ppt/tags/tag279.xml><?xml version="1.0" encoding="utf-8"?>
+<file path=ppt/tags/tag297.xml><?xml version="1.0" encoding="utf-8"?>
 <p:tagLst xmlns:a="http://schemas.openxmlformats.org/drawingml/2006/main" xmlns:r="http://schemas.openxmlformats.org/officeDocument/2006/relationships" xmlns:p="http://schemas.openxmlformats.org/presentationml/2006/main">
   <p:tag name="COLORS" val="-2;-2;-2;-2;-2;-2"/>
   <p:tag name="COLORSETCLASSNAME" val="ColorSet1"/>
@@ -32304,25 +33481,7 @@
 </p:tagLst>
 </file>
 
-<file path=ppt/tags/tag28.xml><?xml version="1.0" encoding="utf-8"?>
-<p:tagLst xmlns:a="http://schemas.openxmlformats.org/drawingml/2006/main" xmlns:r="http://schemas.openxmlformats.org/officeDocument/2006/relationships" xmlns:p="http://schemas.openxmlformats.org/presentationml/2006/main">
-  <p:tag name="FONT" val="Reg5x5"/>
-  <p:tag name="FONTSETCLASSNAME" val="FontSet1"/>
-  <p:tag name="COLORS" val="-2;-2;-2;-2;-2;-2"/>
-  <p:tag name="COLORSETCLASSNAME" val="ColorSet1"/>
-  <p:tag name="SCRIPT" val="1"/>
-  <p:tag name="FIELDS" val="REM_ANL;"/>
-  <p:tag name="MLI" val="1"/>
-  <p:tag name="SHAPESETGROUPCLASSNAME" val="ShapeSetGroup1"/>
-  <p:tag name="SHAPESETCLASSNAME" val="Object"/>
-  <p:tag name="COLORSETGROUPCLASSNAME" val="ColorSetGroup3"/>
-  <p:tag name="FONTSETGROUPCLASSNAME" val="FontSetGroup1"/>
-  <p:tag name="SHAPECLASSNAME" val="Attachment"/>
-  <p:tag name="SHAPECLASSPROTECTIONTYPE" val=" 3"/>
-</p:tagLst>
-</file>
-
-<file path=ppt/tags/tag280.xml><?xml version="1.0" encoding="utf-8"?>
+<file path=ppt/tags/tag298.xml><?xml version="1.0" encoding="utf-8"?>
 <p:tagLst xmlns:a="http://schemas.openxmlformats.org/drawingml/2006/main" xmlns:r="http://schemas.openxmlformats.org/officeDocument/2006/relationships" xmlns:p="http://schemas.openxmlformats.org/presentationml/2006/main">
   <p:tag name="FONT" val="Reg28"/>
   <p:tag name="FONTSETCLASSNAME" val="FontSet1"/>
@@ -32340,7 +33499,7 @@
 </p:tagLst>
 </file>
 
-<file path=ppt/tags/tag281.xml><?xml version="1.0" encoding="utf-8"?>
+<file path=ppt/tags/tag299.xml><?xml version="1.0" encoding="utf-8"?>
 <p:tagLst xmlns:a="http://schemas.openxmlformats.org/drawingml/2006/main" xmlns:r="http://schemas.openxmlformats.org/officeDocument/2006/relationships" xmlns:p="http://schemas.openxmlformats.org/presentationml/2006/main">
   <p:tag name="FONT" val="Bold6"/>
   <p:tag name="FONT2" val="Reg6"/>
@@ -32365,7 +33524,38 @@
 </p:tagLst>
 </file>
 
-<file path=ppt/tags/tag282.xml><?xml version="1.0" encoding="utf-8"?>
+<file path=ppt/tags/tag3.xml><?xml version="1.0" encoding="utf-8"?>
+<p:tagLst xmlns:a="http://schemas.openxmlformats.org/drawingml/2006/main" xmlns:r="http://schemas.openxmlformats.org/officeDocument/2006/relationships" xmlns:p="http://schemas.openxmlformats.org/presentationml/2006/main">
+  <p:tag name="COLORS" val="-2;-2;-2;-2;-2;-2"/>
+  <p:tag name="COLORSETCLASSNAME" val="ColorSet1"/>
+  <p:tag name="SHAPESETGROUPCLASSNAME" val="ShapeSetGroup1"/>
+  <p:tag name="SHAPESETCLASSNAME" val="Slide"/>
+  <p:tag name="COLORSETGROUPCLASSNAME" val="ColorSetGroup1"/>
+  <p:tag name="FONTSETGROUPCLASSNAME" val="FontSetGroup1"/>
+  <p:tag name="SHAPECLASSFILE" val="Bosch-Supergraphic-Bottom-16-9.png"/>
+  <p:tag name="MLI" val="1"/>
+  <p:tag name="SHAPECLASSNAME" val="ColorBarOnSlides"/>
+  <p:tag name="SHAPECLASSPROTECTIONTYPE" val="15"/>
+</p:tagLst>
+</file>
+
+<file path=ppt/tags/tag30.xml><?xml version="1.0" encoding="utf-8"?>
+<p:tagLst xmlns:a="http://schemas.openxmlformats.org/drawingml/2006/main" xmlns:r="http://schemas.openxmlformats.org/officeDocument/2006/relationships" xmlns:p="http://schemas.openxmlformats.org/presentationml/2006/main">
+  <p:tag name="FONTSETCLASSNAME" val="FontSet1"/>
+  <p:tag name="COLORSETCLASSNAME" val="ColorSet1"/>
+  <p:tag name="STYLENAME" val="Bodystyle"/>
+  <p:tag name="MLI" val="1"/>
+  <p:tag name="SHAPESETGROUPCLASSNAME" val="ShapeSetGroup1"/>
+  <p:tag name="SHAPESETCLASSNAME" val="Object"/>
+  <p:tag name="COLORSETGROUPCLASSNAME" val="ColorSetGroup3"/>
+  <p:tag name="FONTSETGROUPCLASSNAME" val="FontSetGroup1"/>
+  <p:tag name="SHAPECLASSNAME" val="ObjectFull"/>
+  <p:tag name="SHAPECLASSPROTECTIONTYPE" val="0"/>
+  <p:tag name="COLORS" val="Black;-1;-2;-2;-1;-2"/>
+</p:tagLst>
+</file>
+
+<file path=ppt/tags/tag300.xml><?xml version="1.0" encoding="utf-8"?>
 <p:tagLst xmlns:a="http://schemas.openxmlformats.org/drawingml/2006/main" xmlns:r="http://schemas.openxmlformats.org/officeDocument/2006/relationships" xmlns:p="http://schemas.openxmlformats.org/presentationml/2006/main">
   <p:tag name="FONT" val="Reg6"/>
   <p:tag name="FONTSETCLASSNAME" val="FontSet1"/>
@@ -32387,7 +33577,7 @@
 </p:tagLst>
 </file>
 
-<file path=ppt/tags/tag283.xml><?xml version="1.0" encoding="utf-8"?>
+<file path=ppt/tags/tag301.xml><?xml version="1.0" encoding="utf-8"?>
 <p:tagLst xmlns:a="http://schemas.openxmlformats.org/drawingml/2006/main" xmlns:r="http://schemas.openxmlformats.org/officeDocument/2006/relationships" xmlns:p="http://schemas.openxmlformats.org/presentationml/2006/main">
   <p:tag name="FONT" val="Reg12"/>
   <p:tag name="FONTSETCLASSNAME" val="FontSet1"/>
@@ -32404,7 +33594,7 @@
 </p:tagLst>
 </file>
 
-<file path=ppt/tags/tag284.xml><?xml version="1.0" encoding="utf-8"?>
+<file path=ppt/tags/tag302.xml><?xml version="1.0" encoding="utf-8"?>
 <p:tagLst xmlns:a="http://schemas.openxmlformats.org/drawingml/2006/main" xmlns:r="http://schemas.openxmlformats.org/officeDocument/2006/relationships" xmlns:p="http://schemas.openxmlformats.org/presentationml/2006/main">
   <p:tag name="FONT" val="Reg5x5"/>
   <p:tag name="FONTSETCLASSNAME" val="FontSet1"/>
@@ -32422,7 +33612,7 @@
 </p:tagLst>
 </file>
 
-<file path=ppt/tags/tag285.xml><?xml version="1.0" encoding="utf-8"?>
+<file path=ppt/tags/tag303.xml><?xml version="1.0" encoding="utf-8"?>
 <p:tagLst xmlns:a="http://schemas.openxmlformats.org/drawingml/2006/main" xmlns:r="http://schemas.openxmlformats.org/officeDocument/2006/relationships" xmlns:p="http://schemas.openxmlformats.org/presentationml/2006/main">
   <p:tag name="FONT" val="NavbarItem"/>
   <p:tag name="FONTSETCLASSNAME" val="FontSet1"/>
@@ -32438,7 +33628,7 @@
 </p:tagLst>
 </file>
 
-<file path=ppt/tags/tag286.xml><?xml version="1.0" encoding="utf-8"?>
+<file path=ppt/tags/tag304.xml><?xml version="1.0" encoding="utf-8"?>
 <p:tagLst xmlns:a="http://schemas.openxmlformats.org/drawingml/2006/main" xmlns:r="http://schemas.openxmlformats.org/officeDocument/2006/relationships" xmlns:p="http://schemas.openxmlformats.org/presentationml/2006/main">
   <p:tag name="FONTSETCLASSNAME" val="FontSet1"/>
   <p:tag name="MLI" val="1"/>
@@ -32457,7 +33647,7 @@
 </p:tagLst>
 </file>
 
-<file path=ppt/tags/tag287.xml><?xml version="1.0" encoding="utf-8"?>
+<file path=ppt/tags/tag305.xml><?xml version="1.0" encoding="utf-8"?>
 <p:tagLst xmlns:a="http://schemas.openxmlformats.org/drawingml/2006/main" xmlns:r="http://schemas.openxmlformats.org/officeDocument/2006/relationships" xmlns:p="http://schemas.openxmlformats.org/presentationml/2006/main">
   <p:tag name="FONTSETCLASSNAME" val="FontSet1"/>
   <p:tag name="COLORSETCLASSNAME" val="ColorSet1"/>
@@ -32473,7 +33663,7 @@
 </p:tagLst>
 </file>
 
-<file path=ppt/tags/tag288.xml><?xml version="1.0" encoding="utf-8"?>
+<file path=ppt/tags/tag306.xml><?xml version="1.0" encoding="utf-8"?>
 <p:tagLst xmlns:a="http://schemas.openxmlformats.org/drawingml/2006/main" xmlns:r="http://schemas.openxmlformats.org/officeDocument/2006/relationships" xmlns:p="http://schemas.openxmlformats.org/presentationml/2006/main">
   <p:tag name="FIELD.CHAPTER.CONTENT" val="Titel des Kapitels"/>
   <p:tag name="FIELD.CHAPTER.VALUE" val="Titel des Kapitels"/>
@@ -32500,7 +33690,7 @@
 </p:tagLst>
 </file>
 
-<file path=ppt/tags/tag289.xml><?xml version="1.0" encoding="utf-8"?>
+<file path=ppt/tags/tag307.xml><?xml version="1.0" encoding="utf-8"?>
 <p:tagLst xmlns:a="http://schemas.openxmlformats.org/drawingml/2006/main" xmlns:r="http://schemas.openxmlformats.org/officeDocument/2006/relationships" xmlns:p="http://schemas.openxmlformats.org/presentationml/2006/main">
   <p:tag name="FONT" val="Disguised"/>
   <p:tag name="FONTSETCLASSNAME" val="FontSet1"/>
@@ -32517,23 +33707,7 @@
 </p:tagLst>
 </file>
 
-<file path=ppt/tags/tag29.xml><?xml version="1.0" encoding="utf-8"?>
-<p:tagLst xmlns:a="http://schemas.openxmlformats.org/drawingml/2006/main" xmlns:r="http://schemas.openxmlformats.org/officeDocument/2006/relationships" xmlns:p="http://schemas.openxmlformats.org/presentationml/2006/main">
-  <p:tag name="FONT" val="NavbarItem"/>
-  <p:tag name="FONTSETCLASSNAME" val="FontSet1"/>
-  <p:tag name="COLORS" val="-2;-2;-2;-2;-2;-2"/>
-  <p:tag name="COLORSETCLASSNAME" val="ColorSet1"/>
-  <p:tag name="MLI" val="1"/>
-  <p:tag name="SHAPESETGROUPCLASSNAME" val="ShapeSetGroup1"/>
-  <p:tag name="SHAPESETCLASSNAME" val="Object"/>
-  <p:tag name="COLORSETGROUPCLASSNAME" val="ColorSetGroup3"/>
-  <p:tag name="FONTSETGROUPCLASSNAME" val="FontSetGroup1"/>
-  <p:tag name="SHAPECLASSNAME" val="tNavbar"/>
-  <p:tag name="SHAPECLASSPROTECTIONTYPE" val=" 31"/>
-</p:tagLst>
-</file>
-
-<file path=ppt/tags/tag290.xml><?xml version="1.0" encoding="utf-8"?>
+<file path=ppt/tags/tag308.xml><?xml version="1.0" encoding="utf-8"?>
 <p:tagLst xmlns:a="http://schemas.openxmlformats.org/drawingml/2006/main" xmlns:r="http://schemas.openxmlformats.org/officeDocument/2006/relationships" xmlns:p="http://schemas.openxmlformats.org/presentationml/2006/main">
   <p:tag name="COLORS" val="-2;-2;-2;-2;-2;-2"/>
   <p:tag name="COLORSETCLASSNAME" val="ColorSet1"/>
@@ -32549,7 +33723,7 @@
 </p:tagLst>
 </file>
 
-<file path=ppt/tags/tag291.xml><?xml version="1.0" encoding="utf-8"?>
+<file path=ppt/tags/tag309.xml><?xml version="1.0" encoding="utf-8"?>
 <p:tagLst xmlns:a="http://schemas.openxmlformats.org/drawingml/2006/main" xmlns:r="http://schemas.openxmlformats.org/officeDocument/2006/relationships" xmlns:p="http://schemas.openxmlformats.org/presentationml/2006/main">
   <p:tag name="COLORS" val="-2;-2;-2;-2;-2;-2"/>
   <p:tag name="COLORSETCLASSNAME" val="ColorSet1"/>
@@ -32561,259 +33735,6 @@
   <p:tag name="MLI" val="1"/>
   <p:tag name="SHAPECLASSNAME" val="LogoOnSlides"/>
   <p:tag name="SHAPECLASSPROTECTIONTYPE" val="15"/>
-</p:tagLst>
-</file>
-
-<file path=ppt/tags/tag292.xml><?xml version="1.0" encoding="utf-8"?>
-<p:tagLst xmlns:a="http://schemas.openxmlformats.org/drawingml/2006/main" xmlns:r="http://schemas.openxmlformats.org/officeDocument/2006/relationships" xmlns:p="http://schemas.openxmlformats.org/presentationml/2006/main">
-  <p:tag name="COLORS" val="-2;-2;-2;-2;-2;-2"/>
-  <p:tag name="COLORSETCLASSNAME" val="ColorSet1"/>
-  <p:tag name="SHAPESETGROUPCLASSNAME" val="ShapeSetGroup1"/>
-  <p:tag name="SHAPESETCLASSNAME" val="EndSlide"/>
-  <p:tag name="COLORSETGROUPCLASSNAME" val="ColorSetGroup3"/>
-  <p:tag name="FONTSETGROUPCLASSNAME" val="FontSetGroup1"/>
-  <p:tag name="SHAPECLASSFILE" val="Bosch-Symbol-Logotype-Supergraphic.png"/>
-  <p:tag name="MLI" val="1"/>
-  <p:tag name="SHAPECLASSNAME" val="ColorBarOnTitleSlides"/>
-  <p:tag name="SHAPECLASSPROTECTIONTYPE" val="15"/>
-</p:tagLst>
-</file>
-
-<file path=ppt/tags/tag293.xml><?xml version="1.0" encoding="utf-8"?>
-<p:tagLst xmlns:a="http://schemas.openxmlformats.org/drawingml/2006/main" xmlns:r="http://schemas.openxmlformats.org/officeDocument/2006/relationships" xmlns:p="http://schemas.openxmlformats.org/presentationml/2006/main">
-  <p:tag name="FONT" val="Reg80"/>
-  <p:tag name="FONTSETCLASSNAME" val="FontSet1"/>
-  <p:tag name="COLORSETCLASSNAME" val="ColorSet1"/>
-  <p:tag name="MLI" val="1"/>
-  <p:tag name="SHAPESETGROUPCLASSNAME" val="ShapeSetGroup1"/>
-  <p:tag name="SHAPESETCLASSNAME" val="EndSlide"/>
-  <p:tag name="COLORSETGROUPCLASSNAME" val="ColorSetGroup3"/>
-  <p:tag name="FONTSETGROUPCLASSNAME" val="FontSetGroup1"/>
-  <p:tag name="SHAPECLASSNAME" val="TextOnEndSlide"/>
-  <p:tag name="SHAPECLASSPROTECTIONTYPE" val="3"/>
-  <p:tag name="COLORS" val="-2;-2;-2;-2;-1;-2"/>
-</p:tagLst>
-</file>
-
-<file path=ppt/tags/tag294.xml><?xml version="1.0" encoding="utf-8"?>
-<p:tagLst xmlns:a="http://schemas.openxmlformats.org/drawingml/2006/main" xmlns:r="http://schemas.openxmlformats.org/officeDocument/2006/relationships" xmlns:p="http://schemas.openxmlformats.org/presentationml/2006/main">
-  <p:tag name="FIELD.CHAPTER.CONTENT" val="Titel des Kapitels"/>
-  <p:tag name="FIELD.CHAPTER.VALUE" val="Titel des Kapitels"/>
-  <p:tag name="FIELD.DPT.CONTENT" val="HOME/EPS"/>
-  <p:tag name="FIELD.DPT.VALUE" val="HOME/EPS | "/>
-  <p:tag name="FIELDS.INITIALIZED" val="1"/>
-  <p:tag name="ML_1" val="rb_lol"/>
-  <p:tag name="ML_2" val="Bosch2.mcr"/>
-  <p:tag name="ML_LAYOUT_RESOURCE" val="BOSCH2_16_9.mcr"/>
-  <p:tag name="SHAPESETGROUPCLASSNAME" val="ShapeSetGroup1"/>
-  <p:tag name="SHAPESETCLASSNAME" val="StaticAgenda"/>
-  <p:tag name="COLORSETGROUPCLASSNAME" val="ColorSetGroup3"/>
-  <p:tag name="COLORSETCLASSNAME" val="ColorSet2"/>
-  <p:tag name="FONTSETGROUPCLASSNAME" val="FontSetGroup1"/>
-  <p:tag name="STYLESETGROUPCLASSNAME" val="StyleSetGroup1"/>
-  <p:tag name="MAPNAME" val="Map1"/>
-  <p:tag name="CFG.LAYOUT" val="BOSCH2"/>
-  <p:tag name="MLI" val="1"/>
-  <p:tag name="TEXTBOX 3_SHAPECLASSPROTECTIONTYPE" val="31"/>
-  <p:tag name="RECTANGLE 4_SHAPECLASSPROTECTIONTYPE" val="3"/>
-  <p:tag name="RECTANGLE 5_SHAPECLASSPROTECTIONTYPE" val="63"/>
-  <p:tag name="RECTANGLE 6_SHAPECLASSPROTECTIONTYPE" val="63"/>
-  <p:tag name="RECTANGLE 7_SHAPECLASSPROTECTIONTYPE" val="63"/>
-  <p:tag name="TEXT PLACEHOLDER 2_SHAPECLASSPROTECTIONTYPE" val="0"/>
-  <p:tag name="TITLE 1_SHAPECLASSPROTECTIONTYPE" val="9"/>
-  <p:tag name="PICTURE 8_SHAPECLASSPROTECTIONTYPE" val="15"/>
-  <p:tag name="PICTURE 9_SHAPECLASSPROTECTIONTYPE" val="15"/>
-</p:tagLst>
-</file>
-
-<file path=ppt/tags/tag295.xml><?xml version="1.0" encoding="utf-8"?>
-<p:tagLst xmlns:a="http://schemas.openxmlformats.org/drawingml/2006/main" xmlns:r="http://schemas.openxmlformats.org/officeDocument/2006/relationships" xmlns:p="http://schemas.openxmlformats.org/presentationml/2006/main">
-  <p:tag name="COLORS" val="-2;-2;-2;-2;-2;-2"/>
-  <p:tag name="COLORSETCLASSNAME" val="ColorSet1"/>
-  <p:tag name="SHAPESETGROUPCLASSNAME" val="ShapeSetGroup1"/>
-  <p:tag name="SHAPESETCLASSNAME" val="Slide"/>
-  <p:tag name="COLORSETGROUPCLASSNAME" val="ColorSetGroup3"/>
-  <p:tag name="FONTSETGROUPCLASSNAME" val="FontSetGroup1"/>
-  <p:tag name="SHAPECLASSFILE" val="BoschLogo2016.emf"/>
-  <p:tag name="MLI" val="1"/>
-  <p:tag name="SHAPECLASSNAME" val="LogoOnSlides"/>
-  <p:tag name="SHAPECLASSPROTECTIONTYPE" val="15"/>
-</p:tagLst>
-</file>
-
-<file path=ppt/tags/tag296.xml><?xml version="1.0" encoding="utf-8"?>
-<p:tagLst xmlns:a="http://schemas.openxmlformats.org/drawingml/2006/main" xmlns:r="http://schemas.openxmlformats.org/officeDocument/2006/relationships" xmlns:p="http://schemas.openxmlformats.org/presentationml/2006/main">
-  <p:tag name="COLORS" val="-2;-2;-2;-2;-2;-2"/>
-  <p:tag name="COLORSETCLASSNAME" val="ColorSet1"/>
-  <p:tag name="SHAPESETGROUPCLASSNAME" val="ShapeSetGroup1"/>
-  <p:tag name="SHAPESETCLASSNAME" val="Slide"/>
-  <p:tag name="COLORSETGROUPCLASSNAME" val="ColorSetGroup3"/>
-  <p:tag name="FONTSETGROUPCLASSNAME" val="FontSetGroup1"/>
-  <p:tag name="SHAPECLASSFILE" val="Bosch-Supergraphic-Bottom-16-9.png"/>
-  <p:tag name="MLI" val="1"/>
-  <p:tag name="SHAPECLASSNAME" val="ColorBarOnSlides"/>
-  <p:tag name="SHAPECLASSPROTECTIONTYPE" val="15"/>
-</p:tagLst>
-</file>
-
-<file path=ppt/tags/tag297.xml><?xml version="1.0" encoding="utf-8"?>
-<p:tagLst xmlns:a="http://schemas.openxmlformats.org/drawingml/2006/main" xmlns:r="http://schemas.openxmlformats.org/officeDocument/2006/relationships" xmlns:p="http://schemas.openxmlformats.org/presentationml/2006/main">
-  <p:tag name="FONT" val="Bold6"/>
-  <p:tag name="FONT2" val="Reg6"/>
-  <p:tag name="FONT3" val="Reg6"/>
-  <p:tag name="FONTSETCLASSNAME" val="FontSet1"/>
-  <p:tag name="FONTCOLOR" val="Red"/>
-  <p:tag name="FONTCOLOR2" val="Black"/>
-  <p:tag name="FONTCOLOR3" val="Black"/>
-  <p:tag name="FONTCOLOR4" val="Black"/>
-  <p:tag name="RUNS.FONT" val="4"/>
-  <p:tag name="COLORS" val="-2;-2;-2;-2;Red;-2"/>
-  <p:tag name="COLORSETCLASSNAME" val="ColorSet1"/>
-  <p:tag name="SCRIPT" val="1"/>
-  <p:tag name="FIELDS" val="CONF;DPT;DATE;"/>
-  <p:tag name="MLI" val="1"/>
-  <p:tag name="SHAPESETGROUPCLASSNAME" val="ShapeSetGroup1"/>
-  <p:tag name="SHAPESETCLASSNAME" val="StaticAgenda"/>
-  <p:tag name="COLORSETGROUPCLASSNAME" val="ColorSetGroup3"/>
-  <p:tag name="FONTSETGROUPCLASSNAME" val="FontSetGroup1"/>
-  <p:tag name="SHAPECLASSNAME" val="FooterLine1OnSlides"/>
-  <p:tag name="SHAPECLASSPROTECTIONTYPE" val="63"/>
-</p:tagLst>
-</file>
-
-<file path=ppt/tags/tag298.xml><?xml version="1.0" encoding="utf-8"?>
-<p:tagLst xmlns:a="http://schemas.openxmlformats.org/drawingml/2006/main" xmlns:r="http://schemas.openxmlformats.org/officeDocument/2006/relationships" xmlns:p="http://schemas.openxmlformats.org/presentationml/2006/main">
-  <p:tag name="FONT" val="Reg6"/>
-  <p:tag name="FONTSETCLASSNAME" val="FontSet1"/>
-  <p:tag name="FONTCOLOR" val="Black"/>
-  <p:tag name="FONTCOLOR2" val="LightGray"/>
-  <p:tag name="FONTCOLOR3" val="LightGray"/>
-  <p:tag name="RUNS.FONT" val="3"/>
-  <p:tag name="COLORS" val="-2;-2;-2;-2;Black;-2"/>
-  <p:tag name="COLORSETCLASSNAME" val="ColorSet1"/>
-  <p:tag name="SCRIPT" val="1"/>
-  <p:tag name="FIELDS" val="REM_ABL;COPY;"/>
-  <p:tag name="MLI" val="1"/>
-  <p:tag name="SHAPESETGROUPCLASSNAME" val="ShapeSetGroup1"/>
-  <p:tag name="SHAPESETCLASSNAME" val="StaticAgenda"/>
-  <p:tag name="COLORSETGROUPCLASSNAME" val="ColorSetGroup3"/>
-  <p:tag name="FONTSETGROUPCLASSNAME" val="FontSetGroup1"/>
-  <p:tag name="SHAPECLASSNAME" val="FooterLine2OnSlides"/>
-  <p:tag name="SHAPECLASSPROTECTIONTYPE" val="63"/>
-</p:tagLst>
-</file>
-
-<file path=ppt/tags/tag299.xml><?xml version="1.0" encoding="utf-8"?>
-<p:tagLst xmlns:a="http://schemas.openxmlformats.org/drawingml/2006/main" xmlns:r="http://schemas.openxmlformats.org/officeDocument/2006/relationships" xmlns:p="http://schemas.openxmlformats.org/presentationml/2006/main">
-  <p:tag name="FONT" val="Reg12"/>
-  <p:tag name="FONTSETCLASSNAME" val="FontSet1"/>
-  <p:tag name="COLORS" val="-2;-2;-2;-2;DarkGray2;-2"/>
-  <p:tag name="COLORSETCLASSNAME" val="ColorSet1"/>
-  <p:tag name="SCRIPT" val="1"/>
-  <p:tag name="MLI" val="1"/>
-  <p:tag name="SHAPESETGROUPCLASSNAME" val="ShapeSetGroup1"/>
-  <p:tag name="SHAPESETCLASSNAME" val="StaticAgenda"/>
-  <p:tag name="COLORSETGROUPCLASSNAME" val="ColorSetGroup3"/>
-  <p:tag name="FONTSETGROUPCLASSNAME" val="FontSetGroup1"/>
-  <p:tag name="SHAPECLASSNAME" val="PageNumberOnSlides"/>
-  <p:tag name="SHAPECLASSPROTECTIONTYPE" val="63"/>
-</p:tagLst>
-</file>
-
-<file path=ppt/tags/tag3.xml><?xml version="1.0" encoding="utf-8"?>
-<p:tagLst xmlns:a="http://schemas.openxmlformats.org/drawingml/2006/main" xmlns:r="http://schemas.openxmlformats.org/officeDocument/2006/relationships" xmlns:p="http://schemas.openxmlformats.org/presentationml/2006/main">
-  <p:tag name="COLORS" val="-2;-2;-2;-2;-2;-2"/>
-  <p:tag name="COLORSETCLASSNAME" val="ColorSet1"/>
-  <p:tag name="SHAPESETGROUPCLASSNAME" val="ShapeSetGroup1"/>
-  <p:tag name="SHAPESETCLASSNAME" val="Slide"/>
-  <p:tag name="COLORSETGROUPCLASSNAME" val="ColorSetGroup1"/>
-  <p:tag name="FONTSETGROUPCLASSNAME" val="FontSetGroup1"/>
-  <p:tag name="SHAPECLASSFILE" val="Bosch-Supergraphic-Bottom-16-9.png"/>
-  <p:tag name="MLI" val="1"/>
-  <p:tag name="SHAPECLASSNAME" val="ColorBarOnSlides"/>
-  <p:tag name="SHAPECLASSPROTECTIONTYPE" val="15"/>
-</p:tagLst>
-</file>
-
-<file path=ppt/tags/tag30.xml><?xml version="1.0" encoding="utf-8"?>
-<p:tagLst xmlns:a="http://schemas.openxmlformats.org/drawingml/2006/main" xmlns:r="http://schemas.openxmlformats.org/officeDocument/2006/relationships" xmlns:p="http://schemas.openxmlformats.org/presentationml/2006/main">
-  <p:tag name="FONTSETCLASSNAME" val="FontSet1"/>
-  <p:tag name="COLORSETCLASSNAME" val="ColorSet1"/>
-  <p:tag name="STYLENAME" val="Bodystyle"/>
-  <p:tag name="MLI" val="1"/>
-  <p:tag name="SHAPESETGROUPCLASSNAME" val="ShapeSetGroup1"/>
-  <p:tag name="SHAPESETCLASSNAME" val="Object"/>
-  <p:tag name="COLORSETGROUPCLASSNAME" val="ColorSetGroup3"/>
-  <p:tag name="FONTSETGROUPCLASSNAME" val="FontSetGroup1"/>
-  <p:tag name="SHAPECLASSNAME" val="ObjectFull"/>
-  <p:tag name="SHAPECLASSPROTECTIONTYPE" val="0"/>
-  <p:tag name="COLORS" val="Black;-1;-2;-2;-1;-2"/>
-</p:tagLst>
-</file>
-
-<file path=ppt/tags/tag300.xml><?xml version="1.0" encoding="utf-8"?>
-<p:tagLst xmlns:a="http://schemas.openxmlformats.org/drawingml/2006/main" xmlns:r="http://schemas.openxmlformats.org/officeDocument/2006/relationships" xmlns:p="http://schemas.openxmlformats.org/presentationml/2006/main">
-  <p:tag name="FONT" val="Reg5x5"/>
-  <p:tag name="FONTSETCLASSNAME" val="FontSet1"/>
-  <p:tag name="COLORS" val="-2;-2;-2;-2;-2;-2"/>
-  <p:tag name="COLORSETCLASSNAME" val="ColorSet1"/>
-  <p:tag name="SCRIPT" val="1"/>
-  <p:tag name="FIELDS" val="REM_ANL;"/>
-  <p:tag name="MLI" val="1"/>
-  <p:tag name="SHAPESETGROUPCLASSNAME" val="ShapeSetGroup1"/>
-  <p:tag name="SHAPESETCLASSNAME" val="StaticAgenda"/>
-  <p:tag name="COLORSETGROUPCLASSNAME" val="ColorSetGroup3"/>
-  <p:tag name="FONTSETGROUPCLASSNAME" val="FontSetGroup1"/>
-  <p:tag name="SHAPECLASSNAME" val="Attachment"/>
-  <p:tag name="SHAPECLASSPROTECTIONTYPE" val="3"/>
-</p:tagLst>
-</file>
-
-<file path=ppt/tags/tag301.xml><?xml version="1.0" encoding="utf-8"?>
-<p:tagLst xmlns:a="http://schemas.openxmlformats.org/drawingml/2006/main" xmlns:r="http://schemas.openxmlformats.org/officeDocument/2006/relationships" xmlns:p="http://schemas.openxmlformats.org/presentationml/2006/main">
-  <p:tag name="FONT" val="NavbarItem"/>
-  <p:tag name="FONTSETCLASSNAME" val="FontSet1"/>
-  <p:tag name="COLORS" val="-2;-2;-2;-2;-2;-2"/>
-  <p:tag name="COLORSETCLASSNAME" val="ColorSet1"/>
-  <p:tag name="MLI" val="1"/>
-  <p:tag name="SHAPESETGROUPCLASSNAME" val="ShapeSetGroup1"/>
-  <p:tag name="SHAPESETCLASSNAME" val="StaticAgenda"/>
-  <p:tag name="COLORSETGROUPCLASSNAME" val="ColorSetGroup3"/>
-  <p:tag name="FONTSETGROUPCLASSNAME" val="FontSetGroup1"/>
-  <p:tag name="SHAPECLASSNAME" val="tNavbar"/>
-  <p:tag name="SHAPECLASSPROTECTIONTYPE" val="31"/>
-</p:tagLst>
-</file>
-
-<file path=ppt/tags/tag302.xml><?xml version="1.0" encoding="utf-8"?>
-<p:tagLst xmlns:a="http://schemas.openxmlformats.org/drawingml/2006/main" xmlns:r="http://schemas.openxmlformats.org/officeDocument/2006/relationships" xmlns:p="http://schemas.openxmlformats.org/presentationml/2006/main">
-  <p:tag name="FONT" val="Reg28"/>
-  <p:tag name="FONTSETCLASSNAME" val="FontSet1"/>
-  <p:tag name="COLORSETCLASSNAME" val="ColorSet1"/>
-  <p:tag name="MLI" val="1"/>
-  <p:tag name="SHAPESETGROUPCLASSNAME" val="ShapeSetGroup1"/>
-  <p:tag name="SHAPESETCLASSNAME" val="StaticAgenda"/>
-  <p:tag name="COLORSETGROUPCLASSNAME" val="ColorSetGroup3"/>
-  <p:tag name="FONTSETGROUPCLASSNAME" val="FontSetGroup1"/>
-  <p:tag name="SHAPECLASSNAME" val="TitleOnAgenda"/>
-  <p:tag name="SHAPECLASSPROTECTIONTYPE" val="9"/>
-  <p:tag name="COLORS" val="-2;-2;-2;-2;-1;-2"/>
-</p:tagLst>
-</file>
-
-<file path=ppt/tags/tag303.xml><?xml version="1.0" encoding="utf-8"?>
-<p:tagLst xmlns:a="http://schemas.openxmlformats.org/drawingml/2006/main" xmlns:r="http://schemas.openxmlformats.org/officeDocument/2006/relationships" xmlns:p="http://schemas.openxmlformats.org/presentationml/2006/main">
-  <p:tag name="FONTSETCLASSNAME" val="FontSet1"/>
-  <p:tag name="COLORS" val="-2;-2;-2;-2;-2;-2"/>
-  <p:tag name="COLORSETCLASSNAME" val="ColorSet1"/>
-  <p:tag name="STYLENAME" val="Bodystyle"/>
-  <p:tag name="MLI" val="1"/>
-  <p:tag name="SHAPESETGROUPCLASSNAME" val="ShapeSetGroup1"/>
-  <p:tag name="SHAPESETCLASSNAME" val="StaticAgenda"/>
-  <p:tag name="COLORSETGROUPCLASSNAME" val="ColorSetGroup3"/>
-  <p:tag name="FONTSETGROUPCLASSNAME" val="FontSetGroup1"/>
-  <p:tag name="SHAPECLASSNAME" val="BodyOnAgenda"/>
-  <p:tag name="SHAPECLASSPROTECTIONTYPE" val="0"/>
 </p:tagLst>
 </file>
 
@@ -32833,6 +33754,37 @@
   <p:tag name="SHAPECLASSPROTECTIONTYPE" val=" 9"/>
   <p:tag name="RUNS.FONT" val="2"/>
   <p:tag name="COLORS" val="-2;-2;-2;-2;LightGreen;-2"/>
+</p:tagLst>
+</file>
+
+<file path=ppt/tags/tag310.xml><?xml version="1.0" encoding="utf-8"?>
+<p:tagLst xmlns:a="http://schemas.openxmlformats.org/drawingml/2006/main" xmlns:r="http://schemas.openxmlformats.org/officeDocument/2006/relationships" xmlns:p="http://schemas.openxmlformats.org/presentationml/2006/main">
+  <p:tag name="COLORS" val="-2;-2;-2;-2;-2;-2"/>
+  <p:tag name="COLORSETCLASSNAME" val="ColorSet1"/>
+  <p:tag name="SHAPESETGROUPCLASSNAME" val="ShapeSetGroup1"/>
+  <p:tag name="SHAPESETCLASSNAME" val="EndSlide"/>
+  <p:tag name="COLORSETGROUPCLASSNAME" val="ColorSetGroup3"/>
+  <p:tag name="FONTSETGROUPCLASSNAME" val="FontSetGroup1"/>
+  <p:tag name="SHAPECLASSFILE" val="Bosch-Symbol-Logotype-Supergraphic.png"/>
+  <p:tag name="MLI" val="1"/>
+  <p:tag name="SHAPECLASSNAME" val="ColorBarOnTitleSlides"/>
+  <p:tag name="SHAPECLASSPROTECTIONTYPE" val="15"/>
+</p:tagLst>
+</file>
+
+<file path=ppt/tags/tag311.xml><?xml version="1.0" encoding="utf-8"?>
+<p:tagLst xmlns:a="http://schemas.openxmlformats.org/drawingml/2006/main" xmlns:r="http://schemas.openxmlformats.org/officeDocument/2006/relationships" xmlns:p="http://schemas.openxmlformats.org/presentationml/2006/main">
+  <p:tag name="FONT" val="Reg80"/>
+  <p:tag name="FONTSETCLASSNAME" val="FontSet1"/>
+  <p:tag name="COLORSETCLASSNAME" val="ColorSet1"/>
+  <p:tag name="MLI" val="1"/>
+  <p:tag name="SHAPESETGROUPCLASSNAME" val="ShapeSetGroup1"/>
+  <p:tag name="SHAPESETCLASSNAME" val="EndSlide"/>
+  <p:tag name="COLORSETGROUPCLASSNAME" val="ColorSetGroup3"/>
+  <p:tag name="FONTSETGROUPCLASSNAME" val="FontSetGroup1"/>
+  <p:tag name="SHAPECLASSNAME" val="TextOnEndSlide"/>
+  <p:tag name="SHAPECLASSPROTECTIONTYPE" val="3"/>
+  <p:tag name="COLORS" val="-2;-2;-2;-2;-1;-2"/>
 </p:tagLst>
 </file>
 
